--- a/M6_Monocle_Pseudotime/M5_Monocle_Timeseries.pptx
+++ b/M6_Monocle_Pseudotime/M5_Monocle_Timeseries.pptx
@@ -5,12 +5,13 @@
     <p:sldMasterId id="2147483656" r:id="rId1"/>
   </p:sldMasterIdLst>
   <p:notesMasterIdLst>
-    <p:notesMasterId r:id="rId5"/>
+    <p:notesMasterId r:id="rId6"/>
   </p:notesMasterIdLst>
   <p:sldIdLst>
     <p:sldId id="256" r:id="rId2"/>
     <p:sldId id="261" r:id="rId3"/>
-    <p:sldId id="262" r:id="rId4"/>
+    <p:sldId id="263" r:id="rId4"/>
+    <p:sldId id="262" r:id="rId5"/>
   </p:sldIdLst>
   <p:sldSz cx="12192000" cy="6858000"/>
   <p:notesSz cx="6858000" cy="9144000"/>
@@ -199,7 +200,7 @@
           <a:p>
             <a:fld id="{FF40CFF0-3E11-4AF6-9747-7919C58FBC48}" type="datetimeFigureOut">
               <a:rPr lang="en-US" smtClean="0"/>
-              <a:t>1/9/24</a:t>
+              <a:t>2/19/2024</a:t>
             </a:fld>
             <a:endParaRPr lang="en-US"/>
           </a:p>
@@ -565,6 +566,129 @@
 </p:notes>
 </file>
 
+<file path=ppt/notesSlides/notesSlide2.xml><?xml version="1.0" encoding="utf-8"?>
+<p:notes xmlns:a="http://schemas.openxmlformats.org/drawingml/2006/main" xmlns:r="http://schemas.openxmlformats.org/officeDocument/2006/relationships" xmlns:p="http://schemas.openxmlformats.org/presentationml/2006/main">
+  <p:cSld>
+    <p:spTree>
+      <p:nvGrpSpPr>
+        <p:cNvPr id="1" name="">
+          <a:extLst>
+            <a:ext uri="{FF2B5EF4-FFF2-40B4-BE49-F238E27FC236}">
+              <a16:creationId xmlns:a16="http://schemas.microsoft.com/office/drawing/2014/main" id="{98484916-B189-284B-BD17-39D85FDBD393}"/>
+            </a:ext>
+          </a:extLst>
+        </p:cNvPr>
+        <p:cNvGrpSpPr/>
+        <p:nvPr/>
+      </p:nvGrpSpPr>
+      <p:grpSpPr>
+        <a:xfrm>
+          <a:off x="0" y="0"/>
+          <a:ext cx="0" cy="0"/>
+          <a:chOff x="0" y="0"/>
+          <a:chExt cx="0" cy="0"/>
+        </a:xfrm>
+      </p:grpSpPr>
+      <p:sp>
+        <p:nvSpPr>
+          <p:cNvPr id="2" name="Slide Image Placeholder 1">
+            <a:extLst>
+              <a:ext uri="{FF2B5EF4-FFF2-40B4-BE49-F238E27FC236}">
+                <a16:creationId xmlns:a16="http://schemas.microsoft.com/office/drawing/2014/main" id="{4E597F3C-E3E7-7B48-4328-3A44D05FC313}"/>
+              </a:ext>
+            </a:extLst>
+          </p:cNvPr>
+          <p:cNvSpPr>
+            <a:spLocks noGrp="1" noRot="1" noChangeAspect="1"/>
+          </p:cNvSpPr>
+          <p:nvPr>
+            <p:ph type="sldImg"/>
+          </p:nvPr>
+        </p:nvSpPr>
+        <p:spPr/>
+      </p:sp>
+      <p:sp>
+        <p:nvSpPr>
+          <p:cNvPr id="3" name="Notes Placeholder 2">
+            <a:extLst>
+              <a:ext uri="{FF2B5EF4-FFF2-40B4-BE49-F238E27FC236}">
+                <a16:creationId xmlns:a16="http://schemas.microsoft.com/office/drawing/2014/main" id="{05E621D1-51A6-CD52-B650-D64B816501B1}"/>
+              </a:ext>
+            </a:extLst>
+          </p:cNvPr>
+          <p:cNvSpPr>
+            <a:spLocks noGrp="1"/>
+          </p:cNvSpPr>
+          <p:nvPr>
+            <p:ph type="body" idx="1"/>
+          </p:nvPr>
+        </p:nvSpPr>
+        <p:spPr/>
+        <p:txBody>
+          <a:bodyPr/>
+          <a:lstStyle/>
+          <a:p>
+            <a:endParaRPr lang="en-US" dirty="0"/>
+          </a:p>
+          <a:p>
+            <a:endParaRPr lang="en-US" dirty="0"/>
+          </a:p>
+          <a:p>
+            <a:endParaRPr lang="en-US" dirty="0"/>
+          </a:p>
+          <a:p>
+            <a:endParaRPr lang="en-US" dirty="0"/>
+          </a:p>
+          <a:p>
+            <a:r>
+              <a:rPr lang="en-US" dirty="0"/>
+              <a:t>https://www.dreamstime.com/stock-illustration-dna-vector-illustration-human-structure-image49975743</a:t>
+            </a:r>
+          </a:p>
+        </p:txBody>
+      </p:sp>
+      <p:sp>
+        <p:nvSpPr>
+          <p:cNvPr id="4" name="Slide Number Placeholder 3">
+            <a:extLst>
+              <a:ext uri="{FF2B5EF4-FFF2-40B4-BE49-F238E27FC236}">
+                <a16:creationId xmlns:a16="http://schemas.microsoft.com/office/drawing/2014/main" id="{37083402-F481-22A9-39E7-8CA68FE8380F}"/>
+              </a:ext>
+            </a:extLst>
+          </p:cNvPr>
+          <p:cNvSpPr>
+            <a:spLocks noGrp="1"/>
+          </p:cNvSpPr>
+          <p:nvPr>
+            <p:ph type="sldNum" sz="quarter" idx="5"/>
+          </p:nvPr>
+        </p:nvSpPr>
+        <p:spPr/>
+        <p:txBody>
+          <a:bodyPr/>
+          <a:lstStyle/>
+          <a:p>
+            <a:fld id="{121E9C32-9AD5-4F50-8DB4-01491388DC2B}" type="slidenum">
+              <a:rPr lang="en-US" smtClean="0"/>
+              <a:t>3</a:t>
+            </a:fld>
+            <a:endParaRPr lang="en-US"/>
+          </a:p>
+        </p:txBody>
+      </p:sp>
+    </p:spTree>
+    <p:extLst>
+      <p:ext uri="{BB962C8B-B14F-4D97-AF65-F5344CB8AC3E}">
+        <p14:creationId xmlns:p14="http://schemas.microsoft.com/office/powerpoint/2010/main" val="1534718945"/>
+      </p:ext>
+    </p:extLst>
+  </p:cSld>
+  <p:clrMapOvr>
+    <a:masterClrMapping/>
+  </p:clrMapOvr>
+</p:notes>
+</file>
+
 <file path=ppt/slideLayouts/slideLayout1.xml><?xml version="1.0" encoding="utf-8"?>
 <p:sldLayout xmlns:a="http://schemas.openxmlformats.org/drawingml/2006/main" xmlns:r="http://schemas.openxmlformats.org/officeDocument/2006/relationships" xmlns:p="http://schemas.openxmlformats.org/presentationml/2006/main" type="title" preserve="1">
   <p:cSld name="Title Slide">
@@ -722,7 +846,7 @@
           <a:p>
             <a:fld id="{9F69634C-F75C-45F7-A87A-C5E2AF3ECA41}" type="datetimeFigureOut">
               <a:rPr lang="en-US" smtClean="0"/>
-              <a:t>1/9/24</a:t>
+              <a:t>2/19/2024</a:t>
             </a:fld>
             <a:endParaRPr lang="en-US"/>
           </a:p>
@@ -887,7 +1011,7 @@
           <a:p>
             <a:fld id="{9F69634C-F75C-45F7-A87A-C5E2AF3ECA41}" type="datetimeFigureOut">
               <a:rPr lang="en-US" smtClean="0"/>
-              <a:t>1/9/24</a:t>
+              <a:t>2/19/2024</a:t>
             </a:fld>
             <a:endParaRPr lang="en-US"/>
           </a:p>
@@ -1090,7 +1214,7 @@
           <a:p>
             <a:fld id="{9F69634C-F75C-45F7-A87A-C5E2AF3ECA41}" type="datetimeFigureOut">
               <a:rPr lang="en-US" smtClean="0"/>
-              <a:t>1/9/24</a:t>
+              <a:t>2/19/2024</a:t>
             </a:fld>
             <a:endParaRPr lang="en-US"/>
           </a:p>
@@ -1355,7 +1479,7 @@
           <a:p>
             <a:fld id="{9F69634C-F75C-45F7-A87A-C5E2AF3ECA41}" type="datetimeFigureOut">
               <a:rPr lang="en-US" smtClean="0"/>
-              <a:t>1/9/24</a:t>
+              <a:t>2/19/2024</a:t>
             </a:fld>
             <a:endParaRPr lang="en-US"/>
           </a:p>
@@ -1468,7 +1592,7 @@
           <a:p>
             <a:fld id="{9F69634C-F75C-45F7-A87A-C5E2AF3ECA41}" type="datetimeFigureOut">
               <a:rPr lang="en-US" smtClean="0"/>
-              <a:t>1/9/24</a:t>
+              <a:t>2/19/2024</a:t>
             </a:fld>
             <a:endParaRPr lang="en-US"/>
           </a:p>
@@ -1709,7 +1833,7 @@
           <a:p>
             <a:fld id="{9F69634C-F75C-45F7-A87A-C5E2AF3ECA41}" type="datetimeFigureOut">
               <a:rPr lang="en-US" smtClean="0"/>
-              <a:t>1/9/24</a:t>
+              <a:t>2/19/2024</a:t>
             </a:fld>
             <a:endParaRPr lang="en-US"/>
           </a:p>
@@ -2573,6 +2697,57 @@
           </a:p>
         </p:txBody>
       </p:sp>
+      <p:sp>
+        <p:nvSpPr>
+          <p:cNvPr id="154" name="TextBox 153">
+            <a:extLst>
+              <a:ext uri="{FF2B5EF4-FFF2-40B4-BE49-F238E27FC236}">
+                <a16:creationId xmlns:a16="http://schemas.microsoft.com/office/drawing/2014/main" id="{0D5F036F-8391-06F7-D052-E3EB0785FAA9}"/>
+              </a:ext>
+            </a:extLst>
+          </p:cNvPr>
+          <p:cNvSpPr txBox="1"/>
+          <p:nvPr/>
+        </p:nvSpPr>
+        <p:spPr>
+          <a:xfrm>
+            <a:off x="288925" y="2690336"/>
+            <a:ext cx="6191250" cy="1477328"/>
+          </a:xfrm>
+          <a:prstGeom prst="rect">
+            <a:avLst/>
+          </a:prstGeom>
+          <a:noFill/>
+        </p:spPr>
+        <p:txBody>
+          <a:bodyPr wrap="square">
+            <a:spAutoFit/>
+          </a:bodyPr>
+          <a:lstStyle/>
+          <a:p>
+            <a:r>
+              <a:rPr lang="en-US" dirty="0"/>
+              <a:t> </a:t>
+            </a:r>
+            <a:r>
+              <a:rPr lang="en-US" dirty="0" err="1"/>
+              <a:t>pseudotimes</a:t>
+            </a:r>
+            <a:r>
+              <a:rPr lang="en-US" dirty="0"/>
+              <a:t> measure the relative progression of each of the individuals along the biological process of interest, e.g., disease progression, cellular development, etc., allowing us to understand the (pseudo)temporal </a:t>
+            </a:r>
+            <a:r>
+              <a:rPr lang="en-US" dirty="0" err="1"/>
+              <a:t>behaviour</a:t>
+            </a:r>
+            <a:r>
+              <a:rPr lang="en-US" dirty="0"/>
+              <a:t> of measured features without explicit time series data</a:t>
+            </a:r>
+          </a:p>
+        </p:txBody>
+      </p:sp>
     </p:spTree>
     <p:extLst>
       <p:ext uri="{BB962C8B-B14F-4D97-AF65-F5344CB8AC3E}">
@@ -2587,6 +2762,5734 @@
 </file>
 
 <file path=ppt/slides/slide3.xml><?xml version="1.0" encoding="utf-8"?>
+<p:sld xmlns:a="http://schemas.openxmlformats.org/drawingml/2006/main" xmlns:r="http://schemas.openxmlformats.org/officeDocument/2006/relationships" xmlns:p="http://schemas.openxmlformats.org/presentationml/2006/main">
+  <p:cSld>
+    <p:spTree>
+      <p:nvGrpSpPr>
+        <p:cNvPr id="1" name="">
+          <a:extLst>
+            <a:ext uri="{FF2B5EF4-FFF2-40B4-BE49-F238E27FC236}">
+              <a16:creationId xmlns:a16="http://schemas.microsoft.com/office/drawing/2014/main" id="{48AD48B5-0821-9E56-C5E2-A31D90E48E92}"/>
+            </a:ext>
+          </a:extLst>
+        </p:cNvPr>
+        <p:cNvGrpSpPr/>
+        <p:nvPr/>
+      </p:nvGrpSpPr>
+      <p:grpSpPr>
+        <a:xfrm>
+          <a:off x="0" y="0"/>
+          <a:ext cx="0" cy="0"/>
+          <a:chOff x="0" y="0"/>
+          <a:chExt cx="0" cy="0"/>
+        </a:xfrm>
+      </p:grpSpPr>
+      <p:grpSp>
+        <p:nvGrpSpPr>
+          <p:cNvPr id="130" name="Group 129">
+            <a:extLst>
+              <a:ext uri="{FF2B5EF4-FFF2-40B4-BE49-F238E27FC236}">
+                <a16:creationId xmlns:a16="http://schemas.microsoft.com/office/drawing/2014/main" id="{7B6DD23E-6DA1-B1FE-8875-C9F48DB8A005}"/>
+              </a:ext>
+            </a:extLst>
+          </p:cNvPr>
+          <p:cNvGrpSpPr/>
+          <p:nvPr/>
+        </p:nvGrpSpPr>
+        <p:grpSpPr>
+          <a:xfrm>
+            <a:off x="4340911" y="1135231"/>
+            <a:ext cx="4314925" cy="5658958"/>
+            <a:chOff x="5617261" y="1193287"/>
+            <a:chExt cx="4314925" cy="5658958"/>
+          </a:xfrm>
+        </p:grpSpPr>
+        <p:sp>
+          <p:nvSpPr>
+            <p:cNvPr id="124" name="Rectangle 123">
+              <a:extLst>
+                <a:ext uri="{FF2B5EF4-FFF2-40B4-BE49-F238E27FC236}">
+                  <a16:creationId xmlns:a16="http://schemas.microsoft.com/office/drawing/2014/main" id="{9EDAA168-6130-88EB-49EA-FE5585CD465C}"/>
+                </a:ext>
+              </a:extLst>
+            </p:cNvPr>
+            <p:cNvSpPr/>
+            <p:nvPr/>
+          </p:nvSpPr>
+          <p:spPr>
+            <a:xfrm>
+              <a:off x="5617261" y="1193287"/>
+              <a:ext cx="1977339" cy="5658957"/>
+            </a:xfrm>
+            <a:prstGeom prst="rect">
+              <a:avLst/>
+            </a:prstGeom>
+            <a:solidFill>
+              <a:schemeClr val="accent1">
+                <a:alpha val="6000"/>
+              </a:schemeClr>
+            </a:solidFill>
+            <a:ln>
+              <a:noFill/>
+            </a:ln>
+          </p:spPr>
+          <p:style>
+            <a:lnRef idx="2">
+              <a:schemeClr val="accent1">
+                <a:shade val="15000"/>
+              </a:schemeClr>
+            </a:lnRef>
+            <a:fillRef idx="1">
+              <a:schemeClr val="accent1"/>
+            </a:fillRef>
+            <a:effectRef idx="0">
+              <a:schemeClr val="accent1"/>
+            </a:effectRef>
+            <a:fontRef idx="minor">
+              <a:schemeClr val="lt1"/>
+            </a:fontRef>
+          </p:style>
+          <p:txBody>
+            <a:bodyPr rtlCol="0" anchor="ctr"/>
+            <a:lstStyle/>
+            <a:p>
+              <a:pPr algn="ctr"/>
+              <a:endParaRPr lang="en-US"/>
+            </a:p>
+          </p:txBody>
+        </p:sp>
+        <p:sp>
+          <p:nvSpPr>
+            <p:cNvPr id="125" name="Rectangle 124">
+              <a:extLst>
+                <a:ext uri="{FF2B5EF4-FFF2-40B4-BE49-F238E27FC236}">
+                  <a16:creationId xmlns:a16="http://schemas.microsoft.com/office/drawing/2014/main" id="{D480E9D2-2FCE-389D-F5A6-4FFB82C120D0}"/>
+                </a:ext>
+              </a:extLst>
+            </p:cNvPr>
+            <p:cNvSpPr/>
+            <p:nvPr/>
+          </p:nvSpPr>
+          <p:spPr>
+            <a:xfrm>
+              <a:off x="7580969" y="1193287"/>
+              <a:ext cx="2351217" cy="5658958"/>
+            </a:xfrm>
+            <a:custGeom>
+              <a:avLst/>
+              <a:gdLst>
+                <a:gd name="connsiteX0" fmla="*/ 0 w 1956199"/>
+                <a:gd name="connsiteY0" fmla="*/ 0 h 1113135"/>
+                <a:gd name="connsiteX1" fmla="*/ 1956199 w 1956199"/>
+                <a:gd name="connsiteY1" fmla="*/ 0 h 1113135"/>
+                <a:gd name="connsiteX2" fmla="*/ 1956199 w 1956199"/>
+                <a:gd name="connsiteY2" fmla="*/ 1113135 h 1113135"/>
+                <a:gd name="connsiteX3" fmla="*/ 0 w 1956199"/>
+                <a:gd name="connsiteY3" fmla="*/ 1113135 h 1113135"/>
+                <a:gd name="connsiteX4" fmla="*/ 0 w 1956199"/>
+                <a:gd name="connsiteY4" fmla="*/ 0 h 1113135"/>
+                <a:gd name="connsiteX0" fmla="*/ 14018 w 1970217"/>
+                <a:gd name="connsiteY0" fmla="*/ 0 h 1113135"/>
+                <a:gd name="connsiteX1" fmla="*/ 1970217 w 1970217"/>
+                <a:gd name="connsiteY1" fmla="*/ 0 h 1113135"/>
+                <a:gd name="connsiteX2" fmla="*/ 1970217 w 1970217"/>
+                <a:gd name="connsiteY2" fmla="*/ 1113135 h 1113135"/>
+                <a:gd name="connsiteX3" fmla="*/ 14018 w 1970217"/>
+                <a:gd name="connsiteY3" fmla="*/ 1113135 h 1113135"/>
+                <a:gd name="connsiteX4" fmla="*/ 0 w 1970217"/>
+                <a:gd name="connsiteY4" fmla="*/ 801072 h 1113135"/>
+                <a:gd name="connsiteX5" fmla="*/ 14018 w 1970217"/>
+                <a:gd name="connsiteY5" fmla="*/ 0 h 1113135"/>
+                <a:gd name="connsiteX0" fmla="*/ 461693 w 2417892"/>
+                <a:gd name="connsiteY0" fmla="*/ 0 h 4973022"/>
+                <a:gd name="connsiteX1" fmla="*/ 2417892 w 2417892"/>
+                <a:gd name="connsiteY1" fmla="*/ 0 h 4973022"/>
+                <a:gd name="connsiteX2" fmla="*/ 2417892 w 2417892"/>
+                <a:gd name="connsiteY2" fmla="*/ 1113135 h 4973022"/>
+                <a:gd name="connsiteX3" fmla="*/ 461693 w 2417892"/>
+                <a:gd name="connsiteY3" fmla="*/ 1113135 h 4973022"/>
+                <a:gd name="connsiteX4" fmla="*/ 0 w 2417892"/>
+                <a:gd name="connsiteY4" fmla="*/ 4973022 h 4973022"/>
+                <a:gd name="connsiteX5" fmla="*/ 461693 w 2417892"/>
+                <a:gd name="connsiteY5" fmla="*/ 0 h 4973022"/>
+                <a:gd name="connsiteX0" fmla="*/ 461693 w 2417892"/>
+                <a:gd name="connsiteY0" fmla="*/ 0 h 4973022"/>
+                <a:gd name="connsiteX1" fmla="*/ 2417892 w 2417892"/>
+                <a:gd name="connsiteY1" fmla="*/ 0 h 4973022"/>
+                <a:gd name="connsiteX2" fmla="*/ 2417892 w 2417892"/>
+                <a:gd name="connsiteY2" fmla="*/ 1113135 h 4973022"/>
+                <a:gd name="connsiteX3" fmla="*/ 461693 w 2417892"/>
+                <a:gd name="connsiteY3" fmla="*/ 1113135 h 4973022"/>
+                <a:gd name="connsiteX4" fmla="*/ 0 w 2417892"/>
+                <a:gd name="connsiteY4" fmla="*/ 4973022 h 4973022"/>
+                <a:gd name="connsiteX5" fmla="*/ 409575 w 2417892"/>
+                <a:gd name="connsiteY5" fmla="*/ 372446 h 4973022"/>
+                <a:gd name="connsiteX6" fmla="*/ 461693 w 2417892"/>
+                <a:gd name="connsiteY6" fmla="*/ 0 h 4973022"/>
+                <a:gd name="connsiteX0" fmla="*/ 480743 w 2436942"/>
+                <a:gd name="connsiteY0" fmla="*/ 751504 h 5724526"/>
+                <a:gd name="connsiteX1" fmla="*/ 2436942 w 2436942"/>
+                <a:gd name="connsiteY1" fmla="*/ 751504 h 5724526"/>
+                <a:gd name="connsiteX2" fmla="*/ 2436942 w 2436942"/>
+                <a:gd name="connsiteY2" fmla="*/ 1864639 h 5724526"/>
+                <a:gd name="connsiteX3" fmla="*/ 480743 w 2436942"/>
+                <a:gd name="connsiteY3" fmla="*/ 1864639 h 5724526"/>
+                <a:gd name="connsiteX4" fmla="*/ 19050 w 2436942"/>
+                <a:gd name="connsiteY4" fmla="*/ 5724526 h 5724526"/>
+                <a:gd name="connsiteX5" fmla="*/ 0 w 2436942"/>
+                <a:gd name="connsiteY5" fmla="*/ 0 h 5724526"/>
+                <a:gd name="connsiteX6" fmla="*/ 480743 w 2436942"/>
+                <a:gd name="connsiteY6" fmla="*/ 751504 h 5724526"/>
+                <a:gd name="connsiteX0" fmla="*/ 471218 w 2427417"/>
+                <a:gd name="connsiteY0" fmla="*/ 722929 h 5695951"/>
+                <a:gd name="connsiteX1" fmla="*/ 2427417 w 2427417"/>
+                <a:gd name="connsiteY1" fmla="*/ 722929 h 5695951"/>
+                <a:gd name="connsiteX2" fmla="*/ 2427417 w 2427417"/>
+                <a:gd name="connsiteY2" fmla="*/ 1836064 h 5695951"/>
+                <a:gd name="connsiteX3" fmla="*/ 471218 w 2427417"/>
+                <a:gd name="connsiteY3" fmla="*/ 1836064 h 5695951"/>
+                <a:gd name="connsiteX4" fmla="*/ 9525 w 2427417"/>
+                <a:gd name="connsiteY4" fmla="*/ 5695951 h 5695951"/>
+                <a:gd name="connsiteX5" fmla="*/ 0 w 2427417"/>
+                <a:gd name="connsiteY5" fmla="*/ 0 h 5695951"/>
+                <a:gd name="connsiteX6" fmla="*/ 471218 w 2427417"/>
+                <a:gd name="connsiteY6" fmla="*/ 722929 h 5695951"/>
+                <a:gd name="connsiteX0" fmla="*/ 575993 w 2427417"/>
+                <a:gd name="connsiteY0" fmla="*/ 722929 h 5695951"/>
+                <a:gd name="connsiteX1" fmla="*/ 2427417 w 2427417"/>
+                <a:gd name="connsiteY1" fmla="*/ 722929 h 5695951"/>
+                <a:gd name="connsiteX2" fmla="*/ 2427417 w 2427417"/>
+                <a:gd name="connsiteY2" fmla="*/ 1836064 h 5695951"/>
+                <a:gd name="connsiteX3" fmla="*/ 471218 w 2427417"/>
+                <a:gd name="connsiteY3" fmla="*/ 1836064 h 5695951"/>
+                <a:gd name="connsiteX4" fmla="*/ 9525 w 2427417"/>
+                <a:gd name="connsiteY4" fmla="*/ 5695951 h 5695951"/>
+                <a:gd name="connsiteX5" fmla="*/ 0 w 2427417"/>
+                <a:gd name="connsiteY5" fmla="*/ 0 h 5695951"/>
+                <a:gd name="connsiteX6" fmla="*/ 575993 w 2427417"/>
+                <a:gd name="connsiteY6" fmla="*/ 722929 h 5695951"/>
+                <a:gd name="connsiteX0" fmla="*/ 575993 w 2427417"/>
+                <a:gd name="connsiteY0" fmla="*/ 722929 h 5695951"/>
+                <a:gd name="connsiteX1" fmla="*/ 2427417 w 2427417"/>
+                <a:gd name="connsiteY1" fmla="*/ 722929 h 5695951"/>
+                <a:gd name="connsiteX2" fmla="*/ 2427417 w 2427417"/>
+                <a:gd name="connsiteY2" fmla="*/ 1836064 h 5695951"/>
+                <a:gd name="connsiteX3" fmla="*/ 614093 w 2427417"/>
+                <a:gd name="connsiteY3" fmla="*/ 1826539 h 5695951"/>
+                <a:gd name="connsiteX4" fmla="*/ 9525 w 2427417"/>
+                <a:gd name="connsiteY4" fmla="*/ 5695951 h 5695951"/>
+                <a:gd name="connsiteX5" fmla="*/ 0 w 2427417"/>
+                <a:gd name="connsiteY5" fmla="*/ 0 h 5695951"/>
+                <a:gd name="connsiteX6" fmla="*/ 575993 w 2427417"/>
+                <a:gd name="connsiteY6" fmla="*/ 722929 h 5695951"/>
+                <a:gd name="connsiteX0" fmla="*/ 575993 w 2427417"/>
+                <a:gd name="connsiteY0" fmla="*/ 722929 h 5695951"/>
+                <a:gd name="connsiteX1" fmla="*/ 2351217 w 2427417"/>
+                <a:gd name="connsiteY1" fmla="*/ 722929 h 5695951"/>
+                <a:gd name="connsiteX2" fmla="*/ 2427417 w 2427417"/>
+                <a:gd name="connsiteY2" fmla="*/ 1836064 h 5695951"/>
+                <a:gd name="connsiteX3" fmla="*/ 614093 w 2427417"/>
+                <a:gd name="connsiteY3" fmla="*/ 1826539 h 5695951"/>
+                <a:gd name="connsiteX4" fmla="*/ 9525 w 2427417"/>
+                <a:gd name="connsiteY4" fmla="*/ 5695951 h 5695951"/>
+                <a:gd name="connsiteX5" fmla="*/ 0 w 2427417"/>
+                <a:gd name="connsiteY5" fmla="*/ 0 h 5695951"/>
+                <a:gd name="connsiteX6" fmla="*/ 575993 w 2427417"/>
+                <a:gd name="connsiteY6" fmla="*/ 722929 h 5695951"/>
+                <a:gd name="connsiteX0" fmla="*/ 575993 w 2351217"/>
+                <a:gd name="connsiteY0" fmla="*/ 722929 h 5695951"/>
+                <a:gd name="connsiteX1" fmla="*/ 2351217 w 2351217"/>
+                <a:gd name="connsiteY1" fmla="*/ 722929 h 5695951"/>
+                <a:gd name="connsiteX2" fmla="*/ 2351217 w 2351217"/>
+                <a:gd name="connsiteY2" fmla="*/ 1826477 h 5695951"/>
+                <a:gd name="connsiteX3" fmla="*/ 614093 w 2351217"/>
+                <a:gd name="connsiteY3" fmla="*/ 1826539 h 5695951"/>
+                <a:gd name="connsiteX4" fmla="*/ 9525 w 2351217"/>
+                <a:gd name="connsiteY4" fmla="*/ 5695951 h 5695951"/>
+                <a:gd name="connsiteX5" fmla="*/ 0 w 2351217"/>
+                <a:gd name="connsiteY5" fmla="*/ 0 h 5695951"/>
+                <a:gd name="connsiteX6" fmla="*/ 575993 w 2351217"/>
+                <a:gd name="connsiteY6" fmla="*/ 722929 h 5695951"/>
+                <a:gd name="connsiteX0" fmla="*/ 375968 w 2351217"/>
+                <a:gd name="connsiteY0" fmla="*/ 722929 h 5695951"/>
+                <a:gd name="connsiteX1" fmla="*/ 2351217 w 2351217"/>
+                <a:gd name="connsiteY1" fmla="*/ 722929 h 5695951"/>
+                <a:gd name="connsiteX2" fmla="*/ 2351217 w 2351217"/>
+                <a:gd name="connsiteY2" fmla="*/ 1826477 h 5695951"/>
+                <a:gd name="connsiteX3" fmla="*/ 614093 w 2351217"/>
+                <a:gd name="connsiteY3" fmla="*/ 1826539 h 5695951"/>
+                <a:gd name="connsiteX4" fmla="*/ 9525 w 2351217"/>
+                <a:gd name="connsiteY4" fmla="*/ 5695951 h 5695951"/>
+                <a:gd name="connsiteX5" fmla="*/ 0 w 2351217"/>
+                <a:gd name="connsiteY5" fmla="*/ 0 h 5695951"/>
+                <a:gd name="connsiteX6" fmla="*/ 375968 w 2351217"/>
+                <a:gd name="connsiteY6" fmla="*/ 722929 h 5695951"/>
+                <a:gd name="connsiteX0" fmla="*/ 375968 w 2351217"/>
+                <a:gd name="connsiteY0" fmla="*/ 722929 h 5695951"/>
+                <a:gd name="connsiteX1" fmla="*/ 2351217 w 2351217"/>
+                <a:gd name="connsiteY1" fmla="*/ 722929 h 5695951"/>
+                <a:gd name="connsiteX2" fmla="*/ 2351217 w 2351217"/>
+                <a:gd name="connsiteY2" fmla="*/ 1826477 h 5695951"/>
+                <a:gd name="connsiteX3" fmla="*/ 414068 w 2351217"/>
+                <a:gd name="connsiteY3" fmla="*/ 1826539 h 5695951"/>
+                <a:gd name="connsiteX4" fmla="*/ 9525 w 2351217"/>
+                <a:gd name="connsiteY4" fmla="*/ 5695951 h 5695951"/>
+                <a:gd name="connsiteX5" fmla="*/ 0 w 2351217"/>
+                <a:gd name="connsiteY5" fmla="*/ 0 h 5695951"/>
+                <a:gd name="connsiteX6" fmla="*/ 375968 w 2351217"/>
+                <a:gd name="connsiteY6" fmla="*/ 722929 h 5695951"/>
+                <a:gd name="connsiteX0" fmla="*/ 347393 w 2351217"/>
+                <a:gd name="connsiteY0" fmla="*/ 722929 h 5695951"/>
+                <a:gd name="connsiteX1" fmla="*/ 2351217 w 2351217"/>
+                <a:gd name="connsiteY1" fmla="*/ 722929 h 5695951"/>
+                <a:gd name="connsiteX2" fmla="*/ 2351217 w 2351217"/>
+                <a:gd name="connsiteY2" fmla="*/ 1826477 h 5695951"/>
+                <a:gd name="connsiteX3" fmla="*/ 414068 w 2351217"/>
+                <a:gd name="connsiteY3" fmla="*/ 1826539 h 5695951"/>
+                <a:gd name="connsiteX4" fmla="*/ 9525 w 2351217"/>
+                <a:gd name="connsiteY4" fmla="*/ 5695951 h 5695951"/>
+                <a:gd name="connsiteX5" fmla="*/ 0 w 2351217"/>
+                <a:gd name="connsiteY5" fmla="*/ 0 h 5695951"/>
+                <a:gd name="connsiteX6" fmla="*/ 347393 w 2351217"/>
+                <a:gd name="connsiteY6" fmla="*/ 722929 h 5695951"/>
+                <a:gd name="connsiteX0" fmla="*/ 347393 w 2351217"/>
+                <a:gd name="connsiteY0" fmla="*/ 722929 h 5695951"/>
+                <a:gd name="connsiteX1" fmla="*/ 2351217 w 2351217"/>
+                <a:gd name="connsiteY1" fmla="*/ 722929 h 5695951"/>
+                <a:gd name="connsiteX2" fmla="*/ 2351217 w 2351217"/>
+                <a:gd name="connsiteY2" fmla="*/ 1826477 h 5695951"/>
+                <a:gd name="connsiteX3" fmla="*/ 356918 w 2351217"/>
+                <a:gd name="connsiteY3" fmla="*/ 1826539 h 5695951"/>
+                <a:gd name="connsiteX4" fmla="*/ 9525 w 2351217"/>
+                <a:gd name="connsiteY4" fmla="*/ 5695951 h 5695951"/>
+                <a:gd name="connsiteX5" fmla="*/ 0 w 2351217"/>
+                <a:gd name="connsiteY5" fmla="*/ 0 h 5695951"/>
+                <a:gd name="connsiteX6" fmla="*/ 347393 w 2351217"/>
+                <a:gd name="connsiteY6" fmla="*/ 722929 h 5695951"/>
+                <a:gd name="connsiteX0" fmla="*/ 347393 w 2351217"/>
+                <a:gd name="connsiteY0" fmla="*/ 722929 h 5695951"/>
+                <a:gd name="connsiteX1" fmla="*/ 2351217 w 2351217"/>
+                <a:gd name="connsiteY1" fmla="*/ 1077658 h 5695951"/>
+                <a:gd name="connsiteX2" fmla="*/ 2351217 w 2351217"/>
+                <a:gd name="connsiteY2" fmla="*/ 1826477 h 5695951"/>
+                <a:gd name="connsiteX3" fmla="*/ 356918 w 2351217"/>
+                <a:gd name="connsiteY3" fmla="*/ 1826539 h 5695951"/>
+                <a:gd name="connsiteX4" fmla="*/ 9525 w 2351217"/>
+                <a:gd name="connsiteY4" fmla="*/ 5695951 h 5695951"/>
+                <a:gd name="connsiteX5" fmla="*/ 0 w 2351217"/>
+                <a:gd name="connsiteY5" fmla="*/ 0 h 5695951"/>
+                <a:gd name="connsiteX6" fmla="*/ 347393 w 2351217"/>
+                <a:gd name="connsiteY6" fmla="*/ 722929 h 5695951"/>
+                <a:gd name="connsiteX0" fmla="*/ 328343 w 2351217"/>
+                <a:gd name="connsiteY0" fmla="*/ 1077658 h 5695951"/>
+                <a:gd name="connsiteX1" fmla="*/ 2351217 w 2351217"/>
+                <a:gd name="connsiteY1" fmla="*/ 1077658 h 5695951"/>
+                <a:gd name="connsiteX2" fmla="*/ 2351217 w 2351217"/>
+                <a:gd name="connsiteY2" fmla="*/ 1826477 h 5695951"/>
+                <a:gd name="connsiteX3" fmla="*/ 356918 w 2351217"/>
+                <a:gd name="connsiteY3" fmla="*/ 1826539 h 5695951"/>
+                <a:gd name="connsiteX4" fmla="*/ 9525 w 2351217"/>
+                <a:gd name="connsiteY4" fmla="*/ 5695951 h 5695951"/>
+                <a:gd name="connsiteX5" fmla="*/ 0 w 2351217"/>
+                <a:gd name="connsiteY5" fmla="*/ 0 h 5695951"/>
+                <a:gd name="connsiteX6" fmla="*/ 328343 w 2351217"/>
+                <a:gd name="connsiteY6" fmla="*/ 1077658 h 5695951"/>
+              </a:gdLst>
+              <a:ahLst/>
+              <a:cxnLst>
+                <a:cxn ang="0">
+                  <a:pos x="connsiteX0" y="connsiteY0"/>
+                </a:cxn>
+                <a:cxn ang="0">
+                  <a:pos x="connsiteX1" y="connsiteY1"/>
+                </a:cxn>
+                <a:cxn ang="0">
+                  <a:pos x="connsiteX2" y="connsiteY2"/>
+                </a:cxn>
+                <a:cxn ang="0">
+                  <a:pos x="connsiteX3" y="connsiteY3"/>
+                </a:cxn>
+                <a:cxn ang="0">
+                  <a:pos x="connsiteX4" y="connsiteY4"/>
+                </a:cxn>
+                <a:cxn ang="0">
+                  <a:pos x="connsiteX5" y="connsiteY5"/>
+                </a:cxn>
+                <a:cxn ang="0">
+                  <a:pos x="connsiteX6" y="connsiteY6"/>
+                </a:cxn>
+              </a:cxnLst>
+              <a:rect l="l" t="t" r="r" b="b"/>
+              <a:pathLst>
+                <a:path w="2351217" h="5695951">
+                  <a:moveTo>
+                    <a:pt x="328343" y="1077658"/>
+                  </a:moveTo>
+                  <a:lnTo>
+                    <a:pt x="2351217" y="1077658"/>
+                  </a:lnTo>
+                  <a:lnTo>
+                    <a:pt x="2351217" y="1826477"/>
+                  </a:lnTo>
+                  <a:lnTo>
+                    <a:pt x="356918" y="1826539"/>
+                  </a:lnTo>
+                  <a:lnTo>
+                    <a:pt x="9525" y="5695951"/>
+                  </a:lnTo>
+                  <a:lnTo>
+                    <a:pt x="0" y="0"/>
+                  </a:lnTo>
+                  <a:lnTo>
+                    <a:pt x="328343" y="1077658"/>
+                  </a:lnTo>
+                  <a:close/>
+                </a:path>
+              </a:pathLst>
+            </a:custGeom>
+            <a:solidFill>
+              <a:schemeClr val="accent1">
+                <a:alpha val="6000"/>
+              </a:schemeClr>
+            </a:solidFill>
+            <a:ln>
+              <a:noFill/>
+            </a:ln>
+          </p:spPr>
+          <p:style>
+            <a:lnRef idx="2">
+              <a:schemeClr val="accent1">
+                <a:shade val="15000"/>
+              </a:schemeClr>
+            </a:lnRef>
+            <a:fillRef idx="1">
+              <a:schemeClr val="accent1"/>
+            </a:fillRef>
+            <a:effectRef idx="0">
+              <a:schemeClr val="accent1"/>
+            </a:effectRef>
+            <a:fontRef idx="minor">
+              <a:schemeClr val="lt1"/>
+            </a:fontRef>
+          </p:style>
+          <p:txBody>
+            <a:bodyPr rtlCol="0" anchor="ctr"/>
+            <a:lstStyle/>
+            <a:p>
+              <a:pPr algn="ctr"/>
+              <a:endParaRPr lang="en-US"/>
+            </a:p>
+          </p:txBody>
+        </p:sp>
+      </p:grpSp>
+      <p:grpSp>
+        <p:nvGrpSpPr>
+          <p:cNvPr id="129" name="Group 128">
+            <a:extLst>
+              <a:ext uri="{FF2B5EF4-FFF2-40B4-BE49-F238E27FC236}">
+                <a16:creationId xmlns:a16="http://schemas.microsoft.com/office/drawing/2014/main" id="{C301EC9F-BD01-79C4-93F4-16D89057A91D}"/>
+              </a:ext>
+            </a:extLst>
+          </p:cNvPr>
+          <p:cNvGrpSpPr/>
+          <p:nvPr/>
+        </p:nvGrpSpPr>
+        <p:grpSpPr>
+          <a:xfrm>
+            <a:off x="759258" y="1136262"/>
+            <a:ext cx="5545612" cy="5720832"/>
+            <a:chOff x="2035608" y="1194318"/>
+            <a:chExt cx="5545612" cy="5579707"/>
+          </a:xfrm>
+        </p:grpSpPr>
+        <p:sp>
+          <p:nvSpPr>
+            <p:cNvPr id="122" name="Rectangle 121">
+              <a:extLst>
+                <a:ext uri="{FF2B5EF4-FFF2-40B4-BE49-F238E27FC236}">
+                  <a16:creationId xmlns:a16="http://schemas.microsoft.com/office/drawing/2014/main" id="{C27063BE-4B89-54E5-0256-0A671E960DA3}"/>
+                </a:ext>
+              </a:extLst>
+            </p:cNvPr>
+            <p:cNvSpPr/>
+            <p:nvPr/>
+          </p:nvSpPr>
+          <p:spPr>
+            <a:xfrm>
+              <a:off x="2035608" y="1194318"/>
+              <a:ext cx="2172498" cy="5557884"/>
+            </a:xfrm>
+            <a:prstGeom prst="rect">
+              <a:avLst/>
+            </a:prstGeom>
+            <a:solidFill>
+              <a:schemeClr val="accent2">
+                <a:alpha val="6000"/>
+              </a:schemeClr>
+            </a:solidFill>
+            <a:ln>
+              <a:noFill/>
+            </a:ln>
+          </p:spPr>
+          <p:style>
+            <a:lnRef idx="2">
+              <a:schemeClr val="accent1">
+                <a:shade val="15000"/>
+              </a:schemeClr>
+            </a:lnRef>
+            <a:fillRef idx="1">
+              <a:schemeClr val="accent1"/>
+            </a:fillRef>
+            <a:effectRef idx="0">
+              <a:schemeClr val="accent1"/>
+            </a:effectRef>
+            <a:fontRef idx="minor">
+              <a:schemeClr val="lt1"/>
+            </a:fontRef>
+          </p:style>
+          <p:txBody>
+            <a:bodyPr rtlCol="0" anchor="ctr"/>
+            <a:lstStyle/>
+            <a:p>
+              <a:pPr algn="ctr"/>
+              <a:endParaRPr lang="en-US"/>
+            </a:p>
+          </p:txBody>
+        </p:sp>
+        <p:sp>
+          <p:nvSpPr>
+            <p:cNvPr id="123" name="Rectangle 122">
+              <a:extLst>
+                <a:ext uri="{FF2B5EF4-FFF2-40B4-BE49-F238E27FC236}">
+                  <a16:creationId xmlns:a16="http://schemas.microsoft.com/office/drawing/2014/main" id="{7A74E77E-E0A6-B5B5-C6B1-D7F21C1441E5}"/>
+                </a:ext>
+              </a:extLst>
+            </p:cNvPr>
+            <p:cNvSpPr/>
+            <p:nvPr/>
+          </p:nvSpPr>
+          <p:spPr>
+            <a:xfrm>
+              <a:off x="4210147" y="1195319"/>
+              <a:ext cx="3371073" cy="5578706"/>
+            </a:xfrm>
+            <a:custGeom>
+              <a:avLst/>
+              <a:gdLst>
+                <a:gd name="connsiteX0" fmla="*/ 0 w 2228073"/>
+                <a:gd name="connsiteY0" fmla="*/ 0 h 5634302"/>
+                <a:gd name="connsiteX1" fmla="*/ 2228073 w 2228073"/>
+                <a:gd name="connsiteY1" fmla="*/ 0 h 5634302"/>
+                <a:gd name="connsiteX2" fmla="*/ 2228073 w 2228073"/>
+                <a:gd name="connsiteY2" fmla="*/ 5634302 h 5634302"/>
+                <a:gd name="connsiteX3" fmla="*/ 0 w 2228073"/>
+                <a:gd name="connsiteY3" fmla="*/ 5634302 h 5634302"/>
+                <a:gd name="connsiteX4" fmla="*/ 0 w 2228073"/>
+                <a:gd name="connsiteY4" fmla="*/ 0 h 5634302"/>
+                <a:gd name="connsiteX0" fmla="*/ 0 w 2228073"/>
+                <a:gd name="connsiteY0" fmla="*/ 0 h 5634302"/>
+                <a:gd name="connsiteX1" fmla="*/ 2228073 w 2228073"/>
+                <a:gd name="connsiteY1" fmla="*/ 0 h 5634302"/>
+                <a:gd name="connsiteX2" fmla="*/ 2228073 w 2228073"/>
+                <a:gd name="connsiteY2" fmla="*/ 3538802 h 5634302"/>
+                <a:gd name="connsiteX3" fmla="*/ 0 w 2228073"/>
+                <a:gd name="connsiteY3" fmla="*/ 5634302 h 5634302"/>
+                <a:gd name="connsiteX4" fmla="*/ 0 w 2228073"/>
+                <a:gd name="connsiteY4" fmla="*/ 0 h 5634302"/>
+                <a:gd name="connsiteX0" fmla="*/ 0 w 2228073"/>
+                <a:gd name="connsiteY0" fmla="*/ 0 h 5634302"/>
+                <a:gd name="connsiteX1" fmla="*/ 2228073 w 2228073"/>
+                <a:gd name="connsiteY1" fmla="*/ 0 h 5634302"/>
+                <a:gd name="connsiteX2" fmla="*/ 2228073 w 2228073"/>
+                <a:gd name="connsiteY2" fmla="*/ 3538802 h 5634302"/>
+                <a:gd name="connsiteX3" fmla="*/ 1251954 w 2228073"/>
+                <a:gd name="connsiteY3" fmla="*/ 4437589 h 5634302"/>
+                <a:gd name="connsiteX4" fmla="*/ 0 w 2228073"/>
+                <a:gd name="connsiteY4" fmla="*/ 5634302 h 5634302"/>
+                <a:gd name="connsiteX5" fmla="*/ 0 w 2228073"/>
+                <a:gd name="connsiteY5" fmla="*/ 0 h 5634302"/>
+                <a:gd name="connsiteX0" fmla="*/ 0 w 2228073"/>
+                <a:gd name="connsiteY0" fmla="*/ 0 h 5634302"/>
+                <a:gd name="connsiteX1" fmla="*/ 2228073 w 2228073"/>
+                <a:gd name="connsiteY1" fmla="*/ 0 h 5634302"/>
+                <a:gd name="connsiteX2" fmla="*/ 2228073 w 2228073"/>
+                <a:gd name="connsiteY2" fmla="*/ 3538802 h 5634302"/>
+                <a:gd name="connsiteX3" fmla="*/ 451854 w 2228073"/>
+                <a:gd name="connsiteY3" fmla="*/ 3546049 h 5634302"/>
+                <a:gd name="connsiteX4" fmla="*/ 0 w 2228073"/>
+                <a:gd name="connsiteY4" fmla="*/ 5634302 h 5634302"/>
+                <a:gd name="connsiteX5" fmla="*/ 0 w 2228073"/>
+                <a:gd name="connsiteY5" fmla="*/ 0 h 5634302"/>
+                <a:gd name="connsiteX0" fmla="*/ 0 w 3371073"/>
+                <a:gd name="connsiteY0" fmla="*/ 0 h 5634302"/>
+                <a:gd name="connsiteX1" fmla="*/ 3371073 w 3371073"/>
+                <a:gd name="connsiteY1" fmla="*/ 9620 h 5634302"/>
+                <a:gd name="connsiteX2" fmla="*/ 2228073 w 3371073"/>
+                <a:gd name="connsiteY2" fmla="*/ 3538802 h 5634302"/>
+                <a:gd name="connsiteX3" fmla="*/ 451854 w 3371073"/>
+                <a:gd name="connsiteY3" fmla="*/ 3546049 h 5634302"/>
+                <a:gd name="connsiteX4" fmla="*/ 0 w 3371073"/>
+                <a:gd name="connsiteY4" fmla="*/ 5634302 h 5634302"/>
+                <a:gd name="connsiteX5" fmla="*/ 0 w 3371073"/>
+                <a:gd name="connsiteY5" fmla="*/ 0 h 5634302"/>
+                <a:gd name="connsiteX0" fmla="*/ 0 w 3371073"/>
+                <a:gd name="connsiteY0" fmla="*/ 0 h 5634302"/>
+                <a:gd name="connsiteX1" fmla="*/ 3371073 w 3371073"/>
+                <a:gd name="connsiteY1" fmla="*/ 9620 h 5634302"/>
+                <a:gd name="connsiteX2" fmla="*/ 3371073 w 3371073"/>
+                <a:gd name="connsiteY2" fmla="*/ 3865879 h 5634302"/>
+                <a:gd name="connsiteX3" fmla="*/ 451854 w 3371073"/>
+                <a:gd name="connsiteY3" fmla="*/ 3546049 h 5634302"/>
+                <a:gd name="connsiteX4" fmla="*/ 0 w 3371073"/>
+                <a:gd name="connsiteY4" fmla="*/ 5634302 h 5634302"/>
+                <a:gd name="connsiteX5" fmla="*/ 0 w 3371073"/>
+                <a:gd name="connsiteY5" fmla="*/ 0 h 5634302"/>
+                <a:gd name="connsiteX0" fmla="*/ 0 w 3371073"/>
+                <a:gd name="connsiteY0" fmla="*/ 0 h 5634302"/>
+                <a:gd name="connsiteX1" fmla="*/ 3371073 w 3371073"/>
+                <a:gd name="connsiteY1" fmla="*/ 9620 h 5634302"/>
+                <a:gd name="connsiteX2" fmla="*/ 3371073 w 3371073"/>
+                <a:gd name="connsiteY2" fmla="*/ 3865879 h 5634302"/>
+                <a:gd name="connsiteX3" fmla="*/ 651879 w 3371073"/>
+                <a:gd name="connsiteY3" fmla="*/ 3873127 h 5634302"/>
+                <a:gd name="connsiteX4" fmla="*/ 0 w 3371073"/>
+                <a:gd name="connsiteY4" fmla="*/ 5634302 h 5634302"/>
+                <a:gd name="connsiteX5" fmla="*/ 0 w 3371073"/>
+                <a:gd name="connsiteY5" fmla="*/ 0 h 5634302"/>
+              </a:gdLst>
+              <a:ahLst/>
+              <a:cxnLst>
+                <a:cxn ang="0">
+                  <a:pos x="connsiteX0" y="connsiteY0"/>
+                </a:cxn>
+                <a:cxn ang="0">
+                  <a:pos x="connsiteX1" y="connsiteY1"/>
+                </a:cxn>
+                <a:cxn ang="0">
+                  <a:pos x="connsiteX2" y="connsiteY2"/>
+                </a:cxn>
+                <a:cxn ang="0">
+                  <a:pos x="connsiteX3" y="connsiteY3"/>
+                </a:cxn>
+                <a:cxn ang="0">
+                  <a:pos x="connsiteX4" y="connsiteY4"/>
+                </a:cxn>
+                <a:cxn ang="0">
+                  <a:pos x="connsiteX5" y="connsiteY5"/>
+                </a:cxn>
+              </a:cxnLst>
+              <a:rect l="l" t="t" r="r" b="b"/>
+              <a:pathLst>
+                <a:path w="3371073" h="5634302">
+                  <a:moveTo>
+                    <a:pt x="0" y="0"/>
+                  </a:moveTo>
+                  <a:lnTo>
+                    <a:pt x="3371073" y="9620"/>
+                  </a:lnTo>
+                  <a:lnTo>
+                    <a:pt x="3371073" y="3865879"/>
+                  </a:lnTo>
+                  <a:lnTo>
+                    <a:pt x="651879" y="3873127"/>
+                  </a:lnTo>
+                  <a:lnTo>
+                    <a:pt x="0" y="5634302"/>
+                  </a:lnTo>
+                  <a:lnTo>
+                    <a:pt x="0" y="0"/>
+                  </a:lnTo>
+                  <a:close/>
+                </a:path>
+              </a:pathLst>
+            </a:custGeom>
+            <a:solidFill>
+              <a:schemeClr val="accent2">
+                <a:alpha val="6000"/>
+              </a:schemeClr>
+            </a:solidFill>
+            <a:ln>
+              <a:noFill/>
+            </a:ln>
+          </p:spPr>
+          <p:style>
+            <a:lnRef idx="2">
+              <a:schemeClr val="accent1">
+                <a:shade val="15000"/>
+              </a:schemeClr>
+            </a:lnRef>
+            <a:fillRef idx="1">
+              <a:schemeClr val="accent1"/>
+            </a:fillRef>
+            <a:effectRef idx="0">
+              <a:schemeClr val="accent1"/>
+            </a:effectRef>
+            <a:fontRef idx="minor">
+              <a:schemeClr val="lt1"/>
+            </a:fontRef>
+          </p:style>
+          <p:txBody>
+            <a:bodyPr rtlCol="0" anchor="ctr"/>
+            <a:lstStyle/>
+            <a:p>
+              <a:pPr algn="ctr"/>
+              <a:endParaRPr lang="en-US" dirty="0"/>
+            </a:p>
+          </p:txBody>
+        </p:sp>
+      </p:grpSp>
+      <p:sp>
+        <p:nvSpPr>
+          <p:cNvPr id="2" name="Title 1">
+            <a:extLst>
+              <a:ext uri="{FF2B5EF4-FFF2-40B4-BE49-F238E27FC236}">
+                <a16:creationId xmlns:a16="http://schemas.microsoft.com/office/drawing/2014/main" id="{8F7D11E3-4FB5-7F56-DADD-A320F3F9243C}"/>
+              </a:ext>
+            </a:extLst>
+          </p:cNvPr>
+          <p:cNvSpPr>
+            <a:spLocks noGrp="1"/>
+          </p:cNvSpPr>
+          <p:nvPr>
+            <p:ph type="title"/>
+          </p:nvPr>
+        </p:nvSpPr>
+        <p:spPr/>
+        <p:txBody>
+          <a:bodyPr/>
+          <a:lstStyle/>
+          <a:p>
+            <a:r>
+              <a:rPr lang="en-US" dirty="0"/>
+              <a:t>Monocle3 Pipeline, Overlap with Seurat</a:t>
+            </a:r>
+          </a:p>
+        </p:txBody>
+      </p:sp>
+      <p:grpSp>
+        <p:nvGrpSpPr>
+          <p:cNvPr id="7" name="Group 6">
+            <a:extLst>
+              <a:ext uri="{FF2B5EF4-FFF2-40B4-BE49-F238E27FC236}">
+                <a16:creationId xmlns:a16="http://schemas.microsoft.com/office/drawing/2014/main" id="{4510370B-1861-64F4-BBDD-6CBFB3E58EB2}"/>
+              </a:ext>
+            </a:extLst>
+          </p:cNvPr>
+          <p:cNvGrpSpPr/>
+          <p:nvPr/>
+        </p:nvGrpSpPr>
+        <p:grpSpPr>
+          <a:xfrm>
+            <a:off x="921544" y="2406921"/>
+            <a:ext cx="1775396" cy="338554"/>
+            <a:chOff x="-11289" y="2786494"/>
+            <a:chExt cx="2170520" cy="338554"/>
+          </a:xfrm>
+        </p:grpSpPr>
+        <p:sp>
+          <p:nvSpPr>
+            <p:cNvPr id="8" name="Rectangle 7">
+              <a:extLst>
+                <a:ext uri="{FF2B5EF4-FFF2-40B4-BE49-F238E27FC236}">
+                  <a16:creationId xmlns:a16="http://schemas.microsoft.com/office/drawing/2014/main" id="{B704D84F-731E-9082-2B21-091C6A37CFD1}"/>
+                </a:ext>
+              </a:extLst>
+            </p:cNvPr>
+            <p:cNvSpPr/>
+            <p:nvPr/>
+          </p:nvSpPr>
+          <p:spPr>
+            <a:xfrm>
+              <a:off x="176908" y="2814116"/>
+              <a:ext cx="1835101" cy="256032"/>
+            </a:xfrm>
+            <a:prstGeom prst="rect">
+              <a:avLst/>
+            </a:prstGeom>
+            <a:solidFill>
+              <a:schemeClr val="bg1"/>
+            </a:solidFill>
+            <a:ln>
+              <a:solidFill>
+                <a:schemeClr val="tx1"/>
+              </a:solidFill>
+            </a:ln>
+          </p:spPr>
+          <p:style>
+            <a:lnRef idx="2">
+              <a:schemeClr val="accent1">
+                <a:shade val="15000"/>
+              </a:schemeClr>
+            </a:lnRef>
+            <a:fillRef idx="1">
+              <a:schemeClr val="accent1"/>
+            </a:fillRef>
+            <a:effectRef idx="0">
+              <a:schemeClr val="accent1"/>
+            </a:effectRef>
+            <a:fontRef idx="minor">
+              <a:schemeClr val="lt1"/>
+            </a:fontRef>
+          </p:style>
+          <p:txBody>
+            <a:bodyPr rtlCol="0" anchor="ctr"/>
+            <a:lstStyle/>
+            <a:p>
+              <a:pPr algn="ctr"/>
+              <a:endParaRPr lang="en-US">
+                <a:solidFill>
+                  <a:schemeClr val="tx1"/>
+                </a:solidFill>
+              </a:endParaRPr>
+            </a:p>
+          </p:txBody>
+        </p:sp>
+        <p:sp>
+          <p:nvSpPr>
+            <p:cNvPr id="9" name="TextBox 8">
+              <a:extLst>
+                <a:ext uri="{FF2B5EF4-FFF2-40B4-BE49-F238E27FC236}">
+                  <a16:creationId xmlns:a16="http://schemas.microsoft.com/office/drawing/2014/main" id="{DF12BD3C-77B8-029A-56CD-173FF30B09FE}"/>
+                </a:ext>
+              </a:extLst>
+            </p:cNvPr>
+            <p:cNvSpPr txBox="1"/>
+            <p:nvPr/>
+          </p:nvSpPr>
+          <p:spPr>
+            <a:xfrm>
+              <a:off x="-11289" y="2786494"/>
+              <a:ext cx="2170520" cy="338554"/>
+            </a:xfrm>
+            <a:prstGeom prst="rect">
+              <a:avLst/>
+            </a:prstGeom>
+            <a:noFill/>
+          </p:spPr>
+          <p:txBody>
+            <a:bodyPr wrap="square" rtlCol="0">
+              <a:spAutoFit/>
+            </a:bodyPr>
+            <a:lstStyle/>
+            <a:p>
+              <a:pPr algn="ctr"/>
+              <a:r>
+                <a:rPr lang="en-US" sz="1600" b="1" dirty="0"/>
+                <a:t>Normalization</a:t>
+              </a:r>
+            </a:p>
+          </p:txBody>
+        </p:sp>
+      </p:grpSp>
+      <p:grpSp>
+        <p:nvGrpSpPr>
+          <p:cNvPr id="10" name="Group 9">
+            <a:extLst>
+              <a:ext uri="{FF2B5EF4-FFF2-40B4-BE49-F238E27FC236}">
+                <a16:creationId xmlns:a16="http://schemas.microsoft.com/office/drawing/2014/main" id="{24683702-81FE-6548-923B-7A355B570D40}"/>
+              </a:ext>
+            </a:extLst>
+          </p:cNvPr>
+          <p:cNvGrpSpPr/>
+          <p:nvPr/>
+        </p:nvGrpSpPr>
+        <p:grpSpPr>
+          <a:xfrm>
+            <a:off x="918119" y="3805106"/>
+            <a:ext cx="1782247" cy="830997"/>
+            <a:chOff x="27906" y="5317845"/>
+            <a:chExt cx="2185416" cy="830997"/>
+          </a:xfrm>
+        </p:grpSpPr>
+        <p:sp>
+          <p:nvSpPr>
+            <p:cNvPr id="11" name="Rectangle 10">
+              <a:extLst>
+                <a:ext uri="{FF2B5EF4-FFF2-40B4-BE49-F238E27FC236}">
+                  <a16:creationId xmlns:a16="http://schemas.microsoft.com/office/drawing/2014/main" id="{59043660-3AF2-BB1D-4E89-4DE1451F796A}"/>
+                </a:ext>
+              </a:extLst>
+            </p:cNvPr>
+            <p:cNvSpPr/>
+            <p:nvPr/>
+          </p:nvSpPr>
+          <p:spPr>
+            <a:xfrm>
+              <a:off x="292267" y="5372080"/>
+              <a:ext cx="1658952" cy="729608"/>
+            </a:xfrm>
+            <a:prstGeom prst="rect">
+              <a:avLst/>
+            </a:prstGeom>
+            <a:solidFill>
+              <a:schemeClr val="bg1"/>
+            </a:solidFill>
+            <a:ln>
+              <a:solidFill>
+                <a:schemeClr val="tx1"/>
+              </a:solidFill>
+            </a:ln>
+          </p:spPr>
+          <p:style>
+            <a:lnRef idx="2">
+              <a:schemeClr val="accent1">
+                <a:shade val="15000"/>
+              </a:schemeClr>
+            </a:lnRef>
+            <a:fillRef idx="1">
+              <a:schemeClr val="accent1"/>
+            </a:fillRef>
+            <a:effectRef idx="0">
+              <a:schemeClr val="accent1"/>
+            </a:effectRef>
+            <a:fontRef idx="minor">
+              <a:schemeClr val="lt1"/>
+            </a:fontRef>
+          </p:style>
+          <p:txBody>
+            <a:bodyPr rtlCol="0" anchor="ctr"/>
+            <a:lstStyle/>
+            <a:p>
+              <a:pPr algn="ctr"/>
+              <a:endParaRPr lang="en-US">
+                <a:solidFill>
+                  <a:schemeClr val="tx1"/>
+                </a:solidFill>
+              </a:endParaRPr>
+            </a:p>
+          </p:txBody>
+        </p:sp>
+        <p:sp>
+          <p:nvSpPr>
+            <p:cNvPr id="12" name="TextBox 11">
+              <a:extLst>
+                <a:ext uri="{FF2B5EF4-FFF2-40B4-BE49-F238E27FC236}">
+                  <a16:creationId xmlns:a16="http://schemas.microsoft.com/office/drawing/2014/main" id="{56E56C49-FD67-8037-0223-9D96334452D9}"/>
+                </a:ext>
+              </a:extLst>
+            </p:cNvPr>
+            <p:cNvSpPr txBox="1"/>
+            <p:nvPr/>
+          </p:nvSpPr>
+          <p:spPr>
+            <a:xfrm>
+              <a:off x="27906" y="5317845"/>
+              <a:ext cx="2185416" cy="830997"/>
+            </a:xfrm>
+            <a:prstGeom prst="rect">
+              <a:avLst/>
+            </a:prstGeom>
+            <a:noFill/>
+          </p:spPr>
+          <p:txBody>
+            <a:bodyPr wrap="square" rtlCol="0">
+              <a:spAutoFit/>
+            </a:bodyPr>
+            <a:lstStyle/>
+            <a:p>
+              <a:pPr algn="ctr"/>
+              <a:r>
+                <a:rPr lang="en-US" sz="1600" b="1" dirty="0"/>
+                <a:t>Linear Dimensional </a:t>
+              </a:r>
+            </a:p>
+            <a:p>
+              <a:pPr algn="ctr"/>
+              <a:r>
+                <a:rPr lang="en-US" sz="1600" b="1" dirty="0"/>
+                <a:t>Reduction </a:t>
+              </a:r>
+            </a:p>
+          </p:txBody>
+        </p:sp>
+      </p:grpSp>
+      <p:grpSp>
+        <p:nvGrpSpPr>
+          <p:cNvPr id="13" name="Group 12">
+            <a:extLst>
+              <a:ext uri="{FF2B5EF4-FFF2-40B4-BE49-F238E27FC236}">
+                <a16:creationId xmlns:a16="http://schemas.microsoft.com/office/drawing/2014/main" id="{062BC7AE-7E66-B88D-88DE-6FBDACD00730}"/>
+              </a:ext>
+            </a:extLst>
+          </p:cNvPr>
+          <p:cNvGrpSpPr/>
+          <p:nvPr/>
+        </p:nvGrpSpPr>
+        <p:grpSpPr>
+          <a:xfrm>
+            <a:off x="1089266" y="4979622"/>
+            <a:ext cx="1439952" cy="338554"/>
+            <a:chOff x="154851" y="5720670"/>
+            <a:chExt cx="2215538" cy="338554"/>
+          </a:xfrm>
+        </p:grpSpPr>
+        <p:sp>
+          <p:nvSpPr>
+            <p:cNvPr id="14" name="Rectangle 13">
+              <a:extLst>
+                <a:ext uri="{FF2B5EF4-FFF2-40B4-BE49-F238E27FC236}">
+                  <a16:creationId xmlns:a16="http://schemas.microsoft.com/office/drawing/2014/main" id="{EA53F215-D050-F408-C174-CA93CECE7A6F}"/>
+                </a:ext>
+              </a:extLst>
+            </p:cNvPr>
+            <p:cNvSpPr/>
+            <p:nvPr/>
+          </p:nvSpPr>
+          <p:spPr>
+            <a:xfrm>
+              <a:off x="199869" y="5754457"/>
+              <a:ext cx="2170520" cy="282928"/>
+            </a:xfrm>
+            <a:prstGeom prst="rect">
+              <a:avLst/>
+            </a:prstGeom>
+            <a:solidFill>
+              <a:schemeClr val="bg1"/>
+            </a:solidFill>
+            <a:ln>
+              <a:solidFill>
+                <a:schemeClr val="tx1"/>
+              </a:solidFill>
+            </a:ln>
+          </p:spPr>
+          <p:style>
+            <a:lnRef idx="2">
+              <a:schemeClr val="accent1">
+                <a:shade val="15000"/>
+              </a:schemeClr>
+            </a:lnRef>
+            <a:fillRef idx="1">
+              <a:schemeClr val="accent1"/>
+            </a:fillRef>
+            <a:effectRef idx="0">
+              <a:schemeClr val="accent1"/>
+            </a:effectRef>
+            <a:fontRef idx="minor">
+              <a:schemeClr val="lt1"/>
+            </a:fontRef>
+          </p:style>
+          <p:txBody>
+            <a:bodyPr rtlCol="0" anchor="ctr"/>
+            <a:lstStyle/>
+            <a:p>
+              <a:pPr algn="ctr"/>
+              <a:endParaRPr lang="en-US">
+                <a:solidFill>
+                  <a:schemeClr val="tx1"/>
+                </a:solidFill>
+              </a:endParaRPr>
+            </a:p>
+          </p:txBody>
+        </p:sp>
+        <p:sp>
+          <p:nvSpPr>
+            <p:cNvPr id="15" name="TextBox 14">
+              <a:extLst>
+                <a:ext uri="{FF2B5EF4-FFF2-40B4-BE49-F238E27FC236}">
+                  <a16:creationId xmlns:a16="http://schemas.microsoft.com/office/drawing/2014/main" id="{DAF7952C-1A2D-369F-B88D-9C5680AE11E2}"/>
+                </a:ext>
+              </a:extLst>
+            </p:cNvPr>
+            <p:cNvSpPr txBox="1"/>
+            <p:nvPr/>
+          </p:nvSpPr>
+          <p:spPr>
+            <a:xfrm>
+              <a:off x="154851" y="5720670"/>
+              <a:ext cx="2170520" cy="338554"/>
+            </a:xfrm>
+            <a:prstGeom prst="rect">
+              <a:avLst/>
+            </a:prstGeom>
+            <a:noFill/>
+          </p:spPr>
+          <p:txBody>
+            <a:bodyPr wrap="square" rtlCol="0">
+              <a:spAutoFit/>
+            </a:bodyPr>
+            <a:lstStyle/>
+            <a:p>
+              <a:pPr algn="ctr"/>
+              <a:r>
+                <a:rPr lang="en-US" sz="1600" b="1" dirty="0"/>
+                <a:t>Clustering</a:t>
+              </a:r>
+            </a:p>
+          </p:txBody>
+        </p:sp>
+      </p:grpSp>
+      <p:grpSp>
+        <p:nvGrpSpPr>
+          <p:cNvPr id="16" name="Group 15">
+            <a:extLst>
+              <a:ext uri="{FF2B5EF4-FFF2-40B4-BE49-F238E27FC236}">
+                <a16:creationId xmlns:a16="http://schemas.microsoft.com/office/drawing/2014/main" id="{F6C3FC01-C980-892B-BDE8-25AFCA21F6A3}"/>
+              </a:ext>
+            </a:extLst>
+          </p:cNvPr>
+          <p:cNvGrpSpPr/>
+          <p:nvPr/>
+        </p:nvGrpSpPr>
+        <p:grpSpPr>
+          <a:xfrm>
+            <a:off x="1289813" y="1779750"/>
+            <a:ext cx="1038858" cy="338554"/>
+            <a:chOff x="59136" y="2068190"/>
+            <a:chExt cx="2233557" cy="338554"/>
+          </a:xfrm>
+        </p:grpSpPr>
+        <p:sp>
+          <p:nvSpPr>
+            <p:cNvPr id="17" name="Rectangle 16">
+              <a:extLst>
+                <a:ext uri="{FF2B5EF4-FFF2-40B4-BE49-F238E27FC236}">
+                  <a16:creationId xmlns:a16="http://schemas.microsoft.com/office/drawing/2014/main" id="{55AD03A2-A5B3-C9EF-AF1C-D8D720DFDBB3}"/>
+                </a:ext>
+              </a:extLst>
+            </p:cNvPr>
+            <p:cNvSpPr/>
+            <p:nvPr/>
+          </p:nvSpPr>
+          <p:spPr>
+            <a:xfrm>
+              <a:off x="113938" y="2120893"/>
+              <a:ext cx="2178755" cy="256032"/>
+            </a:xfrm>
+            <a:prstGeom prst="rect">
+              <a:avLst/>
+            </a:prstGeom>
+            <a:solidFill>
+              <a:schemeClr val="bg1"/>
+            </a:solidFill>
+            <a:ln>
+              <a:solidFill>
+                <a:schemeClr val="tx1"/>
+              </a:solidFill>
+            </a:ln>
+          </p:spPr>
+          <p:style>
+            <a:lnRef idx="2">
+              <a:schemeClr val="accent1">
+                <a:shade val="15000"/>
+              </a:schemeClr>
+            </a:lnRef>
+            <a:fillRef idx="1">
+              <a:schemeClr val="accent1"/>
+            </a:fillRef>
+            <a:effectRef idx="0">
+              <a:schemeClr val="accent1"/>
+            </a:effectRef>
+            <a:fontRef idx="minor">
+              <a:schemeClr val="lt1"/>
+            </a:fontRef>
+          </p:style>
+          <p:txBody>
+            <a:bodyPr rtlCol="0" anchor="ctr"/>
+            <a:lstStyle/>
+            <a:p>
+              <a:pPr algn="ctr"/>
+              <a:endParaRPr lang="en-US" sz="1600" b="1" dirty="0">
+                <a:solidFill>
+                  <a:schemeClr val="tx1"/>
+                </a:solidFill>
+              </a:endParaRPr>
+            </a:p>
+          </p:txBody>
+        </p:sp>
+        <p:sp>
+          <p:nvSpPr>
+            <p:cNvPr id="18" name="TextBox 17">
+              <a:extLst>
+                <a:ext uri="{FF2B5EF4-FFF2-40B4-BE49-F238E27FC236}">
+                  <a16:creationId xmlns:a16="http://schemas.microsoft.com/office/drawing/2014/main" id="{3E70EEEF-B34B-1193-293D-F050650EFA1C}"/>
+                </a:ext>
+              </a:extLst>
+            </p:cNvPr>
+            <p:cNvSpPr txBox="1"/>
+            <p:nvPr/>
+          </p:nvSpPr>
+          <p:spPr>
+            <a:xfrm>
+              <a:off x="59136" y="2068190"/>
+              <a:ext cx="2204989" cy="338554"/>
+            </a:xfrm>
+            <a:prstGeom prst="rect">
+              <a:avLst/>
+            </a:prstGeom>
+            <a:noFill/>
+          </p:spPr>
+          <p:txBody>
+            <a:bodyPr wrap="square" rtlCol="0">
+              <a:spAutoFit/>
+            </a:bodyPr>
+            <a:lstStyle/>
+            <a:p>
+              <a:pPr algn="ctr"/>
+              <a:r>
+                <a:rPr lang="en-US" sz="1600" b="1" dirty="0"/>
+                <a:t>Filtering</a:t>
+              </a:r>
+            </a:p>
+          </p:txBody>
+        </p:sp>
+      </p:grpSp>
+      <p:grpSp>
+        <p:nvGrpSpPr>
+          <p:cNvPr id="19" name="Group 18">
+            <a:extLst>
+              <a:ext uri="{FF2B5EF4-FFF2-40B4-BE49-F238E27FC236}">
+                <a16:creationId xmlns:a16="http://schemas.microsoft.com/office/drawing/2014/main" id="{3813A1AB-48FF-35C0-43FF-193E564C95A6}"/>
+              </a:ext>
+            </a:extLst>
+          </p:cNvPr>
+          <p:cNvGrpSpPr/>
+          <p:nvPr/>
+        </p:nvGrpSpPr>
+        <p:grpSpPr>
+          <a:xfrm>
+            <a:off x="802605" y="1162365"/>
+            <a:ext cx="2013275" cy="338554"/>
+            <a:chOff x="97343" y="1300458"/>
+            <a:chExt cx="2194560" cy="338554"/>
+          </a:xfrm>
+        </p:grpSpPr>
+        <p:sp>
+          <p:nvSpPr>
+            <p:cNvPr id="20" name="Rectangle 19">
+              <a:extLst>
+                <a:ext uri="{FF2B5EF4-FFF2-40B4-BE49-F238E27FC236}">
+                  <a16:creationId xmlns:a16="http://schemas.microsoft.com/office/drawing/2014/main" id="{7D62602F-1CCB-4C62-18A8-4419D4F2DD05}"/>
+                </a:ext>
+              </a:extLst>
+            </p:cNvPr>
+            <p:cNvSpPr/>
+            <p:nvPr/>
+          </p:nvSpPr>
+          <p:spPr>
+            <a:xfrm>
+              <a:off x="179627" y="1332386"/>
+              <a:ext cx="2062017" cy="256032"/>
+            </a:xfrm>
+            <a:prstGeom prst="rect">
+              <a:avLst/>
+            </a:prstGeom>
+            <a:solidFill>
+              <a:schemeClr val="bg1"/>
+            </a:solidFill>
+            <a:ln>
+              <a:solidFill>
+                <a:schemeClr val="tx1"/>
+              </a:solidFill>
+            </a:ln>
+          </p:spPr>
+          <p:style>
+            <a:lnRef idx="2">
+              <a:schemeClr val="accent1">
+                <a:shade val="15000"/>
+              </a:schemeClr>
+            </a:lnRef>
+            <a:fillRef idx="1">
+              <a:schemeClr val="accent1"/>
+            </a:fillRef>
+            <a:effectRef idx="0">
+              <a:schemeClr val="accent1"/>
+            </a:effectRef>
+            <a:fontRef idx="minor">
+              <a:schemeClr val="lt1"/>
+            </a:fontRef>
+          </p:style>
+          <p:txBody>
+            <a:bodyPr rtlCol="0" anchor="ctr"/>
+            <a:lstStyle/>
+            <a:p>
+              <a:pPr algn="ctr"/>
+              <a:endParaRPr lang="en-US">
+                <a:solidFill>
+                  <a:schemeClr val="tx1"/>
+                </a:solidFill>
+              </a:endParaRPr>
+            </a:p>
+          </p:txBody>
+        </p:sp>
+        <p:sp>
+          <p:nvSpPr>
+            <p:cNvPr id="21" name="TextBox 20">
+              <a:extLst>
+                <a:ext uri="{FF2B5EF4-FFF2-40B4-BE49-F238E27FC236}">
+                  <a16:creationId xmlns:a16="http://schemas.microsoft.com/office/drawing/2014/main" id="{6B3A98C4-096A-7EA0-B505-8C612594343D}"/>
+                </a:ext>
+              </a:extLst>
+            </p:cNvPr>
+            <p:cNvSpPr txBox="1"/>
+            <p:nvPr/>
+          </p:nvSpPr>
+          <p:spPr>
+            <a:xfrm>
+              <a:off x="97343" y="1300458"/>
+              <a:ext cx="2194560" cy="338554"/>
+            </a:xfrm>
+            <a:prstGeom prst="rect">
+              <a:avLst/>
+            </a:prstGeom>
+            <a:noFill/>
+          </p:spPr>
+          <p:txBody>
+            <a:bodyPr wrap="square" rtlCol="0">
+              <a:spAutoFit/>
+            </a:bodyPr>
+            <a:lstStyle/>
+            <a:p>
+              <a:pPr algn="ctr"/>
+              <a:r>
+                <a:rPr lang="en-US" sz="1600" b="1" dirty="0"/>
+                <a:t>Metadata Curation</a:t>
+              </a:r>
+            </a:p>
+          </p:txBody>
+        </p:sp>
+      </p:grpSp>
+      <p:grpSp>
+        <p:nvGrpSpPr>
+          <p:cNvPr id="22" name="Group 21">
+            <a:extLst>
+              <a:ext uri="{FF2B5EF4-FFF2-40B4-BE49-F238E27FC236}">
+                <a16:creationId xmlns:a16="http://schemas.microsoft.com/office/drawing/2014/main" id="{49CADEE0-3E2D-CE05-517B-40FF4E43FCE6}"/>
+              </a:ext>
+            </a:extLst>
+          </p:cNvPr>
+          <p:cNvGrpSpPr/>
+          <p:nvPr/>
+        </p:nvGrpSpPr>
+        <p:grpSpPr>
+          <a:xfrm>
+            <a:off x="1234372" y="3197610"/>
+            <a:ext cx="1149740" cy="338554"/>
+            <a:chOff x="-63988" y="3721744"/>
+            <a:chExt cx="2170519" cy="338554"/>
+          </a:xfrm>
+        </p:grpSpPr>
+        <p:sp>
+          <p:nvSpPr>
+            <p:cNvPr id="23" name="Rectangle 22">
+              <a:extLst>
+                <a:ext uri="{FF2B5EF4-FFF2-40B4-BE49-F238E27FC236}">
+                  <a16:creationId xmlns:a16="http://schemas.microsoft.com/office/drawing/2014/main" id="{0A23B3C3-85C8-912B-411F-04F7B20F44AC}"/>
+                </a:ext>
+              </a:extLst>
+            </p:cNvPr>
+            <p:cNvSpPr/>
+            <p:nvPr/>
+          </p:nvSpPr>
+          <p:spPr>
+            <a:xfrm>
+              <a:off x="87705" y="3760558"/>
+              <a:ext cx="1918995" cy="281534"/>
+            </a:xfrm>
+            <a:prstGeom prst="rect">
+              <a:avLst/>
+            </a:prstGeom>
+            <a:solidFill>
+              <a:schemeClr val="bg1"/>
+            </a:solidFill>
+            <a:ln>
+              <a:solidFill>
+                <a:schemeClr val="tx1"/>
+              </a:solidFill>
+            </a:ln>
+          </p:spPr>
+          <p:style>
+            <a:lnRef idx="2">
+              <a:schemeClr val="accent1">
+                <a:shade val="15000"/>
+              </a:schemeClr>
+            </a:lnRef>
+            <a:fillRef idx="1">
+              <a:schemeClr val="accent1"/>
+            </a:fillRef>
+            <a:effectRef idx="0">
+              <a:schemeClr val="accent1"/>
+            </a:effectRef>
+            <a:fontRef idx="minor">
+              <a:schemeClr val="lt1"/>
+            </a:fontRef>
+          </p:style>
+          <p:txBody>
+            <a:bodyPr rtlCol="0" anchor="ctr"/>
+            <a:lstStyle/>
+            <a:p>
+              <a:pPr algn="ctr"/>
+              <a:endParaRPr lang="en-US">
+                <a:solidFill>
+                  <a:schemeClr val="tx1"/>
+                </a:solidFill>
+              </a:endParaRPr>
+            </a:p>
+          </p:txBody>
+        </p:sp>
+        <p:sp>
+          <p:nvSpPr>
+            <p:cNvPr id="24" name="TextBox 23">
+              <a:extLst>
+                <a:ext uri="{FF2B5EF4-FFF2-40B4-BE49-F238E27FC236}">
+                  <a16:creationId xmlns:a16="http://schemas.microsoft.com/office/drawing/2014/main" id="{8FACB95B-CA8C-A92E-ECE9-B4DD896B43B5}"/>
+                </a:ext>
+              </a:extLst>
+            </p:cNvPr>
+            <p:cNvSpPr txBox="1"/>
+            <p:nvPr/>
+          </p:nvSpPr>
+          <p:spPr>
+            <a:xfrm>
+              <a:off x="-63988" y="3721744"/>
+              <a:ext cx="2170519" cy="338554"/>
+            </a:xfrm>
+            <a:prstGeom prst="rect">
+              <a:avLst/>
+            </a:prstGeom>
+            <a:noFill/>
+          </p:spPr>
+          <p:txBody>
+            <a:bodyPr wrap="square" rtlCol="0">
+              <a:spAutoFit/>
+            </a:bodyPr>
+            <a:lstStyle/>
+            <a:p>
+              <a:pPr algn="ctr"/>
+              <a:r>
+                <a:rPr lang="en-US" sz="1600" b="1" dirty="0"/>
+                <a:t>Scaling</a:t>
+              </a:r>
+            </a:p>
+          </p:txBody>
+        </p:sp>
+      </p:grpSp>
+      <p:sp>
+        <p:nvSpPr>
+          <p:cNvPr id="26" name="TextBox 25">
+            <a:extLst>
+              <a:ext uri="{FF2B5EF4-FFF2-40B4-BE49-F238E27FC236}">
+                <a16:creationId xmlns:a16="http://schemas.microsoft.com/office/drawing/2014/main" id="{D3773D63-1591-D89D-60A4-63E32B1B9436}"/>
+              </a:ext>
+            </a:extLst>
+          </p:cNvPr>
+          <p:cNvSpPr txBox="1"/>
+          <p:nvPr/>
+        </p:nvSpPr>
+        <p:spPr>
+          <a:xfrm>
+            <a:off x="887804" y="1391191"/>
+            <a:ext cx="1842877" cy="276999"/>
+          </a:xfrm>
+          <a:prstGeom prst="rect">
+            <a:avLst/>
+          </a:prstGeom>
+          <a:noFill/>
+        </p:spPr>
+        <p:txBody>
+          <a:bodyPr wrap="square">
+            <a:spAutoFit/>
+          </a:bodyPr>
+          <a:lstStyle/>
+          <a:p>
+            <a:pPr algn="ctr"/>
+            <a:r>
+              <a:rPr lang="en-US" sz="1200" i="1" dirty="0" err="1"/>
+              <a:t>PercentageFeatureSet</a:t>
+            </a:r>
+            <a:r>
+              <a:rPr lang="en-US" sz="1200" i="1" dirty="0"/>
+              <a:t>()</a:t>
+            </a:r>
+          </a:p>
+        </p:txBody>
+      </p:sp>
+      <p:sp>
+        <p:nvSpPr>
+          <p:cNvPr id="27" name="TextBox 26">
+            <a:extLst>
+              <a:ext uri="{FF2B5EF4-FFF2-40B4-BE49-F238E27FC236}">
+                <a16:creationId xmlns:a16="http://schemas.microsoft.com/office/drawing/2014/main" id="{116976B7-1ED3-58D3-C7C9-7BD24C1E930E}"/>
+              </a:ext>
+            </a:extLst>
+          </p:cNvPr>
+          <p:cNvSpPr txBox="1"/>
+          <p:nvPr/>
+        </p:nvSpPr>
+        <p:spPr>
+          <a:xfrm>
+            <a:off x="1391172" y="2030369"/>
+            <a:ext cx="836140" cy="276999"/>
+          </a:xfrm>
+          <a:prstGeom prst="rect">
+            <a:avLst/>
+          </a:prstGeom>
+          <a:noFill/>
+        </p:spPr>
+        <p:txBody>
+          <a:bodyPr wrap="square">
+            <a:spAutoFit/>
+          </a:bodyPr>
+          <a:lstStyle/>
+          <a:p>
+            <a:pPr algn="ctr"/>
+            <a:r>
+              <a:rPr lang="en-US" sz="1200" i="1" dirty="0"/>
+              <a:t>subset()</a:t>
+            </a:r>
+          </a:p>
+        </p:txBody>
+      </p:sp>
+      <p:sp>
+        <p:nvSpPr>
+          <p:cNvPr id="28" name="TextBox 27">
+            <a:extLst>
+              <a:ext uri="{FF2B5EF4-FFF2-40B4-BE49-F238E27FC236}">
+                <a16:creationId xmlns:a16="http://schemas.microsoft.com/office/drawing/2014/main" id="{730488DE-8551-9FF4-BF87-2E1C98AD8AE0}"/>
+              </a:ext>
+            </a:extLst>
+          </p:cNvPr>
+          <p:cNvSpPr txBox="1"/>
+          <p:nvPr/>
+        </p:nvSpPr>
+        <p:spPr>
+          <a:xfrm>
+            <a:off x="1070207" y="2652771"/>
+            <a:ext cx="1478071" cy="276999"/>
+          </a:xfrm>
+          <a:prstGeom prst="rect">
+            <a:avLst/>
+          </a:prstGeom>
+          <a:noFill/>
+        </p:spPr>
+        <p:txBody>
+          <a:bodyPr wrap="square">
+            <a:spAutoFit/>
+          </a:bodyPr>
+          <a:lstStyle/>
+          <a:p>
+            <a:pPr algn="ctr"/>
+            <a:r>
+              <a:rPr lang="en-US" sz="1200" i="1" dirty="0" err="1"/>
+              <a:t>NormalizeData</a:t>
+            </a:r>
+            <a:r>
+              <a:rPr lang="en-US" sz="1200" i="1" dirty="0"/>
+              <a:t>()</a:t>
+            </a:r>
+          </a:p>
+        </p:txBody>
+      </p:sp>
+      <p:sp>
+        <p:nvSpPr>
+          <p:cNvPr id="29" name="TextBox 28">
+            <a:extLst>
+              <a:ext uri="{FF2B5EF4-FFF2-40B4-BE49-F238E27FC236}">
+                <a16:creationId xmlns:a16="http://schemas.microsoft.com/office/drawing/2014/main" id="{F528CE2F-CF96-83C5-7A8E-55AB34505112}"/>
+              </a:ext>
+            </a:extLst>
+          </p:cNvPr>
+          <p:cNvSpPr txBox="1"/>
+          <p:nvPr/>
+        </p:nvSpPr>
+        <p:spPr>
+          <a:xfrm>
+            <a:off x="1022241" y="2822590"/>
+            <a:ext cx="1574002" cy="276999"/>
+          </a:xfrm>
+          <a:prstGeom prst="rect">
+            <a:avLst/>
+          </a:prstGeom>
+          <a:noFill/>
+        </p:spPr>
+        <p:txBody>
+          <a:bodyPr wrap="square">
+            <a:spAutoFit/>
+          </a:bodyPr>
+          <a:lstStyle/>
+          <a:p>
+            <a:pPr algn="ctr"/>
+            <a:r>
+              <a:rPr lang="en-US" sz="1200" i="1" dirty="0" err="1"/>
+              <a:t>FindVariableFeatures</a:t>
+            </a:r>
+            <a:r>
+              <a:rPr lang="en-US" sz="1200" i="1" dirty="0"/>
+              <a:t>()</a:t>
+            </a:r>
+          </a:p>
+        </p:txBody>
+      </p:sp>
+      <p:sp>
+        <p:nvSpPr>
+          <p:cNvPr id="30" name="TextBox 29">
+            <a:extLst>
+              <a:ext uri="{FF2B5EF4-FFF2-40B4-BE49-F238E27FC236}">
+                <a16:creationId xmlns:a16="http://schemas.microsoft.com/office/drawing/2014/main" id="{D2492E03-188D-3471-F7E6-F958D8382234}"/>
+              </a:ext>
+            </a:extLst>
+          </p:cNvPr>
+          <p:cNvSpPr txBox="1"/>
+          <p:nvPr/>
+        </p:nvSpPr>
+        <p:spPr>
+          <a:xfrm>
+            <a:off x="1339979" y="3462392"/>
+            <a:ext cx="938526" cy="276999"/>
+          </a:xfrm>
+          <a:prstGeom prst="rect">
+            <a:avLst/>
+          </a:prstGeom>
+          <a:noFill/>
+        </p:spPr>
+        <p:txBody>
+          <a:bodyPr wrap="square">
+            <a:spAutoFit/>
+          </a:bodyPr>
+          <a:lstStyle/>
+          <a:p>
+            <a:pPr algn="ctr"/>
+            <a:r>
+              <a:rPr lang="en-US" sz="1200" i="1" dirty="0" err="1"/>
+              <a:t>ScaleData</a:t>
+            </a:r>
+            <a:r>
+              <a:rPr lang="en-US" sz="1200" i="1" dirty="0"/>
+              <a:t>()</a:t>
+            </a:r>
+          </a:p>
+        </p:txBody>
+      </p:sp>
+      <p:sp>
+        <p:nvSpPr>
+          <p:cNvPr id="31" name="TextBox 30">
+            <a:extLst>
+              <a:ext uri="{FF2B5EF4-FFF2-40B4-BE49-F238E27FC236}">
+                <a16:creationId xmlns:a16="http://schemas.microsoft.com/office/drawing/2014/main" id="{963C2A02-DC9B-8E62-174C-A6D06DACFBB4}"/>
+              </a:ext>
+            </a:extLst>
+          </p:cNvPr>
+          <p:cNvSpPr txBox="1"/>
+          <p:nvPr/>
+        </p:nvSpPr>
+        <p:spPr>
+          <a:xfrm>
+            <a:off x="924193" y="4565343"/>
+            <a:ext cx="1770098" cy="276999"/>
+          </a:xfrm>
+          <a:prstGeom prst="rect">
+            <a:avLst/>
+          </a:prstGeom>
+          <a:noFill/>
+        </p:spPr>
+        <p:txBody>
+          <a:bodyPr wrap="square">
+            <a:spAutoFit/>
+          </a:bodyPr>
+          <a:lstStyle/>
+          <a:p>
+            <a:pPr algn="ctr"/>
+            <a:r>
+              <a:rPr lang="en-US" sz="1200" i="1" dirty="0" err="1"/>
+              <a:t>RunPCA</a:t>
+            </a:r>
+            <a:r>
+              <a:rPr lang="en-US" sz="1200" i="1" dirty="0"/>
+              <a:t>(),   </a:t>
+            </a:r>
+            <a:r>
+              <a:rPr lang="en-US" sz="1200" i="1" dirty="0" err="1"/>
+              <a:t>ElbowPlot</a:t>
+            </a:r>
+            <a:r>
+              <a:rPr lang="en-US" sz="1200" i="1" dirty="0"/>
+              <a:t>() </a:t>
+            </a:r>
+          </a:p>
+        </p:txBody>
+      </p:sp>
+      <p:sp>
+        <p:nvSpPr>
+          <p:cNvPr id="32" name="TextBox 31">
+            <a:extLst>
+              <a:ext uri="{FF2B5EF4-FFF2-40B4-BE49-F238E27FC236}">
+                <a16:creationId xmlns:a16="http://schemas.microsoft.com/office/drawing/2014/main" id="{5B02D5C5-98D2-DB1F-FC1F-F5E376C284DA}"/>
+              </a:ext>
+            </a:extLst>
+          </p:cNvPr>
+          <p:cNvSpPr txBox="1"/>
+          <p:nvPr/>
+        </p:nvSpPr>
+        <p:spPr>
+          <a:xfrm>
+            <a:off x="711962" y="5245325"/>
+            <a:ext cx="2194560" cy="276999"/>
+          </a:xfrm>
+          <a:prstGeom prst="rect">
+            <a:avLst/>
+          </a:prstGeom>
+          <a:noFill/>
+        </p:spPr>
+        <p:txBody>
+          <a:bodyPr wrap="square">
+            <a:spAutoFit/>
+          </a:bodyPr>
+          <a:lstStyle/>
+          <a:p>
+            <a:pPr algn="ctr"/>
+            <a:r>
+              <a:rPr lang="en-US" sz="1200" i="1" dirty="0"/>
+              <a:t> </a:t>
+            </a:r>
+            <a:r>
+              <a:rPr lang="en-US" sz="1200" i="1" dirty="0" err="1"/>
+              <a:t>FindNeighbors</a:t>
+            </a:r>
+            <a:r>
+              <a:rPr lang="en-US" sz="1200" i="1" dirty="0"/>
+              <a:t>(),  </a:t>
+            </a:r>
+            <a:r>
+              <a:rPr lang="en-US" sz="1200" i="1" dirty="0" err="1"/>
+              <a:t>FindClusters</a:t>
+            </a:r>
+            <a:r>
+              <a:rPr lang="en-US" sz="1200" i="1" dirty="0"/>
+              <a:t>()</a:t>
+            </a:r>
+          </a:p>
+        </p:txBody>
+      </p:sp>
+      <p:sp>
+        <p:nvSpPr>
+          <p:cNvPr id="33" name="TextBox 32">
+            <a:extLst>
+              <a:ext uri="{FF2B5EF4-FFF2-40B4-BE49-F238E27FC236}">
+                <a16:creationId xmlns:a16="http://schemas.microsoft.com/office/drawing/2014/main" id="{9F349D5C-5261-D8BB-7722-D66B9895E6D0}"/>
+              </a:ext>
+            </a:extLst>
+          </p:cNvPr>
+          <p:cNvSpPr txBox="1"/>
+          <p:nvPr/>
+        </p:nvSpPr>
+        <p:spPr>
+          <a:xfrm>
+            <a:off x="913350" y="6425837"/>
+            <a:ext cx="1791785" cy="276999"/>
+          </a:xfrm>
+          <a:prstGeom prst="rect">
+            <a:avLst/>
+          </a:prstGeom>
+          <a:noFill/>
+        </p:spPr>
+        <p:txBody>
+          <a:bodyPr wrap="square">
+            <a:spAutoFit/>
+          </a:bodyPr>
+          <a:lstStyle/>
+          <a:p>
+            <a:pPr algn="ctr"/>
+            <a:r>
+              <a:rPr lang="en-US" sz="1200" i="1" dirty="0" err="1"/>
+              <a:t>RunUMAP</a:t>
+            </a:r>
+            <a:r>
+              <a:rPr lang="en-US" sz="1200" i="1" dirty="0"/>
+              <a:t>(), </a:t>
+            </a:r>
+            <a:r>
+              <a:rPr lang="en-US" sz="1200" i="1" dirty="0" err="1"/>
+              <a:t>DimPlot</a:t>
+            </a:r>
+            <a:r>
+              <a:rPr lang="en-US" sz="1200" i="1" dirty="0"/>
+              <a:t>()</a:t>
+            </a:r>
+          </a:p>
+        </p:txBody>
+      </p:sp>
+      <p:grpSp>
+        <p:nvGrpSpPr>
+          <p:cNvPr id="34" name="Group 33">
+            <a:extLst>
+              <a:ext uri="{FF2B5EF4-FFF2-40B4-BE49-F238E27FC236}">
+                <a16:creationId xmlns:a16="http://schemas.microsoft.com/office/drawing/2014/main" id="{C7B77C4B-3546-C6C1-8B64-EDF8A83DE983}"/>
+              </a:ext>
+            </a:extLst>
+          </p:cNvPr>
+          <p:cNvGrpSpPr/>
+          <p:nvPr/>
+        </p:nvGrpSpPr>
+        <p:grpSpPr>
+          <a:xfrm>
+            <a:off x="1103284" y="5663978"/>
+            <a:ext cx="1411916" cy="830997"/>
+            <a:chOff x="136544" y="5759803"/>
+            <a:chExt cx="2172401" cy="830997"/>
+          </a:xfrm>
+        </p:grpSpPr>
+        <p:sp>
+          <p:nvSpPr>
+            <p:cNvPr id="35" name="Rectangle 34">
+              <a:extLst>
+                <a:ext uri="{FF2B5EF4-FFF2-40B4-BE49-F238E27FC236}">
+                  <a16:creationId xmlns:a16="http://schemas.microsoft.com/office/drawing/2014/main" id="{8EE953CF-0ECE-1A35-19FE-DACC7E68D668}"/>
+                </a:ext>
+              </a:extLst>
+            </p:cNvPr>
+            <p:cNvSpPr/>
+            <p:nvPr/>
+          </p:nvSpPr>
+          <p:spPr>
+            <a:xfrm>
+              <a:off x="138426" y="5810056"/>
+              <a:ext cx="2170519" cy="730198"/>
+            </a:xfrm>
+            <a:prstGeom prst="rect">
+              <a:avLst/>
+            </a:prstGeom>
+            <a:solidFill>
+              <a:schemeClr val="bg1"/>
+            </a:solidFill>
+            <a:ln>
+              <a:solidFill>
+                <a:schemeClr val="tx1"/>
+              </a:solidFill>
+            </a:ln>
+          </p:spPr>
+          <p:style>
+            <a:lnRef idx="2">
+              <a:schemeClr val="accent1">
+                <a:shade val="15000"/>
+              </a:schemeClr>
+            </a:lnRef>
+            <a:fillRef idx="1">
+              <a:schemeClr val="accent1"/>
+            </a:fillRef>
+            <a:effectRef idx="0">
+              <a:schemeClr val="accent1"/>
+            </a:effectRef>
+            <a:fontRef idx="minor">
+              <a:schemeClr val="lt1"/>
+            </a:fontRef>
+          </p:style>
+          <p:txBody>
+            <a:bodyPr rtlCol="0" anchor="ctr"/>
+            <a:lstStyle/>
+            <a:p>
+              <a:pPr algn="ctr"/>
+              <a:endParaRPr lang="en-US">
+                <a:solidFill>
+                  <a:schemeClr val="tx1"/>
+                </a:solidFill>
+              </a:endParaRPr>
+            </a:p>
+          </p:txBody>
+        </p:sp>
+        <p:sp>
+          <p:nvSpPr>
+            <p:cNvPr id="36" name="TextBox 35">
+              <a:extLst>
+                <a:ext uri="{FF2B5EF4-FFF2-40B4-BE49-F238E27FC236}">
+                  <a16:creationId xmlns:a16="http://schemas.microsoft.com/office/drawing/2014/main" id="{B5E5126A-D7CA-D89A-6129-489143EB992B}"/>
+                </a:ext>
+              </a:extLst>
+            </p:cNvPr>
+            <p:cNvSpPr txBox="1"/>
+            <p:nvPr/>
+          </p:nvSpPr>
+          <p:spPr>
+            <a:xfrm>
+              <a:off x="136544" y="5759803"/>
+              <a:ext cx="2170519" cy="830997"/>
+            </a:xfrm>
+            <a:prstGeom prst="rect">
+              <a:avLst/>
+            </a:prstGeom>
+            <a:noFill/>
+          </p:spPr>
+          <p:txBody>
+            <a:bodyPr wrap="square" rtlCol="0">
+              <a:spAutoFit/>
+            </a:bodyPr>
+            <a:lstStyle/>
+            <a:p>
+              <a:pPr algn="ctr"/>
+              <a:r>
+                <a:rPr lang="en-US" sz="1600" b="1" dirty="0"/>
+                <a:t>Nonlinear Dimension Reduction</a:t>
+              </a:r>
+            </a:p>
+          </p:txBody>
+        </p:sp>
+      </p:grpSp>
+      <p:sp>
+        <p:nvSpPr>
+          <p:cNvPr id="37" name="Arrow: Right 36">
+            <a:extLst>
+              <a:ext uri="{FF2B5EF4-FFF2-40B4-BE49-F238E27FC236}">
+                <a16:creationId xmlns:a16="http://schemas.microsoft.com/office/drawing/2014/main" id="{D41BE6D2-36C7-58A9-AC23-12307F1432B6}"/>
+              </a:ext>
+            </a:extLst>
+          </p:cNvPr>
+          <p:cNvSpPr/>
+          <p:nvPr/>
+        </p:nvSpPr>
+        <p:spPr>
+          <a:xfrm rot="5400000">
+            <a:off x="1740980" y="1540780"/>
+            <a:ext cx="136524" cy="386089"/>
+          </a:xfrm>
+          <a:prstGeom prst="rightArrow">
+            <a:avLst/>
+          </a:prstGeom>
+          <a:solidFill>
+            <a:srgbClr val="CBCBCB"/>
+          </a:solidFill>
+          <a:ln>
+            <a:noFill/>
+          </a:ln>
+        </p:spPr>
+        <p:style>
+          <a:lnRef idx="2">
+            <a:schemeClr val="accent1">
+              <a:shade val="15000"/>
+            </a:schemeClr>
+          </a:lnRef>
+          <a:fillRef idx="1">
+            <a:schemeClr val="accent1"/>
+          </a:fillRef>
+          <a:effectRef idx="0">
+            <a:schemeClr val="accent1"/>
+          </a:effectRef>
+          <a:fontRef idx="minor">
+            <a:schemeClr val="lt1"/>
+          </a:fontRef>
+        </p:style>
+        <p:txBody>
+          <a:bodyPr rtlCol="0" anchor="ctr"/>
+          <a:lstStyle/>
+          <a:p>
+            <a:pPr algn="ctr"/>
+            <a:endParaRPr lang="en-US"/>
+          </a:p>
+        </p:txBody>
+      </p:sp>
+      <p:sp>
+        <p:nvSpPr>
+          <p:cNvPr id="38" name="Arrow: Right 37">
+            <a:extLst>
+              <a:ext uri="{FF2B5EF4-FFF2-40B4-BE49-F238E27FC236}">
+                <a16:creationId xmlns:a16="http://schemas.microsoft.com/office/drawing/2014/main" id="{FA5E639E-0C24-DA7F-E6BA-28EF99BA34F3}"/>
+              </a:ext>
+            </a:extLst>
+          </p:cNvPr>
+          <p:cNvSpPr/>
+          <p:nvPr/>
+        </p:nvSpPr>
+        <p:spPr>
+          <a:xfrm rot="5400000">
+            <a:off x="1751808" y="2148508"/>
+            <a:ext cx="114868" cy="386089"/>
+          </a:xfrm>
+          <a:prstGeom prst="rightArrow">
+            <a:avLst/>
+          </a:prstGeom>
+          <a:solidFill>
+            <a:srgbClr val="CBCBCB"/>
+          </a:solidFill>
+          <a:ln>
+            <a:noFill/>
+          </a:ln>
+        </p:spPr>
+        <p:style>
+          <a:lnRef idx="2">
+            <a:schemeClr val="accent1">
+              <a:shade val="15000"/>
+            </a:schemeClr>
+          </a:lnRef>
+          <a:fillRef idx="1">
+            <a:schemeClr val="accent1"/>
+          </a:fillRef>
+          <a:effectRef idx="0">
+            <a:schemeClr val="accent1"/>
+          </a:effectRef>
+          <a:fontRef idx="minor">
+            <a:schemeClr val="lt1"/>
+          </a:fontRef>
+        </p:style>
+        <p:txBody>
+          <a:bodyPr rtlCol="0" anchor="ctr"/>
+          <a:lstStyle/>
+          <a:p>
+            <a:pPr algn="ctr"/>
+            <a:endParaRPr lang="en-US"/>
+          </a:p>
+        </p:txBody>
+      </p:sp>
+      <p:sp>
+        <p:nvSpPr>
+          <p:cNvPr id="39" name="Arrow: Right 38">
+            <a:extLst>
+              <a:ext uri="{FF2B5EF4-FFF2-40B4-BE49-F238E27FC236}">
+                <a16:creationId xmlns:a16="http://schemas.microsoft.com/office/drawing/2014/main" id="{9E30883B-8DD8-AA73-2AE6-5528379FCB76}"/>
+              </a:ext>
+            </a:extLst>
+          </p:cNvPr>
+          <p:cNvSpPr/>
+          <p:nvPr/>
+        </p:nvSpPr>
+        <p:spPr>
+          <a:xfrm rot="5400000">
+            <a:off x="1756340" y="2952377"/>
+            <a:ext cx="105805" cy="386089"/>
+          </a:xfrm>
+          <a:prstGeom prst="rightArrow">
+            <a:avLst/>
+          </a:prstGeom>
+          <a:solidFill>
+            <a:srgbClr val="CBCBCB"/>
+          </a:solidFill>
+          <a:ln>
+            <a:noFill/>
+          </a:ln>
+        </p:spPr>
+        <p:style>
+          <a:lnRef idx="2">
+            <a:schemeClr val="accent1">
+              <a:shade val="15000"/>
+            </a:schemeClr>
+          </a:lnRef>
+          <a:fillRef idx="1">
+            <a:schemeClr val="accent1"/>
+          </a:fillRef>
+          <a:effectRef idx="0">
+            <a:schemeClr val="accent1"/>
+          </a:effectRef>
+          <a:fontRef idx="minor">
+            <a:schemeClr val="lt1"/>
+          </a:fontRef>
+        </p:style>
+        <p:txBody>
+          <a:bodyPr rtlCol="0" anchor="ctr"/>
+          <a:lstStyle/>
+          <a:p>
+            <a:pPr algn="ctr"/>
+            <a:endParaRPr lang="en-US"/>
+          </a:p>
+        </p:txBody>
+      </p:sp>
+      <p:sp>
+        <p:nvSpPr>
+          <p:cNvPr id="40" name="Arrow: Right 39">
+            <a:extLst>
+              <a:ext uri="{FF2B5EF4-FFF2-40B4-BE49-F238E27FC236}">
+                <a16:creationId xmlns:a16="http://schemas.microsoft.com/office/drawing/2014/main" id="{B41C2E01-593D-AFD1-64D5-62FBE704382D}"/>
+              </a:ext>
+            </a:extLst>
+          </p:cNvPr>
+          <p:cNvSpPr/>
+          <p:nvPr/>
+        </p:nvSpPr>
+        <p:spPr>
+          <a:xfrm rot="5400000">
+            <a:off x="1749492" y="3584967"/>
+            <a:ext cx="119500" cy="386089"/>
+          </a:xfrm>
+          <a:prstGeom prst="rightArrow">
+            <a:avLst/>
+          </a:prstGeom>
+          <a:solidFill>
+            <a:srgbClr val="CBCBCB"/>
+          </a:solidFill>
+          <a:ln>
+            <a:noFill/>
+          </a:ln>
+        </p:spPr>
+        <p:style>
+          <a:lnRef idx="2">
+            <a:schemeClr val="accent1">
+              <a:shade val="15000"/>
+            </a:schemeClr>
+          </a:lnRef>
+          <a:fillRef idx="1">
+            <a:schemeClr val="accent1"/>
+          </a:fillRef>
+          <a:effectRef idx="0">
+            <a:schemeClr val="accent1"/>
+          </a:effectRef>
+          <a:fontRef idx="minor">
+            <a:schemeClr val="lt1"/>
+          </a:fontRef>
+        </p:style>
+        <p:txBody>
+          <a:bodyPr rtlCol="0" anchor="ctr"/>
+          <a:lstStyle/>
+          <a:p>
+            <a:pPr algn="ctr"/>
+            <a:endParaRPr lang="en-US"/>
+          </a:p>
+        </p:txBody>
+      </p:sp>
+      <p:sp>
+        <p:nvSpPr>
+          <p:cNvPr id="41" name="Arrow: Right 40">
+            <a:extLst>
+              <a:ext uri="{FF2B5EF4-FFF2-40B4-BE49-F238E27FC236}">
+                <a16:creationId xmlns:a16="http://schemas.microsoft.com/office/drawing/2014/main" id="{3936CDF9-B906-2ECF-F704-F64C45B9FA63}"/>
+              </a:ext>
+            </a:extLst>
+          </p:cNvPr>
+          <p:cNvSpPr/>
+          <p:nvPr/>
+        </p:nvSpPr>
+        <p:spPr>
+          <a:xfrm rot="5400000">
+            <a:off x="1732757" y="4716815"/>
+            <a:ext cx="152971" cy="386089"/>
+          </a:xfrm>
+          <a:prstGeom prst="rightArrow">
+            <a:avLst/>
+          </a:prstGeom>
+          <a:solidFill>
+            <a:srgbClr val="CBCBCB"/>
+          </a:solidFill>
+          <a:ln>
+            <a:noFill/>
+          </a:ln>
+        </p:spPr>
+        <p:style>
+          <a:lnRef idx="2">
+            <a:schemeClr val="accent1">
+              <a:shade val="15000"/>
+            </a:schemeClr>
+          </a:lnRef>
+          <a:fillRef idx="1">
+            <a:schemeClr val="accent1"/>
+          </a:fillRef>
+          <a:effectRef idx="0">
+            <a:schemeClr val="accent1"/>
+          </a:effectRef>
+          <a:fontRef idx="minor">
+            <a:schemeClr val="lt1"/>
+          </a:fontRef>
+        </p:style>
+        <p:txBody>
+          <a:bodyPr rtlCol="0" anchor="ctr"/>
+          <a:lstStyle/>
+          <a:p>
+            <a:pPr algn="ctr"/>
+            <a:endParaRPr lang="en-US"/>
+          </a:p>
+        </p:txBody>
+      </p:sp>
+      <p:sp>
+        <p:nvSpPr>
+          <p:cNvPr id="42" name="Arrow: Right 41">
+            <a:extLst>
+              <a:ext uri="{FF2B5EF4-FFF2-40B4-BE49-F238E27FC236}">
+                <a16:creationId xmlns:a16="http://schemas.microsoft.com/office/drawing/2014/main" id="{5E1B9CAD-307D-94ED-D899-6E40C022C26B}"/>
+              </a:ext>
+            </a:extLst>
+          </p:cNvPr>
+          <p:cNvSpPr/>
+          <p:nvPr/>
+        </p:nvSpPr>
+        <p:spPr>
+          <a:xfrm rot="5400000">
+            <a:off x="1732757" y="5412514"/>
+            <a:ext cx="152971" cy="386089"/>
+          </a:xfrm>
+          <a:prstGeom prst="rightArrow">
+            <a:avLst/>
+          </a:prstGeom>
+          <a:solidFill>
+            <a:srgbClr val="CBCBCB"/>
+          </a:solidFill>
+          <a:ln>
+            <a:noFill/>
+          </a:ln>
+        </p:spPr>
+        <p:style>
+          <a:lnRef idx="2">
+            <a:schemeClr val="accent1">
+              <a:shade val="15000"/>
+            </a:schemeClr>
+          </a:lnRef>
+          <a:fillRef idx="1">
+            <a:schemeClr val="accent1"/>
+          </a:fillRef>
+          <a:effectRef idx="0">
+            <a:schemeClr val="accent1"/>
+          </a:effectRef>
+          <a:fontRef idx="minor">
+            <a:schemeClr val="lt1"/>
+          </a:fontRef>
+        </p:style>
+        <p:txBody>
+          <a:bodyPr rtlCol="0" anchor="ctr"/>
+          <a:lstStyle/>
+          <a:p>
+            <a:pPr algn="ctr"/>
+            <a:endParaRPr lang="en-US"/>
+          </a:p>
+        </p:txBody>
+      </p:sp>
+      <p:sp>
+        <p:nvSpPr>
+          <p:cNvPr id="43" name="Arrow: Right 42">
+            <a:extLst>
+              <a:ext uri="{FF2B5EF4-FFF2-40B4-BE49-F238E27FC236}">
+                <a16:creationId xmlns:a16="http://schemas.microsoft.com/office/drawing/2014/main" id="{7F185E41-03D1-CA0B-1216-8A9EFC9D6C41}"/>
+              </a:ext>
+            </a:extLst>
+          </p:cNvPr>
+          <p:cNvSpPr/>
+          <p:nvPr/>
+        </p:nvSpPr>
+        <p:spPr>
+          <a:xfrm rot="5400000">
+            <a:off x="5266873" y="1566450"/>
+            <a:ext cx="125415" cy="386089"/>
+          </a:xfrm>
+          <a:prstGeom prst="rightArrow">
+            <a:avLst/>
+          </a:prstGeom>
+          <a:solidFill>
+            <a:srgbClr val="CBCBCB"/>
+          </a:solidFill>
+          <a:ln>
+            <a:noFill/>
+          </a:ln>
+        </p:spPr>
+        <p:style>
+          <a:lnRef idx="2">
+            <a:schemeClr val="accent1">
+              <a:shade val="15000"/>
+            </a:schemeClr>
+          </a:lnRef>
+          <a:fillRef idx="1">
+            <a:schemeClr val="accent1"/>
+          </a:fillRef>
+          <a:effectRef idx="0">
+            <a:schemeClr val="accent1"/>
+          </a:effectRef>
+          <a:fontRef idx="minor">
+            <a:schemeClr val="lt1"/>
+          </a:fontRef>
+        </p:style>
+        <p:txBody>
+          <a:bodyPr rtlCol="0" anchor="ctr"/>
+          <a:lstStyle/>
+          <a:p>
+            <a:pPr algn="ctr"/>
+            <a:endParaRPr lang="en-US"/>
+          </a:p>
+        </p:txBody>
+      </p:sp>
+      <p:grpSp>
+        <p:nvGrpSpPr>
+          <p:cNvPr id="44" name="Group 43">
+            <a:extLst>
+              <a:ext uri="{FF2B5EF4-FFF2-40B4-BE49-F238E27FC236}">
+                <a16:creationId xmlns:a16="http://schemas.microsoft.com/office/drawing/2014/main" id="{B40AA29C-0CE0-B944-6CBA-EF60C8CA2B3A}"/>
+              </a:ext>
+            </a:extLst>
+          </p:cNvPr>
+          <p:cNvGrpSpPr/>
+          <p:nvPr/>
+        </p:nvGrpSpPr>
+        <p:grpSpPr>
+          <a:xfrm>
+            <a:off x="4572172" y="1183040"/>
+            <a:ext cx="1514816" cy="338554"/>
+            <a:chOff x="-69645" y="698949"/>
+            <a:chExt cx="2178751" cy="338554"/>
+          </a:xfrm>
+        </p:grpSpPr>
+        <p:sp>
+          <p:nvSpPr>
+            <p:cNvPr id="45" name="Rectangle 44">
+              <a:extLst>
+                <a:ext uri="{FF2B5EF4-FFF2-40B4-BE49-F238E27FC236}">
+                  <a16:creationId xmlns:a16="http://schemas.microsoft.com/office/drawing/2014/main" id="{9F40607D-1292-2190-4237-4D490CFA8AF0}"/>
+                </a:ext>
+              </a:extLst>
+            </p:cNvPr>
+            <p:cNvSpPr/>
+            <p:nvPr/>
+          </p:nvSpPr>
+          <p:spPr>
+            <a:xfrm>
+              <a:off x="113942" y="750352"/>
+              <a:ext cx="1834757" cy="256032"/>
+            </a:xfrm>
+            <a:prstGeom prst="rect">
+              <a:avLst/>
+            </a:prstGeom>
+            <a:solidFill>
+              <a:schemeClr val="bg1"/>
+            </a:solidFill>
+            <a:ln>
+              <a:solidFill>
+                <a:schemeClr val="tx1"/>
+              </a:solidFill>
+            </a:ln>
+          </p:spPr>
+          <p:style>
+            <a:lnRef idx="2">
+              <a:schemeClr val="accent1">
+                <a:shade val="15000"/>
+              </a:schemeClr>
+            </a:lnRef>
+            <a:fillRef idx="1">
+              <a:schemeClr val="accent1"/>
+            </a:fillRef>
+            <a:effectRef idx="0">
+              <a:schemeClr val="accent1"/>
+            </a:effectRef>
+            <a:fontRef idx="minor">
+              <a:schemeClr val="lt1"/>
+            </a:fontRef>
+          </p:style>
+          <p:txBody>
+            <a:bodyPr rtlCol="0" anchor="ctr"/>
+            <a:lstStyle/>
+            <a:p>
+              <a:pPr algn="ctr"/>
+              <a:endParaRPr lang="en-US" sz="1600">
+                <a:solidFill>
+                  <a:schemeClr val="tx1"/>
+                </a:solidFill>
+              </a:endParaRPr>
+            </a:p>
+          </p:txBody>
+        </p:sp>
+        <p:sp>
+          <p:nvSpPr>
+            <p:cNvPr id="46" name="TextBox 45">
+              <a:extLst>
+                <a:ext uri="{FF2B5EF4-FFF2-40B4-BE49-F238E27FC236}">
+                  <a16:creationId xmlns:a16="http://schemas.microsoft.com/office/drawing/2014/main" id="{4D14B342-B3E3-C45B-4B0F-FF1616096596}"/>
+                </a:ext>
+              </a:extLst>
+            </p:cNvPr>
+            <p:cNvSpPr txBox="1"/>
+            <p:nvPr/>
+          </p:nvSpPr>
+          <p:spPr>
+            <a:xfrm>
+              <a:off x="-69645" y="698949"/>
+              <a:ext cx="2178751" cy="338554"/>
+            </a:xfrm>
+            <a:prstGeom prst="rect">
+              <a:avLst/>
+            </a:prstGeom>
+            <a:noFill/>
+          </p:spPr>
+          <p:txBody>
+            <a:bodyPr wrap="square" rtlCol="0">
+              <a:spAutoFit/>
+            </a:bodyPr>
+            <a:lstStyle/>
+            <a:p>
+              <a:pPr algn="ctr"/>
+              <a:r>
+                <a:rPr lang="en-US" sz="1600" b="1" dirty="0"/>
+                <a:t>Normalization</a:t>
+              </a:r>
+            </a:p>
+          </p:txBody>
+        </p:sp>
+      </p:grpSp>
+      <p:grpSp>
+        <p:nvGrpSpPr>
+          <p:cNvPr id="50" name="Group 49">
+            <a:extLst>
+              <a:ext uri="{FF2B5EF4-FFF2-40B4-BE49-F238E27FC236}">
+                <a16:creationId xmlns:a16="http://schemas.microsoft.com/office/drawing/2014/main" id="{22E7F10D-6584-2B83-2875-8730BE2DCE5E}"/>
+              </a:ext>
+            </a:extLst>
+          </p:cNvPr>
+          <p:cNvGrpSpPr/>
+          <p:nvPr/>
+        </p:nvGrpSpPr>
+        <p:grpSpPr>
+          <a:xfrm>
+            <a:off x="4438457" y="2432156"/>
+            <a:ext cx="1782247" cy="830997"/>
+            <a:chOff x="27906" y="5317845"/>
+            <a:chExt cx="2185416" cy="830997"/>
+          </a:xfrm>
+        </p:grpSpPr>
+        <p:sp>
+          <p:nvSpPr>
+            <p:cNvPr id="51" name="Rectangle 50">
+              <a:extLst>
+                <a:ext uri="{FF2B5EF4-FFF2-40B4-BE49-F238E27FC236}">
+                  <a16:creationId xmlns:a16="http://schemas.microsoft.com/office/drawing/2014/main" id="{A409FEE1-F232-BEA3-CA07-BC2FD96E033D}"/>
+                </a:ext>
+              </a:extLst>
+            </p:cNvPr>
+            <p:cNvSpPr/>
+            <p:nvPr/>
+          </p:nvSpPr>
+          <p:spPr>
+            <a:xfrm>
+              <a:off x="292267" y="5372080"/>
+              <a:ext cx="1658952" cy="729608"/>
+            </a:xfrm>
+            <a:prstGeom prst="rect">
+              <a:avLst/>
+            </a:prstGeom>
+            <a:solidFill>
+              <a:schemeClr val="bg1"/>
+            </a:solidFill>
+            <a:ln>
+              <a:solidFill>
+                <a:schemeClr val="tx1"/>
+              </a:solidFill>
+            </a:ln>
+          </p:spPr>
+          <p:style>
+            <a:lnRef idx="2">
+              <a:schemeClr val="accent1">
+                <a:shade val="15000"/>
+              </a:schemeClr>
+            </a:lnRef>
+            <a:fillRef idx="1">
+              <a:schemeClr val="accent1"/>
+            </a:fillRef>
+            <a:effectRef idx="0">
+              <a:schemeClr val="accent1"/>
+            </a:effectRef>
+            <a:fontRef idx="minor">
+              <a:schemeClr val="lt1"/>
+            </a:fontRef>
+          </p:style>
+          <p:txBody>
+            <a:bodyPr rtlCol="0" anchor="ctr"/>
+            <a:lstStyle/>
+            <a:p>
+              <a:pPr algn="ctr"/>
+              <a:endParaRPr lang="en-US">
+                <a:solidFill>
+                  <a:schemeClr val="tx1"/>
+                </a:solidFill>
+              </a:endParaRPr>
+            </a:p>
+          </p:txBody>
+        </p:sp>
+        <p:sp>
+          <p:nvSpPr>
+            <p:cNvPr id="52" name="TextBox 51">
+              <a:extLst>
+                <a:ext uri="{FF2B5EF4-FFF2-40B4-BE49-F238E27FC236}">
+                  <a16:creationId xmlns:a16="http://schemas.microsoft.com/office/drawing/2014/main" id="{C8103179-0F89-75DA-AF20-88FCB1277C02}"/>
+                </a:ext>
+              </a:extLst>
+            </p:cNvPr>
+            <p:cNvSpPr txBox="1"/>
+            <p:nvPr/>
+          </p:nvSpPr>
+          <p:spPr>
+            <a:xfrm>
+              <a:off x="27906" y="5317845"/>
+              <a:ext cx="2185416" cy="830997"/>
+            </a:xfrm>
+            <a:prstGeom prst="rect">
+              <a:avLst/>
+            </a:prstGeom>
+            <a:noFill/>
+          </p:spPr>
+          <p:txBody>
+            <a:bodyPr wrap="square" rtlCol="0">
+              <a:spAutoFit/>
+            </a:bodyPr>
+            <a:lstStyle/>
+            <a:p>
+              <a:pPr algn="ctr"/>
+              <a:r>
+                <a:rPr lang="en-US" sz="1600" b="1" dirty="0"/>
+                <a:t>Linear Dimensional </a:t>
+              </a:r>
+            </a:p>
+            <a:p>
+              <a:pPr algn="ctr"/>
+              <a:r>
+                <a:rPr lang="en-US" sz="1600" b="1" dirty="0"/>
+                <a:t>Reduction </a:t>
+              </a:r>
+            </a:p>
+          </p:txBody>
+        </p:sp>
+      </p:grpSp>
+      <p:grpSp>
+        <p:nvGrpSpPr>
+          <p:cNvPr id="53" name="Group 52">
+            <a:extLst>
+              <a:ext uri="{FF2B5EF4-FFF2-40B4-BE49-F238E27FC236}">
+                <a16:creationId xmlns:a16="http://schemas.microsoft.com/office/drawing/2014/main" id="{ACD10ED7-818B-76CF-0A41-91107CDB8BCB}"/>
+              </a:ext>
+            </a:extLst>
+          </p:cNvPr>
+          <p:cNvGrpSpPr/>
+          <p:nvPr/>
+        </p:nvGrpSpPr>
+        <p:grpSpPr>
+          <a:xfrm>
+            <a:off x="4579548" y="3604799"/>
+            <a:ext cx="1500065" cy="1338812"/>
+            <a:chOff x="88035" y="5728322"/>
+            <a:chExt cx="2308029" cy="1338812"/>
+          </a:xfrm>
+        </p:grpSpPr>
+        <p:sp>
+          <p:nvSpPr>
+            <p:cNvPr id="54" name="Rectangle 53">
+              <a:extLst>
+                <a:ext uri="{FF2B5EF4-FFF2-40B4-BE49-F238E27FC236}">
+                  <a16:creationId xmlns:a16="http://schemas.microsoft.com/office/drawing/2014/main" id="{1D0FDA5D-6014-EFC7-7C10-884E6D40EBF8}"/>
+                </a:ext>
+              </a:extLst>
+            </p:cNvPr>
+            <p:cNvSpPr/>
+            <p:nvPr/>
+          </p:nvSpPr>
+          <p:spPr>
+            <a:xfrm>
+              <a:off x="134321" y="5728322"/>
+              <a:ext cx="2258573" cy="1323484"/>
+            </a:xfrm>
+            <a:prstGeom prst="rect">
+              <a:avLst/>
+            </a:prstGeom>
+            <a:solidFill>
+              <a:schemeClr val="bg1"/>
+            </a:solidFill>
+            <a:ln>
+              <a:solidFill>
+                <a:schemeClr val="tx1"/>
+              </a:solidFill>
+            </a:ln>
+          </p:spPr>
+          <p:style>
+            <a:lnRef idx="2">
+              <a:schemeClr val="accent1">
+                <a:shade val="15000"/>
+              </a:schemeClr>
+            </a:lnRef>
+            <a:fillRef idx="1">
+              <a:schemeClr val="accent1"/>
+            </a:fillRef>
+            <a:effectRef idx="0">
+              <a:schemeClr val="accent1"/>
+            </a:effectRef>
+            <a:fontRef idx="minor">
+              <a:schemeClr val="lt1"/>
+            </a:fontRef>
+          </p:style>
+          <p:txBody>
+            <a:bodyPr rtlCol="0" anchor="ctr"/>
+            <a:lstStyle/>
+            <a:p>
+              <a:pPr algn="ctr"/>
+              <a:endParaRPr lang="en-US">
+                <a:solidFill>
+                  <a:schemeClr val="tx1"/>
+                </a:solidFill>
+              </a:endParaRPr>
+            </a:p>
+          </p:txBody>
+        </p:sp>
+        <p:sp>
+          <p:nvSpPr>
+            <p:cNvPr id="55" name="TextBox 54">
+              <a:extLst>
+                <a:ext uri="{FF2B5EF4-FFF2-40B4-BE49-F238E27FC236}">
+                  <a16:creationId xmlns:a16="http://schemas.microsoft.com/office/drawing/2014/main" id="{4B162C05-BF2E-B718-C1B4-D50AEB1F9FFF}"/>
+                </a:ext>
+              </a:extLst>
+            </p:cNvPr>
+            <p:cNvSpPr txBox="1"/>
+            <p:nvPr/>
+          </p:nvSpPr>
+          <p:spPr>
+            <a:xfrm>
+              <a:off x="88035" y="5743695"/>
+              <a:ext cx="2308029" cy="1323439"/>
+            </a:xfrm>
+            <a:prstGeom prst="rect">
+              <a:avLst/>
+            </a:prstGeom>
+            <a:noFill/>
+          </p:spPr>
+          <p:txBody>
+            <a:bodyPr wrap="square" rtlCol="0">
+              <a:spAutoFit/>
+            </a:bodyPr>
+            <a:lstStyle/>
+            <a:p>
+              <a:pPr algn="ctr"/>
+              <a:r>
+                <a:rPr lang="en-US" sz="1600" b="1" dirty="0"/>
+                <a:t>Nonlinear Dimension Reduction,</a:t>
+              </a:r>
+            </a:p>
+            <a:p>
+              <a:pPr algn="ctr"/>
+              <a:r>
+                <a:rPr lang="en-US" sz="1600" b="1" dirty="0"/>
+                <a:t>Clustering,</a:t>
+              </a:r>
+            </a:p>
+            <a:p>
+              <a:pPr algn="ctr"/>
+              <a:r>
+                <a:rPr lang="en-US" sz="1600" b="1" dirty="0"/>
+                <a:t>Partitioning </a:t>
+              </a:r>
+            </a:p>
+          </p:txBody>
+        </p:sp>
+      </p:grpSp>
+      <p:grpSp>
+        <p:nvGrpSpPr>
+          <p:cNvPr id="59" name="Group 58">
+            <a:extLst>
+              <a:ext uri="{FF2B5EF4-FFF2-40B4-BE49-F238E27FC236}">
+                <a16:creationId xmlns:a16="http://schemas.microsoft.com/office/drawing/2014/main" id="{3103AC06-B9CD-49E8-5CB4-63D1ABD26AEA}"/>
+              </a:ext>
+            </a:extLst>
+          </p:cNvPr>
+          <p:cNvGrpSpPr/>
+          <p:nvPr/>
+        </p:nvGrpSpPr>
+        <p:grpSpPr>
+          <a:xfrm>
+            <a:off x="4624234" y="1802408"/>
+            <a:ext cx="1410693" cy="338554"/>
+            <a:chOff x="636190" y="1289169"/>
+            <a:chExt cx="1537719" cy="338554"/>
+          </a:xfrm>
+        </p:grpSpPr>
+        <p:sp>
+          <p:nvSpPr>
+            <p:cNvPr id="60" name="Rectangle 59">
+              <a:extLst>
+                <a:ext uri="{FF2B5EF4-FFF2-40B4-BE49-F238E27FC236}">
+                  <a16:creationId xmlns:a16="http://schemas.microsoft.com/office/drawing/2014/main" id="{DF072E11-C2E0-B741-281B-6A5DC893CF6A}"/>
+                </a:ext>
+              </a:extLst>
+            </p:cNvPr>
+            <p:cNvSpPr/>
+            <p:nvPr/>
+          </p:nvSpPr>
+          <p:spPr>
+            <a:xfrm>
+              <a:off x="754184" y="1332386"/>
+              <a:ext cx="1271053" cy="256032"/>
+            </a:xfrm>
+            <a:prstGeom prst="rect">
+              <a:avLst/>
+            </a:prstGeom>
+            <a:solidFill>
+              <a:schemeClr val="bg1"/>
+            </a:solidFill>
+            <a:ln>
+              <a:solidFill>
+                <a:schemeClr val="tx1"/>
+              </a:solidFill>
+            </a:ln>
+          </p:spPr>
+          <p:style>
+            <a:lnRef idx="2">
+              <a:schemeClr val="accent1">
+                <a:shade val="15000"/>
+              </a:schemeClr>
+            </a:lnRef>
+            <a:fillRef idx="1">
+              <a:schemeClr val="accent1"/>
+            </a:fillRef>
+            <a:effectRef idx="0">
+              <a:schemeClr val="accent1"/>
+            </a:effectRef>
+            <a:fontRef idx="minor">
+              <a:schemeClr val="lt1"/>
+            </a:fontRef>
+          </p:style>
+          <p:txBody>
+            <a:bodyPr rtlCol="0" anchor="ctr"/>
+            <a:lstStyle/>
+            <a:p>
+              <a:pPr algn="ctr"/>
+              <a:endParaRPr lang="en-US">
+                <a:solidFill>
+                  <a:schemeClr val="tx1"/>
+                </a:solidFill>
+              </a:endParaRPr>
+            </a:p>
+          </p:txBody>
+        </p:sp>
+        <p:sp>
+          <p:nvSpPr>
+            <p:cNvPr id="61" name="TextBox 60">
+              <a:extLst>
+                <a:ext uri="{FF2B5EF4-FFF2-40B4-BE49-F238E27FC236}">
+                  <a16:creationId xmlns:a16="http://schemas.microsoft.com/office/drawing/2014/main" id="{F489C440-3A1C-B794-20FF-60C7499E3B5B}"/>
+                </a:ext>
+              </a:extLst>
+            </p:cNvPr>
+            <p:cNvSpPr txBox="1"/>
+            <p:nvPr/>
+          </p:nvSpPr>
+          <p:spPr>
+            <a:xfrm>
+              <a:off x="636190" y="1289169"/>
+              <a:ext cx="1537719" cy="338554"/>
+            </a:xfrm>
+            <a:prstGeom prst="rect">
+              <a:avLst/>
+            </a:prstGeom>
+            <a:noFill/>
+          </p:spPr>
+          <p:txBody>
+            <a:bodyPr wrap="square" rtlCol="0">
+              <a:spAutoFit/>
+            </a:bodyPr>
+            <a:lstStyle/>
+            <a:p>
+              <a:pPr algn="ctr"/>
+              <a:r>
+                <a:rPr lang="en-US" sz="1600" b="1" dirty="0"/>
+                <a:t>Integration</a:t>
+              </a:r>
+            </a:p>
+          </p:txBody>
+        </p:sp>
+      </p:grpSp>
+      <p:sp>
+        <p:nvSpPr>
+          <p:cNvPr id="65" name="TextBox 64">
+            <a:extLst>
+              <a:ext uri="{FF2B5EF4-FFF2-40B4-BE49-F238E27FC236}">
+                <a16:creationId xmlns:a16="http://schemas.microsoft.com/office/drawing/2014/main" id="{E817920C-02F6-372A-1623-64F0A5427631}"/>
+              </a:ext>
+            </a:extLst>
+          </p:cNvPr>
+          <p:cNvSpPr txBox="1"/>
+          <p:nvPr/>
+        </p:nvSpPr>
+        <p:spPr>
+          <a:xfrm>
+            <a:off x="4428495" y="1439346"/>
+            <a:ext cx="1802171" cy="276999"/>
+          </a:xfrm>
+          <a:prstGeom prst="rect">
+            <a:avLst/>
+          </a:prstGeom>
+          <a:noFill/>
+        </p:spPr>
+        <p:txBody>
+          <a:bodyPr wrap="square">
+            <a:spAutoFit/>
+          </a:bodyPr>
+          <a:lstStyle/>
+          <a:p>
+            <a:pPr algn="ctr"/>
+            <a:r>
+              <a:rPr lang="en-US" sz="1200" i="1" dirty="0" err="1"/>
+              <a:t>preprocess_cds</a:t>
+            </a:r>
+            <a:r>
+              <a:rPr lang="en-US" sz="1200" i="1" dirty="0"/>
+              <a:t>()</a:t>
+            </a:r>
+          </a:p>
+        </p:txBody>
+      </p:sp>
+      <p:sp>
+        <p:nvSpPr>
+          <p:cNvPr id="66" name="TextBox 65">
+            <a:extLst>
+              <a:ext uri="{FF2B5EF4-FFF2-40B4-BE49-F238E27FC236}">
+                <a16:creationId xmlns:a16="http://schemas.microsoft.com/office/drawing/2014/main" id="{56F36769-9145-E082-C40C-3984FA6C64E4}"/>
+              </a:ext>
+            </a:extLst>
+          </p:cNvPr>
+          <p:cNvSpPr txBox="1"/>
+          <p:nvPr/>
+        </p:nvSpPr>
+        <p:spPr>
+          <a:xfrm>
+            <a:off x="4408142" y="2047066"/>
+            <a:ext cx="1842877" cy="276999"/>
+          </a:xfrm>
+          <a:prstGeom prst="rect">
+            <a:avLst/>
+          </a:prstGeom>
+          <a:noFill/>
+        </p:spPr>
+        <p:txBody>
+          <a:bodyPr wrap="square">
+            <a:spAutoFit/>
+          </a:bodyPr>
+          <a:lstStyle/>
+          <a:p>
+            <a:pPr algn="ctr"/>
+            <a:r>
+              <a:rPr lang="en-US" sz="1200" i="1" dirty="0" err="1"/>
+              <a:t>align_cds</a:t>
+            </a:r>
+            <a:r>
+              <a:rPr lang="en-US" sz="1200" i="1" dirty="0"/>
+              <a:t>()</a:t>
+            </a:r>
+          </a:p>
+        </p:txBody>
+      </p:sp>
+      <p:sp>
+        <p:nvSpPr>
+          <p:cNvPr id="71" name="TextBox 70">
+            <a:extLst>
+              <a:ext uri="{FF2B5EF4-FFF2-40B4-BE49-F238E27FC236}">
+                <a16:creationId xmlns:a16="http://schemas.microsoft.com/office/drawing/2014/main" id="{44FDE156-8EE1-8B6D-A9C8-7C9A63D9457D}"/>
+              </a:ext>
+            </a:extLst>
+          </p:cNvPr>
+          <p:cNvSpPr txBox="1"/>
+          <p:nvPr/>
+        </p:nvSpPr>
+        <p:spPr>
+          <a:xfrm>
+            <a:off x="4444531" y="3192393"/>
+            <a:ext cx="1770098" cy="276999"/>
+          </a:xfrm>
+          <a:prstGeom prst="rect">
+            <a:avLst/>
+          </a:prstGeom>
+          <a:noFill/>
+        </p:spPr>
+        <p:txBody>
+          <a:bodyPr wrap="square">
+            <a:spAutoFit/>
+          </a:bodyPr>
+          <a:lstStyle/>
+          <a:p>
+            <a:pPr algn="ctr"/>
+            <a:r>
+              <a:rPr lang="en-US" sz="1200" i="1" dirty="0" err="1"/>
+              <a:t>reduce_dimension</a:t>
+            </a:r>
+            <a:r>
+              <a:rPr lang="en-US" sz="1200" i="1" dirty="0"/>
+              <a:t>() </a:t>
+            </a:r>
+          </a:p>
+        </p:txBody>
+      </p:sp>
+      <p:sp>
+        <p:nvSpPr>
+          <p:cNvPr id="72" name="TextBox 71">
+            <a:extLst>
+              <a:ext uri="{FF2B5EF4-FFF2-40B4-BE49-F238E27FC236}">
+                <a16:creationId xmlns:a16="http://schemas.microsoft.com/office/drawing/2014/main" id="{B04D3FAC-72A4-C954-B296-9A68D5B0494B}"/>
+              </a:ext>
+            </a:extLst>
+          </p:cNvPr>
+          <p:cNvSpPr txBox="1"/>
+          <p:nvPr/>
+        </p:nvSpPr>
+        <p:spPr>
+          <a:xfrm>
+            <a:off x="4742841" y="4876232"/>
+            <a:ext cx="1173478" cy="276999"/>
+          </a:xfrm>
+          <a:prstGeom prst="rect">
+            <a:avLst/>
+          </a:prstGeom>
+          <a:noFill/>
+        </p:spPr>
+        <p:txBody>
+          <a:bodyPr wrap="square">
+            <a:spAutoFit/>
+          </a:bodyPr>
+          <a:lstStyle/>
+          <a:p>
+            <a:pPr algn="ctr"/>
+            <a:r>
+              <a:rPr lang="en-US" sz="1200" i="1" dirty="0"/>
+              <a:t> </a:t>
+            </a:r>
+            <a:r>
+              <a:rPr lang="en-US" sz="1200" i="1" dirty="0" err="1"/>
+              <a:t>cluster_cells</a:t>
+            </a:r>
+            <a:r>
+              <a:rPr lang="en-US" sz="1200" i="1" dirty="0"/>
+              <a:t> ()</a:t>
+            </a:r>
+          </a:p>
+        </p:txBody>
+      </p:sp>
+      <p:sp>
+        <p:nvSpPr>
+          <p:cNvPr id="73" name="TextBox 72">
+            <a:extLst>
+              <a:ext uri="{FF2B5EF4-FFF2-40B4-BE49-F238E27FC236}">
+                <a16:creationId xmlns:a16="http://schemas.microsoft.com/office/drawing/2014/main" id="{839BCE53-9DE3-7F3C-DC37-F64C704506CE}"/>
+              </a:ext>
+            </a:extLst>
+          </p:cNvPr>
+          <p:cNvSpPr txBox="1"/>
+          <p:nvPr/>
+        </p:nvSpPr>
+        <p:spPr>
+          <a:xfrm>
+            <a:off x="4433688" y="5817267"/>
+            <a:ext cx="1791785" cy="276999"/>
+          </a:xfrm>
+          <a:prstGeom prst="rect">
+            <a:avLst/>
+          </a:prstGeom>
+          <a:noFill/>
+        </p:spPr>
+        <p:txBody>
+          <a:bodyPr wrap="square">
+            <a:spAutoFit/>
+          </a:bodyPr>
+          <a:lstStyle/>
+          <a:p>
+            <a:pPr algn="ctr"/>
+            <a:r>
+              <a:rPr lang="en-US" sz="1200" dirty="0" err="1"/>
+              <a:t>learn_graph</a:t>
+            </a:r>
+            <a:r>
+              <a:rPr lang="en-US" sz="1200" i="1" dirty="0"/>
+              <a:t>()</a:t>
+            </a:r>
+          </a:p>
+        </p:txBody>
+      </p:sp>
+      <p:grpSp>
+        <p:nvGrpSpPr>
+          <p:cNvPr id="74" name="Group 73">
+            <a:extLst>
+              <a:ext uri="{FF2B5EF4-FFF2-40B4-BE49-F238E27FC236}">
+                <a16:creationId xmlns:a16="http://schemas.microsoft.com/office/drawing/2014/main" id="{7E813E15-D46F-3153-BCAB-0D425296855D}"/>
+              </a:ext>
+            </a:extLst>
+          </p:cNvPr>
+          <p:cNvGrpSpPr/>
+          <p:nvPr/>
+        </p:nvGrpSpPr>
+        <p:grpSpPr>
+          <a:xfrm>
+            <a:off x="4624234" y="5303993"/>
+            <a:ext cx="1410693" cy="584775"/>
+            <a:chOff x="136544" y="5759803"/>
+            <a:chExt cx="2170519" cy="584775"/>
+          </a:xfrm>
+        </p:grpSpPr>
+        <p:sp>
+          <p:nvSpPr>
+            <p:cNvPr id="75" name="Rectangle 74">
+              <a:extLst>
+                <a:ext uri="{FF2B5EF4-FFF2-40B4-BE49-F238E27FC236}">
+                  <a16:creationId xmlns:a16="http://schemas.microsoft.com/office/drawing/2014/main" id="{ED48B110-2587-AB20-5073-9AFF669B5522}"/>
+                </a:ext>
+              </a:extLst>
+            </p:cNvPr>
+            <p:cNvSpPr/>
+            <p:nvPr/>
+          </p:nvSpPr>
+          <p:spPr>
+            <a:xfrm>
+              <a:off x="297468" y="5781481"/>
+              <a:ext cx="1805536" cy="544335"/>
+            </a:xfrm>
+            <a:prstGeom prst="rect">
+              <a:avLst/>
+            </a:prstGeom>
+            <a:solidFill>
+              <a:schemeClr val="bg1"/>
+            </a:solidFill>
+            <a:ln>
+              <a:solidFill>
+                <a:schemeClr val="tx1"/>
+              </a:solidFill>
+            </a:ln>
+          </p:spPr>
+          <p:style>
+            <a:lnRef idx="2">
+              <a:schemeClr val="accent1">
+                <a:shade val="15000"/>
+              </a:schemeClr>
+            </a:lnRef>
+            <a:fillRef idx="1">
+              <a:schemeClr val="accent1"/>
+            </a:fillRef>
+            <a:effectRef idx="0">
+              <a:schemeClr val="accent1"/>
+            </a:effectRef>
+            <a:fontRef idx="minor">
+              <a:schemeClr val="lt1"/>
+            </a:fontRef>
+          </p:style>
+          <p:txBody>
+            <a:bodyPr rtlCol="0" anchor="ctr"/>
+            <a:lstStyle/>
+            <a:p>
+              <a:pPr algn="ctr"/>
+              <a:endParaRPr lang="en-US">
+                <a:solidFill>
+                  <a:schemeClr val="tx1"/>
+                </a:solidFill>
+              </a:endParaRPr>
+            </a:p>
+          </p:txBody>
+        </p:sp>
+        <p:sp>
+          <p:nvSpPr>
+            <p:cNvPr id="76" name="TextBox 75">
+              <a:extLst>
+                <a:ext uri="{FF2B5EF4-FFF2-40B4-BE49-F238E27FC236}">
+                  <a16:creationId xmlns:a16="http://schemas.microsoft.com/office/drawing/2014/main" id="{DCA0689B-6335-5BF6-3A3C-4EB81BC220C2}"/>
+                </a:ext>
+              </a:extLst>
+            </p:cNvPr>
+            <p:cNvSpPr txBox="1"/>
+            <p:nvPr/>
+          </p:nvSpPr>
+          <p:spPr>
+            <a:xfrm>
+              <a:off x="136544" y="5759803"/>
+              <a:ext cx="2170519" cy="584775"/>
+            </a:xfrm>
+            <a:prstGeom prst="rect">
+              <a:avLst/>
+            </a:prstGeom>
+            <a:noFill/>
+          </p:spPr>
+          <p:txBody>
+            <a:bodyPr wrap="square" rtlCol="0">
+              <a:spAutoFit/>
+            </a:bodyPr>
+            <a:lstStyle/>
+            <a:p>
+              <a:pPr algn="ctr"/>
+              <a:r>
+                <a:rPr lang="en-US" sz="1600" b="1" dirty="0"/>
+                <a:t>Trajectory Graph</a:t>
+              </a:r>
+            </a:p>
+          </p:txBody>
+        </p:sp>
+      </p:grpSp>
+      <p:sp>
+        <p:nvSpPr>
+          <p:cNvPr id="77" name="Arrow: Right 76">
+            <a:extLst>
+              <a:ext uri="{FF2B5EF4-FFF2-40B4-BE49-F238E27FC236}">
+                <a16:creationId xmlns:a16="http://schemas.microsoft.com/office/drawing/2014/main" id="{27772A71-772E-01B4-0B91-FE378214E3CC}"/>
+              </a:ext>
+            </a:extLst>
+          </p:cNvPr>
+          <p:cNvSpPr/>
+          <p:nvPr/>
+        </p:nvSpPr>
+        <p:spPr>
+          <a:xfrm rot="5400000">
+            <a:off x="5261318" y="2196655"/>
+            <a:ext cx="136524" cy="386089"/>
+          </a:xfrm>
+          <a:prstGeom prst="rightArrow">
+            <a:avLst/>
+          </a:prstGeom>
+          <a:solidFill>
+            <a:srgbClr val="CBCBCB"/>
+          </a:solidFill>
+          <a:ln>
+            <a:noFill/>
+          </a:ln>
+        </p:spPr>
+        <p:style>
+          <a:lnRef idx="2">
+            <a:schemeClr val="accent1">
+              <a:shade val="15000"/>
+            </a:schemeClr>
+          </a:lnRef>
+          <a:fillRef idx="1">
+            <a:schemeClr val="accent1"/>
+          </a:fillRef>
+          <a:effectRef idx="0">
+            <a:schemeClr val="accent1"/>
+          </a:effectRef>
+          <a:fontRef idx="minor">
+            <a:schemeClr val="lt1"/>
+          </a:fontRef>
+        </p:style>
+        <p:txBody>
+          <a:bodyPr rtlCol="0" anchor="ctr"/>
+          <a:lstStyle/>
+          <a:p>
+            <a:pPr algn="ctr"/>
+            <a:endParaRPr lang="en-US"/>
+          </a:p>
+        </p:txBody>
+      </p:sp>
+      <p:sp>
+        <p:nvSpPr>
+          <p:cNvPr id="81" name="Arrow: Right 80">
+            <a:extLst>
+              <a:ext uri="{FF2B5EF4-FFF2-40B4-BE49-F238E27FC236}">
+                <a16:creationId xmlns:a16="http://schemas.microsoft.com/office/drawing/2014/main" id="{F6AACE04-3822-D710-BAE3-63567DD2E643}"/>
+              </a:ext>
+            </a:extLst>
+          </p:cNvPr>
+          <p:cNvSpPr/>
+          <p:nvPr/>
+        </p:nvSpPr>
+        <p:spPr>
+          <a:xfrm rot="5400000">
+            <a:off x="5253095" y="3334340"/>
+            <a:ext cx="152971" cy="386089"/>
+          </a:xfrm>
+          <a:prstGeom prst="rightArrow">
+            <a:avLst/>
+          </a:prstGeom>
+          <a:solidFill>
+            <a:srgbClr val="CBCBCB"/>
+          </a:solidFill>
+          <a:ln>
+            <a:noFill/>
+          </a:ln>
+        </p:spPr>
+        <p:style>
+          <a:lnRef idx="2">
+            <a:schemeClr val="accent1">
+              <a:shade val="15000"/>
+            </a:schemeClr>
+          </a:lnRef>
+          <a:fillRef idx="1">
+            <a:schemeClr val="accent1"/>
+          </a:fillRef>
+          <a:effectRef idx="0">
+            <a:schemeClr val="accent1"/>
+          </a:effectRef>
+          <a:fontRef idx="minor">
+            <a:schemeClr val="lt1"/>
+          </a:fontRef>
+        </p:style>
+        <p:txBody>
+          <a:bodyPr rtlCol="0" anchor="ctr"/>
+          <a:lstStyle/>
+          <a:p>
+            <a:pPr algn="ctr"/>
+            <a:endParaRPr lang="en-US"/>
+          </a:p>
+        </p:txBody>
+      </p:sp>
+      <p:sp>
+        <p:nvSpPr>
+          <p:cNvPr id="82" name="Arrow: Right 81">
+            <a:extLst>
+              <a:ext uri="{FF2B5EF4-FFF2-40B4-BE49-F238E27FC236}">
+                <a16:creationId xmlns:a16="http://schemas.microsoft.com/office/drawing/2014/main" id="{4244C54C-82FA-61A3-2658-C7C26A342415}"/>
+              </a:ext>
+            </a:extLst>
+          </p:cNvPr>
+          <p:cNvSpPr/>
+          <p:nvPr/>
+        </p:nvSpPr>
+        <p:spPr>
+          <a:xfrm rot="5400000">
+            <a:off x="5253095" y="5046179"/>
+            <a:ext cx="152971" cy="386089"/>
+          </a:xfrm>
+          <a:prstGeom prst="rightArrow">
+            <a:avLst/>
+          </a:prstGeom>
+          <a:solidFill>
+            <a:srgbClr val="CBCBCB"/>
+          </a:solidFill>
+          <a:ln>
+            <a:noFill/>
+          </a:ln>
+        </p:spPr>
+        <p:style>
+          <a:lnRef idx="2">
+            <a:schemeClr val="accent1">
+              <a:shade val="15000"/>
+            </a:schemeClr>
+          </a:lnRef>
+          <a:fillRef idx="1">
+            <a:schemeClr val="accent1"/>
+          </a:fillRef>
+          <a:effectRef idx="0">
+            <a:schemeClr val="accent1"/>
+          </a:effectRef>
+          <a:fontRef idx="minor">
+            <a:schemeClr val="lt1"/>
+          </a:fontRef>
+        </p:style>
+        <p:txBody>
+          <a:bodyPr rtlCol="0" anchor="ctr"/>
+          <a:lstStyle/>
+          <a:p>
+            <a:pPr algn="ctr"/>
+            <a:endParaRPr lang="en-US"/>
+          </a:p>
+        </p:txBody>
+      </p:sp>
+      <p:grpSp>
+        <p:nvGrpSpPr>
+          <p:cNvPr id="87" name="Group 86">
+            <a:extLst>
+              <a:ext uri="{FF2B5EF4-FFF2-40B4-BE49-F238E27FC236}">
+                <a16:creationId xmlns:a16="http://schemas.microsoft.com/office/drawing/2014/main" id="{8BAA80CC-0C0A-4E17-67A6-C9C88AD91D22}"/>
+              </a:ext>
+            </a:extLst>
+          </p:cNvPr>
+          <p:cNvGrpSpPr/>
+          <p:nvPr/>
+        </p:nvGrpSpPr>
+        <p:grpSpPr>
+          <a:xfrm>
+            <a:off x="4624234" y="6214876"/>
+            <a:ext cx="1410693" cy="338554"/>
+            <a:chOff x="136544" y="5759803"/>
+            <a:chExt cx="2170519" cy="338554"/>
+          </a:xfrm>
+        </p:grpSpPr>
+        <p:sp>
+          <p:nvSpPr>
+            <p:cNvPr id="88" name="Rectangle 87">
+              <a:extLst>
+                <a:ext uri="{FF2B5EF4-FFF2-40B4-BE49-F238E27FC236}">
+                  <a16:creationId xmlns:a16="http://schemas.microsoft.com/office/drawing/2014/main" id="{F64170CF-663F-3055-3B5C-521598CBBD75}"/>
+                </a:ext>
+              </a:extLst>
+            </p:cNvPr>
+            <p:cNvSpPr/>
+            <p:nvPr/>
+          </p:nvSpPr>
+          <p:spPr>
+            <a:xfrm>
+              <a:off x="297468" y="5781482"/>
+              <a:ext cx="1805536" cy="272412"/>
+            </a:xfrm>
+            <a:prstGeom prst="rect">
+              <a:avLst/>
+            </a:prstGeom>
+            <a:solidFill>
+              <a:schemeClr val="bg1"/>
+            </a:solidFill>
+            <a:ln>
+              <a:solidFill>
+                <a:schemeClr val="tx1"/>
+              </a:solidFill>
+            </a:ln>
+          </p:spPr>
+          <p:style>
+            <a:lnRef idx="2">
+              <a:schemeClr val="accent1">
+                <a:shade val="15000"/>
+              </a:schemeClr>
+            </a:lnRef>
+            <a:fillRef idx="1">
+              <a:schemeClr val="accent1"/>
+            </a:fillRef>
+            <a:effectRef idx="0">
+              <a:schemeClr val="accent1"/>
+            </a:effectRef>
+            <a:fontRef idx="minor">
+              <a:schemeClr val="lt1"/>
+            </a:fontRef>
+          </p:style>
+          <p:txBody>
+            <a:bodyPr rtlCol="0" anchor="ctr"/>
+            <a:lstStyle/>
+            <a:p>
+              <a:pPr algn="ctr"/>
+              <a:endParaRPr lang="en-US">
+                <a:solidFill>
+                  <a:schemeClr val="tx1"/>
+                </a:solidFill>
+              </a:endParaRPr>
+            </a:p>
+          </p:txBody>
+        </p:sp>
+        <p:sp>
+          <p:nvSpPr>
+            <p:cNvPr id="89" name="TextBox 88">
+              <a:extLst>
+                <a:ext uri="{FF2B5EF4-FFF2-40B4-BE49-F238E27FC236}">
+                  <a16:creationId xmlns:a16="http://schemas.microsoft.com/office/drawing/2014/main" id="{2772BF36-4365-10D9-1D65-80A8DAD55CB8}"/>
+                </a:ext>
+              </a:extLst>
+            </p:cNvPr>
+            <p:cNvSpPr txBox="1"/>
+            <p:nvPr/>
+          </p:nvSpPr>
+          <p:spPr>
+            <a:xfrm>
+              <a:off x="136544" y="5759803"/>
+              <a:ext cx="2170519" cy="338554"/>
+            </a:xfrm>
+            <a:prstGeom prst="rect">
+              <a:avLst/>
+            </a:prstGeom>
+            <a:noFill/>
+          </p:spPr>
+          <p:txBody>
+            <a:bodyPr wrap="square" rtlCol="0">
+              <a:spAutoFit/>
+            </a:bodyPr>
+            <a:lstStyle/>
+            <a:p>
+              <a:pPr algn="ctr"/>
+              <a:r>
+                <a:rPr lang="en-US" sz="1600" b="1" dirty="0"/>
+                <a:t>Order Cells</a:t>
+              </a:r>
+            </a:p>
+          </p:txBody>
+        </p:sp>
+      </p:grpSp>
+      <p:grpSp>
+        <p:nvGrpSpPr>
+          <p:cNvPr id="90" name="Group 89">
+            <a:extLst>
+              <a:ext uri="{FF2B5EF4-FFF2-40B4-BE49-F238E27FC236}">
+                <a16:creationId xmlns:a16="http://schemas.microsoft.com/office/drawing/2014/main" id="{8F921D1F-C34C-00DD-E89B-A6171CC3CC40}"/>
+              </a:ext>
+            </a:extLst>
+          </p:cNvPr>
+          <p:cNvGrpSpPr/>
+          <p:nvPr/>
+        </p:nvGrpSpPr>
+        <p:grpSpPr>
+          <a:xfrm>
+            <a:off x="6969827" y="1234443"/>
+            <a:ext cx="1410693" cy="584775"/>
+            <a:chOff x="136544" y="5759803"/>
+            <a:chExt cx="2170519" cy="584775"/>
+          </a:xfrm>
+        </p:grpSpPr>
+        <p:sp>
+          <p:nvSpPr>
+            <p:cNvPr id="91" name="Rectangle 90">
+              <a:extLst>
+                <a:ext uri="{FF2B5EF4-FFF2-40B4-BE49-F238E27FC236}">
+                  <a16:creationId xmlns:a16="http://schemas.microsoft.com/office/drawing/2014/main" id="{E7C7CD23-70AF-08EE-1015-76003A598715}"/>
+                </a:ext>
+              </a:extLst>
+            </p:cNvPr>
+            <p:cNvSpPr/>
+            <p:nvPr/>
+          </p:nvSpPr>
+          <p:spPr>
+            <a:xfrm>
+              <a:off x="297468" y="5781481"/>
+              <a:ext cx="1805536" cy="544335"/>
+            </a:xfrm>
+            <a:prstGeom prst="rect">
+              <a:avLst/>
+            </a:prstGeom>
+            <a:solidFill>
+              <a:schemeClr val="bg1"/>
+            </a:solidFill>
+            <a:ln>
+              <a:solidFill>
+                <a:schemeClr val="tx1"/>
+              </a:solidFill>
+            </a:ln>
+          </p:spPr>
+          <p:style>
+            <a:lnRef idx="2">
+              <a:schemeClr val="accent1">
+                <a:shade val="15000"/>
+              </a:schemeClr>
+            </a:lnRef>
+            <a:fillRef idx="1">
+              <a:schemeClr val="accent1"/>
+            </a:fillRef>
+            <a:effectRef idx="0">
+              <a:schemeClr val="accent1"/>
+            </a:effectRef>
+            <a:fontRef idx="minor">
+              <a:schemeClr val="lt1"/>
+            </a:fontRef>
+          </p:style>
+          <p:txBody>
+            <a:bodyPr rtlCol="0" anchor="ctr"/>
+            <a:lstStyle/>
+            <a:p>
+              <a:pPr algn="ctr"/>
+              <a:endParaRPr lang="en-US">
+                <a:solidFill>
+                  <a:schemeClr val="tx1"/>
+                </a:solidFill>
+              </a:endParaRPr>
+            </a:p>
+          </p:txBody>
+        </p:sp>
+        <p:sp>
+          <p:nvSpPr>
+            <p:cNvPr id="92" name="TextBox 91">
+              <a:extLst>
+                <a:ext uri="{FF2B5EF4-FFF2-40B4-BE49-F238E27FC236}">
+                  <a16:creationId xmlns:a16="http://schemas.microsoft.com/office/drawing/2014/main" id="{E28C6ADF-551F-B1DF-7B0A-278485F42008}"/>
+                </a:ext>
+              </a:extLst>
+            </p:cNvPr>
+            <p:cNvSpPr txBox="1"/>
+            <p:nvPr/>
+          </p:nvSpPr>
+          <p:spPr>
+            <a:xfrm>
+              <a:off x="136544" y="5759803"/>
+              <a:ext cx="2170519" cy="584775"/>
+            </a:xfrm>
+            <a:prstGeom prst="rect">
+              <a:avLst/>
+            </a:prstGeom>
+            <a:noFill/>
+          </p:spPr>
+          <p:txBody>
+            <a:bodyPr wrap="square" rtlCol="0">
+              <a:spAutoFit/>
+            </a:bodyPr>
+            <a:lstStyle/>
+            <a:p>
+              <a:pPr algn="ctr"/>
+              <a:r>
+                <a:rPr lang="en-US" sz="1600" b="1" dirty="0"/>
+                <a:t>Subset Trajectory</a:t>
+              </a:r>
+            </a:p>
+          </p:txBody>
+        </p:sp>
+      </p:grpSp>
+      <p:grpSp>
+        <p:nvGrpSpPr>
+          <p:cNvPr id="98" name="Group 97">
+            <a:extLst>
+              <a:ext uri="{FF2B5EF4-FFF2-40B4-BE49-F238E27FC236}">
+                <a16:creationId xmlns:a16="http://schemas.microsoft.com/office/drawing/2014/main" id="{52B68699-FCC0-91A7-B040-1EA6C261F68F}"/>
+              </a:ext>
+            </a:extLst>
+          </p:cNvPr>
+          <p:cNvGrpSpPr/>
+          <p:nvPr/>
+        </p:nvGrpSpPr>
+        <p:grpSpPr>
+          <a:xfrm>
+            <a:off x="6969827" y="2269209"/>
+            <a:ext cx="1410693" cy="584775"/>
+            <a:chOff x="136544" y="5759803"/>
+            <a:chExt cx="2170519" cy="584775"/>
+          </a:xfrm>
+        </p:grpSpPr>
+        <p:sp>
+          <p:nvSpPr>
+            <p:cNvPr id="99" name="Rectangle 98">
+              <a:extLst>
+                <a:ext uri="{FF2B5EF4-FFF2-40B4-BE49-F238E27FC236}">
+                  <a16:creationId xmlns:a16="http://schemas.microsoft.com/office/drawing/2014/main" id="{83E9838F-9E13-A02D-AFDE-3C225ED58168}"/>
+                </a:ext>
+              </a:extLst>
+            </p:cNvPr>
+            <p:cNvSpPr/>
+            <p:nvPr/>
+          </p:nvSpPr>
+          <p:spPr>
+            <a:xfrm>
+              <a:off x="297468" y="5781481"/>
+              <a:ext cx="1805536" cy="544335"/>
+            </a:xfrm>
+            <a:prstGeom prst="rect">
+              <a:avLst/>
+            </a:prstGeom>
+            <a:solidFill>
+              <a:schemeClr val="bg1"/>
+            </a:solidFill>
+            <a:ln>
+              <a:solidFill>
+                <a:schemeClr val="tx1"/>
+              </a:solidFill>
+            </a:ln>
+          </p:spPr>
+          <p:style>
+            <a:lnRef idx="2">
+              <a:schemeClr val="accent1">
+                <a:shade val="15000"/>
+              </a:schemeClr>
+            </a:lnRef>
+            <a:fillRef idx="1">
+              <a:schemeClr val="accent1"/>
+            </a:fillRef>
+            <a:effectRef idx="0">
+              <a:schemeClr val="accent1"/>
+            </a:effectRef>
+            <a:fontRef idx="minor">
+              <a:schemeClr val="lt1"/>
+            </a:fontRef>
+          </p:style>
+          <p:txBody>
+            <a:bodyPr rtlCol="0" anchor="ctr"/>
+            <a:lstStyle/>
+            <a:p>
+              <a:pPr algn="ctr"/>
+              <a:endParaRPr lang="en-US">
+                <a:solidFill>
+                  <a:schemeClr val="tx1"/>
+                </a:solidFill>
+              </a:endParaRPr>
+            </a:p>
+          </p:txBody>
+        </p:sp>
+        <p:sp>
+          <p:nvSpPr>
+            <p:cNvPr id="100" name="TextBox 99">
+              <a:extLst>
+                <a:ext uri="{FF2B5EF4-FFF2-40B4-BE49-F238E27FC236}">
+                  <a16:creationId xmlns:a16="http://schemas.microsoft.com/office/drawing/2014/main" id="{40A9889B-D353-F0AB-913C-D4E0E770578D}"/>
+                </a:ext>
+              </a:extLst>
+            </p:cNvPr>
+            <p:cNvSpPr txBox="1"/>
+            <p:nvPr/>
+          </p:nvSpPr>
+          <p:spPr>
+            <a:xfrm>
+              <a:off x="136544" y="5759803"/>
+              <a:ext cx="2170519" cy="584775"/>
+            </a:xfrm>
+            <a:prstGeom prst="rect">
+              <a:avLst/>
+            </a:prstGeom>
+            <a:noFill/>
+          </p:spPr>
+          <p:txBody>
+            <a:bodyPr wrap="square" rtlCol="0">
+              <a:spAutoFit/>
+            </a:bodyPr>
+            <a:lstStyle/>
+            <a:p>
+              <a:pPr algn="ctr"/>
+              <a:r>
+                <a:rPr lang="en-US" sz="1600" b="1" dirty="0"/>
+                <a:t>Reprocess Trajectory</a:t>
+              </a:r>
+            </a:p>
+          </p:txBody>
+        </p:sp>
+      </p:grpSp>
+      <p:grpSp>
+        <p:nvGrpSpPr>
+          <p:cNvPr id="101" name="Group 100">
+            <a:extLst>
+              <a:ext uri="{FF2B5EF4-FFF2-40B4-BE49-F238E27FC236}">
+                <a16:creationId xmlns:a16="http://schemas.microsoft.com/office/drawing/2014/main" id="{0E760129-50C6-E772-4514-CAC6A1FCF5A0}"/>
+              </a:ext>
+            </a:extLst>
+          </p:cNvPr>
+          <p:cNvGrpSpPr/>
+          <p:nvPr/>
+        </p:nvGrpSpPr>
+        <p:grpSpPr>
+          <a:xfrm>
+            <a:off x="6969827" y="3157425"/>
+            <a:ext cx="1410693" cy="592862"/>
+            <a:chOff x="136544" y="5781481"/>
+            <a:chExt cx="2170519" cy="592862"/>
+          </a:xfrm>
+        </p:grpSpPr>
+        <p:sp>
+          <p:nvSpPr>
+            <p:cNvPr id="102" name="Rectangle 101">
+              <a:extLst>
+                <a:ext uri="{FF2B5EF4-FFF2-40B4-BE49-F238E27FC236}">
+                  <a16:creationId xmlns:a16="http://schemas.microsoft.com/office/drawing/2014/main" id="{28D170EC-B438-691D-C7A3-9BE3404FBF3E}"/>
+                </a:ext>
+              </a:extLst>
+            </p:cNvPr>
+            <p:cNvSpPr/>
+            <p:nvPr/>
+          </p:nvSpPr>
+          <p:spPr>
+            <a:xfrm>
+              <a:off x="297468" y="5781481"/>
+              <a:ext cx="1805536" cy="544335"/>
+            </a:xfrm>
+            <a:prstGeom prst="rect">
+              <a:avLst/>
+            </a:prstGeom>
+            <a:solidFill>
+              <a:schemeClr val="bg1"/>
+            </a:solidFill>
+            <a:ln>
+              <a:solidFill>
+                <a:schemeClr val="tx1"/>
+              </a:solidFill>
+            </a:ln>
+          </p:spPr>
+          <p:style>
+            <a:lnRef idx="2">
+              <a:schemeClr val="accent1">
+                <a:shade val="15000"/>
+              </a:schemeClr>
+            </a:lnRef>
+            <a:fillRef idx="1">
+              <a:schemeClr val="accent1"/>
+            </a:fillRef>
+            <a:effectRef idx="0">
+              <a:schemeClr val="accent1"/>
+            </a:effectRef>
+            <a:fontRef idx="minor">
+              <a:schemeClr val="lt1"/>
+            </a:fontRef>
+          </p:style>
+          <p:txBody>
+            <a:bodyPr rtlCol="0" anchor="ctr"/>
+            <a:lstStyle/>
+            <a:p>
+              <a:pPr algn="ctr"/>
+              <a:endParaRPr lang="en-US">
+                <a:solidFill>
+                  <a:schemeClr val="tx1"/>
+                </a:solidFill>
+              </a:endParaRPr>
+            </a:p>
+          </p:txBody>
+        </p:sp>
+        <p:sp>
+          <p:nvSpPr>
+            <p:cNvPr id="103" name="TextBox 102">
+              <a:extLst>
+                <a:ext uri="{FF2B5EF4-FFF2-40B4-BE49-F238E27FC236}">
+                  <a16:creationId xmlns:a16="http://schemas.microsoft.com/office/drawing/2014/main" id="{8ACF30EF-B2BC-530F-F031-4CBFD554804F}"/>
+                </a:ext>
+              </a:extLst>
+            </p:cNvPr>
+            <p:cNvSpPr txBox="1"/>
+            <p:nvPr/>
+          </p:nvSpPr>
+          <p:spPr>
+            <a:xfrm>
+              <a:off x="136544" y="5789568"/>
+              <a:ext cx="2170519" cy="584775"/>
+            </a:xfrm>
+            <a:prstGeom prst="rect">
+              <a:avLst/>
+            </a:prstGeom>
+            <a:noFill/>
+          </p:spPr>
+          <p:txBody>
+            <a:bodyPr wrap="square" rtlCol="0">
+              <a:spAutoFit/>
+            </a:bodyPr>
+            <a:lstStyle/>
+            <a:p>
+              <a:pPr algn="ctr"/>
+              <a:r>
+                <a:rPr lang="en-US" sz="1600" b="1" dirty="0"/>
+                <a:t>Find Altered Genes</a:t>
+              </a:r>
+            </a:p>
+          </p:txBody>
+        </p:sp>
+      </p:grpSp>
+      <p:grpSp>
+        <p:nvGrpSpPr>
+          <p:cNvPr id="104" name="Group 103">
+            <a:extLst>
+              <a:ext uri="{FF2B5EF4-FFF2-40B4-BE49-F238E27FC236}">
+                <a16:creationId xmlns:a16="http://schemas.microsoft.com/office/drawing/2014/main" id="{B230658F-AECC-4380-8DAB-3EB8C6652263}"/>
+              </a:ext>
+            </a:extLst>
+          </p:cNvPr>
+          <p:cNvGrpSpPr/>
+          <p:nvPr/>
+        </p:nvGrpSpPr>
+        <p:grpSpPr>
+          <a:xfrm>
+            <a:off x="6969827" y="4125883"/>
+            <a:ext cx="1410693" cy="584775"/>
+            <a:chOff x="199846" y="5774065"/>
+            <a:chExt cx="2170519" cy="584775"/>
+          </a:xfrm>
+        </p:grpSpPr>
+        <p:sp>
+          <p:nvSpPr>
+            <p:cNvPr id="105" name="Rectangle 104">
+              <a:extLst>
+                <a:ext uri="{FF2B5EF4-FFF2-40B4-BE49-F238E27FC236}">
+                  <a16:creationId xmlns:a16="http://schemas.microsoft.com/office/drawing/2014/main" id="{567AC5EC-DEAD-F7FD-CCF1-B9BCFB7773F1}"/>
+                </a:ext>
+              </a:extLst>
+            </p:cNvPr>
+            <p:cNvSpPr/>
+            <p:nvPr/>
+          </p:nvSpPr>
+          <p:spPr>
+            <a:xfrm>
+              <a:off x="255376" y="5781481"/>
+              <a:ext cx="2059461" cy="544335"/>
+            </a:xfrm>
+            <a:prstGeom prst="rect">
+              <a:avLst/>
+            </a:prstGeom>
+            <a:solidFill>
+              <a:schemeClr val="bg1"/>
+            </a:solidFill>
+            <a:ln>
+              <a:solidFill>
+                <a:schemeClr val="tx1"/>
+              </a:solidFill>
+            </a:ln>
+          </p:spPr>
+          <p:style>
+            <a:lnRef idx="2">
+              <a:schemeClr val="accent1">
+                <a:shade val="15000"/>
+              </a:schemeClr>
+            </a:lnRef>
+            <a:fillRef idx="1">
+              <a:schemeClr val="accent1"/>
+            </a:fillRef>
+            <a:effectRef idx="0">
+              <a:schemeClr val="accent1"/>
+            </a:effectRef>
+            <a:fontRef idx="minor">
+              <a:schemeClr val="lt1"/>
+            </a:fontRef>
+          </p:style>
+          <p:txBody>
+            <a:bodyPr rtlCol="0" anchor="ctr"/>
+            <a:lstStyle/>
+            <a:p>
+              <a:pPr algn="ctr"/>
+              <a:endParaRPr lang="en-US">
+                <a:solidFill>
+                  <a:schemeClr val="tx1"/>
+                </a:solidFill>
+              </a:endParaRPr>
+            </a:p>
+          </p:txBody>
+        </p:sp>
+        <p:sp>
+          <p:nvSpPr>
+            <p:cNvPr id="106" name="TextBox 105">
+              <a:extLst>
+                <a:ext uri="{FF2B5EF4-FFF2-40B4-BE49-F238E27FC236}">
+                  <a16:creationId xmlns:a16="http://schemas.microsoft.com/office/drawing/2014/main" id="{C24D7F12-F8E9-41A3-1779-605F91B614A9}"/>
+                </a:ext>
+              </a:extLst>
+            </p:cNvPr>
+            <p:cNvSpPr txBox="1"/>
+            <p:nvPr/>
+          </p:nvSpPr>
+          <p:spPr>
+            <a:xfrm>
+              <a:off x="199846" y="5774065"/>
+              <a:ext cx="2170519" cy="584775"/>
+            </a:xfrm>
+            <a:prstGeom prst="rect">
+              <a:avLst/>
+            </a:prstGeom>
+            <a:noFill/>
+          </p:spPr>
+          <p:txBody>
+            <a:bodyPr wrap="square" rtlCol="0">
+              <a:spAutoFit/>
+            </a:bodyPr>
+            <a:lstStyle/>
+            <a:p>
+              <a:pPr algn="ctr"/>
+              <a:r>
+                <a:rPr lang="en-US" sz="1600" b="1" dirty="0"/>
+                <a:t>Aggregate to Gene Modules</a:t>
+              </a:r>
+            </a:p>
+          </p:txBody>
+        </p:sp>
+      </p:grpSp>
+      <p:grpSp>
+        <p:nvGrpSpPr>
+          <p:cNvPr id="107" name="Group 106">
+            <a:extLst>
+              <a:ext uri="{FF2B5EF4-FFF2-40B4-BE49-F238E27FC236}">
+                <a16:creationId xmlns:a16="http://schemas.microsoft.com/office/drawing/2014/main" id="{8CDDCD49-862C-11CB-CC7B-6CB5EEB61528}"/>
+              </a:ext>
+            </a:extLst>
+          </p:cNvPr>
+          <p:cNvGrpSpPr/>
+          <p:nvPr/>
+        </p:nvGrpSpPr>
+        <p:grpSpPr>
+          <a:xfrm>
+            <a:off x="6969827" y="5117475"/>
+            <a:ext cx="1410693" cy="584775"/>
+            <a:chOff x="183194" y="5775239"/>
+            <a:chExt cx="2170519" cy="584775"/>
+          </a:xfrm>
+        </p:grpSpPr>
+        <p:sp>
+          <p:nvSpPr>
+            <p:cNvPr id="108" name="Rectangle 107">
+              <a:extLst>
+                <a:ext uri="{FF2B5EF4-FFF2-40B4-BE49-F238E27FC236}">
+                  <a16:creationId xmlns:a16="http://schemas.microsoft.com/office/drawing/2014/main" id="{377606D0-BDC0-8261-37A2-97F3550128EA}"/>
+                </a:ext>
+              </a:extLst>
+            </p:cNvPr>
+            <p:cNvSpPr/>
+            <p:nvPr/>
+          </p:nvSpPr>
+          <p:spPr>
+            <a:xfrm>
+              <a:off x="198991" y="5781481"/>
+              <a:ext cx="2134969" cy="544335"/>
+            </a:xfrm>
+            <a:prstGeom prst="rect">
+              <a:avLst/>
+            </a:prstGeom>
+            <a:solidFill>
+              <a:schemeClr val="bg1"/>
+            </a:solidFill>
+            <a:ln>
+              <a:solidFill>
+                <a:schemeClr val="tx1"/>
+              </a:solidFill>
+            </a:ln>
+          </p:spPr>
+          <p:style>
+            <a:lnRef idx="2">
+              <a:schemeClr val="accent1">
+                <a:shade val="15000"/>
+              </a:schemeClr>
+            </a:lnRef>
+            <a:fillRef idx="1">
+              <a:schemeClr val="accent1"/>
+            </a:fillRef>
+            <a:effectRef idx="0">
+              <a:schemeClr val="accent1"/>
+            </a:effectRef>
+            <a:fontRef idx="minor">
+              <a:schemeClr val="lt1"/>
+            </a:fontRef>
+          </p:style>
+          <p:txBody>
+            <a:bodyPr rtlCol="0" anchor="ctr"/>
+            <a:lstStyle/>
+            <a:p>
+              <a:pPr algn="ctr"/>
+              <a:endParaRPr lang="en-US">
+                <a:solidFill>
+                  <a:schemeClr val="tx1"/>
+                </a:solidFill>
+              </a:endParaRPr>
+            </a:p>
+          </p:txBody>
+        </p:sp>
+        <p:sp>
+          <p:nvSpPr>
+            <p:cNvPr id="109" name="TextBox 108">
+              <a:extLst>
+                <a:ext uri="{FF2B5EF4-FFF2-40B4-BE49-F238E27FC236}">
+                  <a16:creationId xmlns:a16="http://schemas.microsoft.com/office/drawing/2014/main" id="{E89D932C-0C9B-54F6-FEEE-700670E35B2A}"/>
+                </a:ext>
+              </a:extLst>
+            </p:cNvPr>
+            <p:cNvSpPr txBox="1"/>
+            <p:nvPr/>
+          </p:nvSpPr>
+          <p:spPr>
+            <a:xfrm>
+              <a:off x="183194" y="5775239"/>
+              <a:ext cx="2170519" cy="584775"/>
+            </a:xfrm>
+            <a:prstGeom prst="rect">
+              <a:avLst/>
+            </a:prstGeom>
+            <a:noFill/>
+          </p:spPr>
+          <p:txBody>
+            <a:bodyPr wrap="square" rtlCol="0">
+              <a:spAutoFit/>
+            </a:bodyPr>
+            <a:lstStyle/>
+            <a:p>
+              <a:pPr algn="ctr"/>
+              <a:r>
+                <a:rPr lang="en-US" sz="1600" b="1" dirty="0"/>
+                <a:t>Visualize Gene Modules</a:t>
+              </a:r>
+            </a:p>
+          </p:txBody>
+        </p:sp>
+      </p:grpSp>
+      <p:sp>
+        <p:nvSpPr>
+          <p:cNvPr id="110" name="TextBox 109">
+            <a:extLst>
+              <a:ext uri="{FF2B5EF4-FFF2-40B4-BE49-F238E27FC236}">
+                <a16:creationId xmlns:a16="http://schemas.microsoft.com/office/drawing/2014/main" id="{F7421AB0-4654-EBAC-BD08-E70F1894A9A7}"/>
+              </a:ext>
+            </a:extLst>
+          </p:cNvPr>
+          <p:cNvSpPr txBox="1"/>
+          <p:nvPr/>
+        </p:nvSpPr>
+        <p:spPr>
+          <a:xfrm>
+            <a:off x="1329033" y="698274"/>
+            <a:ext cx="1010213" cy="461665"/>
+          </a:xfrm>
+          <a:prstGeom prst="rect">
+            <a:avLst/>
+          </a:prstGeom>
+          <a:noFill/>
+        </p:spPr>
+        <p:txBody>
+          <a:bodyPr wrap="none" rtlCol="0">
+            <a:spAutoFit/>
+          </a:bodyPr>
+          <a:lstStyle/>
+          <a:p>
+            <a:r>
+              <a:rPr lang="en-US" sz="2400" b="1" dirty="0"/>
+              <a:t>Seurat</a:t>
+            </a:r>
+          </a:p>
+        </p:txBody>
+      </p:sp>
+      <p:sp>
+        <p:nvSpPr>
+          <p:cNvPr id="111" name="Arrow: Right 110">
+            <a:extLst>
+              <a:ext uri="{FF2B5EF4-FFF2-40B4-BE49-F238E27FC236}">
+                <a16:creationId xmlns:a16="http://schemas.microsoft.com/office/drawing/2014/main" id="{7D24B228-77CD-2512-1DB9-F2A8D22C0183}"/>
+              </a:ext>
+            </a:extLst>
+          </p:cNvPr>
+          <p:cNvSpPr/>
+          <p:nvPr/>
+        </p:nvSpPr>
+        <p:spPr>
+          <a:xfrm rot="5400000">
+            <a:off x="5253095" y="5960807"/>
+            <a:ext cx="152971" cy="386089"/>
+          </a:xfrm>
+          <a:prstGeom prst="rightArrow">
+            <a:avLst/>
+          </a:prstGeom>
+          <a:solidFill>
+            <a:srgbClr val="CBCBCB"/>
+          </a:solidFill>
+          <a:ln>
+            <a:noFill/>
+          </a:ln>
+        </p:spPr>
+        <p:style>
+          <a:lnRef idx="2">
+            <a:schemeClr val="accent1">
+              <a:shade val="15000"/>
+            </a:schemeClr>
+          </a:lnRef>
+          <a:fillRef idx="1">
+            <a:schemeClr val="accent1"/>
+          </a:fillRef>
+          <a:effectRef idx="0">
+            <a:schemeClr val="accent1"/>
+          </a:effectRef>
+          <a:fontRef idx="minor">
+            <a:schemeClr val="lt1"/>
+          </a:fontRef>
+        </p:style>
+        <p:txBody>
+          <a:bodyPr rtlCol="0" anchor="ctr"/>
+          <a:lstStyle/>
+          <a:p>
+            <a:pPr algn="ctr"/>
+            <a:endParaRPr lang="en-US"/>
+          </a:p>
+        </p:txBody>
+      </p:sp>
+      <p:sp>
+        <p:nvSpPr>
+          <p:cNvPr id="112" name="TextBox 111">
+            <a:extLst>
+              <a:ext uri="{FF2B5EF4-FFF2-40B4-BE49-F238E27FC236}">
+                <a16:creationId xmlns:a16="http://schemas.microsoft.com/office/drawing/2014/main" id="{3CB2C6F3-C36D-00D7-33E2-198F8D8000EA}"/>
+              </a:ext>
+            </a:extLst>
+          </p:cNvPr>
+          <p:cNvSpPr txBox="1"/>
+          <p:nvPr/>
+        </p:nvSpPr>
+        <p:spPr>
+          <a:xfrm>
+            <a:off x="5565179" y="698274"/>
+            <a:ext cx="1463862" cy="461665"/>
+          </a:xfrm>
+          <a:prstGeom prst="rect">
+            <a:avLst/>
+          </a:prstGeom>
+          <a:noFill/>
+        </p:spPr>
+        <p:txBody>
+          <a:bodyPr wrap="none" rtlCol="0">
+            <a:spAutoFit/>
+          </a:bodyPr>
+          <a:lstStyle/>
+          <a:p>
+            <a:r>
+              <a:rPr lang="en-US" sz="2400" b="1" dirty="0"/>
+              <a:t>Monocle3</a:t>
+            </a:r>
+          </a:p>
+        </p:txBody>
+      </p:sp>
+      <p:sp>
+        <p:nvSpPr>
+          <p:cNvPr id="113" name="TextBox 112">
+            <a:extLst>
+              <a:ext uri="{FF2B5EF4-FFF2-40B4-BE49-F238E27FC236}">
+                <a16:creationId xmlns:a16="http://schemas.microsoft.com/office/drawing/2014/main" id="{B2E0C433-FB5D-A577-7B51-DC8B12D3E89C}"/>
+              </a:ext>
+            </a:extLst>
+          </p:cNvPr>
+          <p:cNvSpPr txBox="1"/>
+          <p:nvPr/>
+        </p:nvSpPr>
+        <p:spPr>
+          <a:xfrm>
+            <a:off x="6707442" y="1801582"/>
+            <a:ext cx="1935463" cy="276999"/>
+          </a:xfrm>
+          <a:prstGeom prst="rect">
+            <a:avLst/>
+          </a:prstGeom>
+          <a:noFill/>
+        </p:spPr>
+        <p:txBody>
+          <a:bodyPr wrap="square">
+            <a:spAutoFit/>
+          </a:bodyPr>
+          <a:lstStyle/>
+          <a:p>
+            <a:pPr algn="ctr"/>
+            <a:r>
+              <a:rPr lang="en-US" sz="1200" dirty="0" err="1"/>
+              <a:t>choose_graph_segments</a:t>
+            </a:r>
+            <a:r>
+              <a:rPr lang="en-US" sz="1200" i="1" dirty="0"/>
+              <a:t>()</a:t>
+            </a:r>
+          </a:p>
+        </p:txBody>
+      </p:sp>
+      <p:sp>
+        <p:nvSpPr>
+          <p:cNvPr id="114" name="TextBox 113">
+            <a:extLst>
+              <a:ext uri="{FF2B5EF4-FFF2-40B4-BE49-F238E27FC236}">
+                <a16:creationId xmlns:a16="http://schemas.microsoft.com/office/drawing/2014/main" id="{A8AA3A91-655F-2696-C25D-1B844B652ABC}"/>
+              </a:ext>
+            </a:extLst>
+          </p:cNvPr>
+          <p:cNvSpPr txBox="1"/>
+          <p:nvPr/>
+        </p:nvSpPr>
+        <p:spPr>
+          <a:xfrm>
+            <a:off x="4677395" y="6517190"/>
+            <a:ext cx="1304371" cy="276999"/>
+          </a:xfrm>
+          <a:prstGeom prst="rect">
+            <a:avLst/>
+          </a:prstGeom>
+          <a:noFill/>
+        </p:spPr>
+        <p:txBody>
+          <a:bodyPr wrap="square">
+            <a:spAutoFit/>
+          </a:bodyPr>
+          <a:lstStyle/>
+          <a:p>
+            <a:pPr algn="ctr"/>
+            <a:r>
+              <a:rPr lang="en-US" sz="1200" i="1" dirty="0" err="1"/>
+              <a:t>order_cells</a:t>
+            </a:r>
+            <a:r>
+              <a:rPr lang="en-US" sz="1200" i="1" dirty="0"/>
+              <a:t>()</a:t>
+            </a:r>
+          </a:p>
+        </p:txBody>
+      </p:sp>
+      <p:sp>
+        <p:nvSpPr>
+          <p:cNvPr id="115" name="Arrow: Right 114">
+            <a:extLst>
+              <a:ext uri="{FF2B5EF4-FFF2-40B4-BE49-F238E27FC236}">
+                <a16:creationId xmlns:a16="http://schemas.microsoft.com/office/drawing/2014/main" id="{CBCBCF2C-3EFF-78D8-6045-7EC712472584}"/>
+              </a:ext>
+            </a:extLst>
+          </p:cNvPr>
+          <p:cNvSpPr/>
+          <p:nvPr/>
+        </p:nvSpPr>
+        <p:spPr>
+          <a:xfrm rot="5400000">
+            <a:off x="7612466" y="1934190"/>
+            <a:ext cx="125415" cy="386089"/>
+          </a:xfrm>
+          <a:prstGeom prst="rightArrow">
+            <a:avLst/>
+          </a:prstGeom>
+          <a:solidFill>
+            <a:srgbClr val="CBCBCB"/>
+          </a:solidFill>
+          <a:ln>
+            <a:noFill/>
+          </a:ln>
+        </p:spPr>
+        <p:style>
+          <a:lnRef idx="2">
+            <a:schemeClr val="accent1">
+              <a:shade val="15000"/>
+            </a:schemeClr>
+          </a:lnRef>
+          <a:fillRef idx="1">
+            <a:schemeClr val="accent1"/>
+          </a:fillRef>
+          <a:effectRef idx="0">
+            <a:schemeClr val="accent1"/>
+          </a:effectRef>
+          <a:fontRef idx="minor">
+            <a:schemeClr val="lt1"/>
+          </a:fontRef>
+        </p:style>
+        <p:txBody>
+          <a:bodyPr rtlCol="0" anchor="ctr"/>
+          <a:lstStyle/>
+          <a:p>
+            <a:pPr algn="ctr"/>
+            <a:endParaRPr lang="en-US"/>
+          </a:p>
+        </p:txBody>
+      </p:sp>
+      <p:sp>
+        <p:nvSpPr>
+          <p:cNvPr id="116" name="TextBox 115">
+            <a:extLst>
+              <a:ext uri="{FF2B5EF4-FFF2-40B4-BE49-F238E27FC236}">
+                <a16:creationId xmlns:a16="http://schemas.microsoft.com/office/drawing/2014/main" id="{5CF33332-0B0B-32A0-47DE-2599306630D6}"/>
+              </a:ext>
+            </a:extLst>
+          </p:cNvPr>
+          <p:cNvSpPr txBox="1"/>
+          <p:nvPr/>
+        </p:nvSpPr>
+        <p:spPr>
+          <a:xfrm>
+            <a:off x="6790124" y="3656900"/>
+            <a:ext cx="1770098" cy="276999"/>
+          </a:xfrm>
+          <a:prstGeom prst="rect">
+            <a:avLst/>
+          </a:prstGeom>
+          <a:noFill/>
+        </p:spPr>
+        <p:txBody>
+          <a:bodyPr wrap="square">
+            <a:spAutoFit/>
+          </a:bodyPr>
+          <a:lstStyle/>
+          <a:p>
+            <a:pPr algn="ctr"/>
+            <a:r>
+              <a:rPr lang="en-US" sz="1200" i="1" dirty="0" err="1"/>
+              <a:t>find_gene_modules</a:t>
+            </a:r>
+            <a:r>
+              <a:rPr lang="en-US" sz="1200" i="1" dirty="0"/>
+              <a:t>() </a:t>
+            </a:r>
+          </a:p>
+        </p:txBody>
+      </p:sp>
+      <p:sp>
+        <p:nvSpPr>
+          <p:cNvPr id="117" name="Arrow: Right 116">
+            <a:extLst>
+              <a:ext uri="{FF2B5EF4-FFF2-40B4-BE49-F238E27FC236}">
+                <a16:creationId xmlns:a16="http://schemas.microsoft.com/office/drawing/2014/main" id="{B56DBEB6-13FB-92E5-C830-7EA735841076}"/>
+              </a:ext>
+            </a:extLst>
+          </p:cNvPr>
+          <p:cNvSpPr/>
+          <p:nvPr/>
+        </p:nvSpPr>
+        <p:spPr>
+          <a:xfrm rot="5400000">
+            <a:off x="7598688" y="3838943"/>
+            <a:ext cx="152971" cy="386089"/>
+          </a:xfrm>
+          <a:prstGeom prst="rightArrow">
+            <a:avLst/>
+          </a:prstGeom>
+          <a:solidFill>
+            <a:srgbClr val="CBCBCB"/>
+          </a:solidFill>
+          <a:ln>
+            <a:noFill/>
+          </a:ln>
+        </p:spPr>
+        <p:style>
+          <a:lnRef idx="2">
+            <a:schemeClr val="accent1">
+              <a:shade val="15000"/>
+            </a:schemeClr>
+          </a:lnRef>
+          <a:fillRef idx="1">
+            <a:schemeClr val="accent1"/>
+          </a:fillRef>
+          <a:effectRef idx="0">
+            <a:schemeClr val="accent1"/>
+          </a:effectRef>
+          <a:fontRef idx="minor">
+            <a:schemeClr val="lt1"/>
+          </a:fontRef>
+        </p:style>
+        <p:txBody>
+          <a:bodyPr rtlCol="0" anchor="ctr"/>
+          <a:lstStyle/>
+          <a:p>
+            <a:pPr algn="ctr"/>
+            <a:endParaRPr lang="en-US"/>
+          </a:p>
+        </p:txBody>
+      </p:sp>
+      <p:sp>
+        <p:nvSpPr>
+          <p:cNvPr id="118" name="TextBox 117">
+            <a:extLst>
+              <a:ext uri="{FF2B5EF4-FFF2-40B4-BE49-F238E27FC236}">
+                <a16:creationId xmlns:a16="http://schemas.microsoft.com/office/drawing/2014/main" id="{2F7FCF92-5FB8-8092-352E-D509424C24D5}"/>
+              </a:ext>
+            </a:extLst>
+          </p:cNvPr>
+          <p:cNvSpPr txBox="1"/>
+          <p:nvPr/>
+        </p:nvSpPr>
+        <p:spPr>
+          <a:xfrm>
+            <a:off x="6627505" y="4677634"/>
+            <a:ext cx="2095337" cy="276999"/>
+          </a:xfrm>
+          <a:prstGeom prst="rect">
+            <a:avLst/>
+          </a:prstGeom>
+          <a:noFill/>
+        </p:spPr>
+        <p:txBody>
+          <a:bodyPr wrap="square">
+            <a:spAutoFit/>
+          </a:bodyPr>
+          <a:lstStyle/>
+          <a:p>
+            <a:pPr algn="ctr"/>
+            <a:r>
+              <a:rPr lang="en-US" sz="1200" i="1" dirty="0" err="1"/>
+              <a:t>aggregate_gene_expression</a:t>
+            </a:r>
+            <a:r>
+              <a:rPr lang="en-US" sz="1200" i="1" dirty="0"/>
+              <a:t>() </a:t>
+            </a:r>
+          </a:p>
+        </p:txBody>
+      </p:sp>
+      <p:sp>
+        <p:nvSpPr>
+          <p:cNvPr id="119" name="Arrow: Right 118">
+            <a:extLst>
+              <a:ext uri="{FF2B5EF4-FFF2-40B4-BE49-F238E27FC236}">
+                <a16:creationId xmlns:a16="http://schemas.microsoft.com/office/drawing/2014/main" id="{455A79F4-76BB-9BD2-B71C-A6DF57C734C2}"/>
+              </a:ext>
+            </a:extLst>
+          </p:cNvPr>
+          <p:cNvSpPr/>
+          <p:nvPr/>
+        </p:nvSpPr>
+        <p:spPr>
+          <a:xfrm rot="5400000">
+            <a:off x="7598688" y="2868419"/>
+            <a:ext cx="152971" cy="386089"/>
+          </a:xfrm>
+          <a:prstGeom prst="rightArrow">
+            <a:avLst/>
+          </a:prstGeom>
+          <a:solidFill>
+            <a:srgbClr val="CBCBCB"/>
+          </a:solidFill>
+          <a:ln>
+            <a:noFill/>
+          </a:ln>
+        </p:spPr>
+        <p:style>
+          <a:lnRef idx="2">
+            <a:schemeClr val="accent1">
+              <a:shade val="15000"/>
+            </a:schemeClr>
+          </a:lnRef>
+          <a:fillRef idx="1">
+            <a:schemeClr val="accent1"/>
+          </a:fillRef>
+          <a:effectRef idx="0">
+            <a:schemeClr val="accent1"/>
+          </a:effectRef>
+          <a:fontRef idx="minor">
+            <a:schemeClr val="lt1"/>
+          </a:fontRef>
+        </p:style>
+        <p:txBody>
+          <a:bodyPr rtlCol="0" anchor="ctr"/>
+          <a:lstStyle/>
+          <a:p>
+            <a:pPr algn="ctr"/>
+            <a:endParaRPr lang="en-US"/>
+          </a:p>
+        </p:txBody>
+      </p:sp>
+      <p:sp>
+        <p:nvSpPr>
+          <p:cNvPr id="120" name="Arrow: Right 119">
+            <a:extLst>
+              <a:ext uri="{FF2B5EF4-FFF2-40B4-BE49-F238E27FC236}">
+                <a16:creationId xmlns:a16="http://schemas.microsoft.com/office/drawing/2014/main" id="{C7D98DCF-4A4F-684E-55A1-AE7184A75798}"/>
+              </a:ext>
+            </a:extLst>
+          </p:cNvPr>
+          <p:cNvSpPr/>
+          <p:nvPr/>
+        </p:nvSpPr>
+        <p:spPr>
+          <a:xfrm rot="5400000">
+            <a:off x="7598688" y="4830517"/>
+            <a:ext cx="152971" cy="386089"/>
+          </a:xfrm>
+          <a:prstGeom prst="rightArrow">
+            <a:avLst/>
+          </a:prstGeom>
+          <a:solidFill>
+            <a:srgbClr val="CBCBCB"/>
+          </a:solidFill>
+          <a:ln>
+            <a:noFill/>
+          </a:ln>
+        </p:spPr>
+        <p:style>
+          <a:lnRef idx="2">
+            <a:schemeClr val="accent1">
+              <a:shade val="15000"/>
+            </a:schemeClr>
+          </a:lnRef>
+          <a:fillRef idx="1">
+            <a:schemeClr val="accent1"/>
+          </a:fillRef>
+          <a:effectRef idx="0">
+            <a:schemeClr val="accent1"/>
+          </a:effectRef>
+          <a:fontRef idx="minor">
+            <a:schemeClr val="lt1"/>
+          </a:fontRef>
+        </p:style>
+        <p:txBody>
+          <a:bodyPr rtlCol="0" anchor="ctr"/>
+          <a:lstStyle/>
+          <a:p>
+            <a:pPr algn="ctr"/>
+            <a:endParaRPr lang="en-US"/>
+          </a:p>
+        </p:txBody>
+      </p:sp>
+      <p:sp>
+        <p:nvSpPr>
+          <p:cNvPr id="132" name="Rectangle 131">
+            <a:extLst>
+              <a:ext uri="{FF2B5EF4-FFF2-40B4-BE49-F238E27FC236}">
+                <a16:creationId xmlns:a16="http://schemas.microsoft.com/office/drawing/2014/main" id="{5FE756D2-9764-3407-413E-AEEE3E29F2B4}"/>
+              </a:ext>
+            </a:extLst>
+          </p:cNvPr>
+          <p:cNvSpPr/>
+          <p:nvPr/>
+        </p:nvSpPr>
+        <p:spPr>
+          <a:xfrm>
+            <a:off x="762384" y="1121886"/>
+            <a:ext cx="2179639" cy="5678058"/>
+          </a:xfrm>
+          <a:prstGeom prst="rect">
+            <a:avLst/>
+          </a:prstGeom>
+          <a:noFill/>
+          <a:ln>
+            <a:solidFill>
+              <a:schemeClr val="tx1"/>
+            </a:solidFill>
+          </a:ln>
+        </p:spPr>
+        <p:style>
+          <a:lnRef idx="2">
+            <a:schemeClr val="accent1">
+              <a:shade val="15000"/>
+            </a:schemeClr>
+          </a:lnRef>
+          <a:fillRef idx="1">
+            <a:schemeClr val="accent1"/>
+          </a:fillRef>
+          <a:effectRef idx="0">
+            <a:schemeClr val="accent1"/>
+          </a:effectRef>
+          <a:fontRef idx="minor">
+            <a:schemeClr val="lt1"/>
+          </a:fontRef>
+        </p:style>
+        <p:txBody>
+          <a:bodyPr rtlCol="0" anchor="ctr"/>
+          <a:lstStyle/>
+          <a:p>
+            <a:pPr algn="ctr"/>
+            <a:endParaRPr lang="en-US"/>
+          </a:p>
+        </p:txBody>
+      </p:sp>
+      <p:sp>
+        <p:nvSpPr>
+          <p:cNvPr id="133" name="Rectangle 132">
+            <a:extLst>
+              <a:ext uri="{FF2B5EF4-FFF2-40B4-BE49-F238E27FC236}">
+                <a16:creationId xmlns:a16="http://schemas.microsoft.com/office/drawing/2014/main" id="{FD1CC64E-3E58-F448-3F05-13EC2044904F}"/>
+              </a:ext>
+            </a:extLst>
+          </p:cNvPr>
+          <p:cNvSpPr/>
+          <p:nvPr/>
+        </p:nvSpPr>
+        <p:spPr>
+          <a:xfrm>
+            <a:off x="4353893" y="1135230"/>
+            <a:ext cx="4311468" cy="5658958"/>
+          </a:xfrm>
+          <a:prstGeom prst="rect">
+            <a:avLst/>
+          </a:prstGeom>
+          <a:noFill/>
+          <a:ln>
+            <a:solidFill>
+              <a:schemeClr val="tx1"/>
+            </a:solidFill>
+          </a:ln>
+        </p:spPr>
+        <p:style>
+          <a:lnRef idx="2">
+            <a:schemeClr val="accent1">
+              <a:shade val="15000"/>
+            </a:schemeClr>
+          </a:lnRef>
+          <a:fillRef idx="1">
+            <a:schemeClr val="accent1"/>
+          </a:fillRef>
+          <a:effectRef idx="0">
+            <a:schemeClr val="accent1"/>
+          </a:effectRef>
+          <a:fontRef idx="minor">
+            <a:schemeClr val="lt1"/>
+          </a:fontRef>
+        </p:style>
+        <p:txBody>
+          <a:bodyPr rtlCol="0" anchor="ctr"/>
+          <a:lstStyle/>
+          <a:p>
+            <a:pPr algn="ctr"/>
+            <a:endParaRPr lang="en-US"/>
+          </a:p>
+        </p:txBody>
+      </p:sp>
+      <p:sp>
+        <p:nvSpPr>
+          <p:cNvPr id="134" name="TextBox 133">
+            <a:extLst>
+              <a:ext uri="{FF2B5EF4-FFF2-40B4-BE49-F238E27FC236}">
+                <a16:creationId xmlns:a16="http://schemas.microsoft.com/office/drawing/2014/main" id="{9D08DAA7-EFA8-207F-F65E-0CAAD3083423}"/>
+              </a:ext>
+            </a:extLst>
+          </p:cNvPr>
+          <p:cNvSpPr txBox="1"/>
+          <p:nvPr/>
+        </p:nvSpPr>
+        <p:spPr>
+          <a:xfrm>
+            <a:off x="8955291" y="1648519"/>
+            <a:ext cx="3161694" cy="646331"/>
+          </a:xfrm>
+          <a:prstGeom prst="rect">
+            <a:avLst/>
+          </a:prstGeom>
+          <a:noFill/>
+        </p:spPr>
+        <p:txBody>
+          <a:bodyPr wrap="square" rtlCol="0">
+            <a:spAutoFit/>
+          </a:bodyPr>
+          <a:lstStyle/>
+          <a:p>
+            <a:r>
+              <a:rPr lang="en-US" b="1" dirty="0"/>
+              <a:t>Monocle3</a:t>
+            </a:r>
+            <a:r>
+              <a:rPr lang="en-US" dirty="0"/>
+              <a:t> has it’s own </a:t>
+            </a:r>
+            <a:r>
+              <a:rPr lang="en-US" dirty="0" err="1"/>
+              <a:t>scRNA</a:t>
+            </a:r>
+            <a:r>
+              <a:rPr lang="en-US" dirty="0"/>
+              <a:t>-Seq processing pipeline.</a:t>
+            </a:r>
+          </a:p>
+        </p:txBody>
+      </p:sp>
+      <p:grpSp>
+        <p:nvGrpSpPr>
+          <p:cNvPr id="147" name="Group 146">
+            <a:extLst>
+              <a:ext uri="{FF2B5EF4-FFF2-40B4-BE49-F238E27FC236}">
+                <a16:creationId xmlns:a16="http://schemas.microsoft.com/office/drawing/2014/main" id="{B0EBF06E-192C-552A-B776-84612FF6DCF6}"/>
+              </a:ext>
+            </a:extLst>
+          </p:cNvPr>
+          <p:cNvGrpSpPr/>
+          <p:nvPr/>
+        </p:nvGrpSpPr>
+        <p:grpSpPr>
+          <a:xfrm>
+            <a:off x="2584449" y="4274849"/>
+            <a:ext cx="1941177" cy="1915939"/>
+            <a:chOff x="2584449" y="4332905"/>
+            <a:chExt cx="1941177" cy="1915939"/>
+          </a:xfrm>
+        </p:grpSpPr>
+        <p:grpSp>
+          <p:nvGrpSpPr>
+            <p:cNvPr id="146" name="Group 145">
+              <a:extLst>
+                <a:ext uri="{FF2B5EF4-FFF2-40B4-BE49-F238E27FC236}">
+                  <a16:creationId xmlns:a16="http://schemas.microsoft.com/office/drawing/2014/main" id="{BCE41D99-0FC4-77D3-56D5-E8957AE1E0D4}"/>
+                </a:ext>
+              </a:extLst>
+            </p:cNvPr>
+            <p:cNvGrpSpPr/>
+            <p:nvPr/>
+          </p:nvGrpSpPr>
+          <p:grpSpPr>
+            <a:xfrm>
+              <a:off x="3053299" y="4868807"/>
+              <a:ext cx="1173478" cy="646331"/>
+              <a:chOff x="3053299" y="4868807"/>
+              <a:chExt cx="1173478" cy="646331"/>
+            </a:xfrm>
+          </p:grpSpPr>
+          <p:sp>
+            <p:nvSpPr>
+              <p:cNvPr id="139" name="Rectangle 138">
+                <a:extLst>
+                  <a:ext uri="{FF2B5EF4-FFF2-40B4-BE49-F238E27FC236}">
+                    <a16:creationId xmlns:a16="http://schemas.microsoft.com/office/drawing/2014/main" id="{2DCB5477-73C3-C8AD-BD42-AD1B3D29CFD8}"/>
+                  </a:ext>
+                </a:extLst>
+              </p:cNvPr>
+              <p:cNvSpPr/>
+              <p:nvPr/>
+            </p:nvSpPr>
+            <p:spPr>
+              <a:xfrm>
+                <a:off x="3053299" y="4919806"/>
+                <a:ext cx="1173478" cy="544335"/>
+              </a:xfrm>
+              <a:prstGeom prst="rect">
+                <a:avLst/>
+              </a:prstGeom>
+              <a:solidFill>
+                <a:schemeClr val="bg1"/>
+              </a:solidFill>
+              <a:ln>
+                <a:solidFill>
+                  <a:schemeClr val="tx1"/>
+                </a:solidFill>
+              </a:ln>
+            </p:spPr>
+            <p:style>
+              <a:lnRef idx="2">
+                <a:schemeClr val="accent1">
+                  <a:shade val="15000"/>
+                </a:schemeClr>
+              </a:lnRef>
+              <a:fillRef idx="1">
+                <a:schemeClr val="accent1"/>
+              </a:fillRef>
+              <a:effectRef idx="0">
+                <a:schemeClr val="accent1"/>
+              </a:effectRef>
+              <a:fontRef idx="minor">
+                <a:schemeClr val="lt1"/>
+              </a:fontRef>
+            </p:style>
+            <p:txBody>
+              <a:bodyPr rtlCol="0" anchor="ctr"/>
+              <a:lstStyle/>
+              <a:p>
+                <a:pPr algn="ctr"/>
+                <a:endParaRPr lang="en-US">
+                  <a:solidFill>
+                    <a:schemeClr val="tx1"/>
+                  </a:solidFill>
+                </a:endParaRPr>
+              </a:p>
+            </p:txBody>
+          </p:sp>
+          <p:sp>
+            <p:nvSpPr>
+              <p:cNvPr id="135" name="TextBox 134">
+                <a:extLst>
+                  <a:ext uri="{FF2B5EF4-FFF2-40B4-BE49-F238E27FC236}">
+                    <a16:creationId xmlns:a16="http://schemas.microsoft.com/office/drawing/2014/main" id="{595203E2-74D7-FB90-ABB4-89EF2F051A17}"/>
+                  </a:ext>
+                </a:extLst>
+              </p:cNvPr>
+              <p:cNvSpPr txBox="1"/>
+              <p:nvPr/>
+            </p:nvSpPr>
+            <p:spPr>
+              <a:xfrm>
+                <a:off x="3110939" y="4868807"/>
+                <a:ext cx="1058198" cy="646331"/>
+              </a:xfrm>
+              <a:prstGeom prst="rect">
+                <a:avLst/>
+              </a:prstGeom>
+              <a:noFill/>
+            </p:spPr>
+            <p:txBody>
+              <a:bodyPr wrap="square" rtlCol="0">
+                <a:spAutoFit/>
+              </a:bodyPr>
+              <a:lstStyle/>
+              <a:p>
+                <a:pPr algn="ctr"/>
+                <a:r>
+                  <a:rPr lang="en-US" dirty="0"/>
+                  <a:t>Seurat Bridge</a:t>
+                </a:r>
+              </a:p>
+            </p:txBody>
+          </p:sp>
+        </p:grpSp>
+        <p:grpSp>
+          <p:nvGrpSpPr>
+            <p:cNvPr id="145" name="Group 144">
+              <a:extLst>
+                <a:ext uri="{FF2B5EF4-FFF2-40B4-BE49-F238E27FC236}">
+                  <a16:creationId xmlns:a16="http://schemas.microsoft.com/office/drawing/2014/main" id="{D4D4A51E-105B-A337-92E0-633DAF8FB23C}"/>
+                </a:ext>
+              </a:extLst>
+            </p:cNvPr>
+            <p:cNvGrpSpPr/>
+            <p:nvPr/>
+          </p:nvGrpSpPr>
+          <p:grpSpPr>
+            <a:xfrm>
+              <a:off x="2584449" y="5482933"/>
+              <a:ext cx="1239796" cy="765911"/>
+              <a:chOff x="2584449" y="5482933"/>
+              <a:chExt cx="1239796" cy="765911"/>
+            </a:xfrm>
+          </p:grpSpPr>
+          <p:sp>
+            <p:nvSpPr>
+              <p:cNvPr id="140" name="Arrow: Right 139">
+                <a:extLst>
+                  <a:ext uri="{FF2B5EF4-FFF2-40B4-BE49-F238E27FC236}">
+                    <a16:creationId xmlns:a16="http://schemas.microsoft.com/office/drawing/2014/main" id="{73D0D041-3137-E5C0-86E8-11FE933D8A13}"/>
+                  </a:ext>
+                </a:extLst>
+              </p:cNvPr>
+              <p:cNvSpPr/>
+              <p:nvPr/>
+            </p:nvSpPr>
+            <p:spPr>
+              <a:xfrm rot="16200000">
+                <a:off x="3344768" y="5576321"/>
+                <a:ext cx="572866" cy="386089"/>
+              </a:xfrm>
+              <a:prstGeom prst="rightArrow">
+                <a:avLst/>
+              </a:prstGeom>
+              <a:solidFill>
+                <a:srgbClr val="CBCBCB"/>
+              </a:solidFill>
+              <a:ln>
+                <a:noFill/>
+              </a:ln>
+            </p:spPr>
+            <p:style>
+              <a:lnRef idx="2">
+                <a:schemeClr val="accent1">
+                  <a:shade val="15000"/>
+                </a:schemeClr>
+              </a:lnRef>
+              <a:fillRef idx="1">
+                <a:schemeClr val="accent1"/>
+              </a:fillRef>
+              <a:effectRef idx="0">
+                <a:schemeClr val="accent1"/>
+              </a:effectRef>
+              <a:fontRef idx="minor">
+                <a:schemeClr val="lt1"/>
+              </a:fontRef>
+            </p:style>
+            <p:txBody>
+              <a:bodyPr rtlCol="0" anchor="ctr"/>
+              <a:lstStyle/>
+              <a:p>
+                <a:pPr algn="ctr"/>
+                <a:endParaRPr lang="en-US"/>
+              </a:p>
+            </p:txBody>
+          </p:sp>
+          <p:sp>
+            <p:nvSpPr>
+              <p:cNvPr id="142" name="Arrow: Right 141">
+                <a:extLst>
+                  <a:ext uri="{FF2B5EF4-FFF2-40B4-BE49-F238E27FC236}">
+                    <a16:creationId xmlns:a16="http://schemas.microsoft.com/office/drawing/2014/main" id="{60206682-27B7-69B7-F834-DDE83F8D5C9F}"/>
+                  </a:ext>
+                </a:extLst>
+              </p:cNvPr>
+              <p:cNvSpPr/>
+              <p:nvPr/>
+            </p:nvSpPr>
+            <p:spPr>
+              <a:xfrm>
+                <a:off x="2584449" y="6055799"/>
+                <a:ext cx="1144589" cy="193045"/>
+              </a:xfrm>
+              <a:custGeom>
+                <a:avLst/>
+                <a:gdLst>
+                  <a:gd name="connsiteX0" fmla="*/ 0 w 655798"/>
+                  <a:gd name="connsiteY0" fmla="*/ 96522 h 386089"/>
+                  <a:gd name="connsiteX1" fmla="*/ 462754 w 655798"/>
+                  <a:gd name="connsiteY1" fmla="*/ 96522 h 386089"/>
+                  <a:gd name="connsiteX2" fmla="*/ 462754 w 655798"/>
+                  <a:gd name="connsiteY2" fmla="*/ 0 h 386089"/>
+                  <a:gd name="connsiteX3" fmla="*/ 655798 w 655798"/>
+                  <a:gd name="connsiteY3" fmla="*/ 193045 h 386089"/>
+                  <a:gd name="connsiteX4" fmla="*/ 462754 w 655798"/>
+                  <a:gd name="connsiteY4" fmla="*/ 386089 h 386089"/>
+                  <a:gd name="connsiteX5" fmla="*/ 462754 w 655798"/>
+                  <a:gd name="connsiteY5" fmla="*/ 289567 h 386089"/>
+                  <a:gd name="connsiteX6" fmla="*/ 0 w 655798"/>
+                  <a:gd name="connsiteY6" fmla="*/ 289567 h 386089"/>
+                  <a:gd name="connsiteX7" fmla="*/ 0 w 655798"/>
+                  <a:gd name="connsiteY7" fmla="*/ 96522 h 386089"/>
+                  <a:gd name="connsiteX0" fmla="*/ 0 w 655798"/>
+                  <a:gd name="connsiteY0" fmla="*/ 96522 h 289567"/>
+                  <a:gd name="connsiteX1" fmla="*/ 462754 w 655798"/>
+                  <a:gd name="connsiteY1" fmla="*/ 96522 h 289567"/>
+                  <a:gd name="connsiteX2" fmla="*/ 462754 w 655798"/>
+                  <a:gd name="connsiteY2" fmla="*/ 0 h 289567"/>
+                  <a:gd name="connsiteX3" fmla="*/ 655798 w 655798"/>
+                  <a:gd name="connsiteY3" fmla="*/ 193045 h 289567"/>
+                  <a:gd name="connsiteX4" fmla="*/ 462754 w 655798"/>
+                  <a:gd name="connsiteY4" fmla="*/ 289567 h 289567"/>
+                  <a:gd name="connsiteX5" fmla="*/ 0 w 655798"/>
+                  <a:gd name="connsiteY5" fmla="*/ 289567 h 289567"/>
+                  <a:gd name="connsiteX6" fmla="*/ 0 w 655798"/>
+                  <a:gd name="connsiteY6" fmla="*/ 96522 h 289567"/>
+                  <a:gd name="connsiteX0" fmla="*/ 0 w 655798"/>
+                  <a:gd name="connsiteY0" fmla="*/ 0 h 193045"/>
+                  <a:gd name="connsiteX1" fmla="*/ 462754 w 655798"/>
+                  <a:gd name="connsiteY1" fmla="*/ 0 h 193045"/>
+                  <a:gd name="connsiteX2" fmla="*/ 655798 w 655798"/>
+                  <a:gd name="connsiteY2" fmla="*/ 96523 h 193045"/>
+                  <a:gd name="connsiteX3" fmla="*/ 462754 w 655798"/>
+                  <a:gd name="connsiteY3" fmla="*/ 193045 h 193045"/>
+                  <a:gd name="connsiteX4" fmla="*/ 0 w 655798"/>
+                  <a:gd name="connsiteY4" fmla="*/ 193045 h 193045"/>
+                  <a:gd name="connsiteX5" fmla="*/ 0 w 655798"/>
+                  <a:gd name="connsiteY5" fmla="*/ 0 h 193045"/>
+                  <a:gd name="connsiteX0" fmla="*/ 0 w 462754"/>
+                  <a:gd name="connsiteY0" fmla="*/ 0 h 193045"/>
+                  <a:gd name="connsiteX1" fmla="*/ 462754 w 462754"/>
+                  <a:gd name="connsiteY1" fmla="*/ 0 h 193045"/>
+                  <a:gd name="connsiteX2" fmla="*/ 462754 w 462754"/>
+                  <a:gd name="connsiteY2" fmla="*/ 193045 h 193045"/>
+                  <a:gd name="connsiteX3" fmla="*/ 0 w 462754"/>
+                  <a:gd name="connsiteY3" fmla="*/ 193045 h 193045"/>
+                  <a:gd name="connsiteX4" fmla="*/ 0 w 462754"/>
+                  <a:gd name="connsiteY4" fmla="*/ 0 h 193045"/>
+                </a:gdLst>
+                <a:ahLst/>
+                <a:cxnLst>
+                  <a:cxn ang="0">
+                    <a:pos x="connsiteX0" y="connsiteY0"/>
+                  </a:cxn>
+                  <a:cxn ang="0">
+                    <a:pos x="connsiteX1" y="connsiteY1"/>
+                  </a:cxn>
+                  <a:cxn ang="0">
+                    <a:pos x="connsiteX2" y="connsiteY2"/>
+                  </a:cxn>
+                  <a:cxn ang="0">
+                    <a:pos x="connsiteX3" y="connsiteY3"/>
+                  </a:cxn>
+                  <a:cxn ang="0">
+                    <a:pos x="connsiteX4" y="connsiteY4"/>
+                  </a:cxn>
+                </a:cxnLst>
+                <a:rect l="l" t="t" r="r" b="b"/>
+                <a:pathLst>
+                  <a:path w="462754" h="193045">
+                    <a:moveTo>
+                      <a:pt x="0" y="0"/>
+                    </a:moveTo>
+                    <a:lnTo>
+                      <a:pt x="462754" y="0"/>
+                    </a:lnTo>
+                    <a:lnTo>
+                      <a:pt x="462754" y="193045"/>
+                    </a:lnTo>
+                    <a:lnTo>
+                      <a:pt x="0" y="193045"/>
+                    </a:lnTo>
+                    <a:lnTo>
+                      <a:pt x="0" y="0"/>
+                    </a:lnTo>
+                    <a:close/>
+                  </a:path>
+                </a:pathLst>
+              </a:custGeom>
+              <a:solidFill>
+                <a:srgbClr val="CBCBCB"/>
+              </a:solidFill>
+              <a:ln>
+                <a:noFill/>
+              </a:ln>
+            </p:spPr>
+            <p:style>
+              <a:lnRef idx="2">
+                <a:schemeClr val="accent1">
+                  <a:shade val="15000"/>
+                </a:schemeClr>
+              </a:lnRef>
+              <a:fillRef idx="1">
+                <a:schemeClr val="accent1"/>
+              </a:fillRef>
+              <a:effectRef idx="0">
+                <a:schemeClr val="accent1"/>
+              </a:effectRef>
+              <a:fontRef idx="minor">
+                <a:schemeClr val="lt1"/>
+              </a:fontRef>
+            </p:style>
+            <p:txBody>
+              <a:bodyPr rtlCol="0" anchor="ctr"/>
+              <a:lstStyle/>
+              <a:p>
+                <a:pPr algn="ctr"/>
+                <a:endParaRPr lang="en-US"/>
+              </a:p>
+            </p:txBody>
+          </p:sp>
+        </p:grpSp>
+        <p:grpSp>
+          <p:nvGrpSpPr>
+            <p:cNvPr id="144" name="Group 143">
+              <a:extLst>
+                <a:ext uri="{FF2B5EF4-FFF2-40B4-BE49-F238E27FC236}">
+                  <a16:creationId xmlns:a16="http://schemas.microsoft.com/office/drawing/2014/main" id="{A2E62670-3765-B215-96F6-4729B7EDF905}"/>
+                </a:ext>
+              </a:extLst>
+            </p:cNvPr>
+            <p:cNvGrpSpPr/>
+            <p:nvPr/>
+          </p:nvGrpSpPr>
+          <p:grpSpPr>
+            <a:xfrm>
+              <a:off x="3551434" y="4332905"/>
+              <a:ext cx="974192" cy="555768"/>
+              <a:chOff x="3551434" y="4332905"/>
+              <a:chExt cx="974192" cy="555768"/>
+            </a:xfrm>
+          </p:grpSpPr>
+          <p:sp>
+            <p:nvSpPr>
+              <p:cNvPr id="141" name="Arrow: Right 140">
+                <a:extLst>
+                  <a:ext uri="{FF2B5EF4-FFF2-40B4-BE49-F238E27FC236}">
+                    <a16:creationId xmlns:a16="http://schemas.microsoft.com/office/drawing/2014/main" id="{D30D1CF0-F3B4-F71C-D629-3B099EB6C4EB}"/>
+                  </a:ext>
+                </a:extLst>
+              </p:cNvPr>
+              <p:cNvSpPr/>
+              <p:nvPr/>
+            </p:nvSpPr>
+            <p:spPr>
+              <a:xfrm>
+                <a:off x="3662206" y="4332905"/>
+                <a:ext cx="863420" cy="386089"/>
+              </a:xfrm>
+              <a:prstGeom prst="rightArrow">
+                <a:avLst/>
+              </a:prstGeom>
+              <a:solidFill>
+                <a:srgbClr val="CBCBCB"/>
+              </a:solidFill>
+              <a:ln>
+                <a:noFill/>
+              </a:ln>
+            </p:spPr>
+            <p:style>
+              <a:lnRef idx="2">
+                <a:schemeClr val="accent1">
+                  <a:shade val="15000"/>
+                </a:schemeClr>
+              </a:lnRef>
+              <a:fillRef idx="1">
+                <a:schemeClr val="accent1"/>
+              </a:fillRef>
+              <a:effectRef idx="0">
+                <a:schemeClr val="accent1"/>
+              </a:effectRef>
+              <a:fontRef idx="minor">
+                <a:schemeClr val="lt1"/>
+              </a:fontRef>
+            </p:style>
+            <p:txBody>
+              <a:bodyPr rtlCol="0" anchor="ctr"/>
+              <a:lstStyle/>
+              <a:p>
+                <a:pPr algn="ctr"/>
+                <a:endParaRPr lang="en-US"/>
+              </a:p>
+            </p:txBody>
+          </p:sp>
+          <p:sp>
+            <p:nvSpPr>
+              <p:cNvPr id="143" name="Arrow: Right 141">
+                <a:extLst>
+                  <a:ext uri="{FF2B5EF4-FFF2-40B4-BE49-F238E27FC236}">
+                    <a16:creationId xmlns:a16="http://schemas.microsoft.com/office/drawing/2014/main" id="{D8ACE3AE-CAC5-0A07-4F87-12D4D8882D5E}"/>
+                  </a:ext>
+                </a:extLst>
+              </p:cNvPr>
+              <p:cNvSpPr/>
+              <p:nvPr/>
+            </p:nvSpPr>
+            <p:spPr>
+              <a:xfrm rot="5400000">
+                <a:off x="3422945" y="4567139"/>
+                <a:ext cx="450023" cy="193045"/>
+              </a:xfrm>
+              <a:custGeom>
+                <a:avLst/>
+                <a:gdLst>
+                  <a:gd name="connsiteX0" fmla="*/ 0 w 655798"/>
+                  <a:gd name="connsiteY0" fmla="*/ 96522 h 386089"/>
+                  <a:gd name="connsiteX1" fmla="*/ 462754 w 655798"/>
+                  <a:gd name="connsiteY1" fmla="*/ 96522 h 386089"/>
+                  <a:gd name="connsiteX2" fmla="*/ 462754 w 655798"/>
+                  <a:gd name="connsiteY2" fmla="*/ 0 h 386089"/>
+                  <a:gd name="connsiteX3" fmla="*/ 655798 w 655798"/>
+                  <a:gd name="connsiteY3" fmla="*/ 193045 h 386089"/>
+                  <a:gd name="connsiteX4" fmla="*/ 462754 w 655798"/>
+                  <a:gd name="connsiteY4" fmla="*/ 386089 h 386089"/>
+                  <a:gd name="connsiteX5" fmla="*/ 462754 w 655798"/>
+                  <a:gd name="connsiteY5" fmla="*/ 289567 h 386089"/>
+                  <a:gd name="connsiteX6" fmla="*/ 0 w 655798"/>
+                  <a:gd name="connsiteY6" fmla="*/ 289567 h 386089"/>
+                  <a:gd name="connsiteX7" fmla="*/ 0 w 655798"/>
+                  <a:gd name="connsiteY7" fmla="*/ 96522 h 386089"/>
+                  <a:gd name="connsiteX0" fmla="*/ 0 w 655798"/>
+                  <a:gd name="connsiteY0" fmla="*/ 96522 h 289567"/>
+                  <a:gd name="connsiteX1" fmla="*/ 462754 w 655798"/>
+                  <a:gd name="connsiteY1" fmla="*/ 96522 h 289567"/>
+                  <a:gd name="connsiteX2" fmla="*/ 462754 w 655798"/>
+                  <a:gd name="connsiteY2" fmla="*/ 0 h 289567"/>
+                  <a:gd name="connsiteX3" fmla="*/ 655798 w 655798"/>
+                  <a:gd name="connsiteY3" fmla="*/ 193045 h 289567"/>
+                  <a:gd name="connsiteX4" fmla="*/ 462754 w 655798"/>
+                  <a:gd name="connsiteY4" fmla="*/ 289567 h 289567"/>
+                  <a:gd name="connsiteX5" fmla="*/ 0 w 655798"/>
+                  <a:gd name="connsiteY5" fmla="*/ 289567 h 289567"/>
+                  <a:gd name="connsiteX6" fmla="*/ 0 w 655798"/>
+                  <a:gd name="connsiteY6" fmla="*/ 96522 h 289567"/>
+                  <a:gd name="connsiteX0" fmla="*/ 0 w 655798"/>
+                  <a:gd name="connsiteY0" fmla="*/ 0 h 193045"/>
+                  <a:gd name="connsiteX1" fmla="*/ 462754 w 655798"/>
+                  <a:gd name="connsiteY1" fmla="*/ 0 h 193045"/>
+                  <a:gd name="connsiteX2" fmla="*/ 655798 w 655798"/>
+                  <a:gd name="connsiteY2" fmla="*/ 96523 h 193045"/>
+                  <a:gd name="connsiteX3" fmla="*/ 462754 w 655798"/>
+                  <a:gd name="connsiteY3" fmla="*/ 193045 h 193045"/>
+                  <a:gd name="connsiteX4" fmla="*/ 0 w 655798"/>
+                  <a:gd name="connsiteY4" fmla="*/ 193045 h 193045"/>
+                  <a:gd name="connsiteX5" fmla="*/ 0 w 655798"/>
+                  <a:gd name="connsiteY5" fmla="*/ 0 h 193045"/>
+                  <a:gd name="connsiteX0" fmla="*/ 0 w 462754"/>
+                  <a:gd name="connsiteY0" fmla="*/ 0 h 193045"/>
+                  <a:gd name="connsiteX1" fmla="*/ 462754 w 462754"/>
+                  <a:gd name="connsiteY1" fmla="*/ 0 h 193045"/>
+                  <a:gd name="connsiteX2" fmla="*/ 462754 w 462754"/>
+                  <a:gd name="connsiteY2" fmla="*/ 193045 h 193045"/>
+                  <a:gd name="connsiteX3" fmla="*/ 0 w 462754"/>
+                  <a:gd name="connsiteY3" fmla="*/ 193045 h 193045"/>
+                  <a:gd name="connsiteX4" fmla="*/ 0 w 462754"/>
+                  <a:gd name="connsiteY4" fmla="*/ 0 h 193045"/>
+                </a:gdLst>
+                <a:ahLst/>
+                <a:cxnLst>
+                  <a:cxn ang="0">
+                    <a:pos x="connsiteX0" y="connsiteY0"/>
+                  </a:cxn>
+                  <a:cxn ang="0">
+                    <a:pos x="connsiteX1" y="connsiteY1"/>
+                  </a:cxn>
+                  <a:cxn ang="0">
+                    <a:pos x="connsiteX2" y="connsiteY2"/>
+                  </a:cxn>
+                  <a:cxn ang="0">
+                    <a:pos x="connsiteX3" y="connsiteY3"/>
+                  </a:cxn>
+                  <a:cxn ang="0">
+                    <a:pos x="connsiteX4" y="connsiteY4"/>
+                  </a:cxn>
+                </a:cxnLst>
+                <a:rect l="l" t="t" r="r" b="b"/>
+                <a:pathLst>
+                  <a:path w="462754" h="193045">
+                    <a:moveTo>
+                      <a:pt x="0" y="0"/>
+                    </a:moveTo>
+                    <a:lnTo>
+                      <a:pt x="462754" y="0"/>
+                    </a:lnTo>
+                    <a:lnTo>
+                      <a:pt x="462754" y="193045"/>
+                    </a:lnTo>
+                    <a:lnTo>
+                      <a:pt x="0" y="193045"/>
+                    </a:lnTo>
+                    <a:lnTo>
+                      <a:pt x="0" y="0"/>
+                    </a:lnTo>
+                    <a:close/>
+                  </a:path>
+                </a:pathLst>
+              </a:custGeom>
+              <a:solidFill>
+                <a:srgbClr val="CBCBCB"/>
+              </a:solidFill>
+              <a:ln>
+                <a:noFill/>
+              </a:ln>
+            </p:spPr>
+            <p:style>
+              <a:lnRef idx="2">
+                <a:schemeClr val="accent1">
+                  <a:shade val="15000"/>
+                </a:schemeClr>
+              </a:lnRef>
+              <a:fillRef idx="1">
+                <a:schemeClr val="accent1"/>
+              </a:fillRef>
+              <a:effectRef idx="0">
+                <a:schemeClr val="accent1"/>
+              </a:effectRef>
+              <a:fontRef idx="minor">
+                <a:schemeClr val="lt1"/>
+              </a:fontRef>
+            </p:style>
+            <p:txBody>
+              <a:bodyPr rtlCol="0" anchor="ctr"/>
+              <a:lstStyle/>
+              <a:p>
+                <a:pPr algn="ctr"/>
+                <a:endParaRPr lang="en-US"/>
+              </a:p>
+            </p:txBody>
+          </p:sp>
+        </p:grpSp>
+      </p:grpSp>
+      <p:sp>
+        <p:nvSpPr>
+          <p:cNvPr id="148" name="Arrow: Right 147">
+            <a:extLst>
+              <a:ext uri="{FF2B5EF4-FFF2-40B4-BE49-F238E27FC236}">
+                <a16:creationId xmlns:a16="http://schemas.microsoft.com/office/drawing/2014/main" id="{6148617C-E6DF-83E2-4EA9-6B1F7D5C8359}"/>
+              </a:ext>
+            </a:extLst>
+          </p:cNvPr>
+          <p:cNvSpPr/>
+          <p:nvPr/>
+        </p:nvSpPr>
+        <p:spPr>
+          <a:xfrm rot="2467564">
+            <a:off x="5799150" y="6498823"/>
+            <a:ext cx="806312" cy="193754"/>
+          </a:xfrm>
+          <a:custGeom>
+            <a:avLst/>
+            <a:gdLst>
+              <a:gd name="connsiteX0" fmla="*/ 0 w 865995"/>
+              <a:gd name="connsiteY0" fmla="*/ 96522 h 386089"/>
+              <a:gd name="connsiteX1" fmla="*/ 672951 w 865995"/>
+              <a:gd name="connsiteY1" fmla="*/ 96522 h 386089"/>
+              <a:gd name="connsiteX2" fmla="*/ 672951 w 865995"/>
+              <a:gd name="connsiteY2" fmla="*/ 0 h 386089"/>
+              <a:gd name="connsiteX3" fmla="*/ 865995 w 865995"/>
+              <a:gd name="connsiteY3" fmla="*/ 193045 h 386089"/>
+              <a:gd name="connsiteX4" fmla="*/ 672951 w 865995"/>
+              <a:gd name="connsiteY4" fmla="*/ 386089 h 386089"/>
+              <a:gd name="connsiteX5" fmla="*/ 672951 w 865995"/>
+              <a:gd name="connsiteY5" fmla="*/ 289567 h 386089"/>
+              <a:gd name="connsiteX6" fmla="*/ 0 w 865995"/>
+              <a:gd name="connsiteY6" fmla="*/ 289567 h 386089"/>
+              <a:gd name="connsiteX7" fmla="*/ 0 w 865995"/>
+              <a:gd name="connsiteY7" fmla="*/ 96522 h 386089"/>
+              <a:gd name="connsiteX0" fmla="*/ 0 w 865995"/>
+              <a:gd name="connsiteY0" fmla="*/ 0 h 289567"/>
+              <a:gd name="connsiteX1" fmla="*/ 672951 w 865995"/>
+              <a:gd name="connsiteY1" fmla="*/ 0 h 289567"/>
+              <a:gd name="connsiteX2" fmla="*/ 865995 w 865995"/>
+              <a:gd name="connsiteY2" fmla="*/ 96523 h 289567"/>
+              <a:gd name="connsiteX3" fmla="*/ 672951 w 865995"/>
+              <a:gd name="connsiteY3" fmla="*/ 289567 h 289567"/>
+              <a:gd name="connsiteX4" fmla="*/ 672951 w 865995"/>
+              <a:gd name="connsiteY4" fmla="*/ 193045 h 289567"/>
+              <a:gd name="connsiteX5" fmla="*/ 0 w 865995"/>
+              <a:gd name="connsiteY5" fmla="*/ 193045 h 289567"/>
+              <a:gd name="connsiteX6" fmla="*/ 0 w 865995"/>
+              <a:gd name="connsiteY6" fmla="*/ 0 h 289567"/>
+              <a:gd name="connsiteX0" fmla="*/ 0 w 672951"/>
+              <a:gd name="connsiteY0" fmla="*/ 0 h 289567"/>
+              <a:gd name="connsiteX1" fmla="*/ 672951 w 672951"/>
+              <a:gd name="connsiteY1" fmla="*/ 0 h 289567"/>
+              <a:gd name="connsiteX2" fmla="*/ 672951 w 672951"/>
+              <a:gd name="connsiteY2" fmla="*/ 289567 h 289567"/>
+              <a:gd name="connsiteX3" fmla="*/ 672951 w 672951"/>
+              <a:gd name="connsiteY3" fmla="*/ 193045 h 289567"/>
+              <a:gd name="connsiteX4" fmla="*/ 0 w 672951"/>
+              <a:gd name="connsiteY4" fmla="*/ 193045 h 289567"/>
+              <a:gd name="connsiteX5" fmla="*/ 0 w 672951"/>
+              <a:gd name="connsiteY5" fmla="*/ 0 h 289567"/>
+              <a:gd name="connsiteX0" fmla="*/ 0 w 672951"/>
+              <a:gd name="connsiteY0" fmla="*/ 0 h 193045"/>
+              <a:gd name="connsiteX1" fmla="*/ 672951 w 672951"/>
+              <a:gd name="connsiteY1" fmla="*/ 0 h 193045"/>
+              <a:gd name="connsiteX2" fmla="*/ 672951 w 672951"/>
+              <a:gd name="connsiteY2" fmla="*/ 193045 h 193045"/>
+              <a:gd name="connsiteX3" fmla="*/ 0 w 672951"/>
+              <a:gd name="connsiteY3" fmla="*/ 193045 h 193045"/>
+              <a:gd name="connsiteX4" fmla="*/ 0 w 672951"/>
+              <a:gd name="connsiteY4" fmla="*/ 0 h 193045"/>
+              <a:gd name="connsiteX0" fmla="*/ 0 w 672951"/>
+              <a:gd name="connsiteY0" fmla="*/ 0 h 193045"/>
+              <a:gd name="connsiteX1" fmla="*/ 629045 w 672951"/>
+              <a:gd name="connsiteY1" fmla="*/ 402 h 193045"/>
+              <a:gd name="connsiteX2" fmla="*/ 672951 w 672951"/>
+              <a:gd name="connsiteY2" fmla="*/ 193045 h 193045"/>
+              <a:gd name="connsiteX3" fmla="*/ 0 w 672951"/>
+              <a:gd name="connsiteY3" fmla="*/ 193045 h 193045"/>
+              <a:gd name="connsiteX4" fmla="*/ 0 w 672951"/>
+              <a:gd name="connsiteY4" fmla="*/ 0 h 193045"/>
+              <a:gd name="connsiteX0" fmla="*/ 0 w 629045"/>
+              <a:gd name="connsiteY0" fmla="*/ 0 h 193045"/>
+              <a:gd name="connsiteX1" fmla="*/ 629045 w 629045"/>
+              <a:gd name="connsiteY1" fmla="*/ 402 h 193045"/>
+              <a:gd name="connsiteX2" fmla="*/ 416461 w 629045"/>
+              <a:gd name="connsiteY2" fmla="*/ 192553 h 193045"/>
+              <a:gd name="connsiteX3" fmla="*/ 0 w 629045"/>
+              <a:gd name="connsiteY3" fmla="*/ 193045 h 193045"/>
+              <a:gd name="connsiteX4" fmla="*/ 0 w 629045"/>
+              <a:gd name="connsiteY4" fmla="*/ 0 h 193045"/>
+              <a:gd name="connsiteX0" fmla="*/ 0 w 637559"/>
+              <a:gd name="connsiteY0" fmla="*/ 709 h 193754"/>
+              <a:gd name="connsiteX1" fmla="*/ 637559 w 637559"/>
+              <a:gd name="connsiteY1" fmla="*/ 0 h 193754"/>
+              <a:gd name="connsiteX2" fmla="*/ 416461 w 637559"/>
+              <a:gd name="connsiteY2" fmla="*/ 193262 h 193754"/>
+              <a:gd name="connsiteX3" fmla="*/ 0 w 637559"/>
+              <a:gd name="connsiteY3" fmla="*/ 193754 h 193754"/>
+              <a:gd name="connsiteX4" fmla="*/ 0 w 637559"/>
+              <a:gd name="connsiteY4" fmla="*/ 709 h 193754"/>
+              <a:gd name="connsiteX0" fmla="*/ 0 w 824232"/>
+              <a:gd name="connsiteY0" fmla="*/ 0 h 194435"/>
+              <a:gd name="connsiteX1" fmla="*/ 824232 w 824232"/>
+              <a:gd name="connsiteY1" fmla="*/ 681 h 194435"/>
+              <a:gd name="connsiteX2" fmla="*/ 603134 w 824232"/>
+              <a:gd name="connsiteY2" fmla="*/ 193943 h 194435"/>
+              <a:gd name="connsiteX3" fmla="*/ 186673 w 824232"/>
+              <a:gd name="connsiteY3" fmla="*/ 194435 h 194435"/>
+              <a:gd name="connsiteX4" fmla="*/ 0 w 824232"/>
+              <a:gd name="connsiteY4" fmla="*/ 0 h 194435"/>
+              <a:gd name="connsiteX0" fmla="*/ 0 w 806312"/>
+              <a:gd name="connsiteY0" fmla="*/ 534 h 193754"/>
+              <a:gd name="connsiteX1" fmla="*/ 806312 w 806312"/>
+              <a:gd name="connsiteY1" fmla="*/ 0 h 193754"/>
+              <a:gd name="connsiteX2" fmla="*/ 585214 w 806312"/>
+              <a:gd name="connsiteY2" fmla="*/ 193262 h 193754"/>
+              <a:gd name="connsiteX3" fmla="*/ 168753 w 806312"/>
+              <a:gd name="connsiteY3" fmla="*/ 193754 h 193754"/>
+              <a:gd name="connsiteX4" fmla="*/ 0 w 806312"/>
+              <a:gd name="connsiteY4" fmla="*/ 534 h 193754"/>
+            </a:gdLst>
+            <a:ahLst/>
+            <a:cxnLst>
+              <a:cxn ang="0">
+                <a:pos x="connsiteX0" y="connsiteY0"/>
+              </a:cxn>
+              <a:cxn ang="0">
+                <a:pos x="connsiteX1" y="connsiteY1"/>
+              </a:cxn>
+              <a:cxn ang="0">
+                <a:pos x="connsiteX2" y="connsiteY2"/>
+              </a:cxn>
+              <a:cxn ang="0">
+                <a:pos x="connsiteX3" y="connsiteY3"/>
+              </a:cxn>
+              <a:cxn ang="0">
+                <a:pos x="connsiteX4" y="connsiteY4"/>
+              </a:cxn>
+            </a:cxnLst>
+            <a:rect l="l" t="t" r="r" b="b"/>
+            <a:pathLst>
+              <a:path w="806312" h="193754">
+                <a:moveTo>
+                  <a:pt x="0" y="534"/>
+                </a:moveTo>
+                <a:lnTo>
+                  <a:pt x="806312" y="0"/>
+                </a:lnTo>
+                <a:lnTo>
+                  <a:pt x="585214" y="193262"/>
+                </a:lnTo>
+                <a:lnTo>
+                  <a:pt x="168753" y="193754"/>
+                </a:lnTo>
+                <a:lnTo>
+                  <a:pt x="0" y="534"/>
+                </a:lnTo>
+                <a:close/>
+              </a:path>
+            </a:pathLst>
+          </a:custGeom>
+          <a:solidFill>
+            <a:srgbClr val="CBCBCB"/>
+          </a:solidFill>
+          <a:ln>
+            <a:noFill/>
+          </a:ln>
+        </p:spPr>
+        <p:style>
+          <a:lnRef idx="2">
+            <a:schemeClr val="accent1">
+              <a:shade val="15000"/>
+            </a:schemeClr>
+          </a:lnRef>
+          <a:fillRef idx="1">
+            <a:schemeClr val="accent1"/>
+          </a:fillRef>
+          <a:effectRef idx="0">
+            <a:schemeClr val="accent1"/>
+          </a:effectRef>
+          <a:fontRef idx="minor">
+            <a:schemeClr val="lt1"/>
+          </a:fontRef>
+        </p:style>
+        <p:txBody>
+          <a:bodyPr rtlCol="0" anchor="ctr"/>
+          <a:lstStyle/>
+          <a:p>
+            <a:pPr algn="ctr"/>
+            <a:endParaRPr lang="en-US"/>
+          </a:p>
+        </p:txBody>
+      </p:sp>
+      <p:sp>
+        <p:nvSpPr>
+          <p:cNvPr id="149" name="Arrow: Right 148">
+            <a:extLst>
+              <a:ext uri="{FF2B5EF4-FFF2-40B4-BE49-F238E27FC236}">
+                <a16:creationId xmlns:a16="http://schemas.microsoft.com/office/drawing/2014/main" id="{87465628-5524-0BC9-E766-9E209F7D2673}"/>
+              </a:ext>
+            </a:extLst>
+          </p:cNvPr>
+          <p:cNvSpPr/>
+          <p:nvPr/>
+        </p:nvSpPr>
+        <p:spPr>
+          <a:xfrm rot="2467564">
+            <a:off x="6363966" y="1116696"/>
+            <a:ext cx="691548" cy="386089"/>
+          </a:xfrm>
+          <a:custGeom>
+            <a:avLst/>
+            <a:gdLst>
+              <a:gd name="connsiteX0" fmla="*/ 0 w 865995"/>
+              <a:gd name="connsiteY0" fmla="*/ 96522 h 386089"/>
+              <a:gd name="connsiteX1" fmla="*/ 672951 w 865995"/>
+              <a:gd name="connsiteY1" fmla="*/ 96522 h 386089"/>
+              <a:gd name="connsiteX2" fmla="*/ 672951 w 865995"/>
+              <a:gd name="connsiteY2" fmla="*/ 0 h 386089"/>
+              <a:gd name="connsiteX3" fmla="*/ 865995 w 865995"/>
+              <a:gd name="connsiteY3" fmla="*/ 193045 h 386089"/>
+              <a:gd name="connsiteX4" fmla="*/ 672951 w 865995"/>
+              <a:gd name="connsiteY4" fmla="*/ 386089 h 386089"/>
+              <a:gd name="connsiteX5" fmla="*/ 672951 w 865995"/>
+              <a:gd name="connsiteY5" fmla="*/ 289567 h 386089"/>
+              <a:gd name="connsiteX6" fmla="*/ 0 w 865995"/>
+              <a:gd name="connsiteY6" fmla="*/ 289567 h 386089"/>
+              <a:gd name="connsiteX7" fmla="*/ 0 w 865995"/>
+              <a:gd name="connsiteY7" fmla="*/ 96522 h 386089"/>
+              <a:gd name="connsiteX0" fmla="*/ 370651 w 865995"/>
+              <a:gd name="connsiteY0" fmla="*/ 105869 h 386089"/>
+              <a:gd name="connsiteX1" fmla="*/ 672951 w 865995"/>
+              <a:gd name="connsiteY1" fmla="*/ 96522 h 386089"/>
+              <a:gd name="connsiteX2" fmla="*/ 672951 w 865995"/>
+              <a:gd name="connsiteY2" fmla="*/ 0 h 386089"/>
+              <a:gd name="connsiteX3" fmla="*/ 865995 w 865995"/>
+              <a:gd name="connsiteY3" fmla="*/ 193045 h 386089"/>
+              <a:gd name="connsiteX4" fmla="*/ 672951 w 865995"/>
+              <a:gd name="connsiteY4" fmla="*/ 386089 h 386089"/>
+              <a:gd name="connsiteX5" fmla="*/ 672951 w 865995"/>
+              <a:gd name="connsiteY5" fmla="*/ 289567 h 386089"/>
+              <a:gd name="connsiteX6" fmla="*/ 0 w 865995"/>
+              <a:gd name="connsiteY6" fmla="*/ 289567 h 386089"/>
+              <a:gd name="connsiteX7" fmla="*/ 370651 w 865995"/>
+              <a:gd name="connsiteY7" fmla="*/ 105869 h 386089"/>
+              <a:gd name="connsiteX0" fmla="*/ 219817 w 715161"/>
+              <a:gd name="connsiteY0" fmla="*/ 105869 h 386089"/>
+              <a:gd name="connsiteX1" fmla="*/ 522117 w 715161"/>
+              <a:gd name="connsiteY1" fmla="*/ 96522 h 386089"/>
+              <a:gd name="connsiteX2" fmla="*/ 522117 w 715161"/>
+              <a:gd name="connsiteY2" fmla="*/ 0 h 386089"/>
+              <a:gd name="connsiteX3" fmla="*/ 715161 w 715161"/>
+              <a:gd name="connsiteY3" fmla="*/ 193045 h 386089"/>
+              <a:gd name="connsiteX4" fmla="*/ 522117 w 715161"/>
+              <a:gd name="connsiteY4" fmla="*/ 386089 h 386089"/>
+              <a:gd name="connsiteX5" fmla="*/ 522117 w 715161"/>
+              <a:gd name="connsiteY5" fmla="*/ 289567 h 386089"/>
+              <a:gd name="connsiteX6" fmla="*/ 0 w 715161"/>
+              <a:gd name="connsiteY6" fmla="*/ 288530 h 386089"/>
+              <a:gd name="connsiteX7" fmla="*/ 219817 w 715161"/>
+              <a:gd name="connsiteY7" fmla="*/ 105869 h 386089"/>
+              <a:gd name="connsiteX0" fmla="*/ 201594 w 696938"/>
+              <a:gd name="connsiteY0" fmla="*/ 105869 h 386089"/>
+              <a:gd name="connsiteX1" fmla="*/ 503894 w 696938"/>
+              <a:gd name="connsiteY1" fmla="*/ 96522 h 386089"/>
+              <a:gd name="connsiteX2" fmla="*/ 503894 w 696938"/>
+              <a:gd name="connsiteY2" fmla="*/ 0 h 386089"/>
+              <a:gd name="connsiteX3" fmla="*/ 696938 w 696938"/>
+              <a:gd name="connsiteY3" fmla="*/ 193045 h 386089"/>
+              <a:gd name="connsiteX4" fmla="*/ 503894 w 696938"/>
+              <a:gd name="connsiteY4" fmla="*/ 386089 h 386089"/>
+              <a:gd name="connsiteX5" fmla="*/ 503894 w 696938"/>
+              <a:gd name="connsiteY5" fmla="*/ 289567 h 386089"/>
+              <a:gd name="connsiteX6" fmla="*/ 0 w 696938"/>
+              <a:gd name="connsiteY6" fmla="*/ 285264 h 386089"/>
+              <a:gd name="connsiteX7" fmla="*/ 201594 w 696938"/>
+              <a:gd name="connsiteY7" fmla="*/ 105869 h 386089"/>
+              <a:gd name="connsiteX0" fmla="*/ 196204 w 691548"/>
+              <a:gd name="connsiteY0" fmla="*/ 105869 h 386089"/>
+              <a:gd name="connsiteX1" fmla="*/ 498504 w 691548"/>
+              <a:gd name="connsiteY1" fmla="*/ 96522 h 386089"/>
+              <a:gd name="connsiteX2" fmla="*/ 498504 w 691548"/>
+              <a:gd name="connsiteY2" fmla="*/ 0 h 386089"/>
+              <a:gd name="connsiteX3" fmla="*/ 691548 w 691548"/>
+              <a:gd name="connsiteY3" fmla="*/ 193045 h 386089"/>
+              <a:gd name="connsiteX4" fmla="*/ 498504 w 691548"/>
+              <a:gd name="connsiteY4" fmla="*/ 386089 h 386089"/>
+              <a:gd name="connsiteX5" fmla="*/ 498504 w 691548"/>
+              <a:gd name="connsiteY5" fmla="*/ 289567 h 386089"/>
+              <a:gd name="connsiteX6" fmla="*/ 0 w 691548"/>
+              <a:gd name="connsiteY6" fmla="*/ 272128 h 386089"/>
+              <a:gd name="connsiteX7" fmla="*/ 196204 w 691548"/>
+              <a:gd name="connsiteY7" fmla="*/ 105869 h 386089"/>
+            </a:gdLst>
+            <a:ahLst/>
+            <a:cxnLst>
+              <a:cxn ang="0">
+                <a:pos x="connsiteX0" y="connsiteY0"/>
+              </a:cxn>
+              <a:cxn ang="0">
+                <a:pos x="connsiteX1" y="connsiteY1"/>
+              </a:cxn>
+              <a:cxn ang="0">
+                <a:pos x="connsiteX2" y="connsiteY2"/>
+              </a:cxn>
+              <a:cxn ang="0">
+                <a:pos x="connsiteX3" y="connsiteY3"/>
+              </a:cxn>
+              <a:cxn ang="0">
+                <a:pos x="connsiteX4" y="connsiteY4"/>
+              </a:cxn>
+              <a:cxn ang="0">
+                <a:pos x="connsiteX5" y="connsiteY5"/>
+              </a:cxn>
+              <a:cxn ang="0">
+                <a:pos x="connsiteX6" y="connsiteY6"/>
+              </a:cxn>
+              <a:cxn ang="0">
+                <a:pos x="connsiteX7" y="connsiteY7"/>
+              </a:cxn>
+            </a:cxnLst>
+            <a:rect l="l" t="t" r="r" b="b"/>
+            <a:pathLst>
+              <a:path w="691548" h="386089">
+                <a:moveTo>
+                  <a:pt x="196204" y="105869"/>
+                </a:moveTo>
+                <a:lnTo>
+                  <a:pt x="498504" y="96522"/>
+                </a:lnTo>
+                <a:lnTo>
+                  <a:pt x="498504" y="0"/>
+                </a:lnTo>
+                <a:lnTo>
+                  <a:pt x="691548" y="193045"/>
+                </a:lnTo>
+                <a:lnTo>
+                  <a:pt x="498504" y="386089"/>
+                </a:lnTo>
+                <a:lnTo>
+                  <a:pt x="498504" y="289567"/>
+                </a:lnTo>
+                <a:lnTo>
+                  <a:pt x="0" y="272128"/>
+                </a:lnTo>
+                <a:lnTo>
+                  <a:pt x="196204" y="105869"/>
+                </a:lnTo>
+                <a:close/>
+              </a:path>
+            </a:pathLst>
+          </a:custGeom>
+          <a:solidFill>
+            <a:srgbClr val="CBCBCB"/>
+          </a:solidFill>
+          <a:ln>
+            <a:noFill/>
+          </a:ln>
+        </p:spPr>
+        <p:style>
+          <a:lnRef idx="2">
+            <a:schemeClr val="accent1">
+              <a:shade val="15000"/>
+            </a:schemeClr>
+          </a:lnRef>
+          <a:fillRef idx="1">
+            <a:schemeClr val="accent1"/>
+          </a:fillRef>
+          <a:effectRef idx="0">
+            <a:schemeClr val="accent1"/>
+          </a:effectRef>
+          <a:fontRef idx="minor">
+            <a:schemeClr val="lt1"/>
+          </a:fontRef>
+        </p:style>
+        <p:txBody>
+          <a:bodyPr rtlCol="0" anchor="ctr"/>
+          <a:lstStyle/>
+          <a:p>
+            <a:pPr algn="ctr"/>
+            <a:endParaRPr lang="en-US"/>
+          </a:p>
+        </p:txBody>
+      </p:sp>
+      <p:sp>
+        <p:nvSpPr>
+          <p:cNvPr id="150" name="TextBox 149">
+            <a:extLst>
+              <a:ext uri="{FF2B5EF4-FFF2-40B4-BE49-F238E27FC236}">
+                <a16:creationId xmlns:a16="http://schemas.microsoft.com/office/drawing/2014/main" id="{BE6508B0-1C13-21BF-66DD-E1BD5A1CF8F6}"/>
+              </a:ext>
+            </a:extLst>
+          </p:cNvPr>
+          <p:cNvSpPr txBox="1"/>
+          <p:nvPr/>
+        </p:nvSpPr>
+        <p:spPr>
+          <a:xfrm>
+            <a:off x="8970053" y="2884961"/>
+            <a:ext cx="2875062" cy="923330"/>
+          </a:xfrm>
+          <a:prstGeom prst="rect">
+            <a:avLst/>
+          </a:prstGeom>
+          <a:noFill/>
+        </p:spPr>
+        <p:txBody>
+          <a:bodyPr wrap="square" rtlCol="0">
+            <a:spAutoFit/>
+          </a:bodyPr>
+          <a:lstStyle/>
+          <a:p>
+            <a:r>
+              <a:rPr lang="en-US" dirty="0"/>
+              <a:t>Can import data from </a:t>
+            </a:r>
+            <a:r>
+              <a:rPr lang="en-US" b="1" dirty="0"/>
+              <a:t>Seurat</a:t>
+            </a:r>
+            <a:r>
+              <a:rPr lang="en-US" dirty="0"/>
+              <a:t> to </a:t>
+            </a:r>
+            <a:r>
+              <a:rPr lang="en-US" i="1" dirty="0"/>
+              <a:t>preserve clustering assignments</a:t>
+            </a:r>
+            <a:r>
+              <a:rPr lang="en-US" dirty="0"/>
+              <a:t>.</a:t>
+            </a:r>
+          </a:p>
+        </p:txBody>
+      </p:sp>
+      <p:sp>
+        <p:nvSpPr>
+          <p:cNvPr id="151" name="TextBox 150">
+            <a:extLst>
+              <a:ext uri="{FF2B5EF4-FFF2-40B4-BE49-F238E27FC236}">
+                <a16:creationId xmlns:a16="http://schemas.microsoft.com/office/drawing/2014/main" id="{BA3BECDB-FE2D-1C95-2886-441083ABB7C9}"/>
+              </a:ext>
+            </a:extLst>
+          </p:cNvPr>
+          <p:cNvSpPr txBox="1"/>
+          <p:nvPr/>
+        </p:nvSpPr>
+        <p:spPr>
+          <a:xfrm>
+            <a:off x="8955291" y="4582497"/>
+            <a:ext cx="2875062" cy="646331"/>
+          </a:xfrm>
+          <a:prstGeom prst="rect">
+            <a:avLst/>
+          </a:prstGeom>
+          <a:noFill/>
+        </p:spPr>
+        <p:txBody>
+          <a:bodyPr wrap="square" rtlCol="0">
+            <a:spAutoFit/>
+          </a:bodyPr>
+          <a:lstStyle/>
+          <a:p>
+            <a:r>
+              <a:rPr lang="en-US" b="1" dirty="0"/>
+              <a:t>Partition</a:t>
+            </a:r>
+            <a:r>
+              <a:rPr lang="en-US" dirty="0"/>
+              <a:t>: Cluster of clusters (</a:t>
+            </a:r>
+            <a:r>
+              <a:rPr lang="en-US" dirty="0" err="1"/>
+              <a:t>metaclusters</a:t>
+            </a:r>
+            <a:r>
+              <a:rPr lang="en-US" dirty="0"/>
+              <a:t>).</a:t>
+            </a:r>
+          </a:p>
+        </p:txBody>
+      </p:sp>
+    </p:spTree>
+    <p:extLst>
+      <p:ext uri="{BB962C8B-B14F-4D97-AF65-F5344CB8AC3E}">
+        <p14:creationId xmlns:p14="http://schemas.microsoft.com/office/powerpoint/2010/main" val="4068408984"/>
+      </p:ext>
+    </p:extLst>
+  </p:cSld>
+  <p:clrMapOvr>
+    <a:masterClrMapping/>
+  </p:clrMapOvr>
+  <p:timing>
+    <p:tnLst>
+      <p:par>
+        <p:cTn id="1" dur="indefinite" restart="never" nodeType="tmRoot">
+          <p:childTnLst>
+            <p:seq concurrent="1" nextAc="seek">
+              <p:cTn id="2" dur="indefinite" nodeType="mainSeq">
+                <p:childTnLst>
+                  <p:par>
+                    <p:cTn id="3" fill="hold">
+                      <p:stCondLst>
+                        <p:cond delay="indefinite"/>
+                      </p:stCondLst>
+                      <p:childTnLst>
+                        <p:par>
+                          <p:cTn id="4" fill="hold">
+                            <p:stCondLst>
+                              <p:cond delay="0"/>
+                            </p:stCondLst>
+                            <p:childTnLst>
+                              <p:par>
+                                <p:cTn id="5" presetID="1" presetClass="entr" presetSubtype="0" fill="hold" nodeType="clickEffect">
+                                  <p:stCondLst>
+                                    <p:cond delay="0"/>
+                                  </p:stCondLst>
+                                  <p:childTnLst>
+                                    <p:set>
+                                      <p:cBhvr>
+                                        <p:cTn id="6" dur="1" fill="hold">
+                                          <p:stCondLst>
+                                            <p:cond delay="0"/>
+                                          </p:stCondLst>
+                                        </p:cTn>
+                                        <p:tgtEl>
+                                          <p:spTgt spid="130"/>
+                                        </p:tgtEl>
+                                        <p:attrNameLst>
+                                          <p:attrName>style.visibility</p:attrName>
+                                        </p:attrNameLst>
+                                      </p:cBhvr>
+                                      <p:to>
+                                        <p:strVal val="visible"/>
+                                      </p:to>
+                                    </p:set>
+                                  </p:childTnLst>
+                                </p:cTn>
+                              </p:par>
+                              <p:par>
+                                <p:cTn id="7" presetID="1" presetClass="entr" presetSubtype="0" fill="hold" nodeType="withEffect">
+                                  <p:stCondLst>
+                                    <p:cond delay="0"/>
+                                  </p:stCondLst>
+                                  <p:childTnLst>
+                                    <p:set>
+                                      <p:cBhvr>
+                                        <p:cTn id="8" dur="1" fill="hold">
+                                          <p:stCondLst>
+                                            <p:cond delay="0"/>
+                                          </p:stCondLst>
+                                        </p:cTn>
+                                        <p:tgtEl>
+                                          <p:spTgt spid="129"/>
+                                        </p:tgtEl>
+                                        <p:attrNameLst>
+                                          <p:attrName>style.visibility</p:attrName>
+                                        </p:attrNameLst>
+                                      </p:cBhvr>
+                                      <p:to>
+                                        <p:strVal val="visible"/>
+                                      </p:to>
+                                    </p:set>
+                                  </p:childTnLst>
+                                </p:cTn>
+                              </p:par>
+                            </p:childTnLst>
+                          </p:cTn>
+                        </p:par>
+                      </p:childTnLst>
+                    </p:cTn>
+                  </p:par>
+                  <p:par>
+                    <p:cTn id="9" fill="hold">
+                      <p:stCondLst>
+                        <p:cond delay="indefinite"/>
+                      </p:stCondLst>
+                      <p:childTnLst>
+                        <p:par>
+                          <p:cTn id="10" fill="hold">
+                            <p:stCondLst>
+                              <p:cond delay="0"/>
+                            </p:stCondLst>
+                            <p:childTnLst>
+                              <p:par>
+                                <p:cTn id="11" presetID="1" presetClass="entr" presetSubtype="0" fill="hold" nodeType="clickEffect">
+                                  <p:stCondLst>
+                                    <p:cond delay="0"/>
+                                  </p:stCondLst>
+                                  <p:childTnLst>
+                                    <p:set>
+                                      <p:cBhvr>
+                                        <p:cTn id="12" dur="1" fill="hold">
+                                          <p:stCondLst>
+                                            <p:cond delay="0"/>
+                                          </p:stCondLst>
+                                        </p:cTn>
+                                        <p:tgtEl>
+                                          <p:spTgt spid="147"/>
+                                        </p:tgtEl>
+                                        <p:attrNameLst>
+                                          <p:attrName>style.visibility</p:attrName>
+                                        </p:attrNameLst>
+                                      </p:cBhvr>
+                                      <p:to>
+                                        <p:strVal val="visible"/>
+                                      </p:to>
+                                    </p:set>
+                                  </p:childTnLst>
+                                </p:cTn>
+                              </p:par>
+                            </p:childTnLst>
+                          </p:cTn>
+                        </p:par>
+                      </p:childTnLst>
+                    </p:cTn>
+                  </p:par>
+                </p:childTnLst>
+              </p:cTn>
+              <p:prevCondLst>
+                <p:cond evt="onPrev" delay="0">
+                  <p:tgtEl>
+                    <p:sldTgt/>
+                  </p:tgtEl>
+                </p:cond>
+              </p:prevCondLst>
+              <p:nextCondLst>
+                <p:cond evt="onNext" delay="0">
+                  <p:tgtEl>
+                    <p:sldTgt/>
+                  </p:tgtEl>
+                </p:cond>
+              </p:nextCondLst>
+            </p:seq>
+          </p:childTnLst>
+        </p:cTn>
+      </p:par>
+    </p:tnLst>
+  </p:timing>
+</p:sld>
+</file>
+
+<file path=ppt/slides/slide4.xml><?xml version="1.0" encoding="utf-8"?>
 <p:sld xmlns:a="http://schemas.openxmlformats.org/drawingml/2006/main" xmlns:r="http://schemas.openxmlformats.org/officeDocument/2006/relationships" xmlns:p="http://schemas.openxmlformats.org/presentationml/2006/main">
   <p:cSld>
     <p:spTree>

--- a/M6_Monocle_Pseudotime/M5_Monocle_Timeseries.pptx
+++ b/M6_Monocle_Pseudotime/M5_Monocle_Timeseries.pptx
@@ -1,27 +1,26 @@
 
 <file path=ppt/presentation.xml><?xml version="1.0" encoding="utf-8"?>
-<p:presentation xmlns:a="http://schemas.openxmlformats.org/drawingml/2006/main" xmlns:r="http://schemas.openxmlformats.org/officeDocument/2006/relationships" xmlns:p="http://schemas.openxmlformats.org/presentationml/2006/main" saveSubsetFonts="1">
+<p:presentation xmlns:a="http://schemas.openxmlformats.org/drawingml/2006/main" xmlns:r="http://schemas.openxmlformats.org/officeDocument/2006/relationships" xmlns:p="http://schemas.openxmlformats.org/presentationml/2006/main" saveSubsetFonts="1" autoCompressPictures="0">
   <p:sldMasterIdLst>
     <p:sldMasterId id="2147483656" r:id="rId1"/>
   </p:sldMasterIdLst>
   <p:notesMasterIdLst>
-    <p:notesMasterId r:id="rId16"/>
+    <p:notesMasterId r:id="rId15"/>
   </p:notesMasterIdLst>
   <p:sldIdLst>
     <p:sldId id="256" r:id="rId2"/>
     <p:sldId id="261" r:id="rId3"/>
     <p:sldId id="263" r:id="rId4"/>
-    <p:sldId id="272" r:id="rId5"/>
-    <p:sldId id="273" r:id="rId6"/>
-    <p:sldId id="262" r:id="rId7"/>
-    <p:sldId id="264" r:id="rId8"/>
+    <p:sldId id="274" r:id="rId5"/>
+    <p:sldId id="262" r:id="rId6"/>
+    <p:sldId id="264" r:id="rId7"/>
+    <p:sldId id="275" r:id="rId8"/>
     <p:sldId id="266" r:id="rId9"/>
     <p:sldId id="267" r:id="rId10"/>
     <p:sldId id="268" r:id="rId11"/>
     <p:sldId id="269" r:id="rId12"/>
     <p:sldId id="270" r:id="rId13"/>
     <p:sldId id="271" r:id="rId14"/>
-    <p:sldId id="265" r:id="rId15"/>
   </p:sldIdLst>
   <p:sldSz cx="12192000" cy="6858000"/>
   <p:notesSz cx="6858000" cy="9144000"/>
@@ -704,7 +703,13 @@
   <p:cSld>
     <p:spTree>
       <p:nvGrpSpPr>
-        <p:cNvPr id="1" name=""/>
+        <p:cNvPr id="1" name="">
+          <a:extLst>
+            <a:ext uri="{FF2B5EF4-FFF2-40B4-BE49-F238E27FC236}">
+              <a16:creationId xmlns:a16="http://schemas.microsoft.com/office/drawing/2014/main" id="{DF1914D3-BBF7-5B10-D21B-A24392B96FB0}"/>
+            </a:ext>
+          </a:extLst>
+        </p:cNvPr>
         <p:cNvGrpSpPr/>
         <p:nvPr/>
       </p:nvGrpSpPr>
@@ -718,7 +723,13 @@
       </p:grpSpPr>
       <p:sp>
         <p:nvSpPr>
-          <p:cNvPr id="2" name="Slide Image Placeholder 1"/>
+          <p:cNvPr id="2" name="Slide Image Placeholder 1">
+            <a:extLst>
+              <a:ext uri="{FF2B5EF4-FFF2-40B4-BE49-F238E27FC236}">
+                <a16:creationId xmlns:a16="http://schemas.microsoft.com/office/drawing/2014/main" id="{3F3B73EB-2B1B-4A6D-5466-6E741212DC2B}"/>
+              </a:ext>
+            </a:extLst>
+          </p:cNvPr>
           <p:cNvSpPr>
             <a:spLocks noGrp="1" noRot="1" noChangeAspect="1"/>
           </p:cNvSpPr>
@@ -730,7 +741,13 @@
       </p:sp>
       <p:sp>
         <p:nvSpPr>
-          <p:cNvPr id="3" name="Notes Placeholder 2"/>
+          <p:cNvPr id="3" name="Notes Placeholder 2">
+            <a:extLst>
+              <a:ext uri="{FF2B5EF4-FFF2-40B4-BE49-F238E27FC236}">
+                <a16:creationId xmlns:a16="http://schemas.microsoft.com/office/drawing/2014/main" id="{80FB3DAA-AF56-6EB8-F48E-37036C437BA8}"/>
+              </a:ext>
+            </a:extLst>
+          </p:cNvPr>
           <p:cNvSpPr>
             <a:spLocks noGrp="1"/>
           </p:cNvSpPr>
@@ -749,7 +766,13 @@
       </p:sp>
       <p:sp>
         <p:nvSpPr>
-          <p:cNvPr id="4" name="Slide Number Placeholder 3"/>
+          <p:cNvPr id="4" name="Slide Number Placeholder 3">
+            <a:extLst>
+              <a:ext uri="{FF2B5EF4-FFF2-40B4-BE49-F238E27FC236}">
+                <a16:creationId xmlns:a16="http://schemas.microsoft.com/office/drawing/2014/main" id="{7AF1A7E7-30AE-B49B-B629-2D8120F9FE32}"/>
+              </a:ext>
+            </a:extLst>
+          </p:cNvPr>
           <p:cNvSpPr>
             <a:spLocks noGrp="1"/>
           </p:cNvSpPr>
@@ -773,7 +796,7 @@
     </p:spTree>
     <p:extLst>
       <p:ext uri="{BB962C8B-B14F-4D97-AF65-F5344CB8AC3E}">
-        <p14:creationId xmlns:p14="http://schemas.microsoft.com/office/powerpoint/2010/main" val="3432562804"/>
+        <p14:creationId xmlns:p14="http://schemas.microsoft.com/office/powerpoint/2010/main" val="3331220690"/>
       </p:ext>
     </p:extLst>
   </p:cSld>
@@ -848,7 +871,7 @@
           <a:p>
             <a:fld id="{121E9C32-9AD5-4F50-8DB4-01491388DC2B}" type="slidenum">
               <a:rPr lang="en-US" smtClean="0"/>
-              <a:t>6</a:t>
+              <a:t>5</a:t>
             </a:fld>
             <a:endParaRPr lang="en-US"/>
           </a:p>
@@ -6161,6 +6184,58 @@
           </a:p>
         </p:txBody>
       </p:sp>
+      <p:sp>
+        <p:nvSpPr>
+          <p:cNvPr id="190" name="Rectangle 189">
+            <a:extLst>
+              <a:ext uri="{FF2B5EF4-FFF2-40B4-BE49-F238E27FC236}">
+                <a16:creationId xmlns:a16="http://schemas.microsoft.com/office/drawing/2014/main" id="{0F898ED7-C53A-D055-ACB8-A41F8D5EEA33}"/>
+              </a:ext>
+            </a:extLst>
+          </p:cNvPr>
+          <p:cNvSpPr/>
+          <p:nvPr/>
+        </p:nvSpPr>
+        <p:spPr>
+          <a:xfrm>
+            <a:off x="5631544" y="4484914"/>
+            <a:ext cx="2699656" cy="1161144"/>
+          </a:xfrm>
+          <a:prstGeom prst="rect">
+            <a:avLst/>
+          </a:prstGeom>
+          <a:noFill/>
+          <a:ln>
+            <a:solidFill>
+              <a:srgbClr val="FFC000"/>
+            </a:solidFill>
+          </a:ln>
+        </p:spPr>
+        <p:style>
+          <a:lnRef idx="2">
+            <a:schemeClr val="accent1">
+              <a:shade val="15000"/>
+            </a:schemeClr>
+          </a:lnRef>
+          <a:fillRef idx="1">
+            <a:schemeClr val="accent1"/>
+          </a:fillRef>
+          <a:effectRef idx="0">
+            <a:schemeClr val="accent1"/>
+          </a:effectRef>
+          <a:fontRef idx="minor">
+            <a:schemeClr val="lt1"/>
+          </a:fontRef>
+        </p:style>
+        <p:txBody>
+          <a:bodyPr rtlCol="0" anchor="ctr"/>
+          <a:lstStyle/>
+          <a:p>
+            <a:pPr algn="ctr"/>
+            <a:endParaRPr lang="en-US"/>
+          </a:p>
+        </p:txBody>
+      </p:sp>
     </p:spTree>
     <p:extLst>
       <p:ext uri="{BB962C8B-B14F-4D97-AF65-F5344CB8AC3E}">
@@ -6171,6 +6246,84 @@
   <p:clrMapOvr>
     <a:masterClrMapping/>
   </p:clrMapOvr>
+  <p:timing>
+    <p:tnLst>
+      <p:par>
+        <p:cTn id="1" dur="indefinite" restart="never" nodeType="tmRoot">
+          <p:childTnLst>
+            <p:seq concurrent="1" nextAc="seek">
+              <p:cTn id="2" dur="indefinite" nodeType="mainSeq">
+                <p:childTnLst>
+                  <p:par>
+                    <p:cTn id="3" fill="hold">
+                      <p:stCondLst>
+                        <p:cond delay="indefinite"/>
+                      </p:stCondLst>
+                      <p:childTnLst>
+                        <p:par>
+                          <p:cTn id="4" fill="hold">
+                            <p:stCondLst>
+                              <p:cond delay="0"/>
+                            </p:stCondLst>
+                            <p:childTnLst>
+                              <p:par>
+                                <p:cTn id="5" presetID="1" presetClass="entr" presetSubtype="0" fill="hold" grpId="0" nodeType="clickEffect">
+                                  <p:stCondLst>
+                                    <p:cond delay="0"/>
+                                  </p:stCondLst>
+                                  <p:childTnLst>
+                                    <p:set>
+                                      <p:cBhvr>
+                                        <p:cTn id="6" dur="1" fill="hold">
+                                          <p:stCondLst>
+                                            <p:cond delay="0"/>
+                                          </p:stCondLst>
+                                        </p:cTn>
+                                        <p:tgtEl>
+                                          <p:spTgt spid="190"/>
+                                        </p:tgtEl>
+                                        <p:attrNameLst>
+                                          <p:attrName>style.visibility</p:attrName>
+                                        </p:attrNameLst>
+                                      </p:cBhvr>
+                                      <p:to>
+                                        <p:strVal val="visible"/>
+                                      </p:to>
+                                    </p:set>
+                                  </p:childTnLst>
+                                </p:cTn>
+                              </p:par>
+                            </p:childTnLst>
+                          </p:cTn>
+                        </p:par>
+                      </p:childTnLst>
+                    </p:cTn>
+                  </p:par>
+                </p:childTnLst>
+              </p:cTn>
+              <p:prevCondLst>
+                <p:cond evt="onPrev" delay="0">
+                  <p:tgtEl>
+                    <p:sldTgt/>
+                  </p:tgtEl>
+                </p:cond>
+              </p:prevCondLst>
+              <p:nextCondLst>
+                <p:cond evt="onNext" delay="0">
+                  <p:tgtEl>
+                    <p:sldTgt/>
+                  </p:tgtEl>
+                </p:cond>
+              </p:nextCondLst>
+            </p:seq>
+          </p:childTnLst>
+        </p:cTn>
+      </p:par>
+    </p:tnLst>
+    <p:bldLst>
+      <p:bldP spid="190" grpId="0" animBg="1"/>
+    </p:bldLst>
+  </p:timing>
 </p:sld>
 </file>
 
@@ -6548,7 +6701,7 @@
         </p:blipFill>
         <p:spPr>
           <a:xfrm>
-            <a:off x="4385217" y="442476"/>
+            <a:off x="3316411" y="666816"/>
             <a:ext cx="6096851" cy="2324424"/>
           </a:xfrm>
           <a:prstGeom prst="rect">
@@ -6578,49 +6731,8 @@
         </p:blipFill>
         <p:spPr>
           <a:xfrm>
-            <a:off x="5070613" y="3535535"/>
-            <a:ext cx="5195363" cy="3304251"/>
-          </a:xfrm>
-          <a:prstGeom prst="rect">
-            <a:avLst/>
-          </a:prstGeom>
-        </p:spPr>
-      </p:pic>
-      <p:pic>
-        <p:nvPicPr>
-          <p:cNvPr id="64" name="Picture 63">
-            <a:extLst>
-              <a:ext uri="{FF2B5EF4-FFF2-40B4-BE49-F238E27FC236}">
-                <a16:creationId xmlns:a16="http://schemas.microsoft.com/office/drawing/2014/main" id="{0CCD3454-B50E-BEFA-DF79-C2DCD4B90A03}"/>
-              </a:ext>
-            </a:extLst>
-          </p:cNvPr>
-          <p:cNvPicPr>
-            <a:picLocks noChangeAspect="1"/>
-          </p:cNvPicPr>
-          <p:nvPr/>
-        </p:nvPicPr>
-        <p:blipFill>
-          <a:blip r:embed="rId4">
-            <a:clrChange>
-              <a:clrFrom>
-                <a:srgbClr val="FFFFFF"/>
-              </a:clrFrom>
-              <a:clrTo>
-                <a:srgbClr val="FFFFFF">
-                  <a:alpha val="0"/>
-                </a:srgbClr>
-              </a:clrTo>
-            </a:clrChange>
-          </a:blip>
-          <a:stretch>
-            <a:fillRect/>
-          </a:stretch>
-        </p:blipFill>
-        <p:spPr>
-          <a:xfrm>
-            <a:off x="4385217" y="2841612"/>
-            <a:ext cx="6125430" cy="619211"/>
+            <a:off x="3526899" y="3251200"/>
+            <a:ext cx="5509176" cy="3503836"/>
           </a:xfrm>
           <a:prstGeom prst="rect">
             <a:avLst/>
@@ -6859,6 +6971,36 @@
           </a:p>
         </p:txBody>
       </p:sp>
+      <p:pic>
+        <p:nvPicPr>
+          <p:cNvPr id="130" name="Picture 129">
+            <a:extLst>
+              <a:ext uri="{FF2B5EF4-FFF2-40B4-BE49-F238E27FC236}">
+                <a16:creationId xmlns:a16="http://schemas.microsoft.com/office/drawing/2014/main" id="{61E533EB-19D5-386C-7ECA-C711F3788EDA}"/>
+              </a:ext>
+            </a:extLst>
+          </p:cNvPr>
+          <p:cNvPicPr>
+            <a:picLocks noChangeAspect="1"/>
+          </p:cNvPicPr>
+          <p:nvPr/>
+        </p:nvPicPr>
+        <p:blipFill>
+          <a:blip r:embed="rId4"/>
+          <a:stretch>
+            <a:fillRect/>
+          </a:stretch>
+        </p:blipFill>
+        <p:spPr>
+          <a:xfrm>
+            <a:off x="7277218" y="2841568"/>
+            <a:ext cx="4734586" cy="819264"/>
+          </a:xfrm>
+          <a:prstGeom prst="rect">
+            <a:avLst/>
+          </a:prstGeom>
+        </p:spPr>
+      </p:pic>
     </p:spTree>
     <p:extLst>
       <p:ext uri="{BB962C8B-B14F-4D97-AF65-F5344CB8AC3E}">
@@ -6974,7 +7116,7 @@
         </p:blipFill>
         <p:spPr>
           <a:xfrm>
-            <a:off x="3469070" y="3456304"/>
+            <a:off x="3469070" y="3392804"/>
             <a:ext cx="5144578" cy="3460975"/>
           </a:xfrm>
           <a:prstGeom prst="rect">
@@ -7003,7 +7145,7 @@
         </p:blipFill>
         <p:spPr>
           <a:xfrm>
-            <a:off x="8425840" y="5055684"/>
+            <a:off x="8425840" y="4992184"/>
             <a:ext cx="641833" cy="1465479"/>
           </a:xfrm>
           <a:prstGeom prst="rect">
@@ -7111,40 +7253,6 @@
           </a:p>
         </p:txBody>
       </p:sp>
-      <p:pic>
-        <p:nvPicPr>
-          <p:cNvPr id="67" name="Picture 66">
-            <a:extLst>
-              <a:ext uri="{FF2B5EF4-FFF2-40B4-BE49-F238E27FC236}">
-                <a16:creationId xmlns:a16="http://schemas.microsoft.com/office/drawing/2014/main" id="{F12496C3-C8B6-14B0-45DB-B8AE7A2CA870}"/>
-              </a:ext>
-            </a:extLst>
-          </p:cNvPr>
-          <p:cNvPicPr>
-            <a:picLocks noChangeAspect="1"/>
-          </p:cNvPicPr>
-          <p:nvPr/>
-        </p:nvPicPr>
-        <p:blipFill rotWithShape="1">
-          <a:blip r:embed="rId5"/>
-          <a:srcRect r="26717"/>
-          <a:stretch/>
-        </p:blipFill>
-        <p:spPr>
-          <a:xfrm>
-            <a:off x="9008520" y="2384654"/>
-            <a:ext cx="2855293" cy="2143424"/>
-          </a:xfrm>
-          <a:prstGeom prst="rect">
-            <a:avLst/>
-          </a:prstGeom>
-          <a:ln>
-            <a:solidFill>
-              <a:schemeClr val="tx1"/>
-            </a:solidFill>
-          </a:ln>
-        </p:spPr>
-      </p:pic>
       <p:sp>
         <p:nvSpPr>
           <p:cNvPr id="129" name="Rectangle 128">
@@ -7253,135 +7361,117 @@
           </a:p>
         </p:txBody>
       </p:sp>
+      <p:grpSp>
+        <p:nvGrpSpPr>
+          <p:cNvPr id="134" name="Group 133">
+            <a:extLst>
+              <a:ext uri="{FF2B5EF4-FFF2-40B4-BE49-F238E27FC236}">
+                <a16:creationId xmlns:a16="http://schemas.microsoft.com/office/drawing/2014/main" id="{CA4869A8-4E03-6699-D52E-5561293DECBE}"/>
+              </a:ext>
+            </a:extLst>
+          </p:cNvPr>
+          <p:cNvGrpSpPr/>
+          <p:nvPr/>
+        </p:nvGrpSpPr>
+        <p:grpSpPr>
+          <a:xfrm>
+            <a:off x="8934564" y="2293537"/>
+            <a:ext cx="2929249" cy="2270926"/>
+            <a:chOff x="8934564" y="2325142"/>
+            <a:chExt cx="2929249" cy="2270926"/>
+          </a:xfrm>
+        </p:grpSpPr>
+        <p:sp>
+          <p:nvSpPr>
+            <p:cNvPr id="133" name="Rectangle 132">
+              <a:extLst>
+                <a:ext uri="{FF2B5EF4-FFF2-40B4-BE49-F238E27FC236}">
+                  <a16:creationId xmlns:a16="http://schemas.microsoft.com/office/drawing/2014/main" id="{171DEC4C-5EBB-C1EE-04CB-93177051B9E6}"/>
+                </a:ext>
+              </a:extLst>
+            </p:cNvPr>
+            <p:cNvSpPr/>
+            <p:nvPr/>
+          </p:nvSpPr>
+          <p:spPr>
+            <a:xfrm>
+              <a:off x="8934564" y="2325142"/>
+              <a:ext cx="2929249" cy="2270926"/>
+            </a:xfrm>
+            <a:prstGeom prst="rect">
+              <a:avLst/>
+            </a:prstGeom>
+            <a:solidFill>
+              <a:schemeClr val="bg1"/>
+            </a:solidFill>
+            <a:ln>
+              <a:solidFill>
+                <a:schemeClr val="tx1"/>
+              </a:solidFill>
+            </a:ln>
+          </p:spPr>
+          <p:style>
+            <a:lnRef idx="2">
+              <a:schemeClr val="accent1">
+                <a:shade val="15000"/>
+              </a:schemeClr>
+            </a:lnRef>
+            <a:fillRef idx="1">
+              <a:schemeClr val="accent1"/>
+            </a:fillRef>
+            <a:effectRef idx="0">
+              <a:schemeClr val="accent1"/>
+            </a:effectRef>
+            <a:fontRef idx="minor">
+              <a:schemeClr val="lt1"/>
+            </a:fontRef>
+          </p:style>
+          <p:txBody>
+            <a:bodyPr rtlCol="0" anchor="ctr"/>
+            <a:lstStyle/>
+            <a:p>
+              <a:pPr algn="ctr"/>
+              <a:endParaRPr lang="en-US"/>
+            </a:p>
+          </p:txBody>
+        </p:sp>
+        <p:pic>
+          <p:nvPicPr>
+            <p:cNvPr id="67" name="Picture 66">
+              <a:extLst>
+                <a:ext uri="{FF2B5EF4-FFF2-40B4-BE49-F238E27FC236}">
+                  <a16:creationId xmlns:a16="http://schemas.microsoft.com/office/drawing/2014/main" id="{F12496C3-C8B6-14B0-45DB-B8AE7A2CA870}"/>
+                </a:ext>
+              </a:extLst>
+            </p:cNvPr>
+            <p:cNvPicPr>
+              <a:picLocks noChangeAspect="1"/>
+            </p:cNvPicPr>
+            <p:nvPr/>
+          </p:nvPicPr>
+          <p:blipFill rotWithShape="1">
+            <a:blip r:embed="rId5"/>
+            <a:srcRect r="26717"/>
+            <a:stretch/>
+          </p:blipFill>
+          <p:spPr>
+            <a:xfrm>
+              <a:off x="8981088" y="2391826"/>
+              <a:ext cx="2855293" cy="2143424"/>
+            </a:xfrm>
+            <a:prstGeom prst="rect">
+              <a:avLst/>
+            </a:prstGeom>
+            <a:ln>
+              <a:noFill/>
+            </a:ln>
+          </p:spPr>
+        </p:pic>
+      </p:grpSp>
     </p:spTree>
     <p:extLst>
       <p:ext uri="{BB962C8B-B14F-4D97-AF65-F5344CB8AC3E}">
         <p14:creationId xmlns:p14="http://schemas.microsoft.com/office/powerpoint/2010/main" val="2009768086"/>
-      </p:ext>
-    </p:extLst>
-  </p:cSld>
-  <p:clrMapOvr>
-    <a:masterClrMapping/>
-  </p:clrMapOvr>
-</p:sld>
-</file>
-
-<file path=ppt/slides/slide14.xml><?xml version="1.0" encoding="utf-8"?>
-<p:sld xmlns:a="http://schemas.openxmlformats.org/drawingml/2006/main" xmlns:r="http://schemas.openxmlformats.org/officeDocument/2006/relationships" xmlns:p="http://schemas.openxmlformats.org/presentationml/2006/main">
-  <p:cSld>
-    <p:spTree>
-      <p:nvGrpSpPr>
-        <p:cNvPr id="1" name=""/>
-        <p:cNvGrpSpPr/>
-        <p:nvPr/>
-      </p:nvGrpSpPr>
-      <p:grpSpPr>
-        <a:xfrm>
-          <a:off x="0" y="0"/>
-          <a:ext cx="0" cy="0"/>
-          <a:chOff x="0" y="0"/>
-          <a:chExt cx="0" cy="0"/>
-        </a:xfrm>
-      </p:grpSpPr>
-      <p:sp>
-        <p:nvSpPr>
-          <p:cNvPr id="2" name="Title 1">
-            <a:extLst>
-              <a:ext uri="{FF2B5EF4-FFF2-40B4-BE49-F238E27FC236}">
-                <a16:creationId xmlns:a16="http://schemas.microsoft.com/office/drawing/2014/main" id="{65A6D6D8-470B-E2EC-F2DF-1F6B21148A6F}"/>
-              </a:ext>
-            </a:extLst>
-          </p:cNvPr>
-          <p:cNvSpPr>
-            <a:spLocks noGrp="1"/>
-          </p:cNvSpPr>
-          <p:nvPr>
-            <p:ph type="title"/>
-          </p:nvPr>
-        </p:nvSpPr>
-        <p:spPr/>
-        <p:txBody>
-          <a:bodyPr/>
-          <a:lstStyle/>
-          <a:p>
-            <a:endParaRPr lang="en-US"/>
-          </a:p>
-        </p:txBody>
-      </p:sp>
-      <p:sp>
-        <p:nvSpPr>
-          <p:cNvPr id="3" name="TextBox 2">
-            <a:extLst>
-              <a:ext uri="{FF2B5EF4-FFF2-40B4-BE49-F238E27FC236}">
-                <a16:creationId xmlns:a16="http://schemas.microsoft.com/office/drawing/2014/main" id="{D14B6834-9E14-519C-42FB-ECA617E51EF1}"/>
-              </a:ext>
-            </a:extLst>
-          </p:cNvPr>
-          <p:cNvSpPr txBox="1"/>
-          <p:nvPr/>
-        </p:nvSpPr>
-        <p:spPr>
-          <a:xfrm>
-            <a:off x="2235200" y="-14325600"/>
-            <a:ext cx="861133" cy="369332"/>
-          </a:xfrm>
-          <a:prstGeom prst="rect">
-            <a:avLst/>
-          </a:prstGeom>
-          <a:noFill/>
-        </p:spPr>
-        <p:txBody>
-          <a:bodyPr wrap="none" rtlCol="0">
-            <a:spAutoFit/>
-          </a:bodyPr>
-          <a:lstStyle/>
-          <a:p>
-            <a:r>
-              <a:rPr lang="en-US" dirty="0"/>
-              <a:t>Anchor</a:t>
-            </a:r>
-          </a:p>
-        </p:txBody>
-      </p:sp>
-      <p:sp>
-        <p:nvSpPr>
-          <p:cNvPr id="4" name="TextBox 3">
-            <a:extLst>
-              <a:ext uri="{FF2B5EF4-FFF2-40B4-BE49-F238E27FC236}">
-                <a16:creationId xmlns:a16="http://schemas.microsoft.com/office/drawing/2014/main" id="{E3ACF359-B477-87FB-A80F-BE958707C970}"/>
-              </a:ext>
-            </a:extLst>
-          </p:cNvPr>
-          <p:cNvSpPr txBox="1"/>
-          <p:nvPr/>
-        </p:nvSpPr>
-        <p:spPr>
-          <a:xfrm>
-            <a:off x="2665766" y="13827023"/>
-            <a:ext cx="861133" cy="369332"/>
-          </a:xfrm>
-          <a:prstGeom prst="rect">
-            <a:avLst/>
-          </a:prstGeom>
-          <a:noFill/>
-        </p:spPr>
-        <p:txBody>
-          <a:bodyPr wrap="none" rtlCol="0">
-            <a:spAutoFit/>
-          </a:bodyPr>
-          <a:lstStyle/>
-          <a:p>
-            <a:r>
-              <a:rPr lang="en-US" dirty="0"/>
-              <a:t>Anchor</a:t>
-            </a:r>
-          </a:p>
-        </p:txBody>
-      </p:sp>
-    </p:spTree>
-    <p:extLst>
-      <p:ext uri="{BB962C8B-B14F-4D97-AF65-F5344CB8AC3E}">
-        <p14:creationId xmlns:p14="http://schemas.microsoft.com/office/powerpoint/2010/main" val="2687922810"/>
       </p:ext>
     </p:extLst>
   </p:cSld>
@@ -13899,7 +13989,13 @@
   <p:cSld>
     <p:spTree>
       <p:nvGrpSpPr>
-        <p:cNvPr id="1" name=""/>
+        <p:cNvPr id="1" name="">
+          <a:extLst>
+            <a:ext uri="{FF2B5EF4-FFF2-40B4-BE49-F238E27FC236}">
+              <a16:creationId xmlns:a16="http://schemas.microsoft.com/office/drawing/2014/main" id="{6E939709-7D9F-5D16-932D-C982FD03C2AF}"/>
+            </a:ext>
+          </a:extLst>
+        </p:cNvPr>
         <p:cNvGrpSpPr/>
         <p:nvPr/>
       </p:nvGrpSpPr>
@@ -13911,12 +14007,289 @@
           <a:chExt cx="0" cy="0"/>
         </a:xfrm>
       </p:grpSpPr>
+      <p:sp>
+        <p:nvSpPr>
+          <p:cNvPr id="303" name="Rectangle 302">
+            <a:extLst>
+              <a:ext uri="{FF2B5EF4-FFF2-40B4-BE49-F238E27FC236}">
+                <a16:creationId xmlns:a16="http://schemas.microsoft.com/office/drawing/2014/main" id="{206E2F76-D5E4-BFD9-D85B-98965D2F7122}"/>
+              </a:ext>
+            </a:extLst>
+          </p:cNvPr>
+          <p:cNvSpPr/>
+          <p:nvPr/>
+        </p:nvSpPr>
+        <p:spPr>
+          <a:xfrm>
+            <a:off x="3638549" y="6115344"/>
+            <a:ext cx="4242701" cy="647406"/>
+          </a:xfrm>
+          <a:prstGeom prst="rect">
+            <a:avLst/>
+          </a:prstGeom>
+          <a:noFill/>
+          <a:ln>
+            <a:solidFill>
+              <a:srgbClr val="FFC000"/>
+            </a:solidFill>
+          </a:ln>
+        </p:spPr>
+        <p:style>
+          <a:lnRef idx="2">
+            <a:schemeClr val="accent1">
+              <a:shade val="15000"/>
+            </a:schemeClr>
+          </a:lnRef>
+          <a:fillRef idx="1">
+            <a:schemeClr val="accent1"/>
+          </a:fillRef>
+          <a:effectRef idx="0">
+            <a:schemeClr val="accent1"/>
+          </a:effectRef>
+          <a:fontRef idx="minor">
+            <a:schemeClr val="lt1"/>
+          </a:fontRef>
+        </p:style>
+        <p:txBody>
+          <a:bodyPr rtlCol="0" anchor="ctr"/>
+          <a:lstStyle/>
+          <a:p>
+            <a:pPr algn="ctr"/>
+            <a:endParaRPr lang="en-US"/>
+          </a:p>
+        </p:txBody>
+      </p:sp>
+      <p:cxnSp>
+        <p:nvCxnSpPr>
+          <p:cNvPr id="77" name="Straight Connector 76">
+            <a:extLst>
+              <a:ext uri="{FF2B5EF4-FFF2-40B4-BE49-F238E27FC236}">
+                <a16:creationId xmlns:a16="http://schemas.microsoft.com/office/drawing/2014/main" id="{3A9B3B19-BA0B-E3BE-B99D-4D45468EAF57}"/>
+              </a:ext>
+            </a:extLst>
+          </p:cNvPr>
+          <p:cNvCxnSpPr>
+            <a:cxnSpLocks/>
+          </p:cNvCxnSpPr>
+          <p:nvPr/>
+        </p:nvCxnSpPr>
+        <p:spPr>
+          <a:xfrm>
+            <a:off x="3692924" y="1387481"/>
+            <a:ext cx="0" cy="5327644"/>
+          </a:xfrm>
+          <a:prstGeom prst="line">
+            <a:avLst/>
+          </a:prstGeom>
+          <a:ln>
+            <a:solidFill>
+              <a:schemeClr val="bg1">
+                <a:lumMod val="85000"/>
+              </a:schemeClr>
+            </a:solidFill>
+          </a:ln>
+        </p:spPr>
+        <p:style>
+          <a:lnRef idx="1">
+            <a:schemeClr val="accent1"/>
+          </a:lnRef>
+          <a:fillRef idx="0">
+            <a:schemeClr val="accent1"/>
+          </a:fillRef>
+          <a:effectRef idx="0">
+            <a:schemeClr val="accent1"/>
+          </a:effectRef>
+          <a:fontRef idx="minor">
+            <a:schemeClr val="tx1"/>
+          </a:fontRef>
+        </p:style>
+      </p:cxnSp>
+      <p:cxnSp>
+        <p:nvCxnSpPr>
+          <p:cNvPr id="72" name="Straight Connector 71">
+            <a:extLst>
+              <a:ext uri="{FF2B5EF4-FFF2-40B4-BE49-F238E27FC236}">
+                <a16:creationId xmlns:a16="http://schemas.microsoft.com/office/drawing/2014/main" id="{C3D000C3-A999-B2E2-2FA5-3F6DB494CC12}"/>
+              </a:ext>
+            </a:extLst>
+          </p:cNvPr>
+          <p:cNvCxnSpPr>
+            <a:cxnSpLocks/>
+          </p:cNvCxnSpPr>
+          <p:nvPr/>
+        </p:nvCxnSpPr>
+        <p:spPr>
+          <a:xfrm>
+            <a:off x="3585863" y="1171073"/>
+            <a:ext cx="0" cy="5544052"/>
+          </a:xfrm>
+          <a:prstGeom prst="line">
+            <a:avLst/>
+          </a:prstGeom>
+          <a:ln>
+            <a:solidFill>
+              <a:schemeClr val="bg1">
+                <a:lumMod val="85000"/>
+              </a:schemeClr>
+            </a:solidFill>
+          </a:ln>
+        </p:spPr>
+        <p:style>
+          <a:lnRef idx="1">
+            <a:schemeClr val="accent1"/>
+          </a:lnRef>
+          <a:fillRef idx="0">
+            <a:schemeClr val="accent1"/>
+          </a:fillRef>
+          <a:effectRef idx="0">
+            <a:schemeClr val="accent1"/>
+          </a:effectRef>
+          <a:fontRef idx="minor">
+            <a:schemeClr val="tx1"/>
+          </a:fontRef>
+        </p:style>
+      </p:cxnSp>
+      <p:cxnSp>
+        <p:nvCxnSpPr>
+          <p:cNvPr id="81" name="Straight Connector 80">
+            <a:extLst>
+              <a:ext uri="{FF2B5EF4-FFF2-40B4-BE49-F238E27FC236}">
+                <a16:creationId xmlns:a16="http://schemas.microsoft.com/office/drawing/2014/main" id="{7B38F0E2-12CF-3EA8-3158-0B063D852488}"/>
+              </a:ext>
+            </a:extLst>
+          </p:cNvPr>
+          <p:cNvCxnSpPr>
+            <a:cxnSpLocks/>
+          </p:cNvCxnSpPr>
+          <p:nvPr/>
+        </p:nvCxnSpPr>
+        <p:spPr>
+          <a:xfrm>
+            <a:off x="3780935" y="1530356"/>
+            <a:ext cx="0" cy="5184769"/>
+          </a:xfrm>
+          <a:prstGeom prst="line">
+            <a:avLst/>
+          </a:prstGeom>
+          <a:ln>
+            <a:solidFill>
+              <a:schemeClr val="bg1">
+                <a:lumMod val="85000"/>
+              </a:schemeClr>
+            </a:solidFill>
+          </a:ln>
+        </p:spPr>
+        <p:style>
+          <a:lnRef idx="1">
+            <a:schemeClr val="accent1"/>
+          </a:lnRef>
+          <a:fillRef idx="0">
+            <a:schemeClr val="accent1"/>
+          </a:fillRef>
+          <a:effectRef idx="0">
+            <a:schemeClr val="accent1"/>
+          </a:effectRef>
+          <a:fontRef idx="minor">
+            <a:schemeClr val="tx1"/>
+          </a:fontRef>
+        </p:style>
+      </p:cxnSp>
+      <p:cxnSp>
+        <p:nvCxnSpPr>
+          <p:cNvPr id="83" name="Straight Connector 82">
+            <a:extLst>
+              <a:ext uri="{FF2B5EF4-FFF2-40B4-BE49-F238E27FC236}">
+                <a16:creationId xmlns:a16="http://schemas.microsoft.com/office/drawing/2014/main" id="{C212D993-0101-D1E0-CA9E-86F7D20AFBFE}"/>
+              </a:ext>
+            </a:extLst>
+          </p:cNvPr>
+          <p:cNvCxnSpPr>
+            <a:cxnSpLocks/>
+          </p:cNvCxnSpPr>
+          <p:nvPr/>
+        </p:nvCxnSpPr>
+        <p:spPr>
+          <a:xfrm>
+            <a:off x="3851039" y="1737620"/>
+            <a:ext cx="0" cy="1114360"/>
+          </a:xfrm>
+          <a:prstGeom prst="line">
+            <a:avLst/>
+          </a:prstGeom>
+          <a:ln>
+            <a:solidFill>
+              <a:schemeClr val="bg1">
+                <a:lumMod val="85000"/>
+              </a:schemeClr>
+            </a:solidFill>
+          </a:ln>
+        </p:spPr>
+        <p:style>
+          <a:lnRef idx="1">
+            <a:schemeClr val="accent1"/>
+          </a:lnRef>
+          <a:fillRef idx="0">
+            <a:schemeClr val="accent1"/>
+          </a:fillRef>
+          <a:effectRef idx="0">
+            <a:schemeClr val="accent1"/>
+          </a:effectRef>
+          <a:fontRef idx="minor">
+            <a:schemeClr val="tx1"/>
+          </a:fontRef>
+        </p:style>
+      </p:cxnSp>
+      <p:cxnSp>
+        <p:nvCxnSpPr>
+          <p:cNvPr id="86" name="Straight Connector 85">
+            <a:extLst>
+              <a:ext uri="{FF2B5EF4-FFF2-40B4-BE49-F238E27FC236}">
+                <a16:creationId xmlns:a16="http://schemas.microsoft.com/office/drawing/2014/main" id="{3C203D66-430B-DCF0-B675-DC42EF584329}"/>
+              </a:ext>
+            </a:extLst>
+          </p:cNvPr>
+          <p:cNvCxnSpPr>
+            <a:cxnSpLocks/>
+          </p:cNvCxnSpPr>
+          <p:nvPr/>
+        </p:nvCxnSpPr>
+        <p:spPr>
+          <a:xfrm>
+            <a:off x="3841895" y="3419856"/>
+            <a:ext cx="0" cy="2643763"/>
+          </a:xfrm>
+          <a:prstGeom prst="line">
+            <a:avLst/>
+          </a:prstGeom>
+          <a:ln>
+            <a:solidFill>
+              <a:schemeClr val="bg1">
+                <a:lumMod val="85000"/>
+              </a:schemeClr>
+            </a:solidFill>
+          </a:ln>
+        </p:spPr>
+        <p:style>
+          <a:lnRef idx="1">
+            <a:schemeClr val="accent1"/>
+          </a:lnRef>
+          <a:fillRef idx="0">
+            <a:schemeClr val="accent1"/>
+          </a:fillRef>
+          <a:effectRef idx="0">
+            <a:schemeClr val="accent1"/>
+          </a:effectRef>
+          <a:fontRef idx="minor">
+            <a:schemeClr val="tx1"/>
+          </a:fontRef>
+        </p:style>
+      </p:cxnSp>
       <p:pic>
         <p:nvPicPr>
-          <p:cNvPr id="64" name="Picture 63">
-            <a:extLst>
-              <a:ext uri="{FF2B5EF4-FFF2-40B4-BE49-F238E27FC236}">
-                <a16:creationId xmlns:a16="http://schemas.microsoft.com/office/drawing/2014/main" id="{D0BBEB2B-0669-C3D3-63BD-3C2A8AD3489D}"/>
+          <p:cNvPr id="16" name="Picture 15">
+            <a:extLst>
+              <a:ext uri="{FF2B5EF4-FFF2-40B4-BE49-F238E27FC236}">
+                <a16:creationId xmlns:a16="http://schemas.microsoft.com/office/drawing/2014/main" id="{C381369F-04DB-4024-FEB6-7D188220ACBD}"/>
               </a:ext>
             </a:extLst>
           </p:cNvPr>
@@ -13944,72 +14317,140 @@
         </p:blipFill>
         <p:spPr>
           <a:xfrm>
-            <a:off x="3490477" y="1023792"/>
-            <a:ext cx="4391917" cy="5793782"/>
+            <a:off x="3439693" y="6067586"/>
+            <a:ext cx="4458322" cy="714475"/>
           </a:xfrm>
           <a:prstGeom prst="rect">
             <a:avLst/>
           </a:prstGeom>
         </p:spPr>
       </p:pic>
-      <p:sp>
-        <p:nvSpPr>
-          <p:cNvPr id="106" name="Rectangle 105">
-            <a:extLst>
-              <a:ext uri="{FF2B5EF4-FFF2-40B4-BE49-F238E27FC236}">
-                <a16:creationId xmlns:a16="http://schemas.microsoft.com/office/drawing/2014/main" id="{9D589BA3-0999-03ED-BF54-FF94A1A2C685}"/>
-              </a:ext>
-            </a:extLst>
-          </p:cNvPr>
-          <p:cNvSpPr/>
-          <p:nvPr/>
-        </p:nvSpPr>
-        <p:spPr>
-          <a:xfrm>
-            <a:off x="9640998" y="6228827"/>
-            <a:ext cx="2551002" cy="629173"/>
+      <p:pic>
+        <p:nvPicPr>
+          <p:cNvPr id="64" name="Picture 63">
+            <a:extLst>
+              <a:ext uri="{FF2B5EF4-FFF2-40B4-BE49-F238E27FC236}">
+                <a16:creationId xmlns:a16="http://schemas.microsoft.com/office/drawing/2014/main" id="{D9464D4F-BCEF-C18E-556C-69BCBA0ECADF}"/>
+              </a:ext>
+            </a:extLst>
+          </p:cNvPr>
+          <p:cNvPicPr>
+            <a:picLocks noChangeAspect="1"/>
+          </p:cNvPicPr>
+          <p:nvPr/>
+        </p:nvPicPr>
+        <p:blipFill rotWithShape="1">
+          <a:blip r:embed="rId4">
+            <a:clrChange>
+              <a:clrFrom>
+                <a:srgbClr val="FFFFFF"/>
+              </a:clrFrom>
+              <a:clrTo>
+                <a:srgbClr val="FFFFFF">
+                  <a:alpha val="0"/>
+                </a:srgbClr>
+              </a:clrTo>
+            </a:clrChange>
+          </a:blip>
+          <a:srcRect b="81293"/>
+          <a:stretch/>
+        </p:blipFill>
+        <p:spPr>
+          <a:xfrm>
+            <a:off x="3490477" y="1023792"/>
+            <a:ext cx="4391917" cy="1083841"/>
           </a:xfrm>
           <a:prstGeom prst="rect">
             <a:avLst/>
           </a:prstGeom>
-          <a:solidFill>
-            <a:schemeClr val="bg1"/>
-          </a:solidFill>
-          <a:ln>
-            <a:noFill/>
-          </a:ln>
-        </p:spPr>
-        <p:style>
-          <a:lnRef idx="2">
-            <a:schemeClr val="accent1">
-              <a:shade val="15000"/>
-            </a:schemeClr>
-          </a:lnRef>
-          <a:fillRef idx="1">
-            <a:schemeClr val="accent1"/>
-          </a:fillRef>
-          <a:effectRef idx="0">
-            <a:schemeClr val="accent1"/>
-          </a:effectRef>
-          <a:fontRef idx="minor">
-            <a:schemeClr val="lt1"/>
-          </a:fontRef>
-        </p:style>
-        <p:txBody>
-          <a:bodyPr rtlCol="0" anchor="ctr"/>
-          <a:lstStyle/>
-          <a:p>
-            <a:pPr algn="ctr"/>
-            <a:endParaRPr lang="en-US"/>
-          </a:p>
-        </p:txBody>
-      </p:sp>
+        </p:spPr>
+      </p:pic>
+      <p:pic>
+        <p:nvPicPr>
+          <p:cNvPr id="5" name="Picture 4">
+            <a:extLst>
+              <a:ext uri="{FF2B5EF4-FFF2-40B4-BE49-F238E27FC236}">
+                <a16:creationId xmlns:a16="http://schemas.microsoft.com/office/drawing/2014/main" id="{666A3B99-298C-F133-8000-6C806C7062A8}"/>
+              </a:ext>
+            </a:extLst>
+          </p:cNvPr>
+          <p:cNvPicPr>
+            <a:picLocks noChangeAspect="1"/>
+          </p:cNvPicPr>
+          <p:nvPr/>
+        </p:nvPicPr>
+        <p:blipFill rotWithShape="1">
+          <a:blip r:embed="rId5">
+            <a:clrChange>
+              <a:clrFrom>
+                <a:srgbClr val="FFFFFF"/>
+              </a:clrFrom>
+              <a:clrTo>
+                <a:srgbClr val="FFFFFF">
+                  <a:alpha val="0"/>
+                </a:srgbClr>
+              </a:clrTo>
+            </a:clrChange>
+          </a:blip>
+          <a:srcRect r="37560"/>
+          <a:stretch/>
+        </p:blipFill>
+        <p:spPr>
+          <a:xfrm>
+            <a:off x="3415787" y="3337950"/>
+            <a:ext cx="4413596" cy="2810267"/>
+          </a:xfrm>
+          <a:prstGeom prst="rect">
+            <a:avLst/>
+          </a:prstGeom>
+        </p:spPr>
+      </p:pic>
+      <p:pic>
+        <p:nvPicPr>
+          <p:cNvPr id="7" name="Picture 6">
+            <a:extLst>
+              <a:ext uri="{FF2B5EF4-FFF2-40B4-BE49-F238E27FC236}">
+                <a16:creationId xmlns:a16="http://schemas.microsoft.com/office/drawing/2014/main" id="{4CE7F6BC-5AD8-DE36-DA4B-FA240D87AEA9}"/>
+              </a:ext>
+            </a:extLst>
+          </p:cNvPr>
+          <p:cNvPicPr>
+            <a:picLocks noChangeAspect="1"/>
+          </p:cNvPicPr>
+          <p:nvPr/>
+        </p:nvPicPr>
+        <p:blipFill rotWithShape="1">
+          <a:blip r:embed="rId4">
+            <a:clrChange>
+              <a:clrFrom>
+                <a:srgbClr val="FFFFFF"/>
+              </a:clrFrom>
+              <a:clrTo>
+                <a:srgbClr val="FFFFFF">
+                  <a:alpha val="0"/>
+                </a:srgbClr>
+              </a:clrTo>
+            </a:clrChange>
+          </a:blip>
+          <a:srcRect b="55299"/>
+          <a:stretch/>
+        </p:blipFill>
+        <p:spPr>
+          <a:xfrm>
+            <a:off x="3490477" y="1023792"/>
+            <a:ext cx="4391917" cy="2589875"/>
+          </a:xfrm>
+          <a:prstGeom prst="rect">
+            <a:avLst/>
+          </a:prstGeom>
+        </p:spPr>
+      </p:pic>
       <p:sp>
         <p:nvSpPr>
           <p:cNvPr id="2" name="Title 1">
             <a:extLst>
               <a:ext uri="{FF2B5EF4-FFF2-40B4-BE49-F238E27FC236}">
-                <a16:creationId xmlns:a16="http://schemas.microsoft.com/office/drawing/2014/main" id="{BF6F7CDC-5AB3-100E-3CDB-CDBFEC5EB877}"/>
+                <a16:creationId xmlns:a16="http://schemas.microsoft.com/office/drawing/2014/main" id="{6600BA37-570E-3B90-4228-65762B9E6CAD}"/>
               </a:ext>
             </a:extLst>
           </p:cNvPr>
@@ -14037,7 +14478,7 @@
           <p:cNvPr id="70" name="TextBox 69">
             <a:extLst>
               <a:ext uri="{FF2B5EF4-FFF2-40B4-BE49-F238E27FC236}">
-                <a16:creationId xmlns:a16="http://schemas.microsoft.com/office/drawing/2014/main" id="{A9B71961-FC25-A95B-4425-3726C5F63213}"/>
+                <a16:creationId xmlns:a16="http://schemas.microsoft.com/office/drawing/2014/main" id="{9F4A49BF-EC22-A057-3CC1-05E92B7FC981}"/>
               </a:ext>
             </a:extLst>
           </p:cNvPr>
@@ -14091,397 +14532,1326 @@
           </a:p>
         </p:txBody>
       </p:sp>
-      <p:cxnSp>
-        <p:nvCxnSpPr>
-          <p:cNvPr id="72" name="Straight Connector 71">
-            <a:extLst>
-              <a:ext uri="{FF2B5EF4-FFF2-40B4-BE49-F238E27FC236}">
-                <a16:creationId xmlns:a16="http://schemas.microsoft.com/office/drawing/2014/main" id="{586E8970-1BB3-2980-61A7-13595D3A5B59}"/>
-              </a:ext>
-            </a:extLst>
-          </p:cNvPr>
-          <p:cNvCxnSpPr>
-            <a:cxnSpLocks/>
-          </p:cNvCxnSpPr>
-          <p:nvPr/>
-        </p:nvCxnSpPr>
-        <p:spPr>
-          <a:xfrm>
-            <a:off x="3585863" y="1171073"/>
-            <a:ext cx="0" cy="5544052"/>
-          </a:xfrm>
-          <a:prstGeom prst="line">
+      <p:sp>
+        <p:nvSpPr>
+          <p:cNvPr id="78" name="TextBox 77">
+            <a:extLst>
+              <a:ext uri="{FF2B5EF4-FFF2-40B4-BE49-F238E27FC236}">
+                <a16:creationId xmlns:a16="http://schemas.microsoft.com/office/drawing/2014/main" id="{FBC935C6-A581-5888-3877-E328C50FF7E7}"/>
+              </a:ext>
+            </a:extLst>
+          </p:cNvPr>
+          <p:cNvSpPr txBox="1"/>
+          <p:nvPr/>
+        </p:nvSpPr>
+        <p:spPr>
+          <a:xfrm>
+            <a:off x="2235200" y="-14325600"/>
+            <a:ext cx="861133" cy="369332"/>
+          </a:xfrm>
+          <a:prstGeom prst="rect">
             <a:avLst/>
           </a:prstGeom>
+          <a:noFill/>
+        </p:spPr>
+        <p:txBody>
+          <a:bodyPr wrap="none" rtlCol="0">
+            <a:spAutoFit/>
+          </a:bodyPr>
+          <a:lstStyle/>
+          <a:p>
+            <a:r>
+              <a:rPr lang="en-US" dirty="0"/>
+              <a:t>Anchor</a:t>
+            </a:r>
+          </a:p>
+        </p:txBody>
+      </p:sp>
+      <p:sp>
+        <p:nvSpPr>
+          <p:cNvPr id="79" name="TextBox 78">
+            <a:extLst>
+              <a:ext uri="{FF2B5EF4-FFF2-40B4-BE49-F238E27FC236}">
+                <a16:creationId xmlns:a16="http://schemas.microsoft.com/office/drawing/2014/main" id="{7C76BAE0-6DB6-CB43-ED6D-4F9D7E979A71}"/>
+              </a:ext>
+            </a:extLst>
+          </p:cNvPr>
+          <p:cNvSpPr txBox="1"/>
+          <p:nvPr/>
+        </p:nvSpPr>
+        <p:spPr>
+          <a:xfrm>
+            <a:off x="2665766" y="13827023"/>
+            <a:ext cx="861133" cy="369332"/>
+          </a:xfrm>
+          <a:prstGeom prst="rect">
+            <a:avLst/>
+          </a:prstGeom>
+          <a:noFill/>
+        </p:spPr>
+        <p:txBody>
+          <a:bodyPr wrap="none" rtlCol="0">
+            <a:spAutoFit/>
+          </a:bodyPr>
+          <a:lstStyle/>
+          <a:p>
+            <a:r>
+              <a:rPr lang="en-US" dirty="0"/>
+              <a:t>Anchor</a:t>
+            </a:r>
+          </a:p>
+        </p:txBody>
+      </p:sp>
+      <p:sp>
+        <p:nvSpPr>
+          <p:cNvPr id="108" name="Rectangle 107">
+            <a:extLst>
+              <a:ext uri="{FF2B5EF4-FFF2-40B4-BE49-F238E27FC236}">
+                <a16:creationId xmlns:a16="http://schemas.microsoft.com/office/drawing/2014/main" id="{F169838C-E984-CA84-E2AB-0338C74E8955}"/>
+              </a:ext>
+            </a:extLst>
+          </p:cNvPr>
+          <p:cNvSpPr/>
+          <p:nvPr/>
+        </p:nvSpPr>
+        <p:spPr>
+          <a:xfrm>
+            <a:off x="19341" y="1072518"/>
+            <a:ext cx="250121" cy="263962"/>
+          </a:xfrm>
+          <a:prstGeom prst="rect">
+            <a:avLst/>
+          </a:prstGeom>
+          <a:solidFill>
+            <a:schemeClr val="accent6">
+              <a:lumMod val="20000"/>
+              <a:lumOff val="80000"/>
+            </a:schemeClr>
+          </a:solidFill>
           <a:ln>
             <a:solidFill>
-              <a:schemeClr val="bg1">
-                <a:lumMod val="85000"/>
-              </a:schemeClr>
+              <a:schemeClr val="tx1"/>
             </a:solidFill>
           </a:ln>
         </p:spPr>
         <p:style>
-          <a:lnRef idx="1">
-            <a:schemeClr val="accent1"/>
+          <a:lnRef idx="2">
+            <a:schemeClr val="accent1">
+              <a:shade val="15000"/>
+            </a:schemeClr>
           </a:lnRef>
-          <a:fillRef idx="0">
+          <a:fillRef idx="1">
             <a:schemeClr val="accent1"/>
           </a:fillRef>
           <a:effectRef idx="0">
             <a:schemeClr val="accent1"/>
           </a:effectRef>
           <a:fontRef idx="minor">
-            <a:schemeClr val="tx1"/>
+            <a:schemeClr val="lt1"/>
           </a:fontRef>
         </p:style>
-      </p:cxnSp>
-      <p:cxnSp>
-        <p:nvCxnSpPr>
-          <p:cNvPr id="74" name="Straight Connector 73">
-            <a:extLst>
-              <a:ext uri="{FF2B5EF4-FFF2-40B4-BE49-F238E27FC236}">
-                <a16:creationId xmlns:a16="http://schemas.microsoft.com/office/drawing/2014/main" id="{1E618F05-3D45-1E37-799A-2A78B32C3A31}"/>
-              </a:ext>
-            </a:extLst>
-          </p:cNvPr>
-          <p:cNvCxnSpPr>
-            <a:cxnSpLocks/>
-          </p:cNvCxnSpPr>
-          <p:nvPr/>
-        </p:nvCxnSpPr>
-        <p:spPr>
-          <a:xfrm>
-            <a:off x="8223684" y="771023"/>
-            <a:ext cx="0" cy="6046551"/>
-          </a:xfrm>
-          <a:prstGeom prst="line">
+        <p:txBody>
+          <a:bodyPr rtlCol="0" anchor="ctr"/>
+          <a:lstStyle/>
+          <a:p>
+            <a:pPr algn="ctr"/>
+            <a:endParaRPr lang="en-US"/>
+          </a:p>
+        </p:txBody>
+      </p:sp>
+      <p:sp>
+        <p:nvSpPr>
+          <p:cNvPr id="111" name="Rectangle 110">
+            <a:extLst>
+              <a:ext uri="{FF2B5EF4-FFF2-40B4-BE49-F238E27FC236}">
+                <a16:creationId xmlns:a16="http://schemas.microsoft.com/office/drawing/2014/main" id="{18963961-3147-51AA-E34F-EF5CF5CED7F7}"/>
+              </a:ext>
+            </a:extLst>
+          </p:cNvPr>
+          <p:cNvSpPr/>
+          <p:nvPr/>
+        </p:nvSpPr>
+        <p:spPr>
+          <a:xfrm>
+            <a:off x="19341" y="1743077"/>
+            <a:ext cx="250121" cy="263962"/>
+          </a:xfrm>
+          <a:prstGeom prst="rect">
             <a:avLst/>
           </a:prstGeom>
+          <a:solidFill>
+            <a:schemeClr val="accent6">
+              <a:lumMod val="20000"/>
+              <a:lumOff val="80000"/>
+            </a:schemeClr>
+          </a:solidFill>
           <a:ln>
             <a:solidFill>
-              <a:schemeClr val="bg1">
-                <a:lumMod val="85000"/>
-              </a:schemeClr>
+              <a:schemeClr val="tx1"/>
             </a:solidFill>
           </a:ln>
         </p:spPr>
         <p:style>
-          <a:lnRef idx="1">
-            <a:schemeClr val="accent1"/>
+          <a:lnRef idx="2">
+            <a:schemeClr val="accent1">
+              <a:shade val="15000"/>
+            </a:schemeClr>
           </a:lnRef>
-          <a:fillRef idx="0">
+          <a:fillRef idx="1">
             <a:schemeClr val="accent1"/>
           </a:fillRef>
           <a:effectRef idx="0">
             <a:schemeClr val="accent1"/>
           </a:effectRef>
           <a:fontRef idx="minor">
-            <a:schemeClr val="tx1"/>
+            <a:schemeClr val="lt1"/>
           </a:fontRef>
         </p:style>
-      </p:cxnSp>
-      <p:cxnSp>
-        <p:nvCxnSpPr>
-          <p:cNvPr id="77" name="Straight Connector 76">
-            <a:extLst>
-              <a:ext uri="{FF2B5EF4-FFF2-40B4-BE49-F238E27FC236}">
-                <a16:creationId xmlns:a16="http://schemas.microsoft.com/office/drawing/2014/main" id="{05869D5A-7241-E90D-D391-A0F56B6304DE}"/>
-              </a:ext>
-            </a:extLst>
-          </p:cNvPr>
-          <p:cNvCxnSpPr>
-            <a:cxnSpLocks/>
-          </p:cNvCxnSpPr>
-          <p:nvPr/>
-        </p:nvCxnSpPr>
-        <p:spPr>
-          <a:xfrm>
-            <a:off x="3692924" y="1387481"/>
-            <a:ext cx="0" cy="5327644"/>
-          </a:xfrm>
-          <a:prstGeom prst="line">
+        <p:txBody>
+          <a:bodyPr rtlCol="0" anchor="ctr"/>
+          <a:lstStyle/>
+          <a:p>
+            <a:pPr algn="ctr"/>
+            <a:endParaRPr lang="en-US"/>
+          </a:p>
+        </p:txBody>
+      </p:sp>
+      <p:sp>
+        <p:nvSpPr>
+          <p:cNvPr id="114" name="Rectangle 113">
+            <a:extLst>
+              <a:ext uri="{FF2B5EF4-FFF2-40B4-BE49-F238E27FC236}">
+                <a16:creationId xmlns:a16="http://schemas.microsoft.com/office/drawing/2014/main" id="{94FE4667-5D43-1D6F-E74F-1074B860EDB4}"/>
+              </a:ext>
+            </a:extLst>
+          </p:cNvPr>
+          <p:cNvSpPr/>
+          <p:nvPr/>
+        </p:nvSpPr>
+        <p:spPr>
+          <a:xfrm>
+            <a:off x="19341" y="2715785"/>
+            <a:ext cx="250121" cy="263962"/>
+          </a:xfrm>
+          <a:prstGeom prst="rect">
             <a:avLst/>
           </a:prstGeom>
+          <a:solidFill>
+            <a:schemeClr val="accent6">
+              <a:lumMod val="20000"/>
+              <a:lumOff val="80000"/>
+            </a:schemeClr>
+          </a:solidFill>
           <a:ln>
             <a:solidFill>
-              <a:schemeClr val="bg1">
-                <a:lumMod val="85000"/>
-              </a:schemeClr>
+              <a:schemeClr val="tx1"/>
             </a:solidFill>
           </a:ln>
         </p:spPr>
         <p:style>
-          <a:lnRef idx="1">
-            <a:schemeClr val="accent1"/>
+          <a:lnRef idx="2">
+            <a:schemeClr val="accent1">
+              <a:shade val="15000"/>
+            </a:schemeClr>
           </a:lnRef>
-          <a:fillRef idx="0">
+          <a:fillRef idx="1">
             <a:schemeClr val="accent1"/>
           </a:fillRef>
           <a:effectRef idx="0">
             <a:schemeClr val="accent1"/>
           </a:effectRef>
           <a:fontRef idx="minor">
-            <a:schemeClr val="tx1"/>
+            <a:schemeClr val="lt1"/>
           </a:fontRef>
         </p:style>
-      </p:cxnSp>
-      <p:sp>
-        <p:nvSpPr>
-          <p:cNvPr id="78" name="TextBox 77">
-            <a:extLst>
-              <a:ext uri="{FF2B5EF4-FFF2-40B4-BE49-F238E27FC236}">
-                <a16:creationId xmlns:a16="http://schemas.microsoft.com/office/drawing/2014/main" id="{FAF6CD8F-54CD-C2C0-D842-AB7296E5EE80}"/>
-              </a:ext>
-            </a:extLst>
-          </p:cNvPr>
-          <p:cNvSpPr txBox="1"/>
-          <p:nvPr/>
-        </p:nvSpPr>
-        <p:spPr>
-          <a:xfrm>
-            <a:off x="2235200" y="-14325600"/>
-            <a:ext cx="861133" cy="369332"/>
+        <p:txBody>
+          <a:bodyPr rtlCol="0" anchor="ctr"/>
+          <a:lstStyle/>
+          <a:p>
+            <a:pPr algn="ctr"/>
+            <a:endParaRPr lang="en-US"/>
+          </a:p>
+        </p:txBody>
+      </p:sp>
+      <p:sp>
+        <p:nvSpPr>
+          <p:cNvPr id="117" name="Rectangle 116">
+            <a:extLst>
+              <a:ext uri="{FF2B5EF4-FFF2-40B4-BE49-F238E27FC236}">
+                <a16:creationId xmlns:a16="http://schemas.microsoft.com/office/drawing/2014/main" id="{802DF5FC-69A7-2A38-050D-91EB1BF52AB6}"/>
+              </a:ext>
+            </a:extLst>
+          </p:cNvPr>
+          <p:cNvSpPr/>
+          <p:nvPr/>
+        </p:nvSpPr>
+        <p:spPr>
+          <a:xfrm>
+            <a:off x="19341" y="3985407"/>
+            <a:ext cx="250121" cy="263962"/>
           </a:xfrm>
           <a:prstGeom prst="rect">
             <a:avLst/>
           </a:prstGeom>
-          <a:noFill/>
-        </p:spPr>
-        <p:txBody>
-          <a:bodyPr wrap="none" rtlCol="0">
-            <a:spAutoFit/>
-          </a:bodyPr>
-          <a:lstStyle/>
-          <a:p>
-            <a:r>
-              <a:rPr lang="en-US" dirty="0"/>
-              <a:t>Anchor</a:t>
-            </a:r>
-          </a:p>
-        </p:txBody>
-      </p:sp>
-      <p:sp>
-        <p:nvSpPr>
-          <p:cNvPr id="79" name="TextBox 78">
-            <a:extLst>
-              <a:ext uri="{FF2B5EF4-FFF2-40B4-BE49-F238E27FC236}">
-                <a16:creationId xmlns:a16="http://schemas.microsoft.com/office/drawing/2014/main" id="{112429C6-CD27-3C53-AF0C-B667A18E839F}"/>
-              </a:ext>
-            </a:extLst>
-          </p:cNvPr>
-          <p:cNvSpPr txBox="1"/>
-          <p:nvPr/>
-        </p:nvSpPr>
-        <p:spPr>
-          <a:xfrm>
-            <a:off x="2665766" y="13827023"/>
-            <a:ext cx="861133" cy="369332"/>
-          </a:xfrm>
-          <a:prstGeom prst="rect">
-            <a:avLst/>
-          </a:prstGeom>
-          <a:noFill/>
-        </p:spPr>
-        <p:txBody>
-          <a:bodyPr wrap="none" rtlCol="0">
-            <a:spAutoFit/>
-          </a:bodyPr>
-          <a:lstStyle/>
-          <a:p>
-            <a:r>
-              <a:rPr lang="en-US" dirty="0"/>
-              <a:t>Anchor</a:t>
-            </a:r>
-          </a:p>
-        </p:txBody>
-      </p:sp>
-      <p:cxnSp>
-        <p:nvCxnSpPr>
-          <p:cNvPr id="81" name="Straight Connector 80">
-            <a:extLst>
-              <a:ext uri="{FF2B5EF4-FFF2-40B4-BE49-F238E27FC236}">
-                <a16:creationId xmlns:a16="http://schemas.microsoft.com/office/drawing/2014/main" id="{C252CC10-6598-747A-3DA1-5D75C02530F7}"/>
-              </a:ext>
-            </a:extLst>
-          </p:cNvPr>
-          <p:cNvCxnSpPr>
-            <a:cxnSpLocks/>
-          </p:cNvCxnSpPr>
-          <p:nvPr/>
-        </p:nvCxnSpPr>
-        <p:spPr>
-          <a:xfrm>
-            <a:off x="3780935" y="1530356"/>
-            <a:ext cx="0" cy="5184769"/>
-          </a:xfrm>
-          <a:prstGeom prst="line">
-            <a:avLst/>
-          </a:prstGeom>
+          <a:solidFill>
+            <a:schemeClr val="accent6">
+              <a:lumMod val="20000"/>
+              <a:lumOff val="80000"/>
+            </a:schemeClr>
+          </a:solidFill>
           <a:ln>
             <a:solidFill>
-              <a:schemeClr val="bg1">
-                <a:lumMod val="85000"/>
-              </a:schemeClr>
+              <a:schemeClr val="tx1"/>
             </a:solidFill>
           </a:ln>
         </p:spPr>
         <p:style>
-          <a:lnRef idx="1">
-            <a:schemeClr val="accent1"/>
+          <a:lnRef idx="2">
+            <a:schemeClr val="accent1">
+              <a:shade val="15000"/>
+            </a:schemeClr>
           </a:lnRef>
-          <a:fillRef idx="0">
+          <a:fillRef idx="1">
             <a:schemeClr val="accent1"/>
           </a:fillRef>
           <a:effectRef idx="0">
             <a:schemeClr val="accent1"/>
           </a:effectRef>
           <a:fontRef idx="minor">
-            <a:schemeClr val="tx1"/>
+            <a:schemeClr val="lt1"/>
           </a:fontRef>
         </p:style>
-      </p:cxnSp>
-      <p:cxnSp>
-        <p:nvCxnSpPr>
-          <p:cNvPr id="83" name="Straight Connector 82">
-            <a:extLst>
-              <a:ext uri="{FF2B5EF4-FFF2-40B4-BE49-F238E27FC236}">
-                <a16:creationId xmlns:a16="http://schemas.microsoft.com/office/drawing/2014/main" id="{349185CB-E039-2989-1471-31BE14A6500C}"/>
-              </a:ext>
-            </a:extLst>
-          </p:cNvPr>
-          <p:cNvCxnSpPr>
-            <a:cxnSpLocks/>
-          </p:cNvCxnSpPr>
-          <p:nvPr/>
-        </p:nvCxnSpPr>
-        <p:spPr>
-          <a:xfrm>
-            <a:off x="3851039" y="1737620"/>
-            <a:ext cx="0" cy="1114360"/>
-          </a:xfrm>
-          <a:prstGeom prst="line">
+        <p:txBody>
+          <a:bodyPr rtlCol="0" anchor="ctr"/>
+          <a:lstStyle/>
+          <a:p>
+            <a:pPr algn="ctr"/>
+            <a:endParaRPr lang="en-US"/>
+          </a:p>
+        </p:txBody>
+      </p:sp>
+      <p:sp>
+        <p:nvSpPr>
+          <p:cNvPr id="120" name="Rectangle 119">
+            <a:extLst>
+              <a:ext uri="{FF2B5EF4-FFF2-40B4-BE49-F238E27FC236}">
+                <a16:creationId xmlns:a16="http://schemas.microsoft.com/office/drawing/2014/main" id="{D6FA6DD4-24A5-570E-6E82-BB20461BDEFB}"/>
+              </a:ext>
+            </a:extLst>
+          </p:cNvPr>
+          <p:cNvSpPr/>
+          <p:nvPr/>
+        </p:nvSpPr>
+        <p:spPr>
+          <a:xfrm>
+            <a:off x="19341" y="5083684"/>
+            <a:ext cx="250121" cy="263962"/>
+          </a:xfrm>
+          <a:prstGeom prst="rect">
             <a:avLst/>
           </a:prstGeom>
+          <a:solidFill>
+            <a:schemeClr val="accent6">
+              <a:lumMod val="20000"/>
+              <a:lumOff val="80000"/>
+            </a:schemeClr>
+          </a:solidFill>
           <a:ln>
             <a:solidFill>
-              <a:schemeClr val="bg1">
-                <a:lumMod val="85000"/>
-              </a:schemeClr>
+              <a:schemeClr val="tx1"/>
             </a:solidFill>
           </a:ln>
         </p:spPr>
         <p:style>
-          <a:lnRef idx="1">
-            <a:schemeClr val="accent1"/>
+          <a:lnRef idx="2">
+            <a:schemeClr val="accent1">
+              <a:shade val="15000"/>
+            </a:schemeClr>
           </a:lnRef>
-          <a:fillRef idx="0">
+          <a:fillRef idx="1">
             <a:schemeClr val="accent1"/>
           </a:fillRef>
           <a:effectRef idx="0">
             <a:schemeClr val="accent1"/>
           </a:effectRef>
           <a:fontRef idx="minor">
-            <a:schemeClr val="tx1"/>
+            <a:schemeClr val="lt1"/>
           </a:fontRef>
         </p:style>
-      </p:cxnSp>
-      <p:cxnSp>
-        <p:nvCxnSpPr>
-          <p:cNvPr id="86" name="Straight Connector 85">
-            <a:extLst>
-              <a:ext uri="{FF2B5EF4-FFF2-40B4-BE49-F238E27FC236}">
-                <a16:creationId xmlns:a16="http://schemas.microsoft.com/office/drawing/2014/main" id="{B60B2F08-7DA5-C180-E161-3A0F6F71AFD0}"/>
-              </a:ext>
-            </a:extLst>
-          </p:cNvPr>
-          <p:cNvCxnSpPr>
-            <a:cxnSpLocks/>
-          </p:cNvCxnSpPr>
-          <p:nvPr/>
-        </p:nvCxnSpPr>
-        <p:spPr>
-          <a:xfrm>
-            <a:off x="3841895" y="3419856"/>
-            <a:ext cx="0" cy="713232"/>
-          </a:xfrm>
-          <a:prstGeom prst="line">
+        <p:txBody>
+          <a:bodyPr rtlCol="0" anchor="ctr"/>
+          <a:lstStyle/>
+          <a:p>
+            <a:pPr algn="ctr"/>
+            <a:endParaRPr lang="en-US"/>
+          </a:p>
+        </p:txBody>
+      </p:sp>
+      <p:sp>
+        <p:nvSpPr>
+          <p:cNvPr id="123" name="Rectangle 122">
+            <a:extLst>
+              <a:ext uri="{FF2B5EF4-FFF2-40B4-BE49-F238E27FC236}">
+                <a16:creationId xmlns:a16="http://schemas.microsoft.com/office/drawing/2014/main" id="{71D862FF-5C34-DABC-78E3-FCDADB3C2173}"/>
+              </a:ext>
+            </a:extLst>
+          </p:cNvPr>
+          <p:cNvSpPr/>
+          <p:nvPr/>
+        </p:nvSpPr>
+        <p:spPr>
+          <a:xfrm>
+            <a:off x="19341" y="5931880"/>
+            <a:ext cx="250121" cy="263962"/>
+          </a:xfrm>
+          <a:prstGeom prst="rect">
             <a:avLst/>
           </a:prstGeom>
+          <a:solidFill>
+            <a:schemeClr val="accent6">
+              <a:lumMod val="20000"/>
+              <a:lumOff val="80000"/>
+            </a:schemeClr>
+          </a:solidFill>
           <a:ln>
             <a:solidFill>
-              <a:schemeClr val="bg1">
-                <a:lumMod val="85000"/>
-              </a:schemeClr>
+              <a:schemeClr val="tx1"/>
             </a:solidFill>
           </a:ln>
         </p:spPr>
         <p:style>
-          <a:lnRef idx="1">
-            <a:schemeClr val="accent1"/>
+          <a:lnRef idx="2">
+            <a:schemeClr val="accent1">
+              <a:shade val="15000"/>
+            </a:schemeClr>
           </a:lnRef>
-          <a:fillRef idx="0">
+          <a:fillRef idx="1">
             <a:schemeClr val="accent1"/>
           </a:fillRef>
           <a:effectRef idx="0">
             <a:schemeClr val="accent1"/>
           </a:effectRef>
           <a:fontRef idx="minor">
-            <a:schemeClr val="tx1"/>
+            <a:schemeClr val="lt1"/>
           </a:fontRef>
         </p:style>
-      </p:cxnSp>
-      <p:cxnSp>
-        <p:nvCxnSpPr>
-          <p:cNvPr id="88" name="Straight Connector 87">
-            <a:extLst>
-              <a:ext uri="{FF2B5EF4-FFF2-40B4-BE49-F238E27FC236}">
-                <a16:creationId xmlns:a16="http://schemas.microsoft.com/office/drawing/2014/main" id="{F193DA99-41A0-13B7-EEF6-067D14BE63E7}"/>
-              </a:ext>
-            </a:extLst>
-          </p:cNvPr>
-          <p:cNvCxnSpPr>
-            <a:cxnSpLocks/>
-          </p:cNvCxnSpPr>
-          <p:nvPr/>
-        </p:nvCxnSpPr>
-        <p:spPr>
-          <a:xfrm>
-            <a:off x="3847991" y="4715256"/>
-            <a:ext cx="0" cy="713232"/>
-          </a:xfrm>
-          <a:prstGeom prst="line">
+        <p:txBody>
+          <a:bodyPr rtlCol="0" anchor="ctr"/>
+          <a:lstStyle/>
+          <a:p>
+            <a:pPr algn="ctr"/>
+            <a:endParaRPr lang="en-US"/>
+          </a:p>
+        </p:txBody>
+      </p:sp>
+      <p:sp>
+        <p:nvSpPr>
+          <p:cNvPr id="109" name="TextBox 108">
+            <a:extLst>
+              <a:ext uri="{FF2B5EF4-FFF2-40B4-BE49-F238E27FC236}">
+                <a16:creationId xmlns:a16="http://schemas.microsoft.com/office/drawing/2014/main" id="{C8C08D7F-9E39-FD12-BA16-59B18DCBCBBC}"/>
+              </a:ext>
+            </a:extLst>
+          </p:cNvPr>
+          <p:cNvSpPr txBox="1"/>
+          <p:nvPr/>
+        </p:nvSpPr>
+        <p:spPr>
+          <a:xfrm>
+            <a:off x="-6442" y="1019591"/>
+            <a:ext cx="301686" cy="369332"/>
+          </a:xfrm>
+          <a:prstGeom prst="rect">
             <a:avLst/>
           </a:prstGeom>
+          <a:noFill/>
+          <a:ln>
+            <a:noFill/>
+          </a:ln>
+        </p:spPr>
+        <p:txBody>
+          <a:bodyPr wrap="none" rtlCol="0">
+            <a:spAutoFit/>
+          </a:bodyPr>
+          <a:lstStyle/>
+          <a:p>
+            <a:r>
+              <a:rPr lang="en-US" b="1" dirty="0"/>
+              <a:t>1</a:t>
+            </a:r>
+          </a:p>
+        </p:txBody>
+      </p:sp>
+      <p:sp>
+        <p:nvSpPr>
+          <p:cNvPr id="112" name="TextBox 111">
+            <a:extLst>
+              <a:ext uri="{FF2B5EF4-FFF2-40B4-BE49-F238E27FC236}">
+                <a16:creationId xmlns:a16="http://schemas.microsoft.com/office/drawing/2014/main" id="{5A7CB389-B935-AF70-6337-6663A13ECFFD}"/>
+              </a:ext>
+            </a:extLst>
+          </p:cNvPr>
+          <p:cNvSpPr txBox="1"/>
+          <p:nvPr/>
+        </p:nvSpPr>
+        <p:spPr>
+          <a:xfrm>
+            <a:off x="-6442" y="1690150"/>
+            <a:ext cx="301686" cy="369332"/>
+          </a:xfrm>
+          <a:prstGeom prst="rect">
+            <a:avLst/>
+          </a:prstGeom>
+          <a:noFill/>
+          <a:ln>
+            <a:noFill/>
+          </a:ln>
+        </p:spPr>
+        <p:txBody>
+          <a:bodyPr wrap="none" rtlCol="0">
+            <a:spAutoFit/>
+          </a:bodyPr>
+          <a:lstStyle/>
+          <a:p>
+            <a:r>
+              <a:rPr lang="en-US" b="1" dirty="0"/>
+              <a:t>2</a:t>
+            </a:r>
+          </a:p>
+        </p:txBody>
+      </p:sp>
+      <p:sp>
+        <p:nvSpPr>
+          <p:cNvPr id="115" name="TextBox 114">
+            <a:extLst>
+              <a:ext uri="{FF2B5EF4-FFF2-40B4-BE49-F238E27FC236}">
+                <a16:creationId xmlns:a16="http://schemas.microsoft.com/office/drawing/2014/main" id="{6722E463-EA31-386D-9EC7-633367F3B088}"/>
+              </a:ext>
+            </a:extLst>
+          </p:cNvPr>
+          <p:cNvSpPr txBox="1"/>
+          <p:nvPr/>
+        </p:nvSpPr>
+        <p:spPr>
+          <a:xfrm>
+            <a:off x="-6442" y="2662858"/>
+            <a:ext cx="301686" cy="369332"/>
+          </a:xfrm>
+          <a:prstGeom prst="rect">
+            <a:avLst/>
+          </a:prstGeom>
+          <a:noFill/>
+          <a:ln>
+            <a:noFill/>
+          </a:ln>
+        </p:spPr>
+        <p:txBody>
+          <a:bodyPr wrap="none" rtlCol="0">
+            <a:spAutoFit/>
+          </a:bodyPr>
+          <a:lstStyle/>
+          <a:p>
+            <a:r>
+              <a:rPr lang="en-US" b="1" dirty="0"/>
+              <a:t>3</a:t>
+            </a:r>
+          </a:p>
+        </p:txBody>
+      </p:sp>
+      <p:sp>
+        <p:nvSpPr>
+          <p:cNvPr id="118" name="TextBox 117">
+            <a:extLst>
+              <a:ext uri="{FF2B5EF4-FFF2-40B4-BE49-F238E27FC236}">
+                <a16:creationId xmlns:a16="http://schemas.microsoft.com/office/drawing/2014/main" id="{DA1BA7BA-644E-E59A-9697-12FC2A482A70}"/>
+              </a:ext>
+            </a:extLst>
+          </p:cNvPr>
+          <p:cNvSpPr txBox="1"/>
+          <p:nvPr/>
+        </p:nvSpPr>
+        <p:spPr>
+          <a:xfrm>
+            <a:off x="-6442" y="3932480"/>
+            <a:ext cx="301686" cy="369332"/>
+          </a:xfrm>
+          <a:prstGeom prst="rect">
+            <a:avLst/>
+          </a:prstGeom>
+          <a:noFill/>
+          <a:ln>
+            <a:noFill/>
+          </a:ln>
+        </p:spPr>
+        <p:txBody>
+          <a:bodyPr wrap="none" rtlCol="0">
+            <a:spAutoFit/>
+          </a:bodyPr>
+          <a:lstStyle/>
+          <a:p>
+            <a:r>
+              <a:rPr lang="en-US" b="1" dirty="0"/>
+              <a:t>4</a:t>
+            </a:r>
+          </a:p>
+        </p:txBody>
+      </p:sp>
+      <p:sp>
+        <p:nvSpPr>
+          <p:cNvPr id="121" name="TextBox 120">
+            <a:extLst>
+              <a:ext uri="{FF2B5EF4-FFF2-40B4-BE49-F238E27FC236}">
+                <a16:creationId xmlns:a16="http://schemas.microsoft.com/office/drawing/2014/main" id="{89984BFD-5037-3E8B-E69F-088F422254C7}"/>
+              </a:ext>
+            </a:extLst>
+          </p:cNvPr>
+          <p:cNvSpPr txBox="1"/>
+          <p:nvPr/>
+        </p:nvSpPr>
+        <p:spPr>
+          <a:xfrm>
+            <a:off x="-6442" y="5030757"/>
+            <a:ext cx="301686" cy="369332"/>
+          </a:xfrm>
+          <a:prstGeom prst="rect">
+            <a:avLst/>
+          </a:prstGeom>
+          <a:noFill/>
+          <a:ln>
+            <a:noFill/>
+          </a:ln>
+        </p:spPr>
+        <p:txBody>
+          <a:bodyPr wrap="none" rtlCol="0">
+            <a:spAutoFit/>
+          </a:bodyPr>
+          <a:lstStyle/>
+          <a:p>
+            <a:r>
+              <a:rPr lang="en-US" b="1" dirty="0"/>
+              <a:t>5</a:t>
+            </a:r>
+          </a:p>
+        </p:txBody>
+      </p:sp>
+      <p:sp>
+        <p:nvSpPr>
+          <p:cNvPr id="124" name="TextBox 123">
+            <a:extLst>
+              <a:ext uri="{FF2B5EF4-FFF2-40B4-BE49-F238E27FC236}">
+                <a16:creationId xmlns:a16="http://schemas.microsoft.com/office/drawing/2014/main" id="{2D729A3F-E07C-480B-7497-64B79B4E04F2}"/>
+              </a:ext>
+            </a:extLst>
+          </p:cNvPr>
+          <p:cNvSpPr txBox="1"/>
+          <p:nvPr/>
+        </p:nvSpPr>
+        <p:spPr>
+          <a:xfrm>
+            <a:off x="-6442" y="5878953"/>
+            <a:ext cx="301686" cy="369332"/>
+          </a:xfrm>
+          <a:prstGeom prst="rect">
+            <a:avLst/>
+          </a:prstGeom>
+          <a:noFill/>
+          <a:ln>
+            <a:noFill/>
+          </a:ln>
+        </p:spPr>
+        <p:txBody>
+          <a:bodyPr wrap="none" rtlCol="0">
+            <a:spAutoFit/>
+          </a:bodyPr>
+          <a:lstStyle/>
+          <a:p>
+            <a:r>
+              <a:rPr lang="en-US" b="1" dirty="0"/>
+              <a:t>6</a:t>
+            </a:r>
+          </a:p>
+        </p:txBody>
+      </p:sp>
+      <p:sp>
+        <p:nvSpPr>
+          <p:cNvPr id="194" name="Rectangle 193">
+            <a:extLst>
+              <a:ext uri="{FF2B5EF4-FFF2-40B4-BE49-F238E27FC236}">
+                <a16:creationId xmlns:a16="http://schemas.microsoft.com/office/drawing/2014/main" id="{63848BB3-1B21-B532-2503-384605509331}"/>
+              </a:ext>
+            </a:extLst>
+          </p:cNvPr>
+          <p:cNvSpPr/>
+          <p:nvPr/>
+        </p:nvSpPr>
+        <p:spPr>
+          <a:xfrm>
+            <a:off x="1655806" y="1217934"/>
+            <a:ext cx="250121" cy="263962"/>
+          </a:xfrm>
+          <a:prstGeom prst="rect">
+            <a:avLst/>
+          </a:prstGeom>
+          <a:solidFill>
+            <a:schemeClr val="accent6">
+              <a:lumMod val="20000"/>
+              <a:lumOff val="80000"/>
+            </a:schemeClr>
+          </a:solidFill>
           <a:ln>
             <a:solidFill>
-              <a:schemeClr val="bg1">
-                <a:lumMod val="85000"/>
-              </a:schemeClr>
+              <a:schemeClr val="tx1"/>
             </a:solidFill>
           </a:ln>
         </p:spPr>
         <p:style>
-          <a:lnRef idx="1">
-            <a:schemeClr val="accent1"/>
+          <a:lnRef idx="2">
+            <a:schemeClr val="accent1">
+              <a:shade val="15000"/>
+            </a:schemeClr>
           </a:lnRef>
-          <a:fillRef idx="0">
+          <a:fillRef idx="1">
             <a:schemeClr val="accent1"/>
           </a:fillRef>
           <a:effectRef idx="0">
             <a:schemeClr val="accent1"/>
           </a:effectRef>
           <a:fontRef idx="minor">
-            <a:schemeClr val="tx1"/>
+            <a:schemeClr val="lt1"/>
           </a:fontRef>
         </p:style>
-      </p:cxnSp>
+        <p:txBody>
+          <a:bodyPr rtlCol="0" anchor="ctr"/>
+          <a:lstStyle/>
+          <a:p>
+            <a:pPr algn="ctr"/>
+            <a:endParaRPr lang="en-US"/>
+          </a:p>
+        </p:txBody>
+      </p:sp>
+      <p:sp>
+        <p:nvSpPr>
+          <p:cNvPr id="197" name="Rectangle 196">
+            <a:extLst>
+              <a:ext uri="{FF2B5EF4-FFF2-40B4-BE49-F238E27FC236}">
+                <a16:creationId xmlns:a16="http://schemas.microsoft.com/office/drawing/2014/main" id="{4E5DA283-B938-95D2-F6D1-EE321C41C80A}"/>
+              </a:ext>
+            </a:extLst>
+          </p:cNvPr>
+          <p:cNvSpPr/>
+          <p:nvPr/>
+        </p:nvSpPr>
+        <p:spPr>
+          <a:xfrm>
+            <a:off x="1655806" y="2015493"/>
+            <a:ext cx="250121" cy="263962"/>
+          </a:xfrm>
+          <a:prstGeom prst="rect">
+            <a:avLst/>
+          </a:prstGeom>
+          <a:solidFill>
+            <a:schemeClr val="accent6">
+              <a:lumMod val="20000"/>
+              <a:lumOff val="80000"/>
+            </a:schemeClr>
+          </a:solidFill>
+          <a:ln>
+            <a:solidFill>
+              <a:schemeClr val="tx1"/>
+            </a:solidFill>
+          </a:ln>
+        </p:spPr>
+        <p:style>
+          <a:lnRef idx="2">
+            <a:schemeClr val="accent1">
+              <a:shade val="15000"/>
+            </a:schemeClr>
+          </a:lnRef>
+          <a:fillRef idx="1">
+            <a:schemeClr val="accent1"/>
+          </a:fillRef>
+          <a:effectRef idx="0">
+            <a:schemeClr val="accent1"/>
+          </a:effectRef>
+          <a:fontRef idx="minor">
+            <a:schemeClr val="lt1"/>
+          </a:fontRef>
+        </p:style>
+        <p:txBody>
+          <a:bodyPr rtlCol="0" anchor="ctr"/>
+          <a:lstStyle/>
+          <a:p>
+            <a:pPr algn="ctr"/>
+            <a:endParaRPr lang="en-US"/>
+          </a:p>
+        </p:txBody>
+      </p:sp>
+      <p:sp>
+        <p:nvSpPr>
+          <p:cNvPr id="200" name="Rectangle 199">
+            <a:extLst>
+              <a:ext uri="{FF2B5EF4-FFF2-40B4-BE49-F238E27FC236}">
+                <a16:creationId xmlns:a16="http://schemas.microsoft.com/office/drawing/2014/main" id="{1BA8AA13-9FCB-ABDE-68F3-2E60589FC3E3}"/>
+              </a:ext>
+            </a:extLst>
+          </p:cNvPr>
+          <p:cNvSpPr/>
+          <p:nvPr/>
+        </p:nvSpPr>
+        <p:spPr>
+          <a:xfrm>
+            <a:off x="1655806" y="3102501"/>
+            <a:ext cx="250121" cy="263962"/>
+          </a:xfrm>
+          <a:prstGeom prst="rect">
+            <a:avLst/>
+          </a:prstGeom>
+          <a:solidFill>
+            <a:schemeClr val="accent6">
+              <a:lumMod val="20000"/>
+              <a:lumOff val="80000"/>
+            </a:schemeClr>
+          </a:solidFill>
+          <a:ln>
+            <a:solidFill>
+              <a:schemeClr val="tx1"/>
+            </a:solidFill>
+          </a:ln>
+        </p:spPr>
+        <p:style>
+          <a:lnRef idx="2">
+            <a:schemeClr val="accent1">
+              <a:shade val="15000"/>
+            </a:schemeClr>
+          </a:lnRef>
+          <a:fillRef idx="1">
+            <a:schemeClr val="accent1"/>
+          </a:fillRef>
+          <a:effectRef idx="0">
+            <a:schemeClr val="accent1"/>
+          </a:effectRef>
+          <a:fontRef idx="minor">
+            <a:schemeClr val="lt1"/>
+          </a:fontRef>
+        </p:style>
+        <p:txBody>
+          <a:bodyPr rtlCol="0" anchor="ctr"/>
+          <a:lstStyle/>
+          <a:p>
+            <a:pPr algn="ctr"/>
+            <a:endParaRPr lang="en-US"/>
+          </a:p>
+        </p:txBody>
+      </p:sp>
+      <p:sp>
+        <p:nvSpPr>
+          <p:cNvPr id="203" name="Rectangle 202">
+            <a:extLst>
+              <a:ext uri="{FF2B5EF4-FFF2-40B4-BE49-F238E27FC236}">
+                <a16:creationId xmlns:a16="http://schemas.microsoft.com/office/drawing/2014/main" id="{0870F3B1-9B2A-7076-3A8C-3095F62DC191}"/>
+              </a:ext>
+            </a:extLst>
+          </p:cNvPr>
+          <p:cNvSpPr/>
+          <p:nvPr/>
+        </p:nvSpPr>
+        <p:spPr>
+          <a:xfrm>
+            <a:off x="1655806" y="3965723"/>
+            <a:ext cx="250121" cy="263962"/>
+          </a:xfrm>
+          <a:prstGeom prst="rect">
+            <a:avLst/>
+          </a:prstGeom>
+          <a:solidFill>
+            <a:schemeClr val="accent6">
+              <a:lumMod val="20000"/>
+              <a:lumOff val="80000"/>
+            </a:schemeClr>
+          </a:solidFill>
+          <a:ln>
+            <a:solidFill>
+              <a:schemeClr val="tx1"/>
+            </a:solidFill>
+          </a:ln>
+        </p:spPr>
+        <p:style>
+          <a:lnRef idx="2">
+            <a:schemeClr val="accent1">
+              <a:shade val="15000"/>
+            </a:schemeClr>
+          </a:lnRef>
+          <a:fillRef idx="1">
+            <a:schemeClr val="accent1"/>
+          </a:fillRef>
+          <a:effectRef idx="0">
+            <a:schemeClr val="accent1"/>
+          </a:effectRef>
+          <a:fontRef idx="minor">
+            <a:schemeClr val="lt1"/>
+          </a:fontRef>
+        </p:style>
+        <p:txBody>
+          <a:bodyPr rtlCol="0" anchor="ctr"/>
+          <a:lstStyle/>
+          <a:p>
+            <a:pPr algn="ctr"/>
+            <a:endParaRPr lang="en-US"/>
+          </a:p>
+        </p:txBody>
+      </p:sp>
+      <p:sp>
+        <p:nvSpPr>
+          <p:cNvPr id="206" name="Rectangle 205">
+            <a:extLst>
+              <a:ext uri="{FF2B5EF4-FFF2-40B4-BE49-F238E27FC236}">
+                <a16:creationId xmlns:a16="http://schemas.microsoft.com/office/drawing/2014/main" id="{B6B852E0-1017-433E-644B-B837B4B7DA3C}"/>
+              </a:ext>
+            </a:extLst>
+          </p:cNvPr>
+          <p:cNvSpPr/>
+          <p:nvPr/>
+        </p:nvSpPr>
+        <p:spPr>
+          <a:xfrm>
+            <a:off x="1655806" y="4918146"/>
+            <a:ext cx="250121" cy="263962"/>
+          </a:xfrm>
+          <a:prstGeom prst="rect">
+            <a:avLst/>
+          </a:prstGeom>
+          <a:solidFill>
+            <a:schemeClr val="accent6">
+              <a:lumMod val="20000"/>
+              <a:lumOff val="80000"/>
+            </a:schemeClr>
+          </a:solidFill>
+          <a:ln>
+            <a:solidFill>
+              <a:schemeClr val="tx1"/>
+            </a:solidFill>
+          </a:ln>
+        </p:spPr>
+        <p:style>
+          <a:lnRef idx="2">
+            <a:schemeClr val="accent1">
+              <a:shade val="15000"/>
+            </a:schemeClr>
+          </a:lnRef>
+          <a:fillRef idx="1">
+            <a:schemeClr val="accent1"/>
+          </a:fillRef>
+          <a:effectRef idx="0">
+            <a:schemeClr val="accent1"/>
+          </a:effectRef>
+          <a:fontRef idx="minor">
+            <a:schemeClr val="lt1"/>
+          </a:fontRef>
+        </p:style>
+        <p:txBody>
+          <a:bodyPr rtlCol="0" anchor="ctr"/>
+          <a:lstStyle/>
+          <a:p>
+            <a:pPr algn="ctr"/>
+            <a:endParaRPr lang="en-US"/>
+          </a:p>
+        </p:txBody>
+      </p:sp>
+      <p:sp>
+        <p:nvSpPr>
+          <p:cNvPr id="209" name="Rectangle 208">
+            <a:extLst>
+              <a:ext uri="{FF2B5EF4-FFF2-40B4-BE49-F238E27FC236}">
+                <a16:creationId xmlns:a16="http://schemas.microsoft.com/office/drawing/2014/main" id="{9DA259B4-0986-5B58-F235-8A49F108E680}"/>
+              </a:ext>
+            </a:extLst>
+          </p:cNvPr>
+          <p:cNvSpPr/>
+          <p:nvPr/>
+        </p:nvSpPr>
+        <p:spPr>
+          <a:xfrm>
+            <a:off x="1655806" y="6001096"/>
+            <a:ext cx="250121" cy="263962"/>
+          </a:xfrm>
+          <a:prstGeom prst="rect">
+            <a:avLst/>
+          </a:prstGeom>
+          <a:solidFill>
+            <a:schemeClr val="accent6">
+              <a:lumMod val="20000"/>
+              <a:lumOff val="80000"/>
+            </a:schemeClr>
+          </a:solidFill>
+          <a:ln>
+            <a:solidFill>
+              <a:schemeClr val="tx1"/>
+            </a:solidFill>
+          </a:ln>
+        </p:spPr>
+        <p:style>
+          <a:lnRef idx="2">
+            <a:schemeClr val="accent1">
+              <a:shade val="15000"/>
+            </a:schemeClr>
+          </a:lnRef>
+          <a:fillRef idx="1">
+            <a:schemeClr val="accent1"/>
+          </a:fillRef>
+          <a:effectRef idx="0">
+            <a:schemeClr val="accent1"/>
+          </a:effectRef>
+          <a:fontRef idx="minor">
+            <a:schemeClr val="lt1"/>
+          </a:fontRef>
+        </p:style>
+        <p:txBody>
+          <a:bodyPr rtlCol="0" anchor="ctr"/>
+          <a:lstStyle/>
+          <a:p>
+            <a:pPr algn="ctr"/>
+            <a:endParaRPr lang="en-US"/>
+          </a:p>
+        </p:txBody>
+      </p:sp>
+      <p:sp>
+        <p:nvSpPr>
+          <p:cNvPr id="195" name="TextBox 194">
+            <a:extLst>
+              <a:ext uri="{FF2B5EF4-FFF2-40B4-BE49-F238E27FC236}">
+                <a16:creationId xmlns:a16="http://schemas.microsoft.com/office/drawing/2014/main" id="{3CCE9C6A-7570-6DE8-0530-1AF3CFBEC887}"/>
+              </a:ext>
+            </a:extLst>
+          </p:cNvPr>
+          <p:cNvSpPr txBox="1"/>
+          <p:nvPr/>
+        </p:nvSpPr>
+        <p:spPr>
+          <a:xfrm>
+            <a:off x="1630023" y="1165007"/>
+            <a:ext cx="301686" cy="369332"/>
+          </a:xfrm>
+          <a:prstGeom prst="rect">
+            <a:avLst/>
+          </a:prstGeom>
+          <a:noFill/>
+          <a:ln>
+            <a:noFill/>
+          </a:ln>
+        </p:spPr>
+        <p:txBody>
+          <a:bodyPr wrap="none" rtlCol="0">
+            <a:spAutoFit/>
+          </a:bodyPr>
+          <a:lstStyle/>
+          <a:p>
+            <a:r>
+              <a:rPr lang="en-US" b="1" dirty="0"/>
+              <a:t>7</a:t>
+            </a:r>
+          </a:p>
+        </p:txBody>
+      </p:sp>
+      <p:sp>
+        <p:nvSpPr>
+          <p:cNvPr id="198" name="TextBox 197">
+            <a:extLst>
+              <a:ext uri="{FF2B5EF4-FFF2-40B4-BE49-F238E27FC236}">
+                <a16:creationId xmlns:a16="http://schemas.microsoft.com/office/drawing/2014/main" id="{BE2E07F5-14A0-3979-DABC-446AC7672F3B}"/>
+              </a:ext>
+            </a:extLst>
+          </p:cNvPr>
+          <p:cNvSpPr txBox="1"/>
+          <p:nvPr/>
+        </p:nvSpPr>
+        <p:spPr>
+          <a:xfrm>
+            <a:off x="1630023" y="1962566"/>
+            <a:ext cx="301686" cy="369332"/>
+          </a:xfrm>
+          <a:prstGeom prst="rect">
+            <a:avLst/>
+          </a:prstGeom>
+          <a:noFill/>
+          <a:ln>
+            <a:noFill/>
+          </a:ln>
+        </p:spPr>
+        <p:txBody>
+          <a:bodyPr wrap="none" rtlCol="0">
+            <a:spAutoFit/>
+          </a:bodyPr>
+          <a:lstStyle/>
+          <a:p>
+            <a:r>
+              <a:rPr lang="en-US" b="1" dirty="0"/>
+              <a:t>8</a:t>
+            </a:r>
+          </a:p>
+        </p:txBody>
+      </p:sp>
+      <p:sp>
+        <p:nvSpPr>
+          <p:cNvPr id="201" name="TextBox 200">
+            <a:extLst>
+              <a:ext uri="{FF2B5EF4-FFF2-40B4-BE49-F238E27FC236}">
+                <a16:creationId xmlns:a16="http://schemas.microsoft.com/office/drawing/2014/main" id="{42546DE7-AB00-705A-981D-A9BCEF981FF4}"/>
+              </a:ext>
+            </a:extLst>
+          </p:cNvPr>
+          <p:cNvSpPr txBox="1"/>
+          <p:nvPr/>
+        </p:nvSpPr>
+        <p:spPr>
+          <a:xfrm>
+            <a:off x="1630023" y="3049574"/>
+            <a:ext cx="301686" cy="369332"/>
+          </a:xfrm>
+          <a:prstGeom prst="rect">
+            <a:avLst/>
+          </a:prstGeom>
+          <a:noFill/>
+          <a:ln>
+            <a:noFill/>
+          </a:ln>
+        </p:spPr>
+        <p:txBody>
+          <a:bodyPr wrap="none" rtlCol="0">
+            <a:spAutoFit/>
+          </a:bodyPr>
+          <a:lstStyle/>
+          <a:p>
+            <a:r>
+              <a:rPr lang="en-US" b="1" dirty="0"/>
+              <a:t>9</a:t>
+            </a:r>
+          </a:p>
+        </p:txBody>
+      </p:sp>
+      <p:sp>
+        <p:nvSpPr>
+          <p:cNvPr id="204" name="TextBox 203">
+            <a:extLst>
+              <a:ext uri="{FF2B5EF4-FFF2-40B4-BE49-F238E27FC236}">
+                <a16:creationId xmlns:a16="http://schemas.microsoft.com/office/drawing/2014/main" id="{D6318A78-8CDF-F214-1E31-7E8A5AB80DD1}"/>
+              </a:ext>
+            </a:extLst>
+          </p:cNvPr>
+          <p:cNvSpPr txBox="1"/>
+          <p:nvPr/>
+        </p:nvSpPr>
+        <p:spPr>
+          <a:xfrm>
+            <a:off x="1571514" y="3917520"/>
+            <a:ext cx="418704" cy="369332"/>
+          </a:xfrm>
+          <a:prstGeom prst="rect">
+            <a:avLst/>
+          </a:prstGeom>
+          <a:noFill/>
+          <a:ln>
+            <a:noFill/>
+          </a:ln>
+        </p:spPr>
+        <p:txBody>
+          <a:bodyPr wrap="none" rtlCol="0">
+            <a:spAutoFit/>
+          </a:bodyPr>
+          <a:lstStyle/>
+          <a:p>
+            <a:r>
+              <a:rPr lang="en-US" b="1" dirty="0"/>
+              <a:t>10</a:t>
+            </a:r>
+          </a:p>
+        </p:txBody>
+      </p:sp>
+      <p:sp>
+        <p:nvSpPr>
+          <p:cNvPr id="207" name="TextBox 206">
+            <a:extLst>
+              <a:ext uri="{FF2B5EF4-FFF2-40B4-BE49-F238E27FC236}">
+                <a16:creationId xmlns:a16="http://schemas.microsoft.com/office/drawing/2014/main" id="{CD9327C1-FB58-7331-6299-23471A88D5E2}"/>
+              </a:ext>
+            </a:extLst>
+          </p:cNvPr>
+          <p:cNvSpPr txBox="1"/>
+          <p:nvPr/>
+        </p:nvSpPr>
+        <p:spPr>
+          <a:xfrm>
+            <a:off x="1571514" y="4859839"/>
+            <a:ext cx="418704" cy="369332"/>
+          </a:xfrm>
+          <a:prstGeom prst="rect">
+            <a:avLst/>
+          </a:prstGeom>
+          <a:noFill/>
+          <a:ln>
+            <a:noFill/>
+          </a:ln>
+        </p:spPr>
+        <p:txBody>
+          <a:bodyPr wrap="none" rtlCol="0">
+            <a:spAutoFit/>
+          </a:bodyPr>
+          <a:lstStyle/>
+          <a:p>
+            <a:r>
+              <a:rPr lang="en-US" b="1" dirty="0"/>
+              <a:t>11</a:t>
+            </a:r>
+          </a:p>
+        </p:txBody>
+      </p:sp>
+      <p:sp>
+        <p:nvSpPr>
+          <p:cNvPr id="210" name="TextBox 209">
+            <a:extLst>
+              <a:ext uri="{FF2B5EF4-FFF2-40B4-BE49-F238E27FC236}">
+                <a16:creationId xmlns:a16="http://schemas.microsoft.com/office/drawing/2014/main" id="{8F281781-6DF1-8CBA-F88A-5798EF27EFE7}"/>
+              </a:ext>
+            </a:extLst>
+          </p:cNvPr>
+          <p:cNvSpPr txBox="1"/>
+          <p:nvPr/>
+        </p:nvSpPr>
+        <p:spPr>
+          <a:xfrm>
+            <a:off x="1571514" y="5937777"/>
+            <a:ext cx="418704" cy="369332"/>
+          </a:xfrm>
+          <a:prstGeom prst="rect">
+            <a:avLst/>
+          </a:prstGeom>
+          <a:noFill/>
+          <a:ln>
+            <a:noFill/>
+          </a:ln>
+        </p:spPr>
+        <p:txBody>
+          <a:bodyPr wrap="none" rtlCol="0">
+            <a:spAutoFit/>
+          </a:bodyPr>
+          <a:lstStyle/>
+          <a:p>
+            <a:r>
+              <a:rPr lang="en-US" b="1" dirty="0"/>
+              <a:t>12</a:t>
+            </a:r>
+          </a:p>
+        </p:txBody>
+      </p:sp>
+      <p:sp>
+        <p:nvSpPr>
+          <p:cNvPr id="216" name="Rectangle 215">
+            <a:extLst>
+              <a:ext uri="{FF2B5EF4-FFF2-40B4-BE49-F238E27FC236}">
+                <a16:creationId xmlns:a16="http://schemas.microsoft.com/office/drawing/2014/main" id="{3E3F9CDF-0F34-9947-6594-D89095500F32}"/>
+              </a:ext>
+            </a:extLst>
+          </p:cNvPr>
+          <p:cNvSpPr/>
+          <p:nvPr/>
+        </p:nvSpPr>
+        <p:spPr>
+          <a:xfrm>
+            <a:off x="3780935" y="1674639"/>
+            <a:ext cx="4006705" cy="208234"/>
+          </a:xfrm>
+          <a:prstGeom prst="rect">
+            <a:avLst/>
+          </a:prstGeom>
+          <a:noFill/>
+          <a:ln>
+            <a:solidFill>
+              <a:srgbClr val="FFC000"/>
+            </a:solidFill>
+          </a:ln>
+        </p:spPr>
+        <p:style>
+          <a:lnRef idx="2">
+            <a:schemeClr val="accent1">
+              <a:shade val="15000"/>
+            </a:schemeClr>
+          </a:lnRef>
+          <a:fillRef idx="1">
+            <a:schemeClr val="accent1"/>
+          </a:fillRef>
+          <a:effectRef idx="0">
+            <a:schemeClr val="accent1"/>
+          </a:effectRef>
+          <a:fontRef idx="minor">
+            <a:schemeClr val="lt1"/>
+          </a:fontRef>
+        </p:style>
+        <p:txBody>
+          <a:bodyPr rtlCol="0" anchor="ctr"/>
+          <a:lstStyle/>
+          <a:p>
+            <a:pPr algn="ctr"/>
+            <a:endParaRPr lang="en-US"/>
+          </a:p>
+        </p:txBody>
+      </p:sp>
+      <p:sp>
+        <p:nvSpPr>
+          <p:cNvPr id="106" name="Rectangle 105">
+            <a:extLst>
+              <a:ext uri="{FF2B5EF4-FFF2-40B4-BE49-F238E27FC236}">
+                <a16:creationId xmlns:a16="http://schemas.microsoft.com/office/drawing/2014/main" id="{697DA9C3-4270-73DA-F608-F3A276CA658B}"/>
+              </a:ext>
+            </a:extLst>
+          </p:cNvPr>
+          <p:cNvSpPr/>
+          <p:nvPr/>
+        </p:nvSpPr>
+        <p:spPr>
+          <a:xfrm>
+            <a:off x="9520346" y="6228827"/>
+            <a:ext cx="2551002" cy="629173"/>
+          </a:xfrm>
+          <a:prstGeom prst="rect">
+            <a:avLst/>
+          </a:prstGeom>
+          <a:solidFill>
+            <a:schemeClr val="bg1"/>
+          </a:solidFill>
+          <a:ln>
+            <a:noFill/>
+          </a:ln>
+        </p:spPr>
+        <p:style>
+          <a:lnRef idx="2">
+            <a:schemeClr val="accent1">
+              <a:shade val="15000"/>
+            </a:schemeClr>
+          </a:lnRef>
+          <a:fillRef idx="1">
+            <a:schemeClr val="accent1"/>
+          </a:fillRef>
+          <a:effectRef idx="0">
+            <a:schemeClr val="accent1"/>
+          </a:effectRef>
+          <a:fontRef idx="minor">
+            <a:schemeClr val="lt1"/>
+          </a:fontRef>
+        </p:style>
+        <p:txBody>
+          <a:bodyPr rtlCol="0" anchor="ctr"/>
+          <a:lstStyle/>
+          <a:p>
+            <a:pPr algn="ctr"/>
+            <a:endParaRPr lang="en-US"/>
+          </a:p>
+        </p:txBody>
+      </p:sp>
       <p:cxnSp>
         <p:nvCxnSpPr>
-          <p:cNvPr id="89" name="Straight Connector 88">
-            <a:extLst>
-              <a:ext uri="{FF2B5EF4-FFF2-40B4-BE49-F238E27FC236}">
-                <a16:creationId xmlns:a16="http://schemas.microsoft.com/office/drawing/2014/main" id="{F8993D83-139C-AFFC-C591-AC55DDB0B5AE}"/>
+          <p:cNvPr id="74" name="Straight Connector 73">
+            <a:extLst>
+              <a:ext uri="{FF2B5EF4-FFF2-40B4-BE49-F238E27FC236}">
+                <a16:creationId xmlns:a16="http://schemas.microsoft.com/office/drawing/2014/main" id="{12CCE2E6-2F98-3302-0803-BF41DED24417}"/>
               </a:ext>
             </a:extLst>
           </p:cNvPr>
@@ -14492,8 +15862,8 @@
         </p:nvCxnSpPr>
         <p:spPr>
           <a:xfrm>
-            <a:off x="3854087" y="5983224"/>
-            <a:ext cx="0" cy="713232"/>
+            <a:off x="8103032" y="771023"/>
+            <a:ext cx="0" cy="6046551"/>
           </a:xfrm>
           <a:prstGeom prst="line">
             <a:avLst/>
@@ -14526,7 +15896,7 @@
           <p:cNvPr id="91" name="Straight Connector 90">
             <a:extLst>
               <a:ext uri="{FF2B5EF4-FFF2-40B4-BE49-F238E27FC236}">
-                <a16:creationId xmlns:a16="http://schemas.microsoft.com/office/drawing/2014/main" id="{03FA6CC1-F933-99A4-5AFF-B867D64536A6}"/>
+                <a16:creationId xmlns:a16="http://schemas.microsoft.com/office/drawing/2014/main" id="{55599707-7FE3-6C14-818B-385245204A2C}"/>
               </a:ext>
             </a:extLst>
           </p:cNvPr>
@@ -14537,7 +15907,7 @@
         </p:nvCxnSpPr>
         <p:spPr>
           <a:xfrm>
-            <a:off x="8323126" y="800716"/>
+            <a:off x="8202474" y="800716"/>
             <a:ext cx="0" cy="5995080"/>
           </a:xfrm>
           <a:prstGeom prst="line">
@@ -14571,7 +15941,7 @@
           <p:cNvPr id="93" name="Straight Connector 92">
             <a:extLst>
               <a:ext uri="{FF2B5EF4-FFF2-40B4-BE49-F238E27FC236}">
-                <a16:creationId xmlns:a16="http://schemas.microsoft.com/office/drawing/2014/main" id="{F4CA2038-B366-2867-77E2-A8E5C2B3929F}"/>
+                <a16:creationId xmlns:a16="http://schemas.microsoft.com/office/drawing/2014/main" id="{23870F56-EAB3-BD5B-F745-22C1A9CD450F}"/>
               </a:ext>
             </a:extLst>
           </p:cNvPr>
@@ -14582,7 +15952,7 @@
         </p:nvCxnSpPr>
         <p:spPr>
           <a:xfrm>
-            <a:off x="8397993" y="1406077"/>
+            <a:off x="8277341" y="1406077"/>
             <a:ext cx="0" cy="300608"/>
           </a:xfrm>
           <a:prstGeom prst="line">
@@ -14616,7 +15986,7 @@
           <p:cNvPr id="96" name="Straight Connector 95">
             <a:extLst>
               <a:ext uri="{FF2B5EF4-FFF2-40B4-BE49-F238E27FC236}">
-                <a16:creationId xmlns:a16="http://schemas.microsoft.com/office/drawing/2014/main" id="{F3722694-95D0-91CE-E5AF-CB190EC54BDA}"/>
+                <a16:creationId xmlns:a16="http://schemas.microsoft.com/office/drawing/2014/main" id="{00F05E92-5FFC-79E2-8A60-DBAB8B2C140B}"/>
               </a:ext>
             </a:extLst>
           </p:cNvPr>
@@ -14627,7 +15997,7 @@
         </p:nvCxnSpPr>
         <p:spPr>
           <a:xfrm>
-            <a:off x="8388468" y="2010914"/>
+            <a:off x="8267816" y="2010914"/>
             <a:ext cx="0" cy="901117"/>
           </a:xfrm>
           <a:prstGeom prst="line">
@@ -14661,7 +16031,7 @@
           <p:cNvPr id="99" name="Straight Connector 98">
             <a:extLst>
               <a:ext uri="{FF2B5EF4-FFF2-40B4-BE49-F238E27FC236}">
-                <a16:creationId xmlns:a16="http://schemas.microsoft.com/office/drawing/2014/main" id="{8A65A855-7D4B-39EA-2213-1DD00DEC2DED}"/>
+                <a16:creationId xmlns:a16="http://schemas.microsoft.com/office/drawing/2014/main" id="{3176FC86-D8C6-DE5C-8328-EDFA3B553F66}"/>
               </a:ext>
             </a:extLst>
           </p:cNvPr>
@@ -14672,7 +16042,7 @@
         </p:nvCxnSpPr>
         <p:spPr>
           <a:xfrm>
-            <a:off x="8409223" y="3439002"/>
+            <a:off x="8288571" y="3439002"/>
             <a:ext cx="0" cy="1297898"/>
           </a:xfrm>
           <a:prstGeom prst="line">
@@ -14706,7 +16076,7 @@
           <p:cNvPr id="101" name="Straight Connector 100">
             <a:extLst>
               <a:ext uri="{FF2B5EF4-FFF2-40B4-BE49-F238E27FC236}">
-                <a16:creationId xmlns:a16="http://schemas.microsoft.com/office/drawing/2014/main" id="{FF15C1DC-2492-A977-4B2B-7514B98409EB}"/>
+                <a16:creationId xmlns:a16="http://schemas.microsoft.com/office/drawing/2014/main" id="{C1F6D05A-F77E-539D-907F-8BDC810E0F37}"/>
               </a:ext>
             </a:extLst>
           </p:cNvPr>
@@ -14717,7 +16087,7 @@
         </p:nvCxnSpPr>
         <p:spPr>
           <a:xfrm>
-            <a:off x="8494948" y="3658077"/>
+            <a:off x="8374296" y="3658077"/>
             <a:ext cx="0" cy="894873"/>
           </a:xfrm>
           <a:prstGeom prst="line">
@@ -14751,7 +16121,7 @@
           <p:cNvPr id="103" name="Straight Connector 102">
             <a:extLst>
               <a:ext uri="{FF2B5EF4-FFF2-40B4-BE49-F238E27FC236}">
-                <a16:creationId xmlns:a16="http://schemas.microsoft.com/office/drawing/2014/main" id="{3217830D-BC55-A6FC-14BA-957701835186}"/>
+                <a16:creationId xmlns:a16="http://schemas.microsoft.com/office/drawing/2014/main" id="{57BC0AC7-7295-A4FC-8511-DAD324C830AC}"/>
               </a:ext>
             </a:extLst>
           </p:cNvPr>
@@ -14762,7 +16132,7 @@
         </p:nvCxnSpPr>
         <p:spPr>
           <a:xfrm>
-            <a:off x="8561623" y="3853340"/>
+            <a:off x="8440971" y="3853340"/>
             <a:ext cx="0" cy="699610"/>
           </a:xfrm>
           <a:prstGeom prst="line">
@@ -14796,7 +16166,7 @@
           <p:cNvPr id="105" name="Straight Connector 104">
             <a:extLst>
               <a:ext uri="{FF2B5EF4-FFF2-40B4-BE49-F238E27FC236}">
-                <a16:creationId xmlns:a16="http://schemas.microsoft.com/office/drawing/2014/main" id="{17987018-39C3-7AD5-C406-3746E9A1CABF}"/>
+                <a16:creationId xmlns:a16="http://schemas.microsoft.com/office/drawing/2014/main" id="{ADD3BEDA-7057-4976-C976-8BCB5C47CFBA}"/>
               </a:ext>
             </a:extLst>
           </p:cNvPr>
@@ -14807,7 +16177,7 @@
         </p:nvCxnSpPr>
         <p:spPr>
           <a:xfrm>
-            <a:off x="8405411" y="4981290"/>
+            <a:off x="8284759" y="4981290"/>
             <a:ext cx="0" cy="1297898"/>
           </a:xfrm>
           <a:prstGeom prst="line">
@@ -14841,7 +16211,7 @@
           <p:cNvPr id="67" name="Picture 66">
             <a:extLst>
               <a:ext uri="{FF2B5EF4-FFF2-40B4-BE49-F238E27FC236}">
-                <a16:creationId xmlns:a16="http://schemas.microsoft.com/office/drawing/2014/main" id="{621514D2-A4B0-9284-D367-873EBF8BCC0A}"/>
+                <a16:creationId xmlns:a16="http://schemas.microsoft.com/office/drawing/2014/main" id="{030B676A-E3F8-2D2F-ADF8-CF97D085D6D3}"/>
               </a:ext>
             </a:extLst>
           </p:cNvPr>
@@ -14851,7 +16221,7 @@
           <p:nvPr/>
         </p:nvPicPr>
         <p:blipFill rotWithShape="1">
-          <a:blip r:embed="rId4">
+          <a:blip r:embed="rId6">
             <a:clrChange>
               <a:clrFrom>
                 <a:srgbClr val="FFFFFF"/>
@@ -14868,7 +16238,7 @@
         </p:blipFill>
         <p:spPr>
           <a:xfrm>
-            <a:off x="8222594" y="744724"/>
+            <a:off x="8101942" y="744724"/>
             <a:ext cx="3934482" cy="6113276"/>
           </a:xfrm>
           <a:prstGeom prst="rect">
@@ -14878,10 +16248,10 @@
       </p:pic>
       <p:sp>
         <p:nvSpPr>
-          <p:cNvPr id="108" name="Rectangle 107">
-            <a:extLst>
-              <a:ext uri="{FF2B5EF4-FFF2-40B4-BE49-F238E27FC236}">
-                <a16:creationId xmlns:a16="http://schemas.microsoft.com/office/drawing/2014/main" id="{5387798E-ADF2-87E8-FCA0-7D4A2FE9FB14}"/>
+          <p:cNvPr id="218" name="Rectangle 217">
+            <a:extLst>
+              <a:ext uri="{FF2B5EF4-FFF2-40B4-BE49-F238E27FC236}">
+                <a16:creationId xmlns:a16="http://schemas.microsoft.com/office/drawing/2014/main" id="{D4C1C45A-F05E-E23E-4D76-E328F4A54DA6}"/>
               </a:ext>
             </a:extLst>
           </p:cNvPr>
@@ -14890,21 +16260,18 @@
         </p:nvSpPr>
         <p:spPr>
           <a:xfrm>
-            <a:off x="19341" y="1072518"/>
-            <a:ext cx="250121" cy="263962"/>
+            <a:off x="8743948" y="2997200"/>
+            <a:ext cx="1753665" cy="190500"/>
           </a:xfrm>
           <a:prstGeom prst="rect">
             <a:avLst/>
           </a:prstGeom>
           <a:solidFill>
-            <a:schemeClr val="accent6">
-              <a:lumMod val="20000"/>
-              <a:lumOff val="80000"/>
-            </a:schemeClr>
+            <a:schemeClr val="bg1"/>
           </a:solidFill>
           <a:ln>
             <a:solidFill>
-              <a:schemeClr val="tx1"/>
+              <a:srgbClr val="FFC000"/>
             </a:solidFill>
           </a:ln>
         </p:spPr>
@@ -14935,295 +16302,10 @@
       </p:sp>
       <p:sp>
         <p:nvSpPr>
-          <p:cNvPr id="111" name="Rectangle 110">
-            <a:extLst>
-              <a:ext uri="{FF2B5EF4-FFF2-40B4-BE49-F238E27FC236}">
-                <a16:creationId xmlns:a16="http://schemas.microsoft.com/office/drawing/2014/main" id="{FA397214-7DBB-9D58-01C0-91FABCDC78CE}"/>
-              </a:ext>
-            </a:extLst>
-          </p:cNvPr>
-          <p:cNvSpPr/>
-          <p:nvPr/>
-        </p:nvSpPr>
-        <p:spPr>
-          <a:xfrm>
-            <a:off x="19341" y="1743077"/>
-            <a:ext cx="250121" cy="263962"/>
-          </a:xfrm>
-          <a:prstGeom prst="rect">
-            <a:avLst/>
-          </a:prstGeom>
-          <a:solidFill>
-            <a:schemeClr val="accent6">
-              <a:lumMod val="20000"/>
-              <a:lumOff val="80000"/>
-            </a:schemeClr>
-          </a:solidFill>
-          <a:ln>
-            <a:solidFill>
-              <a:schemeClr val="tx1"/>
-            </a:solidFill>
-          </a:ln>
-        </p:spPr>
-        <p:style>
-          <a:lnRef idx="2">
-            <a:schemeClr val="accent1">
-              <a:shade val="15000"/>
-            </a:schemeClr>
-          </a:lnRef>
-          <a:fillRef idx="1">
-            <a:schemeClr val="accent1"/>
-          </a:fillRef>
-          <a:effectRef idx="0">
-            <a:schemeClr val="accent1"/>
-          </a:effectRef>
-          <a:fontRef idx="minor">
-            <a:schemeClr val="lt1"/>
-          </a:fontRef>
-        </p:style>
-        <p:txBody>
-          <a:bodyPr rtlCol="0" anchor="ctr"/>
-          <a:lstStyle/>
-          <a:p>
-            <a:pPr algn="ctr"/>
-            <a:endParaRPr lang="en-US"/>
-          </a:p>
-        </p:txBody>
-      </p:sp>
-      <p:sp>
-        <p:nvSpPr>
-          <p:cNvPr id="114" name="Rectangle 113">
-            <a:extLst>
-              <a:ext uri="{FF2B5EF4-FFF2-40B4-BE49-F238E27FC236}">
-                <a16:creationId xmlns:a16="http://schemas.microsoft.com/office/drawing/2014/main" id="{3031D57B-C71E-E702-1165-1D9F6868232B}"/>
-              </a:ext>
-            </a:extLst>
-          </p:cNvPr>
-          <p:cNvSpPr/>
-          <p:nvPr/>
-        </p:nvSpPr>
-        <p:spPr>
-          <a:xfrm>
-            <a:off x="19341" y="2715785"/>
-            <a:ext cx="250121" cy="263962"/>
-          </a:xfrm>
-          <a:prstGeom prst="rect">
-            <a:avLst/>
-          </a:prstGeom>
-          <a:solidFill>
-            <a:schemeClr val="accent6">
-              <a:lumMod val="20000"/>
-              <a:lumOff val="80000"/>
-            </a:schemeClr>
-          </a:solidFill>
-          <a:ln>
-            <a:solidFill>
-              <a:schemeClr val="tx1"/>
-            </a:solidFill>
-          </a:ln>
-        </p:spPr>
-        <p:style>
-          <a:lnRef idx="2">
-            <a:schemeClr val="accent1">
-              <a:shade val="15000"/>
-            </a:schemeClr>
-          </a:lnRef>
-          <a:fillRef idx="1">
-            <a:schemeClr val="accent1"/>
-          </a:fillRef>
-          <a:effectRef idx="0">
-            <a:schemeClr val="accent1"/>
-          </a:effectRef>
-          <a:fontRef idx="minor">
-            <a:schemeClr val="lt1"/>
-          </a:fontRef>
-        </p:style>
-        <p:txBody>
-          <a:bodyPr rtlCol="0" anchor="ctr"/>
-          <a:lstStyle/>
-          <a:p>
-            <a:pPr algn="ctr"/>
-            <a:endParaRPr lang="en-US"/>
-          </a:p>
-        </p:txBody>
-      </p:sp>
-      <p:sp>
-        <p:nvSpPr>
-          <p:cNvPr id="117" name="Rectangle 116">
-            <a:extLst>
-              <a:ext uri="{FF2B5EF4-FFF2-40B4-BE49-F238E27FC236}">
-                <a16:creationId xmlns:a16="http://schemas.microsoft.com/office/drawing/2014/main" id="{09CBEBB5-379A-1EA6-6C2C-688140DB72EE}"/>
-              </a:ext>
-            </a:extLst>
-          </p:cNvPr>
-          <p:cNvSpPr/>
-          <p:nvPr/>
-        </p:nvSpPr>
-        <p:spPr>
-          <a:xfrm>
-            <a:off x="19341" y="3985407"/>
-            <a:ext cx="250121" cy="263962"/>
-          </a:xfrm>
-          <a:prstGeom prst="rect">
-            <a:avLst/>
-          </a:prstGeom>
-          <a:solidFill>
-            <a:schemeClr val="accent6">
-              <a:lumMod val="20000"/>
-              <a:lumOff val="80000"/>
-            </a:schemeClr>
-          </a:solidFill>
-          <a:ln>
-            <a:solidFill>
-              <a:schemeClr val="tx1"/>
-            </a:solidFill>
-          </a:ln>
-        </p:spPr>
-        <p:style>
-          <a:lnRef idx="2">
-            <a:schemeClr val="accent1">
-              <a:shade val="15000"/>
-            </a:schemeClr>
-          </a:lnRef>
-          <a:fillRef idx="1">
-            <a:schemeClr val="accent1"/>
-          </a:fillRef>
-          <a:effectRef idx="0">
-            <a:schemeClr val="accent1"/>
-          </a:effectRef>
-          <a:fontRef idx="minor">
-            <a:schemeClr val="lt1"/>
-          </a:fontRef>
-        </p:style>
-        <p:txBody>
-          <a:bodyPr rtlCol="0" anchor="ctr"/>
-          <a:lstStyle/>
-          <a:p>
-            <a:pPr algn="ctr"/>
-            <a:endParaRPr lang="en-US"/>
-          </a:p>
-        </p:txBody>
-      </p:sp>
-      <p:sp>
-        <p:nvSpPr>
-          <p:cNvPr id="120" name="Rectangle 119">
-            <a:extLst>
-              <a:ext uri="{FF2B5EF4-FFF2-40B4-BE49-F238E27FC236}">
-                <a16:creationId xmlns:a16="http://schemas.microsoft.com/office/drawing/2014/main" id="{B902F073-C553-A9F5-6BC4-5B016E591535}"/>
-              </a:ext>
-            </a:extLst>
-          </p:cNvPr>
-          <p:cNvSpPr/>
-          <p:nvPr/>
-        </p:nvSpPr>
-        <p:spPr>
-          <a:xfrm>
-            <a:off x="19341" y="5083684"/>
-            <a:ext cx="250121" cy="263962"/>
-          </a:xfrm>
-          <a:prstGeom prst="rect">
-            <a:avLst/>
-          </a:prstGeom>
-          <a:solidFill>
-            <a:schemeClr val="accent6">
-              <a:lumMod val="20000"/>
-              <a:lumOff val="80000"/>
-            </a:schemeClr>
-          </a:solidFill>
-          <a:ln>
-            <a:solidFill>
-              <a:schemeClr val="tx1"/>
-            </a:solidFill>
-          </a:ln>
-        </p:spPr>
-        <p:style>
-          <a:lnRef idx="2">
-            <a:schemeClr val="accent1">
-              <a:shade val="15000"/>
-            </a:schemeClr>
-          </a:lnRef>
-          <a:fillRef idx="1">
-            <a:schemeClr val="accent1"/>
-          </a:fillRef>
-          <a:effectRef idx="0">
-            <a:schemeClr val="accent1"/>
-          </a:effectRef>
-          <a:fontRef idx="minor">
-            <a:schemeClr val="lt1"/>
-          </a:fontRef>
-        </p:style>
-        <p:txBody>
-          <a:bodyPr rtlCol="0" anchor="ctr"/>
-          <a:lstStyle/>
-          <a:p>
-            <a:pPr algn="ctr"/>
-            <a:endParaRPr lang="en-US"/>
-          </a:p>
-        </p:txBody>
-      </p:sp>
-      <p:sp>
-        <p:nvSpPr>
-          <p:cNvPr id="123" name="Rectangle 122">
-            <a:extLst>
-              <a:ext uri="{FF2B5EF4-FFF2-40B4-BE49-F238E27FC236}">
-                <a16:creationId xmlns:a16="http://schemas.microsoft.com/office/drawing/2014/main" id="{C71A32CB-9483-B2FD-1BED-A000BB5A9EBE}"/>
-              </a:ext>
-            </a:extLst>
-          </p:cNvPr>
-          <p:cNvSpPr/>
-          <p:nvPr/>
-        </p:nvSpPr>
-        <p:spPr>
-          <a:xfrm>
-            <a:off x="19341" y="5931880"/>
-            <a:ext cx="250121" cy="263962"/>
-          </a:xfrm>
-          <a:prstGeom prst="rect">
-            <a:avLst/>
-          </a:prstGeom>
-          <a:solidFill>
-            <a:schemeClr val="accent6">
-              <a:lumMod val="20000"/>
-              <a:lumOff val="80000"/>
-            </a:schemeClr>
-          </a:solidFill>
-          <a:ln>
-            <a:solidFill>
-              <a:schemeClr val="tx1"/>
-            </a:solidFill>
-          </a:ln>
-        </p:spPr>
-        <p:style>
-          <a:lnRef idx="2">
-            <a:schemeClr val="accent1">
-              <a:shade val="15000"/>
-            </a:schemeClr>
-          </a:lnRef>
-          <a:fillRef idx="1">
-            <a:schemeClr val="accent1"/>
-          </a:fillRef>
-          <a:effectRef idx="0">
-            <a:schemeClr val="accent1"/>
-          </a:effectRef>
-          <a:fontRef idx="minor">
-            <a:schemeClr val="lt1"/>
-          </a:fontRef>
-        </p:style>
-        <p:txBody>
-          <a:bodyPr rtlCol="0" anchor="ctr"/>
-          <a:lstStyle/>
-          <a:p>
-            <a:pPr algn="ctr"/>
-            <a:endParaRPr lang="en-US"/>
-          </a:p>
-        </p:txBody>
-      </p:sp>
-      <p:sp>
-        <p:nvSpPr>
-          <p:cNvPr id="109" name="TextBox 108">
-            <a:extLst>
-              <a:ext uri="{FF2B5EF4-FFF2-40B4-BE49-F238E27FC236}">
-                <a16:creationId xmlns:a16="http://schemas.microsoft.com/office/drawing/2014/main" id="{9456AD36-9780-1622-C177-4C0D6217E578}"/>
+          <p:cNvPr id="217" name="TextBox 216">
+            <a:extLst>
+              <a:ext uri="{FF2B5EF4-FFF2-40B4-BE49-F238E27FC236}">
+                <a16:creationId xmlns:a16="http://schemas.microsoft.com/office/drawing/2014/main" id="{ACC32E31-C0D4-910B-6C63-505396967CB2}"/>
               </a:ext>
             </a:extLst>
           </p:cNvPr>
@@ -15232,958 +16314,33 @@
         </p:nvSpPr>
         <p:spPr>
           <a:xfrm>
-            <a:off x="-6442" y="1019591"/>
-            <a:ext cx="301686" cy="369332"/>
+            <a:off x="8759096" y="2959340"/>
+            <a:ext cx="1753665" cy="276999"/>
           </a:xfrm>
           <a:prstGeom prst="rect">
             <a:avLst/>
           </a:prstGeom>
           <a:noFill/>
-          <a:ln>
-            <a:noFill/>
-          </a:ln>
-        </p:spPr>
-        <p:txBody>
-          <a:bodyPr wrap="none" rtlCol="0">
+        </p:spPr>
+        <p:txBody>
+          <a:bodyPr wrap="square" rtlCol="0">
             <a:spAutoFit/>
           </a:bodyPr>
           <a:lstStyle/>
           <a:p>
             <a:r>
-              <a:rPr lang="en-US" b="1" dirty="0"/>
-              <a:t>1</a:t>
+              <a:rPr lang="en-US" sz="1200" dirty="0"/>
+              <a:t>Cell barcodes, metadata</a:t>
             </a:r>
           </a:p>
         </p:txBody>
       </p:sp>
-      <p:sp>
-        <p:nvSpPr>
-          <p:cNvPr id="112" name="TextBox 111">
-            <a:extLst>
-              <a:ext uri="{FF2B5EF4-FFF2-40B4-BE49-F238E27FC236}">
-                <a16:creationId xmlns:a16="http://schemas.microsoft.com/office/drawing/2014/main" id="{A9A73DD6-3488-568E-7051-1DC2C47CCB41}"/>
-              </a:ext>
-            </a:extLst>
-          </p:cNvPr>
-          <p:cNvSpPr txBox="1"/>
-          <p:nvPr/>
-        </p:nvSpPr>
-        <p:spPr>
-          <a:xfrm>
-            <a:off x="-6442" y="1690150"/>
-            <a:ext cx="301686" cy="369332"/>
-          </a:xfrm>
-          <a:prstGeom prst="rect">
-            <a:avLst/>
-          </a:prstGeom>
-          <a:noFill/>
-          <a:ln>
-            <a:noFill/>
-          </a:ln>
-        </p:spPr>
-        <p:txBody>
-          <a:bodyPr wrap="none" rtlCol="0">
-            <a:spAutoFit/>
-          </a:bodyPr>
-          <a:lstStyle/>
-          <a:p>
-            <a:r>
-              <a:rPr lang="en-US" b="1" dirty="0"/>
-              <a:t>2</a:t>
-            </a:r>
-          </a:p>
-        </p:txBody>
-      </p:sp>
-      <p:sp>
-        <p:nvSpPr>
-          <p:cNvPr id="115" name="TextBox 114">
-            <a:extLst>
-              <a:ext uri="{FF2B5EF4-FFF2-40B4-BE49-F238E27FC236}">
-                <a16:creationId xmlns:a16="http://schemas.microsoft.com/office/drawing/2014/main" id="{01C8AD3E-E7B1-3A76-3468-7500C827F229}"/>
-              </a:ext>
-            </a:extLst>
-          </p:cNvPr>
-          <p:cNvSpPr txBox="1"/>
-          <p:nvPr/>
-        </p:nvSpPr>
-        <p:spPr>
-          <a:xfrm>
-            <a:off x="-6442" y="2662858"/>
-            <a:ext cx="301686" cy="369332"/>
-          </a:xfrm>
-          <a:prstGeom prst="rect">
-            <a:avLst/>
-          </a:prstGeom>
-          <a:noFill/>
-          <a:ln>
-            <a:noFill/>
-          </a:ln>
-        </p:spPr>
-        <p:txBody>
-          <a:bodyPr wrap="none" rtlCol="0">
-            <a:spAutoFit/>
-          </a:bodyPr>
-          <a:lstStyle/>
-          <a:p>
-            <a:r>
-              <a:rPr lang="en-US" b="1" dirty="0"/>
-              <a:t>3</a:t>
-            </a:r>
-          </a:p>
-        </p:txBody>
-      </p:sp>
-      <p:sp>
-        <p:nvSpPr>
-          <p:cNvPr id="118" name="TextBox 117">
-            <a:extLst>
-              <a:ext uri="{FF2B5EF4-FFF2-40B4-BE49-F238E27FC236}">
-                <a16:creationId xmlns:a16="http://schemas.microsoft.com/office/drawing/2014/main" id="{84EED527-8D9F-5E52-49E8-1949352A1657}"/>
-              </a:ext>
-            </a:extLst>
-          </p:cNvPr>
-          <p:cNvSpPr txBox="1"/>
-          <p:nvPr/>
-        </p:nvSpPr>
-        <p:spPr>
-          <a:xfrm>
-            <a:off x="-6442" y="3932480"/>
-            <a:ext cx="301686" cy="369332"/>
-          </a:xfrm>
-          <a:prstGeom prst="rect">
-            <a:avLst/>
-          </a:prstGeom>
-          <a:noFill/>
-          <a:ln>
-            <a:noFill/>
-          </a:ln>
-        </p:spPr>
-        <p:txBody>
-          <a:bodyPr wrap="none" rtlCol="0">
-            <a:spAutoFit/>
-          </a:bodyPr>
-          <a:lstStyle/>
-          <a:p>
-            <a:r>
-              <a:rPr lang="en-US" b="1" dirty="0"/>
-              <a:t>4</a:t>
-            </a:r>
-          </a:p>
-        </p:txBody>
-      </p:sp>
-      <p:sp>
-        <p:nvSpPr>
-          <p:cNvPr id="121" name="TextBox 120">
-            <a:extLst>
-              <a:ext uri="{FF2B5EF4-FFF2-40B4-BE49-F238E27FC236}">
-                <a16:creationId xmlns:a16="http://schemas.microsoft.com/office/drawing/2014/main" id="{22524668-B3A5-3F67-4AC6-6250D7C3B65C}"/>
-              </a:ext>
-            </a:extLst>
-          </p:cNvPr>
-          <p:cNvSpPr txBox="1"/>
-          <p:nvPr/>
-        </p:nvSpPr>
-        <p:spPr>
-          <a:xfrm>
-            <a:off x="-6442" y="5030757"/>
-            <a:ext cx="301686" cy="369332"/>
-          </a:xfrm>
-          <a:prstGeom prst="rect">
-            <a:avLst/>
-          </a:prstGeom>
-          <a:noFill/>
-          <a:ln>
-            <a:noFill/>
-          </a:ln>
-        </p:spPr>
-        <p:txBody>
-          <a:bodyPr wrap="none" rtlCol="0">
-            <a:spAutoFit/>
-          </a:bodyPr>
-          <a:lstStyle/>
-          <a:p>
-            <a:r>
-              <a:rPr lang="en-US" b="1" dirty="0"/>
-              <a:t>5</a:t>
-            </a:r>
-          </a:p>
-        </p:txBody>
-      </p:sp>
-      <p:sp>
-        <p:nvSpPr>
-          <p:cNvPr id="124" name="TextBox 123">
-            <a:extLst>
-              <a:ext uri="{FF2B5EF4-FFF2-40B4-BE49-F238E27FC236}">
-                <a16:creationId xmlns:a16="http://schemas.microsoft.com/office/drawing/2014/main" id="{B471AD58-BB22-4C70-AEE5-FB8C645BCD3B}"/>
-              </a:ext>
-            </a:extLst>
-          </p:cNvPr>
-          <p:cNvSpPr txBox="1"/>
-          <p:nvPr/>
-        </p:nvSpPr>
-        <p:spPr>
-          <a:xfrm>
-            <a:off x="-6442" y="5878953"/>
-            <a:ext cx="301686" cy="369332"/>
-          </a:xfrm>
-          <a:prstGeom prst="rect">
-            <a:avLst/>
-          </a:prstGeom>
-          <a:noFill/>
-          <a:ln>
-            <a:noFill/>
-          </a:ln>
-        </p:spPr>
-        <p:txBody>
-          <a:bodyPr wrap="none" rtlCol="0">
-            <a:spAutoFit/>
-          </a:bodyPr>
-          <a:lstStyle/>
-          <a:p>
-            <a:r>
-              <a:rPr lang="en-US" b="1" dirty="0"/>
-              <a:t>6</a:t>
-            </a:r>
-          </a:p>
-        </p:txBody>
-      </p:sp>
-      <p:sp>
-        <p:nvSpPr>
-          <p:cNvPr id="194" name="Rectangle 193">
-            <a:extLst>
-              <a:ext uri="{FF2B5EF4-FFF2-40B4-BE49-F238E27FC236}">
-                <a16:creationId xmlns:a16="http://schemas.microsoft.com/office/drawing/2014/main" id="{A826500A-9B80-6D85-758D-8827A425266B}"/>
-              </a:ext>
-            </a:extLst>
-          </p:cNvPr>
-          <p:cNvSpPr/>
-          <p:nvPr/>
-        </p:nvSpPr>
-        <p:spPr>
-          <a:xfrm>
-            <a:off x="1655806" y="1217934"/>
-            <a:ext cx="250121" cy="263962"/>
-          </a:xfrm>
-          <a:prstGeom prst="rect">
-            <a:avLst/>
-          </a:prstGeom>
-          <a:solidFill>
-            <a:schemeClr val="accent6">
-              <a:lumMod val="20000"/>
-              <a:lumOff val="80000"/>
-            </a:schemeClr>
-          </a:solidFill>
-          <a:ln>
-            <a:solidFill>
-              <a:schemeClr val="tx1"/>
-            </a:solidFill>
-          </a:ln>
-        </p:spPr>
-        <p:style>
-          <a:lnRef idx="2">
-            <a:schemeClr val="accent1">
-              <a:shade val="15000"/>
-            </a:schemeClr>
-          </a:lnRef>
-          <a:fillRef idx="1">
-            <a:schemeClr val="accent1"/>
-          </a:fillRef>
-          <a:effectRef idx="0">
-            <a:schemeClr val="accent1"/>
-          </a:effectRef>
-          <a:fontRef idx="minor">
-            <a:schemeClr val="lt1"/>
-          </a:fontRef>
-        </p:style>
-        <p:txBody>
-          <a:bodyPr rtlCol="0" anchor="ctr"/>
-          <a:lstStyle/>
-          <a:p>
-            <a:pPr algn="ctr"/>
-            <a:endParaRPr lang="en-US"/>
-          </a:p>
-        </p:txBody>
-      </p:sp>
-      <p:sp>
-        <p:nvSpPr>
-          <p:cNvPr id="197" name="Rectangle 196">
-            <a:extLst>
-              <a:ext uri="{FF2B5EF4-FFF2-40B4-BE49-F238E27FC236}">
-                <a16:creationId xmlns:a16="http://schemas.microsoft.com/office/drawing/2014/main" id="{B1FDCFE8-FD37-CC1E-F582-0736D3241150}"/>
-              </a:ext>
-            </a:extLst>
-          </p:cNvPr>
-          <p:cNvSpPr/>
-          <p:nvPr/>
-        </p:nvSpPr>
-        <p:spPr>
-          <a:xfrm>
-            <a:off x="1655806" y="2015493"/>
-            <a:ext cx="250121" cy="263962"/>
-          </a:xfrm>
-          <a:prstGeom prst="rect">
-            <a:avLst/>
-          </a:prstGeom>
-          <a:solidFill>
-            <a:schemeClr val="accent6">
-              <a:lumMod val="20000"/>
-              <a:lumOff val="80000"/>
-            </a:schemeClr>
-          </a:solidFill>
-          <a:ln>
-            <a:solidFill>
-              <a:schemeClr val="tx1"/>
-            </a:solidFill>
-          </a:ln>
-        </p:spPr>
-        <p:style>
-          <a:lnRef idx="2">
-            <a:schemeClr val="accent1">
-              <a:shade val="15000"/>
-            </a:schemeClr>
-          </a:lnRef>
-          <a:fillRef idx="1">
-            <a:schemeClr val="accent1"/>
-          </a:fillRef>
-          <a:effectRef idx="0">
-            <a:schemeClr val="accent1"/>
-          </a:effectRef>
-          <a:fontRef idx="minor">
-            <a:schemeClr val="lt1"/>
-          </a:fontRef>
-        </p:style>
-        <p:txBody>
-          <a:bodyPr rtlCol="0" anchor="ctr"/>
-          <a:lstStyle/>
-          <a:p>
-            <a:pPr algn="ctr"/>
-            <a:endParaRPr lang="en-US"/>
-          </a:p>
-        </p:txBody>
-      </p:sp>
-      <p:sp>
-        <p:nvSpPr>
-          <p:cNvPr id="200" name="Rectangle 199">
-            <a:extLst>
-              <a:ext uri="{FF2B5EF4-FFF2-40B4-BE49-F238E27FC236}">
-                <a16:creationId xmlns:a16="http://schemas.microsoft.com/office/drawing/2014/main" id="{9CEA0D4F-08D3-1BE3-D2C6-8A1964CBDCED}"/>
-              </a:ext>
-            </a:extLst>
-          </p:cNvPr>
-          <p:cNvSpPr/>
-          <p:nvPr/>
-        </p:nvSpPr>
-        <p:spPr>
-          <a:xfrm>
-            <a:off x="1655806" y="3102501"/>
-            <a:ext cx="250121" cy="263962"/>
-          </a:xfrm>
-          <a:prstGeom prst="rect">
-            <a:avLst/>
-          </a:prstGeom>
-          <a:solidFill>
-            <a:schemeClr val="accent6">
-              <a:lumMod val="20000"/>
-              <a:lumOff val="80000"/>
-            </a:schemeClr>
-          </a:solidFill>
-          <a:ln>
-            <a:solidFill>
-              <a:schemeClr val="tx1"/>
-            </a:solidFill>
-          </a:ln>
-        </p:spPr>
-        <p:style>
-          <a:lnRef idx="2">
-            <a:schemeClr val="accent1">
-              <a:shade val="15000"/>
-            </a:schemeClr>
-          </a:lnRef>
-          <a:fillRef idx="1">
-            <a:schemeClr val="accent1"/>
-          </a:fillRef>
-          <a:effectRef idx="0">
-            <a:schemeClr val="accent1"/>
-          </a:effectRef>
-          <a:fontRef idx="minor">
-            <a:schemeClr val="lt1"/>
-          </a:fontRef>
-        </p:style>
-        <p:txBody>
-          <a:bodyPr rtlCol="0" anchor="ctr"/>
-          <a:lstStyle/>
-          <a:p>
-            <a:pPr algn="ctr"/>
-            <a:endParaRPr lang="en-US"/>
-          </a:p>
-        </p:txBody>
-      </p:sp>
-      <p:sp>
-        <p:nvSpPr>
-          <p:cNvPr id="203" name="Rectangle 202">
-            <a:extLst>
-              <a:ext uri="{FF2B5EF4-FFF2-40B4-BE49-F238E27FC236}">
-                <a16:creationId xmlns:a16="http://schemas.microsoft.com/office/drawing/2014/main" id="{DA5E9F3B-65E5-BC36-E5F7-CAEA988E2E82}"/>
-              </a:ext>
-            </a:extLst>
-          </p:cNvPr>
-          <p:cNvSpPr/>
-          <p:nvPr/>
-        </p:nvSpPr>
-        <p:spPr>
-          <a:xfrm>
-            <a:off x="1655806" y="3965723"/>
-            <a:ext cx="250121" cy="263962"/>
-          </a:xfrm>
-          <a:prstGeom prst="rect">
-            <a:avLst/>
-          </a:prstGeom>
-          <a:solidFill>
-            <a:schemeClr val="accent6">
-              <a:lumMod val="20000"/>
-              <a:lumOff val="80000"/>
-            </a:schemeClr>
-          </a:solidFill>
-          <a:ln>
-            <a:solidFill>
-              <a:schemeClr val="tx1"/>
-            </a:solidFill>
-          </a:ln>
-        </p:spPr>
-        <p:style>
-          <a:lnRef idx="2">
-            <a:schemeClr val="accent1">
-              <a:shade val="15000"/>
-            </a:schemeClr>
-          </a:lnRef>
-          <a:fillRef idx="1">
-            <a:schemeClr val="accent1"/>
-          </a:fillRef>
-          <a:effectRef idx="0">
-            <a:schemeClr val="accent1"/>
-          </a:effectRef>
-          <a:fontRef idx="minor">
-            <a:schemeClr val="lt1"/>
-          </a:fontRef>
-        </p:style>
-        <p:txBody>
-          <a:bodyPr rtlCol="0" anchor="ctr"/>
-          <a:lstStyle/>
-          <a:p>
-            <a:pPr algn="ctr"/>
-            <a:endParaRPr lang="en-US"/>
-          </a:p>
-        </p:txBody>
-      </p:sp>
-      <p:sp>
-        <p:nvSpPr>
-          <p:cNvPr id="206" name="Rectangle 205">
-            <a:extLst>
-              <a:ext uri="{FF2B5EF4-FFF2-40B4-BE49-F238E27FC236}">
-                <a16:creationId xmlns:a16="http://schemas.microsoft.com/office/drawing/2014/main" id="{FBFCFF52-B85C-23F7-DA08-0EDC4BBF709A}"/>
-              </a:ext>
-            </a:extLst>
-          </p:cNvPr>
-          <p:cNvSpPr/>
-          <p:nvPr/>
-        </p:nvSpPr>
-        <p:spPr>
-          <a:xfrm>
-            <a:off x="1655806" y="4918146"/>
-            <a:ext cx="250121" cy="263962"/>
-          </a:xfrm>
-          <a:prstGeom prst="rect">
-            <a:avLst/>
-          </a:prstGeom>
-          <a:solidFill>
-            <a:schemeClr val="accent6">
-              <a:lumMod val="20000"/>
-              <a:lumOff val="80000"/>
-            </a:schemeClr>
-          </a:solidFill>
-          <a:ln>
-            <a:solidFill>
-              <a:schemeClr val="tx1"/>
-            </a:solidFill>
-          </a:ln>
-        </p:spPr>
-        <p:style>
-          <a:lnRef idx="2">
-            <a:schemeClr val="accent1">
-              <a:shade val="15000"/>
-            </a:schemeClr>
-          </a:lnRef>
-          <a:fillRef idx="1">
-            <a:schemeClr val="accent1"/>
-          </a:fillRef>
-          <a:effectRef idx="0">
-            <a:schemeClr val="accent1"/>
-          </a:effectRef>
-          <a:fontRef idx="minor">
-            <a:schemeClr val="lt1"/>
-          </a:fontRef>
-        </p:style>
-        <p:txBody>
-          <a:bodyPr rtlCol="0" anchor="ctr"/>
-          <a:lstStyle/>
-          <a:p>
-            <a:pPr algn="ctr"/>
-            <a:endParaRPr lang="en-US"/>
-          </a:p>
-        </p:txBody>
-      </p:sp>
-      <p:sp>
-        <p:nvSpPr>
-          <p:cNvPr id="209" name="Rectangle 208">
-            <a:extLst>
-              <a:ext uri="{FF2B5EF4-FFF2-40B4-BE49-F238E27FC236}">
-                <a16:creationId xmlns:a16="http://schemas.microsoft.com/office/drawing/2014/main" id="{91EF43C8-2B59-399B-FCDF-29A956C4F91E}"/>
-              </a:ext>
-            </a:extLst>
-          </p:cNvPr>
-          <p:cNvSpPr/>
-          <p:nvPr/>
-        </p:nvSpPr>
-        <p:spPr>
-          <a:xfrm>
-            <a:off x="1655806" y="6001096"/>
-            <a:ext cx="250121" cy="263962"/>
-          </a:xfrm>
-          <a:prstGeom prst="rect">
-            <a:avLst/>
-          </a:prstGeom>
-          <a:solidFill>
-            <a:schemeClr val="accent6">
-              <a:lumMod val="20000"/>
-              <a:lumOff val="80000"/>
-            </a:schemeClr>
-          </a:solidFill>
-          <a:ln>
-            <a:solidFill>
-              <a:schemeClr val="tx1"/>
-            </a:solidFill>
-          </a:ln>
-        </p:spPr>
-        <p:style>
-          <a:lnRef idx="2">
-            <a:schemeClr val="accent1">
-              <a:shade val="15000"/>
-            </a:schemeClr>
-          </a:lnRef>
-          <a:fillRef idx="1">
-            <a:schemeClr val="accent1"/>
-          </a:fillRef>
-          <a:effectRef idx="0">
-            <a:schemeClr val="accent1"/>
-          </a:effectRef>
-          <a:fontRef idx="minor">
-            <a:schemeClr val="lt1"/>
-          </a:fontRef>
-        </p:style>
-        <p:txBody>
-          <a:bodyPr rtlCol="0" anchor="ctr"/>
-          <a:lstStyle/>
-          <a:p>
-            <a:pPr algn="ctr"/>
-            <a:endParaRPr lang="en-US"/>
-          </a:p>
-        </p:txBody>
-      </p:sp>
-      <p:sp>
-        <p:nvSpPr>
-          <p:cNvPr id="195" name="TextBox 194">
-            <a:extLst>
-              <a:ext uri="{FF2B5EF4-FFF2-40B4-BE49-F238E27FC236}">
-                <a16:creationId xmlns:a16="http://schemas.microsoft.com/office/drawing/2014/main" id="{C5AFC378-2609-F24C-2E23-C194EE1A35D4}"/>
-              </a:ext>
-            </a:extLst>
-          </p:cNvPr>
-          <p:cNvSpPr txBox="1"/>
-          <p:nvPr/>
-        </p:nvSpPr>
-        <p:spPr>
-          <a:xfrm>
-            <a:off x="1630023" y="1165007"/>
-            <a:ext cx="301686" cy="369332"/>
-          </a:xfrm>
-          <a:prstGeom prst="rect">
-            <a:avLst/>
-          </a:prstGeom>
-          <a:noFill/>
-          <a:ln>
-            <a:noFill/>
-          </a:ln>
-        </p:spPr>
-        <p:txBody>
-          <a:bodyPr wrap="none" rtlCol="0">
-            <a:spAutoFit/>
-          </a:bodyPr>
-          <a:lstStyle/>
-          <a:p>
-            <a:r>
-              <a:rPr lang="en-US" b="1" dirty="0"/>
-              <a:t>7</a:t>
-            </a:r>
-          </a:p>
-        </p:txBody>
-      </p:sp>
-      <p:sp>
-        <p:nvSpPr>
-          <p:cNvPr id="198" name="TextBox 197">
-            <a:extLst>
-              <a:ext uri="{FF2B5EF4-FFF2-40B4-BE49-F238E27FC236}">
-                <a16:creationId xmlns:a16="http://schemas.microsoft.com/office/drawing/2014/main" id="{75961C10-F1AE-A049-32EE-74B539C3256D}"/>
-              </a:ext>
-            </a:extLst>
-          </p:cNvPr>
-          <p:cNvSpPr txBox="1"/>
-          <p:nvPr/>
-        </p:nvSpPr>
-        <p:spPr>
-          <a:xfrm>
-            <a:off x="1630023" y="1962566"/>
-            <a:ext cx="301686" cy="369332"/>
-          </a:xfrm>
-          <a:prstGeom prst="rect">
-            <a:avLst/>
-          </a:prstGeom>
-          <a:noFill/>
-          <a:ln>
-            <a:noFill/>
-          </a:ln>
-        </p:spPr>
-        <p:txBody>
-          <a:bodyPr wrap="none" rtlCol="0">
-            <a:spAutoFit/>
-          </a:bodyPr>
-          <a:lstStyle/>
-          <a:p>
-            <a:r>
-              <a:rPr lang="en-US" b="1" dirty="0"/>
-              <a:t>8</a:t>
-            </a:r>
-          </a:p>
-        </p:txBody>
-      </p:sp>
-      <p:sp>
-        <p:nvSpPr>
-          <p:cNvPr id="201" name="TextBox 200">
-            <a:extLst>
-              <a:ext uri="{FF2B5EF4-FFF2-40B4-BE49-F238E27FC236}">
-                <a16:creationId xmlns:a16="http://schemas.microsoft.com/office/drawing/2014/main" id="{6A1A2F90-BACA-EEFF-D203-509B91C701D7}"/>
-              </a:ext>
-            </a:extLst>
-          </p:cNvPr>
-          <p:cNvSpPr txBox="1"/>
-          <p:nvPr/>
-        </p:nvSpPr>
-        <p:spPr>
-          <a:xfrm>
-            <a:off x="1630023" y="3049574"/>
-            <a:ext cx="301686" cy="369332"/>
-          </a:xfrm>
-          <a:prstGeom prst="rect">
-            <a:avLst/>
-          </a:prstGeom>
-          <a:noFill/>
-          <a:ln>
-            <a:noFill/>
-          </a:ln>
-        </p:spPr>
-        <p:txBody>
-          <a:bodyPr wrap="none" rtlCol="0">
-            <a:spAutoFit/>
-          </a:bodyPr>
-          <a:lstStyle/>
-          <a:p>
-            <a:r>
-              <a:rPr lang="en-US" b="1" dirty="0"/>
-              <a:t>9</a:t>
-            </a:r>
-          </a:p>
-        </p:txBody>
-      </p:sp>
-      <p:sp>
-        <p:nvSpPr>
-          <p:cNvPr id="204" name="TextBox 203">
-            <a:extLst>
-              <a:ext uri="{FF2B5EF4-FFF2-40B4-BE49-F238E27FC236}">
-                <a16:creationId xmlns:a16="http://schemas.microsoft.com/office/drawing/2014/main" id="{E7580A22-3158-4CA3-6EAA-C77EFFF1F1D0}"/>
-              </a:ext>
-            </a:extLst>
-          </p:cNvPr>
-          <p:cNvSpPr txBox="1"/>
-          <p:nvPr/>
-        </p:nvSpPr>
-        <p:spPr>
-          <a:xfrm>
-            <a:off x="1571514" y="3917520"/>
-            <a:ext cx="418704" cy="369332"/>
-          </a:xfrm>
-          <a:prstGeom prst="rect">
-            <a:avLst/>
-          </a:prstGeom>
-          <a:noFill/>
-          <a:ln>
-            <a:noFill/>
-          </a:ln>
-        </p:spPr>
-        <p:txBody>
-          <a:bodyPr wrap="none" rtlCol="0">
-            <a:spAutoFit/>
-          </a:bodyPr>
-          <a:lstStyle/>
-          <a:p>
-            <a:r>
-              <a:rPr lang="en-US" b="1" dirty="0"/>
-              <a:t>10</a:t>
-            </a:r>
-          </a:p>
-        </p:txBody>
-      </p:sp>
-      <p:sp>
-        <p:nvSpPr>
-          <p:cNvPr id="207" name="TextBox 206">
-            <a:extLst>
-              <a:ext uri="{FF2B5EF4-FFF2-40B4-BE49-F238E27FC236}">
-                <a16:creationId xmlns:a16="http://schemas.microsoft.com/office/drawing/2014/main" id="{2A690E49-EE0C-B8CF-8FB3-F3DFC351809F}"/>
-              </a:ext>
-            </a:extLst>
-          </p:cNvPr>
-          <p:cNvSpPr txBox="1"/>
-          <p:nvPr/>
-        </p:nvSpPr>
-        <p:spPr>
-          <a:xfrm>
-            <a:off x="1571514" y="4859839"/>
-            <a:ext cx="418704" cy="369332"/>
-          </a:xfrm>
-          <a:prstGeom prst="rect">
-            <a:avLst/>
-          </a:prstGeom>
-          <a:noFill/>
-          <a:ln>
-            <a:noFill/>
-          </a:ln>
-        </p:spPr>
-        <p:txBody>
-          <a:bodyPr wrap="none" rtlCol="0">
-            <a:spAutoFit/>
-          </a:bodyPr>
-          <a:lstStyle/>
-          <a:p>
-            <a:r>
-              <a:rPr lang="en-US" b="1" dirty="0"/>
-              <a:t>11</a:t>
-            </a:r>
-          </a:p>
-        </p:txBody>
-      </p:sp>
-      <p:sp>
-        <p:nvSpPr>
-          <p:cNvPr id="210" name="TextBox 209">
-            <a:extLst>
-              <a:ext uri="{FF2B5EF4-FFF2-40B4-BE49-F238E27FC236}">
-                <a16:creationId xmlns:a16="http://schemas.microsoft.com/office/drawing/2014/main" id="{A6F8D537-CFBA-D5AC-9820-C0688B79FF5C}"/>
-              </a:ext>
-            </a:extLst>
-          </p:cNvPr>
-          <p:cNvSpPr txBox="1"/>
-          <p:nvPr/>
-        </p:nvSpPr>
-        <p:spPr>
-          <a:xfrm>
-            <a:off x="1571514" y="5937777"/>
-            <a:ext cx="418704" cy="369332"/>
-          </a:xfrm>
-          <a:prstGeom prst="rect">
-            <a:avLst/>
-          </a:prstGeom>
-          <a:noFill/>
-          <a:ln>
-            <a:noFill/>
-          </a:ln>
-        </p:spPr>
-        <p:txBody>
-          <a:bodyPr wrap="none" rtlCol="0">
-            <a:spAutoFit/>
-          </a:bodyPr>
-          <a:lstStyle/>
-          <a:p>
-            <a:r>
-              <a:rPr lang="en-US" b="1" dirty="0"/>
-              <a:t>12</a:t>
-            </a:r>
-          </a:p>
-        </p:txBody>
-      </p:sp>
-      <p:sp>
-        <p:nvSpPr>
-          <p:cNvPr id="216" name="Rectangle 215">
-            <a:extLst>
-              <a:ext uri="{FF2B5EF4-FFF2-40B4-BE49-F238E27FC236}">
-                <a16:creationId xmlns:a16="http://schemas.microsoft.com/office/drawing/2014/main" id="{C84FF32F-8FA0-F648-6678-04ADFC41B2D5}"/>
-              </a:ext>
-            </a:extLst>
-          </p:cNvPr>
-          <p:cNvSpPr/>
-          <p:nvPr/>
-        </p:nvSpPr>
-        <p:spPr>
-          <a:xfrm>
-            <a:off x="3780935" y="1674639"/>
-            <a:ext cx="4006705" cy="208234"/>
-          </a:xfrm>
-          <a:prstGeom prst="rect">
-            <a:avLst/>
-          </a:prstGeom>
-          <a:noFill/>
-          <a:ln>
-            <a:solidFill>
-              <a:srgbClr val="FFC000"/>
-            </a:solidFill>
-          </a:ln>
-        </p:spPr>
-        <p:style>
-          <a:lnRef idx="2">
-            <a:schemeClr val="accent1">
-              <a:shade val="15000"/>
-            </a:schemeClr>
-          </a:lnRef>
-          <a:fillRef idx="1">
-            <a:schemeClr val="accent1"/>
-          </a:fillRef>
-          <a:effectRef idx="0">
-            <a:schemeClr val="accent1"/>
-          </a:effectRef>
-          <a:fontRef idx="minor">
-            <a:schemeClr val="lt1"/>
-          </a:fontRef>
-        </p:style>
-        <p:txBody>
-          <a:bodyPr rtlCol="0" anchor="ctr"/>
-          <a:lstStyle/>
-          <a:p>
-            <a:pPr algn="ctr"/>
-            <a:endParaRPr lang="en-US"/>
-          </a:p>
-        </p:txBody>
-      </p:sp>
-      <p:grpSp>
-        <p:nvGrpSpPr>
-          <p:cNvPr id="219" name="Group 218">
-            <a:extLst>
-              <a:ext uri="{FF2B5EF4-FFF2-40B4-BE49-F238E27FC236}">
-                <a16:creationId xmlns:a16="http://schemas.microsoft.com/office/drawing/2014/main" id="{4888EDF4-0FA6-BB4A-6C24-12E3300D987F}"/>
-              </a:ext>
-            </a:extLst>
-          </p:cNvPr>
-          <p:cNvGrpSpPr/>
-          <p:nvPr/>
-        </p:nvGrpSpPr>
-        <p:grpSpPr>
-          <a:xfrm>
-            <a:off x="8864600" y="2959340"/>
-            <a:ext cx="1034398" cy="276999"/>
-            <a:chOff x="9575800" y="2959340"/>
-            <a:chExt cx="1034398" cy="276999"/>
-          </a:xfrm>
-        </p:grpSpPr>
-        <p:sp>
-          <p:nvSpPr>
-            <p:cNvPr id="218" name="Rectangle 217">
-              <a:extLst>
-                <a:ext uri="{FF2B5EF4-FFF2-40B4-BE49-F238E27FC236}">
-                  <a16:creationId xmlns:a16="http://schemas.microsoft.com/office/drawing/2014/main" id="{69D1849D-02D0-1706-B362-4AE41889B8CB}"/>
-                </a:ext>
-              </a:extLst>
-            </p:cNvPr>
-            <p:cNvSpPr/>
-            <p:nvPr/>
-          </p:nvSpPr>
-          <p:spPr>
-            <a:xfrm>
-              <a:off x="9575800" y="2997200"/>
-              <a:ext cx="1017906" cy="190500"/>
-            </a:xfrm>
-            <a:prstGeom prst="rect">
-              <a:avLst/>
-            </a:prstGeom>
-            <a:solidFill>
-              <a:schemeClr val="bg1"/>
-            </a:solidFill>
-            <a:ln>
-              <a:solidFill>
-                <a:srgbClr val="FFC000"/>
-              </a:solidFill>
-            </a:ln>
-          </p:spPr>
-          <p:style>
-            <a:lnRef idx="2">
-              <a:schemeClr val="accent1">
-                <a:shade val="15000"/>
-              </a:schemeClr>
-            </a:lnRef>
-            <a:fillRef idx="1">
-              <a:schemeClr val="accent1"/>
-            </a:fillRef>
-            <a:effectRef idx="0">
-              <a:schemeClr val="accent1"/>
-            </a:effectRef>
-            <a:fontRef idx="minor">
-              <a:schemeClr val="lt1"/>
-            </a:fontRef>
-          </p:style>
-          <p:txBody>
-            <a:bodyPr rtlCol="0" anchor="ctr"/>
-            <a:lstStyle/>
-            <a:p>
-              <a:pPr algn="ctr"/>
-              <a:endParaRPr lang="en-US"/>
-            </a:p>
-          </p:txBody>
-        </p:sp>
-        <p:sp>
-          <p:nvSpPr>
-            <p:cNvPr id="217" name="TextBox 216">
-              <a:extLst>
-                <a:ext uri="{FF2B5EF4-FFF2-40B4-BE49-F238E27FC236}">
-                  <a16:creationId xmlns:a16="http://schemas.microsoft.com/office/drawing/2014/main" id="{E406BEF6-4E46-C8A6-3495-3ADC14BF1510}"/>
-                </a:ext>
-              </a:extLst>
-            </p:cNvPr>
-            <p:cNvSpPr txBox="1"/>
-            <p:nvPr/>
-          </p:nvSpPr>
-          <p:spPr>
-            <a:xfrm>
-              <a:off x="9592291" y="2959340"/>
-              <a:ext cx="1017907" cy="276999"/>
-            </a:xfrm>
-            <a:prstGeom prst="rect">
-              <a:avLst/>
-            </a:prstGeom>
-            <a:noFill/>
-          </p:spPr>
-          <p:txBody>
-            <a:bodyPr wrap="none" rtlCol="0">
-              <a:spAutoFit/>
-            </a:bodyPr>
-            <a:lstStyle/>
-            <a:p>
-              <a:r>
-                <a:rPr lang="en-US" sz="1200" dirty="0"/>
-                <a:t>Cell barcodes</a:t>
-              </a:r>
-            </a:p>
-          </p:txBody>
-        </p:sp>
-      </p:grpSp>
       <p:grpSp>
         <p:nvGrpSpPr>
           <p:cNvPr id="220" name="Group 219">
             <a:extLst>
               <a:ext uri="{FF2B5EF4-FFF2-40B4-BE49-F238E27FC236}">
-                <a16:creationId xmlns:a16="http://schemas.microsoft.com/office/drawing/2014/main" id="{1608DD7E-4408-3AFA-847D-40014CCC5BFB}"/>
+                <a16:creationId xmlns:a16="http://schemas.microsoft.com/office/drawing/2014/main" id="{B54179A1-BB38-7914-E317-B42897557862}"/>
               </a:ext>
             </a:extLst>
           </p:cNvPr>
@@ -16192,10 +16349,10 @@
         </p:nvGrpSpPr>
         <p:grpSpPr>
           <a:xfrm>
-            <a:off x="9110006" y="3764618"/>
-            <a:ext cx="927446" cy="276999"/>
+            <a:off x="8989354" y="3764618"/>
+            <a:ext cx="910954" cy="276999"/>
             <a:chOff x="9575800" y="2959340"/>
-            <a:chExt cx="927446" cy="276999"/>
+            <a:chExt cx="910954" cy="276999"/>
           </a:xfrm>
         </p:grpSpPr>
         <p:sp>
@@ -16203,7 +16360,7 @@
             <p:cNvPr id="221" name="Rectangle 220">
               <a:extLst>
                 <a:ext uri="{FF2B5EF4-FFF2-40B4-BE49-F238E27FC236}">
-                  <a16:creationId xmlns:a16="http://schemas.microsoft.com/office/drawing/2014/main" id="{98F60683-E690-00F1-DFAA-44E3A51A0D9A}"/>
+                  <a16:creationId xmlns:a16="http://schemas.microsoft.com/office/drawing/2014/main" id="{FD48F1E1-0B4D-BCC2-7ED9-1B76AA4A8C88}"/>
                 </a:ext>
               </a:extLst>
             </p:cNvPr>
@@ -16257,7 +16414,7 @@
             <p:cNvPr id="222" name="TextBox 221">
               <a:extLst>
                 <a:ext uri="{FF2B5EF4-FFF2-40B4-BE49-F238E27FC236}">
-                  <a16:creationId xmlns:a16="http://schemas.microsoft.com/office/drawing/2014/main" id="{B8BA447E-2DF2-7303-FB45-EB37A8FB778D}"/>
+                  <a16:creationId xmlns:a16="http://schemas.microsoft.com/office/drawing/2014/main" id="{1E1C735A-7530-2242-CD5A-6A17006215A1}"/>
                 </a:ext>
               </a:extLst>
             </p:cNvPr>
@@ -16267,7 +16424,7 @@
           <p:spPr>
             <a:xfrm>
               <a:off x="9592291" y="2959340"/>
-              <a:ext cx="910955" cy="276999"/>
+              <a:ext cx="869277" cy="276999"/>
             </a:xfrm>
             <a:prstGeom prst="rect">
               <a:avLst/>
@@ -16281,10 +16438,9 @@
             <a:lstStyle/>
             <a:p>
               <a:r>
-                <a:rPr lang="en-US" sz="1200" dirty="0" err="1"/>
-                <a:t>Count_data</a:t>
+                <a:rPr lang="en-US" sz="1200" dirty="0"/>
+                <a:t>Count data</a:t>
               </a:r>
-              <a:endParaRPr lang="en-US" sz="1200" dirty="0"/>
             </a:p>
           </p:txBody>
         </p:sp>
@@ -16294,7 +16450,7 @@
           <p:cNvPr id="223" name="Group 222">
             <a:extLst>
               <a:ext uri="{FF2B5EF4-FFF2-40B4-BE49-F238E27FC236}">
-                <a16:creationId xmlns:a16="http://schemas.microsoft.com/office/drawing/2014/main" id="{1B639087-3CA8-7FB6-5B48-D924CC659CC1}"/>
+                <a16:creationId xmlns:a16="http://schemas.microsoft.com/office/drawing/2014/main" id="{0ADB7627-74EB-1599-B89D-490CE607656D}"/>
               </a:ext>
             </a:extLst>
           </p:cNvPr>
@@ -16303,7 +16459,7 @@
         </p:nvGrpSpPr>
         <p:grpSpPr>
           <a:xfrm>
-            <a:off x="9326754" y="2112932"/>
+            <a:off x="9206102" y="2112932"/>
             <a:ext cx="1274427" cy="276999"/>
             <a:chOff x="9524537" y="2946808"/>
             <a:chExt cx="956323" cy="276999"/>
@@ -16314,7 +16470,7 @@
             <p:cNvPr id="224" name="Rectangle 223">
               <a:extLst>
                 <a:ext uri="{FF2B5EF4-FFF2-40B4-BE49-F238E27FC236}">
-                  <a16:creationId xmlns:a16="http://schemas.microsoft.com/office/drawing/2014/main" id="{7B70C400-9F0A-2579-2CA3-929D2AA73C20}"/>
+                  <a16:creationId xmlns:a16="http://schemas.microsoft.com/office/drawing/2014/main" id="{E1F95DAF-C38A-D7AB-8FFC-1B652162BC01}"/>
                 </a:ext>
               </a:extLst>
             </p:cNvPr>
@@ -16368,7 +16524,7 @@
             <p:cNvPr id="225" name="TextBox 224">
               <a:extLst>
                 <a:ext uri="{FF2B5EF4-FFF2-40B4-BE49-F238E27FC236}">
-                  <a16:creationId xmlns:a16="http://schemas.microsoft.com/office/drawing/2014/main" id="{F13C9F41-33EB-B15D-7F7C-17EECF56839B}"/>
+                  <a16:creationId xmlns:a16="http://schemas.microsoft.com/office/drawing/2014/main" id="{B086B136-4FED-9CA4-EE06-C49CD87F6445}"/>
                 </a:ext>
               </a:extLst>
             </p:cNvPr>
@@ -16404,7 +16560,7 @@
           <p:cNvPr id="226" name="Rectangle 225">
             <a:extLst>
               <a:ext uri="{FF2B5EF4-FFF2-40B4-BE49-F238E27FC236}">
-                <a16:creationId xmlns:a16="http://schemas.microsoft.com/office/drawing/2014/main" id="{6FB4C5AE-714A-E95C-A807-61B64EB0A42C}"/>
+                <a16:creationId xmlns:a16="http://schemas.microsoft.com/office/drawing/2014/main" id="{2A8016B7-C1A1-FD90-BA23-FDB2093AB10A}"/>
               </a:ext>
             </a:extLst>
           </p:cNvPr>
@@ -16413,8 +16569,8 @@
         </p:nvSpPr>
         <p:spPr>
           <a:xfrm>
-            <a:off x="9839181" y="2974483"/>
-            <a:ext cx="250121" cy="263962"/>
+            <a:off x="10389548" y="2959340"/>
+            <a:ext cx="421571" cy="263962"/>
           </a:xfrm>
           <a:prstGeom prst="rect">
             <a:avLst/>
@@ -16461,7 +16617,7 @@
           <p:cNvPr id="227" name="TextBox 226">
             <a:extLst>
               <a:ext uri="{FF2B5EF4-FFF2-40B4-BE49-F238E27FC236}">
-                <a16:creationId xmlns:a16="http://schemas.microsoft.com/office/drawing/2014/main" id="{50F1E845-227D-B25D-C8B7-222871374C83}"/>
+                <a16:creationId xmlns:a16="http://schemas.microsoft.com/office/drawing/2014/main" id="{0768AE73-6112-2D94-9D88-E3EEFF9D1902}"/>
               </a:ext>
             </a:extLst>
           </p:cNvPr>
@@ -16470,8 +16626,8 @@
         </p:nvSpPr>
         <p:spPr>
           <a:xfrm>
-            <a:off x="9813398" y="2928497"/>
-            <a:ext cx="301686" cy="369332"/>
+            <a:off x="10334875" y="2904820"/>
+            <a:ext cx="530915" cy="369332"/>
           </a:xfrm>
           <a:prstGeom prst="rect">
             <a:avLst/>
@@ -16489,7 +16645,7 @@
           <a:p>
             <a:r>
               <a:rPr lang="en-US" b="1" dirty="0"/>
-              <a:t>0</a:t>
+              <a:t>0, 5</a:t>
             </a:r>
           </a:p>
         </p:txBody>
@@ -16499,7 +16655,7 @@
           <p:cNvPr id="228" name="Rectangle 227">
             <a:extLst>
               <a:ext uri="{FF2B5EF4-FFF2-40B4-BE49-F238E27FC236}">
-                <a16:creationId xmlns:a16="http://schemas.microsoft.com/office/drawing/2014/main" id="{F0EB3507-1EF5-81F6-3978-E25CDA355290}"/>
+                <a16:creationId xmlns:a16="http://schemas.microsoft.com/office/drawing/2014/main" id="{91AE81E8-42D2-DDB8-1D5F-A8A126A4374C}"/>
               </a:ext>
             </a:extLst>
           </p:cNvPr>
@@ -16508,7 +16664,7 @@
         </p:nvSpPr>
         <p:spPr>
           <a:xfrm>
-            <a:off x="10010631" y="3767859"/>
+            <a:off x="9889979" y="3767859"/>
             <a:ext cx="250121" cy="263962"/>
           </a:xfrm>
           <a:prstGeom prst="rect">
@@ -16556,7 +16712,7 @@
           <p:cNvPr id="229" name="TextBox 228">
             <a:extLst>
               <a:ext uri="{FF2B5EF4-FFF2-40B4-BE49-F238E27FC236}">
-                <a16:creationId xmlns:a16="http://schemas.microsoft.com/office/drawing/2014/main" id="{3CAC86C5-332F-B4C0-BCD8-51C6B354482B}"/>
+                <a16:creationId xmlns:a16="http://schemas.microsoft.com/office/drawing/2014/main" id="{D5A12EF8-AC2E-1973-5D3D-4FAE1F998EA5}"/>
               </a:ext>
             </a:extLst>
           </p:cNvPr>
@@ -16565,7 +16721,7 @@
         </p:nvSpPr>
         <p:spPr>
           <a:xfrm>
-            <a:off x="9984848" y="3721873"/>
+            <a:off x="9864196" y="3721873"/>
             <a:ext cx="301686" cy="369332"/>
           </a:xfrm>
           <a:prstGeom prst="rect">
@@ -16594,7 +16750,7 @@
           <p:cNvPr id="230" name="Rectangle 229">
             <a:extLst>
               <a:ext uri="{FF2B5EF4-FFF2-40B4-BE49-F238E27FC236}">
-                <a16:creationId xmlns:a16="http://schemas.microsoft.com/office/drawing/2014/main" id="{5B16B7E5-55BC-4919-9E4E-72E1D198AC14}"/>
+                <a16:creationId xmlns:a16="http://schemas.microsoft.com/office/drawing/2014/main" id="{86356290-9ABE-65EE-5D4A-FD2A6310EF5C}"/>
               </a:ext>
             </a:extLst>
           </p:cNvPr>
@@ -16603,7 +16759,7 @@
         </p:nvSpPr>
         <p:spPr>
           <a:xfrm>
-            <a:off x="10560755" y="2110646"/>
+            <a:off x="10440103" y="2110646"/>
             <a:ext cx="250121" cy="263962"/>
           </a:xfrm>
           <a:prstGeom prst="rect">
@@ -16651,7 +16807,7 @@
           <p:cNvPr id="231" name="TextBox 230">
             <a:extLst>
               <a:ext uri="{FF2B5EF4-FFF2-40B4-BE49-F238E27FC236}">
-                <a16:creationId xmlns:a16="http://schemas.microsoft.com/office/drawing/2014/main" id="{0FACCAA6-92C6-D13D-CE5C-B84FED8EEDD0}"/>
+                <a16:creationId xmlns:a16="http://schemas.microsoft.com/office/drawing/2014/main" id="{A17D246C-DC5E-F98E-DA62-F20FDCDDF6F0}"/>
               </a:ext>
             </a:extLst>
           </p:cNvPr>
@@ -16660,7 +16816,7 @@
         </p:nvSpPr>
         <p:spPr>
           <a:xfrm>
-            <a:off x="10534972" y="2064660"/>
+            <a:off x="10414320" y="2064660"/>
             <a:ext cx="301686" cy="369332"/>
           </a:xfrm>
           <a:prstGeom prst="rect">
@@ -16689,7 +16845,7 @@
           <p:cNvPr id="232" name="Rectangle 231">
             <a:extLst>
               <a:ext uri="{FF2B5EF4-FFF2-40B4-BE49-F238E27FC236}">
-                <a16:creationId xmlns:a16="http://schemas.microsoft.com/office/drawing/2014/main" id="{58C2E09B-C374-5163-1D90-5BB98DE4B6CE}"/>
+                <a16:creationId xmlns:a16="http://schemas.microsoft.com/office/drawing/2014/main" id="{88BA7E93-327F-37EA-4A6F-5755F5345E8A}"/>
               </a:ext>
             </a:extLst>
           </p:cNvPr>
@@ -16741,7 +16897,7 @@
           <p:cNvPr id="234" name="Group 233">
             <a:extLst>
               <a:ext uri="{FF2B5EF4-FFF2-40B4-BE49-F238E27FC236}">
-                <a16:creationId xmlns:a16="http://schemas.microsoft.com/office/drawing/2014/main" id="{9B3AEFDC-C271-20B8-6960-D2A265993DCD}"/>
+                <a16:creationId xmlns:a16="http://schemas.microsoft.com/office/drawing/2014/main" id="{E731EFB8-2E1C-EE7F-6DFB-14A43DA401D7}"/>
               </a:ext>
             </a:extLst>
           </p:cNvPr>
@@ -16761,7 +16917,7 @@
             <p:cNvPr id="214" name="Rectangle 213">
               <a:extLst>
                 <a:ext uri="{FF2B5EF4-FFF2-40B4-BE49-F238E27FC236}">
-                  <a16:creationId xmlns:a16="http://schemas.microsoft.com/office/drawing/2014/main" id="{66900E10-071B-71E2-C99F-3194D52EB2C6}"/>
+                  <a16:creationId xmlns:a16="http://schemas.microsoft.com/office/drawing/2014/main" id="{F8C17D30-B4DB-51AF-DC70-CF33F42C9370}"/>
                 </a:ext>
               </a:extLst>
             </p:cNvPr>
@@ -16818,7 +16974,7 @@
             <p:cNvPr id="215" name="TextBox 214">
               <a:extLst>
                 <a:ext uri="{FF2B5EF4-FFF2-40B4-BE49-F238E27FC236}">
-                  <a16:creationId xmlns:a16="http://schemas.microsoft.com/office/drawing/2014/main" id="{65503451-CF4D-F7A2-3CE4-C1A540017AA8}"/>
+                  <a16:creationId xmlns:a16="http://schemas.microsoft.com/office/drawing/2014/main" id="{665EC1AB-56C3-03DE-5AD7-6F32DEC6F841}"/>
                 </a:ext>
               </a:extLst>
             </p:cNvPr>
@@ -16857,7 +17013,7 @@
           <p:cNvPr id="235" name="Group 234">
             <a:extLst>
               <a:ext uri="{FF2B5EF4-FFF2-40B4-BE49-F238E27FC236}">
-                <a16:creationId xmlns:a16="http://schemas.microsoft.com/office/drawing/2014/main" id="{47EB858F-F2B6-2A17-013D-85137DAC3266}"/>
+                <a16:creationId xmlns:a16="http://schemas.microsoft.com/office/drawing/2014/main" id="{E6641036-2802-8760-BD55-DD748FA6DF40}"/>
               </a:ext>
             </a:extLst>
           </p:cNvPr>
@@ -16877,7 +17033,7 @@
             <p:cNvPr id="236" name="Rectangle 235">
               <a:extLst>
                 <a:ext uri="{FF2B5EF4-FFF2-40B4-BE49-F238E27FC236}">
-                  <a16:creationId xmlns:a16="http://schemas.microsoft.com/office/drawing/2014/main" id="{7273B5AA-CAC5-4109-D648-4F8FE5B4051F}"/>
+                  <a16:creationId xmlns:a16="http://schemas.microsoft.com/office/drawing/2014/main" id="{F41FF67C-EAF2-93D1-1FB5-862B674C91A7}"/>
                 </a:ext>
               </a:extLst>
             </p:cNvPr>
@@ -16934,7 +17090,7 @@
             <p:cNvPr id="237" name="TextBox 236">
               <a:extLst>
                 <a:ext uri="{FF2B5EF4-FFF2-40B4-BE49-F238E27FC236}">
-                  <a16:creationId xmlns:a16="http://schemas.microsoft.com/office/drawing/2014/main" id="{DCEBAD53-4D14-EAB3-72B3-0E6F31FEE43F}"/>
+                  <a16:creationId xmlns:a16="http://schemas.microsoft.com/office/drawing/2014/main" id="{C3EFF84D-BD8B-08FD-F2A9-8248277CBE64}"/>
                 </a:ext>
               </a:extLst>
             </p:cNvPr>
@@ -16973,7 +17129,7 @@
           <p:cNvPr id="238" name="Rectangle 237">
             <a:extLst>
               <a:ext uri="{FF2B5EF4-FFF2-40B4-BE49-F238E27FC236}">
-                <a16:creationId xmlns:a16="http://schemas.microsoft.com/office/drawing/2014/main" id="{20C605FB-F54E-C197-D3A6-B32EA85E95D2}"/>
+                <a16:creationId xmlns:a16="http://schemas.microsoft.com/office/drawing/2014/main" id="{2ADDFA35-1DAC-A3BF-32F6-B6EC44ED5C64}"/>
               </a:ext>
             </a:extLst>
           </p:cNvPr>
@@ -17025,7 +17181,7 @@
           <p:cNvPr id="239" name="Group 238">
             <a:extLst>
               <a:ext uri="{FF2B5EF4-FFF2-40B4-BE49-F238E27FC236}">
-                <a16:creationId xmlns:a16="http://schemas.microsoft.com/office/drawing/2014/main" id="{D072797A-C81B-894C-4065-92E9F52A1959}"/>
+                <a16:creationId xmlns:a16="http://schemas.microsoft.com/office/drawing/2014/main" id="{EBBC3B07-CB39-0A95-ACEE-8324DDC88EA8}"/>
               </a:ext>
             </a:extLst>
           </p:cNvPr>
@@ -17045,7 +17201,7 @@
             <p:cNvPr id="240" name="Rectangle 239">
               <a:extLst>
                 <a:ext uri="{FF2B5EF4-FFF2-40B4-BE49-F238E27FC236}">
-                  <a16:creationId xmlns:a16="http://schemas.microsoft.com/office/drawing/2014/main" id="{90883F2B-220B-C06C-2979-49559906333C}"/>
+                  <a16:creationId xmlns:a16="http://schemas.microsoft.com/office/drawing/2014/main" id="{8EBBF236-80A1-B24A-56FD-5AA2C2B24D1A}"/>
                 </a:ext>
               </a:extLst>
             </p:cNvPr>
@@ -17102,7 +17258,7 @@
             <p:cNvPr id="241" name="TextBox 240">
               <a:extLst>
                 <a:ext uri="{FF2B5EF4-FFF2-40B4-BE49-F238E27FC236}">
-                  <a16:creationId xmlns:a16="http://schemas.microsoft.com/office/drawing/2014/main" id="{4F3A1C77-32A5-A091-CB13-9907C506409F}"/>
+                  <a16:creationId xmlns:a16="http://schemas.microsoft.com/office/drawing/2014/main" id="{BC6EDE4F-3FAC-5AB0-BD6E-FD77EF8C1427}"/>
                 </a:ext>
               </a:extLst>
             </p:cNvPr>
@@ -17138,10 +17294,10 @@
       </p:grpSp>
       <p:sp>
         <p:nvSpPr>
-          <p:cNvPr id="303" name="Rectangle 302">
-            <a:extLst>
-              <a:ext uri="{FF2B5EF4-FFF2-40B4-BE49-F238E27FC236}">
-                <a16:creationId xmlns:a16="http://schemas.microsoft.com/office/drawing/2014/main" id="{A4B34333-0BA4-68FC-7CCB-CDD7399A137A}"/>
+          <p:cNvPr id="304" name="Rectangle 303">
+            <a:extLst>
+              <a:ext uri="{FF2B5EF4-FFF2-40B4-BE49-F238E27FC236}">
+                <a16:creationId xmlns:a16="http://schemas.microsoft.com/office/drawing/2014/main" id="{815C9EFC-B0E8-1B3B-4AF4-79AE677A3EB2}"/>
               </a:ext>
             </a:extLst>
           </p:cNvPr>
@@ -17150,16 +17306,21 @@
         </p:nvSpPr>
         <p:spPr>
           <a:xfrm>
-            <a:off x="3714750" y="5681436"/>
-            <a:ext cx="4095750" cy="1114359"/>
+            <a:off x="7706729" y="6111271"/>
+            <a:ext cx="250121" cy="263962"/>
           </a:xfrm>
           <a:prstGeom prst="rect">
             <a:avLst/>
           </a:prstGeom>
-          <a:noFill/>
+          <a:solidFill>
+            <a:schemeClr val="accent6">
+              <a:lumMod val="20000"/>
+              <a:lumOff val="80000"/>
+            </a:schemeClr>
+          </a:solidFill>
           <a:ln>
             <a:solidFill>
-              <a:srgbClr val="FFC000"/>
+              <a:schemeClr val="tx1"/>
             </a:solidFill>
           </a:ln>
         </p:spPr>
@@ -17190,10 +17351,10 @@
       </p:sp>
       <p:sp>
         <p:nvSpPr>
-          <p:cNvPr id="304" name="Rectangle 303">
-            <a:extLst>
-              <a:ext uri="{FF2B5EF4-FFF2-40B4-BE49-F238E27FC236}">
-                <a16:creationId xmlns:a16="http://schemas.microsoft.com/office/drawing/2014/main" id="{9611B88F-9D2E-CD78-E34F-B3B314620BE1}"/>
+          <p:cNvPr id="306" name="Rectangle 305">
+            <a:extLst>
+              <a:ext uri="{FF2B5EF4-FFF2-40B4-BE49-F238E27FC236}">
+                <a16:creationId xmlns:a16="http://schemas.microsoft.com/office/drawing/2014/main" id="{29DEB865-D56D-680D-B5D3-78B0ACCEE75F}"/>
               </a:ext>
             </a:extLst>
           </p:cNvPr>
@@ -17202,21 +17363,16 @@
         </p:nvSpPr>
         <p:spPr>
           <a:xfrm>
-            <a:off x="7643924" y="5674235"/>
-            <a:ext cx="250121" cy="263962"/>
+            <a:off x="3641484" y="2952695"/>
+            <a:ext cx="4239771" cy="2910628"/>
           </a:xfrm>
           <a:prstGeom prst="rect">
             <a:avLst/>
           </a:prstGeom>
-          <a:solidFill>
-            <a:schemeClr val="accent6">
-              <a:lumMod val="20000"/>
-              <a:lumOff val="80000"/>
-            </a:schemeClr>
-          </a:solidFill>
+          <a:noFill/>
           <a:ln>
             <a:solidFill>
-              <a:schemeClr val="tx1"/>
+              <a:srgbClr val="FFC000"/>
             </a:solidFill>
           </a:ln>
         </p:spPr>
@@ -17247,66 +17403,33 @@
       </p:sp>
       <p:sp>
         <p:nvSpPr>
-          <p:cNvPr id="305" name="TextBox 304">
-            <a:extLst>
-              <a:ext uri="{FF2B5EF4-FFF2-40B4-BE49-F238E27FC236}">
-                <a16:creationId xmlns:a16="http://schemas.microsoft.com/office/drawing/2014/main" id="{927D8FCF-E89A-913D-45AF-56C639F9A45F}"/>
-              </a:ext>
-            </a:extLst>
-          </p:cNvPr>
-          <p:cNvSpPr txBox="1"/>
-          <p:nvPr/>
-        </p:nvSpPr>
-        <p:spPr>
-          <a:xfrm>
-            <a:off x="7618141" y="5621308"/>
-            <a:ext cx="301686" cy="369332"/>
+          <p:cNvPr id="308" name="Rectangle 307">
+            <a:extLst>
+              <a:ext uri="{FF2B5EF4-FFF2-40B4-BE49-F238E27FC236}">
+                <a16:creationId xmlns:a16="http://schemas.microsoft.com/office/drawing/2014/main" id="{90CCC665-06B6-DFD5-0C80-4F1665DF8D2C}"/>
+              </a:ext>
+            </a:extLst>
+          </p:cNvPr>
+          <p:cNvSpPr/>
+          <p:nvPr/>
+        </p:nvSpPr>
+        <p:spPr>
+          <a:xfrm>
+            <a:off x="7734266" y="2927929"/>
+            <a:ext cx="250121" cy="263962"/>
           </a:xfrm>
           <a:prstGeom prst="rect">
             <a:avLst/>
           </a:prstGeom>
-          <a:noFill/>
-          <a:ln>
-            <a:noFill/>
-          </a:ln>
-        </p:spPr>
-        <p:txBody>
-          <a:bodyPr wrap="none" rtlCol="0">
-            <a:spAutoFit/>
-          </a:bodyPr>
-          <a:lstStyle/>
-          <a:p>
-            <a:r>
-              <a:rPr lang="en-US" b="1" dirty="0"/>
-              <a:t>4</a:t>
-            </a:r>
-          </a:p>
-        </p:txBody>
-      </p:sp>
-      <p:sp>
-        <p:nvSpPr>
-          <p:cNvPr id="306" name="Rectangle 305">
-            <a:extLst>
-              <a:ext uri="{FF2B5EF4-FFF2-40B4-BE49-F238E27FC236}">
-                <a16:creationId xmlns:a16="http://schemas.microsoft.com/office/drawing/2014/main" id="{8A1E9FCF-F386-3C67-A465-98AABC608D49}"/>
-              </a:ext>
-            </a:extLst>
-          </p:cNvPr>
-          <p:cNvSpPr/>
-          <p:nvPr/>
-        </p:nvSpPr>
-        <p:spPr>
-          <a:xfrm>
-            <a:off x="3585862" y="2952694"/>
-            <a:ext cx="4295393" cy="2542427"/>
-          </a:xfrm>
-          <a:prstGeom prst="rect">
-            <a:avLst/>
-          </a:prstGeom>
-          <a:noFill/>
+          <a:solidFill>
+            <a:schemeClr val="accent6">
+              <a:lumMod val="20000"/>
+              <a:lumOff val="80000"/>
+            </a:schemeClr>
+          </a:solidFill>
           <a:ln>
             <a:solidFill>
-              <a:srgbClr val="FFC000"/>
+              <a:schemeClr val="tx1"/>
             </a:solidFill>
           </a:ln>
         </p:spPr>
@@ -17337,33 +17460,66 @@
       </p:sp>
       <p:sp>
         <p:nvSpPr>
-          <p:cNvPr id="308" name="Rectangle 307">
-            <a:extLst>
-              <a:ext uri="{FF2B5EF4-FFF2-40B4-BE49-F238E27FC236}">
-                <a16:creationId xmlns:a16="http://schemas.microsoft.com/office/drawing/2014/main" id="{5FF8B067-39FF-446F-BC2F-C6F1B0FA2292}"/>
-              </a:ext>
-            </a:extLst>
-          </p:cNvPr>
-          <p:cNvSpPr/>
-          <p:nvPr/>
-        </p:nvSpPr>
-        <p:spPr>
-          <a:xfrm>
-            <a:off x="7734266" y="2927929"/>
-            <a:ext cx="250121" cy="263962"/>
+          <p:cNvPr id="309" name="TextBox 308">
+            <a:extLst>
+              <a:ext uri="{FF2B5EF4-FFF2-40B4-BE49-F238E27FC236}">
+                <a16:creationId xmlns:a16="http://schemas.microsoft.com/office/drawing/2014/main" id="{54B18889-9D9F-5F76-AF4E-003B023B5B73}"/>
+              </a:ext>
+            </a:extLst>
+          </p:cNvPr>
+          <p:cNvSpPr txBox="1"/>
+          <p:nvPr/>
+        </p:nvSpPr>
+        <p:spPr>
+          <a:xfrm>
+            <a:off x="7708483" y="2875002"/>
+            <a:ext cx="301686" cy="369332"/>
           </a:xfrm>
           <a:prstGeom prst="rect">
             <a:avLst/>
           </a:prstGeom>
-          <a:solidFill>
-            <a:schemeClr val="accent6">
-              <a:lumMod val="20000"/>
-              <a:lumOff val="80000"/>
-            </a:schemeClr>
-          </a:solidFill>
+          <a:noFill/>
+          <a:ln>
+            <a:noFill/>
+          </a:ln>
+        </p:spPr>
+        <p:txBody>
+          <a:bodyPr wrap="none" rtlCol="0">
+            <a:spAutoFit/>
+          </a:bodyPr>
+          <a:lstStyle/>
+          <a:p>
+            <a:r>
+              <a:rPr lang="en-US" b="1" dirty="0"/>
+              <a:t>6</a:t>
+            </a:r>
+          </a:p>
+        </p:txBody>
+      </p:sp>
+      <p:sp>
+        <p:nvSpPr>
+          <p:cNvPr id="9" name="Rectangle 8">
+            <a:extLst>
+              <a:ext uri="{FF2B5EF4-FFF2-40B4-BE49-F238E27FC236}">
+                <a16:creationId xmlns:a16="http://schemas.microsoft.com/office/drawing/2014/main" id="{D22FB0E8-7679-6A64-3399-4ACB8F4282F7}"/>
+              </a:ext>
+            </a:extLst>
+          </p:cNvPr>
+          <p:cNvSpPr/>
+          <p:nvPr/>
+        </p:nvSpPr>
+        <p:spPr>
+          <a:xfrm>
+            <a:off x="3641484" y="5862022"/>
+            <a:ext cx="4165600" cy="247987"/>
+          </a:xfrm>
+          <a:prstGeom prst="rect">
+            <a:avLst/>
+          </a:prstGeom>
+          <a:noFill/>
           <a:ln>
             <a:solidFill>
-              <a:schemeClr val="tx1"/>
+              <a:srgbClr val="FFC000"/>
             </a:solidFill>
           </a:ln>
         </p:spPr>
@@ -17394,10 +17550,67 @@
       </p:sp>
       <p:sp>
         <p:nvSpPr>
-          <p:cNvPr id="309" name="TextBox 308">
-            <a:extLst>
-              <a:ext uri="{FF2B5EF4-FFF2-40B4-BE49-F238E27FC236}">
-                <a16:creationId xmlns:a16="http://schemas.microsoft.com/office/drawing/2014/main" id="{C62609A9-A926-1F74-6762-B88DB03D40BF}"/>
+          <p:cNvPr id="10" name="Rectangle 9">
+            <a:extLst>
+              <a:ext uri="{FF2B5EF4-FFF2-40B4-BE49-F238E27FC236}">
+                <a16:creationId xmlns:a16="http://schemas.microsoft.com/office/drawing/2014/main" id="{E76FC734-6C04-9E24-C9A5-67F35775C989}"/>
+              </a:ext>
+            </a:extLst>
+          </p:cNvPr>
+          <p:cNvSpPr/>
+          <p:nvPr/>
+        </p:nvSpPr>
+        <p:spPr>
+          <a:xfrm>
+            <a:off x="7688775" y="5859865"/>
+            <a:ext cx="250121" cy="263962"/>
+          </a:xfrm>
+          <a:prstGeom prst="rect">
+            <a:avLst/>
+          </a:prstGeom>
+          <a:solidFill>
+            <a:schemeClr val="accent6">
+              <a:lumMod val="20000"/>
+              <a:lumOff val="80000"/>
+            </a:schemeClr>
+          </a:solidFill>
+          <a:ln>
+            <a:solidFill>
+              <a:schemeClr val="tx1"/>
+            </a:solidFill>
+          </a:ln>
+        </p:spPr>
+        <p:style>
+          <a:lnRef idx="2">
+            <a:schemeClr val="accent1">
+              <a:shade val="15000"/>
+            </a:schemeClr>
+          </a:lnRef>
+          <a:fillRef idx="1">
+            <a:schemeClr val="accent1"/>
+          </a:fillRef>
+          <a:effectRef idx="0">
+            <a:schemeClr val="accent1"/>
+          </a:effectRef>
+          <a:fontRef idx="minor">
+            <a:schemeClr val="lt1"/>
+          </a:fontRef>
+        </p:style>
+        <p:txBody>
+          <a:bodyPr rtlCol="0" anchor="ctr"/>
+          <a:lstStyle/>
+          <a:p>
+            <a:pPr algn="ctr"/>
+            <a:endParaRPr lang="en-US"/>
+          </a:p>
+        </p:txBody>
+      </p:sp>
+      <p:sp>
+        <p:nvSpPr>
+          <p:cNvPr id="11" name="TextBox 10">
+            <a:extLst>
+              <a:ext uri="{FF2B5EF4-FFF2-40B4-BE49-F238E27FC236}">
+                <a16:creationId xmlns:a16="http://schemas.microsoft.com/office/drawing/2014/main" id="{D690BE39-33DB-D772-96FB-912C89B25065}"/>
               </a:ext>
             </a:extLst>
           </p:cNvPr>
@@ -17406,7 +17619,7 @@
         </p:nvSpPr>
         <p:spPr>
           <a:xfrm>
-            <a:off x="7708483" y="2875002"/>
+            <a:off x="7662992" y="5806938"/>
             <a:ext cx="301686" cy="369332"/>
           </a:xfrm>
           <a:prstGeom prst="rect">
@@ -17425,7 +17638,45 @@
           <a:p>
             <a:r>
               <a:rPr lang="en-US" b="1" dirty="0"/>
-              <a:t>6</a:t>
+              <a:t>7</a:t>
+            </a:r>
+          </a:p>
+        </p:txBody>
+      </p:sp>
+      <p:sp>
+        <p:nvSpPr>
+          <p:cNvPr id="305" name="TextBox 304">
+            <a:extLst>
+              <a:ext uri="{FF2B5EF4-FFF2-40B4-BE49-F238E27FC236}">
+                <a16:creationId xmlns:a16="http://schemas.microsoft.com/office/drawing/2014/main" id="{55C151EB-DBCD-C9F8-5FE2-EF82E526AB80}"/>
+              </a:ext>
+            </a:extLst>
+          </p:cNvPr>
+          <p:cNvSpPr txBox="1"/>
+          <p:nvPr/>
+        </p:nvSpPr>
+        <p:spPr>
+          <a:xfrm>
+            <a:off x="7680946" y="6058344"/>
+            <a:ext cx="301686" cy="369332"/>
+          </a:xfrm>
+          <a:prstGeom prst="rect">
+            <a:avLst/>
+          </a:prstGeom>
+          <a:noFill/>
+          <a:ln>
+            <a:noFill/>
+          </a:ln>
+        </p:spPr>
+        <p:txBody>
+          <a:bodyPr wrap="none" rtlCol="0">
+            <a:spAutoFit/>
+          </a:bodyPr>
+          <a:lstStyle/>
+          <a:p>
+            <a:r>
+              <a:rPr lang="en-US" b="1" dirty="0"/>
+              <a:t>4</a:t>
             </a:r>
           </a:p>
         </p:txBody>
@@ -17433,7 +17684,7 @@
     </p:spTree>
     <p:extLst>
       <p:ext uri="{BB962C8B-B14F-4D97-AF65-F5344CB8AC3E}">
-        <p14:creationId xmlns:p14="http://schemas.microsoft.com/office/powerpoint/2010/main" val="1372103957"/>
+        <p14:creationId xmlns:p14="http://schemas.microsoft.com/office/powerpoint/2010/main" val="3516822512"/>
       </p:ext>
     </p:extLst>
   </p:cSld>
@@ -17462,150 +17713,6 @@
       </p:grpSpPr>
       <p:sp>
         <p:nvSpPr>
-          <p:cNvPr id="2" name="Title 1">
-            <a:extLst>
-              <a:ext uri="{FF2B5EF4-FFF2-40B4-BE49-F238E27FC236}">
-                <a16:creationId xmlns:a16="http://schemas.microsoft.com/office/drawing/2014/main" id="{62427A81-EA62-AC80-5867-47BC33ACC8CE}"/>
-              </a:ext>
-            </a:extLst>
-          </p:cNvPr>
-          <p:cNvSpPr>
-            <a:spLocks noGrp="1"/>
-          </p:cNvSpPr>
-          <p:nvPr>
-            <p:ph type="title"/>
-          </p:nvPr>
-        </p:nvSpPr>
-        <p:spPr/>
-        <p:txBody>
-          <a:bodyPr/>
-          <a:lstStyle/>
-          <a:p>
-            <a:endParaRPr lang="en-US"/>
-          </a:p>
-        </p:txBody>
-      </p:sp>
-      <p:pic>
-        <p:nvPicPr>
-          <p:cNvPr id="10" name="Picture 9">
-            <a:extLst>
-              <a:ext uri="{FF2B5EF4-FFF2-40B4-BE49-F238E27FC236}">
-                <a16:creationId xmlns:a16="http://schemas.microsoft.com/office/drawing/2014/main" id="{9D56AA48-8583-8B4A-11E3-ABAF034F276C}"/>
-              </a:ext>
-            </a:extLst>
-          </p:cNvPr>
-          <p:cNvPicPr>
-            <a:picLocks noChangeAspect="1"/>
-          </p:cNvPicPr>
-          <p:nvPr/>
-        </p:nvPicPr>
-        <p:blipFill>
-          <a:blip r:embed="rId2"/>
-          <a:stretch>
-            <a:fillRect/>
-          </a:stretch>
-        </p:blipFill>
-        <p:spPr>
-          <a:xfrm>
-            <a:off x="0" y="629173"/>
-            <a:ext cx="7173326" cy="6468378"/>
-          </a:xfrm>
-          <a:prstGeom prst="rect">
-            <a:avLst/>
-          </a:prstGeom>
-        </p:spPr>
-      </p:pic>
-      <p:pic>
-        <p:nvPicPr>
-          <p:cNvPr id="12" name="Picture 11">
-            <a:extLst>
-              <a:ext uri="{FF2B5EF4-FFF2-40B4-BE49-F238E27FC236}">
-                <a16:creationId xmlns:a16="http://schemas.microsoft.com/office/drawing/2014/main" id="{7B63CFD6-0764-39BA-55C9-1CBF6FDB64E9}"/>
-              </a:ext>
-            </a:extLst>
-          </p:cNvPr>
-          <p:cNvPicPr>
-            <a:picLocks noChangeAspect="1"/>
-          </p:cNvPicPr>
-          <p:nvPr/>
-        </p:nvPicPr>
-        <p:blipFill rotWithShape="1">
-          <a:blip r:embed="rId3"/>
-          <a:srcRect b="7177"/>
-          <a:stretch/>
-        </p:blipFill>
-        <p:spPr>
-          <a:xfrm>
-            <a:off x="5786623" y="571829"/>
-            <a:ext cx="7220958" cy="6048338"/>
-          </a:xfrm>
-          <a:prstGeom prst="rect">
-            <a:avLst/>
-          </a:prstGeom>
-        </p:spPr>
-      </p:pic>
-      <p:pic>
-        <p:nvPicPr>
-          <p:cNvPr id="14" name="Picture 13">
-            <a:extLst>
-              <a:ext uri="{FF2B5EF4-FFF2-40B4-BE49-F238E27FC236}">
-                <a16:creationId xmlns:a16="http://schemas.microsoft.com/office/drawing/2014/main" id="{22071D8F-1BD9-94C2-78D9-126C311274F6}"/>
-              </a:ext>
-            </a:extLst>
-          </p:cNvPr>
-          <p:cNvPicPr>
-            <a:picLocks noChangeAspect="1"/>
-          </p:cNvPicPr>
-          <p:nvPr/>
-        </p:nvPicPr>
-        <p:blipFill>
-          <a:blip r:embed="rId4"/>
-          <a:stretch>
-            <a:fillRect/>
-          </a:stretch>
-        </p:blipFill>
-        <p:spPr>
-          <a:xfrm>
-            <a:off x="5875020" y="6536347"/>
-            <a:ext cx="5410955" cy="3667637"/>
-          </a:xfrm>
-          <a:prstGeom prst="rect">
-            <a:avLst/>
-          </a:prstGeom>
-        </p:spPr>
-      </p:pic>
-    </p:spTree>
-    <p:extLst>
-      <p:ext uri="{BB962C8B-B14F-4D97-AF65-F5344CB8AC3E}">
-        <p14:creationId xmlns:p14="http://schemas.microsoft.com/office/powerpoint/2010/main" val="2372597815"/>
-      </p:ext>
-    </p:extLst>
-  </p:cSld>
-  <p:clrMapOvr>
-    <a:masterClrMapping/>
-  </p:clrMapOvr>
-</p:sld>
-</file>
-
-<file path=ppt/slides/slide6.xml><?xml version="1.0" encoding="utf-8"?>
-<p:sld xmlns:a="http://schemas.openxmlformats.org/drawingml/2006/main" xmlns:r="http://schemas.openxmlformats.org/officeDocument/2006/relationships" xmlns:p="http://schemas.openxmlformats.org/presentationml/2006/main">
-  <p:cSld>
-    <p:spTree>
-      <p:nvGrpSpPr>
-        <p:cNvPr id="1" name=""/>
-        <p:cNvGrpSpPr/>
-        <p:nvPr/>
-      </p:nvGrpSpPr>
-      <p:grpSpPr>
-        <a:xfrm>
-          <a:off x="0" y="0"/>
-          <a:ext cx="0" cy="0"/>
-          <a:chOff x="0" y="0"/>
-          <a:chExt cx="0" cy="0"/>
-        </a:xfrm>
-      </p:grpSpPr>
-      <p:sp>
-        <p:nvSpPr>
           <p:cNvPr id="151" name="Rectangle 150">
             <a:extLst>
               <a:ext uri="{FF2B5EF4-FFF2-40B4-BE49-F238E27FC236}">
@@ -18062,7 +18169,7 @@
 </p:sld>
 </file>
 
-<file path=ppt/slides/slide7.xml><?xml version="1.0" encoding="utf-8"?>
+<file path=ppt/slides/slide6.xml><?xml version="1.0" encoding="utf-8"?>
 <p:sld xmlns:a="http://schemas.openxmlformats.org/drawingml/2006/main" xmlns:r="http://schemas.openxmlformats.org/officeDocument/2006/relationships" xmlns:p="http://schemas.openxmlformats.org/presentationml/2006/main">
   <p:cSld>
     <p:spTree>
@@ -18587,6 +18694,655 @@
     <p:extLst>
       <p:ext uri="{BB962C8B-B14F-4D97-AF65-F5344CB8AC3E}">
         <p14:creationId xmlns:p14="http://schemas.microsoft.com/office/powerpoint/2010/main" val="3844424267"/>
+      </p:ext>
+    </p:extLst>
+  </p:cSld>
+  <p:clrMapOvr>
+    <a:masterClrMapping/>
+  </p:clrMapOvr>
+</p:sld>
+</file>
+
+<file path=ppt/slides/slide7.xml><?xml version="1.0" encoding="utf-8"?>
+<p:sld xmlns:a="http://schemas.openxmlformats.org/drawingml/2006/main" xmlns:r="http://schemas.openxmlformats.org/officeDocument/2006/relationships" xmlns:p="http://schemas.openxmlformats.org/presentationml/2006/main">
+  <p:cSld>
+    <p:spTree>
+      <p:nvGrpSpPr>
+        <p:cNvPr id="1" name="">
+          <a:extLst>
+            <a:ext uri="{FF2B5EF4-FFF2-40B4-BE49-F238E27FC236}">
+              <a16:creationId xmlns:a16="http://schemas.microsoft.com/office/drawing/2014/main" id="{B12A288B-7DCB-2B08-7C22-F9A9DABDA1F3}"/>
+            </a:ext>
+          </a:extLst>
+        </p:cNvPr>
+        <p:cNvGrpSpPr/>
+        <p:nvPr/>
+      </p:nvGrpSpPr>
+      <p:grpSpPr>
+        <a:xfrm>
+          <a:off x="0" y="0"/>
+          <a:ext cx="0" cy="0"/>
+          <a:chOff x="0" y="0"/>
+          <a:chExt cx="0" cy="0"/>
+        </a:xfrm>
+      </p:grpSpPr>
+      <p:sp>
+        <p:nvSpPr>
+          <p:cNvPr id="189" name="Rectangle 188">
+            <a:extLst>
+              <a:ext uri="{FF2B5EF4-FFF2-40B4-BE49-F238E27FC236}">
+                <a16:creationId xmlns:a16="http://schemas.microsoft.com/office/drawing/2014/main" id="{9092C325-8E2B-783E-A681-D76C0FDC8071}"/>
+              </a:ext>
+            </a:extLst>
+          </p:cNvPr>
+          <p:cNvSpPr/>
+          <p:nvPr/>
+        </p:nvSpPr>
+        <p:spPr>
+          <a:xfrm>
+            <a:off x="81977" y="5562600"/>
+            <a:ext cx="1613474" cy="1014998"/>
+          </a:xfrm>
+          <a:prstGeom prst="rect">
+            <a:avLst/>
+          </a:prstGeom>
+          <a:solidFill>
+            <a:srgbClr val="FFFFFF">
+              <a:alpha val="72941"/>
+            </a:srgbClr>
+          </a:solidFill>
+          <a:ln>
+            <a:noFill/>
+          </a:ln>
+        </p:spPr>
+        <p:style>
+          <a:lnRef idx="2">
+            <a:schemeClr val="accent1">
+              <a:shade val="15000"/>
+            </a:schemeClr>
+          </a:lnRef>
+          <a:fillRef idx="1">
+            <a:schemeClr val="accent1"/>
+          </a:fillRef>
+          <a:effectRef idx="0">
+            <a:schemeClr val="accent1"/>
+          </a:effectRef>
+          <a:fontRef idx="minor">
+            <a:schemeClr val="lt1"/>
+          </a:fontRef>
+        </p:style>
+        <p:txBody>
+          <a:bodyPr rtlCol="0" anchor="ctr"/>
+          <a:lstStyle/>
+          <a:p>
+            <a:pPr algn="ctr"/>
+            <a:endParaRPr lang="en-US"/>
+          </a:p>
+        </p:txBody>
+      </p:sp>
+      <p:sp>
+        <p:nvSpPr>
+          <p:cNvPr id="190" name="Rectangle 189">
+            <a:extLst>
+              <a:ext uri="{FF2B5EF4-FFF2-40B4-BE49-F238E27FC236}">
+                <a16:creationId xmlns:a16="http://schemas.microsoft.com/office/drawing/2014/main" id="{126EE44B-36FC-A465-2E01-C2115FFCC789}"/>
+              </a:ext>
+            </a:extLst>
+          </p:cNvPr>
+          <p:cNvSpPr/>
+          <p:nvPr/>
+        </p:nvSpPr>
+        <p:spPr>
+          <a:xfrm>
+            <a:off x="1691034" y="942975"/>
+            <a:ext cx="1609950" cy="5635152"/>
+          </a:xfrm>
+          <a:prstGeom prst="rect">
+            <a:avLst/>
+          </a:prstGeom>
+          <a:solidFill>
+            <a:srgbClr val="FFFFFF">
+              <a:alpha val="72941"/>
+            </a:srgbClr>
+          </a:solidFill>
+          <a:ln>
+            <a:noFill/>
+          </a:ln>
+        </p:spPr>
+        <p:style>
+          <a:lnRef idx="2">
+            <a:schemeClr val="accent1">
+              <a:shade val="15000"/>
+            </a:schemeClr>
+          </a:lnRef>
+          <a:fillRef idx="1">
+            <a:schemeClr val="accent1"/>
+          </a:fillRef>
+          <a:effectRef idx="0">
+            <a:schemeClr val="accent1"/>
+          </a:effectRef>
+          <a:fontRef idx="minor">
+            <a:schemeClr val="lt1"/>
+          </a:fontRef>
+        </p:style>
+        <p:txBody>
+          <a:bodyPr rtlCol="0" anchor="ctr"/>
+          <a:lstStyle/>
+          <a:p>
+            <a:pPr algn="ctr"/>
+            <a:endParaRPr lang="en-US"/>
+          </a:p>
+        </p:txBody>
+      </p:sp>
+      <p:sp>
+        <p:nvSpPr>
+          <p:cNvPr id="191" name="Rectangle 190">
+            <a:extLst>
+              <a:ext uri="{FF2B5EF4-FFF2-40B4-BE49-F238E27FC236}">
+                <a16:creationId xmlns:a16="http://schemas.microsoft.com/office/drawing/2014/main" id="{786670FF-6849-3B4F-0E02-1D070C63D5D0}"/>
+              </a:ext>
+            </a:extLst>
+          </p:cNvPr>
+          <p:cNvSpPr/>
+          <p:nvPr/>
+        </p:nvSpPr>
+        <p:spPr>
+          <a:xfrm>
+            <a:off x="90094" y="930296"/>
+            <a:ext cx="1613474" cy="3961744"/>
+          </a:xfrm>
+          <a:prstGeom prst="rect">
+            <a:avLst/>
+          </a:prstGeom>
+          <a:solidFill>
+            <a:srgbClr val="FFFFFF">
+              <a:alpha val="72941"/>
+            </a:srgbClr>
+          </a:solidFill>
+          <a:ln>
+            <a:noFill/>
+          </a:ln>
+        </p:spPr>
+        <p:style>
+          <a:lnRef idx="2">
+            <a:schemeClr val="accent1">
+              <a:shade val="15000"/>
+            </a:schemeClr>
+          </a:lnRef>
+          <a:fillRef idx="1">
+            <a:schemeClr val="accent1"/>
+          </a:fillRef>
+          <a:effectRef idx="0">
+            <a:schemeClr val="accent1"/>
+          </a:effectRef>
+          <a:fontRef idx="minor">
+            <a:schemeClr val="lt1"/>
+          </a:fontRef>
+        </p:style>
+        <p:txBody>
+          <a:bodyPr rtlCol="0" anchor="ctr"/>
+          <a:lstStyle/>
+          <a:p>
+            <a:pPr algn="ctr"/>
+            <a:endParaRPr lang="en-US"/>
+          </a:p>
+        </p:txBody>
+      </p:sp>
+      <p:sp>
+        <p:nvSpPr>
+          <p:cNvPr id="2" name="Title 1">
+            <a:extLst>
+              <a:ext uri="{FF2B5EF4-FFF2-40B4-BE49-F238E27FC236}">
+                <a16:creationId xmlns:a16="http://schemas.microsoft.com/office/drawing/2014/main" id="{C912CA69-95AB-3AA3-6595-F126B2B6B956}"/>
+              </a:ext>
+            </a:extLst>
+          </p:cNvPr>
+          <p:cNvSpPr>
+            <a:spLocks noGrp="1"/>
+          </p:cNvSpPr>
+          <p:nvPr>
+            <p:ph type="title"/>
+          </p:nvPr>
+        </p:nvSpPr>
+        <p:spPr/>
+        <p:txBody>
+          <a:bodyPr/>
+          <a:lstStyle/>
+          <a:p>
+            <a:r>
+              <a:rPr lang="en-US" dirty="0"/>
+              <a:t>Monocle3</a:t>
+            </a:r>
+          </a:p>
+        </p:txBody>
+      </p:sp>
+      <p:sp>
+        <p:nvSpPr>
+          <p:cNvPr id="3" name="TextBox 2">
+            <a:extLst>
+              <a:ext uri="{FF2B5EF4-FFF2-40B4-BE49-F238E27FC236}">
+                <a16:creationId xmlns:a16="http://schemas.microsoft.com/office/drawing/2014/main" id="{733131D6-46A4-00D6-262D-E9044B65C995}"/>
+              </a:ext>
+            </a:extLst>
+          </p:cNvPr>
+          <p:cNvSpPr txBox="1"/>
+          <p:nvPr/>
+        </p:nvSpPr>
+        <p:spPr>
+          <a:xfrm>
+            <a:off x="2235200" y="-14325600"/>
+            <a:ext cx="861133" cy="369332"/>
+          </a:xfrm>
+          <a:prstGeom prst="rect">
+            <a:avLst/>
+          </a:prstGeom>
+          <a:noFill/>
+        </p:spPr>
+        <p:txBody>
+          <a:bodyPr wrap="none" rtlCol="0">
+            <a:spAutoFit/>
+          </a:bodyPr>
+          <a:lstStyle/>
+          <a:p>
+            <a:r>
+              <a:rPr lang="en-US" dirty="0"/>
+              <a:t>Anchor</a:t>
+            </a:r>
+          </a:p>
+        </p:txBody>
+      </p:sp>
+      <p:sp>
+        <p:nvSpPr>
+          <p:cNvPr id="6" name="TextBox 5">
+            <a:extLst>
+              <a:ext uri="{FF2B5EF4-FFF2-40B4-BE49-F238E27FC236}">
+                <a16:creationId xmlns:a16="http://schemas.microsoft.com/office/drawing/2014/main" id="{D6E42666-F4CC-6AD9-74EF-F93C9D2D9B5A}"/>
+              </a:ext>
+            </a:extLst>
+          </p:cNvPr>
+          <p:cNvSpPr txBox="1"/>
+          <p:nvPr/>
+        </p:nvSpPr>
+        <p:spPr>
+          <a:xfrm>
+            <a:off x="2665766" y="13827023"/>
+            <a:ext cx="861133" cy="369332"/>
+          </a:xfrm>
+          <a:prstGeom prst="rect">
+            <a:avLst/>
+          </a:prstGeom>
+          <a:noFill/>
+        </p:spPr>
+        <p:txBody>
+          <a:bodyPr wrap="none" rtlCol="0">
+            <a:spAutoFit/>
+          </a:bodyPr>
+          <a:lstStyle/>
+          <a:p>
+            <a:r>
+              <a:rPr lang="en-US" dirty="0"/>
+              <a:t>Anchor</a:t>
+            </a:r>
+          </a:p>
+        </p:txBody>
+      </p:sp>
+      <p:pic>
+        <p:nvPicPr>
+          <p:cNvPr id="8" name="Picture 7">
+            <a:extLst>
+              <a:ext uri="{FF2B5EF4-FFF2-40B4-BE49-F238E27FC236}">
+                <a16:creationId xmlns:a16="http://schemas.microsoft.com/office/drawing/2014/main" id="{E8DA22C7-46A4-CE4F-60EF-9BFDBC117BB2}"/>
+              </a:ext>
+            </a:extLst>
+          </p:cNvPr>
+          <p:cNvPicPr>
+            <a:picLocks noChangeAspect="1"/>
+          </p:cNvPicPr>
+          <p:nvPr/>
+        </p:nvPicPr>
+        <p:blipFill rotWithShape="1">
+          <a:blip r:embed="rId2"/>
+          <a:srcRect t="440"/>
+          <a:stretch/>
+        </p:blipFill>
+        <p:spPr>
+          <a:xfrm>
+            <a:off x="3514199" y="4198987"/>
+            <a:ext cx="6754168" cy="2152963"/>
+          </a:xfrm>
+          <a:prstGeom prst="rect">
+            <a:avLst/>
+          </a:prstGeom>
+        </p:spPr>
+      </p:pic>
+      <p:sp>
+        <p:nvSpPr>
+          <p:cNvPr id="10" name="TextBox 9">
+            <a:extLst>
+              <a:ext uri="{FF2B5EF4-FFF2-40B4-BE49-F238E27FC236}">
+                <a16:creationId xmlns:a16="http://schemas.microsoft.com/office/drawing/2014/main" id="{3A2D14B6-71DB-1899-4357-814390B0BD80}"/>
+              </a:ext>
+            </a:extLst>
+          </p:cNvPr>
+          <p:cNvSpPr txBox="1"/>
+          <p:nvPr/>
+        </p:nvSpPr>
+        <p:spPr>
+          <a:xfrm>
+            <a:off x="3526899" y="3812750"/>
+            <a:ext cx="2581801" cy="369332"/>
+          </a:xfrm>
+          <a:prstGeom prst="rect">
+            <a:avLst/>
+          </a:prstGeom>
+          <a:noFill/>
+          <a:ln>
+            <a:solidFill>
+              <a:schemeClr val="tx1"/>
+            </a:solidFill>
+          </a:ln>
+        </p:spPr>
+        <p:txBody>
+          <a:bodyPr wrap="square">
+            <a:spAutoFit/>
+          </a:bodyPr>
+          <a:lstStyle/>
+          <a:p>
+            <a:r>
+              <a:rPr lang="en-US" dirty="0"/>
+              <a:t>Metadata: </a:t>
+            </a:r>
+            <a:r>
+              <a:rPr lang="en-US" dirty="0" err="1"/>
+              <a:t>cds@colData</a:t>
+            </a:r>
+            <a:endParaRPr lang="en-US" dirty="0"/>
+          </a:p>
+        </p:txBody>
+      </p:sp>
+      <p:sp>
+        <p:nvSpPr>
+          <p:cNvPr id="12" name="TextBox 11">
+            <a:extLst>
+              <a:ext uri="{FF2B5EF4-FFF2-40B4-BE49-F238E27FC236}">
+                <a16:creationId xmlns:a16="http://schemas.microsoft.com/office/drawing/2014/main" id="{63214E91-98B6-4727-BFEF-E34F15EA90B5}"/>
+              </a:ext>
+            </a:extLst>
+          </p:cNvPr>
+          <p:cNvSpPr txBox="1"/>
+          <p:nvPr/>
+        </p:nvSpPr>
+        <p:spPr>
+          <a:xfrm>
+            <a:off x="3655541" y="861716"/>
+            <a:ext cx="4107715" cy="369332"/>
+          </a:xfrm>
+          <a:prstGeom prst="rect">
+            <a:avLst/>
+          </a:prstGeom>
+          <a:noFill/>
+          <a:ln>
+            <a:solidFill>
+              <a:schemeClr val="tx1"/>
+            </a:solidFill>
+          </a:ln>
+        </p:spPr>
+        <p:txBody>
+          <a:bodyPr wrap="square">
+            <a:spAutoFit/>
+          </a:bodyPr>
+          <a:lstStyle/>
+          <a:p>
+            <a:r>
+              <a:rPr lang="en-US" dirty="0"/>
+              <a:t>Count Matrix: </a:t>
+            </a:r>
+            <a:r>
+              <a:rPr lang="en-US" dirty="0" err="1"/>
+              <a:t>cds@assays@data$counts</a:t>
+            </a:r>
+            <a:endParaRPr lang="en-US" dirty="0"/>
+          </a:p>
+        </p:txBody>
+      </p:sp>
+      <p:pic>
+        <p:nvPicPr>
+          <p:cNvPr id="14" name="Picture 13">
+            <a:extLst>
+              <a:ext uri="{FF2B5EF4-FFF2-40B4-BE49-F238E27FC236}">
+                <a16:creationId xmlns:a16="http://schemas.microsoft.com/office/drawing/2014/main" id="{69984230-2F58-E723-B6C9-98D626D37518}"/>
+              </a:ext>
+            </a:extLst>
+          </p:cNvPr>
+          <p:cNvPicPr>
+            <a:picLocks noChangeAspect="1"/>
+          </p:cNvPicPr>
+          <p:nvPr/>
+        </p:nvPicPr>
+        <p:blipFill>
+          <a:blip r:embed="rId3"/>
+          <a:stretch>
+            <a:fillRect/>
+          </a:stretch>
+        </p:blipFill>
+        <p:spPr>
+          <a:xfrm>
+            <a:off x="3655541" y="1254266"/>
+            <a:ext cx="6830378" cy="1571844"/>
+          </a:xfrm>
+          <a:prstGeom prst="rect">
+            <a:avLst/>
+          </a:prstGeom>
+        </p:spPr>
+      </p:pic>
+      <p:sp>
+        <p:nvSpPr>
+          <p:cNvPr id="17" name="Rectangle 16">
+            <a:extLst>
+              <a:ext uri="{FF2B5EF4-FFF2-40B4-BE49-F238E27FC236}">
+                <a16:creationId xmlns:a16="http://schemas.microsoft.com/office/drawing/2014/main" id="{68C9D461-D07A-3FD1-994E-64104993A03D}"/>
+              </a:ext>
+            </a:extLst>
+          </p:cNvPr>
+          <p:cNvSpPr/>
+          <p:nvPr/>
+        </p:nvSpPr>
+        <p:spPr>
+          <a:xfrm>
+            <a:off x="8712200" y="4436731"/>
+            <a:ext cx="1556167" cy="1965960"/>
+          </a:xfrm>
+          <a:prstGeom prst="rect">
+            <a:avLst/>
+          </a:prstGeom>
+          <a:noFill/>
+          <a:ln>
+            <a:solidFill>
+              <a:srgbClr val="FFC000"/>
+            </a:solidFill>
+          </a:ln>
+        </p:spPr>
+        <p:style>
+          <a:lnRef idx="2">
+            <a:schemeClr val="accent1">
+              <a:shade val="15000"/>
+            </a:schemeClr>
+          </a:lnRef>
+          <a:fillRef idx="1">
+            <a:schemeClr val="accent1"/>
+          </a:fillRef>
+          <a:effectRef idx="0">
+            <a:schemeClr val="accent1"/>
+          </a:effectRef>
+          <a:fontRef idx="minor">
+            <a:schemeClr val="lt1"/>
+          </a:fontRef>
+        </p:style>
+        <p:txBody>
+          <a:bodyPr rtlCol="0" anchor="ctr"/>
+          <a:lstStyle/>
+          <a:p>
+            <a:pPr algn="ctr"/>
+            <a:endParaRPr lang="en-US"/>
+          </a:p>
+        </p:txBody>
+      </p:sp>
+      <p:sp>
+        <p:nvSpPr>
+          <p:cNvPr id="19" name="TextBox 18">
+            <a:extLst>
+              <a:ext uri="{FF2B5EF4-FFF2-40B4-BE49-F238E27FC236}">
+                <a16:creationId xmlns:a16="http://schemas.microsoft.com/office/drawing/2014/main" id="{966A9564-619E-422E-6E6C-DA2FB9E742F9}"/>
+              </a:ext>
+            </a:extLst>
+          </p:cNvPr>
+          <p:cNvSpPr txBox="1"/>
+          <p:nvPr/>
+        </p:nvSpPr>
+        <p:spPr>
+          <a:xfrm>
+            <a:off x="6457949" y="3210941"/>
+            <a:ext cx="1689758" cy="646331"/>
+          </a:xfrm>
+          <a:prstGeom prst="rect">
+            <a:avLst/>
+          </a:prstGeom>
+          <a:noFill/>
+          <a:ln>
+            <a:solidFill>
+              <a:schemeClr val="tx1"/>
+            </a:solidFill>
+          </a:ln>
+        </p:spPr>
+        <p:txBody>
+          <a:bodyPr wrap="none" rtlCol="0">
+            <a:spAutoFit/>
+          </a:bodyPr>
+          <a:lstStyle/>
+          <a:p>
+            <a:pPr algn="ctr"/>
+            <a:r>
+              <a:rPr lang="en-US" dirty="0"/>
+              <a:t>Cell Annotation </a:t>
+            </a:r>
+          </a:p>
+          <a:p>
+            <a:pPr algn="ctr"/>
+            <a:r>
+              <a:rPr lang="en-US" dirty="0"/>
+              <a:t>Package</a:t>
+            </a:r>
+          </a:p>
+        </p:txBody>
+      </p:sp>
+      <p:sp>
+        <p:nvSpPr>
+          <p:cNvPr id="20" name="Arrow: Right 19">
+            <a:extLst>
+              <a:ext uri="{FF2B5EF4-FFF2-40B4-BE49-F238E27FC236}">
+                <a16:creationId xmlns:a16="http://schemas.microsoft.com/office/drawing/2014/main" id="{A2167F52-7646-0BE4-ED95-1DE0B241F10E}"/>
+              </a:ext>
+            </a:extLst>
+          </p:cNvPr>
+          <p:cNvSpPr/>
+          <p:nvPr/>
+        </p:nvSpPr>
+        <p:spPr>
+          <a:xfrm rot="5400000">
+            <a:off x="7150068" y="2853238"/>
+            <a:ext cx="305520" cy="386089"/>
+          </a:xfrm>
+          <a:prstGeom prst="rightArrow">
+            <a:avLst/>
+          </a:prstGeom>
+          <a:solidFill>
+            <a:srgbClr val="CBCBCB"/>
+          </a:solidFill>
+          <a:ln>
+            <a:noFill/>
+          </a:ln>
+        </p:spPr>
+        <p:style>
+          <a:lnRef idx="2">
+            <a:schemeClr val="accent1">
+              <a:shade val="15000"/>
+            </a:schemeClr>
+          </a:lnRef>
+          <a:fillRef idx="1">
+            <a:schemeClr val="accent1"/>
+          </a:fillRef>
+          <a:effectRef idx="0">
+            <a:schemeClr val="accent1"/>
+          </a:effectRef>
+          <a:fontRef idx="minor">
+            <a:schemeClr val="lt1"/>
+          </a:fontRef>
+        </p:style>
+        <p:txBody>
+          <a:bodyPr rtlCol="0" anchor="ctr"/>
+          <a:lstStyle/>
+          <a:p>
+            <a:pPr algn="ctr"/>
+            <a:endParaRPr lang="en-US"/>
+          </a:p>
+        </p:txBody>
+      </p:sp>
+      <p:sp>
+        <p:nvSpPr>
+          <p:cNvPr id="21" name="Arrow: Right 20">
+            <a:extLst>
+              <a:ext uri="{FF2B5EF4-FFF2-40B4-BE49-F238E27FC236}">
+                <a16:creationId xmlns:a16="http://schemas.microsoft.com/office/drawing/2014/main" id="{40F9070C-E5E3-C0C9-75C2-B2D8B61B1290}"/>
+              </a:ext>
+            </a:extLst>
+          </p:cNvPr>
+          <p:cNvSpPr/>
+          <p:nvPr/>
+        </p:nvSpPr>
+        <p:spPr>
+          <a:xfrm rot="2374729">
+            <a:off x="8207564" y="3745182"/>
+            <a:ext cx="518093" cy="386089"/>
+          </a:xfrm>
+          <a:prstGeom prst="rightArrow">
+            <a:avLst/>
+          </a:prstGeom>
+          <a:solidFill>
+            <a:srgbClr val="CBCBCB"/>
+          </a:solidFill>
+          <a:ln>
+            <a:noFill/>
+          </a:ln>
+        </p:spPr>
+        <p:style>
+          <a:lnRef idx="2">
+            <a:schemeClr val="accent1">
+              <a:shade val="15000"/>
+            </a:schemeClr>
+          </a:lnRef>
+          <a:fillRef idx="1">
+            <a:schemeClr val="accent1"/>
+          </a:fillRef>
+          <a:effectRef idx="0">
+            <a:schemeClr val="accent1"/>
+          </a:effectRef>
+          <a:fontRef idx="minor">
+            <a:schemeClr val="lt1"/>
+          </a:fontRef>
+        </p:style>
+        <p:txBody>
+          <a:bodyPr rtlCol="0" anchor="ctr"/>
+          <a:lstStyle/>
+          <a:p>
+            <a:pPr algn="ctr"/>
+            <a:endParaRPr lang="en-US"/>
+          </a:p>
+        </p:txBody>
+      </p:sp>
+    </p:spTree>
+    <p:extLst>
+      <p:ext uri="{BB962C8B-B14F-4D97-AF65-F5344CB8AC3E}">
+        <p14:creationId xmlns:p14="http://schemas.microsoft.com/office/powerpoint/2010/main" val="4026909794"/>
       </p:ext>
     </p:extLst>
   </p:cSld>

--- a/M6_Monocle_Pseudotime/M5_Monocle_Timeseries.pptx
+++ b/M6_Monocle_Pseudotime/M5_Monocle_Timeseries.pptx
@@ -5,7 +5,7 @@
     <p:sldMasterId id="2147483656" r:id="rId1"/>
   </p:sldMasterIdLst>
   <p:notesMasterIdLst>
-    <p:notesMasterId r:id="rId15"/>
+    <p:notesMasterId r:id="rId16"/>
   </p:notesMasterIdLst>
   <p:sldIdLst>
     <p:sldId id="256" r:id="rId2"/>
@@ -21,6 +21,7 @@
     <p:sldId id="269" r:id="rId12"/>
     <p:sldId id="270" r:id="rId13"/>
     <p:sldId id="271" r:id="rId14"/>
+    <p:sldId id="276" r:id="rId15"/>
   </p:sldIdLst>
   <p:sldSz cx="12192000" cy="6858000"/>
   <p:notesSz cx="6858000" cy="9144000"/>
@@ -209,7 +210,7 @@
           <a:p>
             <a:fld id="{FF40CFF0-3E11-4AF6-9747-7919C58FBC48}" type="datetimeFigureOut">
               <a:rPr lang="en-US" smtClean="0"/>
-              <a:t>2/20/2024</a:t>
+              <a:t>2/21/2024</a:t>
             </a:fld>
             <a:endParaRPr lang="en-US"/>
           </a:p>
@@ -1047,7 +1048,7 @@
           <a:p>
             <a:fld id="{9F69634C-F75C-45F7-A87A-C5E2AF3ECA41}" type="datetimeFigureOut">
               <a:rPr lang="en-US" smtClean="0"/>
-              <a:t>2/20/2024</a:t>
+              <a:t>2/21/2024</a:t>
             </a:fld>
             <a:endParaRPr lang="en-US"/>
           </a:p>
@@ -1212,7 +1213,7 @@
           <a:p>
             <a:fld id="{9F69634C-F75C-45F7-A87A-C5E2AF3ECA41}" type="datetimeFigureOut">
               <a:rPr lang="en-US" smtClean="0"/>
-              <a:t>2/20/2024</a:t>
+              <a:t>2/21/2024</a:t>
             </a:fld>
             <a:endParaRPr lang="en-US"/>
           </a:p>
@@ -1382,7 +1383,7 @@
           <a:p>
             <a:fld id="{9F69634C-F75C-45F7-A87A-C5E2AF3ECA41}" type="datetimeFigureOut">
               <a:rPr lang="en-US" smtClean="0"/>
-              <a:t>2/20/2024</a:t>
+              <a:t>2/21/2024</a:t>
             </a:fld>
             <a:endParaRPr lang="en-US"/>
           </a:p>
@@ -4437,7 +4438,7 @@
           <a:p>
             <a:fld id="{9F69634C-F75C-45F7-A87A-C5E2AF3ECA41}" type="datetimeFigureOut">
               <a:rPr lang="en-US" smtClean="0"/>
-              <a:t>2/20/2024</a:t>
+              <a:t>2/21/2024</a:t>
             </a:fld>
             <a:endParaRPr lang="en-US"/>
           </a:p>
@@ -4702,7 +4703,7 @@
           <a:p>
             <a:fld id="{9F69634C-F75C-45F7-A87A-C5E2AF3ECA41}" type="datetimeFigureOut">
               <a:rPr lang="en-US" smtClean="0"/>
-              <a:t>2/20/2024</a:t>
+              <a:t>2/21/2024</a:t>
             </a:fld>
             <a:endParaRPr lang="en-US"/>
           </a:p>
@@ -4815,7 +4816,7 @@
           <a:p>
             <a:fld id="{9F69634C-F75C-45F7-A87A-C5E2AF3ECA41}" type="datetimeFigureOut">
               <a:rPr lang="en-US" smtClean="0"/>
-              <a:t>2/20/2024</a:t>
+              <a:t>2/21/2024</a:t>
             </a:fld>
             <a:endParaRPr lang="en-US"/>
           </a:p>
@@ -5056,7 +5057,7 @@
           <a:p>
             <a:fld id="{9F69634C-F75C-45F7-A87A-C5E2AF3ECA41}" type="datetimeFigureOut">
               <a:rPr lang="en-US" smtClean="0"/>
-              <a:t>2/20/2024</a:t>
+              <a:t>2/21/2024</a:t>
             </a:fld>
             <a:endParaRPr lang="en-US"/>
           </a:p>
@@ -6823,8 +6824,8 @@
         </p:nvSpPr>
         <p:spPr>
           <a:xfrm>
-            <a:off x="1691034" y="3475128"/>
-            <a:ext cx="1604616" cy="3102998"/>
+            <a:off x="1691034" y="3429000"/>
+            <a:ext cx="1604616" cy="3149126"/>
           </a:xfrm>
           <a:prstGeom prst="rect">
             <a:avLst/>
@@ -7472,6 +7473,143 @@
     <p:extLst>
       <p:ext uri="{BB962C8B-B14F-4D97-AF65-F5344CB8AC3E}">
         <p14:creationId xmlns:p14="http://schemas.microsoft.com/office/powerpoint/2010/main" val="2009768086"/>
+      </p:ext>
+    </p:extLst>
+  </p:cSld>
+  <p:clrMapOvr>
+    <a:masterClrMapping/>
+  </p:clrMapOvr>
+</p:sld>
+</file>
+
+<file path=ppt/slides/slide14.xml><?xml version="1.0" encoding="utf-8"?>
+<p:sld xmlns:a="http://schemas.openxmlformats.org/drawingml/2006/main" xmlns:r="http://schemas.openxmlformats.org/officeDocument/2006/relationships" xmlns:p="http://schemas.openxmlformats.org/presentationml/2006/main">
+  <p:cSld>
+    <p:spTree>
+      <p:nvGrpSpPr>
+        <p:cNvPr id="1" name=""/>
+        <p:cNvGrpSpPr/>
+        <p:nvPr/>
+      </p:nvGrpSpPr>
+      <p:grpSpPr>
+        <a:xfrm>
+          <a:off x="0" y="0"/>
+          <a:ext cx="0" cy="0"/>
+          <a:chOff x="0" y="0"/>
+          <a:chExt cx="0" cy="0"/>
+        </a:xfrm>
+      </p:grpSpPr>
+      <p:sp>
+        <p:nvSpPr>
+          <p:cNvPr id="2" name="Title 1">
+            <a:extLst>
+              <a:ext uri="{FF2B5EF4-FFF2-40B4-BE49-F238E27FC236}">
+                <a16:creationId xmlns:a16="http://schemas.microsoft.com/office/drawing/2014/main" id="{361C74D4-BB8A-C9A5-8875-E490AFD846D3}"/>
+              </a:ext>
+            </a:extLst>
+          </p:cNvPr>
+          <p:cNvSpPr>
+            <a:spLocks noGrp="1"/>
+          </p:cNvSpPr>
+          <p:nvPr>
+            <p:ph type="title"/>
+          </p:nvPr>
+        </p:nvSpPr>
+        <p:spPr/>
+        <p:txBody>
+          <a:bodyPr/>
+          <a:lstStyle/>
+          <a:p>
+            <a:r>
+              <a:rPr lang="en-US" dirty="0"/>
+              <a:t>Monocle Troubleshooting</a:t>
+            </a:r>
+          </a:p>
+        </p:txBody>
+      </p:sp>
+      <p:sp>
+        <p:nvSpPr>
+          <p:cNvPr id="3" name="TextBox 2">
+            <a:extLst>
+              <a:ext uri="{FF2B5EF4-FFF2-40B4-BE49-F238E27FC236}">
+                <a16:creationId xmlns:a16="http://schemas.microsoft.com/office/drawing/2014/main" id="{0403626B-AFC7-59F3-1789-B060AB4080B8}"/>
+              </a:ext>
+            </a:extLst>
+          </p:cNvPr>
+          <p:cNvSpPr txBox="1"/>
+          <p:nvPr/>
+        </p:nvSpPr>
+        <p:spPr>
+          <a:xfrm>
+            <a:off x="237744" y="804672"/>
+            <a:ext cx="7298216" cy="1477328"/>
+          </a:xfrm>
+          <a:prstGeom prst="rect">
+            <a:avLst/>
+          </a:prstGeom>
+          <a:noFill/>
+        </p:spPr>
+        <p:txBody>
+          <a:bodyPr wrap="none" rtlCol="0">
+            <a:spAutoFit/>
+          </a:bodyPr>
+          <a:lstStyle/>
+          <a:p>
+            <a:r>
+              <a:rPr lang="en-US" dirty="0"/>
+              <a:t>Errors with Monocle3</a:t>
+            </a:r>
+          </a:p>
+          <a:p>
+            <a:pPr marL="342900" indent="-342900">
+              <a:buAutoNum type="arabicPeriod"/>
+            </a:pPr>
+            <a:r>
+              <a:rPr lang="en-US" dirty="0"/>
+              <a:t>Packages are not up-to-date</a:t>
+            </a:r>
+          </a:p>
+          <a:p>
+            <a:pPr marL="800100" lvl="1" indent="-342900">
+              <a:buAutoNum type="arabicPeriod"/>
+            </a:pPr>
+            <a:r>
+              <a:rPr lang="en-US" dirty="0"/>
+              <a:t>Install developer versions of Monocle3, </a:t>
+            </a:r>
+            <a:r>
+              <a:rPr lang="en-US" dirty="0" err="1"/>
+              <a:t>SeuratWrappers</a:t>
+            </a:r>
+            <a:r>
+              <a:rPr lang="en-US" dirty="0"/>
+              <a:t>, and Seurat</a:t>
+            </a:r>
+          </a:p>
+          <a:p>
+            <a:pPr marL="342900" indent="-342900">
+              <a:buAutoNum type="arabicPeriod"/>
+            </a:pPr>
+            <a:r>
+              <a:rPr lang="en-US" dirty="0"/>
+              <a:t>Internet search for error message, check for solutions.</a:t>
+            </a:r>
+          </a:p>
+          <a:p>
+            <a:pPr marL="342900" indent="-342900">
+              <a:buAutoNum type="arabicPeriod"/>
+            </a:pPr>
+            <a:r>
+              <a:rPr lang="en-US" dirty="0"/>
+              <a:t>Change parameters and algorithms for the step that raises error.</a:t>
+            </a:r>
+          </a:p>
+        </p:txBody>
+      </p:sp>
+    </p:spTree>
+    <p:extLst>
+      <p:ext uri="{BB962C8B-B14F-4D97-AF65-F5344CB8AC3E}">
+        <p14:creationId xmlns:p14="http://schemas.microsoft.com/office/powerpoint/2010/main" val="599323819"/>
       </p:ext>
     </p:extLst>
   </p:cSld>

--- a/M6_Monocle_Pseudotime/M5_Monocle_Timeseries.pptx
+++ b/M6_Monocle_Pseudotime/M5_Monocle_Timeseries.pptx
@@ -5,7 +5,7 @@
     <p:sldMasterId id="2147483656" r:id="rId1"/>
   </p:sldMasterIdLst>
   <p:notesMasterIdLst>
-    <p:notesMasterId r:id="rId16"/>
+    <p:notesMasterId r:id="rId18"/>
   </p:notesMasterIdLst>
   <p:sldIdLst>
     <p:sldId id="256" r:id="rId2"/>
@@ -22,6 +22,8 @@
     <p:sldId id="270" r:id="rId13"/>
     <p:sldId id="271" r:id="rId14"/>
     <p:sldId id="276" r:id="rId15"/>
+    <p:sldId id="277" r:id="rId16"/>
+    <p:sldId id="278" r:id="rId17"/>
   </p:sldIdLst>
   <p:sldSz cx="12192000" cy="6858000"/>
   <p:notesSz cx="6858000" cy="9144000"/>
@@ -6145,8 +6147,8 @@
         </p:nvSpPr>
         <p:spPr>
           <a:xfrm>
-            <a:off x="90094" y="930296"/>
-            <a:ext cx="1613474" cy="4889320"/>
+            <a:off x="91440" y="941832"/>
+            <a:ext cx="1599594" cy="4773168"/>
           </a:xfrm>
           <a:prstGeom prst="rect">
             <a:avLst/>
@@ -6824,8 +6826,8 @@
         </p:nvSpPr>
         <p:spPr>
           <a:xfrm>
-            <a:off x="1691034" y="3429000"/>
-            <a:ext cx="1604616" cy="3149126"/>
+            <a:off x="1691034" y="3557016"/>
+            <a:ext cx="1604616" cy="3021110"/>
           </a:xfrm>
           <a:prstGeom prst="rect">
             <a:avLst/>
@@ -7541,8 +7543,8 @@
         </p:nvSpPr>
         <p:spPr>
           <a:xfrm>
-            <a:off x="237744" y="804672"/>
-            <a:ext cx="7298216" cy="1477328"/>
+            <a:off x="469375" y="854774"/>
+            <a:ext cx="8428718" cy="2031325"/>
           </a:xfrm>
           <a:prstGeom prst="rect">
             <a:avLst/>
@@ -7583,7 +7585,49 @@
             </a:r>
             <a:r>
               <a:rPr lang="en-US" dirty="0"/>
-              <a:t>, and Seurat</a:t>
+              <a:t>, and Seurat.</a:t>
+            </a:r>
+          </a:p>
+          <a:p>
+            <a:pPr marL="800100" lvl="1" indent="-342900">
+              <a:buAutoNum type="arabicPeriod"/>
+            </a:pPr>
+            <a:r>
+              <a:rPr lang="en-US" dirty="0"/>
+              <a:t>Run utils::</a:t>
+            </a:r>
+            <a:r>
+              <a:rPr lang="en-US" dirty="0" err="1"/>
+              <a:t>update.packages</a:t>
+            </a:r>
+            <a:r>
+              <a:rPr lang="en-US" dirty="0"/>
+              <a:t>() and </a:t>
+            </a:r>
+            <a:r>
+              <a:rPr lang="en-US" dirty="0" err="1"/>
+              <a:t>BiocManager</a:t>
+            </a:r>
+            <a:r>
+              <a:rPr lang="en-US" dirty="0"/>
+              <a:t>::valid().</a:t>
+            </a:r>
+          </a:p>
+          <a:p>
+            <a:pPr marL="800100" lvl="1" indent="-342900">
+              <a:buAutoNum type="arabicPeriod"/>
+            </a:pPr>
+            <a:r>
+              <a:rPr lang="en-US" dirty="0"/>
+              <a:t>If there are warnings that package updates failed, </a:t>
+            </a:r>
+            <a:r>
+              <a:rPr lang="en-US" i="1" dirty="0"/>
+              <a:t>might</a:t>
+            </a:r>
+            <a:r>
+              <a:rPr lang="en-US" dirty="0"/>
+              <a:t> be the cause, debug.</a:t>
             </a:r>
           </a:p>
           <a:p>
@@ -7601,8 +7645,308 @@
             </a:pPr>
             <a:r>
               <a:rPr lang="en-US" dirty="0"/>
-              <a:t>Change parameters and algorithms for the step that raises error.</a:t>
-            </a:r>
+              <a:t>Change parameters and algorithms for the step that raises error or previous steps.</a:t>
+            </a:r>
+          </a:p>
+        </p:txBody>
+      </p:sp>
+      <p:grpSp>
+        <p:nvGrpSpPr>
+          <p:cNvPr id="12" name="Group 11">
+            <a:extLst>
+              <a:ext uri="{FF2B5EF4-FFF2-40B4-BE49-F238E27FC236}">
+                <a16:creationId xmlns:a16="http://schemas.microsoft.com/office/drawing/2014/main" id="{70C0C6DC-C91A-C5AF-0F5F-7EA27A2A06F4}"/>
+              </a:ext>
+            </a:extLst>
+          </p:cNvPr>
+          <p:cNvGrpSpPr/>
+          <p:nvPr/>
+        </p:nvGrpSpPr>
+        <p:grpSpPr>
+          <a:xfrm>
+            <a:off x="1084628" y="3822192"/>
+            <a:ext cx="7306695" cy="1095528"/>
+            <a:chOff x="353108" y="3102086"/>
+            <a:chExt cx="7306695" cy="1095528"/>
+          </a:xfrm>
+        </p:grpSpPr>
+        <p:sp>
+          <p:nvSpPr>
+            <p:cNvPr id="8" name="Rectangle 7">
+              <a:extLst>
+                <a:ext uri="{FF2B5EF4-FFF2-40B4-BE49-F238E27FC236}">
+                  <a16:creationId xmlns:a16="http://schemas.microsoft.com/office/drawing/2014/main" id="{44C87A54-33CA-AC0F-9963-1763992BEA66}"/>
+                </a:ext>
+              </a:extLst>
+            </p:cNvPr>
+            <p:cNvSpPr/>
+            <p:nvPr/>
+          </p:nvSpPr>
+          <p:spPr>
+            <a:xfrm>
+              <a:off x="6489614" y="3227832"/>
+              <a:ext cx="731520" cy="192024"/>
+            </a:xfrm>
+            <a:prstGeom prst="rect">
+              <a:avLst/>
+            </a:prstGeom>
+            <a:solidFill>
+              <a:schemeClr val="accent4">
+                <a:lumMod val="20000"/>
+                <a:lumOff val="80000"/>
+              </a:schemeClr>
+            </a:solidFill>
+            <a:ln>
+              <a:noFill/>
+            </a:ln>
+          </p:spPr>
+          <p:style>
+            <a:lnRef idx="2">
+              <a:schemeClr val="accent1">
+                <a:shade val="15000"/>
+              </a:schemeClr>
+            </a:lnRef>
+            <a:fillRef idx="1">
+              <a:schemeClr val="accent1"/>
+            </a:fillRef>
+            <a:effectRef idx="0">
+              <a:schemeClr val="accent1"/>
+            </a:effectRef>
+            <a:fontRef idx="minor">
+              <a:schemeClr val="lt1"/>
+            </a:fontRef>
+          </p:style>
+          <p:txBody>
+            <a:bodyPr rtlCol="0" anchor="ctr"/>
+            <a:lstStyle/>
+            <a:p>
+              <a:pPr algn="ctr"/>
+              <a:endParaRPr lang="en-US">
+                <a:solidFill>
+                  <a:schemeClr val="accent4">
+                    <a:lumMod val="20000"/>
+                    <a:lumOff val="80000"/>
+                  </a:schemeClr>
+                </a:solidFill>
+              </a:endParaRPr>
+            </a:p>
+          </p:txBody>
+        </p:sp>
+        <p:pic>
+          <p:nvPicPr>
+            <p:cNvPr id="5" name="Picture 4">
+              <a:extLst>
+                <a:ext uri="{FF2B5EF4-FFF2-40B4-BE49-F238E27FC236}">
+                  <a16:creationId xmlns:a16="http://schemas.microsoft.com/office/drawing/2014/main" id="{10836A88-D209-F174-C1F3-417168D5F6A1}"/>
+                </a:ext>
+              </a:extLst>
+            </p:cNvPr>
+            <p:cNvPicPr>
+              <a:picLocks noChangeAspect="1"/>
+            </p:cNvPicPr>
+            <p:nvPr/>
+          </p:nvPicPr>
+          <p:blipFill>
+            <a:blip r:embed="rId2">
+              <a:clrChange>
+                <a:clrFrom>
+                  <a:srgbClr val="FFFFFF"/>
+                </a:clrFrom>
+                <a:clrTo>
+                  <a:srgbClr val="FFFFFF">
+                    <a:alpha val="0"/>
+                  </a:srgbClr>
+                </a:clrTo>
+              </a:clrChange>
+            </a:blip>
+            <a:stretch>
+              <a:fillRect/>
+            </a:stretch>
+          </p:blipFill>
+          <p:spPr>
+            <a:xfrm>
+              <a:off x="353108" y="3102086"/>
+              <a:ext cx="7306695" cy="1095528"/>
+            </a:xfrm>
+            <a:prstGeom prst="rect">
+              <a:avLst/>
+            </a:prstGeom>
+          </p:spPr>
+        </p:pic>
+      </p:grpSp>
+      <p:grpSp>
+        <p:nvGrpSpPr>
+          <p:cNvPr id="11" name="Group 10">
+            <a:extLst>
+              <a:ext uri="{FF2B5EF4-FFF2-40B4-BE49-F238E27FC236}">
+                <a16:creationId xmlns:a16="http://schemas.microsoft.com/office/drawing/2014/main" id="{26228966-9F80-F758-0B24-47ECF284A28A}"/>
+              </a:ext>
+            </a:extLst>
+          </p:cNvPr>
+          <p:cNvGrpSpPr/>
+          <p:nvPr/>
+        </p:nvGrpSpPr>
+        <p:grpSpPr>
+          <a:xfrm>
+            <a:off x="1084628" y="5965849"/>
+            <a:ext cx="7182852" cy="609685"/>
+            <a:chOff x="353108" y="5443643"/>
+            <a:chExt cx="7182852" cy="609685"/>
+          </a:xfrm>
+        </p:grpSpPr>
+        <p:sp>
+          <p:nvSpPr>
+            <p:cNvPr id="9" name="Rectangle 8">
+              <a:extLst>
+                <a:ext uri="{FF2B5EF4-FFF2-40B4-BE49-F238E27FC236}">
+                  <a16:creationId xmlns:a16="http://schemas.microsoft.com/office/drawing/2014/main" id="{40D8655A-A409-647D-DB70-FC807B51950D}"/>
+                </a:ext>
+              </a:extLst>
+            </p:cNvPr>
+            <p:cNvSpPr/>
+            <p:nvPr/>
+          </p:nvSpPr>
+          <p:spPr>
+            <a:xfrm>
+              <a:off x="6523142" y="5560310"/>
+              <a:ext cx="731520" cy="192024"/>
+            </a:xfrm>
+            <a:prstGeom prst="rect">
+              <a:avLst/>
+            </a:prstGeom>
+            <a:solidFill>
+              <a:schemeClr val="accent4">
+                <a:lumMod val="20000"/>
+                <a:lumOff val="80000"/>
+              </a:schemeClr>
+            </a:solidFill>
+            <a:ln>
+              <a:noFill/>
+            </a:ln>
+          </p:spPr>
+          <p:style>
+            <a:lnRef idx="2">
+              <a:schemeClr val="accent1">
+                <a:shade val="15000"/>
+              </a:schemeClr>
+            </a:lnRef>
+            <a:fillRef idx="1">
+              <a:schemeClr val="accent1"/>
+            </a:fillRef>
+            <a:effectRef idx="0">
+              <a:schemeClr val="accent1"/>
+            </a:effectRef>
+            <a:fontRef idx="minor">
+              <a:schemeClr val="lt1"/>
+            </a:fontRef>
+          </p:style>
+          <p:txBody>
+            <a:bodyPr rtlCol="0" anchor="ctr"/>
+            <a:lstStyle/>
+            <a:p>
+              <a:pPr algn="ctr"/>
+              <a:endParaRPr lang="en-US">
+                <a:solidFill>
+                  <a:schemeClr val="accent4">
+                    <a:lumMod val="20000"/>
+                    <a:lumOff val="80000"/>
+                  </a:schemeClr>
+                </a:solidFill>
+              </a:endParaRPr>
+            </a:p>
+          </p:txBody>
+        </p:sp>
+        <p:pic>
+          <p:nvPicPr>
+            <p:cNvPr id="7" name="Picture 6">
+              <a:extLst>
+                <a:ext uri="{FF2B5EF4-FFF2-40B4-BE49-F238E27FC236}">
+                  <a16:creationId xmlns:a16="http://schemas.microsoft.com/office/drawing/2014/main" id="{F19FEAEE-CE82-6410-E581-EBCC0A868696}"/>
+                </a:ext>
+              </a:extLst>
+            </p:cNvPr>
+            <p:cNvPicPr>
+              <a:picLocks noChangeAspect="1"/>
+            </p:cNvPicPr>
+            <p:nvPr/>
+          </p:nvPicPr>
+          <p:blipFill>
+            <a:blip r:embed="rId3">
+              <a:clrChange>
+                <a:clrFrom>
+                  <a:srgbClr val="FFFFFF"/>
+                </a:clrFrom>
+                <a:clrTo>
+                  <a:srgbClr val="FFFFFF">
+                    <a:alpha val="0"/>
+                  </a:srgbClr>
+                </a:clrTo>
+              </a:clrChange>
+            </a:blip>
+            <a:stretch>
+              <a:fillRect/>
+            </a:stretch>
+          </p:blipFill>
+          <p:spPr>
+            <a:xfrm>
+              <a:off x="353108" y="5443643"/>
+              <a:ext cx="7182852" cy="609685"/>
+            </a:xfrm>
+            <a:prstGeom prst="rect">
+              <a:avLst/>
+            </a:prstGeom>
+          </p:spPr>
+        </p:pic>
+      </p:grpSp>
+      <p:sp>
+        <p:nvSpPr>
+          <p:cNvPr id="10" name="Arrow: Right 9">
+            <a:extLst>
+              <a:ext uri="{FF2B5EF4-FFF2-40B4-BE49-F238E27FC236}">
+                <a16:creationId xmlns:a16="http://schemas.microsoft.com/office/drawing/2014/main" id="{C49965D7-3A73-5474-7940-FB10BDEEE5DB}"/>
+              </a:ext>
+            </a:extLst>
+          </p:cNvPr>
+          <p:cNvSpPr/>
+          <p:nvPr/>
+        </p:nvSpPr>
+        <p:spPr>
+          <a:xfrm rot="5400000">
+            <a:off x="4645216" y="5248740"/>
+            <a:ext cx="863420" cy="386089"/>
+          </a:xfrm>
+          <a:prstGeom prst="rightArrow">
+            <a:avLst/>
+          </a:prstGeom>
+          <a:solidFill>
+            <a:srgbClr val="CBCBCB"/>
+          </a:solidFill>
+          <a:ln>
+            <a:noFill/>
+          </a:ln>
+        </p:spPr>
+        <p:style>
+          <a:lnRef idx="2">
+            <a:schemeClr val="accent1">
+              <a:shade val="15000"/>
+            </a:schemeClr>
+          </a:lnRef>
+          <a:fillRef idx="1">
+            <a:schemeClr val="accent1"/>
+          </a:fillRef>
+          <a:effectRef idx="0">
+            <a:schemeClr val="accent1"/>
+          </a:effectRef>
+          <a:fontRef idx="minor">
+            <a:schemeClr val="lt1"/>
+          </a:fontRef>
+        </p:style>
+        <p:txBody>
+          <a:bodyPr rtlCol="0" anchor="ctr"/>
+          <a:lstStyle/>
+          <a:p>
+            <a:pPr algn="ctr"/>
+            <a:endParaRPr lang="en-US" dirty="0"/>
           </a:p>
         </p:txBody>
       </p:sp>
@@ -7610,6 +7954,423 @@
     <p:extLst>
       <p:ext uri="{BB962C8B-B14F-4D97-AF65-F5344CB8AC3E}">
         <p14:creationId xmlns:p14="http://schemas.microsoft.com/office/powerpoint/2010/main" val="599323819"/>
+      </p:ext>
+    </p:extLst>
+  </p:cSld>
+  <p:clrMapOvr>
+    <a:masterClrMapping/>
+  </p:clrMapOvr>
+</p:sld>
+</file>
+
+<file path=ppt/slides/slide15.xml><?xml version="1.0" encoding="utf-8"?>
+<p:sld xmlns:a="http://schemas.openxmlformats.org/drawingml/2006/main" xmlns:r="http://schemas.openxmlformats.org/officeDocument/2006/relationships" xmlns:p="http://schemas.openxmlformats.org/presentationml/2006/main">
+  <p:cSld>
+    <p:spTree>
+      <p:nvGrpSpPr>
+        <p:cNvPr id="1" name=""/>
+        <p:cNvGrpSpPr/>
+        <p:nvPr/>
+      </p:nvGrpSpPr>
+      <p:grpSpPr>
+        <a:xfrm>
+          <a:off x="0" y="0"/>
+          <a:ext cx="0" cy="0"/>
+          <a:chOff x="0" y="0"/>
+          <a:chExt cx="0" cy="0"/>
+        </a:xfrm>
+      </p:grpSpPr>
+      <p:sp>
+        <p:nvSpPr>
+          <p:cNvPr id="2" name="Title 1">
+            <a:extLst>
+              <a:ext uri="{FF2B5EF4-FFF2-40B4-BE49-F238E27FC236}">
+                <a16:creationId xmlns:a16="http://schemas.microsoft.com/office/drawing/2014/main" id="{120035A4-51E8-D250-CDA2-14B0A028AAEF}"/>
+              </a:ext>
+            </a:extLst>
+          </p:cNvPr>
+          <p:cNvSpPr>
+            <a:spLocks noGrp="1"/>
+          </p:cNvSpPr>
+          <p:nvPr>
+            <p:ph type="title"/>
+          </p:nvPr>
+        </p:nvSpPr>
+        <p:spPr/>
+        <p:txBody>
+          <a:bodyPr/>
+          <a:lstStyle/>
+          <a:p>
+            <a:r>
+              <a:rPr lang="en-US" dirty="0"/>
+              <a:t>PBMC3K Dataset: Limitations of </a:t>
+            </a:r>
+            <a:r>
+              <a:rPr lang="en-US" dirty="0" err="1"/>
+              <a:t>Pseudotime</a:t>
+            </a:r>
+            <a:r>
+              <a:rPr lang="en-US" dirty="0"/>
+              <a:t> Analysis</a:t>
+            </a:r>
+          </a:p>
+        </p:txBody>
+      </p:sp>
+      <p:pic>
+        <p:nvPicPr>
+          <p:cNvPr id="4" name="Picture 3">
+            <a:extLst>
+              <a:ext uri="{FF2B5EF4-FFF2-40B4-BE49-F238E27FC236}">
+                <a16:creationId xmlns:a16="http://schemas.microsoft.com/office/drawing/2014/main" id="{77AED34E-FF2D-D071-6D64-F0F37BB8C86A}"/>
+              </a:ext>
+            </a:extLst>
+          </p:cNvPr>
+          <p:cNvPicPr>
+            <a:picLocks noChangeAspect="1"/>
+          </p:cNvPicPr>
+          <p:nvPr/>
+        </p:nvPicPr>
+        <p:blipFill>
+          <a:blip r:embed="rId2"/>
+          <a:stretch>
+            <a:fillRect/>
+          </a:stretch>
+        </p:blipFill>
+        <p:spPr>
+          <a:xfrm>
+            <a:off x="166450" y="684386"/>
+            <a:ext cx="6134956" cy="2638793"/>
+          </a:xfrm>
+          <a:prstGeom prst="rect">
+            <a:avLst/>
+          </a:prstGeom>
+        </p:spPr>
+      </p:pic>
+      <p:pic>
+        <p:nvPicPr>
+          <p:cNvPr id="6" name="Picture 5">
+            <a:extLst>
+              <a:ext uri="{FF2B5EF4-FFF2-40B4-BE49-F238E27FC236}">
+                <a16:creationId xmlns:a16="http://schemas.microsoft.com/office/drawing/2014/main" id="{E3AF35CC-EB65-63FE-635C-FF2D054280A5}"/>
+              </a:ext>
+            </a:extLst>
+          </p:cNvPr>
+          <p:cNvPicPr>
+            <a:picLocks noChangeAspect="1"/>
+          </p:cNvPicPr>
+          <p:nvPr/>
+        </p:nvPicPr>
+        <p:blipFill>
+          <a:blip r:embed="rId3"/>
+          <a:stretch>
+            <a:fillRect/>
+          </a:stretch>
+        </p:blipFill>
+        <p:spPr>
+          <a:xfrm>
+            <a:off x="593430" y="3852109"/>
+            <a:ext cx="4152306" cy="2996747"/>
+          </a:xfrm>
+          <a:prstGeom prst="rect">
+            <a:avLst/>
+          </a:prstGeom>
+        </p:spPr>
+      </p:pic>
+      <p:sp>
+        <p:nvSpPr>
+          <p:cNvPr id="7" name="TextBox 6">
+            <a:extLst>
+              <a:ext uri="{FF2B5EF4-FFF2-40B4-BE49-F238E27FC236}">
+                <a16:creationId xmlns:a16="http://schemas.microsoft.com/office/drawing/2014/main" id="{C9E0DB7C-BDAE-A8B0-E096-9F963ADBA2A3}"/>
+              </a:ext>
+            </a:extLst>
+          </p:cNvPr>
+          <p:cNvSpPr txBox="1"/>
+          <p:nvPr/>
+        </p:nvSpPr>
+        <p:spPr>
+          <a:xfrm>
+            <a:off x="3707129" y="3959353"/>
+            <a:ext cx="925831" cy="369332"/>
+          </a:xfrm>
+          <a:prstGeom prst="rect">
+            <a:avLst/>
+          </a:prstGeom>
+          <a:noFill/>
+          <a:ln>
+            <a:solidFill>
+              <a:schemeClr val="tx1"/>
+            </a:solidFill>
+          </a:ln>
+        </p:spPr>
+        <p:txBody>
+          <a:bodyPr wrap="none" rtlCol="0">
+            <a:spAutoFit/>
+          </a:bodyPr>
+          <a:lstStyle/>
+          <a:p>
+            <a:r>
+              <a:rPr lang="en-US" dirty="0"/>
+              <a:t>Clusters</a:t>
+            </a:r>
+          </a:p>
+        </p:txBody>
+      </p:sp>
+      <p:pic>
+        <p:nvPicPr>
+          <p:cNvPr id="9" name="Picture 8">
+            <a:extLst>
+              <a:ext uri="{FF2B5EF4-FFF2-40B4-BE49-F238E27FC236}">
+                <a16:creationId xmlns:a16="http://schemas.microsoft.com/office/drawing/2014/main" id="{EBB0ECE6-14A9-CAFE-EF84-7DB8EE479E1A}"/>
+              </a:ext>
+            </a:extLst>
+          </p:cNvPr>
+          <p:cNvPicPr>
+            <a:picLocks noChangeAspect="1"/>
+          </p:cNvPicPr>
+          <p:nvPr/>
+        </p:nvPicPr>
+        <p:blipFill rotWithShape="1">
+          <a:blip r:embed="rId4"/>
+          <a:srcRect t="833" b="1"/>
+          <a:stretch/>
+        </p:blipFill>
+        <p:spPr>
+          <a:xfrm>
+            <a:off x="7307978" y="740663"/>
+            <a:ext cx="4039927" cy="2865777"/>
+          </a:xfrm>
+          <a:prstGeom prst="rect">
+            <a:avLst/>
+          </a:prstGeom>
+        </p:spPr>
+      </p:pic>
+      <p:pic>
+        <p:nvPicPr>
+          <p:cNvPr id="11" name="Picture 10">
+            <a:extLst>
+              <a:ext uri="{FF2B5EF4-FFF2-40B4-BE49-F238E27FC236}">
+                <a16:creationId xmlns:a16="http://schemas.microsoft.com/office/drawing/2014/main" id="{5883CDE5-3200-A9DA-0B2E-6EE06125EE73}"/>
+              </a:ext>
+            </a:extLst>
+          </p:cNvPr>
+          <p:cNvPicPr>
+            <a:picLocks noChangeAspect="1"/>
+          </p:cNvPicPr>
+          <p:nvPr/>
+        </p:nvPicPr>
+        <p:blipFill>
+          <a:blip r:embed="rId5"/>
+          <a:stretch>
+            <a:fillRect/>
+          </a:stretch>
+        </p:blipFill>
+        <p:spPr>
+          <a:xfrm>
+            <a:off x="7388603" y="3693835"/>
+            <a:ext cx="4251710" cy="3143870"/>
+          </a:xfrm>
+          <a:prstGeom prst="rect">
+            <a:avLst/>
+          </a:prstGeom>
+        </p:spPr>
+      </p:pic>
+      <p:sp>
+        <p:nvSpPr>
+          <p:cNvPr id="12" name="TextBox 11">
+            <a:extLst>
+              <a:ext uri="{FF2B5EF4-FFF2-40B4-BE49-F238E27FC236}">
+                <a16:creationId xmlns:a16="http://schemas.microsoft.com/office/drawing/2014/main" id="{85C64F9A-5589-76C2-E610-B4613C338A39}"/>
+              </a:ext>
+            </a:extLst>
+          </p:cNvPr>
+          <p:cNvSpPr txBox="1"/>
+          <p:nvPr/>
+        </p:nvSpPr>
+        <p:spPr>
+          <a:xfrm>
+            <a:off x="10265686" y="911353"/>
+            <a:ext cx="1082219" cy="369332"/>
+          </a:xfrm>
+          <a:prstGeom prst="rect">
+            <a:avLst/>
+          </a:prstGeom>
+          <a:noFill/>
+          <a:ln>
+            <a:solidFill>
+              <a:schemeClr val="tx1"/>
+            </a:solidFill>
+          </a:ln>
+        </p:spPr>
+        <p:txBody>
+          <a:bodyPr wrap="none" rtlCol="0">
+            <a:spAutoFit/>
+          </a:bodyPr>
+          <a:lstStyle/>
+          <a:p>
+            <a:r>
+              <a:rPr lang="en-US" dirty="0"/>
+              <a:t>Partitions</a:t>
+            </a:r>
+          </a:p>
+        </p:txBody>
+      </p:sp>
+      <p:sp>
+        <p:nvSpPr>
+          <p:cNvPr id="13" name="TextBox 12">
+            <a:extLst>
+              <a:ext uri="{FF2B5EF4-FFF2-40B4-BE49-F238E27FC236}">
+                <a16:creationId xmlns:a16="http://schemas.microsoft.com/office/drawing/2014/main" id="{C116EBD9-C71D-B286-02DD-14D84E8EE879}"/>
+              </a:ext>
+            </a:extLst>
+          </p:cNvPr>
+          <p:cNvSpPr txBox="1"/>
+          <p:nvPr/>
+        </p:nvSpPr>
+        <p:spPr>
+          <a:xfrm>
+            <a:off x="10265686" y="4144019"/>
+            <a:ext cx="1168077" cy="646331"/>
+          </a:xfrm>
+          <a:prstGeom prst="rect">
+            <a:avLst/>
+          </a:prstGeom>
+          <a:noFill/>
+          <a:ln>
+            <a:solidFill>
+              <a:schemeClr val="tx1"/>
+            </a:solidFill>
+          </a:ln>
+        </p:spPr>
+        <p:txBody>
+          <a:bodyPr wrap="none" rtlCol="0">
+            <a:spAutoFit/>
+          </a:bodyPr>
+          <a:lstStyle/>
+          <a:p>
+            <a:pPr algn="ctr"/>
+            <a:r>
+              <a:rPr lang="en-US" dirty="0"/>
+              <a:t>Cell  Types</a:t>
+            </a:r>
+          </a:p>
+          <a:p>
+            <a:pPr algn="ctr"/>
+            <a:r>
+              <a:rPr lang="en-US" dirty="0"/>
+              <a:t>(</a:t>
+            </a:r>
+            <a:r>
+              <a:rPr lang="en-US" dirty="0" err="1"/>
+              <a:t>scType</a:t>
+            </a:r>
+            <a:r>
+              <a:rPr lang="en-US" dirty="0"/>
+              <a:t>)</a:t>
+            </a:r>
+          </a:p>
+        </p:txBody>
+      </p:sp>
+    </p:spTree>
+    <p:extLst>
+      <p:ext uri="{BB962C8B-B14F-4D97-AF65-F5344CB8AC3E}">
+        <p14:creationId xmlns:p14="http://schemas.microsoft.com/office/powerpoint/2010/main" val="2428122426"/>
+      </p:ext>
+    </p:extLst>
+  </p:cSld>
+  <p:clrMapOvr>
+    <a:masterClrMapping/>
+  </p:clrMapOvr>
+</p:sld>
+</file>
+
+<file path=ppt/slides/slide16.xml><?xml version="1.0" encoding="utf-8"?>
+<p:sld xmlns:a="http://schemas.openxmlformats.org/drawingml/2006/main" xmlns:r="http://schemas.openxmlformats.org/officeDocument/2006/relationships" xmlns:p="http://schemas.openxmlformats.org/presentationml/2006/main">
+  <p:cSld>
+    <p:spTree>
+      <p:nvGrpSpPr>
+        <p:cNvPr id="1" name=""/>
+        <p:cNvGrpSpPr/>
+        <p:nvPr/>
+      </p:nvGrpSpPr>
+      <p:grpSpPr>
+        <a:xfrm>
+          <a:off x="0" y="0"/>
+          <a:ext cx="0" cy="0"/>
+          <a:chOff x="0" y="0"/>
+          <a:chExt cx="0" cy="0"/>
+        </a:xfrm>
+      </p:grpSpPr>
+      <p:sp>
+        <p:nvSpPr>
+          <p:cNvPr id="2" name="Title 1">
+            <a:extLst>
+              <a:ext uri="{FF2B5EF4-FFF2-40B4-BE49-F238E27FC236}">
+                <a16:creationId xmlns:a16="http://schemas.microsoft.com/office/drawing/2014/main" id="{6C9FF62E-1E81-C949-C9BF-4F85541E98B2}"/>
+              </a:ext>
+            </a:extLst>
+          </p:cNvPr>
+          <p:cNvSpPr>
+            <a:spLocks noGrp="1"/>
+          </p:cNvSpPr>
+          <p:nvPr>
+            <p:ph type="title"/>
+          </p:nvPr>
+        </p:nvSpPr>
+        <p:spPr/>
+        <p:txBody>
+          <a:bodyPr/>
+          <a:lstStyle/>
+          <a:p>
+            <a:r>
+              <a:rPr lang="en-US" dirty="0"/>
+              <a:t>PBMC3K Dataset: Limitations of </a:t>
+            </a:r>
+            <a:r>
+              <a:rPr lang="en-US" dirty="0" err="1"/>
+              <a:t>Pseudotime</a:t>
+            </a:r>
+            <a:r>
+              <a:rPr lang="en-US" dirty="0"/>
+              <a:t> Analysis</a:t>
+            </a:r>
+          </a:p>
+        </p:txBody>
+      </p:sp>
+      <p:pic>
+        <p:nvPicPr>
+          <p:cNvPr id="5" name="Picture 4">
+            <a:extLst>
+              <a:ext uri="{FF2B5EF4-FFF2-40B4-BE49-F238E27FC236}">
+                <a16:creationId xmlns:a16="http://schemas.microsoft.com/office/drawing/2014/main" id="{103E835D-B83C-00A7-4F13-2E97208F1986}"/>
+              </a:ext>
+            </a:extLst>
+          </p:cNvPr>
+          <p:cNvPicPr>
+            <a:picLocks noChangeAspect="1"/>
+          </p:cNvPicPr>
+          <p:nvPr/>
+        </p:nvPicPr>
+        <p:blipFill>
+          <a:blip r:embed="rId2"/>
+          <a:stretch>
+            <a:fillRect/>
+          </a:stretch>
+        </p:blipFill>
+        <p:spPr>
+          <a:xfrm>
+            <a:off x="1722843" y="1234440"/>
+            <a:ext cx="8746314" cy="4789361"/>
+          </a:xfrm>
+          <a:prstGeom prst="rect">
+            <a:avLst/>
+          </a:prstGeom>
+        </p:spPr>
+      </p:pic>
+    </p:spTree>
+    <p:extLst>
+      <p:ext uri="{BB962C8B-B14F-4D97-AF65-F5344CB8AC3E}">
+        <p14:creationId xmlns:p14="http://schemas.microsoft.com/office/powerpoint/2010/main" val="75727856"/>
       </p:ext>
     </p:extLst>
   </p:cSld>
@@ -7767,7 +8528,7 @@
         </p:nvSpPr>
         <p:spPr>
           <a:xfrm>
-            <a:off x="7400807" y="1443335"/>
+            <a:off x="6822309" y="1720334"/>
             <a:ext cx="7785336" cy="923330"/>
           </a:xfrm>
           <a:prstGeom prst="rect">
@@ -10494,6 +11255,2832 @@
           </a:p>
         </p:txBody>
       </p:sp>
+      <p:sp>
+        <p:nvSpPr>
+          <p:cNvPr id="301" name="Arrow: Right 147">
+            <a:extLst>
+              <a:ext uri="{FF2B5EF4-FFF2-40B4-BE49-F238E27FC236}">
+                <a16:creationId xmlns:a16="http://schemas.microsoft.com/office/drawing/2014/main" id="{0BEFAFFB-3F45-999A-EE8C-C236F75E6FDE}"/>
+              </a:ext>
+            </a:extLst>
+          </p:cNvPr>
+          <p:cNvSpPr/>
+          <p:nvPr/>
+        </p:nvSpPr>
+        <p:spPr>
+          <a:xfrm rot="2467564">
+            <a:off x="5901574" y="6561765"/>
+            <a:ext cx="666855" cy="197718"/>
+          </a:xfrm>
+          <a:custGeom>
+            <a:avLst/>
+            <a:gdLst>
+              <a:gd name="connsiteX0" fmla="*/ 0 w 865995"/>
+              <a:gd name="connsiteY0" fmla="*/ 96522 h 386089"/>
+              <a:gd name="connsiteX1" fmla="*/ 672951 w 865995"/>
+              <a:gd name="connsiteY1" fmla="*/ 96522 h 386089"/>
+              <a:gd name="connsiteX2" fmla="*/ 672951 w 865995"/>
+              <a:gd name="connsiteY2" fmla="*/ 0 h 386089"/>
+              <a:gd name="connsiteX3" fmla="*/ 865995 w 865995"/>
+              <a:gd name="connsiteY3" fmla="*/ 193045 h 386089"/>
+              <a:gd name="connsiteX4" fmla="*/ 672951 w 865995"/>
+              <a:gd name="connsiteY4" fmla="*/ 386089 h 386089"/>
+              <a:gd name="connsiteX5" fmla="*/ 672951 w 865995"/>
+              <a:gd name="connsiteY5" fmla="*/ 289567 h 386089"/>
+              <a:gd name="connsiteX6" fmla="*/ 0 w 865995"/>
+              <a:gd name="connsiteY6" fmla="*/ 289567 h 386089"/>
+              <a:gd name="connsiteX7" fmla="*/ 0 w 865995"/>
+              <a:gd name="connsiteY7" fmla="*/ 96522 h 386089"/>
+              <a:gd name="connsiteX0" fmla="*/ 0 w 865995"/>
+              <a:gd name="connsiteY0" fmla="*/ 0 h 289567"/>
+              <a:gd name="connsiteX1" fmla="*/ 672951 w 865995"/>
+              <a:gd name="connsiteY1" fmla="*/ 0 h 289567"/>
+              <a:gd name="connsiteX2" fmla="*/ 865995 w 865995"/>
+              <a:gd name="connsiteY2" fmla="*/ 96523 h 289567"/>
+              <a:gd name="connsiteX3" fmla="*/ 672951 w 865995"/>
+              <a:gd name="connsiteY3" fmla="*/ 289567 h 289567"/>
+              <a:gd name="connsiteX4" fmla="*/ 672951 w 865995"/>
+              <a:gd name="connsiteY4" fmla="*/ 193045 h 289567"/>
+              <a:gd name="connsiteX5" fmla="*/ 0 w 865995"/>
+              <a:gd name="connsiteY5" fmla="*/ 193045 h 289567"/>
+              <a:gd name="connsiteX6" fmla="*/ 0 w 865995"/>
+              <a:gd name="connsiteY6" fmla="*/ 0 h 289567"/>
+              <a:gd name="connsiteX0" fmla="*/ 0 w 672951"/>
+              <a:gd name="connsiteY0" fmla="*/ 0 h 289567"/>
+              <a:gd name="connsiteX1" fmla="*/ 672951 w 672951"/>
+              <a:gd name="connsiteY1" fmla="*/ 0 h 289567"/>
+              <a:gd name="connsiteX2" fmla="*/ 672951 w 672951"/>
+              <a:gd name="connsiteY2" fmla="*/ 289567 h 289567"/>
+              <a:gd name="connsiteX3" fmla="*/ 672951 w 672951"/>
+              <a:gd name="connsiteY3" fmla="*/ 193045 h 289567"/>
+              <a:gd name="connsiteX4" fmla="*/ 0 w 672951"/>
+              <a:gd name="connsiteY4" fmla="*/ 193045 h 289567"/>
+              <a:gd name="connsiteX5" fmla="*/ 0 w 672951"/>
+              <a:gd name="connsiteY5" fmla="*/ 0 h 289567"/>
+              <a:gd name="connsiteX0" fmla="*/ 0 w 672951"/>
+              <a:gd name="connsiteY0" fmla="*/ 0 h 193045"/>
+              <a:gd name="connsiteX1" fmla="*/ 672951 w 672951"/>
+              <a:gd name="connsiteY1" fmla="*/ 0 h 193045"/>
+              <a:gd name="connsiteX2" fmla="*/ 672951 w 672951"/>
+              <a:gd name="connsiteY2" fmla="*/ 193045 h 193045"/>
+              <a:gd name="connsiteX3" fmla="*/ 0 w 672951"/>
+              <a:gd name="connsiteY3" fmla="*/ 193045 h 193045"/>
+              <a:gd name="connsiteX4" fmla="*/ 0 w 672951"/>
+              <a:gd name="connsiteY4" fmla="*/ 0 h 193045"/>
+              <a:gd name="connsiteX0" fmla="*/ 0 w 672951"/>
+              <a:gd name="connsiteY0" fmla="*/ 0 h 193045"/>
+              <a:gd name="connsiteX1" fmla="*/ 629045 w 672951"/>
+              <a:gd name="connsiteY1" fmla="*/ 402 h 193045"/>
+              <a:gd name="connsiteX2" fmla="*/ 672951 w 672951"/>
+              <a:gd name="connsiteY2" fmla="*/ 193045 h 193045"/>
+              <a:gd name="connsiteX3" fmla="*/ 0 w 672951"/>
+              <a:gd name="connsiteY3" fmla="*/ 193045 h 193045"/>
+              <a:gd name="connsiteX4" fmla="*/ 0 w 672951"/>
+              <a:gd name="connsiteY4" fmla="*/ 0 h 193045"/>
+              <a:gd name="connsiteX0" fmla="*/ 0 w 629045"/>
+              <a:gd name="connsiteY0" fmla="*/ 0 h 193045"/>
+              <a:gd name="connsiteX1" fmla="*/ 629045 w 629045"/>
+              <a:gd name="connsiteY1" fmla="*/ 402 h 193045"/>
+              <a:gd name="connsiteX2" fmla="*/ 416461 w 629045"/>
+              <a:gd name="connsiteY2" fmla="*/ 192553 h 193045"/>
+              <a:gd name="connsiteX3" fmla="*/ 0 w 629045"/>
+              <a:gd name="connsiteY3" fmla="*/ 193045 h 193045"/>
+              <a:gd name="connsiteX4" fmla="*/ 0 w 629045"/>
+              <a:gd name="connsiteY4" fmla="*/ 0 h 193045"/>
+              <a:gd name="connsiteX0" fmla="*/ 0 w 637559"/>
+              <a:gd name="connsiteY0" fmla="*/ 709 h 193754"/>
+              <a:gd name="connsiteX1" fmla="*/ 637559 w 637559"/>
+              <a:gd name="connsiteY1" fmla="*/ 0 h 193754"/>
+              <a:gd name="connsiteX2" fmla="*/ 416461 w 637559"/>
+              <a:gd name="connsiteY2" fmla="*/ 193262 h 193754"/>
+              <a:gd name="connsiteX3" fmla="*/ 0 w 637559"/>
+              <a:gd name="connsiteY3" fmla="*/ 193754 h 193754"/>
+              <a:gd name="connsiteX4" fmla="*/ 0 w 637559"/>
+              <a:gd name="connsiteY4" fmla="*/ 709 h 193754"/>
+              <a:gd name="connsiteX0" fmla="*/ 0 w 824232"/>
+              <a:gd name="connsiteY0" fmla="*/ 0 h 194435"/>
+              <a:gd name="connsiteX1" fmla="*/ 824232 w 824232"/>
+              <a:gd name="connsiteY1" fmla="*/ 681 h 194435"/>
+              <a:gd name="connsiteX2" fmla="*/ 603134 w 824232"/>
+              <a:gd name="connsiteY2" fmla="*/ 193943 h 194435"/>
+              <a:gd name="connsiteX3" fmla="*/ 186673 w 824232"/>
+              <a:gd name="connsiteY3" fmla="*/ 194435 h 194435"/>
+              <a:gd name="connsiteX4" fmla="*/ 0 w 824232"/>
+              <a:gd name="connsiteY4" fmla="*/ 0 h 194435"/>
+              <a:gd name="connsiteX0" fmla="*/ 0 w 806312"/>
+              <a:gd name="connsiteY0" fmla="*/ 534 h 193754"/>
+              <a:gd name="connsiteX1" fmla="*/ 806312 w 806312"/>
+              <a:gd name="connsiteY1" fmla="*/ 0 h 193754"/>
+              <a:gd name="connsiteX2" fmla="*/ 585214 w 806312"/>
+              <a:gd name="connsiteY2" fmla="*/ 193262 h 193754"/>
+              <a:gd name="connsiteX3" fmla="*/ 168753 w 806312"/>
+              <a:gd name="connsiteY3" fmla="*/ 193754 h 193754"/>
+              <a:gd name="connsiteX4" fmla="*/ 0 w 806312"/>
+              <a:gd name="connsiteY4" fmla="*/ 534 h 193754"/>
+              <a:gd name="connsiteX0" fmla="*/ 0 w 806312"/>
+              <a:gd name="connsiteY0" fmla="*/ 534 h 194803"/>
+              <a:gd name="connsiteX1" fmla="*/ 806312 w 806312"/>
+              <a:gd name="connsiteY1" fmla="*/ 0 h 194803"/>
+              <a:gd name="connsiteX2" fmla="*/ 553548 w 806312"/>
+              <a:gd name="connsiteY2" fmla="*/ 194803 h 194803"/>
+              <a:gd name="connsiteX3" fmla="*/ 168753 w 806312"/>
+              <a:gd name="connsiteY3" fmla="*/ 193754 h 194803"/>
+              <a:gd name="connsiteX4" fmla="*/ 0 w 806312"/>
+              <a:gd name="connsiteY4" fmla="*/ 534 h 194803"/>
+              <a:gd name="connsiteX0" fmla="*/ 0 w 806312"/>
+              <a:gd name="connsiteY0" fmla="*/ 534 h 193754"/>
+              <a:gd name="connsiteX1" fmla="*/ 806312 w 806312"/>
+              <a:gd name="connsiteY1" fmla="*/ 0 h 193754"/>
+              <a:gd name="connsiteX2" fmla="*/ 551719 w 806312"/>
+              <a:gd name="connsiteY2" fmla="*/ 193009 h 193754"/>
+              <a:gd name="connsiteX3" fmla="*/ 168753 w 806312"/>
+              <a:gd name="connsiteY3" fmla="*/ 193754 h 193754"/>
+              <a:gd name="connsiteX4" fmla="*/ 0 w 806312"/>
+              <a:gd name="connsiteY4" fmla="*/ 534 h 193754"/>
+              <a:gd name="connsiteX0" fmla="*/ 0 w 806312"/>
+              <a:gd name="connsiteY0" fmla="*/ 534 h 195803"/>
+              <a:gd name="connsiteX1" fmla="*/ 806312 w 806312"/>
+              <a:gd name="connsiteY1" fmla="*/ 0 h 195803"/>
+              <a:gd name="connsiteX2" fmla="*/ 551719 w 806312"/>
+              <a:gd name="connsiteY2" fmla="*/ 193009 h 195803"/>
+              <a:gd name="connsiteX3" fmla="*/ 204081 w 806312"/>
+              <a:gd name="connsiteY3" fmla="*/ 195803 h 195803"/>
+              <a:gd name="connsiteX4" fmla="*/ 0 w 806312"/>
+              <a:gd name="connsiteY4" fmla="*/ 534 h 195803"/>
+              <a:gd name="connsiteX0" fmla="*/ 0 w 843224"/>
+              <a:gd name="connsiteY0" fmla="*/ 280 h 195549"/>
+              <a:gd name="connsiteX1" fmla="*/ 843225 w 843224"/>
+              <a:gd name="connsiteY1" fmla="*/ 0 h 195549"/>
+              <a:gd name="connsiteX2" fmla="*/ 551719 w 843224"/>
+              <a:gd name="connsiteY2" fmla="*/ 192755 h 195549"/>
+              <a:gd name="connsiteX3" fmla="*/ 204081 w 843224"/>
+              <a:gd name="connsiteY3" fmla="*/ 195549 h 195549"/>
+              <a:gd name="connsiteX4" fmla="*/ 0 w 843224"/>
+              <a:gd name="connsiteY4" fmla="*/ 280 h 195549"/>
+              <a:gd name="connsiteX0" fmla="*/ 1 w 858512"/>
+              <a:gd name="connsiteY0" fmla="*/ 1163 h 195549"/>
+              <a:gd name="connsiteX1" fmla="*/ 858512 w 858512"/>
+              <a:gd name="connsiteY1" fmla="*/ 0 h 195549"/>
+              <a:gd name="connsiteX2" fmla="*/ 567006 w 858512"/>
+              <a:gd name="connsiteY2" fmla="*/ 192755 h 195549"/>
+              <a:gd name="connsiteX3" fmla="*/ 219368 w 858512"/>
+              <a:gd name="connsiteY3" fmla="*/ 195549 h 195549"/>
+              <a:gd name="connsiteX4" fmla="*/ 1 w 858512"/>
+              <a:gd name="connsiteY4" fmla="*/ 1163 h 195549"/>
+              <a:gd name="connsiteX0" fmla="*/ 0 w 858511"/>
+              <a:gd name="connsiteY0" fmla="*/ 1163 h 197718"/>
+              <a:gd name="connsiteX1" fmla="*/ 858511 w 858511"/>
+              <a:gd name="connsiteY1" fmla="*/ 0 h 197718"/>
+              <a:gd name="connsiteX2" fmla="*/ 567005 w 858511"/>
+              <a:gd name="connsiteY2" fmla="*/ 192755 h 197718"/>
+              <a:gd name="connsiteX3" fmla="*/ 132271 w 858511"/>
+              <a:gd name="connsiteY3" fmla="*/ 197718 h 197718"/>
+              <a:gd name="connsiteX4" fmla="*/ 0 w 858511"/>
+              <a:gd name="connsiteY4" fmla="*/ 1163 h 197718"/>
+            </a:gdLst>
+            <a:ahLst/>
+            <a:cxnLst>
+              <a:cxn ang="0">
+                <a:pos x="connsiteX0" y="connsiteY0"/>
+              </a:cxn>
+              <a:cxn ang="0">
+                <a:pos x="connsiteX1" y="connsiteY1"/>
+              </a:cxn>
+              <a:cxn ang="0">
+                <a:pos x="connsiteX2" y="connsiteY2"/>
+              </a:cxn>
+              <a:cxn ang="0">
+                <a:pos x="connsiteX3" y="connsiteY3"/>
+              </a:cxn>
+              <a:cxn ang="0">
+                <a:pos x="connsiteX4" y="connsiteY4"/>
+              </a:cxn>
+            </a:cxnLst>
+            <a:rect l="l" t="t" r="r" b="b"/>
+            <a:pathLst>
+              <a:path w="858511" h="197718">
+                <a:moveTo>
+                  <a:pt x="0" y="1163"/>
+                </a:moveTo>
+                <a:lnTo>
+                  <a:pt x="858511" y="0"/>
+                </a:lnTo>
+                <a:lnTo>
+                  <a:pt x="567005" y="192755"/>
+                </a:lnTo>
+                <a:lnTo>
+                  <a:pt x="132271" y="197718"/>
+                </a:lnTo>
+                <a:lnTo>
+                  <a:pt x="0" y="1163"/>
+                </a:lnTo>
+                <a:close/>
+              </a:path>
+            </a:pathLst>
+          </a:custGeom>
+          <a:solidFill>
+            <a:srgbClr val="CBCBCB"/>
+          </a:solidFill>
+          <a:ln>
+            <a:noFill/>
+          </a:ln>
+        </p:spPr>
+        <p:style>
+          <a:lnRef idx="2">
+            <a:schemeClr val="accent1">
+              <a:shade val="15000"/>
+            </a:schemeClr>
+          </a:lnRef>
+          <a:fillRef idx="1">
+            <a:schemeClr val="accent1"/>
+          </a:fillRef>
+          <a:effectRef idx="0">
+            <a:schemeClr val="accent1"/>
+          </a:effectRef>
+          <a:fontRef idx="minor">
+            <a:schemeClr val="lt1"/>
+          </a:fontRef>
+        </p:style>
+        <p:txBody>
+          <a:bodyPr rtlCol="0" anchor="ctr"/>
+          <a:lstStyle/>
+          <a:p>
+            <a:pPr algn="ctr"/>
+            <a:endParaRPr lang="en-US"/>
+          </a:p>
+        </p:txBody>
+      </p:sp>
+      <p:sp>
+        <p:nvSpPr>
+          <p:cNvPr id="302" name="Arrow: Right 148">
+            <a:extLst>
+              <a:ext uri="{FF2B5EF4-FFF2-40B4-BE49-F238E27FC236}">
+                <a16:creationId xmlns:a16="http://schemas.microsoft.com/office/drawing/2014/main" id="{1311CEA5-5A9A-8DA1-5F4F-F3756F6E9426}"/>
+              </a:ext>
+            </a:extLst>
+          </p:cNvPr>
+          <p:cNvSpPr/>
+          <p:nvPr/>
+        </p:nvSpPr>
+        <p:spPr>
+          <a:xfrm rot="2467564">
+            <a:off x="6699858" y="1061110"/>
+            <a:ext cx="476149" cy="386089"/>
+          </a:xfrm>
+          <a:custGeom>
+            <a:avLst/>
+            <a:gdLst>
+              <a:gd name="connsiteX0" fmla="*/ 0 w 865995"/>
+              <a:gd name="connsiteY0" fmla="*/ 96522 h 386089"/>
+              <a:gd name="connsiteX1" fmla="*/ 672951 w 865995"/>
+              <a:gd name="connsiteY1" fmla="*/ 96522 h 386089"/>
+              <a:gd name="connsiteX2" fmla="*/ 672951 w 865995"/>
+              <a:gd name="connsiteY2" fmla="*/ 0 h 386089"/>
+              <a:gd name="connsiteX3" fmla="*/ 865995 w 865995"/>
+              <a:gd name="connsiteY3" fmla="*/ 193045 h 386089"/>
+              <a:gd name="connsiteX4" fmla="*/ 672951 w 865995"/>
+              <a:gd name="connsiteY4" fmla="*/ 386089 h 386089"/>
+              <a:gd name="connsiteX5" fmla="*/ 672951 w 865995"/>
+              <a:gd name="connsiteY5" fmla="*/ 289567 h 386089"/>
+              <a:gd name="connsiteX6" fmla="*/ 0 w 865995"/>
+              <a:gd name="connsiteY6" fmla="*/ 289567 h 386089"/>
+              <a:gd name="connsiteX7" fmla="*/ 0 w 865995"/>
+              <a:gd name="connsiteY7" fmla="*/ 96522 h 386089"/>
+              <a:gd name="connsiteX0" fmla="*/ 370651 w 865995"/>
+              <a:gd name="connsiteY0" fmla="*/ 105869 h 386089"/>
+              <a:gd name="connsiteX1" fmla="*/ 672951 w 865995"/>
+              <a:gd name="connsiteY1" fmla="*/ 96522 h 386089"/>
+              <a:gd name="connsiteX2" fmla="*/ 672951 w 865995"/>
+              <a:gd name="connsiteY2" fmla="*/ 0 h 386089"/>
+              <a:gd name="connsiteX3" fmla="*/ 865995 w 865995"/>
+              <a:gd name="connsiteY3" fmla="*/ 193045 h 386089"/>
+              <a:gd name="connsiteX4" fmla="*/ 672951 w 865995"/>
+              <a:gd name="connsiteY4" fmla="*/ 386089 h 386089"/>
+              <a:gd name="connsiteX5" fmla="*/ 672951 w 865995"/>
+              <a:gd name="connsiteY5" fmla="*/ 289567 h 386089"/>
+              <a:gd name="connsiteX6" fmla="*/ 0 w 865995"/>
+              <a:gd name="connsiteY6" fmla="*/ 289567 h 386089"/>
+              <a:gd name="connsiteX7" fmla="*/ 370651 w 865995"/>
+              <a:gd name="connsiteY7" fmla="*/ 105869 h 386089"/>
+              <a:gd name="connsiteX0" fmla="*/ 219817 w 715161"/>
+              <a:gd name="connsiteY0" fmla="*/ 105869 h 386089"/>
+              <a:gd name="connsiteX1" fmla="*/ 522117 w 715161"/>
+              <a:gd name="connsiteY1" fmla="*/ 96522 h 386089"/>
+              <a:gd name="connsiteX2" fmla="*/ 522117 w 715161"/>
+              <a:gd name="connsiteY2" fmla="*/ 0 h 386089"/>
+              <a:gd name="connsiteX3" fmla="*/ 715161 w 715161"/>
+              <a:gd name="connsiteY3" fmla="*/ 193045 h 386089"/>
+              <a:gd name="connsiteX4" fmla="*/ 522117 w 715161"/>
+              <a:gd name="connsiteY4" fmla="*/ 386089 h 386089"/>
+              <a:gd name="connsiteX5" fmla="*/ 522117 w 715161"/>
+              <a:gd name="connsiteY5" fmla="*/ 289567 h 386089"/>
+              <a:gd name="connsiteX6" fmla="*/ 0 w 715161"/>
+              <a:gd name="connsiteY6" fmla="*/ 288530 h 386089"/>
+              <a:gd name="connsiteX7" fmla="*/ 219817 w 715161"/>
+              <a:gd name="connsiteY7" fmla="*/ 105869 h 386089"/>
+              <a:gd name="connsiteX0" fmla="*/ 201594 w 696938"/>
+              <a:gd name="connsiteY0" fmla="*/ 105869 h 386089"/>
+              <a:gd name="connsiteX1" fmla="*/ 503894 w 696938"/>
+              <a:gd name="connsiteY1" fmla="*/ 96522 h 386089"/>
+              <a:gd name="connsiteX2" fmla="*/ 503894 w 696938"/>
+              <a:gd name="connsiteY2" fmla="*/ 0 h 386089"/>
+              <a:gd name="connsiteX3" fmla="*/ 696938 w 696938"/>
+              <a:gd name="connsiteY3" fmla="*/ 193045 h 386089"/>
+              <a:gd name="connsiteX4" fmla="*/ 503894 w 696938"/>
+              <a:gd name="connsiteY4" fmla="*/ 386089 h 386089"/>
+              <a:gd name="connsiteX5" fmla="*/ 503894 w 696938"/>
+              <a:gd name="connsiteY5" fmla="*/ 289567 h 386089"/>
+              <a:gd name="connsiteX6" fmla="*/ 0 w 696938"/>
+              <a:gd name="connsiteY6" fmla="*/ 285264 h 386089"/>
+              <a:gd name="connsiteX7" fmla="*/ 201594 w 696938"/>
+              <a:gd name="connsiteY7" fmla="*/ 105869 h 386089"/>
+              <a:gd name="connsiteX0" fmla="*/ 196204 w 691548"/>
+              <a:gd name="connsiteY0" fmla="*/ 105869 h 386089"/>
+              <a:gd name="connsiteX1" fmla="*/ 498504 w 691548"/>
+              <a:gd name="connsiteY1" fmla="*/ 96522 h 386089"/>
+              <a:gd name="connsiteX2" fmla="*/ 498504 w 691548"/>
+              <a:gd name="connsiteY2" fmla="*/ 0 h 386089"/>
+              <a:gd name="connsiteX3" fmla="*/ 691548 w 691548"/>
+              <a:gd name="connsiteY3" fmla="*/ 193045 h 386089"/>
+              <a:gd name="connsiteX4" fmla="*/ 498504 w 691548"/>
+              <a:gd name="connsiteY4" fmla="*/ 386089 h 386089"/>
+              <a:gd name="connsiteX5" fmla="*/ 498504 w 691548"/>
+              <a:gd name="connsiteY5" fmla="*/ 289567 h 386089"/>
+              <a:gd name="connsiteX6" fmla="*/ 0 w 691548"/>
+              <a:gd name="connsiteY6" fmla="*/ 272128 h 386089"/>
+              <a:gd name="connsiteX7" fmla="*/ 196204 w 691548"/>
+              <a:gd name="connsiteY7" fmla="*/ 105869 h 386089"/>
+              <a:gd name="connsiteX0" fmla="*/ 223841 w 691548"/>
+              <a:gd name="connsiteY0" fmla="*/ 104102 h 386089"/>
+              <a:gd name="connsiteX1" fmla="*/ 498504 w 691548"/>
+              <a:gd name="connsiteY1" fmla="*/ 96522 h 386089"/>
+              <a:gd name="connsiteX2" fmla="*/ 498504 w 691548"/>
+              <a:gd name="connsiteY2" fmla="*/ 0 h 386089"/>
+              <a:gd name="connsiteX3" fmla="*/ 691548 w 691548"/>
+              <a:gd name="connsiteY3" fmla="*/ 193045 h 386089"/>
+              <a:gd name="connsiteX4" fmla="*/ 498504 w 691548"/>
+              <a:gd name="connsiteY4" fmla="*/ 386089 h 386089"/>
+              <a:gd name="connsiteX5" fmla="*/ 498504 w 691548"/>
+              <a:gd name="connsiteY5" fmla="*/ 289567 h 386089"/>
+              <a:gd name="connsiteX6" fmla="*/ 0 w 691548"/>
+              <a:gd name="connsiteY6" fmla="*/ 272128 h 386089"/>
+              <a:gd name="connsiteX7" fmla="*/ 223841 w 691548"/>
+              <a:gd name="connsiteY7" fmla="*/ 104102 h 386089"/>
+              <a:gd name="connsiteX0" fmla="*/ 285335 w 691548"/>
+              <a:gd name="connsiteY0" fmla="*/ 101906 h 386089"/>
+              <a:gd name="connsiteX1" fmla="*/ 498504 w 691548"/>
+              <a:gd name="connsiteY1" fmla="*/ 96522 h 386089"/>
+              <a:gd name="connsiteX2" fmla="*/ 498504 w 691548"/>
+              <a:gd name="connsiteY2" fmla="*/ 0 h 386089"/>
+              <a:gd name="connsiteX3" fmla="*/ 691548 w 691548"/>
+              <a:gd name="connsiteY3" fmla="*/ 193045 h 386089"/>
+              <a:gd name="connsiteX4" fmla="*/ 498504 w 691548"/>
+              <a:gd name="connsiteY4" fmla="*/ 386089 h 386089"/>
+              <a:gd name="connsiteX5" fmla="*/ 498504 w 691548"/>
+              <a:gd name="connsiteY5" fmla="*/ 289567 h 386089"/>
+              <a:gd name="connsiteX6" fmla="*/ 0 w 691548"/>
+              <a:gd name="connsiteY6" fmla="*/ 272128 h 386089"/>
+              <a:gd name="connsiteX7" fmla="*/ 285335 w 691548"/>
+              <a:gd name="connsiteY7" fmla="*/ 101906 h 386089"/>
+            </a:gdLst>
+            <a:ahLst/>
+            <a:cxnLst>
+              <a:cxn ang="0">
+                <a:pos x="connsiteX0" y="connsiteY0"/>
+              </a:cxn>
+              <a:cxn ang="0">
+                <a:pos x="connsiteX1" y="connsiteY1"/>
+              </a:cxn>
+              <a:cxn ang="0">
+                <a:pos x="connsiteX2" y="connsiteY2"/>
+              </a:cxn>
+              <a:cxn ang="0">
+                <a:pos x="connsiteX3" y="connsiteY3"/>
+              </a:cxn>
+              <a:cxn ang="0">
+                <a:pos x="connsiteX4" y="connsiteY4"/>
+              </a:cxn>
+              <a:cxn ang="0">
+                <a:pos x="connsiteX5" y="connsiteY5"/>
+              </a:cxn>
+              <a:cxn ang="0">
+                <a:pos x="connsiteX6" y="connsiteY6"/>
+              </a:cxn>
+              <a:cxn ang="0">
+                <a:pos x="connsiteX7" y="connsiteY7"/>
+              </a:cxn>
+            </a:cxnLst>
+            <a:rect l="l" t="t" r="r" b="b"/>
+            <a:pathLst>
+              <a:path w="691548" h="386089">
+                <a:moveTo>
+                  <a:pt x="285335" y="101906"/>
+                </a:moveTo>
+                <a:lnTo>
+                  <a:pt x="498504" y="96522"/>
+                </a:lnTo>
+                <a:lnTo>
+                  <a:pt x="498504" y="0"/>
+                </a:lnTo>
+                <a:lnTo>
+                  <a:pt x="691548" y="193045"/>
+                </a:lnTo>
+                <a:lnTo>
+                  <a:pt x="498504" y="386089"/>
+                </a:lnTo>
+                <a:lnTo>
+                  <a:pt x="498504" y="289567"/>
+                </a:lnTo>
+                <a:lnTo>
+                  <a:pt x="0" y="272128"/>
+                </a:lnTo>
+                <a:lnTo>
+                  <a:pt x="285335" y="101906"/>
+                </a:lnTo>
+                <a:close/>
+              </a:path>
+            </a:pathLst>
+          </a:custGeom>
+          <a:solidFill>
+            <a:srgbClr val="CBCBCB"/>
+          </a:solidFill>
+          <a:ln>
+            <a:noFill/>
+          </a:ln>
+        </p:spPr>
+        <p:style>
+          <a:lnRef idx="2">
+            <a:schemeClr val="accent1">
+              <a:shade val="15000"/>
+            </a:schemeClr>
+          </a:lnRef>
+          <a:fillRef idx="1">
+            <a:schemeClr val="accent1"/>
+          </a:fillRef>
+          <a:effectRef idx="0">
+            <a:schemeClr val="accent1"/>
+          </a:effectRef>
+          <a:fontRef idx="minor">
+            <a:schemeClr val="lt1"/>
+          </a:fontRef>
+        </p:style>
+        <p:txBody>
+          <a:bodyPr rtlCol="0" anchor="ctr"/>
+          <a:lstStyle/>
+          <a:p>
+            <a:pPr algn="ctr"/>
+            <a:endParaRPr lang="en-US"/>
+          </a:p>
+        </p:txBody>
+      </p:sp>
+      <p:sp>
+        <p:nvSpPr>
+          <p:cNvPr id="303" name="Arrow: Right 302">
+            <a:extLst>
+              <a:ext uri="{FF2B5EF4-FFF2-40B4-BE49-F238E27FC236}">
+                <a16:creationId xmlns:a16="http://schemas.microsoft.com/office/drawing/2014/main" id="{82B1D023-88CC-A766-F165-6C227428581B}"/>
+              </a:ext>
+            </a:extLst>
+          </p:cNvPr>
+          <p:cNvSpPr/>
+          <p:nvPr/>
+        </p:nvSpPr>
+        <p:spPr>
+          <a:xfrm rot="5400000">
+            <a:off x="5535364" y="1676950"/>
+            <a:ext cx="125415" cy="386089"/>
+          </a:xfrm>
+          <a:prstGeom prst="rightArrow">
+            <a:avLst/>
+          </a:prstGeom>
+          <a:solidFill>
+            <a:srgbClr val="CBCBCB"/>
+          </a:solidFill>
+          <a:ln>
+            <a:noFill/>
+          </a:ln>
+        </p:spPr>
+        <p:style>
+          <a:lnRef idx="2">
+            <a:schemeClr val="accent1">
+              <a:shade val="15000"/>
+            </a:schemeClr>
+          </a:lnRef>
+          <a:fillRef idx="1">
+            <a:schemeClr val="accent1"/>
+          </a:fillRef>
+          <a:effectRef idx="0">
+            <a:schemeClr val="accent1"/>
+          </a:effectRef>
+          <a:fontRef idx="minor">
+            <a:schemeClr val="lt1"/>
+          </a:fontRef>
+        </p:style>
+        <p:txBody>
+          <a:bodyPr rtlCol="0" anchor="ctr"/>
+          <a:lstStyle/>
+          <a:p>
+            <a:pPr algn="ctr"/>
+            <a:endParaRPr lang="en-US"/>
+          </a:p>
+        </p:txBody>
+      </p:sp>
+      <p:grpSp>
+        <p:nvGrpSpPr>
+          <p:cNvPr id="304" name="Group 303">
+            <a:extLst>
+              <a:ext uri="{FF2B5EF4-FFF2-40B4-BE49-F238E27FC236}">
+                <a16:creationId xmlns:a16="http://schemas.microsoft.com/office/drawing/2014/main" id="{4B61C974-4DFA-88CE-6A0A-10BC8A69BF5B}"/>
+              </a:ext>
+            </a:extLst>
+          </p:cNvPr>
+          <p:cNvGrpSpPr/>
+          <p:nvPr/>
+        </p:nvGrpSpPr>
+        <p:grpSpPr>
+          <a:xfrm>
+            <a:off x="4840663" y="1254046"/>
+            <a:ext cx="1514816" cy="338554"/>
+            <a:chOff x="-48752" y="735655"/>
+            <a:chExt cx="2178750" cy="338554"/>
+          </a:xfrm>
+        </p:grpSpPr>
+        <p:sp>
+          <p:nvSpPr>
+            <p:cNvPr id="357" name="Rectangle 356">
+              <a:extLst>
+                <a:ext uri="{FF2B5EF4-FFF2-40B4-BE49-F238E27FC236}">
+                  <a16:creationId xmlns:a16="http://schemas.microsoft.com/office/drawing/2014/main" id="{2BAF410A-0C75-6833-3958-A3BF52269B0E}"/>
+                </a:ext>
+              </a:extLst>
+            </p:cNvPr>
+            <p:cNvSpPr/>
+            <p:nvPr/>
+          </p:nvSpPr>
+          <p:spPr>
+            <a:xfrm>
+              <a:off x="113942" y="750352"/>
+              <a:ext cx="1898099" cy="303564"/>
+            </a:xfrm>
+            <a:prstGeom prst="rect">
+              <a:avLst/>
+            </a:prstGeom>
+            <a:solidFill>
+              <a:schemeClr val="bg1"/>
+            </a:solidFill>
+            <a:ln>
+              <a:solidFill>
+                <a:schemeClr val="tx1"/>
+              </a:solidFill>
+            </a:ln>
+          </p:spPr>
+          <p:style>
+            <a:lnRef idx="2">
+              <a:schemeClr val="accent1">
+                <a:shade val="15000"/>
+              </a:schemeClr>
+            </a:lnRef>
+            <a:fillRef idx="1">
+              <a:schemeClr val="accent1"/>
+            </a:fillRef>
+            <a:effectRef idx="0">
+              <a:schemeClr val="accent1"/>
+            </a:effectRef>
+            <a:fontRef idx="minor">
+              <a:schemeClr val="lt1"/>
+            </a:fontRef>
+          </p:style>
+          <p:txBody>
+            <a:bodyPr rtlCol="0" anchor="ctr"/>
+            <a:lstStyle/>
+            <a:p>
+              <a:pPr algn="ctr"/>
+              <a:endParaRPr lang="en-US" sz="1600">
+                <a:solidFill>
+                  <a:schemeClr val="tx1"/>
+                </a:solidFill>
+              </a:endParaRPr>
+            </a:p>
+          </p:txBody>
+        </p:sp>
+        <p:sp>
+          <p:nvSpPr>
+            <p:cNvPr id="358" name="TextBox 357">
+              <a:extLst>
+                <a:ext uri="{FF2B5EF4-FFF2-40B4-BE49-F238E27FC236}">
+                  <a16:creationId xmlns:a16="http://schemas.microsoft.com/office/drawing/2014/main" id="{94254560-AC9A-32C4-21D5-4789875C56D3}"/>
+                </a:ext>
+              </a:extLst>
+            </p:cNvPr>
+            <p:cNvSpPr txBox="1"/>
+            <p:nvPr/>
+          </p:nvSpPr>
+          <p:spPr>
+            <a:xfrm>
+              <a:off x="-48752" y="735655"/>
+              <a:ext cx="2178750" cy="338554"/>
+            </a:xfrm>
+            <a:prstGeom prst="rect">
+              <a:avLst/>
+            </a:prstGeom>
+            <a:noFill/>
+          </p:spPr>
+          <p:txBody>
+            <a:bodyPr wrap="square" rtlCol="0">
+              <a:spAutoFit/>
+            </a:bodyPr>
+            <a:lstStyle/>
+            <a:p>
+              <a:pPr algn="ctr"/>
+              <a:r>
+                <a:rPr lang="en-US" sz="1600" b="1" dirty="0"/>
+                <a:t>Normalization</a:t>
+              </a:r>
+            </a:p>
+          </p:txBody>
+        </p:sp>
+      </p:grpSp>
+      <p:grpSp>
+        <p:nvGrpSpPr>
+          <p:cNvPr id="305" name="Group 304">
+            <a:extLst>
+              <a:ext uri="{FF2B5EF4-FFF2-40B4-BE49-F238E27FC236}">
+                <a16:creationId xmlns:a16="http://schemas.microsoft.com/office/drawing/2014/main" id="{6037D1C8-A5C9-5B55-FD9B-85E8E8E1C6FE}"/>
+              </a:ext>
+            </a:extLst>
+          </p:cNvPr>
+          <p:cNvGrpSpPr/>
+          <p:nvPr/>
+        </p:nvGrpSpPr>
+        <p:grpSpPr>
+          <a:xfrm>
+            <a:off x="4700863" y="2663306"/>
+            <a:ext cx="1782247" cy="830997"/>
+            <a:chOff x="27906" y="5317845"/>
+            <a:chExt cx="2185416" cy="830997"/>
+          </a:xfrm>
+        </p:grpSpPr>
+        <p:sp>
+          <p:nvSpPr>
+            <p:cNvPr id="355" name="Rectangle 354">
+              <a:extLst>
+                <a:ext uri="{FF2B5EF4-FFF2-40B4-BE49-F238E27FC236}">
+                  <a16:creationId xmlns:a16="http://schemas.microsoft.com/office/drawing/2014/main" id="{C00F5069-4370-68EF-C28F-1E6F7D732C23}"/>
+                </a:ext>
+              </a:extLst>
+            </p:cNvPr>
+            <p:cNvSpPr/>
+            <p:nvPr/>
+          </p:nvSpPr>
+          <p:spPr>
+            <a:xfrm>
+              <a:off x="292267" y="5372080"/>
+              <a:ext cx="1658952" cy="729608"/>
+            </a:xfrm>
+            <a:prstGeom prst="rect">
+              <a:avLst/>
+            </a:prstGeom>
+            <a:solidFill>
+              <a:schemeClr val="bg1"/>
+            </a:solidFill>
+            <a:ln>
+              <a:solidFill>
+                <a:schemeClr val="tx1"/>
+              </a:solidFill>
+            </a:ln>
+          </p:spPr>
+          <p:style>
+            <a:lnRef idx="2">
+              <a:schemeClr val="accent1">
+                <a:shade val="15000"/>
+              </a:schemeClr>
+            </a:lnRef>
+            <a:fillRef idx="1">
+              <a:schemeClr val="accent1"/>
+            </a:fillRef>
+            <a:effectRef idx="0">
+              <a:schemeClr val="accent1"/>
+            </a:effectRef>
+            <a:fontRef idx="minor">
+              <a:schemeClr val="lt1"/>
+            </a:fontRef>
+          </p:style>
+          <p:txBody>
+            <a:bodyPr rtlCol="0" anchor="ctr"/>
+            <a:lstStyle/>
+            <a:p>
+              <a:pPr algn="ctr"/>
+              <a:endParaRPr lang="en-US">
+                <a:solidFill>
+                  <a:schemeClr val="tx1"/>
+                </a:solidFill>
+              </a:endParaRPr>
+            </a:p>
+          </p:txBody>
+        </p:sp>
+        <p:sp>
+          <p:nvSpPr>
+            <p:cNvPr id="356" name="TextBox 355">
+              <a:extLst>
+                <a:ext uri="{FF2B5EF4-FFF2-40B4-BE49-F238E27FC236}">
+                  <a16:creationId xmlns:a16="http://schemas.microsoft.com/office/drawing/2014/main" id="{FC042FCD-5C84-D6B4-CCFB-EF430D35F379}"/>
+                </a:ext>
+              </a:extLst>
+            </p:cNvPr>
+            <p:cNvSpPr txBox="1"/>
+            <p:nvPr/>
+          </p:nvSpPr>
+          <p:spPr>
+            <a:xfrm>
+              <a:off x="27906" y="5317845"/>
+              <a:ext cx="2185416" cy="830997"/>
+            </a:xfrm>
+            <a:prstGeom prst="rect">
+              <a:avLst/>
+            </a:prstGeom>
+            <a:noFill/>
+          </p:spPr>
+          <p:txBody>
+            <a:bodyPr wrap="square" rtlCol="0">
+              <a:spAutoFit/>
+            </a:bodyPr>
+            <a:lstStyle/>
+            <a:p>
+              <a:pPr algn="ctr"/>
+              <a:r>
+                <a:rPr lang="en-US" sz="1600" b="1" dirty="0"/>
+                <a:t>Nonlinear Dimensional </a:t>
+              </a:r>
+            </a:p>
+            <a:p>
+              <a:pPr algn="ctr"/>
+              <a:r>
+                <a:rPr lang="en-US" sz="1600" b="1" dirty="0"/>
+                <a:t>Reduction </a:t>
+              </a:r>
+            </a:p>
+          </p:txBody>
+        </p:sp>
+      </p:grpSp>
+      <p:grpSp>
+        <p:nvGrpSpPr>
+          <p:cNvPr id="306" name="Group 305">
+            <a:extLst>
+              <a:ext uri="{FF2B5EF4-FFF2-40B4-BE49-F238E27FC236}">
+                <a16:creationId xmlns:a16="http://schemas.microsoft.com/office/drawing/2014/main" id="{C1A874FC-97DB-361C-E3B2-F6237EFB0812}"/>
+              </a:ext>
+            </a:extLst>
+          </p:cNvPr>
+          <p:cNvGrpSpPr/>
+          <p:nvPr/>
+        </p:nvGrpSpPr>
+        <p:grpSpPr>
+          <a:xfrm>
+            <a:off x="4845381" y="3974001"/>
+            <a:ext cx="1505381" cy="715826"/>
+            <a:chOff x="76686" y="6031474"/>
+            <a:chExt cx="2316208" cy="715826"/>
+          </a:xfrm>
+        </p:grpSpPr>
+        <p:sp>
+          <p:nvSpPr>
+            <p:cNvPr id="353" name="Rectangle 352">
+              <a:extLst>
+                <a:ext uri="{FF2B5EF4-FFF2-40B4-BE49-F238E27FC236}">
+                  <a16:creationId xmlns:a16="http://schemas.microsoft.com/office/drawing/2014/main" id="{72DF7589-7135-F1AF-BBDC-B0947D5F32C1}"/>
+                </a:ext>
+              </a:extLst>
+            </p:cNvPr>
+            <p:cNvSpPr/>
+            <p:nvPr/>
+          </p:nvSpPr>
+          <p:spPr>
+            <a:xfrm>
+              <a:off x="134321" y="6031474"/>
+              <a:ext cx="2258573" cy="715826"/>
+            </a:xfrm>
+            <a:prstGeom prst="rect">
+              <a:avLst/>
+            </a:prstGeom>
+            <a:solidFill>
+              <a:schemeClr val="bg1"/>
+            </a:solidFill>
+            <a:ln>
+              <a:solidFill>
+                <a:schemeClr val="tx1"/>
+              </a:solidFill>
+            </a:ln>
+          </p:spPr>
+          <p:style>
+            <a:lnRef idx="2">
+              <a:schemeClr val="accent1">
+                <a:shade val="15000"/>
+              </a:schemeClr>
+            </a:lnRef>
+            <a:fillRef idx="1">
+              <a:schemeClr val="accent1"/>
+            </a:fillRef>
+            <a:effectRef idx="0">
+              <a:schemeClr val="accent1"/>
+            </a:effectRef>
+            <a:fontRef idx="minor">
+              <a:schemeClr val="lt1"/>
+            </a:fontRef>
+          </p:style>
+          <p:txBody>
+            <a:bodyPr rtlCol="0" anchor="ctr"/>
+            <a:lstStyle/>
+            <a:p>
+              <a:pPr algn="ctr"/>
+              <a:endParaRPr lang="en-US">
+                <a:solidFill>
+                  <a:schemeClr val="tx1"/>
+                </a:solidFill>
+              </a:endParaRPr>
+            </a:p>
+          </p:txBody>
+        </p:sp>
+        <p:sp>
+          <p:nvSpPr>
+            <p:cNvPr id="354" name="TextBox 353">
+              <a:extLst>
+                <a:ext uri="{FF2B5EF4-FFF2-40B4-BE49-F238E27FC236}">
+                  <a16:creationId xmlns:a16="http://schemas.microsoft.com/office/drawing/2014/main" id="{AA9E6323-0432-29B6-939C-1DD1C8F7767C}"/>
+                </a:ext>
+              </a:extLst>
+            </p:cNvPr>
+            <p:cNvSpPr txBox="1"/>
+            <p:nvPr/>
+          </p:nvSpPr>
+          <p:spPr>
+            <a:xfrm>
+              <a:off x="76686" y="6104631"/>
+              <a:ext cx="2308029" cy="584775"/>
+            </a:xfrm>
+            <a:prstGeom prst="rect">
+              <a:avLst/>
+            </a:prstGeom>
+            <a:noFill/>
+          </p:spPr>
+          <p:txBody>
+            <a:bodyPr wrap="square" rtlCol="0">
+              <a:spAutoFit/>
+            </a:bodyPr>
+            <a:lstStyle/>
+            <a:p>
+              <a:pPr algn="ctr"/>
+              <a:r>
+                <a:rPr lang="en-US" sz="1600" b="1" dirty="0"/>
+                <a:t>Clustering &amp;</a:t>
+              </a:r>
+            </a:p>
+            <a:p>
+              <a:pPr algn="ctr"/>
+              <a:r>
+                <a:rPr lang="en-US" sz="1600" b="1" dirty="0"/>
+                <a:t>Partitioning </a:t>
+              </a:r>
+            </a:p>
+          </p:txBody>
+        </p:sp>
+      </p:grpSp>
+      <p:grpSp>
+        <p:nvGrpSpPr>
+          <p:cNvPr id="307" name="Group 306">
+            <a:extLst>
+              <a:ext uri="{FF2B5EF4-FFF2-40B4-BE49-F238E27FC236}">
+                <a16:creationId xmlns:a16="http://schemas.microsoft.com/office/drawing/2014/main" id="{97138CA6-47F4-66CF-C113-02EE64FB3350}"/>
+              </a:ext>
+            </a:extLst>
+          </p:cNvPr>
+          <p:cNvGrpSpPr/>
+          <p:nvPr/>
+        </p:nvGrpSpPr>
+        <p:grpSpPr>
+          <a:xfrm>
+            <a:off x="4892725" y="1939959"/>
+            <a:ext cx="1410693" cy="338554"/>
+            <a:chOff x="656178" y="1316220"/>
+            <a:chExt cx="1537719" cy="338554"/>
+          </a:xfrm>
+        </p:grpSpPr>
+        <p:sp>
+          <p:nvSpPr>
+            <p:cNvPr id="351" name="Rectangle 350">
+              <a:extLst>
+                <a:ext uri="{FF2B5EF4-FFF2-40B4-BE49-F238E27FC236}">
+                  <a16:creationId xmlns:a16="http://schemas.microsoft.com/office/drawing/2014/main" id="{7E558C21-52C6-86E2-1383-2A290C90772D}"/>
+                </a:ext>
+              </a:extLst>
+            </p:cNvPr>
+            <p:cNvSpPr/>
+            <p:nvPr/>
+          </p:nvSpPr>
+          <p:spPr>
+            <a:xfrm>
+              <a:off x="754184" y="1332386"/>
+              <a:ext cx="1271053" cy="303044"/>
+            </a:xfrm>
+            <a:prstGeom prst="rect">
+              <a:avLst/>
+            </a:prstGeom>
+            <a:solidFill>
+              <a:schemeClr val="bg1"/>
+            </a:solidFill>
+            <a:ln>
+              <a:solidFill>
+                <a:schemeClr val="tx1"/>
+              </a:solidFill>
+            </a:ln>
+          </p:spPr>
+          <p:style>
+            <a:lnRef idx="2">
+              <a:schemeClr val="accent1">
+                <a:shade val="15000"/>
+              </a:schemeClr>
+            </a:lnRef>
+            <a:fillRef idx="1">
+              <a:schemeClr val="accent1"/>
+            </a:fillRef>
+            <a:effectRef idx="0">
+              <a:schemeClr val="accent1"/>
+            </a:effectRef>
+            <a:fontRef idx="minor">
+              <a:schemeClr val="lt1"/>
+            </a:fontRef>
+          </p:style>
+          <p:txBody>
+            <a:bodyPr rtlCol="0" anchor="ctr"/>
+            <a:lstStyle/>
+            <a:p>
+              <a:pPr algn="ctr"/>
+              <a:endParaRPr lang="en-US">
+                <a:solidFill>
+                  <a:schemeClr val="tx1"/>
+                </a:solidFill>
+              </a:endParaRPr>
+            </a:p>
+          </p:txBody>
+        </p:sp>
+        <p:sp>
+          <p:nvSpPr>
+            <p:cNvPr id="352" name="TextBox 351">
+              <a:extLst>
+                <a:ext uri="{FF2B5EF4-FFF2-40B4-BE49-F238E27FC236}">
+                  <a16:creationId xmlns:a16="http://schemas.microsoft.com/office/drawing/2014/main" id="{E81F59FE-134B-0F04-7350-B1049CF91E60}"/>
+                </a:ext>
+              </a:extLst>
+            </p:cNvPr>
+            <p:cNvSpPr txBox="1"/>
+            <p:nvPr/>
+          </p:nvSpPr>
+          <p:spPr>
+            <a:xfrm>
+              <a:off x="656178" y="1316220"/>
+              <a:ext cx="1537719" cy="338554"/>
+            </a:xfrm>
+            <a:prstGeom prst="rect">
+              <a:avLst/>
+            </a:prstGeom>
+            <a:noFill/>
+          </p:spPr>
+          <p:txBody>
+            <a:bodyPr wrap="square" rtlCol="0">
+              <a:spAutoFit/>
+            </a:bodyPr>
+            <a:lstStyle/>
+            <a:p>
+              <a:pPr algn="ctr"/>
+              <a:r>
+                <a:rPr lang="en-US" sz="1600" b="1" dirty="0"/>
+                <a:t>Integration</a:t>
+              </a:r>
+            </a:p>
+          </p:txBody>
+        </p:sp>
+      </p:grpSp>
+      <p:sp>
+        <p:nvSpPr>
+          <p:cNvPr id="308" name="TextBox 307">
+            <a:extLst>
+              <a:ext uri="{FF2B5EF4-FFF2-40B4-BE49-F238E27FC236}">
+                <a16:creationId xmlns:a16="http://schemas.microsoft.com/office/drawing/2014/main" id="{AB4CEDB2-A111-DA84-E930-2F7C0126E2C4}"/>
+              </a:ext>
+            </a:extLst>
+          </p:cNvPr>
+          <p:cNvSpPr txBox="1"/>
+          <p:nvPr/>
+        </p:nvSpPr>
+        <p:spPr>
+          <a:xfrm>
+            <a:off x="4964984" y="1518097"/>
+            <a:ext cx="1266175" cy="276999"/>
+          </a:xfrm>
+          <a:prstGeom prst="rect">
+            <a:avLst/>
+          </a:prstGeom>
+          <a:noFill/>
+        </p:spPr>
+        <p:txBody>
+          <a:bodyPr wrap="square">
+            <a:spAutoFit/>
+          </a:bodyPr>
+          <a:lstStyle/>
+          <a:p>
+            <a:pPr algn="ctr"/>
+            <a:r>
+              <a:rPr lang="en-US" sz="1200" i="1" dirty="0" err="1"/>
+              <a:t>preprocess_cds</a:t>
+            </a:r>
+            <a:r>
+              <a:rPr lang="en-US" sz="1200" i="1" dirty="0"/>
+              <a:t>()</a:t>
+            </a:r>
+          </a:p>
+        </p:txBody>
+      </p:sp>
+      <p:sp>
+        <p:nvSpPr>
+          <p:cNvPr id="309" name="TextBox 308">
+            <a:extLst>
+              <a:ext uri="{FF2B5EF4-FFF2-40B4-BE49-F238E27FC236}">
+                <a16:creationId xmlns:a16="http://schemas.microsoft.com/office/drawing/2014/main" id="{E52D11FE-935C-3371-64D0-9630D27BD76F}"/>
+              </a:ext>
+            </a:extLst>
+          </p:cNvPr>
+          <p:cNvSpPr txBox="1"/>
+          <p:nvPr/>
+        </p:nvSpPr>
+        <p:spPr>
+          <a:xfrm>
+            <a:off x="5033966" y="2195667"/>
+            <a:ext cx="1128210" cy="276999"/>
+          </a:xfrm>
+          <a:prstGeom prst="rect">
+            <a:avLst/>
+          </a:prstGeom>
+          <a:noFill/>
+        </p:spPr>
+        <p:txBody>
+          <a:bodyPr wrap="square">
+            <a:spAutoFit/>
+          </a:bodyPr>
+          <a:lstStyle/>
+          <a:p>
+            <a:pPr algn="ctr"/>
+            <a:r>
+              <a:rPr lang="en-US" sz="1200" i="1" dirty="0" err="1"/>
+              <a:t>align_cds</a:t>
+            </a:r>
+            <a:r>
+              <a:rPr lang="en-US" sz="1200" i="1" dirty="0"/>
+              <a:t>()</a:t>
+            </a:r>
+          </a:p>
+        </p:txBody>
+      </p:sp>
+      <p:sp>
+        <p:nvSpPr>
+          <p:cNvPr id="310" name="TextBox 309">
+            <a:extLst>
+              <a:ext uri="{FF2B5EF4-FFF2-40B4-BE49-F238E27FC236}">
+                <a16:creationId xmlns:a16="http://schemas.microsoft.com/office/drawing/2014/main" id="{33222D39-DB65-7874-A2EE-E9ED4883B456}"/>
+              </a:ext>
+            </a:extLst>
+          </p:cNvPr>
+          <p:cNvSpPr txBox="1"/>
+          <p:nvPr/>
+        </p:nvSpPr>
+        <p:spPr>
+          <a:xfrm>
+            <a:off x="4808007" y="3410843"/>
+            <a:ext cx="1580128" cy="276999"/>
+          </a:xfrm>
+          <a:prstGeom prst="rect">
+            <a:avLst/>
+          </a:prstGeom>
+          <a:noFill/>
+        </p:spPr>
+        <p:txBody>
+          <a:bodyPr wrap="square">
+            <a:spAutoFit/>
+          </a:bodyPr>
+          <a:lstStyle/>
+          <a:p>
+            <a:pPr algn="ctr"/>
+            <a:r>
+              <a:rPr lang="en-US" sz="1200" i="1" dirty="0" err="1"/>
+              <a:t>reduce_dimension</a:t>
+            </a:r>
+            <a:r>
+              <a:rPr lang="en-US" sz="1200" i="1" dirty="0"/>
+              <a:t>() </a:t>
+            </a:r>
+          </a:p>
+        </p:txBody>
+      </p:sp>
+      <p:sp>
+        <p:nvSpPr>
+          <p:cNvPr id="311" name="TextBox 310">
+            <a:extLst>
+              <a:ext uri="{FF2B5EF4-FFF2-40B4-BE49-F238E27FC236}">
+                <a16:creationId xmlns:a16="http://schemas.microsoft.com/office/drawing/2014/main" id="{B2664092-B109-6EAF-7D58-B88DD6174B84}"/>
+              </a:ext>
+            </a:extLst>
+          </p:cNvPr>
+          <p:cNvSpPr txBox="1"/>
+          <p:nvPr/>
+        </p:nvSpPr>
+        <p:spPr>
+          <a:xfrm>
+            <a:off x="5011332" y="4655493"/>
+            <a:ext cx="1173478" cy="276999"/>
+          </a:xfrm>
+          <a:prstGeom prst="rect">
+            <a:avLst/>
+          </a:prstGeom>
+          <a:noFill/>
+        </p:spPr>
+        <p:txBody>
+          <a:bodyPr wrap="square">
+            <a:spAutoFit/>
+          </a:bodyPr>
+          <a:lstStyle/>
+          <a:p>
+            <a:pPr algn="ctr"/>
+            <a:r>
+              <a:rPr lang="en-US" sz="1200" i="1" dirty="0"/>
+              <a:t> </a:t>
+            </a:r>
+            <a:r>
+              <a:rPr lang="en-US" sz="1200" i="1" dirty="0" err="1"/>
+              <a:t>cluster_cells</a:t>
+            </a:r>
+            <a:r>
+              <a:rPr lang="en-US" sz="1200" i="1" dirty="0"/>
+              <a:t> ()</a:t>
+            </a:r>
+          </a:p>
+        </p:txBody>
+      </p:sp>
+      <p:sp>
+        <p:nvSpPr>
+          <p:cNvPr id="312" name="TextBox 311">
+            <a:extLst>
+              <a:ext uri="{FF2B5EF4-FFF2-40B4-BE49-F238E27FC236}">
+                <a16:creationId xmlns:a16="http://schemas.microsoft.com/office/drawing/2014/main" id="{4C40D2AD-5467-0F28-F637-4762738AC3A5}"/>
+              </a:ext>
+            </a:extLst>
+          </p:cNvPr>
+          <p:cNvSpPr txBox="1"/>
+          <p:nvPr/>
+        </p:nvSpPr>
+        <p:spPr>
+          <a:xfrm>
+            <a:off x="4918362" y="6565340"/>
+            <a:ext cx="1359418" cy="276999"/>
+          </a:xfrm>
+          <a:prstGeom prst="rect">
+            <a:avLst/>
+          </a:prstGeom>
+          <a:noFill/>
+        </p:spPr>
+        <p:txBody>
+          <a:bodyPr wrap="square">
+            <a:spAutoFit/>
+          </a:bodyPr>
+          <a:lstStyle/>
+          <a:p>
+            <a:pPr algn="ctr"/>
+            <a:r>
+              <a:rPr lang="en-US" sz="1200" dirty="0" err="1"/>
+              <a:t>learn_graph</a:t>
+            </a:r>
+            <a:r>
+              <a:rPr lang="en-US" sz="1200" i="1" dirty="0"/>
+              <a:t>()</a:t>
+            </a:r>
+          </a:p>
+        </p:txBody>
+      </p:sp>
+      <p:grpSp>
+        <p:nvGrpSpPr>
+          <p:cNvPr id="313" name="Group 312">
+            <a:extLst>
+              <a:ext uri="{FF2B5EF4-FFF2-40B4-BE49-F238E27FC236}">
+                <a16:creationId xmlns:a16="http://schemas.microsoft.com/office/drawing/2014/main" id="{F1260FB1-7FD0-6EAA-45C3-1460DA62CA39}"/>
+              </a:ext>
+            </a:extLst>
+          </p:cNvPr>
+          <p:cNvGrpSpPr/>
+          <p:nvPr/>
+        </p:nvGrpSpPr>
+        <p:grpSpPr>
+          <a:xfrm>
+            <a:off x="4892725" y="5988067"/>
+            <a:ext cx="1410693" cy="605189"/>
+            <a:chOff x="69690" y="5733577"/>
+            <a:chExt cx="2170519" cy="605189"/>
+          </a:xfrm>
+        </p:grpSpPr>
+        <p:sp>
+          <p:nvSpPr>
+            <p:cNvPr id="349" name="Rectangle 348">
+              <a:extLst>
+                <a:ext uri="{FF2B5EF4-FFF2-40B4-BE49-F238E27FC236}">
+                  <a16:creationId xmlns:a16="http://schemas.microsoft.com/office/drawing/2014/main" id="{A6FE10FD-17AD-999D-4450-C089A3589E0F}"/>
+                </a:ext>
+              </a:extLst>
+            </p:cNvPr>
+            <p:cNvSpPr/>
+            <p:nvPr/>
+          </p:nvSpPr>
+          <p:spPr>
+            <a:xfrm>
+              <a:off x="297468" y="5733577"/>
+              <a:ext cx="1805536" cy="592240"/>
+            </a:xfrm>
+            <a:prstGeom prst="rect">
+              <a:avLst/>
+            </a:prstGeom>
+            <a:solidFill>
+              <a:schemeClr val="bg1"/>
+            </a:solidFill>
+            <a:ln>
+              <a:solidFill>
+                <a:schemeClr val="tx1"/>
+              </a:solidFill>
+            </a:ln>
+          </p:spPr>
+          <p:style>
+            <a:lnRef idx="2">
+              <a:schemeClr val="accent1">
+                <a:shade val="15000"/>
+              </a:schemeClr>
+            </a:lnRef>
+            <a:fillRef idx="1">
+              <a:schemeClr val="accent1"/>
+            </a:fillRef>
+            <a:effectRef idx="0">
+              <a:schemeClr val="accent1"/>
+            </a:effectRef>
+            <a:fontRef idx="minor">
+              <a:schemeClr val="lt1"/>
+            </a:fontRef>
+          </p:style>
+          <p:txBody>
+            <a:bodyPr rtlCol="0" anchor="ctr"/>
+            <a:lstStyle/>
+            <a:p>
+              <a:pPr algn="ctr"/>
+              <a:endParaRPr lang="en-US">
+                <a:solidFill>
+                  <a:schemeClr val="tx1"/>
+                </a:solidFill>
+              </a:endParaRPr>
+            </a:p>
+          </p:txBody>
+        </p:sp>
+        <p:sp>
+          <p:nvSpPr>
+            <p:cNvPr id="350" name="TextBox 349">
+              <a:extLst>
+                <a:ext uri="{FF2B5EF4-FFF2-40B4-BE49-F238E27FC236}">
+                  <a16:creationId xmlns:a16="http://schemas.microsoft.com/office/drawing/2014/main" id="{C4EA4A35-E402-B1C4-4352-BC6640B852BA}"/>
+                </a:ext>
+              </a:extLst>
+            </p:cNvPr>
+            <p:cNvSpPr txBox="1"/>
+            <p:nvPr/>
+          </p:nvSpPr>
+          <p:spPr>
+            <a:xfrm>
+              <a:off x="69690" y="5753991"/>
+              <a:ext cx="2170519" cy="584775"/>
+            </a:xfrm>
+            <a:prstGeom prst="rect">
+              <a:avLst/>
+            </a:prstGeom>
+            <a:noFill/>
+          </p:spPr>
+          <p:txBody>
+            <a:bodyPr wrap="square" rtlCol="0">
+              <a:spAutoFit/>
+            </a:bodyPr>
+            <a:lstStyle/>
+            <a:p>
+              <a:pPr algn="ctr"/>
+              <a:r>
+                <a:rPr lang="en-US" sz="1600" b="1" dirty="0"/>
+                <a:t>Trajectory Graph</a:t>
+              </a:r>
+            </a:p>
+          </p:txBody>
+        </p:sp>
+      </p:grpSp>
+      <p:sp>
+        <p:nvSpPr>
+          <p:cNvPr id="314" name="Arrow: Right 313">
+            <a:extLst>
+              <a:ext uri="{FF2B5EF4-FFF2-40B4-BE49-F238E27FC236}">
+                <a16:creationId xmlns:a16="http://schemas.microsoft.com/office/drawing/2014/main" id="{E9B65641-7778-88D0-E318-D0952390962F}"/>
+              </a:ext>
+            </a:extLst>
+          </p:cNvPr>
+          <p:cNvSpPr/>
+          <p:nvPr/>
+        </p:nvSpPr>
+        <p:spPr>
+          <a:xfrm rot="5400000">
+            <a:off x="5529809" y="2408755"/>
+            <a:ext cx="136524" cy="386089"/>
+          </a:xfrm>
+          <a:prstGeom prst="rightArrow">
+            <a:avLst/>
+          </a:prstGeom>
+          <a:solidFill>
+            <a:srgbClr val="CBCBCB"/>
+          </a:solidFill>
+          <a:ln>
+            <a:noFill/>
+          </a:ln>
+        </p:spPr>
+        <p:style>
+          <a:lnRef idx="2">
+            <a:schemeClr val="accent1">
+              <a:shade val="15000"/>
+            </a:schemeClr>
+          </a:lnRef>
+          <a:fillRef idx="1">
+            <a:schemeClr val="accent1"/>
+          </a:fillRef>
+          <a:effectRef idx="0">
+            <a:schemeClr val="accent1"/>
+          </a:effectRef>
+          <a:fontRef idx="minor">
+            <a:schemeClr val="lt1"/>
+          </a:fontRef>
+        </p:style>
+        <p:txBody>
+          <a:bodyPr rtlCol="0" anchor="ctr"/>
+          <a:lstStyle/>
+          <a:p>
+            <a:pPr algn="ctr"/>
+            <a:endParaRPr lang="en-US"/>
+          </a:p>
+        </p:txBody>
+      </p:sp>
+      <p:sp>
+        <p:nvSpPr>
+          <p:cNvPr id="315" name="Arrow: Right 314">
+            <a:extLst>
+              <a:ext uri="{FF2B5EF4-FFF2-40B4-BE49-F238E27FC236}">
+                <a16:creationId xmlns:a16="http://schemas.microsoft.com/office/drawing/2014/main" id="{7F6B3CB8-D051-5D5D-75E2-D4669A46CE68}"/>
+              </a:ext>
+            </a:extLst>
+          </p:cNvPr>
+          <p:cNvSpPr/>
+          <p:nvPr/>
+        </p:nvSpPr>
+        <p:spPr>
+          <a:xfrm rot="5400000">
+            <a:off x="5521586" y="3648040"/>
+            <a:ext cx="152971" cy="386089"/>
+          </a:xfrm>
+          <a:prstGeom prst="rightArrow">
+            <a:avLst/>
+          </a:prstGeom>
+          <a:solidFill>
+            <a:srgbClr val="CBCBCB"/>
+          </a:solidFill>
+          <a:ln>
+            <a:noFill/>
+          </a:ln>
+        </p:spPr>
+        <p:style>
+          <a:lnRef idx="2">
+            <a:schemeClr val="accent1">
+              <a:shade val="15000"/>
+            </a:schemeClr>
+          </a:lnRef>
+          <a:fillRef idx="1">
+            <a:schemeClr val="accent1"/>
+          </a:fillRef>
+          <a:effectRef idx="0">
+            <a:schemeClr val="accent1"/>
+          </a:effectRef>
+          <a:fontRef idx="minor">
+            <a:schemeClr val="lt1"/>
+          </a:fontRef>
+        </p:style>
+        <p:txBody>
+          <a:bodyPr rtlCol="0" anchor="ctr"/>
+          <a:lstStyle/>
+          <a:p>
+            <a:pPr algn="ctr"/>
+            <a:endParaRPr lang="en-US"/>
+          </a:p>
+        </p:txBody>
+      </p:sp>
+      <p:sp>
+        <p:nvSpPr>
+          <p:cNvPr id="316" name="Arrow: Right 315">
+            <a:extLst>
+              <a:ext uri="{FF2B5EF4-FFF2-40B4-BE49-F238E27FC236}">
+                <a16:creationId xmlns:a16="http://schemas.microsoft.com/office/drawing/2014/main" id="{D4FF9A32-B40F-8F74-C0C2-77A529E25BB4}"/>
+              </a:ext>
+            </a:extLst>
+          </p:cNvPr>
+          <p:cNvSpPr/>
+          <p:nvPr/>
+        </p:nvSpPr>
+        <p:spPr>
+          <a:xfrm rot="5400000">
+            <a:off x="5521586" y="5698937"/>
+            <a:ext cx="152971" cy="386089"/>
+          </a:xfrm>
+          <a:prstGeom prst="rightArrow">
+            <a:avLst/>
+          </a:prstGeom>
+          <a:solidFill>
+            <a:srgbClr val="CBCBCB"/>
+          </a:solidFill>
+          <a:ln>
+            <a:noFill/>
+          </a:ln>
+        </p:spPr>
+        <p:style>
+          <a:lnRef idx="2">
+            <a:schemeClr val="accent1">
+              <a:shade val="15000"/>
+            </a:schemeClr>
+          </a:lnRef>
+          <a:fillRef idx="1">
+            <a:schemeClr val="accent1"/>
+          </a:fillRef>
+          <a:effectRef idx="0">
+            <a:schemeClr val="accent1"/>
+          </a:effectRef>
+          <a:fontRef idx="minor">
+            <a:schemeClr val="lt1"/>
+          </a:fontRef>
+        </p:style>
+        <p:txBody>
+          <a:bodyPr rtlCol="0" anchor="ctr"/>
+          <a:lstStyle/>
+          <a:p>
+            <a:pPr algn="ctr"/>
+            <a:endParaRPr lang="en-US"/>
+          </a:p>
+        </p:txBody>
+      </p:sp>
+      <p:grpSp>
+        <p:nvGrpSpPr>
+          <p:cNvPr id="317" name="Group 316">
+            <a:extLst>
+              <a:ext uri="{FF2B5EF4-FFF2-40B4-BE49-F238E27FC236}">
+                <a16:creationId xmlns:a16="http://schemas.microsoft.com/office/drawing/2014/main" id="{E40553A0-88EC-1021-A238-652ABCD2C417}"/>
+              </a:ext>
+            </a:extLst>
+          </p:cNvPr>
+          <p:cNvGrpSpPr/>
+          <p:nvPr/>
+        </p:nvGrpSpPr>
+        <p:grpSpPr>
+          <a:xfrm>
+            <a:off x="7119707" y="1418183"/>
+            <a:ext cx="1410693" cy="338554"/>
+            <a:chOff x="136544" y="5759803"/>
+            <a:chExt cx="2170519" cy="338554"/>
+          </a:xfrm>
+        </p:grpSpPr>
+        <p:sp>
+          <p:nvSpPr>
+            <p:cNvPr id="347" name="Rectangle 346">
+              <a:extLst>
+                <a:ext uri="{FF2B5EF4-FFF2-40B4-BE49-F238E27FC236}">
+                  <a16:creationId xmlns:a16="http://schemas.microsoft.com/office/drawing/2014/main" id="{31939DD5-3696-0960-6196-CDD8C41AF18A}"/>
+                </a:ext>
+              </a:extLst>
+            </p:cNvPr>
+            <p:cNvSpPr/>
+            <p:nvPr/>
+          </p:nvSpPr>
+          <p:spPr>
+            <a:xfrm>
+              <a:off x="297468" y="5781482"/>
+              <a:ext cx="1805536" cy="272412"/>
+            </a:xfrm>
+            <a:prstGeom prst="rect">
+              <a:avLst/>
+            </a:prstGeom>
+            <a:solidFill>
+              <a:schemeClr val="bg1"/>
+            </a:solidFill>
+            <a:ln>
+              <a:solidFill>
+                <a:schemeClr val="tx1"/>
+              </a:solidFill>
+            </a:ln>
+          </p:spPr>
+          <p:style>
+            <a:lnRef idx="2">
+              <a:schemeClr val="accent1">
+                <a:shade val="15000"/>
+              </a:schemeClr>
+            </a:lnRef>
+            <a:fillRef idx="1">
+              <a:schemeClr val="accent1"/>
+            </a:fillRef>
+            <a:effectRef idx="0">
+              <a:schemeClr val="accent1"/>
+            </a:effectRef>
+            <a:fontRef idx="minor">
+              <a:schemeClr val="lt1"/>
+            </a:fontRef>
+          </p:style>
+          <p:txBody>
+            <a:bodyPr rtlCol="0" anchor="ctr"/>
+            <a:lstStyle/>
+            <a:p>
+              <a:pPr algn="ctr"/>
+              <a:endParaRPr lang="en-US">
+                <a:solidFill>
+                  <a:schemeClr val="tx1"/>
+                </a:solidFill>
+              </a:endParaRPr>
+            </a:p>
+          </p:txBody>
+        </p:sp>
+        <p:sp>
+          <p:nvSpPr>
+            <p:cNvPr id="348" name="TextBox 347">
+              <a:extLst>
+                <a:ext uri="{FF2B5EF4-FFF2-40B4-BE49-F238E27FC236}">
+                  <a16:creationId xmlns:a16="http://schemas.microsoft.com/office/drawing/2014/main" id="{4E4CF06B-1DE8-4E41-9DEF-6FDDF8BF01D5}"/>
+                </a:ext>
+              </a:extLst>
+            </p:cNvPr>
+            <p:cNvSpPr txBox="1"/>
+            <p:nvPr/>
+          </p:nvSpPr>
+          <p:spPr>
+            <a:xfrm>
+              <a:off x="136544" y="5759803"/>
+              <a:ext cx="2170519" cy="338554"/>
+            </a:xfrm>
+            <a:prstGeom prst="rect">
+              <a:avLst/>
+            </a:prstGeom>
+            <a:noFill/>
+          </p:spPr>
+          <p:txBody>
+            <a:bodyPr wrap="square" rtlCol="0">
+              <a:spAutoFit/>
+            </a:bodyPr>
+            <a:lstStyle/>
+            <a:p>
+              <a:pPr algn="ctr"/>
+              <a:r>
+                <a:rPr lang="en-US" sz="1600" b="1" dirty="0"/>
+                <a:t>Order Cells</a:t>
+              </a:r>
+            </a:p>
+          </p:txBody>
+        </p:sp>
+      </p:grpSp>
+      <p:grpSp>
+        <p:nvGrpSpPr>
+          <p:cNvPr id="318" name="Group 317">
+            <a:extLst>
+              <a:ext uri="{FF2B5EF4-FFF2-40B4-BE49-F238E27FC236}">
+                <a16:creationId xmlns:a16="http://schemas.microsoft.com/office/drawing/2014/main" id="{54FCE5C5-DD72-A792-21EB-47822CBDF55D}"/>
+              </a:ext>
+            </a:extLst>
+          </p:cNvPr>
+          <p:cNvGrpSpPr/>
+          <p:nvPr/>
+        </p:nvGrpSpPr>
+        <p:grpSpPr>
+          <a:xfrm>
+            <a:off x="7119707" y="2083194"/>
+            <a:ext cx="1410693" cy="584775"/>
+            <a:chOff x="136544" y="5759803"/>
+            <a:chExt cx="2170519" cy="584775"/>
+          </a:xfrm>
+        </p:grpSpPr>
+        <p:sp>
+          <p:nvSpPr>
+            <p:cNvPr id="345" name="Rectangle 344">
+              <a:extLst>
+                <a:ext uri="{FF2B5EF4-FFF2-40B4-BE49-F238E27FC236}">
+                  <a16:creationId xmlns:a16="http://schemas.microsoft.com/office/drawing/2014/main" id="{583B2408-CBBF-AEE0-E756-0F8EF859AB9C}"/>
+                </a:ext>
+              </a:extLst>
+            </p:cNvPr>
+            <p:cNvSpPr/>
+            <p:nvPr/>
+          </p:nvSpPr>
+          <p:spPr>
+            <a:xfrm>
+              <a:off x="297468" y="5781481"/>
+              <a:ext cx="1805536" cy="544335"/>
+            </a:xfrm>
+            <a:prstGeom prst="rect">
+              <a:avLst/>
+            </a:prstGeom>
+            <a:solidFill>
+              <a:schemeClr val="bg1"/>
+            </a:solidFill>
+            <a:ln>
+              <a:solidFill>
+                <a:schemeClr val="tx1"/>
+              </a:solidFill>
+            </a:ln>
+          </p:spPr>
+          <p:style>
+            <a:lnRef idx="2">
+              <a:schemeClr val="accent1">
+                <a:shade val="15000"/>
+              </a:schemeClr>
+            </a:lnRef>
+            <a:fillRef idx="1">
+              <a:schemeClr val="accent1"/>
+            </a:fillRef>
+            <a:effectRef idx="0">
+              <a:schemeClr val="accent1"/>
+            </a:effectRef>
+            <a:fontRef idx="minor">
+              <a:schemeClr val="lt1"/>
+            </a:fontRef>
+          </p:style>
+          <p:txBody>
+            <a:bodyPr rtlCol="0" anchor="ctr"/>
+            <a:lstStyle/>
+            <a:p>
+              <a:pPr algn="ctr"/>
+              <a:endParaRPr lang="en-US">
+                <a:solidFill>
+                  <a:schemeClr val="tx1"/>
+                </a:solidFill>
+              </a:endParaRPr>
+            </a:p>
+          </p:txBody>
+        </p:sp>
+        <p:sp>
+          <p:nvSpPr>
+            <p:cNvPr id="346" name="TextBox 345">
+              <a:extLst>
+                <a:ext uri="{FF2B5EF4-FFF2-40B4-BE49-F238E27FC236}">
+                  <a16:creationId xmlns:a16="http://schemas.microsoft.com/office/drawing/2014/main" id="{EEAF3B5F-62B6-D119-4BCD-4CAC1C7C8A37}"/>
+                </a:ext>
+              </a:extLst>
+            </p:cNvPr>
+            <p:cNvSpPr txBox="1"/>
+            <p:nvPr/>
+          </p:nvSpPr>
+          <p:spPr>
+            <a:xfrm>
+              <a:off x="136544" y="5759803"/>
+              <a:ext cx="2170519" cy="584775"/>
+            </a:xfrm>
+            <a:prstGeom prst="rect">
+              <a:avLst/>
+            </a:prstGeom>
+            <a:noFill/>
+          </p:spPr>
+          <p:txBody>
+            <a:bodyPr wrap="square" rtlCol="0">
+              <a:spAutoFit/>
+            </a:bodyPr>
+            <a:lstStyle/>
+            <a:p>
+              <a:pPr algn="ctr"/>
+              <a:r>
+                <a:rPr lang="en-US" sz="1600" b="1" dirty="0"/>
+                <a:t>Subset Trajectory</a:t>
+              </a:r>
+            </a:p>
+          </p:txBody>
+        </p:sp>
+      </p:grpSp>
+      <p:grpSp>
+        <p:nvGrpSpPr>
+          <p:cNvPr id="319" name="Group 318">
+            <a:extLst>
+              <a:ext uri="{FF2B5EF4-FFF2-40B4-BE49-F238E27FC236}">
+                <a16:creationId xmlns:a16="http://schemas.microsoft.com/office/drawing/2014/main" id="{CB9BD407-C0F8-854E-7D81-267F19023165}"/>
+              </a:ext>
+            </a:extLst>
+          </p:cNvPr>
+          <p:cNvGrpSpPr/>
+          <p:nvPr/>
+        </p:nvGrpSpPr>
+        <p:grpSpPr>
+          <a:xfrm>
+            <a:off x="7119707" y="3165583"/>
+            <a:ext cx="1410693" cy="584775"/>
+            <a:chOff x="136544" y="5759803"/>
+            <a:chExt cx="2170519" cy="584775"/>
+          </a:xfrm>
+        </p:grpSpPr>
+        <p:sp>
+          <p:nvSpPr>
+            <p:cNvPr id="343" name="Rectangle 342">
+              <a:extLst>
+                <a:ext uri="{FF2B5EF4-FFF2-40B4-BE49-F238E27FC236}">
+                  <a16:creationId xmlns:a16="http://schemas.microsoft.com/office/drawing/2014/main" id="{430EE061-F7CF-BD8F-E42C-FB7B5FFF9F2B}"/>
+                </a:ext>
+              </a:extLst>
+            </p:cNvPr>
+            <p:cNvSpPr/>
+            <p:nvPr/>
+          </p:nvSpPr>
+          <p:spPr>
+            <a:xfrm>
+              <a:off x="297468" y="5781481"/>
+              <a:ext cx="1805536" cy="544335"/>
+            </a:xfrm>
+            <a:prstGeom prst="rect">
+              <a:avLst/>
+            </a:prstGeom>
+            <a:solidFill>
+              <a:schemeClr val="bg1"/>
+            </a:solidFill>
+            <a:ln>
+              <a:solidFill>
+                <a:schemeClr val="tx1"/>
+              </a:solidFill>
+            </a:ln>
+          </p:spPr>
+          <p:style>
+            <a:lnRef idx="2">
+              <a:schemeClr val="accent1">
+                <a:shade val="15000"/>
+              </a:schemeClr>
+            </a:lnRef>
+            <a:fillRef idx="1">
+              <a:schemeClr val="accent1"/>
+            </a:fillRef>
+            <a:effectRef idx="0">
+              <a:schemeClr val="accent1"/>
+            </a:effectRef>
+            <a:fontRef idx="minor">
+              <a:schemeClr val="lt1"/>
+            </a:fontRef>
+          </p:style>
+          <p:txBody>
+            <a:bodyPr rtlCol="0" anchor="ctr"/>
+            <a:lstStyle/>
+            <a:p>
+              <a:pPr algn="ctr"/>
+              <a:endParaRPr lang="en-US">
+                <a:solidFill>
+                  <a:schemeClr val="tx1"/>
+                </a:solidFill>
+              </a:endParaRPr>
+            </a:p>
+          </p:txBody>
+        </p:sp>
+        <p:sp>
+          <p:nvSpPr>
+            <p:cNvPr id="344" name="TextBox 343">
+              <a:extLst>
+                <a:ext uri="{FF2B5EF4-FFF2-40B4-BE49-F238E27FC236}">
+                  <a16:creationId xmlns:a16="http://schemas.microsoft.com/office/drawing/2014/main" id="{E9180815-C2BF-9917-215B-02BB7A03D323}"/>
+                </a:ext>
+              </a:extLst>
+            </p:cNvPr>
+            <p:cNvSpPr txBox="1"/>
+            <p:nvPr/>
+          </p:nvSpPr>
+          <p:spPr>
+            <a:xfrm>
+              <a:off x="136544" y="5759803"/>
+              <a:ext cx="2170519" cy="584775"/>
+            </a:xfrm>
+            <a:prstGeom prst="rect">
+              <a:avLst/>
+            </a:prstGeom>
+            <a:noFill/>
+          </p:spPr>
+          <p:txBody>
+            <a:bodyPr wrap="square" rtlCol="0">
+              <a:spAutoFit/>
+            </a:bodyPr>
+            <a:lstStyle/>
+            <a:p>
+              <a:pPr algn="ctr"/>
+              <a:r>
+                <a:rPr lang="en-US" sz="1600" b="1" dirty="0"/>
+                <a:t>Reprocess Trajectory</a:t>
+              </a:r>
+            </a:p>
+          </p:txBody>
+        </p:sp>
+      </p:grpSp>
+      <p:grpSp>
+        <p:nvGrpSpPr>
+          <p:cNvPr id="320" name="Group 319">
+            <a:extLst>
+              <a:ext uri="{FF2B5EF4-FFF2-40B4-BE49-F238E27FC236}">
+                <a16:creationId xmlns:a16="http://schemas.microsoft.com/office/drawing/2014/main" id="{F165FAE4-B445-1FE6-A946-607E822A0B7F}"/>
+              </a:ext>
+            </a:extLst>
+          </p:cNvPr>
+          <p:cNvGrpSpPr/>
+          <p:nvPr/>
+        </p:nvGrpSpPr>
+        <p:grpSpPr>
+          <a:xfrm>
+            <a:off x="7119707" y="4025226"/>
+            <a:ext cx="1410693" cy="589910"/>
+            <a:chOff x="130519" y="5781481"/>
+            <a:chExt cx="2170519" cy="589910"/>
+          </a:xfrm>
+        </p:grpSpPr>
+        <p:sp>
+          <p:nvSpPr>
+            <p:cNvPr id="341" name="Rectangle 340">
+              <a:extLst>
+                <a:ext uri="{FF2B5EF4-FFF2-40B4-BE49-F238E27FC236}">
+                  <a16:creationId xmlns:a16="http://schemas.microsoft.com/office/drawing/2014/main" id="{53D7009F-2BA4-12D4-12B4-2396064A3717}"/>
+                </a:ext>
+              </a:extLst>
+            </p:cNvPr>
+            <p:cNvSpPr/>
+            <p:nvPr/>
+          </p:nvSpPr>
+          <p:spPr>
+            <a:xfrm>
+              <a:off x="265017" y="5781481"/>
+              <a:ext cx="1856344" cy="544335"/>
+            </a:xfrm>
+            <a:prstGeom prst="rect">
+              <a:avLst/>
+            </a:prstGeom>
+            <a:solidFill>
+              <a:schemeClr val="bg1"/>
+            </a:solidFill>
+            <a:ln>
+              <a:solidFill>
+                <a:schemeClr val="tx1"/>
+              </a:solidFill>
+            </a:ln>
+          </p:spPr>
+          <p:style>
+            <a:lnRef idx="2">
+              <a:schemeClr val="accent1">
+                <a:shade val="15000"/>
+              </a:schemeClr>
+            </a:lnRef>
+            <a:fillRef idx="1">
+              <a:schemeClr val="accent1"/>
+            </a:fillRef>
+            <a:effectRef idx="0">
+              <a:schemeClr val="accent1"/>
+            </a:effectRef>
+            <a:fontRef idx="minor">
+              <a:schemeClr val="lt1"/>
+            </a:fontRef>
+          </p:style>
+          <p:txBody>
+            <a:bodyPr rtlCol="0" anchor="ctr"/>
+            <a:lstStyle/>
+            <a:p>
+              <a:pPr algn="ctr"/>
+              <a:endParaRPr lang="en-US">
+                <a:solidFill>
+                  <a:schemeClr val="tx1"/>
+                </a:solidFill>
+              </a:endParaRPr>
+            </a:p>
+          </p:txBody>
+        </p:sp>
+        <p:sp>
+          <p:nvSpPr>
+            <p:cNvPr id="342" name="TextBox 341">
+              <a:extLst>
+                <a:ext uri="{FF2B5EF4-FFF2-40B4-BE49-F238E27FC236}">
+                  <a16:creationId xmlns:a16="http://schemas.microsoft.com/office/drawing/2014/main" id="{FB8E1EA3-A02F-8E04-CA7C-B1FCB62784DE}"/>
+                </a:ext>
+              </a:extLst>
+            </p:cNvPr>
+            <p:cNvSpPr txBox="1"/>
+            <p:nvPr/>
+          </p:nvSpPr>
+          <p:spPr>
+            <a:xfrm>
+              <a:off x="130519" y="5786616"/>
+              <a:ext cx="2170519" cy="584775"/>
+            </a:xfrm>
+            <a:prstGeom prst="rect">
+              <a:avLst/>
+            </a:prstGeom>
+            <a:noFill/>
+          </p:spPr>
+          <p:txBody>
+            <a:bodyPr wrap="square" rtlCol="0">
+              <a:spAutoFit/>
+            </a:bodyPr>
+            <a:lstStyle/>
+            <a:p>
+              <a:pPr algn="ctr"/>
+              <a:r>
+                <a:rPr lang="en-US" sz="1600" b="1" dirty="0"/>
+                <a:t>Find Altered Genes</a:t>
+              </a:r>
+            </a:p>
+          </p:txBody>
+        </p:sp>
+      </p:grpSp>
+      <p:grpSp>
+        <p:nvGrpSpPr>
+          <p:cNvPr id="321" name="Group 320">
+            <a:extLst>
+              <a:ext uri="{FF2B5EF4-FFF2-40B4-BE49-F238E27FC236}">
+                <a16:creationId xmlns:a16="http://schemas.microsoft.com/office/drawing/2014/main" id="{E5D5CC72-5DA9-1D53-8327-5420898EE4BE}"/>
+              </a:ext>
+            </a:extLst>
+          </p:cNvPr>
+          <p:cNvGrpSpPr/>
+          <p:nvPr/>
+        </p:nvGrpSpPr>
+        <p:grpSpPr>
+          <a:xfrm>
+            <a:off x="7119707" y="4993684"/>
+            <a:ext cx="1410693" cy="584775"/>
+            <a:chOff x="199846" y="5774065"/>
+            <a:chExt cx="2170519" cy="584775"/>
+          </a:xfrm>
+        </p:grpSpPr>
+        <p:sp>
+          <p:nvSpPr>
+            <p:cNvPr id="339" name="Rectangle 338">
+              <a:extLst>
+                <a:ext uri="{FF2B5EF4-FFF2-40B4-BE49-F238E27FC236}">
+                  <a16:creationId xmlns:a16="http://schemas.microsoft.com/office/drawing/2014/main" id="{12CFA92A-BB6C-5D60-E642-B6FB5E9B13F8}"/>
+                </a:ext>
+              </a:extLst>
+            </p:cNvPr>
+            <p:cNvSpPr/>
+            <p:nvPr/>
+          </p:nvSpPr>
+          <p:spPr>
+            <a:xfrm>
+              <a:off x="255376" y="5781481"/>
+              <a:ext cx="2059461" cy="544335"/>
+            </a:xfrm>
+            <a:prstGeom prst="rect">
+              <a:avLst/>
+            </a:prstGeom>
+            <a:solidFill>
+              <a:schemeClr val="bg1"/>
+            </a:solidFill>
+            <a:ln>
+              <a:solidFill>
+                <a:schemeClr val="tx1"/>
+              </a:solidFill>
+            </a:ln>
+          </p:spPr>
+          <p:style>
+            <a:lnRef idx="2">
+              <a:schemeClr val="accent1">
+                <a:shade val="15000"/>
+              </a:schemeClr>
+            </a:lnRef>
+            <a:fillRef idx="1">
+              <a:schemeClr val="accent1"/>
+            </a:fillRef>
+            <a:effectRef idx="0">
+              <a:schemeClr val="accent1"/>
+            </a:effectRef>
+            <a:fontRef idx="minor">
+              <a:schemeClr val="lt1"/>
+            </a:fontRef>
+          </p:style>
+          <p:txBody>
+            <a:bodyPr rtlCol="0" anchor="ctr"/>
+            <a:lstStyle/>
+            <a:p>
+              <a:pPr algn="ctr"/>
+              <a:endParaRPr lang="en-US">
+                <a:solidFill>
+                  <a:schemeClr val="tx1"/>
+                </a:solidFill>
+              </a:endParaRPr>
+            </a:p>
+          </p:txBody>
+        </p:sp>
+        <p:sp>
+          <p:nvSpPr>
+            <p:cNvPr id="340" name="TextBox 339">
+              <a:extLst>
+                <a:ext uri="{FF2B5EF4-FFF2-40B4-BE49-F238E27FC236}">
+                  <a16:creationId xmlns:a16="http://schemas.microsoft.com/office/drawing/2014/main" id="{908AE807-93D2-C52B-C7DC-872070702279}"/>
+                </a:ext>
+              </a:extLst>
+            </p:cNvPr>
+            <p:cNvSpPr txBox="1"/>
+            <p:nvPr/>
+          </p:nvSpPr>
+          <p:spPr>
+            <a:xfrm>
+              <a:off x="199846" y="5774065"/>
+              <a:ext cx="2170519" cy="584775"/>
+            </a:xfrm>
+            <a:prstGeom prst="rect">
+              <a:avLst/>
+            </a:prstGeom>
+            <a:noFill/>
+          </p:spPr>
+          <p:txBody>
+            <a:bodyPr wrap="square" rtlCol="0">
+              <a:spAutoFit/>
+            </a:bodyPr>
+            <a:lstStyle/>
+            <a:p>
+              <a:pPr algn="ctr"/>
+              <a:r>
+                <a:rPr lang="en-US" sz="1600" b="1" dirty="0"/>
+                <a:t>Aggregate to Gene Modules</a:t>
+              </a:r>
+            </a:p>
+          </p:txBody>
+        </p:sp>
+      </p:grpSp>
+      <p:grpSp>
+        <p:nvGrpSpPr>
+          <p:cNvPr id="322" name="Group 321">
+            <a:extLst>
+              <a:ext uri="{FF2B5EF4-FFF2-40B4-BE49-F238E27FC236}">
+                <a16:creationId xmlns:a16="http://schemas.microsoft.com/office/drawing/2014/main" id="{013F2955-BDC4-582E-0566-BF05DB8CB854}"/>
+              </a:ext>
+            </a:extLst>
+          </p:cNvPr>
+          <p:cNvGrpSpPr/>
+          <p:nvPr/>
+        </p:nvGrpSpPr>
+        <p:grpSpPr>
+          <a:xfrm>
+            <a:off x="7119707" y="6080526"/>
+            <a:ext cx="1410693" cy="584775"/>
+            <a:chOff x="183194" y="5775239"/>
+            <a:chExt cx="2170519" cy="584775"/>
+          </a:xfrm>
+        </p:grpSpPr>
+        <p:sp>
+          <p:nvSpPr>
+            <p:cNvPr id="337" name="Rectangle 336">
+              <a:extLst>
+                <a:ext uri="{FF2B5EF4-FFF2-40B4-BE49-F238E27FC236}">
+                  <a16:creationId xmlns:a16="http://schemas.microsoft.com/office/drawing/2014/main" id="{CD8A3E91-B833-C092-B516-A733806CDDA4}"/>
+                </a:ext>
+              </a:extLst>
+            </p:cNvPr>
+            <p:cNvSpPr/>
+            <p:nvPr/>
+          </p:nvSpPr>
+          <p:spPr>
+            <a:xfrm>
+              <a:off x="198991" y="5781481"/>
+              <a:ext cx="2134969" cy="544335"/>
+            </a:xfrm>
+            <a:prstGeom prst="rect">
+              <a:avLst/>
+            </a:prstGeom>
+            <a:solidFill>
+              <a:schemeClr val="bg1"/>
+            </a:solidFill>
+            <a:ln>
+              <a:solidFill>
+                <a:schemeClr val="tx1"/>
+              </a:solidFill>
+            </a:ln>
+          </p:spPr>
+          <p:style>
+            <a:lnRef idx="2">
+              <a:schemeClr val="accent1">
+                <a:shade val="15000"/>
+              </a:schemeClr>
+            </a:lnRef>
+            <a:fillRef idx="1">
+              <a:schemeClr val="accent1"/>
+            </a:fillRef>
+            <a:effectRef idx="0">
+              <a:schemeClr val="accent1"/>
+            </a:effectRef>
+            <a:fontRef idx="minor">
+              <a:schemeClr val="lt1"/>
+            </a:fontRef>
+          </p:style>
+          <p:txBody>
+            <a:bodyPr rtlCol="0" anchor="ctr"/>
+            <a:lstStyle/>
+            <a:p>
+              <a:pPr algn="ctr"/>
+              <a:endParaRPr lang="en-US">
+                <a:solidFill>
+                  <a:schemeClr val="tx1"/>
+                </a:solidFill>
+              </a:endParaRPr>
+            </a:p>
+          </p:txBody>
+        </p:sp>
+        <p:sp>
+          <p:nvSpPr>
+            <p:cNvPr id="338" name="TextBox 337">
+              <a:extLst>
+                <a:ext uri="{FF2B5EF4-FFF2-40B4-BE49-F238E27FC236}">
+                  <a16:creationId xmlns:a16="http://schemas.microsoft.com/office/drawing/2014/main" id="{6E1AE380-12A3-2183-F3AE-98AA70E36F10}"/>
+                </a:ext>
+              </a:extLst>
+            </p:cNvPr>
+            <p:cNvSpPr txBox="1"/>
+            <p:nvPr/>
+          </p:nvSpPr>
+          <p:spPr>
+            <a:xfrm>
+              <a:off x="183194" y="5775239"/>
+              <a:ext cx="2170519" cy="584775"/>
+            </a:xfrm>
+            <a:prstGeom prst="rect">
+              <a:avLst/>
+            </a:prstGeom>
+            <a:noFill/>
+          </p:spPr>
+          <p:txBody>
+            <a:bodyPr wrap="square" rtlCol="0">
+              <a:spAutoFit/>
+            </a:bodyPr>
+            <a:lstStyle/>
+            <a:p>
+              <a:pPr algn="ctr"/>
+              <a:r>
+                <a:rPr lang="en-US" sz="1600" b="1" dirty="0"/>
+                <a:t>Visualize Gene Modules</a:t>
+              </a:r>
+            </a:p>
+          </p:txBody>
+        </p:sp>
+      </p:grpSp>
+      <p:sp>
+        <p:nvSpPr>
+          <p:cNvPr id="323" name="TextBox 322">
+            <a:extLst>
+              <a:ext uri="{FF2B5EF4-FFF2-40B4-BE49-F238E27FC236}">
+                <a16:creationId xmlns:a16="http://schemas.microsoft.com/office/drawing/2014/main" id="{7A0CDADD-2E45-2163-C9BF-4E92841F8D1C}"/>
+              </a:ext>
+            </a:extLst>
+          </p:cNvPr>
+          <p:cNvSpPr txBox="1"/>
+          <p:nvPr/>
+        </p:nvSpPr>
+        <p:spPr>
+          <a:xfrm>
+            <a:off x="7254512" y="2583658"/>
+            <a:ext cx="1141083" cy="461665"/>
+          </a:xfrm>
+          <a:prstGeom prst="rect">
+            <a:avLst/>
+          </a:prstGeom>
+          <a:noFill/>
+        </p:spPr>
+        <p:txBody>
+          <a:bodyPr wrap="square">
+            <a:spAutoFit/>
+          </a:bodyPr>
+          <a:lstStyle/>
+          <a:p>
+            <a:pPr algn="ctr"/>
+            <a:r>
+              <a:rPr lang="en-US" sz="1200" dirty="0" err="1"/>
+              <a:t>choose_graph</a:t>
+            </a:r>
+            <a:r>
+              <a:rPr lang="en-US" sz="1200" dirty="0"/>
+              <a:t>_</a:t>
+            </a:r>
+          </a:p>
+          <a:p>
+            <a:pPr algn="ctr"/>
+            <a:r>
+              <a:rPr lang="en-US" sz="1200" dirty="0"/>
+              <a:t>segments</a:t>
+            </a:r>
+            <a:r>
+              <a:rPr lang="en-US" sz="1200" i="1" dirty="0"/>
+              <a:t>()</a:t>
+            </a:r>
+          </a:p>
+        </p:txBody>
+      </p:sp>
+      <p:sp>
+        <p:nvSpPr>
+          <p:cNvPr id="324" name="TextBox 323">
+            <a:extLst>
+              <a:ext uri="{FF2B5EF4-FFF2-40B4-BE49-F238E27FC236}">
+                <a16:creationId xmlns:a16="http://schemas.microsoft.com/office/drawing/2014/main" id="{4B5C62D2-5D35-B9BD-6F48-72B6032ED67B}"/>
+              </a:ext>
+            </a:extLst>
+          </p:cNvPr>
+          <p:cNvSpPr txBox="1"/>
+          <p:nvPr/>
+        </p:nvSpPr>
+        <p:spPr>
+          <a:xfrm>
+            <a:off x="7326695" y="1653823"/>
+            <a:ext cx="996717" cy="276999"/>
+          </a:xfrm>
+          <a:prstGeom prst="rect">
+            <a:avLst/>
+          </a:prstGeom>
+          <a:noFill/>
+        </p:spPr>
+        <p:txBody>
+          <a:bodyPr wrap="square">
+            <a:spAutoFit/>
+          </a:bodyPr>
+          <a:lstStyle/>
+          <a:p>
+            <a:pPr algn="ctr"/>
+            <a:r>
+              <a:rPr lang="en-US" sz="1200" i="1" dirty="0" err="1"/>
+              <a:t>order_cells</a:t>
+            </a:r>
+            <a:r>
+              <a:rPr lang="en-US" sz="1200" i="1" dirty="0"/>
+              <a:t>()</a:t>
+            </a:r>
+          </a:p>
+        </p:txBody>
+      </p:sp>
+      <p:sp>
+        <p:nvSpPr>
+          <p:cNvPr id="325" name="Arrow: Right 324">
+            <a:extLst>
+              <a:ext uri="{FF2B5EF4-FFF2-40B4-BE49-F238E27FC236}">
+                <a16:creationId xmlns:a16="http://schemas.microsoft.com/office/drawing/2014/main" id="{4D4856F6-DDA1-0815-99AC-AFD00EB7E648}"/>
+              </a:ext>
+            </a:extLst>
+          </p:cNvPr>
+          <p:cNvSpPr/>
+          <p:nvPr/>
+        </p:nvSpPr>
+        <p:spPr>
+          <a:xfrm rot="5400000">
+            <a:off x="7762346" y="2890891"/>
+            <a:ext cx="125415" cy="386089"/>
+          </a:xfrm>
+          <a:prstGeom prst="rightArrow">
+            <a:avLst/>
+          </a:prstGeom>
+          <a:solidFill>
+            <a:srgbClr val="CBCBCB"/>
+          </a:solidFill>
+          <a:ln>
+            <a:noFill/>
+          </a:ln>
+        </p:spPr>
+        <p:style>
+          <a:lnRef idx="2">
+            <a:schemeClr val="accent1">
+              <a:shade val="15000"/>
+            </a:schemeClr>
+          </a:lnRef>
+          <a:fillRef idx="1">
+            <a:schemeClr val="accent1"/>
+          </a:fillRef>
+          <a:effectRef idx="0">
+            <a:schemeClr val="accent1"/>
+          </a:effectRef>
+          <a:fontRef idx="minor">
+            <a:schemeClr val="lt1"/>
+          </a:fontRef>
+        </p:style>
+        <p:txBody>
+          <a:bodyPr rtlCol="0" anchor="ctr"/>
+          <a:lstStyle/>
+          <a:p>
+            <a:pPr algn="ctr"/>
+            <a:endParaRPr lang="en-US"/>
+          </a:p>
+        </p:txBody>
+      </p:sp>
+      <p:sp>
+        <p:nvSpPr>
+          <p:cNvPr id="326" name="TextBox 325">
+            <a:extLst>
+              <a:ext uri="{FF2B5EF4-FFF2-40B4-BE49-F238E27FC236}">
+                <a16:creationId xmlns:a16="http://schemas.microsoft.com/office/drawing/2014/main" id="{DCA9D6D7-6292-C413-F90C-AF19310A1D4C}"/>
+              </a:ext>
+            </a:extLst>
+          </p:cNvPr>
+          <p:cNvSpPr txBox="1"/>
+          <p:nvPr/>
+        </p:nvSpPr>
+        <p:spPr>
+          <a:xfrm>
+            <a:off x="7034989" y="4524701"/>
+            <a:ext cx="1580128" cy="276999"/>
+          </a:xfrm>
+          <a:prstGeom prst="rect">
+            <a:avLst/>
+          </a:prstGeom>
+          <a:noFill/>
+        </p:spPr>
+        <p:txBody>
+          <a:bodyPr wrap="square">
+            <a:spAutoFit/>
+          </a:bodyPr>
+          <a:lstStyle/>
+          <a:p>
+            <a:pPr algn="ctr"/>
+            <a:r>
+              <a:rPr lang="en-US" sz="1200" i="1" dirty="0" err="1"/>
+              <a:t>find_gene_modules</a:t>
+            </a:r>
+            <a:r>
+              <a:rPr lang="en-US" sz="1200" i="1" dirty="0"/>
+              <a:t>() </a:t>
+            </a:r>
+          </a:p>
+        </p:txBody>
+      </p:sp>
+      <p:sp>
+        <p:nvSpPr>
+          <p:cNvPr id="327" name="Arrow: Right 326">
+            <a:extLst>
+              <a:ext uri="{FF2B5EF4-FFF2-40B4-BE49-F238E27FC236}">
+                <a16:creationId xmlns:a16="http://schemas.microsoft.com/office/drawing/2014/main" id="{6CEA76A1-42AC-5EEF-74B6-178E118580DC}"/>
+              </a:ext>
+            </a:extLst>
+          </p:cNvPr>
+          <p:cNvSpPr/>
+          <p:nvPr/>
+        </p:nvSpPr>
+        <p:spPr>
+          <a:xfrm rot="5400000">
+            <a:off x="7748568" y="4690869"/>
+            <a:ext cx="152971" cy="386089"/>
+          </a:xfrm>
+          <a:prstGeom prst="rightArrow">
+            <a:avLst/>
+          </a:prstGeom>
+          <a:solidFill>
+            <a:srgbClr val="CBCBCB"/>
+          </a:solidFill>
+          <a:ln>
+            <a:noFill/>
+          </a:ln>
+        </p:spPr>
+        <p:style>
+          <a:lnRef idx="2">
+            <a:schemeClr val="accent1">
+              <a:shade val="15000"/>
+            </a:schemeClr>
+          </a:lnRef>
+          <a:fillRef idx="1">
+            <a:schemeClr val="accent1"/>
+          </a:fillRef>
+          <a:effectRef idx="0">
+            <a:schemeClr val="accent1"/>
+          </a:effectRef>
+          <a:fontRef idx="minor">
+            <a:schemeClr val="lt1"/>
+          </a:fontRef>
+        </p:style>
+        <p:txBody>
+          <a:bodyPr rtlCol="0" anchor="ctr"/>
+          <a:lstStyle/>
+          <a:p>
+            <a:pPr algn="ctr"/>
+            <a:endParaRPr lang="en-US"/>
+          </a:p>
+        </p:txBody>
+      </p:sp>
+      <p:sp>
+        <p:nvSpPr>
+          <p:cNvPr id="328" name="TextBox 327">
+            <a:extLst>
+              <a:ext uri="{FF2B5EF4-FFF2-40B4-BE49-F238E27FC236}">
+                <a16:creationId xmlns:a16="http://schemas.microsoft.com/office/drawing/2014/main" id="{998BA6B6-F1C5-3312-10C5-EBF3989E816C}"/>
+              </a:ext>
+            </a:extLst>
+          </p:cNvPr>
+          <p:cNvSpPr txBox="1"/>
+          <p:nvPr/>
+        </p:nvSpPr>
+        <p:spPr>
+          <a:xfrm>
+            <a:off x="7141492" y="5482989"/>
+            <a:ext cx="1367122" cy="461665"/>
+          </a:xfrm>
+          <a:prstGeom prst="rect">
+            <a:avLst/>
+          </a:prstGeom>
+          <a:noFill/>
+        </p:spPr>
+        <p:txBody>
+          <a:bodyPr wrap="square">
+            <a:spAutoFit/>
+          </a:bodyPr>
+          <a:lstStyle/>
+          <a:p>
+            <a:pPr algn="ctr"/>
+            <a:r>
+              <a:rPr lang="en-US" sz="1200" i="1" dirty="0" err="1"/>
+              <a:t>aggregate_gene</a:t>
+            </a:r>
+            <a:r>
+              <a:rPr lang="en-US" sz="1200" i="1" dirty="0"/>
+              <a:t>_</a:t>
+            </a:r>
+          </a:p>
+          <a:p>
+            <a:pPr algn="ctr"/>
+            <a:r>
+              <a:rPr lang="en-US" sz="1200" i="1" dirty="0"/>
+              <a:t>expression() </a:t>
+            </a:r>
+          </a:p>
+        </p:txBody>
+      </p:sp>
+      <p:sp>
+        <p:nvSpPr>
+          <p:cNvPr id="329" name="Arrow: Right 328">
+            <a:extLst>
+              <a:ext uri="{FF2B5EF4-FFF2-40B4-BE49-F238E27FC236}">
+                <a16:creationId xmlns:a16="http://schemas.microsoft.com/office/drawing/2014/main" id="{36770774-B6C3-09CE-05EF-016EC4FB9C7B}"/>
+              </a:ext>
+            </a:extLst>
+          </p:cNvPr>
+          <p:cNvSpPr/>
+          <p:nvPr/>
+        </p:nvSpPr>
+        <p:spPr>
+          <a:xfrm rot="5400000">
+            <a:off x="7748568" y="3679070"/>
+            <a:ext cx="152971" cy="386089"/>
+          </a:xfrm>
+          <a:prstGeom prst="rightArrow">
+            <a:avLst/>
+          </a:prstGeom>
+          <a:solidFill>
+            <a:srgbClr val="CBCBCB"/>
+          </a:solidFill>
+          <a:ln>
+            <a:noFill/>
+          </a:ln>
+        </p:spPr>
+        <p:style>
+          <a:lnRef idx="2">
+            <a:schemeClr val="accent1">
+              <a:shade val="15000"/>
+            </a:schemeClr>
+          </a:lnRef>
+          <a:fillRef idx="1">
+            <a:schemeClr val="accent1"/>
+          </a:fillRef>
+          <a:effectRef idx="0">
+            <a:schemeClr val="accent1"/>
+          </a:effectRef>
+          <a:fontRef idx="minor">
+            <a:schemeClr val="lt1"/>
+          </a:fontRef>
+        </p:style>
+        <p:txBody>
+          <a:bodyPr rtlCol="0" anchor="ctr"/>
+          <a:lstStyle/>
+          <a:p>
+            <a:pPr algn="ctr"/>
+            <a:endParaRPr lang="en-US"/>
+          </a:p>
+        </p:txBody>
+      </p:sp>
+      <p:sp>
+        <p:nvSpPr>
+          <p:cNvPr id="330" name="Arrow: Right 329">
+            <a:extLst>
+              <a:ext uri="{FF2B5EF4-FFF2-40B4-BE49-F238E27FC236}">
+                <a16:creationId xmlns:a16="http://schemas.microsoft.com/office/drawing/2014/main" id="{03CE2823-E0A0-7BD2-1BE2-D2902947A610}"/>
+              </a:ext>
+            </a:extLst>
+          </p:cNvPr>
+          <p:cNvSpPr/>
+          <p:nvPr/>
+        </p:nvSpPr>
+        <p:spPr>
+          <a:xfrm rot="5400000">
+            <a:off x="7748568" y="5806268"/>
+            <a:ext cx="152971" cy="386089"/>
+          </a:xfrm>
+          <a:prstGeom prst="rightArrow">
+            <a:avLst/>
+          </a:prstGeom>
+          <a:solidFill>
+            <a:srgbClr val="CBCBCB"/>
+          </a:solidFill>
+          <a:ln>
+            <a:noFill/>
+          </a:ln>
+        </p:spPr>
+        <p:style>
+          <a:lnRef idx="2">
+            <a:schemeClr val="accent1">
+              <a:shade val="15000"/>
+            </a:schemeClr>
+          </a:lnRef>
+          <a:fillRef idx="1">
+            <a:schemeClr val="accent1"/>
+          </a:fillRef>
+          <a:effectRef idx="0">
+            <a:schemeClr val="accent1"/>
+          </a:effectRef>
+          <a:fontRef idx="minor">
+            <a:schemeClr val="lt1"/>
+          </a:fontRef>
+        </p:style>
+        <p:txBody>
+          <a:bodyPr rtlCol="0" anchor="ctr"/>
+          <a:lstStyle/>
+          <a:p>
+            <a:pPr algn="ctr"/>
+            <a:endParaRPr lang="en-US"/>
+          </a:p>
+        </p:txBody>
+      </p:sp>
+      <p:sp>
+        <p:nvSpPr>
+          <p:cNvPr id="331" name="Rectangle 330">
+            <a:extLst>
+              <a:ext uri="{FF2B5EF4-FFF2-40B4-BE49-F238E27FC236}">
+                <a16:creationId xmlns:a16="http://schemas.microsoft.com/office/drawing/2014/main" id="{0451C1E9-7B77-7F96-4DDC-125093502E93}"/>
+              </a:ext>
+            </a:extLst>
+          </p:cNvPr>
+          <p:cNvSpPr/>
+          <p:nvPr/>
+        </p:nvSpPr>
+        <p:spPr>
+          <a:xfrm>
+            <a:off x="4767091" y="1150480"/>
+            <a:ext cx="3847231" cy="5658958"/>
+          </a:xfrm>
+          <a:prstGeom prst="rect">
+            <a:avLst/>
+          </a:prstGeom>
+          <a:noFill/>
+          <a:ln>
+            <a:solidFill>
+              <a:schemeClr val="tx1"/>
+            </a:solidFill>
+          </a:ln>
+        </p:spPr>
+        <p:style>
+          <a:lnRef idx="2">
+            <a:schemeClr val="accent1">
+              <a:shade val="15000"/>
+            </a:schemeClr>
+          </a:lnRef>
+          <a:fillRef idx="1">
+            <a:schemeClr val="accent1"/>
+          </a:fillRef>
+          <a:effectRef idx="0">
+            <a:schemeClr val="accent1"/>
+          </a:effectRef>
+          <a:fontRef idx="minor">
+            <a:schemeClr val="lt1"/>
+          </a:fontRef>
+        </p:style>
+        <p:txBody>
+          <a:bodyPr rtlCol="0" anchor="ctr"/>
+          <a:lstStyle/>
+          <a:p>
+            <a:pPr algn="ctr"/>
+            <a:endParaRPr lang="en-US"/>
+          </a:p>
+        </p:txBody>
+      </p:sp>
+      <p:grpSp>
+        <p:nvGrpSpPr>
+          <p:cNvPr id="332" name="Group 331">
+            <a:extLst>
+              <a:ext uri="{FF2B5EF4-FFF2-40B4-BE49-F238E27FC236}">
+                <a16:creationId xmlns:a16="http://schemas.microsoft.com/office/drawing/2014/main" id="{ED088D75-F9AF-09B8-C963-886862B0530D}"/>
+              </a:ext>
+            </a:extLst>
+          </p:cNvPr>
+          <p:cNvGrpSpPr/>
+          <p:nvPr/>
+        </p:nvGrpSpPr>
+        <p:grpSpPr>
+          <a:xfrm>
+            <a:off x="4892725" y="5165606"/>
+            <a:ext cx="1410693" cy="604375"/>
+            <a:chOff x="127265" y="5734193"/>
+            <a:chExt cx="2170519" cy="604375"/>
+          </a:xfrm>
+        </p:grpSpPr>
+        <p:sp>
+          <p:nvSpPr>
+            <p:cNvPr id="335" name="Rectangle 334">
+              <a:extLst>
+                <a:ext uri="{FF2B5EF4-FFF2-40B4-BE49-F238E27FC236}">
+                  <a16:creationId xmlns:a16="http://schemas.microsoft.com/office/drawing/2014/main" id="{6E3D1021-4980-D42A-8C8E-8023107E175C}"/>
+                </a:ext>
+              </a:extLst>
+            </p:cNvPr>
+            <p:cNvSpPr/>
+            <p:nvPr/>
+          </p:nvSpPr>
+          <p:spPr>
+            <a:xfrm>
+              <a:off x="297469" y="5734193"/>
+              <a:ext cx="1805535" cy="591623"/>
+            </a:xfrm>
+            <a:prstGeom prst="rect">
+              <a:avLst/>
+            </a:prstGeom>
+            <a:solidFill>
+              <a:schemeClr val="bg1"/>
+            </a:solidFill>
+            <a:ln>
+              <a:solidFill>
+                <a:schemeClr val="tx1"/>
+              </a:solidFill>
+            </a:ln>
+          </p:spPr>
+          <p:style>
+            <a:lnRef idx="2">
+              <a:schemeClr val="accent1">
+                <a:shade val="15000"/>
+              </a:schemeClr>
+            </a:lnRef>
+            <a:fillRef idx="1">
+              <a:schemeClr val="accent1"/>
+            </a:fillRef>
+            <a:effectRef idx="0">
+              <a:schemeClr val="accent1"/>
+            </a:effectRef>
+            <a:fontRef idx="minor">
+              <a:schemeClr val="lt1"/>
+            </a:fontRef>
+          </p:style>
+          <p:txBody>
+            <a:bodyPr rtlCol="0" anchor="ctr"/>
+            <a:lstStyle/>
+            <a:p>
+              <a:pPr algn="ctr"/>
+              <a:endParaRPr lang="en-US">
+                <a:solidFill>
+                  <a:schemeClr val="tx1"/>
+                </a:solidFill>
+              </a:endParaRPr>
+            </a:p>
+          </p:txBody>
+        </p:sp>
+        <p:sp>
+          <p:nvSpPr>
+            <p:cNvPr id="336" name="TextBox 335">
+              <a:extLst>
+                <a:ext uri="{FF2B5EF4-FFF2-40B4-BE49-F238E27FC236}">
+                  <a16:creationId xmlns:a16="http://schemas.microsoft.com/office/drawing/2014/main" id="{0069AB2A-3CAA-EFE5-B4D6-C024A6937596}"/>
+                </a:ext>
+              </a:extLst>
+            </p:cNvPr>
+            <p:cNvSpPr txBox="1"/>
+            <p:nvPr/>
+          </p:nvSpPr>
+          <p:spPr>
+            <a:xfrm>
+              <a:off x="127265" y="5753793"/>
+              <a:ext cx="2170519" cy="584775"/>
+            </a:xfrm>
+            <a:prstGeom prst="rect">
+              <a:avLst/>
+            </a:prstGeom>
+            <a:noFill/>
+          </p:spPr>
+          <p:txBody>
+            <a:bodyPr wrap="square" rtlCol="0">
+              <a:spAutoFit/>
+            </a:bodyPr>
+            <a:lstStyle/>
+            <a:p>
+              <a:pPr algn="ctr"/>
+              <a:r>
+                <a:rPr lang="en-US" sz="1600" b="1" dirty="0"/>
+                <a:t>Cell Type Annotation</a:t>
+              </a:r>
+            </a:p>
+          </p:txBody>
+        </p:sp>
+      </p:grpSp>
+      <p:sp>
+        <p:nvSpPr>
+          <p:cNvPr id="333" name="Arrow: Right 332">
+            <a:extLst>
+              <a:ext uri="{FF2B5EF4-FFF2-40B4-BE49-F238E27FC236}">
+                <a16:creationId xmlns:a16="http://schemas.microsoft.com/office/drawing/2014/main" id="{3469F047-96A4-AD2D-5B9D-162F956FB801}"/>
+              </a:ext>
+            </a:extLst>
+          </p:cNvPr>
+          <p:cNvSpPr/>
+          <p:nvPr/>
+        </p:nvSpPr>
+        <p:spPr>
+          <a:xfrm rot="5400000">
+            <a:off x="5521586" y="4811971"/>
+            <a:ext cx="152971" cy="386089"/>
+          </a:xfrm>
+          <a:prstGeom prst="rightArrow">
+            <a:avLst/>
+          </a:prstGeom>
+          <a:solidFill>
+            <a:srgbClr val="CBCBCB"/>
+          </a:solidFill>
+          <a:ln>
+            <a:noFill/>
+          </a:ln>
+        </p:spPr>
+        <p:style>
+          <a:lnRef idx="2">
+            <a:schemeClr val="accent1">
+              <a:shade val="15000"/>
+            </a:schemeClr>
+          </a:lnRef>
+          <a:fillRef idx="1">
+            <a:schemeClr val="accent1"/>
+          </a:fillRef>
+          <a:effectRef idx="0">
+            <a:schemeClr val="accent1"/>
+          </a:effectRef>
+          <a:fontRef idx="minor">
+            <a:schemeClr val="lt1"/>
+          </a:fontRef>
+        </p:style>
+        <p:txBody>
+          <a:bodyPr rtlCol="0" anchor="ctr"/>
+          <a:lstStyle/>
+          <a:p>
+            <a:pPr algn="ctr"/>
+            <a:endParaRPr lang="en-US"/>
+          </a:p>
+        </p:txBody>
+      </p:sp>
+      <p:sp>
+        <p:nvSpPr>
+          <p:cNvPr id="334" name="Arrow: Right 333">
+            <a:extLst>
+              <a:ext uri="{FF2B5EF4-FFF2-40B4-BE49-F238E27FC236}">
+                <a16:creationId xmlns:a16="http://schemas.microsoft.com/office/drawing/2014/main" id="{4D7C994F-06BC-EC6D-CF49-37F53EB696B6}"/>
+              </a:ext>
+            </a:extLst>
+          </p:cNvPr>
+          <p:cNvSpPr/>
+          <p:nvPr/>
+        </p:nvSpPr>
+        <p:spPr>
+          <a:xfrm rot="5400000">
+            <a:off x="7762346" y="1815375"/>
+            <a:ext cx="125415" cy="386089"/>
+          </a:xfrm>
+          <a:prstGeom prst="rightArrow">
+            <a:avLst/>
+          </a:prstGeom>
+          <a:solidFill>
+            <a:srgbClr val="CBCBCB"/>
+          </a:solidFill>
+          <a:ln>
+            <a:noFill/>
+          </a:ln>
+        </p:spPr>
+        <p:style>
+          <a:lnRef idx="2">
+            <a:schemeClr val="accent1">
+              <a:shade val="15000"/>
+            </a:schemeClr>
+          </a:lnRef>
+          <a:fillRef idx="1">
+            <a:schemeClr val="accent1"/>
+          </a:fillRef>
+          <a:effectRef idx="0">
+            <a:schemeClr val="accent1"/>
+          </a:effectRef>
+          <a:fontRef idx="minor">
+            <a:schemeClr val="lt1"/>
+          </a:fontRef>
+        </p:style>
+        <p:txBody>
+          <a:bodyPr rtlCol="0" anchor="ctr"/>
+          <a:lstStyle/>
+          <a:p>
+            <a:pPr algn="ctr"/>
+            <a:endParaRPr lang="en-US"/>
+          </a:p>
+        </p:txBody>
+      </p:sp>
       <p:grpSp>
         <p:nvGrpSpPr>
           <p:cNvPr id="240" name="Group 239">
@@ -10915,7 +14502,7 @@
               <a:lstStyle/>
               <a:p>
                 <a:pPr algn="ctr"/>
-                <a:endParaRPr lang="en-US"/>
+                <a:endParaRPr lang="en-US" dirty="0"/>
               </a:p>
             </p:txBody>
           </p:sp>
@@ -11115,2832 +14702,6 @@
           </p:txBody>
         </p:sp>
       </p:grpSp>
-      <p:sp>
-        <p:nvSpPr>
-          <p:cNvPr id="301" name="Arrow: Right 147">
-            <a:extLst>
-              <a:ext uri="{FF2B5EF4-FFF2-40B4-BE49-F238E27FC236}">
-                <a16:creationId xmlns:a16="http://schemas.microsoft.com/office/drawing/2014/main" id="{0BEFAFFB-3F45-999A-EE8C-C236F75E6FDE}"/>
-              </a:ext>
-            </a:extLst>
-          </p:cNvPr>
-          <p:cNvSpPr/>
-          <p:nvPr/>
-        </p:nvSpPr>
-        <p:spPr>
-          <a:xfrm rot="2467564">
-            <a:off x="5901574" y="6561765"/>
-            <a:ext cx="666855" cy="197718"/>
-          </a:xfrm>
-          <a:custGeom>
-            <a:avLst/>
-            <a:gdLst>
-              <a:gd name="connsiteX0" fmla="*/ 0 w 865995"/>
-              <a:gd name="connsiteY0" fmla="*/ 96522 h 386089"/>
-              <a:gd name="connsiteX1" fmla="*/ 672951 w 865995"/>
-              <a:gd name="connsiteY1" fmla="*/ 96522 h 386089"/>
-              <a:gd name="connsiteX2" fmla="*/ 672951 w 865995"/>
-              <a:gd name="connsiteY2" fmla="*/ 0 h 386089"/>
-              <a:gd name="connsiteX3" fmla="*/ 865995 w 865995"/>
-              <a:gd name="connsiteY3" fmla="*/ 193045 h 386089"/>
-              <a:gd name="connsiteX4" fmla="*/ 672951 w 865995"/>
-              <a:gd name="connsiteY4" fmla="*/ 386089 h 386089"/>
-              <a:gd name="connsiteX5" fmla="*/ 672951 w 865995"/>
-              <a:gd name="connsiteY5" fmla="*/ 289567 h 386089"/>
-              <a:gd name="connsiteX6" fmla="*/ 0 w 865995"/>
-              <a:gd name="connsiteY6" fmla="*/ 289567 h 386089"/>
-              <a:gd name="connsiteX7" fmla="*/ 0 w 865995"/>
-              <a:gd name="connsiteY7" fmla="*/ 96522 h 386089"/>
-              <a:gd name="connsiteX0" fmla="*/ 0 w 865995"/>
-              <a:gd name="connsiteY0" fmla="*/ 0 h 289567"/>
-              <a:gd name="connsiteX1" fmla="*/ 672951 w 865995"/>
-              <a:gd name="connsiteY1" fmla="*/ 0 h 289567"/>
-              <a:gd name="connsiteX2" fmla="*/ 865995 w 865995"/>
-              <a:gd name="connsiteY2" fmla="*/ 96523 h 289567"/>
-              <a:gd name="connsiteX3" fmla="*/ 672951 w 865995"/>
-              <a:gd name="connsiteY3" fmla="*/ 289567 h 289567"/>
-              <a:gd name="connsiteX4" fmla="*/ 672951 w 865995"/>
-              <a:gd name="connsiteY4" fmla="*/ 193045 h 289567"/>
-              <a:gd name="connsiteX5" fmla="*/ 0 w 865995"/>
-              <a:gd name="connsiteY5" fmla="*/ 193045 h 289567"/>
-              <a:gd name="connsiteX6" fmla="*/ 0 w 865995"/>
-              <a:gd name="connsiteY6" fmla="*/ 0 h 289567"/>
-              <a:gd name="connsiteX0" fmla="*/ 0 w 672951"/>
-              <a:gd name="connsiteY0" fmla="*/ 0 h 289567"/>
-              <a:gd name="connsiteX1" fmla="*/ 672951 w 672951"/>
-              <a:gd name="connsiteY1" fmla="*/ 0 h 289567"/>
-              <a:gd name="connsiteX2" fmla="*/ 672951 w 672951"/>
-              <a:gd name="connsiteY2" fmla="*/ 289567 h 289567"/>
-              <a:gd name="connsiteX3" fmla="*/ 672951 w 672951"/>
-              <a:gd name="connsiteY3" fmla="*/ 193045 h 289567"/>
-              <a:gd name="connsiteX4" fmla="*/ 0 w 672951"/>
-              <a:gd name="connsiteY4" fmla="*/ 193045 h 289567"/>
-              <a:gd name="connsiteX5" fmla="*/ 0 w 672951"/>
-              <a:gd name="connsiteY5" fmla="*/ 0 h 289567"/>
-              <a:gd name="connsiteX0" fmla="*/ 0 w 672951"/>
-              <a:gd name="connsiteY0" fmla="*/ 0 h 193045"/>
-              <a:gd name="connsiteX1" fmla="*/ 672951 w 672951"/>
-              <a:gd name="connsiteY1" fmla="*/ 0 h 193045"/>
-              <a:gd name="connsiteX2" fmla="*/ 672951 w 672951"/>
-              <a:gd name="connsiteY2" fmla="*/ 193045 h 193045"/>
-              <a:gd name="connsiteX3" fmla="*/ 0 w 672951"/>
-              <a:gd name="connsiteY3" fmla="*/ 193045 h 193045"/>
-              <a:gd name="connsiteX4" fmla="*/ 0 w 672951"/>
-              <a:gd name="connsiteY4" fmla="*/ 0 h 193045"/>
-              <a:gd name="connsiteX0" fmla="*/ 0 w 672951"/>
-              <a:gd name="connsiteY0" fmla="*/ 0 h 193045"/>
-              <a:gd name="connsiteX1" fmla="*/ 629045 w 672951"/>
-              <a:gd name="connsiteY1" fmla="*/ 402 h 193045"/>
-              <a:gd name="connsiteX2" fmla="*/ 672951 w 672951"/>
-              <a:gd name="connsiteY2" fmla="*/ 193045 h 193045"/>
-              <a:gd name="connsiteX3" fmla="*/ 0 w 672951"/>
-              <a:gd name="connsiteY3" fmla="*/ 193045 h 193045"/>
-              <a:gd name="connsiteX4" fmla="*/ 0 w 672951"/>
-              <a:gd name="connsiteY4" fmla="*/ 0 h 193045"/>
-              <a:gd name="connsiteX0" fmla="*/ 0 w 629045"/>
-              <a:gd name="connsiteY0" fmla="*/ 0 h 193045"/>
-              <a:gd name="connsiteX1" fmla="*/ 629045 w 629045"/>
-              <a:gd name="connsiteY1" fmla="*/ 402 h 193045"/>
-              <a:gd name="connsiteX2" fmla="*/ 416461 w 629045"/>
-              <a:gd name="connsiteY2" fmla="*/ 192553 h 193045"/>
-              <a:gd name="connsiteX3" fmla="*/ 0 w 629045"/>
-              <a:gd name="connsiteY3" fmla="*/ 193045 h 193045"/>
-              <a:gd name="connsiteX4" fmla="*/ 0 w 629045"/>
-              <a:gd name="connsiteY4" fmla="*/ 0 h 193045"/>
-              <a:gd name="connsiteX0" fmla="*/ 0 w 637559"/>
-              <a:gd name="connsiteY0" fmla="*/ 709 h 193754"/>
-              <a:gd name="connsiteX1" fmla="*/ 637559 w 637559"/>
-              <a:gd name="connsiteY1" fmla="*/ 0 h 193754"/>
-              <a:gd name="connsiteX2" fmla="*/ 416461 w 637559"/>
-              <a:gd name="connsiteY2" fmla="*/ 193262 h 193754"/>
-              <a:gd name="connsiteX3" fmla="*/ 0 w 637559"/>
-              <a:gd name="connsiteY3" fmla="*/ 193754 h 193754"/>
-              <a:gd name="connsiteX4" fmla="*/ 0 w 637559"/>
-              <a:gd name="connsiteY4" fmla="*/ 709 h 193754"/>
-              <a:gd name="connsiteX0" fmla="*/ 0 w 824232"/>
-              <a:gd name="connsiteY0" fmla="*/ 0 h 194435"/>
-              <a:gd name="connsiteX1" fmla="*/ 824232 w 824232"/>
-              <a:gd name="connsiteY1" fmla="*/ 681 h 194435"/>
-              <a:gd name="connsiteX2" fmla="*/ 603134 w 824232"/>
-              <a:gd name="connsiteY2" fmla="*/ 193943 h 194435"/>
-              <a:gd name="connsiteX3" fmla="*/ 186673 w 824232"/>
-              <a:gd name="connsiteY3" fmla="*/ 194435 h 194435"/>
-              <a:gd name="connsiteX4" fmla="*/ 0 w 824232"/>
-              <a:gd name="connsiteY4" fmla="*/ 0 h 194435"/>
-              <a:gd name="connsiteX0" fmla="*/ 0 w 806312"/>
-              <a:gd name="connsiteY0" fmla="*/ 534 h 193754"/>
-              <a:gd name="connsiteX1" fmla="*/ 806312 w 806312"/>
-              <a:gd name="connsiteY1" fmla="*/ 0 h 193754"/>
-              <a:gd name="connsiteX2" fmla="*/ 585214 w 806312"/>
-              <a:gd name="connsiteY2" fmla="*/ 193262 h 193754"/>
-              <a:gd name="connsiteX3" fmla="*/ 168753 w 806312"/>
-              <a:gd name="connsiteY3" fmla="*/ 193754 h 193754"/>
-              <a:gd name="connsiteX4" fmla="*/ 0 w 806312"/>
-              <a:gd name="connsiteY4" fmla="*/ 534 h 193754"/>
-              <a:gd name="connsiteX0" fmla="*/ 0 w 806312"/>
-              <a:gd name="connsiteY0" fmla="*/ 534 h 194803"/>
-              <a:gd name="connsiteX1" fmla="*/ 806312 w 806312"/>
-              <a:gd name="connsiteY1" fmla="*/ 0 h 194803"/>
-              <a:gd name="connsiteX2" fmla="*/ 553548 w 806312"/>
-              <a:gd name="connsiteY2" fmla="*/ 194803 h 194803"/>
-              <a:gd name="connsiteX3" fmla="*/ 168753 w 806312"/>
-              <a:gd name="connsiteY3" fmla="*/ 193754 h 194803"/>
-              <a:gd name="connsiteX4" fmla="*/ 0 w 806312"/>
-              <a:gd name="connsiteY4" fmla="*/ 534 h 194803"/>
-              <a:gd name="connsiteX0" fmla="*/ 0 w 806312"/>
-              <a:gd name="connsiteY0" fmla="*/ 534 h 193754"/>
-              <a:gd name="connsiteX1" fmla="*/ 806312 w 806312"/>
-              <a:gd name="connsiteY1" fmla="*/ 0 h 193754"/>
-              <a:gd name="connsiteX2" fmla="*/ 551719 w 806312"/>
-              <a:gd name="connsiteY2" fmla="*/ 193009 h 193754"/>
-              <a:gd name="connsiteX3" fmla="*/ 168753 w 806312"/>
-              <a:gd name="connsiteY3" fmla="*/ 193754 h 193754"/>
-              <a:gd name="connsiteX4" fmla="*/ 0 w 806312"/>
-              <a:gd name="connsiteY4" fmla="*/ 534 h 193754"/>
-              <a:gd name="connsiteX0" fmla="*/ 0 w 806312"/>
-              <a:gd name="connsiteY0" fmla="*/ 534 h 195803"/>
-              <a:gd name="connsiteX1" fmla="*/ 806312 w 806312"/>
-              <a:gd name="connsiteY1" fmla="*/ 0 h 195803"/>
-              <a:gd name="connsiteX2" fmla="*/ 551719 w 806312"/>
-              <a:gd name="connsiteY2" fmla="*/ 193009 h 195803"/>
-              <a:gd name="connsiteX3" fmla="*/ 204081 w 806312"/>
-              <a:gd name="connsiteY3" fmla="*/ 195803 h 195803"/>
-              <a:gd name="connsiteX4" fmla="*/ 0 w 806312"/>
-              <a:gd name="connsiteY4" fmla="*/ 534 h 195803"/>
-              <a:gd name="connsiteX0" fmla="*/ 0 w 843224"/>
-              <a:gd name="connsiteY0" fmla="*/ 280 h 195549"/>
-              <a:gd name="connsiteX1" fmla="*/ 843225 w 843224"/>
-              <a:gd name="connsiteY1" fmla="*/ 0 h 195549"/>
-              <a:gd name="connsiteX2" fmla="*/ 551719 w 843224"/>
-              <a:gd name="connsiteY2" fmla="*/ 192755 h 195549"/>
-              <a:gd name="connsiteX3" fmla="*/ 204081 w 843224"/>
-              <a:gd name="connsiteY3" fmla="*/ 195549 h 195549"/>
-              <a:gd name="connsiteX4" fmla="*/ 0 w 843224"/>
-              <a:gd name="connsiteY4" fmla="*/ 280 h 195549"/>
-              <a:gd name="connsiteX0" fmla="*/ 1 w 858512"/>
-              <a:gd name="connsiteY0" fmla="*/ 1163 h 195549"/>
-              <a:gd name="connsiteX1" fmla="*/ 858512 w 858512"/>
-              <a:gd name="connsiteY1" fmla="*/ 0 h 195549"/>
-              <a:gd name="connsiteX2" fmla="*/ 567006 w 858512"/>
-              <a:gd name="connsiteY2" fmla="*/ 192755 h 195549"/>
-              <a:gd name="connsiteX3" fmla="*/ 219368 w 858512"/>
-              <a:gd name="connsiteY3" fmla="*/ 195549 h 195549"/>
-              <a:gd name="connsiteX4" fmla="*/ 1 w 858512"/>
-              <a:gd name="connsiteY4" fmla="*/ 1163 h 195549"/>
-              <a:gd name="connsiteX0" fmla="*/ 0 w 858511"/>
-              <a:gd name="connsiteY0" fmla="*/ 1163 h 197718"/>
-              <a:gd name="connsiteX1" fmla="*/ 858511 w 858511"/>
-              <a:gd name="connsiteY1" fmla="*/ 0 h 197718"/>
-              <a:gd name="connsiteX2" fmla="*/ 567005 w 858511"/>
-              <a:gd name="connsiteY2" fmla="*/ 192755 h 197718"/>
-              <a:gd name="connsiteX3" fmla="*/ 132271 w 858511"/>
-              <a:gd name="connsiteY3" fmla="*/ 197718 h 197718"/>
-              <a:gd name="connsiteX4" fmla="*/ 0 w 858511"/>
-              <a:gd name="connsiteY4" fmla="*/ 1163 h 197718"/>
-            </a:gdLst>
-            <a:ahLst/>
-            <a:cxnLst>
-              <a:cxn ang="0">
-                <a:pos x="connsiteX0" y="connsiteY0"/>
-              </a:cxn>
-              <a:cxn ang="0">
-                <a:pos x="connsiteX1" y="connsiteY1"/>
-              </a:cxn>
-              <a:cxn ang="0">
-                <a:pos x="connsiteX2" y="connsiteY2"/>
-              </a:cxn>
-              <a:cxn ang="0">
-                <a:pos x="connsiteX3" y="connsiteY3"/>
-              </a:cxn>
-              <a:cxn ang="0">
-                <a:pos x="connsiteX4" y="connsiteY4"/>
-              </a:cxn>
-            </a:cxnLst>
-            <a:rect l="l" t="t" r="r" b="b"/>
-            <a:pathLst>
-              <a:path w="858511" h="197718">
-                <a:moveTo>
-                  <a:pt x="0" y="1163"/>
-                </a:moveTo>
-                <a:lnTo>
-                  <a:pt x="858511" y="0"/>
-                </a:lnTo>
-                <a:lnTo>
-                  <a:pt x="567005" y="192755"/>
-                </a:lnTo>
-                <a:lnTo>
-                  <a:pt x="132271" y="197718"/>
-                </a:lnTo>
-                <a:lnTo>
-                  <a:pt x="0" y="1163"/>
-                </a:lnTo>
-                <a:close/>
-              </a:path>
-            </a:pathLst>
-          </a:custGeom>
-          <a:solidFill>
-            <a:srgbClr val="CBCBCB"/>
-          </a:solidFill>
-          <a:ln>
-            <a:noFill/>
-          </a:ln>
-        </p:spPr>
-        <p:style>
-          <a:lnRef idx="2">
-            <a:schemeClr val="accent1">
-              <a:shade val="15000"/>
-            </a:schemeClr>
-          </a:lnRef>
-          <a:fillRef idx="1">
-            <a:schemeClr val="accent1"/>
-          </a:fillRef>
-          <a:effectRef idx="0">
-            <a:schemeClr val="accent1"/>
-          </a:effectRef>
-          <a:fontRef idx="minor">
-            <a:schemeClr val="lt1"/>
-          </a:fontRef>
-        </p:style>
-        <p:txBody>
-          <a:bodyPr rtlCol="0" anchor="ctr"/>
-          <a:lstStyle/>
-          <a:p>
-            <a:pPr algn="ctr"/>
-            <a:endParaRPr lang="en-US"/>
-          </a:p>
-        </p:txBody>
-      </p:sp>
-      <p:sp>
-        <p:nvSpPr>
-          <p:cNvPr id="302" name="Arrow: Right 148">
-            <a:extLst>
-              <a:ext uri="{FF2B5EF4-FFF2-40B4-BE49-F238E27FC236}">
-                <a16:creationId xmlns:a16="http://schemas.microsoft.com/office/drawing/2014/main" id="{1311CEA5-5A9A-8DA1-5F4F-F3756F6E9426}"/>
-              </a:ext>
-            </a:extLst>
-          </p:cNvPr>
-          <p:cNvSpPr/>
-          <p:nvPr/>
-        </p:nvSpPr>
-        <p:spPr>
-          <a:xfrm rot="2467564">
-            <a:off x="6699858" y="1061110"/>
-            <a:ext cx="476149" cy="386089"/>
-          </a:xfrm>
-          <a:custGeom>
-            <a:avLst/>
-            <a:gdLst>
-              <a:gd name="connsiteX0" fmla="*/ 0 w 865995"/>
-              <a:gd name="connsiteY0" fmla="*/ 96522 h 386089"/>
-              <a:gd name="connsiteX1" fmla="*/ 672951 w 865995"/>
-              <a:gd name="connsiteY1" fmla="*/ 96522 h 386089"/>
-              <a:gd name="connsiteX2" fmla="*/ 672951 w 865995"/>
-              <a:gd name="connsiteY2" fmla="*/ 0 h 386089"/>
-              <a:gd name="connsiteX3" fmla="*/ 865995 w 865995"/>
-              <a:gd name="connsiteY3" fmla="*/ 193045 h 386089"/>
-              <a:gd name="connsiteX4" fmla="*/ 672951 w 865995"/>
-              <a:gd name="connsiteY4" fmla="*/ 386089 h 386089"/>
-              <a:gd name="connsiteX5" fmla="*/ 672951 w 865995"/>
-              <a:gd name="connsiteY5" fmla="*/ 289567 h 386089"/>
-              <a:gd name="connsiteX6" fmla="*/ 0 w 865995"/>
-              <a:gd name="connsiteY6" fmla="*/ 289567 h 386089"/>
-              <a:gd name="connsiteX7" fmla="*/ 0 w 865995"/>
-              <a:gd name="connsiteY7" fmla="*/ 96522 h 386089"/>
-              <a:gd name="connsiteX0" fmla="*/ 370651 w 865995"/>
-              <a:gd name="connsiteY0" fmla="*/ 105869 h 386089"/>
-              <a:gd name="connsiteX1" fmla="*/ 672951 w 865995"/>
-              <a:gd name="connsiteY1" fmla="*/ 96522 h 386089"/>
-              <a:gd name="connsiteX2" fmla="*/ 672951 w 865995"/>
-              <a:gd name="connsiteY2" fmla="*/ 0 h 386089"/>
-              <a:gd name="connsiteX3" fmla="*/ 865995 w 865995"/>
-              <a:gd name="connsiteY3" fmla="*/ 193045 h 386089"/>
-              <a:gd name="connsiteX4" fmla="*/ 672951 w 865995"/>
-              <a:gd name="connsiteY4" fmla="*/ 386089 h 386089"/>
-              <a:gd name="connsiteX5" fmla="*/ 672951 w 865995"/>
-              <a:gd name="connsiteY5" fmla="*/ 289567 h 386089"/>
-              <a:gd name="connsiteX6" fmla="*/ 0 w 865995"/>
-              <a:gd name="connsiteY6" fmla="*/ 289567 h 386089"/>
-              <a:gd name="connsiteX7" fmla="*/ 370651 w 865995"/>
-              <a:gd name="connsiteY7" fmla="*/ 105869 h 386089"/>
-              <a:gd name="connsiteX0" fmla="*/ 219817 w 715161"/>
-              <a:gd name="connsiteY0" fmla="*/ 105869 h 386089"/>
-              <a:gd name="connsiteX1" fmla="*/ 522117 w 715161"/>
-              <a:gd name="connsiteY1" fmla="*/ 96522 h 386089"/>
-              <a:gd name="connsiteX2" fmla="*/ 522117 w 715161"/>
-              <a:gd name="connsiteY2" fmla="*/ 0 h 386089"/>
-              <a:gd name="connsiteX3" fmla="*/ 715161 w 715161"/>
-              <a:gd name="connsiteY3" fmla="*/ 193045 h 386089"/>
-              <a:gd name="connsiteX4" fmla="*/ 522117 w 715161"/>
-              <a:gd name="connsiteY4" fmla="*/ 386089 h 386089"/>
-              <a:gd name="connsiteX5" fmla="*/ 522117 w 715161"/>
-              <a:gd name="connsiteY5" fmla="*/ 289567 h 386089"/>
-              <a:gd name="connsiteX6" fmla="*/ 0 w 715161"/>
-              <a:gd name="connsiteY6" fmla="*/ 288530 h 386089"/>
-              <a:gd name="connsiteX7" fmla="*/ 219817 w 715161"/>
-              <a:gd name="connsiteY7" fmla="*/ 105869 h 386089"/>
-              <a:gd name="connsiteX0" fmla="*/ 201594 w 696938"/>
-              <a:gd name="connsiteY0" fmla="*/ 105869 h 386089"/>
-              <a:gd name="connsiteX1" fmla="*/ 503894 w 696938"/>
-              <a:gd name="connsiteY1" fmla="*/ 96522 h 386089"/>
-              <a:gd name="connsiteX2" fmla="*/ 503894 w 696938"/>
-              <a:gd name="connsiteY2" fmla="*/ 0 h 386089"/>
-              <a:gd name="connsiteX3" fmla="*/ 696938 w 696938"/>
-              <a:gd name="connsiteY3" fmla="*/ 193045 h 386089"/>
-              <a:gd name="connsiteX4" fmla="*/ 503894 w 696938"/>
-              <a:gd name="connsiteY4" fmla="*/ 386089 h 386089"/>
-              <a:gd name="connsiteX5" fmla="*/ 503894 w 696938"/>
-              <a:gd name="connsiteY5" fmla="*/ 289567 h 386089"/>
-              <a:gd name="connsiteX6" fmla="*/ 0 w 696938"/>
-              <a:gd name="connsiteY6" fmla="*/ 285264 h 386089"/>
-              <a:gd name="connsiteX7" fmla="*/ 201594 w 696938"/>
-              <a:gd name="connsiteY7" fmla="*/ 105869 h 386089"/>
-              <a:gd name="connsiteX0" fmla="*/ 196204 w 691548"/>
-              <a:gd name="connsiteY0" fmla="*/ 105869 h 386089"/>
-              <a:gd name="connsiteX1" fmla="*/ 498504 w 691548"/>
-              <a:gd name="connsiteY1" fmla="*/ 96522 h 386089"/>
-              <a:gd name="connsiteX2" fmla="*/ 498504 w 691548"/>
-              <a:gd name="connsiteY2" fmla="*/ 0 h 386089"/>
-              <a:gd name="connsiteX3" fmla="*/ 691548 w 691548"/>
-              <a:gd name="connsiteY3" fmla="*/ 193045 h 386089"/>
-              <a:gd name="connsiteX4" fmla="*/ 498504 w 691548"/>
-              <a:gd name="connsiteY4" fmla="*/ 386089 h 386089"/>
-              <a:gd name="connsiteX5" fmla="*/ 498504 w 691548"/>
-              <a:gd name="connsiteY5" fmla="*/ 289567 h 386089"/>
-              <a:gd name="connsiteX6" fmla="*/ 0 w 691548"/>
-              <a:gd name="connsiteY6" fmla="*/ 272128 h 386089"/>
-              <a:gd name="connsiteX7" fmla="*/ 196204 w 691548"/>
-              <a:gd name="connsiteY7" fmla="*/ 105869 h 386089"/>
-              <a:gd name="connsiteX0" fmla="*/ 223841 w 691548"/>
-              <a:gd name="connsiteY0" fmla="*/ 104102 h 386089"/>
-              <a:gd name="connsiteX1" fmla="*/ 498504 w 691548"/>
-              <a:gd name="connsiteY1" fmla="*/ 96522 h 386089"/>
-              <a:gd name="connsiteX2" fmla="*/ 498504 w 691548"/>
-              <a:gd name="connsiteY2" fmla="*/ 0 h 386089"/>
-              <a:gd name="connsiteX3" fmla="*/ 691548 w 691548"/>
-              <a:gd name="connsiteY3" fmla="*/ 193045 h 386089"/>
-              <a:gd name="connsiteX4" fmla="*/ 498504 w 691548"/>
-              <a:gd name="connsiteY4" fmla="*/ 386089 h 386089"/>
-              <a:gd name="connsiteX5" fmla="*/ 498504 w 691548"/>
-              <a:gd name="connsiteY5" fmla="*/ 289567 h 386089"/>
-              <a:gd name="connsiteX6" fmla="*/ 0 w 691548"/>
-              <a:gd name="connsiteY6" fmla="*/ 272128 h 386089"/>
-              <a:gd name="connsiteX7" fmla="*/ 223841 w 691548"/>
-              <a:gd name="connsiteY7" fmla="*/ 104102 h 386089"/>
-              <a:gd name="connsiteX0" fmla="*/ 285335 w 691548"/>
-              <a:gd name="connsiteY0" fmla="*/ 101906 h 386089"/>
-              <a:gd name="connsiteX1" fmla="*/ 498504 w 691548"/>
-              <a:gd name="connsiteY1" fmla="*/ 96522 h 386089"/>
-              <a:gd name="connsiteX2" fmla="*/ 498504 w 691548"/>
-              <a:gd name="connsiteY2" fmla="*/ 0 h 386089"/>
-              <a:gd name="connsiteX3" fmla="*/ 691548 w 691548"/>
-              <a:gd name="connsiteY3" fmla="*/ 193045 h 386089"/>
-              <a:gd name="connsiteX4" fmla="*/ 498504 w 691548"/>
-              <a:gd name="connsiteY4" fmla="*/ 386089 h 386089"/>
-              <a:gd name="connsiteX5" fmla="*/ 498504 w 691548"/>
-              <a:gd name="connsiteY5" fmla="*/ 289567 h 386089"/>
-              <a:gd name="connsiteX6" fmla="*/ 0 w 691548"/>
-              <a:gd name="connsiteY6" fmla="*/ 272128 h 386089"/>
-              <a:gd name="connsiteX7" fmla="*/ 285335 w 691548"/>
-              <a:gd name="connsiteY7" fmla="*/ 101906 h 386089"/>
-            </a:gdLst>
-            <a:ahLst/>
-            <a:cxnLst>
-              <a:cxn ang="0">
-                <a:pos x="connsiteX0" y="connsiteY0"/>
-              </a:cxn>
-              <a:cxn ang="0">
-                <a:pos x="connsiteX1" y="connsiteY1"/>
-              </a:cxn>
-              <a:cxn ang="0">
-                <a:pos x="connsiteX2" y="connsiteY2"/>
-              </a:cxn>
-              <a:cxn ang="0">
-                <a:pos x="connsiteX3" y="connsiteY3"/>
-              </a:cxn>
-              <a:cxn ang="0">
-                <a:pos x="connsiteX4" y="connsiteY4"/>
-              </a:cxn>
-              <a:cxn ang="0">
-                <a:pos x="connsiteX5" y="connsiteY5"/>
-              </a:cxn>
-              <a:cxn ang="0">
-                <a:pos x="connsiteX6" y="connsiteY6"/>
-              </a:cxn>
-              <a:cxn ang="0">
-                <a:pos x="connsiteX7" y="connsiteY7"/>
-              </a:cxn>
-            </a:cxnLst>
-            <a:rect l="l" t="t" r="r" b="b"/>
-            <a:pathLst>
-              <a:path w="691548" h="386089">
-                <a:moveTo>
-                  <a:pt x="285335" y="101906"/>
-                </a:moveTo>
-                <a:lnTo>
-                  <a:pt x="498504" y="96522"/>
-                </a:lnTo>
-                <a:lnTo>
-                  <a:pt x="498504" y="0"/>
-                </a:lnTo>
-                <a:lnTo>
-                  <a:pt x="691548" y="193045"/>
-                </a:lnTo>
-                <a:lnTo>
-                  <a:pt x="498504" y="386089"/>
-                </a:lnTo>
-                <a:lnTo>
-                  <a:pt x="498504" y="289567"/>
-                </a:lnTo>
-                <a:lnTo>
-                  <a:pt x="0" y="272128"/>
-                </a:lnTo>
-                <a:lnTo>
-                  <a:pt x="285335" y="101906"/>
-                </a:lnTo>
-                <a:close/>
-              </a:path>
-            </a:pathLst>
-          </a:custGeom>
-          <a:solidFill>
-            <a:srgbClr val="CBCBCB"/>
-          </a:solidFill>
-          <a:ln>
-            <a:noFill/>
-          </a:ln>
-        </p:spPr>
-        <p:style>
-          <a:lnRef idx="2">
-            <a:schemeClr val="accent1">
-              <a:shade val="15000"/>
-            </a:schemeClr>
-          </a:lnRef>
-          <a:fillRef idx="1">
-            <a:schemeClr val="accent1"/>
-          </a:fillRef>
-          <a:effectRef idx="0">
-            <a:schemeClr val="accent1"/>
-          </a:effectRef>
-          <a:fontRef idx="minor">
-            <a:schemeClr val="lt1"/>
-          </a:fontRef>
-        </p:style>
-        <p:txBody>
-          <a:bodyPr rtlCol="0" anchor="ctr"/>
-          <a:lstStyle/>
-          <a:p>
-            <a:pPr algn="ctr"/>
-            <a:endParaRPr lang="en-US"/>
-          </a:p>
-        </p:txBody>
-      </p:sp>
-      <p:sp>
-        <p:nvSpPr>
-          <p:cNvPr id="303" name="Arrow: Right 302">
-            <a:extLst>
-              <a:ext uri="{FF2B5EF4-FFF2-40B4-BE49-F238E27FC236}">
-                <a16:creationId xmlns:a16="http://schemas.microsoft.com/office/drawing/2014/main" id="{82B1D023-88CC-A766-F165-6C227428581B}"/>
-              </a:ext>
-            </a:extLst>
-          </p:cNvPr>
-          <p:cNvSpPr/>
-          <p:nvPr/>
-        </p:nvSpPr>
-        <p:spPr>
-          <a:xfrm rot="5400000">
-            <a:off x="5535364" y="1676950"/>
-            <a:ext cx="125415" cy="386089"/>
-          </a:xfrm>
-          <a:prstGeom prst="rightArrow">
-            <a:avLst/>
-          </a:prstGeom>
-          <a:solidFill>
-            <a:srgbClr val="CBCBCB"/>
-          </a:solidFill>
-          <a:ln>
-            <a:noFill/>
-          </a:ln>
-        </p:spPr>
-        <p:style>
-          <a:lnRef idx="2">
-            <a:schemeClr val="accent1">
-              <a:shade val="15000"/>
-            </a:schemeClr>
-          </a:lnRef>
-          <a:fillRef idx="1">
-            <a:schemeClr val="accent1"/>
-          </a:fillRef>
-          <a:effectRef idx="0">
-            <a:schemeClr val="accent1"/>
-          </a:effectRef>
-          <a:fontRef idx="minor">
-            <a:schemeClr val="lt1"/>
-          </a:fontRef>
-        </p:style>
-        <p:txBody>
-          <a:bodyPr rtlCol="0" anchor="ctr"/>
-          <a:lstStyle/>
-          <a:p>
-            <a:pPr algn="ctr"/>
-            <a:endParaRPr lang="en-US"/>
-          </a:p>
-        </p:txBody>
-      </p:sp>
-      <p:grpSp>
-        <p:nvGrpSpPr>
-          <p:cNvPr id="304" name="Group 303">
-            <a:extLst>
-              <a:ext uri="{FF2B5EF4-FFF2-40B4-BE49-F238E27FC236}">
-                <a16:creationId xmlns:a16="http://schemas.microsoft.com/office/drawing/2014/main" id="{4B61C974-4DFA-88CE-6A0A-10BC8A69BF5B}"/>
-              </a:ext>
-            </a:extLst>
-          </p:cNvPr>
-          <p:cNvGrpSpPr/>
-          <p:nvPr/>
-        </p:nvGrpSpPr>
-        <p:grpSpPr>
-          <a:xfrm>
-            <a:off x="4840663" y="1254046"/>
-            <a:ext cx="1514816" cy="338554"/>
-            <a:chOff x="-48752" y="735655"/>
-            <a:chExt cx="2178750" cy="338554"/>
-          </a:xfrm>
-        </p:grpSpPr>
-        <p:sp>
-          <p:nvSpPr>
-            <p:cNvPr id="357" name="Rectangle 356">
-              <a:extLst>
-                <a:ext uri="{FF2B5EF4-FFF2-40B4-BE49-F238E27FC236}">
-                  <a16:creationId xmlns:a16="http://schemas.microsoft.com/office/drawing/2014/main" id="{2BAF410A-0C75-6833-3958-A3BF52269B0E}"/>
-                </a:ext>
-              </a:extLst>
-            </p:cNvPr>
-            <p:cNvSpPr/>
-            <p:nvPr/>
-          </p:nvSpPr>
-          <p:spPr>
-            <a:xfrm>
-              <a:off x="113942" y="750352"/>
-              <a:ext cx="1898099" cy="303564"/>
-            </a:xfrm>
-            <a:prstGeom prst="rect">
-              <a:avLst/>
-            </a:prstGeom>
-            <a:solidFill>
-              <a:schemeClr val="bg1"/>
-            </a:solidFill>
-            <a:ln>
-              <a:solidFill>
-                <a:schemeClr val="tx1"/>
-              </a:solidFill>
-            </a:ln>
-          </p:spPr>
-          <p:style>
-            <a:lnRef idx="2">
-              <a:schemeClr val="accent1">
-                <a:shade val="15000"/>
-              </a:schemeClr>
-            </a:lnRef>
-            <a:fillRef idx="1">
-              <a:schemeClr val="accent1"/>
-            </a:fillRef>
-            <a:effectRef idx="0">
-              <a:schemeClr val="accent1"/>
-            </a:effectRef>
-            <a:fontRef idx="minor">
-              <a:schemeClr val="lt1"/>
-            </a:fontRef>
-          </p:style>
-          <p:txBody>
-            <a:bodyPr rtlCol="0" anchor="ctr"/>
-            <a:lstStyle/>
-            <a:p>
-              <a:pPr algn="ctr"/>
-              <a:endParaRPr lang="en-US" sz="1600">
-                <a:solidFill>
-                  <a:schemeClr val="tx1"/>
-                </a:solidFill>
-              </a:endParaRPr>
-            </a:p>
-          </p:txBody>
-        </p:sp>
-        <p:sp>
-          <p:nvSpPr>
-            <p:cNvPr id="358" name="TextBox 357">
-              <a:extLst>
-                <a:ext uri="{FF2B5EF4-FFF2-40B4-BE49-F238E27FC236}">
-                  <a16:creationId xmlns:a16="http://schemas.microsoft.com/office/drawing/2014/main" id="{94254560-AC9A-32C4-21D5-4789875C56D3}"/>
-                </a:ext>
-              </a:extLst>
-            </p:cNvPr>
-            <p:cNvSpPr txBox="1"/>
-            <p:nvPr/>
-          </p:nvSpPr>
-          <p:spPr>
-            <a:xfrm>
-              <a:off x="-48752" y="735655"/>
-              <a:ext cx="2178750" cy="338554"/>
-            </a:xfrm>
-            <a:prstGeom prst="rect">
-              <a:avLst/>
-            </a:prstGeom>
-            <a:noFill/>
-          </p:spPr>
-          <p:txBody>
-            <a:bodyPr wrap="square" rtlCol="0">
-              <a:spAutoFit/>
-            </a:bodyPr>
-            <a:lstStyle/>
-            <a:p>
-              <a:pPr algn="ctr"/>
-              <a:r>
-                <a:rPr lang="en-US" sz="1600" b="1" dirty="0"/>
-                <a:t>Normalization</a:t>
-              </a:r>
-            </a:p>
-          </p:txBody>
-        </p:sp>
-      </p:grpSp>
-      <p:grpSp>
-        <p:nvGrpSpPr>
-          <p:cNvPr id="305" name="Group 304">
-            <a:extLst>
-              <a:ext uri="{FF2B5EF4-FFF2-40B4-BE49-F238E27FC236}">
-                <a16:creationId xmlns:a16="http://schemas.microsoft.com/office/drawing/2014/main" id="{6037D1C8-A5C9-5B55-FD9B-85E8E8E1C6FE}"/>
-              </a:ext>
-            </a:extLst>
-          </p:cNvPr>
-          <p:cNvGrpSpPr/>
-          <p:nvPr/>
-        </p:nvGrpSpPr>
-        <p:grpSpPr>
-          <a:xfrm>
-            <a:off x="4700863" y="2663306"/>
-            <a:ext cx="1782247" cy="830997"/>
-            <a:chOff x="27906" y="5317845"/>
-            <a:chExt cx="2185416" cy="830997"/>
-          </a:xfrm>
-        </p:grpSpPr>
-        <p:sp>
-          <p:nvSpPr>
-            <p:cNvPr id="355" name="Rectangle 354">
-              <a:extLst>
-                <a:ext uri="{FF2B5EF4-FFF2-40B4-BE49-F238E27FC236}">
-                  <a16:creationId xmlns:a16="http://schemas.microsoft.com/office/drawing/2014/main" id="{C00F5069-4370-68EF-C28F-1E6F7D732C23}"/>
-                </a:ext>
-              </a:extLst>
-            </p:cNvPr>
-            <p:cNvSpPr/>
-            <p:nvPr/>
-          </p:nvSpPr>
-          <p:spPr>
-            <a:xfrm>
-              <a:off x="292267" y="5372080"/>
-              <a:ext cx="1658952" cy="729608"/>
-            </a:xfrm>
-            <a:prstGeom prst="rect">
-              <a:avLst/>
-            </a:prstGeom>
-            <a:solidFill>
-              <a:schemeClr val="bg1"/>
-            </a:solidFill>
-            <a:ln>
-              <a:solidFill>
-                <a:schemeClr val="tx1"/>
-              </a:solidFill>
-            </a:ln>
-          </p:spPr>
-          <p:style>
-            <a:lnRef idx="2">
-              <a:schemeClr val="accent1">
-                <a:shade val="15000"/>
-              </a:schemeClr>
-            </a:lnRef>
-            <a:fillRef idx="1">
-              <a:schemeClr val="accent1"/>
-            </a:fillRef>
-            <a:effectRef idx="0">
-              <a:schemeClr val="accent1"/>
-            </a:effectRef>
-            <a:fontRef idx="minor">
-              <a:schemeClr val="lt1"/>
-            </a:fontRef>
-          </p:style>
-          <p:txBody>
-            <a:bodyPr rtlCol="0" anchor="ctr"/>
-            <a:lstStyle/>
-            <a:p>
-              <a:pPr algn="ctr"/>
-              <a:endParaRPr lang="en-US">
-                <a:solidFill>
-                  <a:schemeClr val="tx1"/>
-                </a:solidFill>
-              </a:endParaRPr>
-            </a:p>
-          </p:txBody>
-        </p:sp>
-        <p:sp>
-          <p:nvSpPr>
-            <p:cNvPr id="356" name="TextBox 355">
-              <a:extLst>
-                <a:ext uri="{FF2B5EF4-FFF2-40B4-BE49-F238E27FC236}">
-                  <a16:creationId xmlns:a16="http://schemas.microsoft.com/office/drawing/2014/main" id="{FC042FCD-5C84-D6B4-CCFB-EF430D35F379}"/>
-                </a:ext>
-              </a:extLst>
-            </p:cNvPr>
-            <p:cNvSpPr txBox="1"/>
-            <p:nvPr/>
-          </p:nvSpPr>
-          <p:spPr>
-            <a:xfrm>
-              <a:off x="27906" y="5317845"/>
-              <a:ext cx="2185416" cy="830997"/>
-            </a:xfrm>
-            <a:prstGeom prst="rect">
-              <a:avLst/>
-            </a:prstGeom>
-            <a:noFill/>
-          </p:spPr>
-          <p:txBody>
-            <a:bodyPr wrap="square" rtlCol="0">
-              <a:spAutoFit/>
-            </a:bodyPr>
-            <a:lstStyle/>
-            <a:p>
-              <a:pPr algn="ctr"/>
-              <a:r>
-                <a:rPr lang="en-US" sz="1600" b="1" dirty="0"/>
-                <a:t>Nonlinear Dimensional </a:t>
-              </a:r>
-            </a:p>
-            <a:p>
-              <a:pPr algn="ctr"/>
-              <a:r>
-                <a:rPr lang="en-US" sz="1600" b="1" dirty="0"/>
-                <a:t>Reduction </a:t>
-              </a:r>
-            </a:p>
-          </p:txBody>
-        </p:sp>
-      </p:grpSp>
-      <p:grpSp>
-        <p:nvGrpSpPr>
-          <p:cNvPr id="306" name="Group 305">
-            <a:extLst>
-              <a:ext uri="{FF2B5EF4-FFF2-40B4-BE49-F238E27FC236}">
-                <a16:creationId xmlns:a16="http://schemas.microsoft.com/office/drawing/2014/main" id="{C1A874FC-97DB-361C-E3B2-F6237EFB0812}"/>
-              </a:ext>
-            </a:extLst>
-          </p:cNvPr>
-          <p:cNvGrpSpPr/>
-          <p:nvPr/>
-        </p:nvGrpSpPr>
-        <p:grpSpPr>
-          <a:xfrm>
-            <a:off x="4845381" y="3974001"/>
-            <a:ext cx="1505381" cy="715826"/>
-            <a:chOff x="76686" y="6031474"/>
-            <a:chExt cx="2316208" cy="715826"/>
-          </a:xfrm>
-        </p:grpSpPr>
-        <p:sp>
-          <p:nvSpPr>
-            <p:cNvPr id="353" name="Rectangle 352">
-              <a:extLst>
-                <a:ext uri="{FF2B5EF4-FFF2-40B4-BE49-F238E27FC236}">
-                  <a16:creationId xmlns:a16="http://schemas.microsoft.com/office/drawing/2014/main" id="{72DF7589-7135-F1AF-BBDC-B0947D5F32C1}"/>
-                </a:ext>
-              </a:extLst>
-            </p:cNvPr>
-            <p:cNvSpPr/>
-            <p:nvPr/>
-          </p:nvSpPr>
-          <p:spPr>
-            <a:xfrm>
-              <a:off x="134321" y="6031474"/>
-              <a:ext cx="2258573" cy="715826"/>
-            </a:xfrm>
-            <a:prstGeom prst="rect">
-              <a:avLst/>
-            </a:prstGeom>
-            <a:solidFill>
-              <a:schemeClr val="bg1"/>
-            </a:solidFill>
-            <a:ln>
-              <a:solidFill>
-                <a:schemeClr val="tx1"/>
-              </a:solidFill>
-            </a:ln>
-          </p:spPr>
-          <p:style>
-            <a:lnRef idx="2">
-              <a:schemeClr val="accent1">
-                <a:shade val="15000"/>
-              </a:schemeClr>
-            </a:lnRef>
-            <a:fillRef idx="1">
-              <a:schemeClr val="accent1"/>
-            </a:fillRef>
-            <a:effectRef idx="0">
-              <a:schemeClr val="accent1"/>
-            </a:effectRef>
-            <a:fontRef idx="minor">
-              <a:schemeClr val="lt1"/>
-            </a:fontRef>
-          </p:style>
-          <p:txBody>
-            <a:bodyPr rtlCol="0" anchor="ctr"/>
-            <a:lstStyle/>
-            <a:p>
-              <a:pPr algn="ctr"/>
-              <a:endParaRPr lang="en-US">
-                <a:solidFill>
-                  <a:schemeClr val="tx1"/>
-                </a:solidFill>
-              </a:endParaRPr>
-            </a:p>
-          </p:txBody>
-        </p:sp>
-        <p:sp>
-          <p:nvSpPr>
-            <p:cNvPr id="354" name="TextBox 353">
-              <a:extLst>
-                <a:ext uri="{FF2B5EF4-FFF2-40B4-BE49-F238E27FC236}">
-                  <a16:creationId xmlns:a16="http://schemas.microsoft.com/office/drawing/2014/main" id="{AA9E6323-0432-29B6-939C-1DD1C8F7767C}"/>
-                </a:ext>
-              </a:extLst>
-            </p:cNvPr>
-            <p:cNvSpPr txBox="1"/>
-            <p:nvPr/>
-          </p:nvSpPr>
-          <p:spPr>
-            <a:xfrm>
-              <a:off x="76686" y="6104631"/>
-              <a:ext cx="2308029" cy="584775"/>
-            </a:xfrm>
-            <a:prstGeom prst="rect">
-              <a:avLst/>
-            </a:prstGeom>
-            <a:noFill/>
-          </p:spPr>
-          <p:txBody>
-            <a:bodyPr wrap="square" rtlCol="0">
-              <a:spAutoFit/>
-            </a:bodyPr>
-            <a:lstStyle/>
-            <a:p>
-              <a:pPr algn="ctr"/>
-              <a:r>
-                <a:rPr lang="en-US" sz="1600" b="1" dirty="0"/>
-                <a:t>Clustering &amp;</a:t>
-              </a:r>
-            </a:p>
-            <a:p>
-              <a:pPr algn="ctr"/>
-              <a:r>
-                <a:rPr lang="en-US" sz="1600" b="1" dirty="0"/>
-                <a:t>Partitioning </a:t>
-              </a:r>
-            </a:p>
-          </p:txBody>
-        </p:sp>
-      </p:grpSp>
-      <p:grpSp>
-        <p:nvGrpSpPr>
-          <p:cNvPr id="307" name="Group 306">
-            <a:extLst>
-              <a:ext uri="{FF2B5EF4-FFF2-40B4-BE49-F238E27FC236}">
-                <a16:creationId xmlns:a16="http://schemas.microsoft.com/office/drawing/2014/main" id="{97138CA6-47F4-66CF-C113-02EE64FB3350}"/>
-              </a:ext>
-            </a:extLst>
-          </p:cNvPr>
-          <p:cNvGrpSpPr/>
-          <p:nvPr/>
-        </p:nvGrpSpPr>
-        <p:grpSpPr>
-          <a:xfrm>
-            <a:off x="4892725" y="1939959"/>
-            <a:ext cx="1410693" cy="338554"/>
-            <a:chOff x="656178" y="1316220"/>
-            <a:chExt cx="1537719" cy="338554"/>
-          </a:xfrm>
-        </p:grpSpPr>
-        <p:sp>
-          <p:nvSpPr>
-            <p:cNvPr id="351" name="Rectangle 350">
-              <a:extLst>
-                <a:ext uri="{FF2B5EF4-FFF2-40B4-BE49-F238E27FC236}">
-                  <a16:creationId xmlns:a16="http://schemas.microsoft.com/office/drawing/2014/main" id="{7E558C21-52C6-86E2-1383-2A290C90772D}"/>
-                </a:ext>
-              </a:extLst>
-            </p:cNvPr>
-            <p:cNvSpPr/>
-            <p:nvPr/>
-          </p:nvSpPr>
-          <p:spPr>
-            <a:xfrm>
-              <a:off x="754184" y="1332386"/>
-              <a:ext cx="1271053" cy="303044"/>
-            </a:xfrm>
-            <a:prstGeom prst="rect">
-              <a:avLst/>
-            </a:prstGeom>
-            <a:solidFill>
-              <a:schemeClr val="bg1"/>
-            </a:solidFill>
-            <a:ln>
-              <a:solidFill>
-                <a:schemeClr val="tx1"/>
-              </a:solidFill>
-            </a:ln>
-          </p:spPr>
-          <p:style>
-            <a:lnRef idx="2">
-              <a:schemeClr val="accent1">
-                <a:shade val="15000"/>
-              </a:schemeClr>
-            </a:lnRef>
-            <a:fillRef idx="1">
-              <a:schemeClr val="accent1"/>
-            </a:fillRef>
-            <a:effectRef idx="0">
-              <a:schemeClr val="accent1"/>
-            </a:effectRef>
-            <a:fontRef idx="minor">
-              <a:schemeClr val="lt1"/>
-            </a:fontRef>
-          </p:style>
-          <p:txBody>
-            <a:bodyPr rtlCol="0" anchor="ctr"/>
-            <a:lstStyle/>
-            <a:p>
-              <a:pPr algn="ctr"/>
-              <a:endParaRPr lang="en-US">
-                <a:solidFill>
-                  <a:schemeClr val="tx1"/>
-                </a:solidFill>
-              </a:endParaRPr>
-            </a:p>
-          </p:txBody>
-        </p:sp>
-        <p:sp>
-          <p:nvSpPr>
-            <p:cNvPr id="352" name="TextBox 351">
-              <a:extLst>
-                <a:ext uri="{FF2B5EF4-FFF2-40B4-BE49-F238E27FC236}">
-                  <a16:creationId xmlns:a16="http://schemas.microsoft.com/office/drawing/2014/main" id="{E81F59FE-134B-0F04-7350-B1049CF91E60}"/>
-                </a:ext>
-              </a:extLst>
-            </p:cNvPr>
-            <p:cNvSpPr txBox="1"/>
-            <p:nvPr/>
-          </p:nvSpPr>
-          <p:spPr>
-            <a:xfrm>
-              <a:off x="656178" y="1316220"/>
-              <a:ext cx="1537719" cy="338554"/>
-            </a:xfrm>
-            <a:prstGeom prst="rect">
-              <a:avLst/>
-            </a:prstGeom>
-            <a:noFill/>
-          </p:spPr>
-          <p:txBody>
-            <a:bodyPr wrap="square" rtlCol="0">
-              <a:spAutoFit/>
-            </a:bodyPr>
-            <a:lstStyle/>
-            <a:p>
-              <a:pPr algn="ctr"/>
-              <a:r>
-                <a:rPr lang="en-US" sz="1600" b="1" dirty="0"/>
-                <a:t>Integration</a:t>
-              </a:r>
-            </a:p>
-          </p:txBody>
-        </p:sp>
-      </p:grpSp>
-      <p:sp>
-        <p:nvSpPr>
-          <p:cNvPr id="308" name="TextBox 307">
-            <a:extLst>
-              <a:ext uri="{FF2B5EF4-FFF2-40B4-BE49-F238E27FC236}">
-                <a16:creationId xmlns:a16="http://schemas.microsoft.com/office/drawing/2014/main" id="{AB4CEDB2-A111-DA84-E930-2F7C0126E2C4}"/>
-              </a:ext>
-            </a:extLst>
-          </p:cNvPr>
-          <p:cNvSpPr txBox="1"/>
-          <p:nvPr/>
-        </p:nvSpPr>
-        <p:spPr>
-          <a:xfrm>
-            <a:off x="4964984" y="1518097"/>
-            <a:ext cx="1266175" cy="276999"/>
-          </a:xfrm>
-          <a:prstGeom prst="rect">
-            <a:avLst/>
-          </a:prstGeom>
-          <a:noFill/>
-        </p:spPr>
-        <p:txBody>
-          <a:bodyPr wrap="square">
-            <a:spAutoFit/>
-          </a:bodyPr>
-          <a:lstStyle/>
-          <a:p>
-            <a:pPr algn="ctr"/>
-            <a:r>
-              <a:rPr lang="en-US" sz="1200" i="1" dirty="0" err="1"/>
-              <a:t>preprocess_cds</a:t>
-            </a:r>
-            <a:r>
-              <a:rPr lang="en-US" sz="1200" i="1" dirty="0"/>
-              <a:t>()</a:t>
-            </a:r>
-          </a:p>
-        </p:txBody>
-      </p:sp>
-      <p:sp>
-        <p:nvSpPr>
-          <p:cNvPr id="309" name="TextBox 308">
-            <a:extLst>
-              <a:ext uri="{FF2B5EF4-FFF2-40B4-BE49-F238E27FC236}">
-                <a16:creationId xmlns:a16="http://schemas.microsoft.com/office/drawing/2014/main" id="{E52D11FE-935C-3371-64D0-9630D27BD76F}"/>
-              </a:ext>
-            </a:extLst>
-          </p:cNvPr>
-          <p:cNvSpPr txBox="1"/>
-          <p:nvPr/>
-        </p:nvSpPr>
-        <p:spPr>
-          <a:xfrm>
-            <a:off x="5033966" y="2195667"/>
-            <a:ext cx="1128210" cy="276999"/>
-          </a:xfrm>
-          <a:prstGeom prst="rect">
-            <a:avLst/>
-          </a:prstGeom>
-          <a:noFill/>
-        </p:spPr>
-        <p:txBody>
-          <a:bodyPr wrap="square">
-            <a:spAutoFit/>
-          </a:bodyPr>
-          <a:lstStyle/>
-          <a:p>
-            <a:pPr algn="ctr"/>
-            <a:r>
-              <a:rPr lang="en-US" sz="1200" i="1" dirty="0" err="1"/>
-              <a:t>align_cds</a:t>
-            </a:r>
-            <a:r>
-              <a:rPr lang="en-US" sz="1200" i="1" dirty="0"/>
-              <a:t>()</a:t>
-            </a:r>
-          </a:p>
-        </p:txBody>
-      </p:sp>
-      <p:sp>
-        <p:nvSpPr>
-          <p:cNvPr id="310" name="TextBox 309">
-            <a:extLst>
-              <a:ext uri="{FF2B5EF4-FFF2-40B4-BE49-F238E27FC236}">
-                <a16:creationId xmlns:a16="http://schemas.microsoft.com/office/drawing/2014/main" id="{33222D39-DB65-7874-A2EE-E9ED4883B456}"/>
-              </a:ext>
-            </a:extLst>
-          </p:cNvPr>
-          <p:cNvSpPr txBox="1"/>
-          <p:nvPr/>
-        </p:nvSpPr>
-        <p:spPr>
-          <a:xfrm>
-            <a:off x="4808007" y="3410843"/>
-            <a:ext cx="1580128" cy="276999"/>
-          </a:xfrm>
-          <a:prstGeom prst="rect">
-            <a:avLst/>
-          </a:prstGeom>
-          <a:noFill/>
-        </p:spPr>
-        <p:txBody>
-          <a:bodyPr wrap="square">
-            <a:spAutoFit/>
-          </a:bodyPr>
-          <a:lstStyle/>
-          <a:p>
-            <a:pPr algn="ctr"/>
-            <a:r>
-              <a:rPr lang="en-US" sz="1200" i="1" dirty="0" err="1"/>
-              <a:t>reduce_dimension</a:t>
-            </a:r>
-            <a:r>
-              <a:rPr lang="en-US" sz="1200" i="1" dirty="0"/>
-              <a:t>() </a:t>
-            </a:r>
-          </a:p>
-        </p:txBody>
-      </p:sp>
-      <p:sp>
-        <p:nvSpPr>
-          <p:cNvPr id="311" name="TextBox 310">
-            <a:extLst>
-              <a:ext uri="{FF2B5EF4-FFF2-40B4-BE49-F238E27FC236}">
-                <a16:creationId xmlns:a16="http://schemas.microsoft.com/office/drawing/2014/main" id="{B2664092-B109-6EAF-7D58-B88DD6174B84}"/>
-              </a:ext>
-            </a:extLst>
-          </p:cNvPr>
-          <p:cNvSpPr txBox="1"/>
-          <p:nvPr/>
-        </p:nvSpPr>
-        <p:spPr>
-          <a:xfrm>
-            <a:off x="5011332" y="4655493"/>
-            <a:ext cx="1173478" cy="276999"/>
-          </a:xfrm>
-          <a:prstGeom prst="rect">
-            <a:avLst/>
-          </a:prstGeom>
-          <a:noFill/>
-        </p:spPr>
-        <p:txBody>
-          <a:bodyPr wrap="square">
-            <a:spAutoFit/>
-          </a:bodyPr>
-          <a:lstStyle/>
-          <a:p>
-            <a:pPr algn="ctr"/>
-            <a:r>
-              <a:rPr lang="en-US" sz="1200" i="1" dirty="0"/>
-              <a:t> </a:t>
-            </a:r>
-            <a:r>
-              <a:rPr lang="en-US" sz="1200" i="1" dirty="0" err="1"/>
-              <a:t>cluster_cells</a:t>
-            </a:r>
-            <a:r>
-              <a:rPr lang="en-US" sz="1200" i="1" dirty="0"/>
-              <a:t> ()</a:t>
-            </a:r>
-          </a:p>
-        </p:txBody>
-      </p:sp>
-      <p:sp>
-        <p:nvSpPr>
-          <p:cNvPr id="312" name="TextBox 311">
-            <a:extLst>
-              <a:ext uri="{FF2B5EF4-FFF2-40B4-BE49-F238E27FC236}">
-                <a16:creationId xmlns:a16="http://schemas.microsoft.com/office/drawing/2014/main" id="{4C40D2AD-5467-0F28-F637-4762738AC3A5}"/>
-              </a:ext>
-            </a:extLst>
-          </p:cNvPr>
-          <p:cNvSpPr txBox="1"/>
-          <p:nvPr/>
-        </p:nvSpPr>
-        <p:spPr>
-          <a:xfrm>
-            <a:off x="4918362" y="6565340"/>
-            <a:ext cx="1359418" cy="276999"/>
-          </a:xfrm>
-          <a:prstGeom prst="rect">
-            <a:avLst/>
-          </a:prstGeom>
-          <a:noFill/>
-        </p:spPr>
-        <p:txBody>
-          <a:bodyPr wrap="square">
-            <a:spAutoFit/>
-          </a:bodyPr>
-          <a:lstStyle/>
-          <a:p>
-            <a:pPr algn="ctr"/>
-            <a:r>
-              <a:rPr lang="en-US" sz="1200" dirty="0" err="1"/>
-              <a:t>learn_graph</a:t>
-            </a:r>
-            <a:r>
-              <a:rPr lang="en-US" sz="1200" i="1" dirty="0"/>
-              <a:t>()</a:t>
-            </a:r>
-          </a:p>
-        </p:txBody>
-      </p:sp>
-      <p:grpSp>
-        <p:nvGrpSpPr>
-          <p:cNvPr id="313" name="Group 312">
-            <a:extLst>
-              <a:ext uri="{FF2B5EF4-FFF2-40B4-BE49-F238E27FC236}">
-                <a16:creationId xmlns:a16="http://schemas.microsoft.com/office/drawing/2014/main" id="{F1260FB1-7FD0-6EAA-45C3-1460DA62CA39}"/>
-              </a:ext>
-            </a:extLst>
-          </p:cNvPr>
-          <p:cNvGrpSpPr/>
-          <p:nvPr/>
-        </p:nvGrpSpPr>
-        <p:grpSpPr>
-          <a:xfrm>
-            <a:off x="4892725" y="5988067"/>
-            <a:ext cx="1410693" cy="605189"/>
-            <a:chOff x="69690" y="5733577"/>
-            <a:chExt cx="2170519" cy="605189"/>
-          </a:xfrm>
-        </p:grpSpPr>
-        <p:sp>
-          <p:nvSpPr>
-            <p:cNvPr id="349" name="Rectangle 348">
-              <a:extLst>
-                <a:ext uri="{FF2B5EF4-FFF2-40B4-BE49-F238E27FC236}">
-                  <a16:creationId xmlns:a16="http://schemas.microsoft.com/office/drawing/2014/main" id="{A6FE10FD-17AD-999D-4450-C089A3589E0F}"/>
-                </a:ext>
-              </a:extLst>
-            </p:cNvPr>
-            <p:cNvSpPr/>
-            <p:nvPr/>
-          </p:nvSpPr>
-          <p:spPr>
-            <a:xfrm>
-              <a:off x="297468" y="5733577"/>
-              <a:ext cx="1805536" cy="592240"/>
-            </a:xfrm>
-            <a:prstGeom prst="rect">
-              <a:avLst/>
-            </a:prstGeom>
-            <a:solidFill>
-              <a:schemeClr val="bg1"/>
-            </a:solidFill>
-            <a:ln>
-              <a:solidFill>
-                <a:schemeClr val="tx1"/>
-              </a:solidFill>
-            </a:ln>
-          </p:spPr>
-          <p:style>
-            <a:lnRef idx="2">
-              <a:schemeClr val="accent1">
-                <a:shade val="15000"/>
-              </a:schemeClr>
-            </a:lnRef>
-            <a:fillRef idx="1">
-              <a:schemeClr val="accent1"/>
-            </a:fillRef>
-            <a:effectRef idx="0">
-              <a:schemeClr val="accent1"/>
-            </a:effectRef>
-            <a:fontRef idx="minor">
-              <a:schemeClr val="lt1"/>
-            </a:fontRef>
-          </p:style>
-          <p:txBody>
-            <a:bodyPr rtlCol="0" anchor="ctr"/>
-            <a:lstStyle/>
-            <a:p>
-              <a:pPr algn="ctr"/>
-              <a:endParaRPr lang="en-US">
-                <a:solidFill>
-                  <a:schemeClr val="tx1"/>
-                </a:solidFill>
-              </a:endParaRPr>
-            </a:p>
-          </p:txBody>
-        </p:sp>
-        <p:sp>
-          <p:nvSpPr>
-            <p:cNvPr id="350" name="TextBox 349">
-              <a:extLst>
-                <a:ext uri="{FF2B5EF4-FFF2-40B4-BE49-F238E27FC236}">
-                  <a16:creationId xmlns:a16="http://schemas.microsoft.com/office/drawing/2014/main" id="{C4EA4A35-E402-B1C4-4352-BC6640B852BA}"/>
-                </a:ext>
-              </a:extLst>
-            </p:cNvPr>
-            <p:cNvSpPr txBox="1"/>
-            <p:nvPr/>
-          </p:nvSpPr>
-          <p:spPr>
-            <a:xfrm>
-              <a:off x="69690" y="5753991"/>
-              <a:ext cx="2170519" cy="584775"/>
-            </a:xfrm>
-            <a:prstGeom prst="rect">
-              <a:avLst/>
-            </a:prstGeom>
-            <a:noFill/>
-          </p:spPr>
-          <p:txBody>
-            <a:bodyPr wrap="square" rtlCol="0">
-              <a:spAutoFit/>
-            </a:bodyPr>
-            <a:lstStyle/>
-            <a:p>
-              <a:pPr algn="ctr"/>
-              <a:r>
-                <a:rPr lang="en-US" sz="1600" b="1" dirty="0"/>
-                <a:t>Trajectory Graph</a:t>
-              </a:r>
-            </a:p>
-          </p:txBody>
-        </p:sp>
-      </p:grpSp>
-      <p:sp>
-        <p:nvSpPr>
-          <p:cNvPr id="314" name="Arrow: Right 313">
-            <a:extLst>
-              <a:ext uri="{FF2B5EF4-FFF2-40B4-BE49-F238E27FC236}">
-                <a16:creationId xmlns:a16="http://schemas.microsoft.com/office/drawing/2014/main" id="{E9B65641-7778-88D0-E318-D0952390962F}"/>
-              </a:ext>
-            </a:extLst>
-          </p:cNvPr>
-          <p:cNvSpPr/>
-          <p:nvPr/>
-        </p:nvSpPr>
-        <p:spPr>
-          <a:xfrm rot="5400000">
-            <a:off x="5529809" y="2408755"/>
-            <a:ext cx="136524" cy="386089"/>
-          </a:xfrm>
-          <a:prstGeom prst="rightArrow">
-            <a:avLst/>
-          </a:prstGeom>
-          <a:solidFill>
-            <a:srgbClr val="CBCBCB"/>
-          </a:solidFill>
-          <a:ln>
-            <a:noFill/>
-          </a:ln>
-        </p:spPr>
-        <p:style>
-          <a:lnRef idx="2">
-            <a:schemeClr val="accent1">
-              <a:shade val="15000"/>
-            </a:schemeClr>
-          </a:lnRef>
-          <a:fillRef idx="1">
-            <a:schemeClr val="accent1"/>
-          </a:fillRef>
-          <a:effectRef idx="0">
-            <a:schemeClr val="accent1"/>
-          </a:effectRef>
-          <a:fontRef idx="minor">
-            <a:schemeClr val="lt1"/>
-          </a:fontRef>
-        </p:style>
-        <p:txBody>
-          <a:bodyPr rtlCol="0" anchor="ctr"/>
-          <a:lstStyle/>
-          <a:p>
-            <a:pPr algn="ctr"/>
-            <a:endParaRPr lang="en-US"/>
-          </a:p>
-        </p:txBody>
-      </p:sp>
-      <p:sp>
-        <p:nvSpPr>
-          <p:cNvPr id="315" name="Arrow: Right 314">
-            <a:extLst>
-              <a:ext uri="{FF2B5EF4-FFF2-40B4-BE49-F238E27FC236}">
-                <a16:creationId xmlns:a16="http://schemas.microsoft.com/office/drawing/2014/main" id="{7F6B3CB8-D051-5D5D-75E2-D4669A46CE68}"/>
-              </a:ext>
-            </a:extLst>
-          </p:cNvPr>
-          <p:cNvSpPr/>
-          <p:nvPr/>
-        </p:nvSpPr>
-        <p:spPr>
-          <a:xfrm rot="5400000">
-            <a:off x="5521586" y="3648040"/>
-            <a:ext cx="152971" cy="386089"/>
-          </a:xfrm>
-          <a:prstGeom prst="rightArrow">
-            <a:avLst/>
-          </a:prstGeom>
-          <a:solidFill>
-            <a:srgbClr val="CBCBCB"/>
-          </a:solidFill>
-          <a:ln>
-            <a:noFill/>
-          </a:ln>
-        </p:spPr>
-        <p:style>
-          <a:lnRef idx="2">
-            <a:schemeClr val="accent1">
-              <a:shade val="15000"/>
-            </a:schemeClr>
-          </a:lnRef>
-          <a:fillRef idx="1">
-            <a:schemeClr val="accent1"/>
-          </a:fillRef>
-          <a:effectRef idx="0">
-            <a:schemeClr val="accent1"/>
-          </a:effectRef>
-          <a:fontRef idx="minor">
-            <a:schemeClr val="lt1"/>
-          </a:fontRef>
-        </p:style>
-        <p:txBody>
-          <a:bodyPr rtlCol="0" anchor="ctr"/>
-          <a:lstStyle/>
-          <a:p>
-            <a:pPr algn="ctr"/>
-            <a:endParaRPr lang="en-US"/>
-          </a:p>
-        </p:txBody>
-      </p:sp>
-      <p:sp>
-        <p:nvSpPr>
-          <p:cNvPr id="316" name="Arrow: Right 315">
-            <a:extLst>
-              <a:ext uri="{FF2B5EF4-FFF2-40B4-BE49-F238E27FC236}">
-                <a16:creationId xmlns:a16="http://schemas.microsoft.com/office/drawing/2014/main" id="{D4FF9A32-B40F-8F74-C0C2-77A529E25BB4}"/>
-              </a:ext>
-            </a:extLst>
-          </p:cNvPr>
-          <p:cNvSpPr/>
-          <p:nvPr/>
-        </p:nvSpPr>
-        <p:spPr>
-          <a:xfrm rot="5400000">
-            <a:off x="5521586" y="5698937"/>
-            <a:ext cx="152971" cy="386089"/>
-          </a:xfrm>
-          <a:prstGeom prst="rightArrow">
-            <a:avLst/>
-          </a:prstGeom>
-          <a:solidFill>
-            <a:srgbClr val="CBCBCB"/>
-          </a:solidFill>
-          <a:ln>
-            <a:noFill/>
-          </a:ln>
-        </p:spPr>
-        <p:style>
-          <a:lnRef idx="2">
-            <a:schemeClr val="accent1">
-              <a:shade val="15000"/>
-            </a:schemeClr>
-          </a:lnRef>
-          <a:fillRef idx="1">
-            <a:schemeClr val="accent1"/>
-          </a:fillRef>
-          <a:effectRef idx="0">
-            <a:schemeClr val="accent1"/>
-          </a:effectRef>
-          <a:fontRef idx="minor">
-            <a:schemeClr val="lt1"/>
-          </a:fontRef>
-        </p:style>
-        <p:txBody>
-          <a:bodyPr rtlCol="0" anchor="ctr"/>
-          <a:lstStyle/>
-          <a:p>
-            <a:pPr algn="ctr"/>
-            <a:endParaRPr lang="en-US"/>
-          </a:p>
-        </p:txBody>
-      </p:sp>
-      <p:grpSp>
-        <p:nvGrpSpPr>
-          <p:cNvPr id="317" name="Group 316">
-            <a:extLst>
-              <a:ext uri="{FF2B5EF4-FFF2-40B4-BE49-F238E27FC236}">
-                <a16:creationId xmlns:a16="http://schemas.microsoft.com/office/drawing/2014/main" id="{E40553A0-88EC-1021-A238-652ABCD2C417}"/>
-              </a:ext>
-            </a:extLst>
-          </p:cNvPr>
-          <p:cNvGrpSpPr/>
-          <p:nvPr/>
-        </p:nvGrpSpPr>
-        <p:grpSpPr>
-          <a:xfrm>
-            <a:off x="7119707" y="1418183"/>
-            <a:ext cx="1410693" cy="338554"/>
-            <a:chOff x="136544" y="5759803"/>
-            <a:chExt cx="2170519" cy="338554"/>
-          </a:xfrm>
-        </p:grpSpPr>
-        <p:sp>
-          <p:nvSpPr>
-            <p:cNvPr id="347" name="Rectangle 346">
-              <a:extLst>
-                <a:ext uri="{FF2B5EF4-FFF2-40B4-BE49-F238E27FC236}">
-                  <a16:creationId xmlns:a16="http://schemas.microsoft.com/office/drawing/2014/main" id="{31939DD5-3696-0960-6196-CDD8C41AF18A}"/>
-                </a:ext>
-              </a:extLst>
-            </p:cNvPr>
-            <p:cNvSpPr/>
-            <p:nvPr/>
-          </p:nvSpPr>
-          <p:spPr>
-            <a:xfrm>
-              <a:off x="297468" y="5781482"/>
-              <a:ext cx="1805536" cy="272412"/>
-            </a:xfrm>
-            <a:prstGeom prst="rect">
-              <a:avLst/>
-            </a:prstGeom>
-            <a:solidFill>
-              <a:schemeClr val="bg1"/>
-            </a:solidFill>
-            <a:ln>
-              <a:solidFill>
-                <a:schemeClr val="tx1"/>
-              </a:solidFill>
-            </a:ln>
-          </p:spPr>
-          <p:style>
-            <a:lnRef idx="2">
-              <a:schemeClr val="accent1">
-                <a:shade val="15000"/>
-              </a:schemeClr>
-            </a:lnRef>
-            <a:fillRef idx="1">
-              <a:schemeClr val="accent1"/>
-            </a:fillRef>
-            <a:effectRef idx="0">
-              <a:schemeClr val="accent1"/>
-            </a:effectRef>
-            <a:fontRef idx="minor">
-              <a:schemeClr val="lt1"/>
-            </a:fontRef>
-          </p:style>
-          <p:txBody>
-            <a:bodyPr rtlCol="0" anchor="ctr"/>
-            <a:lstStyle/>
-            <a:p>
-              <a:pPr algn="ctr"/>
-              <a:endParaRPr lang="en-US">
-                <a:solidFill>
-                  <a:schemeClr val="tx1"/>
-                </a:solidFill>
-              </a:endParaRPr>
-            </a:p>
-          </p:txBody>
-        </p:sp>
-        <p:sp>
-          <p:nvSpPr>
-            <p:cNvPr id="348" name="TextBox 347">
-              <a:extLst>
-                <a:ext uri="{FF2B5EF4-FFF2-40B4-BE49-F238E27FC236}">
-                  <a16:creationId xmlns:a16="http://schemas.microsoft.com/office/drawing/2014/main" id="{4E4CF06B-1DE8-4E41-9DEF-6FDDF8BF01D5}"/>
-                </a:ext>
-              </a:extLst>
-            </p:cNvPr>
-            <p:cNvSpPr txBox="1"/>
-            <p:nvPr/>
-          </p:nvSpPr>
-          <p:spPr>
-            <a:xfrm>
-              <a:off x="136544" y="5759803"/>
-              <a:ext cx="2170519" cy="338554"/>
-            </a:xfrm>
-            <a:prstGeom prst="rect">
-              <a:avLst/>
-            </a:prstGeom>
-            <a:noFill/>
-          </p:spPr>
-          <p:txBody>
-            <a:bodyPr wrap="square" rtlCol="0">
-              <a:spAutoFit/>
-            </a:bodyPr>
-            <a:lstStyle/>
-            <a:p>
-              <a:pPr algn="ctr"/>
-              <a:r>
-                <a:rPr lang="en-US" sz="1600" b="1" dirty="0"/>
-                <a:t>Order Cells</a:t>
-              </a:r>
-            </a:p>
-          </p:txBody>
-        </p:sp>
-      </p:grpSp>
-      <p:grpSp>
-        <p:nvGrpSpPr>
-          <p:cNvPr id="318" name="Group 317">
-            <a:extLst>
-              <a:ext uri="{FF2B5EF4-FFF2-40B4-BE49-F238E27FC236}">
-                <a16:creationId xmlns:a16="http://schemas.microsoft.com/office/drawing/2014/main" id="{54FCE5C5-DD72-A792-21EB-47822CBDF55D}"/>
-              </a:ext>
-            </a:extLst>
-          </p:cNvPr>
-          <p:cNvGrpSpPr/>
-          <p:nvPr/>
-        </p:nvGrpSpPr>
-        <p:grpSpPr>
-          <a:xfrm>
-            <a:off x="7119707" y="2083194"/>
-            <a:ext cx="1410693" cy="584775"/>
-            <a:chOff x="136544" y="5759803"/>
-            <a:chExt cx="2170519" cy="584775"/>
-          </a:xfrm>
-        </p:grpSpPr>
-        <p:sp>
-          <p:nvSpPr>
-            <p:cNvPr id="345" name="Rectangle 344">
-              <a:extLst>
-                <a:ext uri="{FF2B5EF4-FFF2-40B4-BE49-F238E27FC236}">
-                  <a16:creationId xmlns:a16="http://schemas.microsoft.com/office/drawing/2014/main" id="{583B2408-CBBF-AEE0-E756-0F8EF859AB9C}"/>
-                </a:ext>
-              </a:extLst>
-            </p:cNvPr>
-            <p:cNvSpPr/>
-            <p:nvPr/>
-          </p:nvSpPr>
-          <p:spPr>
-            <a:xfrm>
-              <a:off x="297468" y="5781481"/>
-              <a:ext cx="1805536" cy="544335"/>
-            </a:xfrm>
-            <a:prstGeom prst="rect">
-              <a:avLst/>
-            </a:prstGeom>
-            <a:solidFill>
-              <a:schemeClr val="bg1"/>
-            </a:solidFill>
-            <a:ln>
-              <a:solidFill>
-                <a:schemeClr val="tx1"/>
-              </a:solidFill>
-            </a:ln>
-          </p:spPr>
-          <p:style>
-            <a:lnRef idx="2">
-              <a:schemeClr val="accent1">
-                <a:shade val="15000"/>
-              </a:schemeClr>
-            </a:lnRef>
-            <a:fillRef idx="1">
-              <a:schemeClr val="accent1"/>
-            </a:fillRef>
-            <a:effectRef idx="0">
-              <a:schemeClr val="accent1"/>
-            </a:effectRef>
-            <a:fontRef idx="minor">
-              <a:schemeClr val="lt1"/>
-            </a:fontRef>
-          </p:style>
-          <p:txBody>
-            <a:bodyPr rtlCol="0" anchor="ctr"/>
-            <a:lstStyle/>
-            <a:p>
-              <a:pPr algn="ctr"/>
-              <a:endParaRPr lang="en-US">
-                <a:solidFill>
-                  <a:schemeClr val="tx1"/>
-                </a:solidFill>
-              </a:endParaRPr>
-            </a:p>
-          </p:txBody>
-        </p:sp>
-        <p:sp>
-          <p:nvSpPr>
-            <p:cNvPr id="346" name="TextBox 345">
-              <a:extLst>
-                <a:ext uri="{FF2B5EF4-FFF2-40B4-BE49-F238E27FC236}">
-                  <a16:creationId xmlns:a16="http://schemas.microsoft.com/office/drawing/2014/main" id="{EEAF3B5F-62B6-D119-4BCD-4CAC1C7C8A37}"/>
-                </a:ext>
-              </a:extLst>
-            </p:cNvPr>
-            <p:cNvSpPr txBox="1"/>
-            <p:nvPr/>
-          </p:nvSpPr>
-          <p:spPr>
-            <a:xfrm>
-              <a:off x="136544" y="5759803"/>
-              <a:ext cx="2170519" cy="584775"/>
-            </a:xfrm>
-            <a:prstGeom prst="rect">
-              <a:avLst/>
-            </a:prstGeom>
-            <a:noFill/>
-          </p:spPr>
-          <p:txBody>
-            <a:bodyPr wrap="square" rtlCol="0">
-              <a:spAutoFit/>
-            </a:bodyPr>
-            <a:lstStyle/>
-            <a:p>
-              <a:pPr algn="ctr"/>
-              <a:r>
-                <a:rPr lang="en-US" sz="1600" b="1" dirty="0"/>
-                <a:t>Subset Trajectory</a:t>
-              </a:r>
-            </a:p>
-          </p:txBody>
-        </p:sp>
-      </p:grpSp>
-      <p:grpSp>
-        <p:nvGrpSpPr>
-          <p:cNvPr id="319" name="Group 318">
-            <a:extLst>
-              <a:ext uri="{FF2B5EF4-FFF2-40B4-BE49-F238E27FC236}">
-                <a16:creationId xmlns:a16="http://schemas.microsoft.com/office/drawing/2014/main" id="{CB9BD407-C0F8-854E-7D81-267F19023165}"/>
-              </a:ext>
-            </a:extLst>
-          </p:cNvPr>
-          <p:cNvGrpSpPr/>
-          <p:nvPr/>
-        </p:nvGrpSpPr>
-        <p:grpSpPr>
-          <a:xfrm>
-            <a:off x="7119707" y="3165583"/>
-            <a:ext cx="1410693" cy="584775"/>
-            <a:chOff x="136544" y="5759803"/>
-            <a:chExt cx="2170519" cy="584775"/>
-          </a:xfrm>
-        </p:grpSpPr>
-        <p:sp>
-          <p:nvSpPr>
-            <p:cNvPr id="343" name="Rectangle 342">
-              <a:extLst>
-                <a:ext uri="{FF2B5EF4-FFF2-40B4-BE49-F238E27FC236}">
-                  <a16:creationId xmlns:a16="http://schemas.microsoft.com/office/drawing/2014/main" id="{430EE061-F7CF-BD8F-E42C-FB7B5FFF9F2B}"/>
-                </a:ext>
-              </a:extLst>
-            </p:cNvPr>
-            <p:cNvSpPr/>
-            <p:nvPr/>
-          </p:nvSpPr>
-          <p:spPr>
-            <a:xfrm>
-              <a:off x="297468" y="5781481"/>
-              <a:ext cx="1805536" cy="544335"/>
-            </a:xfrm>
-            <a:prstGeom prst="rect">
-              <a:avLst/>
-            </a:prstGeom>
-            <a:solidFill>
-              <a:schemeClr val="bg1"/>
-            </a:solidFill>
-            <a:ln>
-              <a:solidFill>
-                <a:schemeClr val="tx1"/>
-              </a:solidFill>
-            </a:ln>
-          </p:spPr>
-          <p:style>
-            <a:lnRef idx="2">
-              <a:schemeClr val="accent1">
-                <a:shade val="15000"/>
-              </a:schemeClr>
-            </a:lnRef>
-            <a:fillRef idx="1">
-              <a:schemeClr val="accent1"/>
-            </a:fillRef>
-            <a:effectRef idx="0">
-              <a:schemeClr val="accent1"/>
-            </a:effectRef>
-            <a:fontRef idx="minor">
-              <a:schemeClr val="lt1"/>
-            </a:fontRef>
-          </p:style>
-          <p:txBody>
-            <a:bodyPr rtlCol="0" anchor="ctr"/>
-            <a:lstStyle/>
-            <a:p>
-              <a:pPr algn="ctr"/>
-              <a:endParaRPr lang="en-US">
-                <a:solidFill>
-                  <a:schemeClr val="tx1"/>
-                </a:solidFill>
-              </a:endParaRPr>
-            </a:p>
-          </p:txBody>
-        </p:sp>
-        <p:sp>
-          <p:nvSpPr>
-            <p:cNvPr id="344" name="TextBox 343">
-              <a:extLst>
-                <a:ext uri="{FF2B5EF4-FFF2-40B4-BE49-F238E27FC236}">
-                  <a16:creationId xmlns:a16="http://schemas.microsoft.com/office/drawing/2014/main" id="{E9180815-C2BF-9917-215B-02BB7A03D323}"/>
-                </a:ext>
-              </a:extLst>
-            </p:cNvPr>
-            <p:cNvSpPr txBox="1"/>
-            <p:nvPr/>
-          </p:nvSpPr>
-          <p:spPr>
-            <a:xfrm>
-              <a:off x="136544" y="5759803"/>
-              <a:ext cx="2170519" cy="584775"/>
-            </a:xfrm>
-            <a:prstGeom prst="rect">
-              <a:avLst/>
-            </a:prstGeom>
-            <a:noFill/>
-          </p:spPr>
-          <p:txBody>
-            <a:bodyPr wrap="square" rtlCol="0">
-              <a:spAutoFit/>
-            </a:bodyPr>
-            <a:lstStyle/>
-            <a:p>
-              <a:pPr algn="ctr"/>
-              <a:r>
-                <a:rPr lang="en-US" sz="1600" b="1" dirty="0"/>
-                <a:t>Reprocess Trajectory</a:t>
-              </a:r>
-            </a:p>
-          </p:txBody>
-        </p:sp>
-      </p:grpSp>
-      <p:grpSp>
-        <p:nvGrpSpPr>
-          <p:cNvPr id="320" name="Group 319">
-            <a:extLst>
-              <a:ext uri="{FF2B5EF4-FFF2-40B4-BE49-F238E27FC236}">
-                <a16:creationId xmlns:a16="http://schemas.microsoft.com/office/drawing/2014/main" id="{F165FAE4-B445-1FE6-A946-607E822A0B7F}"/>
-              </a:ext>
-            </a:extLst>
-          </p:cNvPr>
-          <p:cNvGrpSpPr/>
-          <p:nvPr/>
-        </p:nvGrpSpPr>
-        <p:grpSpPr>
-          <a:xfrm>
-            <a:off x="7119707" y="4025226"/>
-            <a:ext cx="1410693" cy="589910"/>
-            <a:chOff x="130519" y="5781481"/>
-            <a:chExt cx="2170519" cy="589910"/>
-          </a:xfrm>
-        </p:grpSpPr>
-        <p:sp>
-          <p:nvSpPr>
-            <p:cNvPr id="341" name="Rectangle 340">
-              <a:extLst>
-                <a:ext uri="{FF2B5EF4-FFF2-40B4-BE49-F238E27FC236}">
-                  <a16:creationId xmlns:a16="http://schemas.microsoft.com/office/drawing/2014/main" id="{53D7009F-2BA4-12D4-12B4-2396064A3717}"/>
-                </a:ext>
-              </a:extLst>
-            </p:cNvPr>
-            <p:cNvSpPr/>
-            <p:nvPr/>
-          </p:nvSpPr>
-          <p:spPr>
-            <a:xfrm>
-              <a:off x="265017" y="5781481"/>
-              <a:ext cx="1856344" cy="544335"/>
-            </a:xfrm>
-            <a:prstGeom prst="rect">
-              <a:avLst/>
-            </a:prstGeom>
-            <a:solidFill>
-              <a:schemeClr val="bg1"/>
-            </a:solidFill>
-            <a:ln>
-              <a:solidFill>
-                <a:schemeClr val="tx1"/>
-              </a:solidFill>
-            </a:ln>
-          </p:spPr>
-          <p:style>
-            <a:lnRef idx="2">
-              <a:schemeClr val="accent1">
-                <a:shade val="15000"/>
-              </a:schemeClr>
-            </a:lnRef>
-            <a:fillRef idx="1">
-              <a:schemeClr val="accent1"/>
-            </a:fillRef>
-            <a:effectRef idx="0">
-              <a:schemeClr val="accent1"/>
-            </a:effectRef>
-            <a:fontRef idx="minor">
-              <a:schemeClr val="lt1"/>
-            </a:fontRef>
-          </p:style>
-          <p:txBody>
-            <a:bodyPr rtlCol="0" anchor="ctr"/>
-            <a:lstStyle/>
-            <a:p>
-              <a:pPr algn="ctr"/>
-              <a:endParaRPr lang="en-US">
-                <a:solidFill>
-                  <a:schemeClr val="tx1"/>
-                </a:solidFill>
-              </a:endParaRPr>
-            </a:p>
-          </p:txBody>
-        </p:sp>
-        <p:sp>
-          <p:nvSpPr>
-            <p:cNvPr id="342" name="TextBox 341">
-              <a:extLst>
-                <a:ext uri="{FF2B5EF4-FFF2-40B4-BE49-F238E27FC236}">
-                  <a16:creationId xmlns:a16="http://schemas.microsoft.com/office/drawing/2014/main" id="{FB8E1EA3-A02F-8E04-CA7C-B1FCB62784DE}"/>
-                </a:ext>
-              </a:extLst>
-            </p:cNvPr>
-            <p:cNvSpPr txBox="1"/>
-            <p:nvPr/>
-          </p:nvSpPr>
-          <p:spPr>
-            <a:xfrm>
-              <a:off x="130519" y="5786616"/>
-              <a:ext cx="2170519" cy="584775"/>
-            </a:xfrm>
-            <a:prstGeom prst="rect">
-              <a:avLst/>
-            </a:prstGeom>
-            <a:noFill/>
-          </p:spPr>
-          <p:txBody>
-            <a:bodyPr wrap="square" rtlCol="0">
-              <a:spAutoFit/>
-            </a:bodyPr>
-            <a:lstStyle/>
-            <a:p>
-              <a:pPr algn="ctr"/>
-              <a:r>
-                <a:rPr lang="en-US" sz="1600" b="1" dirty="0"/>
-                <a:t>Find Altered Genes</a:t>
-              </a:r>
-            </a:p>
-          </p:txBody>
-        </p:sp>
-      </p:grpSp>
-      <p:grpSp>
-        <p:nvGrpSpPr>
-          <p:cNvPr id="321" name="Group 320">
-            <a:extLst>
-              <a:ext uri="{FF2B5EF4-FFF2-40B4-BE49-F238E27FC236}">
-                <a16:creationId xmlns:a16="http://schemas.microsoft.com/office/drawing/2014/main" id="{E5D5CC72-5DA9-1D53-8327-5420898EE4BE}"/>
-              </a:ext>
-            </a:extLst>
-          </p:cNvPr>
-          <p:cNvGrpSpPr/>
-          <p:nvPr/>
-        </p:nvGrpSpPr>
-        <p:grpSpPr>
-          <a:xfrm>
-            <a:off x="7119707" y="4993684"/>
-            <a:ext cx="1410693" cy="584775"/>
-            <a:chOff x="199846" y="5774065"/>
-            <a:chExt cx="2170519" cy="584775"/>
-          </a:xfrm>
-        </p:grpSpPr>
-        <p:sp>
-          <p:nvSpPr>
-            <p:cNvPr id="339" name="Rectangle 338">
-              <a:extLst>
-                <a:ext uri="{FF2B5EF4-FFF2-40B4-BE49-F238E27FC236}">
-                  <a16:creationId xmlns:a16="http://schemas.microsoft.com/office/drawing/2014/main" id="{12CFA92A-BB6C-5D60-E642-B6FB5E9B13F8}"/>
-                </a:ext>
-              </a:extLst>
-            </p:cNvPr>
-            <p:cNvSpPr/>
-            <p:nvPr/>
-          </p:nvSpPr>
-          <p:spPr>
-            <a:xfrm>
-              <a:off x="255376" y="5781481"/>
-              <a:ext cx="2059461" cy="544335"/>
-            </a:xfrm>
-            <a:prstGeom prst="rect">
-              <a:avLst/>
-            </a:prstGeom>
-            <a:solidFill>
-              <a:schemeClr val="bg1"/>
-            </a:solidFill>
-            <a:ln>
-              <a:solidFill>
-                <a:schemeClr val="tx1"/>
-              </a:solidFill>
-            </a:ln>
-          </p:spPr>
-          <p:style>
-            <a:lnRef idx="2">
-              <a:schemeClr val="accent1">
-                <a:shade val="15000"/>
-              </a:schemeClr>
-            </a:lnRef>
-            <a:fillRef idx="1">
-              <a:schemeClr val="accent1"/>
-            </a:fillRef>
-            <a:effectRef idx="0">
-              <a:schemeClr val="accent1"/>
-            </a:effectRef>
-            <a:fontRef idx="minor">
-              <a:schemeClr val="lt1"/>
-            </a:fontRef>
-          </p:style>
-          <p:txBody>
-            <a:bodyPr rtlCol="0" anchor="ctr"/>
-            <a:lstStyle/>
-            <a:p>
-              <a:pPr algn="ctr"/>
-              <a:endParaRPr lang="en-US">
-                <a:solidFill>
-                  <a:schemeClr val="tx1"/>
-                </a:solidFill>
-              </a:endParaRPr>
-            </a:p>
-          </p:txBody>
-        </p:sp>
-        <p:sp>
-          <p:nvSpPr>
-            <p:cNvPr id="340" name="TextBox 339">
-              <a:extLst>
-                <a:ext uri="{FF2B5EF4-FFF2-40B4-BE49-F238E27FC236}">
-                  <a16:creationId xmlns:a16="http://schemas.microsoft.com/office/drawing/2014/main" id="{908AE807-93D2-C52B-C7DC-872070702279}"/>
-                </a:ext>
-              </a:extLst>
-            </p:cNvPr>
-            <p:cNvSpPr txBox="1"/>
-            <p:nvPr/>
-          </p:nvSpPr>
-          <p:spPr>
-            <a:xfrm>
-              <a:off x="199846" y="5774065"/>
-              <a:ext cx="2170519" cy="584775"/>
-            </a:xfrm>
-            <a:prstGeom prst="rect">
-              <a:avLst/>
-            </a:prstGeom>
-            <a:noFill/>
-          </p:spPr>
-          <p:txBody>
-            <a:bodyPr wrap="square" rtlCol="0">
-              <a:spAutoFit/>
-            </a:bodyPr>
-            <a:lstStyle/>
-            <a:p>
-              <a:pPr algn="ctr"/>
-              <a:r>
-                <a:rPr lang="en-US" sz="1600" b="1" dirty="0"/>
-                <a:t>Aggregate to Gene Modules</a:t>
-              </a:r>
-            </a:p>
-          </p:txBody>
-        </p:sp>
-      </p:grpSp>
-      <p:grpSp>
-        <p:nvGrpSpPr>
-          <p:cNvPr id="322" name="Group 321">
-            <a:extLst>
-              <a:ext uri="{FF2B5EF4-FFF2-40B4-BE49-F238E27FC236}">
-                <a16:creationId xmlns:a16="http://schemas.microsoft.com/office/drawing/2014/main" id="{013F2955-BDC4-582E-0566-BF05DB8CB854}"/>
-              </a:ext>
-            </a:extLst>
-          </p:cNvPr>
-          <p:cNvGrpSpPr/>
-          <p:nvPr/>
-        </p:nvGrpSpPr>
-        <p:grpSpPr>
-          <a:xfrm>
-            <a:off x="7119707" y="6080526"/>
-            <a:ext cx="1410693" cy="584775"/>
-            <a:chOff x="183194" y="5775239"/>
-            <a:chExt cx="2170519" cy="584775"/>
-          </a:xfrm>
-        </p:grpSpPr>
-        <p:sp>
-          <p:nvSpPr>
-            <p:cNvPr id="337" name="Rectangle 336">
-              <a:extLst>
-                <a:ext uri="{FF2B5EF4-FFF2-40B4-BE49-F238E27FC236}">
-                  <a16:creationId xmlns:a16="http://schemas.microsoft.com/office/drawing/2014/main" id="{CD8A3E91-B833-C092-B516-A733806CDDA4}"/>
-                </a:ext>
-              </a:extLst>
-            </p:cNvPr>
-            <p:cNvSpPr/>
-            <p:nvPr/>
-          </p:nvSpPr>
-          <p:spPr>
-            <a:xfrm>
-              <a:off x="198991" y="5781481"/>
-              <a:ext cx="2134969" cy="544335"/>
-            </a:xfrm>
-            <a:prstGeom prst="rect">
-              <a:avLst/>
-            </a:prstGeom>
-            <a:solidFill>
-              <a:schemeClr val="bg1"/>
-            </a:solidFill>
-            <a:ln>
-              <a:solidFill>
-                <a:schemeClr val="tx1"/>
-              </a:solidFill>
-            </a:ln>
-          </p:spPr>
-          <p:style>
-            <a:lnRef idx="2">
-              <a:schemeClr val="accent1">
-                <a:shade val="15000"/>
-              </a:schemeClr>
-            </a:lnRef>
-            <a:fillRef idx="1">
-              <a:schemeClr val="accent1"/>
-            </a:fillRef>
-            <a:effectRef idx="0">
-              <a:schemeClr val="accent1"/>
-            </a:effectRef>
-            <a:fontRef idx="minor">
-              <a:schemeClr val="lt1"/>
-            </a:fontRef>
-          </p:style>
-          <p:txBody>
-            <a:bodyPr rtlCol="0" anchor="ctr"/>
-            <a:lstStyle/>
-            <a:p>
-              <a:pPr algn="ctr"/>
-              <a:endParaRPr lang="en-US">
-                <a:solidFill>
-                  <a:schemeClr val="tx1"/>
-                </a:solidFill>
-              </a:endParaRPr>
-            </a:p>
-          </p:txBody>
-        </p:sp>
-        <p:sp>
-          <p:nvSpPr>
-            <p:cNvPr id="338" name="TextBox 337">
-              <a:extLst>
-                <a:ext uri="{FF2B5EF4-FFF2-40B4-BE49-F238E27FC236}">
-                  <a16:creationId xmlns:a16="http://schemas.microsoft.com/office/drawing/2014/main" id="{6E1AE380-12A3-2183-F3AE-98AA70E36F10}"/>
-                </a:ext>
-              </a:extLst>
-            </p:cNvPr>
-            <p:cNvSpPr txBox="1"/>
-            <p:nvPr/>
-          </p:nvSpPr>
-          <p:spPr>
-            <a:xfrm>
-              <a:off x="183194" y="5775239"/>
-              <a:ext cx="2170519" cy="584775"/>
-            </a:xfrm>
-            <a:prstGeom prst="rect">
-              <a:avLst/>
-            </a:prstGeom>
-            <a:noFill/>
-          </p:spPr>
-          <p:txBody>
-            <a:bodyPr wrap="square" rtlCol="0">
-              <a:spAutoFit/>
-            </a:bodyPr>
-            <a:lstStyle/>
-            <a:p>
-              <a:pPr algn="ctr"/>
-              <a:r>
-                <a:rPr lang="en-US" sz="1600" b="1" dirty="0"/>
-                <a:t>Visualize Gene Modules</a:t>
-              </a:r>
-            </a:p>
-          </p:txBody>
-        </p:sp>
-      </p:grpSp>
-      <p:sp>
-        <p:nvSpPr>
-          <p:cNvPr id="323" name="TextBox 322">
-            <a:extLst>
-              <a:ext uri="{FF2B5EF4-FFF2-40B4-BE49-F238E27FC236}">
-                <a16:creationId xmlns:a16="http://schemas.microsoft.com/office/drawing/2014/main" id="{7A0CDADD-2E45-2163-C9BF-4E92841F8D1C}"/>
-              </a:ext>
-            </a:extLst>
-          </p:cNvPr>
-          <p:cNvSpPr txBox="1"/>
-          <p:nvPr/>
-        </p:nvSpPr>
-        <p:spPr>
-          <a:xfrm>
-            <a:off x="7254512" y="2583658"/>
-            <a:ext cx="1141083" cy="461665"/>
-          </a:xfrm>
-          <a:prstGeom prst="rect">
-            <a:avLst/>
-          </a:prstGeom>
-          <a:noFill/>
-        </p:spPr>
-        <p:txBody>
-          <a:bodyPr wrap="square">
-            <a:spAutoFit/>
-          </a:bodyPr>
-          <a:lstStyle/>
-          <a:p>
-            <a:pPr algn="ctr"/>
-            <a:r>
-              <a:rPr lang="en-US" sz="1200" dirty="0" err="1"/>
-              <a:t>choose_graph</a:t>
-            </a:r>
-            <a:r>
-              <a:rPr lang="en-US" sz="1200" dirty="0"/>
-              <a:t>_</a:t>
-            </a:r>
-          </a:p>
-          <a:p>
-            <a:pPr algn="ctr"/>
-            <a:r>
-              <a:rPr lang="en-US" sz="1200" dirty="0"/>
-              <a:t>segments</a:t>
-            </a:r>
-            <a:r>
-              <a:rPr lang="en-US" sz="1200" i="1" dirty="0"/>
-              <a:t>()</a:t>
-            </a:r>
-          </a:p>
-        </p:txBody>
-      </p:sp>
-      <p:sp>
-        <p:nvSpPr>
-          <p:cNvPr id="324" name="TextBox 323">
-            <a:extLst>
-              <a:ext uri="{FF2B5EF4-FFF2-40B4-BE49-F238E27FC236}">
-                <a16:creationId xmlns:a16="http://schemas.microsoft.com/office/drawing/2014/main" id="{4B5C62D2-5D35-B9BD-6F48-72B6032ED67B}"/>
-              </a:ext>
-            </a:extLst>
-          </p:cNvPr>
-          <p:cNvSpPr txBox="1"/>
-          <p:nvPr/>
-        </p:nvSpPr>
-        <p:spPr>
-          <a:xfrm>
-            <a:off x="7326695" y="1653823"/>
-            <a:ext cx="996717" cy="276999"/>
-          </a:xfrm>
-          <a:prstGeom prst="rect">
-            <a:avLst/>
-          </a:prstGeom>
-          <a:noFill/>
-        </p:spPr>
-        <p:txBody>
-          <a:bodyPr wrap="square">
-            <a:spAutoFit/>
-          </a:bodyPr>
-          <a:lstStyle/>
-          <a:p>
-            <a:pPr algn="ctr"/>
-            <a:r>
-              <a:rPr lang="en-US" sz="1200" i="1" dirty="0" err="1"/>
-              <a:t>order_cells</a:t>
-            </a:r>
-            <a:r>
-              <a:rPr lang="en-US" sz="1200" i="1" dirty="0"/>
-              <a:t>()</a:t>
-            </a:r>
-          </a:p>
-        </p:txBody>
-      </p:sp>
-      <p:sp>
-        <p:nvSpPr>
-          <p:cNvPr id="325" name="Arrow: Right 324">
-            <a:extLst>
-              <a:ext uri="{FF2B5EF4-FFF2-40B4-BE49-F238E27FC236}">
-                <a16:creationId xmlns:a16="http://schemas.microsoft.com/office/drawing/2014/main" id="{4D4856F6-DDA1-0815-99AC-AFD00EB7E648}"/>
-              </a:ext>
-            </a:extLst>
-          </p:cNvPr>
-          <p:cNvSpPr/>
-          <p:nvPr/>
-        </p:nvSpPr>
-        <p:spPr>
-          <a:xfrm rot="5400000">
-            <a:off x="7762346" y="2890891"/>
-            <a:ext cx="125415" cy="386089"/>
-          </a:xfrm>
-          <a:prstGeom prst="rightArrow">
-            <a:avLst/>
-          </a:prstGeom>
-          <a:solidFill>
-            <a:srgbClr val="CBCBCB"/>
-          </a:solidFill>
-          <a:ln>
-            <a:noFill/>
-          </a:ln>
-        </p:spPr>
-        <p:style>
-          <a:lnRef idx="2">
-            <a:schemeClr val="accent1">
-              <a:shade val="15000"/>
-            </a:schemeClr>
-          </a:lnRef>
-          <a:fillRef idx="1">
-            <a:schemeClr val="accent1"/>
-          </a:fillRef>
-          <a:effectRef idx="0">
-            <a:schemeClr val="accent1"/>
-          </a:effectRef>
-          <a:fontRef idx="minor">
-            <a:schemeClr val="lt1"/>
-          </a:fontRef>
-        </p:style>
-        <p:txBody>
-          <a:bodyPr rtlCol="0" anchor="ctr"/>
-          <a:lstStyle/>
-          <a:p>
-            <a:pPr algn="ctr"/>
-            <a:endParaRPr lang="en-US"/>
-          </a:p>
-        </p:txBody>
-      </p:sp>
-      <p:sp>
-        <p:nvSpPr>
-          <p:cNvPr id="326" name="TextBox 325">
-            <a:extLst>
-              <a:ext uri="{FF2B5EF4-FFF2-40B4-BE49-F238E27FC236}">
-                <a16:creationId xmlns:a16="http://schemas.microsoft.com/office/drawing/2014/main" id="{DCA9D6D7-6292-C413-F90C-AF19310A1D4C}"/>
-              </a:ext>
-            </a:extLst>
-          </p:cNvPr>
-          <p:cNvSpPr txBox="1"/>
-          <p:nvPr/>
-        </p:nvSpPr>
-        <p:spPr>
-          <a:xfrm>
-            <a:off x="7034989" y="4524701"/>
-            <a:ext cx="1580128" cy="276999"/>
-          </a:xfrm>
-          <a:prstGeom prst="rect">
-            <a:avLst/>
-          </a:prstGeom>
-          <a:noFill/>
-        </p:spPr>
-        <p:txBody>
-          <a:bodyPr wrap="square">
-            <a:spAutoFit/>
-          </a:bodyPr>
-          <a:lstStyle/>
-          <a:p>
-            <a:pPr algn="ctr"/>
-            <a:r>
-              <a:rPr lang="en-US" sz="1200" i="1" dirty="0" err="1"/>
-              <a:t>find_gene_modules</a:t>
-            </a:r>
-            <a:r>
-              <a:rPr lang="en-US" sz="1200" i="1" dirty="0"/>
-              <a:t>() </a:t>
-            </a:r>
-          </a:p>
-        </p:txBody>
-      </p:sp>
-      <p:sp>
-        <p:nvSpPr>
-          <p:cNvPr id="327" name="Arrow: Right 326">
-            <a:extLst>
-              <a:ext uri="{FF2B5EF4-FFF2-40B4-BE49-F238E27FC236}">
-                <a16:creationId xmlns:a16="http://schemas.microsoft.com/office/drawing/2014/main" id="{6CEA76A1-42AC-5EEF-74B6-178E118580DC}"/>
-              </a:ext>
-            </a:extLst>
-          </p:cNvPr>
-          <p:cNvSpPr/>
-          <p:nvPr/>
-        </p:nvSpPr>
-        <p:spPr>
-          <a:xfrm rot="5400000">
-            <a:off x="7748568" y="4690869"/>
-            <a:ext cx="152971" cy="386089"/>
-          </a:xfrm>
-          <a:prstGeom prst="rightArrow">
-            <a:avLst/>
-          </a:prstGeom>
-          <a:solidFill>
-            <a:srgbClr val="CBCBCB"/>
-          </a:solidFill>
-          <a:ln>
-            <a:noFill/>
-          </a:ln>
-        </p:spPr>
-        <p:style>
-          <a:lnRef idx="2">
-            <a:schemeClr val="accent1">
-              <a:shade val="15000"/>
-            </a:schemeClr>
-          </a:lnRef>
-          <a:fillRef idx="1">
-            <a:schemeClr val="accent1"/>
-          </a:fillRef>
-          <a:effectRef idx="0">
-            <a:schemeClr val="accent1"/>
-          </a:effectRef>
-          <a:fontRef idx="minor">
-            <a:schemeClr val="lt1"/>
-          </a:fontRef>
-        </p:style>
-        <p:txBody>
-          <a:bodyPr rtlCol="0" anchor="ctr"/>
-          <a:lstStyle/>
-          <a:p>
-            <a:pPr algn="ctr"/>
-            <a:endParaRPr lang="en-US"/>
-          </a:p>
-        </p:txBody>
-      </p:sp>
-      <p:sp>
-        <p:nvSpPr>
-          <p:cNvPr id="328" name="TextBox 327">
-            <a:extLst>
-              <a:ext uri="{FF2B5EF4-FFF2-40B4-BE49-F238E27FC236}">
-                <a16:creationId xmlns:a16="http://schemas.microsoft.com/office/drawing/2014/main" id="{998BA6B6-F1C5-3312-10C5-EBF3989E816C}"/>
-              </a:ext>
-            </a:extLst>
-          </p:cNvPr>
-          <p:cNvSpPr txBox="1"/>
-          <p:nvPr/>
-        </p:nvSpPr>
-        <p:spPr>
-          <a:xfrm>
-            <a:off x="7141492" y="5482989"/>
-            <a:ext cx="1367122" cy="461665"/>
-          </a:xfrm>
-          <a:prstGeom prst="rect">
-            <a:avLst/>
-          </a:prstGeom>
-          <a:noFill/>
-        </p:spPr>
-        <p:txBody>
-          <a:bodyPr wrap="square">
-            <a:spAutoFit/>
-          </a:bodyPr>
-          <a:lstStyle/>
-          <a:p>
-            <a:pPr algn="ctr"/>
-            <a:r>
-              <a:rPr lang="en-US" sz="1200" i="1" dirty="0" err="1"/>
-              <a:t>aggregate_gene</a:t>
-            </a:r>
-            <a:r>
-              <a:rPr lang="en-US" sz="1200" i="1" dirty="0"/>
-              <a:t>_</a:t>
-            </a:r>
-          </a:p>
-          <a:p>
-            <a:pPr algn="ctr"/>
-            <a:r>
-              <a:rPr lang="en-US" sz="1200" i="1" dirty="0"/>
-              <a:t>expression() </a:t>
-            </a:r>
-          </a:p>
-        </p:txBody>
-      </p:sp>
-      <p:sp>
-        <p:nvSpPr>
-          <p:cNvPr id="329" name="Arrow: Right 328">
-            <a:extLst>
-              <a:ext uri="{FF2B5EF4-FFF2-40B4-BE49-F238E27FC236}">
-                <a16:creationId xmlns:a16="http://schemas.microsoft.com/office/drawing/2014/main" id="{36770774-B6C3-09CE-05EF-016EC4FB9C7B}"/>
-              </a:ext>
-            </a:extLst>
-          </p:cNvPr>
-          <p:cNvSpPr/>
-          <p:nvPr/>
-        </p:nvSpPr>
-        <p:spPr>
-          <a:xfrm rot="5400000">
-            <a:off x="7748568" y="3679070"/>
-            <a:ext cx="152971" cy="386089"/>
-          </a:xfrm>
-          <a:prstGeom prst="rightArrow">
-            <a:avLst/>
-          </a:prstGeom>
-          <a:solidFill>
-            <a:srgbClr val="CBCBCB"/>
-          </a:solidFill>
-          <a:ln>
-            <a:noFill/>
-          </a:ln>
-        </p:spPr>
-        <p:style>
-          <a:lnRef idx="2">
-            <a:schemeClr val="accent1">
-              <a:shade val="15000"/>
-            </a:schemeClr>
-          </a:lnRef>
-          <a:fillRef idx="1">
-            <a:schemeClr val="accent1"/>
-          </a:fillRef>
-          <a:effectRef idx="0">
-            <a:schemeClr val="accent1"/>
-          </a:effectRef>
-          <a:fontRef idx="minor">
-            <a:schemeClr val="lt1"/>
-          </a:fontRef>
-        </p:style>
-        <p:txBody>
-          <a:bodyPr rtlCol="0" anchor="ctr"/>
-          <a:lstStyle/>
-          <a:p>
-            <a:pPr algn="ctr"/>
-            <a:endParaRPr lang="en-US"/>
-          </a:p>
-        </p:txBody>
-      </p:sp>
-      <p:sp>
-        <p:nvSpPr>
-          <p:cNvPr id="330" name="Arrow: Right 329">
-            <a:extLst>
-              <a:ext uri="{FF2B5EF4-FFF2-40B4-BE49-F238E27FC236}">
-                <a16:creationId xmlns:a16="http://schemas.microsoft.com/office/drawing/2014/main" id="{03CE2823-E0A0-7BD2-1BE2-D2902947A610}"/>
-              </a:ext>
-            </a:extLst>
-          </p:cNvPr>
-          <p:cNvSpPr/>
-          <p:nvPr/>
-        </p:nvSpPr>
-        <p:spPr>
-          <a:xfrm rot="5400000">
-            <a:off x="7748568" y="5806268"/>
-            <a:ext cx="152971" cy="386089"/>
-          </a:xfrm>
-          <a:prstGeom prst="rightArrow">
-            <a:avLst/>
-          </a:prstGeom>
-          <a:solidFill>
-            <a:srgbClr val="CBCBCB"/>
-          </a:solidFill>
-          <a:ln>
-            <a:noFill/>
-          </a:ln>
-        </p:spPr>
-        <p:style>
-          <a:lnRef idx="2">
-            <a:schemeClr val="accent1">
-              <a:shade val="15000"/>
-            </a:schemeClr>
-          </a:lnRef>
-          <a:fillRef idx="1">
-            <a:schemeClr val="accent1"/>
-          </a:fillRef>
-          <a:effectRef idx="0">
-            <a:schemeClr val="accent1"/>
-          </a:effectRef>
-          <a:fontRef idx="minor">
-            <a:schemeClr val="lt1"/>
-          </a:fontRef>
-        </p:style>
-        <p:txBody>
-          <a:bodyPr rtlCol="0" anchor="ctr"/>
-          <a:lstStyle/>
-          <a:p>
-            <a:pPr algn="ctr"/>
-            <a:endParaRPr lang="en-US"/>
-          </a:p>
-        </p:txBody>
-      </p:sp>
-      <p:sp>
-        <p:nvSpPr>
-          <p:cNvPr id="331" name="Rectangle 330">
-            <a:extLst>
-              <a:ext uri="{FF2B5EF4-FFF2-40B4-BE49-F238E27FC236}">
-                <a16:creationId xmlns:a16="http://schemas.microsoft.com/office/drawing/2014/main" id="{0451C1E9-7B77-7F96-4DDC-125093502E93}"/>
-              </a:ext>
-            </a:extLst>
-          </p:cNvPr>
-          <p:cNvSpPr/>
-          <p:nvPr/>
-        </p:nvSpPr>
-        <p:spPr>
-          <a:xfrm>
-            <a:off x="4767091" y="1150480"/>
-            <a:ext cx="3847231" cy="5658958"/>
-          </a:xfrm>
-          <a:prstGeom prst="rect">
-            <a:avLst/>
-          </a:prstGeom>
-          <a:noFill/>
-          <a:ln>
-            <a:solidFill>
-              <a:schemeClr val="tx1"/>
-            </a:solidFill>
-          </a:ln>
-        </p:spPr>
-        <p:style>
-          <a:lnRef idx="2">
-            <a:schemeClr val="accent1">
-              <a:shade val="15000"/>
-            </a:schemeClr>
-          </a:lnRef>
-          <a:fillRef idx="1">
-            <a:schemeClr val="accent1"/>
-          </a:fillRef>
-          <a:effectRef idx="0">
-            <a:schemeClr val="accent1"/>
-          </a:effectRef>
-          <a:fontRef idx="minor">
-            <a:schemeClr val="lt1"/>
-          </a:fontRef>
-        </p:style>
-        <p:txBody>
-          <a:bodyPr rtlCol="0" anchor="ctr"/>
-          <a:lstStyle/>
-          <a:p>
-            <a:pPr algn="ctr"/>
-            <a:endParaRPr lang="en-US"/>
-          </a:p>
-        </p:txBody>
-      </p:sp>
-      <p:grpSp>
-        <p:nvGrpSpPr>
-          <p:cNvPr id="332" name="Group 331">
-            <a:extLst>
-              <a:ext uri="{FF2B5EF4-FFF2-40B4-BE49-F238E27FC236}">
-                <a16:creationId xmlns:a16="http://schemas.microsoft.com/office/drawing/2014/main" id="{ED088D75-F9AF-09B8-C963-886862B0530D}"/>
-              </a:ext>
-            </a:extLst>
-          </p:cNvPr>
-          <p:cNvGrpSpPr/>
-          <p:nvPr/>
-        </p:nvGrpSpPr>
-        <p:grpSpPr>
-          <a:xfrm>
-            <a:off x="4892725" y="5165606"/>
-            <a:ext cx="1410693" cy="604375"/>
-            <a:chOff x="127265" y="5734193"/>
-            <a:chExt cx="2170519" cy="604375"/>
-          </a:xfrm>
-        </p:grpSpPr>
-        <p:sp>
-          <p:nvSpPr>
-            <p:cNvPr id="335" name="Rectangle 334">
-              <a:extLst>
-                <a:ext uri="{FF2B5EF4-FFF2-40B4-BE49-F238E27FC236}">
-                  <a16:creationId xmlns:a16="http://schemas.microsoft.com/office/drawing/2014/main" id="{6E3D1021-4980-D42A-8C8E-8023107E175C}"/>
-                </a:ext>
-              </a:extLst>
-            </p:cNvPr>
-            <p:cNvSpPr/>
-            <p:nvPr/>
-          </p:nvSpPr>
-          <p:spPr>
-            <a:xfrm>
-              <a:off x="297469" y="5734193"/>
-              <a:ext cx="1805535" cy="591623"/>
-            </a:xfrm>
-            <a:prstGeom prst="rect">
-              <a:avLst/>
-            </a:prstGeom>
-            <a:solidFill>
-              <a:schemeClr val="bg1"/>
-            </a:solidFill>
-            <a:ln>
-              <a:solidFill>
-                <a:schemeClr val="tx1"/>
-              </a:solidFill>
-            </a:ln>
-          </p:spPr>
-          <p:style>
-            <a:lnRef idx="2">
-              <a:schemeClr val="accent1">
-                <a:shade val="15000"/>
-              </a:schemeClr>
-            </a:lnRef>
-            <a:fillRef idx="1">
-              <a:schemeClr val="accent1"/>
-            </a:fillRef>
-            <a:effectRef idx="0">
-              <a:schemeClr val="accent1"/>
-            </a:effectRef>
-            <a:fontRef idx="minor">
-              <a:schemeClr val="lt1"/>
-            </a:fontRef>
-          </p:style>
-          <p:txBody>
-            <a:bodyPr rtlCol="0" anchor="ctr"/>
-            <a:lstStyle/>
-            <a:p>
-              <a:pPr algn="ctr"/>
-              <a:endParaRPr lang="en-US">
-                <a:solidFill>
-                  <a:schemeClr val="tx1"/>
-                </a:solidFill>
-              </a:endParaRPr>
-            </a:p>
-          </p:txBody>
-        </p:sp>
-        <p:sp>
-          <p:nvSpPr>
-            <p:cNvPr id="336" name="TextBox 335">
-              <a:extLst>
-                <a:ext uri="{FF2B5EF4-FFF2-40B4-BE49-F238E27FC236}">
-                  <a16:creationId xmlns:a16="http://schemas.microsoft.com/office/drawing/2014/main" id="{0069AB2A-3CAA-EFE5-B4D6-C024A6937596}"/>
-                </a:ext>
-              </a:extLst>
-            </p:cNvPr>
-            <p:cNvSpPr txBox="1"/>
-            <p:nvPr/>
-          </p:nvSpPr>
-          <p:spPr>
-            <a:xfrm>
-              <a:off x="127265" y="5753793"/>
-              <a:ext cx="2170519" cy="584775"/>
-            </a:xfrm>
-            <a:prstGeom prst="rect">
-              <a:avLst/>
-            </a:prstGeom>
-            <a:noFill/>
-          </p:spPr>
-          <p:txBody>
-            <a:bodyPr wrap="square" rtlCol="0">
-              <a:spAutoFit/>
-            </a:bodyPr>
-            <a:lstStyle/>
-            <a:p>
-              <a:pPr algn="ctr"/>
-              <a:r>
-                <a:rPr lang="en-US" sz="1600" b="1" dirty="0"/>
-                <a:t>Cell Type Annotation</a:t>
-              </a:r>
-            </a:p>
-          </p:txBody>
-        </p:sp>
-      </p:grpSp>
-      <p:sp>
-        <p:nvSpPr>
-          <p:cNvPr id="333" name="Arrow: Right 332">
-            <a:extLst>
-              <a:ext uri="{FF2B5EF4-FFF2-40B4-BE49-F238E27FC236}">
-                <a16:creationId xmlns:a16="http://schemas.microsoft.com/office/drawing/2014/main" id="{3469F047-96A4-AD2D-5B9D-162F956FB801}"/>
-              </a:ext>
-            </a:extLst>
-          </p:cNvPr>
-          <p:cNvSpPr/>
-          <p:nvPr/>
-        </p:nvSpPr>
-        <p:spPr>
-          <a:xfrm rot="5400000">
-            <a:off x="5521586" y="4811971"/>
-            <a:ext cx="152971" cy="386089"/>
-          </a:xfrm>
-          <a:prstGeom prst="rightArrow">
-            <a:avLst/>
-          </a:prstGeom>
-          <a:solidFill>
-            <a:srgbClr val="CBCBCB"/>
-          </a:solidFill>
-          <a:ln>
-            <a:noFill/>
-          </a:ln>
-        </p:spPr>
-        <p:style>
-          <a:lnRef idx="2">
-            <a:schemeClr val="accent1">
-              <a:shade val="15000"/>
-            </a:schemeClr>
-          </a:lnRef>
-          <a:fillRef idx="1">
-            <a:schemeClr val="accent1"/>
-          </a:fillRef>
-          <a:effectRef idx="0">
-            <a:schemeClr val="accent1"/>
-          </a:effectRef>
-          <a:fontRef idx="minor">
-            <a:schemeClr val="lt1"/>
-          </a:fontRef>
-        </p:style>
-        <p:txBody>
-          <a:bodyPr rtlCol="0" anchor="ctr"/>
-          <a:lstStyle/>
-          <a:p>
-            <a:pPr algn="ctr"/>
-            <a:endParaRPr lang="en-US"/>
-          </a:p>
-        </p:txBody>
-      </p:sp>
-      <p:sp>
-        <p:nvSpPr>
-          <p:cNvPr id="334" name="Arrow: Right 333">
-            <a:extLst>
-              <a:ext uri="{FF2B5EF4-FFF2-40B4-BE49-F238E27FC236}">
-                <a16:creationId xmlns:a16="http://schemas.microsoft.com/office/drawing/2014/main" id="{4D7C994F-06BC-EC6D-CF49-37F53EB696B6}"/>
-              </a:ext>
-            </a:extLst>
-          </p:cNvPr>
-          <p:cNvSpPr/>
-          <p:nvPr/>
-        </p:nvSpPr>
-        <p:spPr>
-          <a:xfrm rot="5400000">
-            <a:off x="7762346" y="1815375"/>
-            <a:ext cx="125415" cy="386089"/>
-          </a:xfrm>
-          <a:prstGeom prst="rightArrow">
-            <a:avLst/>
-          </a:prstGeom>
-          <a:solidFill>
-            <a:srgbClr val="CBCBCB"/>
-          </a:solidFill>
-          <a:ln>
-            <a:noFill/>
-          </a:ln>
-        </p:spPr>
-        <p:style>
-          <a:lnRef idx="2">
-            <a:schemeClr val="accent1">
-              <a:shade val="15000"/>
-            </a:schemeClr>
-          </a:lnRef>
-          <a:fillRef idx="1">
-            <a:schemeClr val="accent1"/>
-          </a:fillRef>
-          <a:effectRef idx="0">
-            <a:schemeClr val="accent1"/>
-          </a:effectRef>
-          <a:fontRef idx="minor">
-            <a:schemeClr val="lt1"/>
-          </a:fontRef>
-        </p:style>
-        <p:txBody>
-          <a:bodyPr rtlCol="0" anchor="ctr"/>
-          <a:lstStyle/>
-          <a:p>
-            <a:pPr algn="ctr"/>
-            <a:endParaRPr lang="en-US"/>
-          </a:p>
-        </p:txBody>
-      </p:sp>
     </p:spTree>
     <p:extLst>
       <p:ext uri="{BB962C8B-B14F-4D97-AF65-F5344CB8AC3E}">
@@ -18006,7 +18767,7 @@
         </p:blipFill>
         <p:spPr>
           <a:xfrm>
-            <a:off x="3722994" y="750648"/>
+            <a:off x="3955223" y="678078"/>
             <a:ext cx="6042978" cy="2210108"/>
           </a:xfrm>
           <a:prstGeom prst="rect">
@@ -18035,7 +18796,7 @@
         </p:blipFill>
         <p:spPr>
           <a:xfrm>
-            <a:off x="3722994" y="3025378"/>
+            <a:off x="3563337" y="2880238"/>
             <a:ext cx="6096851" cy="388374"/>
           </a:xfrm>
           <a:prstGeom prst="rect">
@@ -18064,7 +18825,7 @@
         </p:blipFill>
         <p:spPr>
           <a:xfrm>
-            <a:off x="6095149" y="6198331"/>
+            <a:off x="6022579" y="6212845"/>
             <a:ext cx="6096851" cy="602364"/>
           </a:xfrm>
           <a:prstGeom prst="rect">
@@ -18105,8 +18866,8 @@
         </p:blipFill>
         <p:spPr>
           <a:xfrm>
-            <a:off x="8148996" y="3478374"/>
-            <a:ext cx="4011499" cy="2882600"/>
+            <a:off x="8017786" y="3410856"/>
+            <a:ext cx="4186251" cy="3008174"/>
           </a:xfrm>
           <a:prstGeom prst="rect">
             <a:avLst/>
@@ -18286,14 +19047,65 @@
         </p:blipFill>
         <p:spPr>
           <a:xfrm>
-            <a:off x="3526899" y="3278265"/>
-            <a:ext cx="3855692" cy="2767666"/>
+            <a:off x="3526898" y="3220209"/>
+            <a:ext cx="4006015" cy="2875570"/>
           </a:xfrm>
           <a:prstGeom prst="rect">
             <a:avLst/>
           </a:prstGeom>
         </p:spPr>
       </p:pic>
+      <p:sp>
+        <p:nvSpPr>
+          <p:cNvPr id="4" name="TextBox 3">
+            <a:extLst>
+              <a:ext uri="{FF2B5EF4-FFF2-40B4-BE49-F238E27FC236}">
+                <a16:creationId xmlns:a16="http://schemas.microsoft.com/office/drawing/2014/main" id="{CF63ED83-BABE-B591-052D-8EFF387CC58B}"/>
+              </a:ext>
+            </a:extLst>
+          </p:cNvPr>
+          <p:cNvSpPr txBox="1"/>
+          <p:nvPr/>
+        </p:nvSpPr>
+        <p:spPr>
+          <a:xfrm>
+            <a:off x="9931812" y="1649467"/>
+            <a:ext cx="2067355" cy="646331"/>
+          </a:xfrm>
+          <a:prstGeom prst="rect">
+            <a:avLst/>
+          </a:prstGeom>
+          <a:noFill/>
+        </p:spPr>
+        <p:txBody>
+          <a:bodyPr wrap="square" rtlCol="0">
+            <a:spAutoFit/>
+          </a:bodyPr>
+          <a:lstStyle/>
+          <a:p>
+            <a:r>
+              <a:rPr lang="en-US" sz="1200" dirty="0"/>
+              <a:t>Experiment groups/batches can be aligned with a </a:t>
+            </a:r>
+            <a:r>
+              <a:rPr lang="en-US" sz="1200" b="1" dirty="0"/>
+              <a:t>factor</a:t>
+            </a:r>
+            <a:r>
+              <a:rPr lang="en-US" sz="1200" dirty="0"/>
+              <a:t> or </a:t>
+            </a:r>
+            <a:r>
+              <a:rPr lang="en-US" sz="1200" b="1" dirty="0"/>
+              <a:t>continuous variable</a:t>
+            </a:r>
+            <a:r>
+              <a:rPr lang="en-US" sz="1200" dirty="0"/>
+              <a:t>.</a:t>
+            </a:r>
+          </a:p>
+        </p:txBody>
+      </p:sp>
     </p:spTree>
     <p:extLst>
       <p:ext uri="{BB962C8B-B14F-4D97-AF65-F5344CB8AC3E}">
@@ -18725,8 +19537,8 @@
         </p:nvSpPr>
         <p:spPr>
           <a:xfrm>
-            <a:off x="4476744" y="6083364"/>
-            <a:ext cx="4070666" cy="369332"/>
+            <a:off x="4173441" y="6131759"/>
+            <a:ext cx="5358646" cy="369332"/>
           </a:xfrm>
           <a:prstGeom prst="rect">
             <a:avLst/>
@@ -18753,7 +19565,15 @@
             </a:r>
             <a:r>
               <a:rPr lang="en-US" i="1" dirty="0"/>
-              <a:t>one or more clusters.</a:t>
+              <a:t>one or more clusters (</a:t>
+            </a:r>
+            <a:r>
+              <a:rPr lang="en-US" i="1" dirty="0" err="1"/>
+              <a:t>metacluster</a:t>
+            </a:r>
+            <a:r>
+              <a:rPr lang="en-US" i="1" dirty="0"/>
+              <a:t>).</a:t>
             </a:r>
           </a:p>
         </p:txBody>
@@ -19288,7 +20108,7 @@
         <p:spPr>
           <a:xfrm>
             <a:off x="8712200" y="4436731"/>
-            <a:ext cx="1556167" cy="1965960"/>
+            <a:ext cx="1556167" cy="1927493"/>
           </a:xfrm>
           <a:prstGeom prst="rect">
             <a:avLst/>
@@ -19439,7 +20259,7 @@
         </p:nvSpPr>
         <p:spPr>
           <a:xfrm rot="2374729">
-            <a:off x="8207564" y="3745182"/>
+            <a:off x="8211316" y="3692105"/>
             <a:ext cx="518093" cy="386089"/>
           </a:xfrm>
           <a:prstGeom prst="rightArrow">
@@ -19685,7 +20505,7 @@
         </p:nvSpPr>
         <p:spPr>
           <a:xfrm>
-            <a:off x="1691034" y="942975"/>
+            <a:off x="1691034" y="935355"/>
             <a:ext cx="1646526" cy="5635152"/>
           </a:xfrm>
           <a:prstGeom prst="rect">
@@ -19740,7 +20560,7 @@
         <p:spPr>
           <a:xfrm>
             <a:off x="90094" y="930296"/>
-            <a:ext cx="1613474" cy="4889320"/>
+            <a:ext cx="1613474" cy="4815184"/>
           </a:xfrm>
           <a:prstGeom prst="rect">
             <a:avLst/>

--- a/M6_Monocle_Pseudotime/M5_Monocle_Timeseries.pptx
+++ b/M6_Monocle_Pseudotime/M5_Monocle_Timeseries.pptx
@@ -212,7 +212,7 @@
           <a:p>
             <a:fld id="{FF40CFF0-3E11-4AF6-9747-7919C58FBC48}" type="datetimeFigureOut">
               <a:rPr lang="en-US" smtClean="0"/>
-              <a:t>2/21/2024</a:t>
+              <a:t>2/26/2024</a:t>
             </a:fld>
             <a:endParaRPr lang="en-US"/>
           </a:p>
@@ -1050,7 +1050,7 @@
           <a:p>
             <a:fld id="{9F69634C-F75C-45F7-A87A-C5E2AF3ECA41}" type="datetimeFigureOut">
               <a:rPr lang="en-US" smtClean="0"/>
-              <a:t>2/21/2024</a:t>
+              <a:t>2/26/2024</a:t>
             </a:fld>
             <a:endParaRPr lang="en-US"/>
           </a:p>
@@ -1215,7 +1215,7 @@
           <a:p>
             <a:fld id="{9F69634C-F75C-45F7-A87A-C5E2AF3ECA41}" type="datetimeFigureOut">
               <a:rPr lang="en-US" smtClean="0"/>
-              <a:t>2/21/2024</a:t>
+              <a:t>2/26/2024</a:t>
             </a:fld>
             <a:endParaRPr lang="en-US"/>
           </a:p>
@@ -1385,7 +1385,7 @@
           <a:p>
             <a:fld id="{9F69634C-F75C-45F7-A87A-C5E2AF3ECA41}" type="datetimeFigureOut">
               <a:rPr lang="en-US" smtClean="0"/>
-              <a:t>2/21/2024</a:t>
+              <a:t>2/26/2024</a:t>
             </a:fld>
             <a:endParaRPr lang="en-US"/>
           </a:p>
@@ -4440,7 +4440,7 @@
           <a:p>
             <a:fld id="{9F69634C-F75C-45F7-A87A-C5E2AF3ECA41}" type="datetimeFigureOut">
               <a:rPr lang="en-US" smtClean="0"/>
-              <a:t>2/21/2024</a:t>
+              <a:t>2/26/2024</a:t>
             </a:fld>
             <a:endParaRPr lang="en-US"/>
           </a:p>
@@ -4705,7 +4705,7 @@
           <a:p>
             <a:fld id="{9F69634C-F75C-45F7-A87A-C5E2AF3ECA41}" type="datetimeFigureOut">
               <a:rPr lang="en-US" smtClean="0"/>
-              <a:t>2/21/2024</a:t>
+              <a:t>2/26/2024</a:t>
             </a:fld>
             <a:endParaRPr lang="en-US"/>
           </a:p>
@@ -4818,7 +4818,7 @@
           <a:p>
             <a:fld id="{9F69634C-F75C-45F7-A87A-C5E2AF3ECA41}" type="datetimeFigureOut">
               <a:rPr lang="en-US" smtClean="0"/>
-              <a:t>2/21/2024</a:t>
+              <a:t>2/26/2024</a:t>
             </a:fld>
             <a:endParaRPr lang="en-US"/>
           </a:p>
@@ -5059,7 +5059,7 @@
           <a:p>
             <a:fld id="{9F69634C-F75C-45F7-A87A-C5E2AF3ECA41}" type="datetimeFigureOut">
               <a:rPr lang="en-US" smtClean="0"/>
-              <a:t>2/21/2024</a:t>
+              <a:t>2/26/2024</a:t>
             </a:fld>
             <a:endParaRPr lang="en-US"/>
           </a:p>
@@ -8229,7 +8229,7 @@
         </p:nvSpPr>
         <p:spPr>
           <a:xfrm>
-            <a:off x="10265686" y="4144019"/>
+            <a:off x="10472236" y="4005519"/>
             <a:ext cx="1168077" cy="646331"/>
           </a:xfrm>
           <a:prstGeom prst="rect">
@@ -8352,14 +8352,25 @@
           <p:nvPr/>
         </p:nvPicPr>
         <p:blipFill>
-          <a:blip r:embed="rId2"/>
+          <a:blip r:embed="rId2">
+            <a:clrChange>
+              <a:clrFrom>
+                <a:srgbClr val="FFFFFF"/>
+              </a:clrFrom>
+              <a:clrTo>
+                <a:srgbClr val="FFFFFF">
+                  <a:alpha val="0"/>
+                </a:srgbClr>
+              </a:clrTo>
+            </a:clrChange>
+          </a:blip>
           <a:stretch>
             <a:fillRect/>
           </a:stretch>
         </p:blipFill>
         <p:spPr>
           <a:xfrm>
-            <a:off x="1722843" y="1234440"/>
+            <a:off x="1265643" y="1572768"/>
             <a:ext cx="8746314" cy="4789361"/>
           </a:xfrm>
           <a:prstGeom prst="rect">
@@ -8367,6 +8378,41 @@
           </a:prstGeom>
         </p:spPr>
       </p:pic>
+      <p:sp>
+        <p:nvSpPr>
+          <p:cNvPr id="3" name="TextBox 2">
+            <a:extLst>
+              <a:ext uri="{FF2B5EF4-FFF2-40B4-BE49-F238E27FC236}">
+                <a16:creationId xmlns:a16="http://schemas.microsoft.com/office/drawing/2014/main" id="{382ABDB8-835E-1A7C-79D7-D2C5C79F9B0F}"/>
+              </a:ext>
+            </a:extLst>
+          </p:cNvPr>
+          <p:cNvSpPr txBox="1"/>
+          <p:nvPr/>
+        </p:nvSpPr>
+        <p:spPr>
+          <a:xfrm>
+            <a:off x="292608" y="777240"/>
+            <a:ext cx="4038991" cy="369332"/>
+          </a:xfrm>
+          <a:prstGeom prst="rect">
+            <a:avLst/>
+          </a:prstGeom>
+          <a:noFill/>
+        </p:spPr>
+        <p:txBody>
+          <a:bodyPr wrap="none" rtlCol="0">
+            <a:spAutoFit/>
+          </a:bodyPr>
+          <a:lstStyle/>
+          <a:p>
+            <a:r>
+              <a:rPr lang="en-US" dirty="0"/>
+              <a:t>Cell Trajectories where none likely exist.</a:t>
+            </a:r>
+          </a:p>
+        </p:txBody>
+      </p:sp>
     </p:spTree>
     <p:extLst>
       <p:ext uri="{BB962C8B-B14F-4D97-AF65-F5344CB8AC3E}">

--- a/M6_Monocle_Pseudotime/M5_Monocle_Timeseries.pptx
+++ b/M6_Monocle_Pseudotime/M5_Monocle_Timeseries.pptx
@@ -212,7 +212,7 @@
           <a:p>
             <a:fld id="{FF40CFF0-3E11-4AF6-9747-7919C58FBC48}" type="datetimeFigureOut">
               <a:rPr lang="en-US" smtClean="0"/>
-              <a:t>2/26/2024</a:t>
+              <a:t>2/27/2024</a:t>
             </a:fld>
             <a:endParaRPr lang="en-US"/>
           </a:p>
@@ -1050,7 +1050,7 @@
           <a:p>
             <a:fld id="{9F69634C-F75C-45F7-A87A-C5E2AF3ECA41}" type="datetimeFigureOut">
               <a:rPr lang="en-US" smtClean="0"/>
-              <a:t>2/26/2024</a:t>
+              <a:t>2/27/2024</a:t>
             </a:fld>
             <a:endParaRPr lang="en-US"/>
           </a:p>
@@ -1215,7 +1215,7 @@
           <a:p>
             <a:fld id="{9F69634C-F75C-45F7-A87A-C5E2AF3ECA41}" type="datetimeFigureOut">
               <a:rPr lang="en-US" smtClean="0"/>
-              <a:t>2/26/2024</a:t>
+              <a:t>2/27/2024</a:t>
             </a:fld>
             <a:endParaRPr lang="en-US"/>
           </a:p>
@@ -1385,7 +1385,7 @@
           <a:p>
             <a:fld id="{9F69634C-F75C-45F7-A87A-C5E2AF3ECA41}" type="datetimeFigureOut">
               <a:rPr lang="en-US" smtClean="0"/>
-              <a:t>2/26/2024</a:t>
+              <a:t>2/27/2024</a:t>
             </a:fld>
             <a:endParaRPr lang="en-US"/>
           </a:p>
@@ -4440,7 +4440,7 @@
           <a:p>
             <a:fld id="{9F69634C-F75C-45F7-A87A-C5E2AF3ECA41}" type="datetimeFigureOut">
               <a:rPr lang="en-US" smtClean="0"/>
-              <a:t>2/26/2024</a:t>
+              <a:t>2/27/2024</a:t>
             </a:fld>
             <a:endParaRPr lang="en-US"/>
           </a:p>
@@ -4705,7 +4705,7 @@
           <a:p>
             <a:fld id="{9F69634C-F75C-45F7-A87A-C5E2AF3ECA41}" type="datetimeFigureOut">
               <a:rPr lang="en-US" smtClean="0"/>
-              <a:t>2/26/2024</a:t>
+              <a:t>2/27/2024</a:t>
             </a:fld>
             <a:endParaRPr lang="en-US"/>
           </a:p>
@@ -4818,7 +4818,7 @@
           <a:p>
             <a:fld id="{9F69634C-F75C-45F7-A87A-C5E2AF3ECA41}" type="datetimeFigureOut">
               <a:rPr lang="en-US" smtClean="0"/>
-              <a:t>2/26/2024</a:t>
+              <a:t>2/27/2024</a:t>
             </a:fld>
             <a:endParaRPr lang="en-US"/>
           </a:p>
@@ -5059,7 +5059,7 @@
           <a:p>
             <a:fld id="{9F69634C-F75C-45F7-A87A-C5E2AF3ECA41}" type="datetimeFigureOut">
               <a:rPr lang="en-US" smtClean="0"/>
-              <a:t>2/26/2024</a:t>
+              <a:t>2/27/2024</a:t>
             </a:fld>
             <a:endParaRPr lang="en-US"/>
           </a:p>
@@ -6704,7 +6704,7 @@
         </p:blipFill>
         <p:spPr>
           <a:xfrm>
-            <a:off x="3316411" y="666816"/>
+            <a:off x="3392611" y="730824"/>
             <a:ext cx="6096851" cy="2324424"/>
           </a:xfrm>
           <a:prstGeom prst="rect">
@@ -7090,7 +7090,7 @@
         </p:blipFill>
         <p:spPr>
           <a:xfrm>
-            <a:off x="3552188" y="2890887"/>
+            <a:off x="3552188" y="2900031"/>
             <a:ext cx="5382376" cy="571580"/>
           </a:xfrm>
           <a:prstGeom prst="rect">
@@ -7178,7 +7178,7 @@
         </p:blipFill>
         <p:spPr>
           <a:xfrm>
-            <a:off x="3427519" y="656509"/>
+            <a:off x="3427519" y="674797"/>
             <a:ext cx="6163535" cy="2210108"/>
           </a:xfrm>
           <a:prstGeom prst="rect">
@@ -7543,7 +7543,7 @@
         </p:nvSpPr>
         <p:spPr>
           <a:xfrm>
-            <a:off x="469375" y="854774"/>
+            <a:off x="469375" y="765874"/>
             <a:ext cx="8428718" cy="2031325"/>
           </a:xfrm>
           <a:prstGeom prst="rect">
@@ -7558,8 +7558,8 @@
           <a:lstStyle/>
           <a:p>
             <a:r>
-              <a:rPr lang="en-US" dirty="0"/>
-              <a:t>Errors with Monocle3</a:t>
+              <a:rPr lang="en-US" u="sng" dirty="0"/>
+              <a:t>Troubleshooting Strategies</a:t>
             </a:r>
           </a:p>
           <a:p>
@@ -7577,7 +7577,7 @@
             </a:pPr>
             <a:r>
               <a:rPr lang="en-US" dirty="0"/>
-              <a:t>Install developer versions of Monocle3, </a:t>
+              <a:t>Install latest developer versions of Monocle3, </a:t>
             </a:r>
             <a:r>
               <a:rPr lang="en-US" dirty="0" err="1"/>
@@ -7627,7 +7627,7 @@
             </a:r>
             <a:r>
               <a:rPr lang="en-US" dirty="0"/>
-              <a:t> be the cause, debug.</a:t>
+              <a:t> be the cause.</a:t>
             </a:r>
           </a:p>
           <a:p>
@@ -7664,7 +7664,7 @@
         </p:nvGrpSpPr>
         <p:grpSpPr>
           <a:xfrm>
-            <a:off x="1084628" y="3822192"/>
+            <a:off x="2176828" y="3542792"/>
             <a:ext cx="7306695" cy="1095528"/>
             <a:chOff x="353108" y="3102086"/>
             <a:chExt cx="7306695" cy="1095528"/>
@@ -7788,7 +7788,7 @@
         </p:nvGrpSpPr>
         <p:grpSpPr>
           <a:xfrm>
-            <a:off x="1084628" y="5965849"/>
+            <a:off x="2176828" y="5686449"/>
             <a:ext cx="7182852" cy="609685"/>
             <a:chOff x="353108" y="5443643"/>
             <a:chExt cx="7182852" cy="609685"/>
@@ -7912,8 +7912,8 @@
         </p:nvSpPr>
         <p:spPr>
           <a:xfrm rot="5400000">
-            <a:off x="4645216" y="5248740"/>
-            <a:ext cx="863420" cy="386089"/>
+            <a:off x="5772212" y="4934544"/>
+            <a:ext cx="793828" cy="386089"/>
           </a:xfrm>
           <a:prstGeom prst="rightArrow">
             <a:avLst/>
@@ -7947,6 +7947,41 @@
           <a:p>
             <a:pPr algn="ctr"/>
             <a:endParaRPr lang="en-US" dirty="0"/>
+          </a:p>
+        </p:txBody>
+      </p:sp>
+      <p:sp>
+        <p:nvSpPr>
+          <p:cNvPr id="4" name="TextBox 3">
+            <a:extLst>
+              <a:ext uri="{FF2B5EF4-FFF2-40B4-BE49-F238E27FC236}">
+                <a16:creationId xmlns:a16="http://schemas.microsoft.com/office/drawing/2014/main" id="{193900BC-6B0A-E199-A68A-3FDB2C0FD3A7}"/>
+              </a:ext>
+            </a:extLst>
+          </p:cNvPr>
+          <p:cNvSpPr txBox="1"/>
+          <p:nvPr/>
+        </p:nvSpPr>
+        <p:spPr>
+          <a:xfrm>
+            <a:off x="1561575" y="3002731"/>
+            <a:ext cx="5059783" cy="369332"/>
+          </a:xfrm>
+          <a:prstGeom prst="rect">
+            <a:avLst/>
+          </a:prstGeom>
+          <a:noFill/>
+        </p:spPr>
+        <p:txBody>
+          <a:bodyPr wrap="none" rtlCol="0">
+            <a:spAutoFit/>
+          </a:bodyPr>
+          <a:lstStyle/>
+          <a:p>
+            <a:r>
+              <a:rPr lang="en-US" dirty="0"/>
+              <a:t>Using the PBMC3K Dataset from the previous slides.</a:t>
+            </a:r>
           </a:p>
         </p:txBody>
       </p:sp>
@@ -8370,7 +8405,7 @@
         </p:blipFill>
         <p:spPr>
           <a:xfrm>
-            <a:off x="1265643" y="1572768"/>
+            <a:off x="1606687" y="1636776"/>
             <a:ext cx="8746314" cy="4789361"/>
           </a:xfrm>
           <a:prstGeom prst="rect">
@@ -8393,7 +8428,7 @@
         <p:spPr>
           <a:xfrm>
             <a:off x="292608" y="777240"/>
-            <a:ext cx="4038991" cy="369332"/>
+            <a:ext cx="3921971" cy="369332"/>
           </a:xfrm>
           <a:prstGeom prst="rect">
             <a:avLst/>
@@ -8408,7 +8443,7 @@
           <a:p>
             <a:r>
               <a:rPr lang="en-US" dirty="0"/>
-              <a:t>Cell Trajectories where none likely exist.</a:t>
+              <a:t>Cell Trajectories where none likely exist:</a:t>
             </a:r>
           </a:p>
         </p:txBody>
@@ -14952,289 +14987,12 @@
           <a:chExt cx="0" cy="0"/>
         </a:xfrm>
       </p:grpSpPr>
-      <p:sp>
-        <p:nvSpPr>
-          <p:cNvPr id="303" name="Rectangle 302">
-            <a:extLst>
-              <a:ext uri="{FF2B5EF4-FFF2-40B4-BE49-F238E27FC236}">
-                <a16:creationId xmlns:a16="http://schemas.microsoft.com/office/drawing/2014/main" id="{206E2F76-D5E4-BFD9-D85B-98965D2F7122}"/>
-              </a:ext>
-            </a:extLst>
-          </p:cNvPr>
-          <p:cNvSpPr/>
-          <p:nvPr/>
-        </p:nvSpPr>
-        <p:spPr>
-          <a:xfrm>
-            <a:off x="3638549" y="6115344"/>
-            <a:ext cx="4242701" cy="647406"/>
-          </a:xfrm>
-          <a:prstGeom prst="rect">
-            <a:avLst/>
-          </a:prstGeom>
-          <a:noFill/>
-          <a:ln>
-            <a:solidFill>
-              <a:srgbClr val="FFC000"/>
-            </a:solidFill>
-          </a:ln>
-        </p:spPr>
-        <p:style>
-          <a:lnRef idx="2">
-            <a:schemeClr val="accent1">
-              <a:shade val="15000"/>
-            </a:schemeClr>
-          </a:lnRef>
-          <a:fillRef idx="1">
-            <a:schemeClr val="accent1"/>
-          </a:fillRef>
-          <a:effectRef idx="0">
-            <a:schemeClr val="accent1"/>
-          </a:effectRef>
-          <a:fontRef idx="minor">
-            <a:schemeClr val="lt1"/>
-          </a:fontRef>
-        </p:style>
-        <p:txBody>
-          <a:bodyPr rtlCol="0" anchor="ctr"/>
-          <a:lstStyle/>
-          <a:p>
-            <a:pPr algn="ctr"/>
-            <a:endParaRPr lang="en-US"/>
-          </a:p>
-        </p:txBody>
-      </p:sp>
-      <p:cxnSp>
-        <p:nvCxnSpPr>
-          <p:cNvPr id="77" name="Straight Connector 76">
-            <a:extLst>
-              <a:ext uri="{FF2B5EF4-FFF2-40B4-BE49-F238E27FC236}">
-                <a16:creationId xmlns:a16="http://schemas.microsoft.com/office/drawing/2014/main" id="{3A9B3B19-BA0B-E3BE-B99D-4D45468EAF57}"/>
-              </a:ext>
-            </a:extLst>
-          </p:cNvPr>
-          <p:cNvCxnSpPr>
-            <a:cxnSpLocks/>
-          </p:cNvCxnSpPr>
-          <p:nvPr/>
-        </p:nvCxnSpPr>
-        <p:spPr>
-          <a:xfrm>
-            <a:off x="3692924" y="1387481"/>
-            <a:ext cx="0" cy="5327644"/>
-          </a:xfrm>
-          <a:prstGeom prst="line">
-            <a:avLst/>
-          </a:prstGeom>
-          <a:ln>
-            <a:solidFill>
-              <a:schemeClr val="bg1">
-                <a:lumMod val="85000"/>
-              </a:schemeClr>
-            </a:solidFill>
-          </a:ln>
-        </p:spPr>
-        <p:style>
-          <a:lnRef idx="1">
-            <a:schemeClr val="accent1"/>
-          </a:lnRef>
-          <a:fillRef idx="0">
-            <a:schemeClr val="accent1"/>
-          </a:fillRef>
-          <a:effectRef idx="0">
-            <a:schemeClr val="accent1"/>
-          </a:effectRef>
-          <a:fontRef idx="minor">
-            <a:schemeClr val="tx1"/>
-          </a:fontRef>
-        </p:style>
-      </p:cxnSp>
-      <p:cxnSp>
-        <p:nvCxnSpPr>
-          <p:cNvPr id="72" name="Straight Connector 71">
-            <a:extLst>
-              <a:ext uri="{FF2B5EF4-FFF2-40B4-BE49-F238E27FC236}">
-                <a16:creationId xmlns:a16="http://schemas.microsoft.com/office/drawing/2014/main" id="{C3D000C3-A999-B2E2-2FA5-3F6DB494CC12}"/>
-              </a:ext>
-            </a:extLst>
-          </p:cNvPr>
-          <p:cNvCxnSpPr>
-            <a:cxnSpLocks/>
-          </p:cNvCxnSpPr>
-          <p:nvPr/>
-        </p:nvCxnSpPr>
-        <p:spPr>
-          <a:xfrm>
-            <a:off x="3585863" y="1171073"/>
-            <a:ext cx="0" cy="5544052"/>
-          </a:xfrm>
-          <a:prstGeom prst="line">
-            <a:avLst/>
-          </a:prstGeom>
-          <a:ln>
-            <a:solidFill>
-              <a:schemeClr val="bg1">
-                <a:lumMod val="85000"/>
-              </a:schemeClr>
-            </a:solidFill>
-          </a:ln>
-        </p:spPr>
-        <p:style>
-          <a:lnRef idx="1">
-            <a:schemeClr val="accent1"/>
-          </a:lnRef>
-          <a:fillRef idx="0">
-            <a:schemeClr val="accent1"/>
-          </a:fillRef>
-          <a:effectRef idx="0">
-            <a:schemeClr val="accent1"/>
-          </a:effectRef>
-          <a:fontRef idx="minor">
-            <a:schemeClr val="tx1"/>
-          </a:fontRef>
-        </p:style>
-      </p:cxnSp>
-      <p:cxnSp>
-        <p:nvCxnSpPr>
-          <p:cNvPr id="81" name="Straight Connector 80">
-            <a:extLst>
-              <a:ext uri="{FF2B5EF4-FFF2-40B4-BE49-F238E27FC236}">
-                <a16:creationId xmlns:a16="http://schemas.microsoft.com/office/drawing/2014/main" id="{7B38F0E2-12CF-3EA8-3158-0B063D852488}"/>
-              </a:ext>
-            </a:extLst>
-          </p:cNvPr>
-          <p:cNvCxnSpPr>
-            <a:cxnSpLocks/>
-          </p:cNvCxnSpPr>
-          <p:nvPr/>
-        </p:nvCxnSpPr>
-        <p:spPr>
-          <a:xfrm>
-            <a:off x="3780935" y="1530356"/>
-            <a:ext cx="0" cy="5184769"/>
-          </a:xfrm>
-          <a:prstGeom prst="line">
-            <a:avLst/>
-          </a:prstGeom>
-          <a:ln>
-            <a:solidFill>
-              <a:schemeClr val="bg1">
-                <a:lumMod val="85000"/>
-              </a:schemeClr>
-            </a:solidFill>
-          </a:ln>
-        </p:spPr>
-        <p:style>
-          <a:lnRef idx="1">
-            <a:schemeClr val="accent1"/>
-          </a:lnRef>
-          <a:fillRef idx="0">
-            <a:schemeClr val="accent1"/>
-          </a:fillRef>
-          <a:effectRef idx="0">
-            <a:schemeClr val="accent1"/>
-          </a:effectRef>
-          <a:fontRef idx="minor">
-            <a:schemeClr val="tx1"/>
-          </a:fontRef>
-        </p:style>
-      </p:cxnSp>
-      <p:cxnSp>
-        <p:nvCxnSpPr>
-          <p:cNvPr id="83" name="Straight Connector 82">
-            <a:extLst>
-              <a:ext uri="{FF2B5EF4-FFF2-40B4-BE49-F238E27FC236}">
-                <a16:creationId xmlns:a16="http://schemas.microsoft.com/office/drawing/2014/main" id="{C212D993-0101-D1E0-CA9E-86F7D20AFBFE}"/>
-              </a:ext>
-            </a:extLst>
-          </p:cNvPr>
-          <p:cNvCxnSpPr>
-            <a:cxnSpLocks/>
-          </p:cNvCxnSpPr>
-          <p:nvPr/>
-        </p:nvCxnSpPr>
-        <p:spPr>
-          <a:xfrm>
-            <a:off x="3851039" y="1737620"/>
-            <a:ext cx="0" cy="1114360"/>
-          </a:xfrm>
-          <a:prstGeom prst="line">
-            <a:avLst/>
-          </a:prstGeom>
-          <a:ln>
-            <a:solidFill>
-              <a:schemeClr val="bg1">
-                <a:lumMod val="85000"/>
-              </a:schemeClr>
-            </a:solidFill>
-          </a:ln>
-        </p:spPr>
-        <p:style>
-          <a:lnRef idx="1">
-            <a:schemeClr val="accent1"/>
-          </a:lnRef>
-          <a:fillRef idx="0">
-            <a:schemeClr val="accent1"/>
-          </a:fillRef>
-          <a:effectRef idx="0">
-            <a:schemeClr val="accent1"/>
-          </a:effectRef>
-          <a:fontRef idx="minor">
-            <a:schemeClr val="tx1"/>
-          </a:fontRef>
-        </p:style>
-      </p:cxnSp>
-      <p:cxnSp>
-        <p:nvCxnSpPr>
-          <p:cNvPr id="86" name="Straight Connector 85">
-            <a:extLst>
-              <a:ext uri="{FF2B5EF4-FFF2-40B4-BE49-F238E27FC236}">
-                <a16:creationId xmlns:a16="http://schemas.microsoft.com/office/drawing/2014/main" id="{3C203D66-430B-DCF0-B675-DC42EF584329}"/>
-              </a:ext>
-            </a:extLst>
-          </p:cNvPr>
-          <p:cNvCxnSpPr>
-            <a:cxnSpLocks/>
-          </p:cNvCxnSpPr>
-          <p:nvPr/>
-        </p:nvCxnSpPr>
-        <p:spPr>
-          <a:xfrm>
-            <a:off x="3841895" y="3419856"/>
-            <a:ext cx="0" cy="2643763"/>
-          </a:xfrm>
-          <a:prstGeom prst="line">
-            <a:avLst/>
-          </a:prstGeom>
-          <a:ln>
-            <a:solidFill>
-              <a:schemeClr val="bg1">
-                <a:lumMod val="85000"/>
-              </a:schemeClr>
-            </a:solidFill>
-          </a:ln>
-        </p:spPr>
-        <p:style>
-          <a:lnRef idx="1">
-            <a:schemeClr val="accent1"/>
-          </a:lnRef>
-          <a:fillRef idx="0">
-            <a:schemeClr val="accent1"/>
-          </a:fillRef>
-          <a:effectRef idx="0">
-            <a:schemeClr val="accent1"/>
-          </a:effectRef>
-          <a:fontRef idx="minor">
-            <a:schemeClr val="tx1"/>
-          </a:fontRef>
-        </p:style>
-      </p:cxnSp>
       <p:pic>
         <p:nvPicPr>
-          <p:cNvPr id="16" name="Picture 15">
-            <a:extLst>
-              <a:ext uri="{FF2B5EF4-FFF2-40B4-BE49-F238E27FC236}">
-                <a16:creationId xmlns:a16="http://schemas.microsoft.com/office/drawing/2014/main" id="{C381369F-04DB-4024-FEB6-7D188220ACBD}"/>
+          <p:cNvPr id="53" name="Picture 52">
+            <a:extLst>
+              <a:ext uri="{FF2B5EF4-FFF2-40B4-BE49-F238E27FC236}">
+                <a16:creationId xmlns:a16="http://schemas.microsoft.com/office/drawing/2014/main" id="{AD6BBF7D-4EE0-B3C3-D08F-4F91C2F06AE6}"/>
               </a:ext>
             </a:extLst>
           </p:cNvPr>
@@ -15244,7 +15002,97 @@
           <p:nvPr/>
         </p:nvPicPr>
         <p:blipFill>
-          <a:blip r:embed="rId3">
+          <a:blip r:embed="rId3"/>
+          <a:stretch>
+            <a:fillRect/>
+          </a:stretch>
+        </p:blipFill>
+        <p:spPr>
+          <a:xfrm>
+            <a:off x="3474994" y="5480621"/>
+            <a:ext cx="4248743" cy="1371791"/>
+          </a:xfrm>
+          <a:prstGeom prst="rect">
+            <a:avLst/>
+          </a:prstGeom>
+        </p:spPr>
+      </p:pic>
+      <p:pic>
+        <p:nvPicPr>
+          <p:cNvPr id="55" name="Picture 54">
+            <a:extLst>
+              <a:ext uri="{FF2B5EF4-FFF2-40B4-BE49-F238E27FC236}">
+                <a16:creationId xmlns:a16="http://schemas.microsoft.com/office/drawing/2014/main" id="{C690D8B8-0A69-8E6C-3E01-5687F19B553E}"/>
+              </a:ext>
+            </a:extLst>
+          </p:cNvPr>
+          <p:cNvPicPr>
+            <a:picLocks noChangeAspect="1"/>
+          </p:cNvPicPr>
+          <p:nvPr/>
+        </p:nvPicPr>
+        <p:blipFill>
+          <a:blip r:embed="rId4"/>
+          <a:stretch>
+            <a:fillRect/>
+          </a:stretch>
+        </p:blipFill>
+        <p:spPr>
+          <a:xfrm>
+            <a:off x="3567358" y="2197636"/>
+            <a:ext cx="4191585" cy="1371791"/>
+          </a:xfrm>
+          <a:prstGeom prst="rect">
+            <a:avLst/>
+          </a:prstGeom>
+        </p:spPr>
+      </p:pic>
+      <p:pic>
+        <p:nvPicPr>
+          <p:cNvPr id="57" name="Picture 56">
+            <a:extLst>
+              <a:ext uri="{FF2B5EF4-FFF2-40B4-BE49-F238E27FC236}">
+                <a16:creationId xmlns:a16="http://schemas.microsoft.com/office/drawing/2014/main" id="{A7D61DAA-7919-BF31-BE2C-7DEC78E17076}"/>
+              </a:ext>
+            </a:extLst>
+          </p:cNvPr>
+          <p:cNvPicPr>
+            <a:picLocks noChangeAspect="1"/>
+          </p:cNvPicPr>
+          <p:nvPr/>
+        </p:nvPicPr>
+        <p:blipFill>
+          <a:blip r:embed="rId5"/>
+          <a:stretch>
+            <a:fillRect/>
+          </a:stretch>
+        </p:blipFill>
+        <p:spPr>
+          <a:xfrm>
+            <a:off x="3567358" y="3552025"/>
+            <a:ext cx="4239217" cy="1352739"/>
+          </a:xfrm>
+          <a:prstGeom prst="rect">
+            <a:avLst/>
+          </a:prstGeom>
+        </p:spPr>
+      </p:pic>
+      <p:pic>
+        <p:nvPicPr>
+          <p:cNvPr id="15" name="Picture 14">
+            <a:extLst>
+              <a:ext uri="{FF2B5EF4-FFF2-40B4-BE49-F238E27FC236}">
+                <a16:creationId xmlns:a16="http://schemas.microsoft.com/office/drawing/2014/main" id="{EFDF543A-6BAC-1716-2D10-F170BE5F305A}"/>
+              </a:ext>
+            </a:extLst>
+          </p:cNvPr>
+          <p:cNvPicPr>
+            <a:picLocks noChangeAspect="1"/>
+          </p:cNvPicPr>
+          <p:nvPr/>
+        </p:nvPicPr>
+        <p:blipFill>
+          <a:blip r:embed="rId6">
             <a:clrChange>
               <a:clrFrom>
                 <a:srgbClr val="FFFFFF"/>
@@ -15262,1535 +15110,14 @@
         </p:blipFill>
         <p:spPr>
           <a:xfrm>
-            <a:off x="3439693" y="6067586"/>
-            <a:ext cx="4458322" cy="714475"/>
+            <a:off x="3451661" y="875420"/>
+            <a:ext cx="4486901" cy="1390844"/>
           </a:xfrm>
           <a:prstGeom prst="rect">
             <a:avLst/>
           </a:prstGeom>
         </p:spPr>
       </p:pic>
-      <p:pic>
-        <p:nvPicPr>
-          <p:cNvPr id="64" name="Picture 63">
-            <a:extLst>
-              <a:ext uri="{FF2B5EF4-FFF2-40B4-BE49-F238E27FC236}">
-                <a16:creationId xmlns:a16="http://schemas.microsoft.com/office/drawing/2014/main" id="{D9464D4F-BCEF-C18E-556C-69BCBA0ECADF}"/>
-              </a:ext>
-            </a:extLst>
-          </p:cNvPr>
-          <p:cNvPicPr>
-            <a:picLocks noChangeAspect="1"/>
-          </p:cNvPicPr>
-          <p:nvPr/>
-        </p:nvPicPr>
-        <p:blipFill rotWithShape="1">
-          <a:blip r:embed="rId4">
-            <a:clrChange>
-              <a:clrFrom>
-                <a:srgbClr val="FFFFFF"/>
-              </a:clrFrom>
-              <a:clrTo>
-                <a:srgbClr val="FFFFFF">
-                  <a:alpha val="0"/>
-                </a:srgbClr>
-              </a:clrTo>
-            </a:clrChange>
-          </a:blip>
-          <a:srcRect b="81293"/>
-          <a:stretch/>
-        </p:blipFill>
-        <p:spPr>
-          <a:xfrm>
-            <a:off x="3490477" y="1023792"/>
-            <a:ext cx="4391917" cy="1083841"/>
-          </a:xfrm>
-          <a:prstGeom prst="rect">
-            <a:avLst/>
-          </a:prstGeom>
-        </p:spPr>
-      </p:pic>
-      <p:pic>
-        <p:nvPicPr>
-          <p:cNvPr id="5" name="Picture 4">
-            <a:extLst>
-              <a:ext uri="{FF2B5EF4-FFF2-40B4-BE49-F238E27FC236}">
-                <a16:creationId xmlns:a16="http://schemas.microsoft.com/office/drawing/2014/main" id="{666A3B99-298C-F133-8000-6C806C7062A8}"/>
-              </a:ext>
-            </a:extLst>
-          </p:cNvPr>
-          <p:cNvPicPr>
-            <a:picLocks noChangeAspect="1"/>
-          </p:cNvPicPr>
-          <p:nvPr/>
-        </p:nvPicPr>
-        <p:blipFill rotWithShape="1">
-          <a:blip r:embed="rId5">
-            <a:clrChange>
-              <a:clrFrom>
-                <a:srgbClr val="FFFFFF"/>
-              </a:clrFrom>
-              <a:clrTo>
-                <a:srgbClr val="FFFFFF">
-                  <a:alpha val="0"/>
-                </a:srgbClr>
-              </a:clrTo>
-            </a:clrChange>
-          </a:blip>
-          <a:srcRect r="37560"/>
-          <a:stretch/>
-        </p:blipFill>
-        <p:spPr>
-          <a:xfrm>
-            <a:off x="3415787" y="3337950"/>
-            <a:ext cx="4413596" cy="2810267"/>
-          </a:xfrm>
-          <a:prstGeom prst="rect">
-            <a:avLst/>
-          </a:prstGeom>
-        </p:spPr>
-      </p:pic>
-      <p:pic>
-        <p:nvPicPr>
-          <p:cNvPr id="7" name="Picture 6">
-            <a:extLst>
-              <a:ext uri="{FF2B5EF4-FFF2-40B4-BE49-F238E27FC236}">
-                <a16:creationId xmlns:a16="http://schemas.microsoft.com/office/drawing/2014/main" id="{4CE7F6BC-5AD8-DE36-DA4B-FA240D87AEA9}"/>
-              </a:ext>
-            </a:extLst>
-          </p:cNvPr>
-          <p:cNvPicPr>
-            <a:picLocks noChangeAspect="1"/>
-          </p:cNvPicPr>
-          <p:nvPr/>
-        </p:nvPicPr>
-        <p:blipFill rotWithShape="1">
-          <a:blip r:embed="rId4">
-            <a:clrChange>
-              <a:clrFrom>
-                <a:srgbClr val="FFFFFF"/>
-              </a:clrFrom>
-              <a:clrTo>
-                <a:srgbClr val="FFFFFF">
-                  <a:alpha val="0"/>
-                </a:srgbClr>
-              </a:clrTo>
-            </a:clrChange>
-          </a:blip>
-          <a:srcRect b="55299"/>
-          <a:stretch/>
-        </p:blipFill>
-        <p:spPr>
-          <a:xfrm>
-            <a:off x="3490477" y="1023792"/>
-            <a:ext cx="4391917" cy="2589875"/>
-          </a:xfrm>
-          <a:prstGeom prst="rect">
-            <a:avLst/>
-          </a:prstGeom>
-        </p:spPr>
-      </p:pic>
-      <p:sp>
-        <p:nvSpPr>
-          <p:cNvPr id="2" name="Title 1">
-            <a:extLst>
-              <a:ext uri="{FF2B5EF4-FFF2-40B4-BE49-F238E27FC236}">
-                <a16:creationId xmlns:a16="http://schemas.microsoft.com/office/drawing/2014/main" id="{6600BA37-570E-3B90-4228-65762B9E6CAD}"/>
-              </a:ext>
-            </a:extLst>
-          </p:cNvPr>
-          <p:cNvSpPr>
-            <a:spLocks noGrp="1"/>
-          </p:cNvSpPr>
-          <p:nvPr>
-            <p:ph type="title"/>
-          </p:nvPr>
-        </p:nvSpPr>
-        <p:spPr/>
-        <p:txBody>
-          <a:bodyPr/>
-          <a:lstStyle/>
-          <a:p>
-            <a:r>
-              <a:rPr lang="en-US" dirty="0"/>
-              <a:t>Monocle4 S4 Object</a:t>
-            </a:r>
-          </a:p>
-        </p:txBody>
-      </p:sp>
-      <p:sp>
-        <p:nvSpPr>
-          <p:cNvPr id="70" name="TextBox 69">
-            <a:extLst>
-              <a:ext uri="{FF2B5EF4-FFF2-40B4-BE49-F238E27FC236}">
-                <a16:creationId xmlns:a16="http://schemas.microsoft.com/office/drawing/2014/main" id="{9F4A49BF-EC22-A057-3CC1-05E92B7FC981}"/>
-              </a:ext>
-            </a:extLst>
-          </p:cNvPr>
-          <p:cNvSpPr txBox="1"/>
-          <p:nvPr/>
-        </p:nvSpPr>
-        <p:spPr>
-          <a:xfrm>
-            <a:off x="30623" y="620591"/>
-            <a:ext cx="7850634" cy="276999"/>
-          </a:xfrm>
-          <a:prstGeom prst="rect">
-            <a:avLst/>
-          </a:prstGeom>
-          <a:noFill/>
-        </p:spPr>
-        <p:txBody>
-          <a:bodyPr wrap="square">
-            <a:spAutoFit/>
-          </a:bodyPr>
-          <a:lstStyle/>
-          <a:p>
-            <a:r>
-              <a:rPr lang="en-US" sz="1200" b="1" dirty="0" err="1"/>
-              <a:t>cell_data_set</a:t>
-            </a:r>
-            <a:r>
-              <a:rPr lang="en-US" sz="1200" b="1" dirty="0"/>
-              <a:t> (</a:t>
-            </a:r>
-            <a:r>
-              <a:rPr lang="en-US" sz="1200" b="1" dirty="0" err="1"/>
-              <a:t>cds</a:t>
-            </a:r>
-            <a:r>
-              <a:rPr lang="en-US" sz="1200" b="1" dirty="0"/>
-              <a:t>): </a:t>
-            </a:r>
-            <a:r>
-              <a:rPr lang="en-US" sz="1200" dirty="0"/>
-              <a:t>extends the Bioconductor </a:t>
-            </a:r>
-            <a:r>
-              <a:rPr lang="en-US" sz="1200" dirty="0" err="1"/>
-              <a:t>SingleCellExperiment</a:t>
-            </a:r>
-            <a:r>
-              <a:rPr lang="en-US" sz="1200" dirty="0"/>
-              <a:t> class, includes matrix data and experiment metadata.</a:t>
-            </a:r>
-          </a:p>
-        </p:txBody>
-      </p:sp>
-      <p:sp>
-        <p:nvSpPr>
-          <p:cNvPr id="78" name="TextBox 77">
-            <a:extLst>
-              <a:ext uri="{FF2B5EF4-FFF2-40B4-BE49-F238E27FC236}">
-                <a16:creationId xmlns:a16="http://schemas.microsoft.com/office/drawing/2014/main" id="{FBC935C6-A581-5888-3877-E328C50FF7E7}"/>
-              </a:ext>
-            </a:extLst>
-          </p:cNvPr>
-          <p:cNvSpPr txBox="1"/>
-          <p:nvPr/>
-        </p:nvSpPr>
-        <p:spPr>
-          <a:xfrm>
-            <a:off x="2235200" y="-14325600"/>
-            <a:ext cx="861133" cy="369332"/>
-          </a:xfrm>
-          <a:prstGeom prst="rect">
-            <a:avLst/>
-          </a:prstGeom>
-          <a:noFill/>
-        </p:spPr>
-        <p:txBody>
-          <a:bodyPr wrap="none" rtlCol="0">
-            <a:spAutoFit/>
-          </a:bodyPr>
-          <a:lstStyle/>
-          <a:p>
-            <a:r>
-              <a:rPr lang="en-US" dirty="0"/>
-              <a:t>Anchor</a:t>
-            </a:r>
-          </a:p>
-        </p:txBody>
-      </p:sp>
-      <p:sp>
-        <p:nvSpPr>
-          <p:cNvPr id="79" name="TextBox 78">
-            <a:extLst>
-              <a:ext uri="{FF2B5EF4-FFF2-40B4-BE49-F238E27FC236}">
-                <a16:creationId xmlns:a16="http://schemas.microsoft.com/office/drawing/2014/main" id="{7C76BAE0-6DB6-CB43-ED6D-4F9D7E979A71}"/>
-              </a:ext>
-            </a:extLst>
-          </p:cNvPr>
-          <p:cNvSpPr txBox="1"/>
-          <p:nvPr/>
-        </p:nvSpPr>
-        <p:spPr>
-          <a:xfrm>
-            <a:off x="2665766" y="13827023"/>
-            <a:ext cx="861133" cy="369332"/>
-          </a:xfrm>
-          <a:prstGeom prst="rect">
-            <a:avLst/>
-          </a:prstGeom>
-          <a:noFill/>
-        </p:spPr>
-        <p:txBody>
-          <a:bodyPr wrap="none" rtlCol="0">
-            <a:spAutoFit/>
-          </a:bodyPr>
-          <a:lstStyle/>
-          <a:p>
-            <a:r>
-              <a:rPr lang="en-US" dirty="0"/>
-              <a:t>Anchor</a:t>
-            </a:r>
-          </a:p>
-        </p:txBody>
-      </p:sp>
-      <p:sp>
-        <p:nvSpPr>
-          <p:cNvPr id="108" name="Rectangle 107">
-            <a:extLst>
-              <a:ext uri="{FF2B5EF4-FFF2-40B4-BE49-F238E27FC236}">
-                <a16:creationId xmlns:a16="http://schemas.microsoft.com/office/drawing/2014/main" id="{F169838C-E984-CA84-E2AB-0338C74E8955}"/>
-              </a:ext>
-            </a:extLst>
-          </p:cNvPr>
-          <p:cNvSpPr/>
-          <p:nvPr/>
-        </p:nvSpPr>
-        <p:spPr>
-          <a:xfrm>
-            <a:off x="19341" y="1072518"/>
-            <a:ext cx="250121" cy="263962"/>
-          </a:xfrm>
-          <a:prstGeom prst="rect">
-            <a:avLst/>
-          </a:prstGeom>
-          <a:solidFill>
-            <a:schemeClr val="accent6">
-              <a:lumMod val="20000"/>
-              <a:lumOff val="80000"/>
-            </a:schemeClr>
-          </a:solidFill>
-          <a:ln>
-            <a:solidFill>
-              <a:schemeClr val="tx1"/>
-            </a:solidFill>
-          </a:ln>
-        </p:spPr>
-        <p:style>
-          <a:lnRef idx="2">
-            <a:schemeClr val="accent1">
-              <a:shade val="15000"/>
-            </a:schemeClr>
-          </a:lnRef>
-          <a:fillRef idx="1">
-            <a:schemeClr val="accent1"/>
-          </a:fillRef>
-          <a:effectRef idx="0">
-            <a:schemeClr val="accent1"/>
-          </a:effectRef>
-          <a:fontRef idx="minor">
-            <a:schemeClr val="lt1"/>
-          </a:fontRef>
-        </p:style>
-        <p:txBody>
-          <a:bodyPr rtlCol="0" anchor="ctr"/>
-          <a:lstStyle/>
-          <a:p>
-            <a:pPr algn="ctr"/>
-            <a:endParaRPr lang="en-US"/>
-          </a:p>
-        </p:txBody>
-      </p:sp>
-      <p:sp>
-        <p:nvSpPr>
-          <p:cNvPr id="111" name="Rectangle 110">
-            <a:extLst>
-              <a:ext uri="{FF2B5EF4-FFF2-40B4-BE49-F238E27FC236}">
-                <a16:creationId xmlns:a16="http://schemas.microsoft.com/office/drawing/2014/main" id="{18963961-3147-51AA-E34F-EF5CF5CED7F7}"/>
-              </a:ext>
-            </a:extLst>
-          </p:cNvPr>
-          <p:cNvSpPr/>
-          <p:nvPr/>
-        </p:nvSpPr>
-        <p:spPr>
-          <a:xfrm>
-            <a:off x="19341" y="1743077"/>
-            <a:ext cx="250121" cy="263962"/>
-          </a:xfrm>
-          <a:prstGeom prst="rect">
-            <a:avLst/>
-          </a:prstGeom>
-          <a:solidFill>
-            <a:schemeClr val="accent6">
-              <a:lumMod val="20000"/>
-              <a:lumOff val="80000"/>
-            </a:schemeClr>
-          </a:solidFill>
-          <a:ln>
-            <a:solidFill>
-              <a:schemeClr val="tx1"/>
-            </a:solidFill>
-          </a:ln>
-        </p:spPr>
-        <p:style>
-          <a:lnRef idx="2">
-            <a:schemeClr val="accent1">
-              <a:shade val="15000"/>
-            </a:schemeClr>
-          </a:lnRef>
-          <a:fillRef idx="1">
-            <a:schemeClr val="accent1"/>
-          </a:fillRef>
-          <a:effectRef idx="0">
-            <a:schemeClr val="accent1"/>
-          </a:effectRef>
-          <a:fontRef idx="minor">
-            <a:schemeClr val="lt1"/>
-          </a:fontRef>
-        </p:style>
-        <p:txBody>
-          <a:bodyPr rtlCol="0" anchor="ctr"/>
-          <a:lstStyle/>
-          <a:p>
-            <a:pPr algn="ctr"/>
-            <a:endParaRPr lang="en-US"/>
-          </a:p>
-        </p:txBody>
-      </p:sp>
-      <p:sp>
-        <p:nvSpPr>
-          <p:cNvPr id="114" name="Rectangle 113">
-            <a:extLst>
-              <a:ext uri="{FF2B5EF4-FFF2-40B4-BE49-F238E27FC236}">
-                <a16:creationId xmlns:a16="http://schemas.microsoft.com/office/drawing/2014/main" id="{94FE4667-5D43-1D6F-E74F-1074B860EDB4}"/>
-              </a:ext>
-            </a:extLst>
-          </p:cNvPr>
-          <p:cNvSpPr/>
-          <p:nvPr/>
-        </p:nvSpPr>
-        <p:spPr>
-          <a:xfrm>
-            <a:off x="19341" y="2715785"/>
-            <a:ext cx="250121" cy="263962"/>
-          </a:xfrm>
-          <a:prstGeom prst="rect">
-            <a:avLst/>
-          </a:prstGeom>
-          <a:solidFill>
-            <a:schemeClr val="accent6">
-              <a:lumMod val="20000"/>
-              <a:lumOff val="80000"/>
-            </a:schemeClr>
-          </a:solidFill>
-          <a:ln>
-            <a:solidFill>
-              <a:schemeClr val="tx1"/>
-            </a:solidFill>
-          </a:ln>
-        </p:spPr>
-        <p:style>
-          <a:lnRef idx="2">
-            <a:schemeClr val="accent1">
-              <a:shade val="15000"/>
-            </a:schemeClr>
-          </a:lnRef>
-          <a:fillRef idx="1">
-            <a:schemeClr val="accent1"/>
-          </a:fillRef>
-          <a:effectRef idx="0">
-            <a:schemeClr val="accent1"/>
-          </a:effectRef>
-          <a:fontRef idx="minor">
-            <a:schemeClr val="lt1"/>
-          </a:fontRef>
-        </p:style>
-        <p:txBody>
-          <a:bodyPr rtlCol="0" anchor="ctr"/>
-          <a:lstStyle/>
-          <a:p>
-            <a:pPr algn="ctr"/>
-            <a:endParaRPr lang="en-US"/>
-          </a:p>
-        </p:txBody>
-      </p:sp>
-      <p:sp>
-        <p:nvSpPr>
-          <p:cNvPr id="117" name="Rectangle 116">
-            <a:extLst>
-              <a:ext uri="{FF2B5EF4-FFF2-40B4-BE49-F238E27FC236}">
-                <a16:creationId xmlns:a16="http://schemas.microsoft.com/office/drawing/2014/main" id="{802DF5FC-69A7-2A38-050D-91EB1BF52AB6}"/>
-              </a:ext>
-            </a:extLst>
-          </p:cNvPr>
-          <p:cNvSpPr/>
-          <p:nvPr/>
-        </p:nvSpPr>
-        <p:spPr>
-          <a:xfrm>
-            <a:off x="19341" y="3985407"/>
-            <a:ext cx="250121" cy="263962"/>
-          </a:xfrm>
-          <a:prstGeom prst="rect">
-            <a:avLst/>
-          </a:prstGeom>
-          <a:solidFill>
-            <a:schemeClr val="accent6">
-              <a:lumMod val="20000"/>
-              <a:lumOff val="80000"/>
-            </a:schemeClr>
-          </a:solidFill>
-          <a:ln>
-            <a:solidFill>
-              <a:schemeClr val="tx1"/>
-            </a:solidFill>
-          </a:ln>
-        </p:spPr>
-        <p:style>
-          <a:lnRef idx="2">
-            <a:schemeClr val="accent1">
-              <a:shade val="15000"/>
-            </a:schemeClr>
-          </a:lnRef>
-          <a:fillRef idx="1">
-            <a:schemeClr val="accent1"/>
-          </a:fillRef>
-          <a:effectRef idx="0">
-            <a:schemeClr val="accent1"/>
-          </a:effectRef>
-          <a:fontRef idx="minor">
-            <a:schemeClr val="lt1"/>
-          </a:fontRef>
-        </p:style>
-        <p:txBody>
-          <a:bodyPr rtlCol="0" anchor="ctr"/>
-          <a:lstStyle/>
-          <a:p>
-            <a:pPr algn="ctr"/>
-            <a:endParaRPr lang="en-US"/>
-          </a:p>
-        </p:txBody>
-      </p:sp>
-      <p:sp>
-        <p:nvSpPr>
-          <p:cNvPr id="120" name="Rectangle 119">
-            <a:extLst>
-              <a:ext uri="{FF2B5EF4-FFF2-40B4-BE49-F238E27FC236}">
-                <a16:creationId xmlns:a16="http://schemas.microsoft.com/office/drawing/2014/main" id="{D6FA6DD4-24A5-570E-6E82-BB20461BDEFB}"/>
-              </a:ext>
-            </a:extLst>
-          </p:cNvPr>
-          <p:cNvSpPr/>
-          <p:nvPr/>
-        </p:nvSpPr>
-        <p:spPr>
-          <a:xfrm>
-            <a:off x="19341" y="5083684"/>
-            <a:ext cx="250121" cy="263962"/>
-          </a:xfrm>
-          <a:prstGeom prst="rect">
-            <a:avLst/>
-          </a:prstGeom>
-          <a:solidFill>
-            <a:schemeClr val="accent6">
-              <a:lumMod val="20000"/>
-              <a:lumOff val="80000"/>
-            </a:schemeClr>
-          </a:solidFill>
-          <a:ln>
-            <a:solidFill>
-              <a:schemeClr val="tx1"/>
-            </a:solidFill>
-          </a:ln>
-        </p:spPr>
-        <p:style>
-          <a:lnRef idx="2">
-            <a:schemeClr val="accent1">
-              <a:shade val="15000"/>
-            </a:schemeClr>
-          </a:lnRef>
-          <a:fillRef idx="1">
-            <a:schemeClr val="accent1"/>
-          </a:fillRef>
-          <a:effectRef idx="0">
-            <a:schemeClr val="accent1"/>
-          </a:effectRef>
-          <a:fontRef idx="minor">
-            <a:schemeClr val="lt1"/>
-          </a:fontRef>
-        </p:style>
-        <p:txBody>
-          <a:bodyPr rtlCol="0" anchor="ctr"/>
-          <a:lstStyle/>
-          <a:p>
-            <a:pPr algn="ctr"/>
-            <a:endParaRPr lang="en-US"/>
-          </a:p>
-        </p:txBody>
-      </p:sp>
-      <p:sp>
-        <p:nvSpPr>
-          <p:cNvPr id="123" name="Rectangle 122">
-            <a:extLst>
-              <a:ext uri="{FF2B5EF4-FFF2-40B4-BE49-F238E27FC236}">
-                <a16:creationId xmlns:a16="http://schemas.microsoft.com/office/drawing/2014/main" id="{71D862FF-5C34-DABC-78E3-FCDADB3C2173}"/>
-              </a:ext>
-            </a:extLst>
-          </p:cNvPr>
-          <p:cNvSpPr/>
-          <p:nvPr/>
-        </p:nvSpPr>
-        <p:spPr>
-          <a:xfrm>
-            <a:off x="19341" y="5931880"/>
-            <a:ext cx="250121" cy="263962"/>
-          </a:xfrm>
-          <a:prstGeom prst="rect">
-            <a:avLst/>
-          </a:prstGeom>
-          <a:solidFill>
-            <a:schemeClr val="accent6">
-              <a:lumMod val="20000"/>
-              <a:lumOff val="80000"/>
-            </a:schemeClr>
-          </a:solidFill>
-          <a:ln>
-            <a:solidFill>
-              <a:schemeClr val="tx1"/>
-            </a:solidFill>
-          </a:ln>
-        </p:spPr>
-        <p:style>
-          <a:lnRef idx="2">
-            <a:schemeClr val="accent1">
-              <a:shade val="15000"/>
-            </a:schemeClr>
-          </a:lnRef>
-          <a:fillRef idx="1">
-            <a:schemeClr val="accent1"/>
-          </a:fillRef>
-          <a:effectRef idx="0">
-            <a:schemeClr val="accent1"/>
-          </a:effectRef>
-          <a:fontRef idx="minor">
-            <a:schemeClr val="lt1"/>
-          </a:fontRef>
-        </p:style>
-        <p:txBody>
-          <a:bodyPr rtlCol="0" anchor="ctr"/>
-          <a:lstStyle/>
-          <a:p>
-            <a:pPr algn="ctr"/>
-            <a:endParaRPr lang="en-US"/>
-          </a:p>
-        </p:txBody>
-      </p:sp>
-      <p:sp>
-        <p:nvSpPr>
-          <p:cNvPr id="109" name="TextBox 108">
-            <a:extLst>
-              <a:ext uri="{FF2B5EF4-FFF2-40B4-BE49-F238E27FC236}">
-                <a16:creationId xmlns:a16="http://schemas.microsoft.com/office/drawing/2014/main" id="{C8C08D7F-9E39-FD12-BA16-59B18DCBCBBC}"/>
-              </a:ext>
-            </a:extLst>
-          </p:cNvPr>
-          <p:cNvSpPr txBox="1"/>
-          <p:nvPr/>
-        </p:nvSpPr>
-        <p:spPr>
-          <a:xfrm>
-            <a:off x="-6442" y="1019591"/>
-            <a:ext cx="301686" cy="369332"/>
-          </a:xfrm>
-          <a:prstGeom prst="rect">
-            <a:avLst/>
-          </a:prstGeom>
-          <a:noFill/>
-          <a:ln>
-            <a:noFill/>
-          </a:ln>
-        </p:spPr>
-        <p:txBody>
-          <a:bodyPr wrap="none" rtlCol="0">
-            <a:spAutoFit/>
-          </a:bodyPr>
-          <a:lstStyle/>
-          <a:p>
-            <a:r>
-              <a:rPr lang="en-US" b="1" dirty="0"/>
-              <a:t>1</a:t>
-            </a:r>
-          </a:p>
-        </p:txBody>
-      </p:sp>
-      <p:sp>
-        <p:nvSpPr>
-          <p:cNvPr id="112" name="TextBox 111">
-            <a:extLst>
-              <a:ext uri="{FF2B5EF4-FFF2-40B4-BE49-F238E27FC236}">
-                <a16:creationId xmlns:a16="http://schemas.microsoft.com/office/drawing/2014/main" id="{5A7CB389-B935-AF70-6337-6663A13ECFFD}"/>
-              </a:ext>
-            </a:extLst>
-          </p:cNvPr>
-          <p:cNvSpPr txBox="1"/>
-          <p:nvPr/>
-        </p:nvSpPr>
-        <p:spPr>
-          <a:xfrm>
-            <a:off x="-6442" y="1690150"/>
-            <a:ext cx="301686" cy="369332"/>
-          </a:xfrm>
-          <a:prstGeom prst="rect">
-            <a:avLst/>
-          </a:prstGeom>
-          <a:noFill/>
-          <a:ln>
-            <a:noFill/>
-          </a:ln>
-        </p:spPr>
-        <p:txBody>
-          <a:bodyPr wrap="none" rtlCol="0">
-            <a:spAutoFit/>
-          </a:bodyPr>
-          <a:lstStyle/>
-          <a:p>
-            <a:r>
-              <a:rPr lang="en-US" b="1" dirty="0"/>
-              <a:t>2</a:t>
-            </a:r>
-          </a:p>
-        </p:txBody>
-      </p:sp>
-      <p:sp>
-        <p:nvSpPr>
-          <p:cNvPr id="115" name="TextBox 114">
-            <a:extLst>
-              <a:ext uri="{FF2B5EF4-FFF2-40B4-BE49-F238E27FC236}">
-                <a16:creationId xmlns:a16="http://schemas.microsoft.com/office/drawing/2014/main" id="{6722E463-EA31-386D-9EC7-633367F3B088}"/>
-              </a:ext>
-            </a:extLst>
-          </p:cNvPr>
-          <p:cNvSpPr txBox="1"/>
-          <p:nvPr/>
-        </p:nvSpPr>
-        <p:spPr>
-          <a:xfrm>
-            <a:off x="-6442" y="2662858"/>
-            <a:ext cx="301686" cy="369332"/>
-          </a:xfrm>
-          <a:prstGeom prst="rect">
-            <a:avLst/>
-          </a:prstGeom>
-          <a:noFill/>
-          <a:ln>
-            <a:noFill/>
-          </a:ln>
-        </p:spPr>
-        <p:txBody>
-          <a:bodyPr wrap="none" rtlCol="0">
-            <a:spAutoFit/>
-          </a:bodyPr>
-          <a:lstStyle/>
-          <a:p>
-            <a:r>
-              <a:rPr lang="en-US" b="1" dirty="0"/>
-              <a:t>3</a:t>
-            </a:r>
-          </a:p>
-        </p:txBody>
-      </p:sp>
-      <p:sp>
-        <p:nvSpPr>
-          <p:cNvPr id="118" name="TextBox 117">
-            <a:extLst>
-              <a:ext uri="{FF2B5EF4-FFF2-40B4-BE49-F238E27FC236}">
-                <a16:creationId xmlns:a16="http://schemas.microsoft.com/office/drawing/2014/main" id="{DA1BA7BA-644E-E59A-9697-12FC2A482A70}"/>
-              </a:ext>
-            </a:extLst>
-          </p:cNvPr>
-          <p:cNvSpPr txBox="1"/>
-          <p:nvPr/>
-        </p:nvSpPr>
-        <p:spPr>
-          <a:xfrm>
-            <a:off x="-6442" y="3932480"/>
-            <a:ext cx="301686" cy="369332"/>
-          </a:xfrm>
-          <a:prstGeom prst="rect">
-            <a:avLst/>
-          </a:prstGeom>
-          <a:noFill/>
-          <a:ln>
-            <a:noFill/>
-          </a:ln>
-        </p:spPr>
-        <p:txBody>
-          <a:bodyPr wrap="none" rtlCol="0">
-            <a:spAutoFit/>
-          </a:bodyPr>
-          <a:lstStyle/>
-          <a:p>
-            <a:r>
-              <a:rPr lang="en-US" b="1" dirty="0"/>
-              <a:t>4</a:t>
-            </a:r>
-          </a:p>
-        </p:txBody>
-      </p:sp>
-      <p:sp>
-        <p:nvSpPr>
-          <p:cNvPr id="121" name="TextBox 120">
-            <a:extLst>
-              <a:ext uri="{FF2B5EF4-FFF2-40B4-BE49-F238E27FC236}">
-                <a16:creationId xmlns:a16="http://schemas.microsoft.com/office/drawing/2014/main" id="{89984BFD-5037-3E8B-E69F-088F422254C7}"/>
-              </a:ext>
-            </a:extLst>
-          </p:cNvPr>
-          <p:cNvSpPr txBox="1"/>
-          <p:nvPr/>
-        </p:nvSpPr>
-        <p:spPr>
-          <a:xfrm>
-            <a:off x="-6442" y="5030757"/>
-            <a:ext cx="301686" cy="369332"/>
-          </a:xfrm>
-          <a:prstGeom prst="rect">
-            <a:avLst/>
-          </a:prstGeom>
-          <a:noFill/>
-          <a:ln>
-            <a:noFill/>
-          </a:ln>
-        </p:spPr>
-        <p:txBody>
-          <a:bodyPr wrap="none" rtlCol="0">
-            <a:spAutoFit/>
-          </a:bodyPr>
-          <a:lstStyle/>
-          <a:p>
-            <a:r>
-              <a:rPr lang="en-US" b="1" dirty="0"/>
-              <a:t>5</a:t>
-            </a:r>
-          </a:p>
-        </p:txBody>
-      </p:sp>
-      <p:sp>
-        <p:nvSpPr>
-          <p:cNvPr id="124" name="TextBox 123">
-            <a:extLst>
-              <a:ext uri="{FF2B5EF4-FFF2-40B4-BE49-F238E27FC236}">
-                <a16:creationId xmlns:a16="http://schemas.microsoft.com/office/drawing/2014/main" id="{2D729A3F-E07C-480B-7497-64B79B4E04F2}"/>
-              </a:ext>
-            </a:extLst>
-          </p:cNvPr>
-          <p:cNvSpPr txBox="1"/>
-          <p:nvPr/>
-        </p:nvSpPr>
-        <p:spPr>
-          <a:xfrm>
-            <a:off x="-6442" y="5878953"/>
-            <a:ext cx="301686" cy="369332"/>
-          </a:xfrm>
-          <a:prstGeom prst="rect">
-            <a:avLst/>
-          </a:prstGeom>
-          <a:noFill/>
-          <a:ln>
-            <a:noFill/>
-          </a:ln>
-        </p:spPr>
-        <p:txBody>
-          <a:bodyPr wrap="none" rtlCol="0">
-            <a:spAutoFit/>
-          </a:bodyPr>
-          <a:lstStyle/>
-          <a:p>
-            <a:r>
-              <a:rPr lang="en-US" b="1" dirty="0"/>
-              <a:t>6</a:t>
-            </a:r>
-          </a:p>
-        </p:txBody>
-      </p:sp>
-      <p:sp>
-        <p:nvSpPr>
-          <p:cNvPr id="194" name="Rectangle 193">
-            <a:extLst>
-              <a:ext uri="{FF2B5EF4-FFF2-40B4-BE49-F238E27FC236}">
-                <a16:creationId xmlns:a16="http://schemas.microsoft.com/office/drawing/2014/main" id="{63848BB3-1B21-B532-2503-384605509331}"/>
-              </a:ext>
-            </a:extLst>
-          </p:cNvPr>
-          <p:cNvSpPr/>
-          <p:nvPr/>
-        </p:nvSpPr>
-        <p:spPr>
-          <a:xfrm>
-            <a:off x="1655806" y="1217934"/>
-            <a:ext cx="250121" cy="263962"/>
-          </a:xfrm>
-          <a:prstGeom prst="rect">
-            <a:avLst/>
-          </a:prstGeom>
-          <a:solidFill>
-            <a:schemeClr val="accent6">
-              <a:lumMod val="20000"/>
-              <a:lumOff val="80000"/>
-            </a:schemeClr>
-          </a:solidFill>
-          <a:ln>
-            <a:solidFill>
-              <a:schemeClr val="tx1"/>
-            </a:solidFill>
-          </a:ln>
-        </p:spPr>
-        <p:style>
-          <a:lnRef idx="2">
-            <a:schemeClr val="accent1">
-              <a:shade val="15000"/>
-            </a:schemeClr>
-          </a:lnRef>
-          <a:fillRef idx="1">
-            <a:schemeClr val="accent1"/>
-          </a:fillRef>
-          <a:effectRef idx="0">
-            <a:schemeClr val="accent1"/>
-          </a:effectRef>
-          <a:fontRef idx="minor">
-            <a:schemeClr val="lt1"/>
-          </a:fontRef>
-        </p:style>
-        <p:txBody>
-          <a:bodyPr rtlCol="0" anchor="ctr"/>
-          <a:lstStyle/>
-          <a:p>
-            <a:pPr algn="ctr"/>
-            <a:endParaRPr lang="en-US"/>
-          </a:p>
-        </p:txBody>
-      </p:sp>
-      <p:sp>
-        <p:nvSpPr>
-          <p:cNvPr id="197" name="Rectangle 196">
-            <a:extLst>
-              <a:ext uri="{FF2B5EF4-FFF2-40B4-BE49-F238E27FC236}">
-                <a16:creationId xmlns:a16="http://schemas.microsoft.com/office/drawing/2014/main" id="{4E5DA283-B938-95D2-F6D1-EE321C41C80A}"/>
-              </a:ext>
-            </a:extLst>
-          </p:cNvPr>
-          <p:cNvSpPr/>
-          <p:nvPr/>
-        </p:nvSpPr>
-        <p:spPr>
-          <a:xfrm>
-            <a:off x="1655806" y="2015493"/>
-            <a:ext cx="250121" cy="263962"/>
-          </a:xfrm>
-          <a:prstGeom prst="rect">
-            <a:avLst/>
-          </a:prstGeom>
-          <a:solidFill>
-            <a:schemeClr val="accent6">
-              <a:lumMod val="20000"/>
-              <a:lumOff val="80000"/>
-            </a:schemeClr>
-          </a:solidFill>
-          <a:ln>
-            <a:solidFill>
-              <a:schemeClr val="tx1"/>
-            </a:solidFill>
-          </a:ln>
-        </p:spPr>
-        <p:style>
-          <a:lnRef idx="2">
-            <a:schemeClr val="accent1">
-              <a:shade val="15000"/>
-            </a:schemeClr>
-          </a:lnRef>
-          <a:fillRef idx="1">
-            <a:schemeClr val="accent1"/>
-          </a:fillRef>
-          <a:effectRef idx="0">
-            <a:schemeClr val="accent1"/>
-          </a:effectRef>
-          <a:fontRef idx="minor">
-            <a:schemeClr val="lt1"/>
-          </a:fontRef>
-        </p:style>
-        <p:txBody>
-          <a:bodyPr rtlCol="0" anchor="ctr"/>
-          <a:lstStyle/>
-          <a:p>
-            <a:pPr algn="ctr"/>
-            <a:endParaRPr lang="en-US"/>
-          </a:p>
-        </p:txBody>
-      </p:sp>
-      <p:sp>
-        <p:nvSpPr>
-          <p:cNvPr id="200" name="Rectangle 199">
-            <a:extLst>
-              <a:ext uri="{FF2B5EF4-FFF2-40B4-BE49-F238E27FC236}">
-                <a16:creationId xmlns:a16="http://schemas.microsoft.com/office/drawing/2014/main" id="{1BA8AA13-9FCB-ABDE-68F3-2E60589FC3E3}"/>
-              </a:ext>
-            </a:extLst>
-          </p:cNvPr>
-          <p:cNvSpPr/>
-          <p:nvPr/>
-        </p:nvSpPr>
-        <p:spPr>
-          <a:xfrm>
-            <a:off x="1655806" y="3102501"/>
-            <a:ext cx="250121" cy="263962"/>
-          </a:xfrm>
-          <a:prstGeom prst="rect">
-            <a:avLst/>
-          </a:prstGeom>
-          <a:solidFill>
-            <a:schemeClr val="accent6">
-              <a:lumMod val="20000"/>
-              <a:lumOff val="80000"/>
-            </a:schemeClr>
-          </a:solidFill>
-          <a:ln>
-            <a:solidFill>
-              <a:schemeClr val="tx1"/>
-            </a:solidFill>
-          </a:ln>
-        </p:spPr>
-        <p:style>
-          <a:lnRef idx="2">
-            <a:schemeClr val="accent1">
-              <a:shade val="15000"/>
-            </a:schemeClr>
-          </a:lnRef>
-          <a:fillRef idx="1">
-            <a:schemeClr val="accent1"/>
-          </a:fillRef>
-          <a:effectRef idx="0">
-            <a:schemeClr val="accent1"/>
-          </a:effectRef>
-          <a:fontRef idx="minor">
-            <a:schemeClr val="lt1"/>
-          </a:fontRef>
-        </p:style>
-        <p:txBody>
-          <a:bodyPr rtlCol="0" anchor="ctr"/>
-          <a:lstStyle/>
-          <a:p>
-            <a:pPr algn="ctr"/>
-            <a:endParaRPr lang="en-US"/>
-          </a:p>
-        </p:txBody>
-      </p:sp>
-      <p:sp>
-        <p:nvSpPr>
-          <p:cNvPr id="203" name="Rectangle 202">
-            <a:extLst>
-              <a:ext uri="{FF2B5EF4-FFF2-40B4-BE49-F238E27FC236}">
-                <a16:creationId xmlns:a16="http://schemas.microsoft.com/office/drawing/2014/main" id="{0870F3B1-9B2A-7076-3A8C-3095F62DC191}"/>
-              </a:ext>
-            </a:extLst>
-          </p:cNvPr>
-          <p:cNvSpPr/>
-          <p:nvPr/>
-        </p:nvSpPr>
-        <p:spPr>
-          <a:xfrm>
-            <a:off x="1655806" y="3965723"/>
-            <a:ext cx="250121" cy="263962"/>
-          </a:xfrm>
-          <a:prstGeom prst="rect">
-            <a:avLst/>
-          </a:prstGeom>
-          <a:solidFill>
-            <a:schemeClr val="accent6">
-              <a:lumMod val="20000"/>
-              <a:lumOff val="80000"/>
-            </a:schemeClr>
-          </a:solidFill>
-          <a:ln>
-            <a:solidFill>
-              <a:schemeClr val="tx1"/>
-            </a:solidFill>
-          </a:ln>
-        </p:spPr>
-        <p:style>
-          <a:lnRef idx="2">
-            <a:schemeClr val="accent1">
-              <a:shade val="15000"/>
-            </a:schemeClr>
-          </a:lnRef>
-          <a:fillRef idx="1">
-            <a:schemeClr val="accent1"/>
-          </a:fillRef>
-          <a:effectRef idx="0">
-            <a:schemeClr val="accent1"/>
-          </a:effectRef>
-          <a:fontRef idx="minor">
-            <a:schemeClr val="lt1"/>
-          </a:fontRef>
-        </p:style>
-        <p:txBody>
-          <a:bodyPr rtlCol="0" anchor="ctr"/>
-          <a:lstStyle/>
-          <a:p>
-            <a:pPr algn="ctr"/>
-            <a:endParaRPr lang="en-US"/>
-          </a:p>
-        </p:txBody>
-      </p:sp>
-      <p:sp>
-        <p:nvSpPr>
-          <p:cNvPr id="206" name="Rectangle 205">
-            <a:extLst>
-              <a:ext uri="{FF2B5EF4-FFF2-40B4-BE49-F238E27FC236}">
-                <a16:creationId xmlns:a16="http://schemas.microsoft.com/office/drawing/2014/main" id="{B6B852E0-1017-433E-644B-B837B4B7DA3C}"/>
-              </a:ext>
-            </a:extLst>
-          </p:cNvPr>
-          <p:cNvSpPr/>
-          <p:nvPr/>
-        </p:nvSpPr>
-        <p:spPr>
-          <a:xfrm>
-            <a:off x="1655806" y="4918146"/>
-            <a:ext cx="250121" cy="263962"/>
-          </a:xfrm>
-          <a:prstGeom prst="rect">
-            <a:avLst/>
-          </a:prstGeom>
-          <a:solidFill>
-            <a:schemeClr val="accent6">
-              <a:lumMod val="20000"/>
-              <a:lumOff val="80000"/>
-            </a:schemeClr>
-          </a:solidFill>
-          <a:ln>
-            <a:solidFill>
-              <a:schemeClr val="tx1"/>
-            </a:solidFill>
-          </a:ln>
-        </p:spPr>
-        <p:style>
-          <a:lnRef idx="2">
-            <a:schemeClr val="accent1">
-              <a:shade val="15000"/>
-            </a:schemeClr>
-          </a:lnRef>
-          <a:fillRef idx="1">
-            <a:schemeClr val="accent1"/>
-          </a:fillRef>
-          <a:effectRef idx="0">
-            <a:schemeClr val="accent1"/>
-          </a:effectRef>
-          <a:fontRef idx="minor">
-            <a:schemeClr val="lt1"/>
-          </a:fontRef>
-        </p:style>
-        <p:txBody>
-          <a:bodyPr rtlCol="0" anchor="ctr"/>
-          <a:lstStyle/>
-          <a:p>
-            <a:pPr algn="ctr"/>
-            <a:endParaRPr lang="en-US"/>
-          </a:p>
-        </p:txBody>
-      </p:sp>
-      <p:sp>
-        <p:nvSpPr>
-          <p:cNvPr id="209" name="Rectangle 208">
-            <a:extLst>
-              <a:ext uri="{FF2B5EF4-FFF2-40B4-BE49-F238E27FC236}">
-                <a16:creationId xmlns:a16="http://schemas.microsoft.com/office/drawing/2014/main" id="{9DA259B4-0986-5B58-F235-8A49F108E680}"/>
-              </a:ext>
-            </a:extLst>
-          </p:cNvPr>
-          <p:cNvSpPr/>
-          <p:nvPr/>
-        </p:nvSpPr>
-        <p:spPr>
-          <a:xfrm>
-            <a:off x="1655806" y="6001096"/>
-            <a:ext cx="250121" cy="263962"/>
-          </a:xfrm>
-          <a:prstGeom prst="rect">
-            <a:avLst/>
-          </a:prstGeom>
-          <a:solidFill>
-            <a:schemeClr val="accent6">
-              <a:lumMod val="20000"/>
-              <a:lumOff val="80000"/>
-            </a:schemeClr>
-          </a:solidFill>
-          <a:ln>
-            <a:solidFill>
-              <a:schemeClr val="tx1"/>
-            </a:solidFill>
-          </a:ln>
-        </p:spPr>
-        <p:style>
-          <a:lnRef idx="2">
-            <a:schemeClr val="accent1">
-              <a:shade val="15000"/>
-            </a:schemeClr>
-          </a:lnRef>
-          <a:fillRef idx="1">
-            <a:schemeClr val="accent1"/>
-          </a:fillRef>
-          <a:effectRef idx="0">
-            <a:schemeClr val="accent1"/>
-          </a:effectRef>
-          <a:fontRef idx="minor">
-            <a:schemeClr val="lt1"/>
-          </a:fontRef>
-        </p:style>
-        <p:txBody>
-          <a:bodyPr rtlCol="0" anchor="ctr"/>
-          <a:lstStyle/>
-          <a:p>
-            <a:pPr algn="ctr"/>
-            <a:endParaRPr lang="en-US"/>
-          </a:p>
-        </p:txBody>
-      </p:sp>
-      <p:sp>
-        <p:nvSpPr>
-          <p:cNvPr id="195" name="TextBox 194">
-            <a:extLst>
-              <a:ext uri="{FF2B5EF4-FFF2-40B4-BE49-F238E27FC236}">
-                <a16:creationId xmlns:a16="http://schemas.microsoft.com/office/drawing/2014/main" id="{3CCE9C6A-7570-6DE8-0530-1AF3CFBEC887}"/>
-              </a:ext>
-            </a:extLst>
-          </p:cNvPr>
-          <p:cNvSpPr txBox="1"/>
-          <p:nvPr/>
-        </p:nvSpPr>
-        <p:spPr>
-          <a:xfrm>
-            <a:off x="1630023" y="1165007"/>
-            <a:ext cx="301686" cy="369332"/>
-          </a:xfrm>
-          <a:prstGeom prst="rect">
-            <a:avLst/>
-          </a:prstGeom>
-          <a:noFill/>
-          <a:ln>
-            <a:noFill/>
-          </a:ln>
-        </p:spPr>
-        <p:txBody>
-          <a:bodyPr wrap="none" rtlCol="0">
-            <a:spAutoFit/>
-          </a:bodyPr>
-          <a:lstStyle/>
-          <a:p>
-            <a:r>
-              <a:rPr lang="en-US" b="1" dirty="0"/>
-              <a:t>7</a:t>
-            </a:r>
-          </a:p>
-        </p:txBody>
-      </p:sp>
-      <p:sp>
-        <p:nvSpPr>
-          <p:cNvPr id="198" name="TextBox 197">
-            <a:extLst>
-              <a:ext uri="{FF2B5EF4-FFF2-40B4-BE49-F238E27FC236}">
-                <a16:creationId xmlns:a16="http://schemas.microsoft.com/office/drawing/2014/main" id="{BE2E07F5-14A0-3979-DABC-446AC7672F3B}"/>
-              </a:ext>
-            </a:extLst>
-          </p:cNvPr>
-          <p:cNvSpPr txBox="1"/>
-          <p:nvPr/>
-        </p:nvSpPr>
-        <p:spPr>
-          <a:xfrm>
-            <a:off x="1630023" y="1962566"/>
-            <a:ext cx="301686" cy="369332"/>
-          </a:xfrm>
-          <a:prstGeom prst="rect">
-            <a:avLst/>
-          </a:prstGeom>
-          <a:noFill/>
-          <a:ln>
-            <a:noFill/>
-          </a:ln>
-        </p:spPr>
-        <p:txBody>
-          <a:bodyPr wrap="none" rtlCol="0">
-            <a:spAutoFit/>
-          </a:bodyPr>
-          <a:lstStyle/>
-          <a:p>
-            <a:r>
-              <a:rPr lang="en-US" b="1" dirty="0"/>
-              <a:t>8</a:t>
-            </a:r>
-          </a:p>
-        </p:txBody>
-      </p:sp>
-      <p:sp>
-        <p:nvSpPr>
-          <p:cNvPr id="201" name="TextBox 200">
-            <a:extLst>
-              <a:ext uri="{FF2B5EF4-FFF2-40B4-BE49-F238E27FC236}">
-                <a16:creationId xmlns:a16="http://schemas.microsoft.com/office/drawing/2014/main" id="{42546DE7-AB00-705A-981D-A9BCEF981FF4}"/>
-              </a:ext>
-            </a:extLst>
-          </p:cNvPr>
-          <p:cNvSpPr txBox="1"/>
-          <p:nvPr/>
-        </p:nvSpPr>
-        <p:spPr>
-          <a:xfrm>
-            <a:off x="1630023" y="3049574"/>
-            <a:ext cx="301686" cy="369332"/>
-          </a:xfrm>
-          <a:prstGeom prst="rect">
-            <a:avLst/>
-          </a:prstGeom>
-          <a:noFill/>
-          <a:ln>
-            <a:noFill/>
-          </a:ln>
-        </p:spPr>
-        <p:txBody>
-          <a:bodyPr wrap="none" rtlCol="0">
-            <a:spAutoFit/>
-          </a:bodyPr>
-          <a:lstStyle/>
-          <a:p>
-            <a:r>
-              <a:rPr lang="en-US" b="1" dirty="0"/>
-              <a:t>9</a:t>
-            </a:r>
-          </a:p>
-        </p:txBody>
-      </p:sp>
-      <p:sp>
-        <p:nvSpPr>
-          <p:cNvPr id="204" name="TextBox 203">
-            <a:extLst>
-              <a:ext uri="{FF2B5EF4-FFF2-40B4-BE49-F238E27FC236}">
-                <a16:creationId xmlns:a16="http://schemas.microsoft.com/office/drawing/2014/main" id="{D6318A78-8CDF-F214-1E31-7E8A5AB80DD1}"/>
-              </a:ext>
-            </a:extLst>
-          </p:cNvPr>
-          <p:cNvSpPr txBox="1"/>
-          <p:nvPr/>
-        </p:nvSpPr>
-        <p:spPr>
-          <a:xfrm>
-            <a:off x="1571514" y="3917520"/>
-            <a:ext cx="418704" cy="369332"/>
-          </a:xfrm>
-          <a:prstGeom prst="rect">
-            <a:avLst/>
-          </a:prstGeom>
-          <a:noFill/>
-          <a:ln>
-            <a:noFill/>
-          </a:ln>
-        </p:spPr>
-        <p:txBody>
-          <a:bodyPr wrap="none" rtlCol="0">
-            <a:spAutoFit/>
-          </a:bodyPr>
-          <a:lstStyle/>
-          <a:p>
-            <a:r>
-              <a:rPr lang="en-US" b="1" dirty="0"/>
-              <a:t>10</a:t>
-            </a:r>
-          </a:p>
-        </p:txBody>
-      </p:sp>
-      <p:sp>
-        <p:nvSpPr>
-          <p:cNvPr id="207" name="TextBox 206">
-            <a:extLst>
-              <a:ext uri="{FF2B5EF4-FFF2-40B4-BE49-F238E27FC236}">
-                <a16:creationId xmlns:a16="http://schemas.microsoft.com/office/drawing/2014/main" id="{CD9327C1-FB58-7331-6299-23471A88D5E2}"/>
-              </a:ext>
-            </a:extLst>
-          </p:cNvPr>
-          <p:cNvSpPr txBox="1"/>
-          <p:nvPr/>
-        </p:nvSpPr>
-        <p:spPr>
-          <a:xfrm>
-            <a:off x="1571514" y="4859839"/>
-            <a:ext cx="418704" cy="369332"/>
-          </a:xfrm>
-          <a:prstGeom prst="rect">
-            <a:avLst/>
-          </a:prstGeom>
-          <a:noFill/>
-          <a:ln>
-            <a:noFill/>
-          </a:ln>
-        </p:spPr>
-        <p:txBody>
-          <a:bodyPr wrap="none" rtlCol="0">
-            <a:spAutoFit/>
-          </a:bodyPr>
-          <a:lstStyle/>
-          <a:p>
-            <a:r>
-              <a:rPr lang="en-US" b="1" dirty="0"/>
-              <a:t>11</a:t>
-            </a:r>
-          </a:p>
-        </p:txBody>
-      </p:sp>
-      <p:sp>
-        <p:nvSpPr>
-          <p:cNvPr id="210" name="TextBox 209">
-            <a:extLst>
-              <a:ext uri="{FF2B5EF4-FFF2-40B4-BE49-F238E27FC236}">
-                <a16:creationId xmlns:a16="http://schemas.microsoft.com/office/drawing/2014/main" id="{8F281781-6DF1-8CBA-F88A-5798EF27EFE7}"/>
-              </a:ext>
-            </a:extLst>
-          </p:cNvPr>
-          <p:cNvSpPr txBox="1"/>
-          <p:nvPr/>
-        </p:nvSpPr>
-        <p:spPr>
-          <a:xfrm>
-            <a:off x="1571514" y="5937777"/>
-            <a:ext cx="418704" cy="369332"/>
-          </a:xfrm>
-          <a:prstGeom prst="rect">
-            <a:avLst/>
-          </a:prstGeom>
-          <a:noFill/>
-          <a:ln>
-            <a:noFill/>
-          </a:ln>
-        </p:spPr>
-        <p:txBody>
-          <a:bodyPr wrap="none" rtlCol="0">
-            <a:spAutoFit/>
-          </a:bodyPr>
-          <a:lstStyle/>
-          <a:p>
-            <a:r>
-              <a:rPr lang="en-US" b="1" dirty="0"/>
-              <a:t>12</a:t>
-            </a:r>
-          </a:p>
-        </p:txBody>
-      </p:sp>
-      <p:sp>
-        <p:nvSpPr>
-          <p:cNvPr id="216" name="Rectangle 215">
-            <a:extLst>
-              <a:ext uri="{FF2B5EF4-FFF2-40B4-BE49-F238E27FC236}">
-                <a16:creationId xmlns:a16="http://schemas.microsoft.com/office/drawing/2014/main" id="{3E3F9CDF-0F34-9947-6594-D89095500F32}"/>
-              </a:ext>
-            </a:extLst>
-          </p:cNvPr>
-          <p:cNvSpPr/>
-          <p:nvPr/>
-        </p:nvSpPr>
-        <p:spPr>
-          <a:xfrm>
-            <a:off x="3780935" y="1674639"/>
-            <a:ext cx="4006705" cy="208234"/>
-          </a:xfrm>
-          <a:prstGeom prst="rect">
-            <a:avLst/>
-          </a:prstGeom>
-          <a:noFill/>
-          <a:ln>
-            <a:solidFill>
-              <a:srgbClr val="FFC000"/>
-            </a:solidFill>
-          </a:ln>
-        </p:spPr>
-        <p:style>
-          <a:lnRef idx="2">
-            <a:schemeClr val="accent1">
-              <a:shade val="15000"/>
-            </a:schemeClr>
-          </a:lnRef>
-          <a:fillRef idx="1">
-            <a:schemeClr val="accent1"/>
-          </a:fillRef>
-          <a:effectRef idx="0">
-            <a:schemeClr val="accent1"/>
-          </a:effectRef>
-          <a:fontRef idx="minor">
-            <a:schemeClr val="lt1"/>
-          </a:fontRef>
-        </p:style>
-        <p:txBody>
-          <a:bodyPr rtlCol="0" anchor="ctr"/>
-          <a:lstStyle/>
-          <a:p>
-            <a:pPr algn="ctr"/>
-            <a:endParaRPr lang="en-US"/>
-          </a:p>
-        </p:txBody>
-      </p:sp>
-      <p:sp>
-        <p:nvSpPr>
-          <p:cNvPr id="106" name="Rectangle 105">
-            <a:extLst>
-              <a:ext uri="{FF2B5EF4-FFF2-40B4-BE49-F238E27FC236}">
-                <a16:creationId xmlns:a16="http://schemas.microsoft.com/office/drawing/2014/main" id="{697DA9C3-4270-73DA-F608-F3A276CA658B}"/>
-              </a:ext>
-            </a:extLst>
-          </p:cNvPr>
-          <p:cNvSpPr/>
-          <p:nvPr/>
-        </p:nvSpPr>
-        <p:spPr>
-          <a:xfrm>
-            <a:off x="9520346" y="6228827"/>
-            <a:ext cx="2551002" cy="629173"/>
-          </a:xfrm>
-          <a:prstGeom prst="rect">
-            <a:avLst/>
-          </a:prstGeom>
-          <a:solidFill>
-            <a:schemeClr val="bg1"/>
-          </a:solidFill>
-          <a:ln>
-            <a:noFill/>
-          </a:ln>
-        </p:spPr>
-        <p:style>
-          <a:lnRef idx="2">
-            <a:schemeClr val="accent1">
-              <a:shade val="15000"/>
-            </a:schemeClr>
-          </a:lnRef>
-          <a:fillRef idx="1">
-            <a:schemeClr val="accent1"/>
-          </a:fillRef>
-          <a:effectRef idx="0">
-            <a:schemeClr val="accent1"/>
-          </a:effectRef>
-          <a:fontRef idx="minor">
-            <a:schemeClr val="lt1"/>
-          </a:fontRef>
-        </p:style>
-        <p:txBody>
-          <a:bodyPr rtlCol="0" anchor="ctr"/>
-          <a:lstStyle/>
-          <a:p>
-            <a:pPr algn="ctr"/>
-            <a:endParaRPr lang="en-US"/>
-          </a:p>
-        </p:txBody>
-      </p:sp>
       <p:cxnSp>
         <p:nvCxnSpPr>
           <p:cNvPr id="74" name="Straight Connector 73">
@@ -16808,7 +15135,7 @@
         <p:spPr>
           <a:xfrm>
             <a:off x="8103032" y="771023"/>
-            <a:ext cx="0" cy="6046551"/>
+            <a:ext cx="0" cy="5457804"/>
           </a:xfrm>
           <a:prstGeom prst="line">
             <a:avLst/>
@@ -16853,7 +15180,7 @@
         <p:spPr>
           <a:xfrm>
             <a:off x="8202474" y="800716"/>
-            <a:ext cx="0" cy="5995080"/>
+            <a:ext cx="0" cy="4829523"/>
           </a:xfrm>
           <a:prstGeom prst="line">
             <a:avLst/>
@@ -16897,7 +15224,7 @@
         </p:nvCxnSpPr>
         <p:spPr>
           <a:xfrm>
-            <a:off x="8277341" y="1406077"/>
+            <a:off x="8305916" y="1501327"/>
             <a:ext cx="0" cy="300608"/>
           </a:xfrm>
           <a:prstGeom prst="line">
@@ -16942,7 +15269,7 @@
         </p:nvCxnSpPr>
         <p:spPr>
           <a:xfrm>
-            <a:off x="8267816" y="2010914"/>
+            <a:off x="8315441" y="2201414"/>
             <a:ext cx="0" cy="901117"/>
           </a:xfrm>
           <a:prstGeom prst="line">
@@ -16987,8 +15314,8 @@
         </p:nvCxnSpPr>
         <p:spPr>
           <a:xfrm>
-            <a:off x="8288571" y="3439002"/>
-            <a:ext cx="0" cy="1297898"/>
+            <a:off x="8310796" y="3778727"/>
+            <a:ext cx="0" cy="1436696"/>
           </a:xfrm>
           <a:prstGeom prst="line">
             <a:avLst/>
@@ -17032,98 +15359,8 @@
         </p:nvCxnSpPr>
         <p:spPr>
           <a:xfrm>
-            <a:off x="8374296" y="3658077"/>
-            <a:ext cx="0" cy="894873"/>
-          </a:xfrm>
-          <a:prstGeom prst="line">
-            <a:avLst/>
-          </a:prstGeom>
-          <a:ln>
-            <a:solidFill>
-              <a:schemeClr val="bg1">
-                <a:lumMod val="85000"/>
-              </a:schemeClr>
-            </a:solidFill>
-          </a:ln>
-        </p:spPr>
-        <p:style>
-          <a:lnRef idx="1">
-            <a:schemeClr val="accent1"/>
-          </a:lnRef>
-          <a:fillRef idx="0">
-            <a:schemeClr val="accent1"/>
-          </a:fillRef>
-          <a:effectRef idx="0">
-            <a:schemeClr val="accent1"/>
-          </a:effectRef>
-          <a:fontRef idx="minor">
-            <a:schemeClr val="tx1"/>
-          </a:fontRef>
-        </p:style>
-      </p:cxnSp>
-      <p:cxnSp>
-        <p:nvCxnSpPr>
-          <p:cNvPr id="103" name="Straight Connector 102">
-            <a:extLst>
-              <a:ext uri="{FF2B5EF4-FFF2-40B4-BE49-F238E27FC236}">
-                <a16:creationId xmlns:a16="http://schemas.microsoft.com/office/drawing/2014/main" id="{57BC0AC7-7295-A4FC-8511-DAD324C830AC}"/>
-              </a:ext>
-            </a:extLst>
-          </p:cNvPr>
-          <p:cNvCxnSpPr>
-            <a:cxnSpLocks/>
-          </p:cNvCxnSpPr>
-          <p:nvPr/>
-        </p:nvCxnSpPr>
-        <p:spPr>
-          <a:xfrm>
-            <a:off x="8440971" y="3853340"/>
-            <a:ext cx="0" cy="699610"/>
-          </a:xfrm>
-          <a:prstGeom prst="line">
-            <a:avLst/>
-          </a:prstGeom>
-          <a:ln>
-            <a:solidFill>
-              <a:schemeClr val="bg1">
-                <a:lumMod val="85000"/>
-              </a:schemeClr>
-            </a:solidFill>
-          </a:ln>
-        </p:spPr>
-        <p:style>
-          <a:lnRef idx="1">
-            <a:schemeClr val="accent1"/>
-          </a:lnRef>
-          <a:fillRef idx="0">
-            <a:schemeClr val="accent1"/>
-          </a:fillRef>
-          <a:effectRef idx="0">
-            <a:schemeClr val="accent1"/>
-          </a:effectRef>
-          <a:fontRef idx="minor">
-            <a:schemeClr val="tx1"/>
-          </a:fontRef>
-        </p:style>
-      </p:cxnSp>
-      <p:cxnSp>
-        <p:nvCxnSpPr>
-          <p:cNvPr id="105" name="Straight Connector 104">
-            <a:extLst>
-              <a:ext uri="{FF2B5EF4-FFF2-40B4-BE49-F238E27FC236}">
-                <a16:creationId xmlns:a16="http://schemas.microsoft.com/office/drawing/2014/main" id="{ADD3BEDA-7057-4976-C976-8BCB5C47CFBA}"/>
-              </a:ext>
-            </a:extLst>
-          </p:cNvPr>
-          <p:cNvCxnSpPr>
-            <a:cxnSpLocks/>
-          </p:cNvCxnSpPr>
-          <p:nvPr/>
-        </p:nvCxnSpPr>
-        <p:spPr>
-          <a:xfrm>
-            <a:off x="8284759" y="4981290"/>
-            <a:ext cx="0" cy="1297898"/>
+            <a:off x="8409221" y="4051303"/>
+            <a:ext cx="0" cy="936622"/>
           </a:xfrm>
           <a:prstGeom prst="line">
             <a:avLst/>
@@ -17153,10 +15390,10 @@
       </p:cxnSp>
       <p:pic>
         <p:nvPicPr>
-          <p:cNvPr id="67" name="Picture 66">
-            <a:extLst>
-              <a:ext uri="{FF2B5EF4-FFF2-40B4-BE49-F238E27FC236}">
-                <a16:creationId xmlns:a16="http://schemas.microsoft.com/office/drawing/2014/main" id="{030B676A-E3F8-2D2F-ADF8-CF97D085D6D3}"/>
+          <p:cNvPr id="43" name="Picture 42">
+            <a:extLst>
+              <a:ext uri="{FF2B5EF4-FFF2-40B4-BE49-F238E27FC236}">
+                <a16:creationId xmlns:a16="http://schemas.microsoft.com/office/drawing/2014/main" id="{B81F4718-ED26-34F6-267E-57A453150BCC}"/>
               </a:ext>
             </a:extLst>
           </p:cNvPr>
@@ -17165,8 +15402,8 @@
           </p:cNvPicPr>
           <p:nvPr/>
         </p:nvPicPr>
-        <p:blipFill rotWithShape="1">
-          <a:blip r:embed="rId6">
+        <p:blipFill>
+          <a:blip r:embed="rId7">
             <a:clrChange>
               <a:clrFrom>
                 <a:srgbClr val="FFFFFF"/>
@@ -17178,13 +15415,14 @@
               </a:clrTo>
             </a:clrChange>
           </a:blip>
-          <a:srcRect r="2580"/>
-          <a:stretch/>
+          <a:stretch>
+            <a:fillRect/>
+          </a:stretch>
         </p:blipFill>
         <p:spPr>
           <a:xfrm>
-            <a:off x="8101942" y="744724"/>
-            <a:ext cx="3934482" cy="6113276"/>
+            <a:off x="8096268" y="751186"/>
+            <a:ext cx="3839111" cy="5487166"/>
           </a:xfrm>
           <a:prstGeom prst="rect">
             <a:avLst/>
@@ -17193,10 +15431,10 @@
       </p:pic>
       <p:sp>
         <p:nvSpPr>
-          <p:cNvPr id="218" name="Rectangle 217">
-            <a:extLst>
-              <a:ext uri="{FF2B5EF4-FFF2-40B4-BE49-F238E27FC236}">
-                <a16:creationId xmlns:a16="http://schemas.microsoft.com/office/drawing/2014/main" id="{D4C1C45A-F05E-E23E-4D76-E328F4A54DA6}"/>
+          <p:cNvPr id="303" name="Rectangle 302">
+            <a:extLst>
+              <a:ext uri="{FF2B5EF4-FFF2-40B4-BE49-F238E27FC236}">
+                <a16:creationId xmlns:a16="http://schemas.microsoft.com/office/drawing/2014/main" id="{206E2F76-D5E4-BFD9-D85B-98965D2F7122}"/>
               </a:ext>
             </a:extLst>
           </p:cNvPr>
@@ -17205,15 +15443,13 @@
         </p:nvSpPr>
         <p:spPr>
           <a:xfrm>
-            <a:off x="8743948" y="2997200"/>
-            <a:ext cx="1753665" cy="190500"/>
+            <a:off x="3594101" y="5518150"/>
+            <a:ext cx="4287150" cy="1301750"/>
           </a:xfrm>
           <a:prstGeom prst="rect">
             <a:avLst/>
           </a:prstGeom>
-          <a:solidFill>
-            <a:schemeClr val="bg1"/>
-          </a:solidFill>
+          <a:noFill/>
           <a:ln>
             <a:solidFill>
               <a:srgbClr val="FFC000"/>
@@ -17247,6 +15483,1461 @@
       </p:sp>
       <p:sp>
         <p:nvSpPr>
+          <p:cNvPr id="2" name="Title 1">
+            <a:extLst>
+              <a:ext uri="{FF2B5EF4-FFF2-40B4-BE49-F238E27FC236}">
+                <a16:creationId xmlns:a16="http://schemas.microsoft.com/office/drawing/2014/main" id="{6600BA37-570E-3B90-4228-65762B9E6CAD}"/>
+              </a:ext>
+            </a:extLst>
+          </p:cNvPr>
+          <p:cNvSpPr>
+            <a:spLocks noGrp="1"/>
+          </p:cNvSpPr>
+          <p:nvPr>
+            <p:ph type="title"/>
+          </p:nvPr>
+        </p:nvSpPr>
+        <p:spPr/>
+        <p:txBody>
+          <a:bodyPr/>
+          <a:lstStyle/>
+          <a:p>
+            <a:r>
+              <a:rPr lang="en-US" dirty="0"/>
+              <a:t>Monocle4 S4 Object</a:t>
+            </a:r>
+          </a:p>
+        </p:txBody>
+      </p:sp>
+      <p:sp>
+        <p:nvSpPr>
+          <p:cNvPr id="70" name="TextBox 69">
+            <a:extLst>
+              <a:ext uri="{FF2B5EF4-FFF2-40B4-BE49-F238E27FC236}">
+                <a16:creationId xmlns:a16="http://schemas.microsoft.com/office/drawing/2014/main" id="{9F4A49BF-EC22-A057-3CC1-05E92B7FC981}"/>
+              </a:ext>
+            </a:extLst>
+          </p:cNvPr>
+          <p:cNvSpPr txBox="1"/>
+          <p:nvPr/>
+        </p:nvSpPr>
+        <p:spPr>
+          <a:xfrm>
+            <a:off x="30623" y="620591"/>
+            <a:ext cx="7850634" cy="276999"/>
+          </a:xfrm>
+          <a:prstGeom prst="rect">
+            <a:avLst/>
+          </a:prstGeom>
+          <a:noFill/>
+        </p:spPr>
+        <p:txBody>
+          <a:bodyPr wrap="square">
+            <a:spAutoFit/>
+          </a:bodyPr>
+          <a:lstStyle/>
+          <a:p>
+            <a:r>
+              <a:rPr lang="en-US" sz="1200" b="1" dirty="0" err="1"/>
+              <a:t>cell_data_set</a:t>
+            </a:r>
+            <a:r>
+              <a:rPr lang="en-US" sz="1200" b="1" dirty="0"/>
+              <a:t> (</a:t>
+            </a:r>
+            <a:r>
+              <a:rPr lang="en-US" sz="1200" b="1" dirty="0" err="1"/>
+              <a:t>cds</a:t>
+            </a:r>
+            <a:r>
+              <a:rPr lang="en-US" sz="1200" b="1" dirty="0"/>
+              <a:t>): </a:t>
+            </a:r>
+            <a:r>
+              <a:rPr lang="en-US" sz="1200" dirty="0"/>
+              <a:t>extends the Bioconductor </a:t>
+            </a:r>
+            <a:r>
+              <a:rPr lang="en-US" sz="1200" dirty="0" err="1"/>
+              <a:t>SingleCellExperiment</a:t>
+            </a:r>
+            <a:r>
+              <a:rPr lang="en-US" sz="1200" dirty="0"/>
+              <a:t> class, includes matrix data and experiment metadata.</a:t>
+            </a:r>
+          </a:p>
+        </p:txBody>
+      </p:sp>
+      <p:sp>
+        <p:nvSpPr>
+          <p:cNvPr id="78" name="TextBox 77">
+            <a:extLst>
+              <a:ext uri="{FF2B5EF4-FFF2-40B4-BE49-F238E27FC236}">
+                <a16:creationId xmlns:a16="http://schemas.microsoft.com/office/drawing/2014/main" id="{FBC935C6-A581-5888-3877-E328C50FF7E7}"/>
+              </a:ext>
+            </a:extLst>
+          </p:cNvPr>
+          <p:cNvSpPr txBox="1"/>
+          <p:nvPr/>
+        </p:nvSpPr>
+        <p:spPr>
+          <a:xfrm>
+            <a:off x="2235200" y="-14325600"/>
+            <a:ext cx="861133" cy="369332"/>
+          </a:xfrm>
+          <a:prstGeom prst="rect">
+            <a:avLst/>
+          </a:prstGeom>
+          <a:noFill/>
+        </p:spPr>
+        <p:txBody>
+          <a:bodyPr wrap="none" rtlCol="0">
+            <a:spAutoFit/>
+          </a:bodyPr>
+          <a:lstStyle/>
+          <a:p>
+            <a:r>
+              <a:rPr lang="en-US" dirty="0"/>
+              <a:t>Anchor</a:t>
+            </a:r>
+          </a:p>
+        </p:txBody>
+      </p:sp>
+      <p:sp>
+        <p:nvSpPr>
+          <p:cNvPr id="79" name="TextBox 78">
+            <a:extLst>
+              <a:ext uri="{FF2B5EF4-FFF2-40B4-BE49-F238E27FC236}">
+                <a16:creationId xmlns:a16="http://schemas.microsoft.com/office/drawing/2014/main" id="{7C76BAE0-6DB6-CB43-ED6D-4F9D7E979A71}"/>
+              </a:ext>
+            </a:extLst>
+          </p:cNvPr>
+          <p:cNvSpPr txBox="1"/>
+          <p:nvPr/>
+        </p:nvSpPr>
+        <p:spPr>
+          <a:xfrm>
+            <a:off x="2665766" y="13827023"/>
+            <a:ext cx="861133" cy="369332"/>
+          </a:xfrm>
+          <a:prstGeom prst="rect">
+            <a:avLst/>
+          </a:prstGeom>
+          <a:noFill/>
+        </p:spPr>
+        <p:txBody>
+          <a:bodyPr wrap="none" rtlCol="0">
+            <a:spAutoFit/>
+          </a:bodyPr>
+          <a:lstStyle/>
+          <a:p>
+            <a:r>
+              <a:rPr lang="en-US" dirty="0"/>
+              <a:t>Anchor</a:t>
+            </a:r>
+          </a:p>
+        </p:txBody>
+      </p:sp>
+      <p:sp>
+        <p:nvSpPr>
+          <p:cNvPr id="108" name="Rectangle 107">
+            <a:extLst>
+              <a:ext uri="{FF2B5EF4-FFF2-40B4-BE49-F238E27FC236}">
+                <a16:creationId xmlns:a16="http://schemas.microsoft.com/office/drawing/2014/main" id="{F169838C-E984-CA84-E2AB-0338C74E8955}"/>
+              </a:ext>
+            </a:extLst>
+          </p:cNvPr>
+          <p:cNvSpPr/>
+          <p:nvPr/>
+        </p:nvSpPr>
+        <p:spPr>
+          <a:xfrm>
+            <a:off x="19341" y="1072518"/>
+            <a:ext cx="250121" cy="263962"/>
+          </a:xfrm>
+          <a:prstGeom prst="rect">
+            <a:avLst/>
+          </a:prstGeom>
+          <a:solidFill>
+            <a:schemeClr val="accent6">
+              <a:lumMod val="20000"/>
+              <a:lumOff val="80000"/>
+            </a:schemeClr>
+          </a:solidFill>
+          <a:ln>
+            <a:solidFill>
+              <a:schemeClr val="tx1"/>
+            </a:solidFill>
+          </a:ln>
+        </p:spPr>
+        <p:style>
+          <a:lnRef idx="2">
+            <a:schemeClr val="accent1">
+              <a:shade val="15000"/>
+            </a:schemeClr>
+          </a:lnRef>
+          <a:fillRef idx="1">
+            <a:schemeClr val="accent1"/>
+          </a:fillRef>
+          <a:effectRef idx="0">
+            <a:schemeClr val="accent1"/>
+          </a:effectRef>
+          <a:fontRef idx="minor">
+            <a:schemeClr val="lt1"/>
+          </a:fontRef>
+        </p:style>
+        <p:txBody>
+          <a:bodyPr rtlCol="0" anchor="ctr"/>
+          <a:lstStyle/>
+          <a:p>
+            <a:pPr algn="ctr"/>
+            <a:endParaRPr lang="en-US"/>
+          </a:p>
+        </p:txBody>
+      </p:sp>
+      <p:sp>
+        <p:nvSpPr>
+          <p:cNvPr id="111" name="Rectangle 110">
+            <a:extLst>
+              <a:ext uri="{FF2B5EF4-FFF2-40B4-BE49-F238E27FC236}">
+                <a16:creationId xmlns:a16="http://schemas.microsoft.com/office/drawing/2014/main" id="{18963961-3147-51AA-E34F-EF5CF5CED7F7}"/>
+              </a:ext>
+            </a:extLst>
+          </p:cNvPr>
+          <p:cNvSpPr/>
+          <p:nvPr/>
+        </p:nvSpPr>
+        <p:spPr>
+          <a:xfrm>
+            <a:off x="19341" y="1743077"/>
+            <a:ext cx="250121" cy="263962"/>
+          </a:xfrm>
+          <a:prstGeom prst="rect">
+            <a:avLst/>
+          </a:prstGeom>
+          <a:solidFill>
+            <a:schemeClr val="accent6">
+              <a:lumMod val="20000"/>
+              <a:lumOff val="80000"/>
+            </a:schemeClr>
+          </a:solidFill>
+          <a:ln>
+            <a:solidFill>
+              <a:schemeClr val="tx1"/>
+            </a:solidFill>
+          </a:ln>
+        </p:spPr>
+        <p:style>
+          <a:lnRef idx="2">
+            <a:schemeClr val="accent1">
+              <a:shade val="15000"/>
+            </a:schemeClr>
+          </a:lnRef>
+          <a:fillRef idx="1">
+            <a:schemeClr val="accent1"/>
+          </a:fillRef>
+          <a:effectRef idx="0">
+            <a:schemeClr val="accent1"/>
+          </a:effectRef>
+          <a:fontRef idx="minor">
+            <a:schemeClr val="lt1"/>
+          </a:fontRef>
+        </p:style>
+        <p:txBody>
+          <a:bodyPr rtlCol="0" anchor="ctr"/>
+          <a:lstStyle/>
+          <a:p>
+            <a:pPr algn="ctr"/>
+            <a:endParaRPr lang="en-US"/>
+          </a:p>
+        </p:txBody>
+      </p:sp>
+      <p:sp>
+        <p:nvSpPr>
+          <p:cNvPr id="114" name="Rectangle 113">
+            <a:extLst>
+              <a:ext uri="{FF2B5EF4-FFF2-40B4-BE49-F238E27FC236}">
+                <a16:creationId xmlns:a16="http://schemas.microsoft.com/office/drawing/2014/main" id="{94FE4667-5D43-1D6F-E74F-1074B860EDB4}"/>
+              </a:ext>
+            </a:extLst>
+          </p:cNvPr>
+          <p:cNvSpPr/>
+          <p:nvPr/>
+        </p:nvSpPr>
+        <p:spPr>
+          <a:xfrm>
+            <a:off x="19341" y="2715785"/>
+            <a:ext cx="250121" cy="263962"/>
+          </a:xfrm>
+          <a:prstGeom prst="rect">
+            <a:avLst/>
+          </a:prstGeom>
+          <a:solidFill>
+            <a:schemeClr val="accent6">
+              <a:lumMod val="20000"/>
+              <a:lumOff val="80000"/>
+            </a:schemeClr>
+          </a:solidFill>
+          <a:ln>
+            <a:solidFill>
+              <a:schemeClr val="tx1"/>
+            </a:solidFill>
+          </a:ln>
+        </p:spPr>
+        <p:style>
+          <a:lnRef idx="2">
+            <a:schemeClr val="accent1">
+              <a:shade val="15000"/>
+            </a:schemeClr>
+          </a:lnRef>
+          <a:fillRef idx="1">
+            <a:schemeClr val="accent1"/>
+          </a:fillRef>
+          <a:effectRef idx="0">
+            <a:schemeClr val="accent1"/>
+          </a:effectRef>
+          <a:fontRef idx="minor">
+            <a:schemeClr val="lt1"/>
+          </a:fontRef>
+        </p:style>
+        <p:txBody>
+          <a:bodyPr rtlCol="0" anchor="ctr"/>
+          <a:lstStyle/>
+          <a:p>
+            <a:pPr algn="ctr"/>
+            <a:endParaRPr lang="en-US"/>
+          </a:p>
+        </p:txBody>
+      </p:sp>
+      <p:sp>
+        <p:nvSpPr>
+          <p:cNvPr id="117" name="Rectangle 116">
+            <a:extLst>
+              <a:ext uri="{FF2B5EF4-FFF2-40B4-BE49-F238E27FC236}">
+                <a16:creationId xmlns:a16="http://schemas.microsoft.com/office/drawing/2014/main" id="{802DF5FC-69A7-2A38-050D-91EB1BF52AB6}"/>
+              </a:ext>
+            </a:extLst>
+          </p:cNvPr>
+          <p:cNvSpPr/>
+          <p:nvPr/>
+        </p:nvSpPr>
+        <p:spPr>
+          <a:xfrm>
+            <a:off x="19341" y="3985407"/>
+            <a:ext cx="250121" cy="263962"/>
+          </a:xfrm>
+          <a:prstGeom prst="rect">
+            <a:avLst/>
+          </a:prstGeom>
+          <a:solidFill>
+            <a:schemeClr val="accent6">
+              <a:lumMod val="20000"/>
+              <a:lumOff val="80000"/>
+            </a:schemeClr>
+          </a:solidFill>
+          <a:ln>
+            <a:solidFill>
+              <a:schemeClr val="tx1"/>
+            </a:solidFill>
+          </a:ln>
+        </p:spPr>
+        <p:style>
+          <a:lnRef idx="2">
+            <a:schemeClr val="accent1">
+              <a:shade val="15000"/>
+            </a:schemeClr>
+          </a:lnRef>
+          <a:fillRef idx="1">
+            <a:schemeClr val="accent1"/>
+          </a:fillRef>
+          <a:effectRef idx="0">
+            <a:schemeClr val="accent1"/>
+          </a:effectRef>
+          <a:fontRef idx="minor">
+            <a:schemeClr val="lt1"/>
+          </a:fontRef>
+        </p:style>
+        <p:txBody>
+          <a:bodyPr rtlCol="0" anchor="ctr"/>
+          <a:lstStyle/>
+          <a:p>
+            <a:pPr algn="ctr"/>
+            <a:endParaRPr lang="en-US"/>
+          </a:p>
+        </p:txBody>
+      </p:sp>
+      <p:sp>
+        <p:nvSpPr>
+          <p:cNvPr id="120" name="Rectangle 119">
+            <a:extLst>
+              <a:ext uri="{FF2B5EF4-FFF2-40B4-BE49-F238E27FC236}">
+                <a16:creationId xmlns:a16="http://schemas.microsoft.com/office/drawing/2014/main" id="{D6FA6DD4-24A5-570E-6E82-BB20461BDEFB}"/>
+              </a:ext>
+            </a:extLst>
+          </p:cNvPr>
+          <p:cNvSpPr/>
+          <p:nvPr/>
+        </p:nvSpPr>
+        <p:spPr>
+          <a:xfrm>
+            <a:off x="19341" y="5083684"/>
+            <a:ext cx="250121" cy="263962"/>
+          </a:xfrm>
+          <a:prstGeom prst="rect">
+            <a:avLst/>
+          </a:prstGeom>
+          <a:solidFill>
+            <a:schemeClr val="accent6">
+              <a:lumMod val="20000"/>
+              <a:lumOff val="80000"/>
+            </a:schemeClr>
+          </a:solidFill>
+          <a:ln>
+            <a:solidFill>
+              <a:schemeClr val="tx1"/>
+            </a:solidFill>
+          </a:ln>
+        </p:spPr>
+        <p:style>
+          <a:lnRef idx="2">
+            <a:schemeClr val="accent1">
+              <a:shade val="15000"/>
+            </a:schemeClr>
+          </a:lnRef>
+          <a:fillRef idx="1">
+            <a:schemeClr val="accent1"/>
+          </a:fillRef>
+          <a:effectRef idx="0">
+            <a:schemeClr val="accent1"/>
+          </a:effectRef>
+          <a:fontRef idx="minor">
+            <a:schemeClr val="lt1"/>
+          </a:fontRef>
+        </p:style>
+        <p:txBody>
+          <a:bodyPr rtlCol="0" anchor="ctr"/>
+          <a:lstStyle/>
+          <a:p>
+            <a:pPr algn="ctr"/>
+            <a:endParaRPr lang="en-US"/>
+          </a:p>
+        </p:txBody>
+      </p:sp>
+      <p:sp>
+        <p:nvSpPr>
+          <p:cNvPr id="123" name="Rectangle 122">
+            <a:extLst>
+              <a:ext uri="{FF2B5EF4-FFF2-40B4-BE49-F238E27FC236}">
+                <a16:creationId xmlns:a16="http://schemas.microsoft.com/office/drawing/2014/main" id="{71D862FF-5C34-DABC-78E3-FCDADB3C2173}"/>
+              </a:ext>
+            </a:extLst>
+          </p:cNvPr>
+          <p:cNvSpPr/>
+          <p:nvPr/>
+        </p:nvSpPr>
+        <p:spPr>
+          <a:xfrm>
+            <a:off x="19341" y="5931880"/>
+            <a:ext cx="250121" cy="263962"/>
+          </a:xfrm>
+          <a:prstGeom prst="rect">
+            <a:avLst/>
+          </a:prstGeom>
+          <a:solidFill>
+            <a:schemeClr val="accent6">
+              <a:lumMod val="20000"/>
+              <a:lumOff val="80000"/>
+            </a:schemeClr>
+          </a:solidFill>
+          <a:ln>
+            <a:solidFill>
+              <a:schemeClr val="tx1"/>
+            </a:solidFill>
+          </a:ln>
+        </p:spPr>
+        <p:style>
+          <a:lnRef idx="2">
+            <a:schemeClr val="accent1">
+              <a:shade val="15000"/>
+            </a:schemeClr>
+          </a:lnRef>
+          <a:fillRef idx="1">
+            <a:schemeClr val="accent1"/>
+          </a:fillRef>
+          <a:effectRef idx="0">
+            <a:schemeClr val="accent1"/>
+          </a:effectRef>
+          <a:fontRef idx="minor">
+            <a:schemeClr val="lt1"/>
+          </a:fontRef>
+        </p:style>
+        <p:txBody>
+          <a:bodyPr rtlCol="0" anchor="ctr"/>
+          <a:lstStyle/>
+          <a:p>
+            <a:pPr algn="ctr"/>
+            <a:endParaRPr lang="en-US"/>
+          </a:p>
+        </p:txBody>
+      </p:sp>
+      <p:sp>
+        <p:nvSpPr>
+          <p:cNvPr id="109" name="TextBox 108">
+            <a:extLst>
+              <a:ext uri="{FF2B5EF4-FFF2-40B4-BE49-F238E27FC236}">
+                <a16:creationId xmlns:a16="http://schemas.microsoft.com/office/drawing/2014/main" id="{C8C08D7F-9E39-FD12-BA16-59B18DCBCBBC}"/>
+              </a:ext>
+            </a:extLst>
+          </p:cNvPr>
+          <p:cNvSpPr txBox="1"/>
+          <p:nvPr/>
+        </p:nvSpPr>
+        <p:spPr>
+          <a:xfrm>
+            <a:off x="-6442" y="1019591"/>
+            <a:ext cx="301686" cy="369332"/>
+          </a:xfrm>
+          <a:prstGeom prst="rect">
+            <a:avLst/>
+          </a:prstGeom>
+          <a:noFill/>
+          <a:ln>
+            <a:noFill/>
+          </a:ln>
+        </p:spPr>
+        <p:txBody>
+          <a:bodyPr wrap="none" rtlCol="0">
+            <a:spAutoFit/>
+          </a:bodyPr>
+          <a:lstStyle/>
+          <a:p>
+            <a:r>
+              <a:rPr lang="en-US" b="1" dirty="0"/>
+              <a:t>1</a:t>
+            </a:r>
+          </a:p>
+        </p:txBody>
+      </p:sp>
+      <p:sp>
+        <p:nvSpPr>
+          <p:cNvPr id="112" name="TextBox 111">
+            <a:extLst>
+              <a:ext uri="{FF2B5EF4-FFF2-40B4-BE49-F238E27FC236}">
+                <a16:creationId xmlns:a16="http://schemas.microsoft.com/office/drawing/2014/main" id="{5A7CB389-B935-AF70-6337-6663A13ECFFD}"/>
+              </a:ext>
+            </a:extLst>
+          </p:cNvPr>
+          <p:cNvSpPr txBox="1"/>
+          <p:nvPr/>
+        </p:nvSpPr>
+        <p:spPr>
+          <a:xfrm>
+            <a:off x="-6442" y="1690150"/>
+            <a:ext cx="301686" cy="369332"/>
+          </a:xfrm>
+          <a:prstGeom prst="rect">
+            <a:avLst/>
+          </a:prstGeom>
+          <a:noFill/>
+          <a:ln>
+            <a:noFill/>
+          </a:ln>
+        </p:spPr>
+        <p:txBody>
+          <a:bodyPr wrap="none" rtlCol="0">
+            <a:spAutoFit/>
+          </a:bodyPr>
+          <a:lstStyle/>
+          <a:p>
+            <a:r>
+              <a:rPr lang="en-US" b="1" dirty="0"/>
+              <a:t>2</a:t>
+            </a:r>
+          </a:p>
+        </p:txBody>
+      </p:sp>
+      <p:sp>
+        <p:nvSpPr>
+          <p:cNvPr id="115" name="TextBox 114">
+            <a:extLst>
+              <a:ext uri="{FF2B5EF4-FFF2-40B4-BE49-F238E27FC236}">
+                <a16:creationId xmlns:a16="http://schemas.microsoft.com/office/drawing/2014/main" id="{6722E463-EA31-386D-9EC7-633367F3B088}"/>
+              </a:ext>
+            </a:extLst>
+          </p:cNvPr>
+          <p:cNvSpPr txBox="1"/>
+          <p:nvPr/>
+        </p:nvSpPr>
+        <p:spPr>
+          <a:xfrm>
+            <a:off x="-6442" y="2662858"/>
+            <a:ext cx="301686" cy="369332"/>
+          </a:xfrm>
+          <a:prstGeom prst="rect">
+            <a:avLst/>
+          </a:prstGeom>
+          <a:noFill/>
+          <a:ln>
+            <a:noFill/>
+          </a:ln>
+        </p:spPr>
+        <p:txBody>
+          <a:bodyPr wrap="none" rtlCol="0">
+            <a:spAutoFit/>
+          </a:bodyPr>
+          <a:lstStyle/>
+          <a:p>
+            <a:r>
+              <a:rPr lang="en-US" b="1" dirty="0"/>
+              <a:t>3</a:t>
+            </a:r>
+          </a:p>
+        </p:txBody>
+      </p:sp>
+      <p:sp>
+        <p:nvSpPr>
+          <p:cNvPr id="118" name="TextBox 117">
+            <a:extLst>
+              <a:ext uri="{FF2B5EF4-FFF2-40B4-BE49-F238E27FC236}">
+                <a16:creationId xmlns:a16="http://schemas.microsoft.com/office/drawing/2014/main" id="{DA1BA7BA-644E-E59A-9697-12FC2A482A70}"/>
+              </a:ext>
+            </a:extLst>
+          </p:cNvPr>
+          <p:cNvSpPr txBox="1"/>
+          <p:nvPr/>
+        </p:nvSpPr>
+        <p:spPr>
+          <a:xfrm>
+            <a:off x="-6442" y="3932480"/>
+            <a:ext cx="301686" cy="369332"/>
+          </a:xfrm>
+          <a:prstGeom prst="rect">
+            <a:avLst/>
+          </a:prstGeom>
+          <a:noFill/>
+          <a:ln>
+            <a:noFill/>
+          </a:ln>
+        </p:spPr>
+        <p:txBody>
+          <a:bodyPr wrap="none" rtlCol="0">
+            <a:spAutoFit/>
+          </a:bodyPr>
+          <a:lstStyle/>
+          <a:p>
+            <a:r>
+              <a:rPr lang="en-US" b="1" dirty="0"/>
+              <a:t>4</a:t>
+            </a:r>
+          </a:p>
+        </p:txBody>
+      </p:sp>
+      <p:sp>
+        <p:nvSpPr>
+          <p:cNvPr id="121" name="TextBox 120">
+            <a:extLst>
+              <a:ext uri="{FF2B5EF4-FFF2-40B4-BE49-F238E27FC236}">
+                <a16:creationId xmlns:a16="http://schemas.microsoft.com/office/drawing/2014/main" id="{89984BFD-5037-3E8B-E69F-088F422254C7}"/>
+              </a:ext>
+            </a:extLst>
+          </p:cNvPr>
+          <p:cNvSpPr txBox="1"/>
+          <p:nvPr/>
+        </p:nvSpPr>
+        <p:spPr>
+          <a:xfrm>
+            <a:off x="-6442" y="5030757"/>
+            <a:ext cx="301686" cy="369332"/>
+          </a:xfrm>
+          <a:prstGeom prst="rect">
+            <a:avLst/>
+          </a:prstGeom>
+          <a:noFill/>
+          <a:ln>
+            <a:noFill/>
+          </a:ln>
+        </p:spPr>
+        <p:txBody>
+          <a:bodyPr wrap="none" rtlCol="0">
+            <a:spAutoFit/>
+          </a:bodyPr>
+          <a:lstStyle/>
+          <a:p>
+            <a:r>
+              <a:rPr lang="en-US" b="1" dirty="0"/>
+              <a:t>5</a:t>
+            </a:r>
+          </a:p>
+        </p:txBody>
+      </p:sp>
+      <p:sp>
+        <p:nvSpPr>
+          <p:cNvPr id="124" name="TextBox 123">
+            <a:extLst>
+              <a:ext uri="{FF2B5EF4-FFF2-40B4-BE49-F238E27FC236}">
+                <a16:creationId xmlns:a16="http://schemas.microsoft.com/office/drawing/2014/main" id="{2D729A3F-E07C-480B-7497-64B79B4E04F2}"/>
+              </a:ext>
+            </a:extLst>
+          </p:cNvPr>
+          <p:cNvSpPr txBox="1"/>
+          <p:nvPr/>
+        </p:nvSpPr>
+        <p:spPr>
+          <a:xfrm>
+            <a:off x="-6442" y="5878953"/>
+            <a:ext cx="301686" cy="369332"/>
+          </a:xfrm>
+          <a:prstGeom prst="rect">
+            <a:avLst/>
+          </a:prstGeom>
+          <a:noFill/>
+          <a:ln>
+            <a:noFill/>
+          </a:ln>
+        </p:spPr>
+        <p:txBody>
+          <a:bodyPr wrap="none" rtlCol="0">
+            <a:spAutoFit/>
+          </a:bodyPr>
+          <a:lstStyle/>
+          <a:p>
+            <a:r>
+              <a:rPr lang="en-US" b="1" dirty="0"/>
+              <a:t>6</a:t>
+            </a:r>
+          </a:p>
+        </p:txBody>
+      </p:sp>
+      <p:sp>
+        <p:nvSpPr>
+          <p:cNvPr id="194" name="Rectangle 193">
+            <a:extLst>
+              <a:ext uri="{FF2B5EF4-FFF2-40B4-BE49-F238E27FC236}">
+                <a16:creationId xmlns:a16="http://schemas.microsoft.com/office/drawing/2014/main" id="{63848BB3-1B21-B532-2503-384605509331}"/>
+              </a:ext>
+            </a:extLst>
+          </p:cNvPr>
+          <p:cNvSpPr/>
+          <p:nvPr/>
+        </p:nvSpPr>
+        <p:spPr>
+          <a:xfrm>
+            <a:off x="1655806" y="1217934"/>
+            <a:ext cx="250121" cy="263962"/>
+          </a:xfrm>
+          <a:prstGeom prst="rect">
+            <a:avLst/>
+          </a:prstGeom>
+          <a:solidFill>
+            <a:schemeClr val="accent6">
+              <a:lumMod val="20000"/>
+              <a:lumOff val="80000"/>
+            </a:schemeClr>
+          </a:solidFill>
+          <a:ln>
+            <a:solidFill>
+              <a:schemeClr val="tx1"/>
+            </a:solidFill>
+          </a:ln>
+        </p:spPr>
+        <p:style>
+          <a:lnRef idx="2">
+            <a:schemeClr val="accent1">
+              <a:shade val="15000"/>
+            </a:schemeClr>
+          </a:lnRef>
+          <a:fillRef idx="1">
+            <a:schemeClr val="accent1"/>
+          </a:fillRef>
+          <a:effectRef idx="0">
+            <a:schemeClr val="accent1"/>
+          </a:effectRef>
+          <a:fontRef idx="minor">
+            <a:schemeClr val="lt1"/>
+          </a:fontRef>
+        </p:style>
+        <p:txBody>
+          <a:bodyPr rtlCol="0" anchor="ctr"/>
+          <a:lstStyle/>
+          <a:p>
+            <a:pPr algn="ctr"/>
+            <a:endParaRPr lang="en-US"/>
+          </a:p>
+        </p:txBody>
+      </p:sp>
+      <p:sp>
+        <p:nvSpPr>
+          <p:cNvPr id="197" name="Rectangle 196">
+            <a:extLst>
+              <a:ext uri="{FF2B5EF4-FFF2-40B4-BE49-F238E27FC236}">
+                <a16:creationId xmlns:a16="http://schemas.microsoft.com/office/drawing/2014/main" id="{4E5DA283-B938-95D2-F6D1-EE321C41C80A}"/>
+              </a:ext>
+            </a:extLst>
+          </p:cNvPr>
+          <p:cNvSpPr/>
+          <p:nvPr/>
+        </p:nvSpPr>
+        <p:spPr>
+          <a:xfrm>
+            <a:off x="1655806" y="2015493"/>
+            <a:ext cx="250121" cy="263962"/>
+          </a:xfrm>
+          <a:prstGeom prst="rect">
+            <a:avLst/>
+          </a:prstGeom>
+          <a:solidFill>
+            <a:schemeClr val="accent6">
+              <a:lumMod val="20000"/>
+              <a:lumOff val="80000"/>
+            </a:schemeClr>
+          </a:solidFill>
+          <a:ln>
+            <a:solidFill>
+              <a:schemeClr val="tx1"/>
+            </a:solidFill>
+          </a:ln>
+        </p:spPr>
+        <p:style>
+          <a:lnRef idx="2">
+            <a:schemeClr val="accent1">
+              <a:shade val="15000"/>
+            </a:schemeClr>
+          </a:lnRef>
+          <a:fillRef idx="1">
+            <a:schemeClr val="accent1"/>
+          </a:fillRef>
+          <a:effectRef idx="0">
+            <a:schemeClr val="accent1"/>
+          </a:effectRef>
+          <a:fontRef idx="minor">
+            <a:schemeClr val="lt1"/>
+          </a:fontRef>
+        </p:style>
+        <p:txBody>
+          <a:bodyPr rtlCol="0" anchor="ctr"/>
+          <a:lstStyle/>
+          <a:p>
+            <a:pPr algn="ctr"/>
+            <a:endParaRPr lang="en-US"/>
+          </a:p>
+        </p:txBody>
+      </p:sp>
+      <p:sp>
+        <p:nvSpPr>
+          <p:cNvPr id="200" name="Rectangle 199">
+            <a:extLst>
+              <a:ext uri="{FF2B5EF4-FFF2-40B4-BE49-F238E27FC236}">
+                <a16:creationId xmlns:a16="http://schemas.microsoft.com/office/drawing/2014/main" id="{1BA8AA13-9FCB-ABDE-68F3-2E60589FC3E3}"/>
+              </a:ext>
+            </a:extLst>
+          </p:cNvPr>
+          <p:cNvSpPr/>
+          <p:nvPr/>
+        </p:nvSpPr>
+        <p:spPr>
+          <a:xfrm>
+            <a:off x="1655806" y="3102501"/>
+            <a:ext cx="250121" cy="263962"/>
+          </a:xfrm>
+          <a:prstGeom prst="rect">
+            <a:avLst/>
+          </a:prstGeom>
+          <a:solidFill>
+            <a:schemeClr val="accent6">
+              <a:lumMod val="20000"/>
+              <a:lumOff val="80000"/>
+            </a:schemeClr>
+          </a:solidFill>
+          <a:ln>
+            <a:solidFill>
+              <a:schemeClr val="tx1"/>
+            </a:solidFill>
+          </a:ln>
+        </p:spPr>
+        <p:style>
+          <a:lnRef idx="2">
+            <a:schemeClr val="accent1">
+              <a:shade val="15000"/>
+            </a:schemeClr>
+          </a:lnRef>
+          <a:fillRef idx="1">
+            <a:schemeClr val="accent1"/>
+          </a:fillRef>
+          <a:effectRef idx="0">
+            <a:schemeClr val="accent1"/>
+          </a:effectRef>
+          <a:fontRef idx="minor">
+            <a:schemeClr val="lt1"/>
+          </a:fontRef>
+        </p:style>
+        <p:txBody>
+          <a:bodyPr rtlCol="0" anchor="ctr"/>
+          <a:lstStyle/>
+          <a:p>
+            <a:pPr algn="ctr"/>
+            <a:endParaRPr lang="en-US"/>
+          </a:p>
+        </p:txBody>
+      </p:sp>
+      <p:sp>
+        <p:nvSpPr>
+          <p:cNvPr id="203" name="Rectangle 202">
+            <a:extLst>
+              <a:ext uri="{FF2B5EF4-FFF2-40B4-BE49-F238E27FC236}">
+                <a16:creationId xmlns:a16="http://schemas.microsoft.com/office/drawing/2014/main" id="{0870F3B1-9B2A-7076-3A8C-3095F62DC191}"/>
+              </a:ext>
+            </a:extLst>
+          </p:cNvPr>
+          <p:cNvSpPr/>
+          <p:nvPr/>
+        </p:nvSpPr>
+        <p:spPr>
+          <a:xfrm>
+            <a:off x="1655806" y="3965723"/>
+            <a:ext cx="250121" cy="263962"/>
+          </a:xfrm>
+          <a:prstGeom prst="rect">
+            <a:avLst/>
+          </a:prstGeom>
+          <a:solidFill>
+            <a:schemeClr val="accent6">
+              <a:lumMod val="20000"/>
+              <a:lumOff val="80000"/>
+            </a:schemeClr>
+          </a:solidFill>
+          <a:ln>
+            <a:solidFill>
+              <a:schemeClr val="tx1"/>
+            </a:solidFill>
+          </a:ln>
+        </p:spPr>
+        <p:style>
+          <a:lnRef idx="2">
+            <a:schemeClr val="accent1">
+              <a:shade val="15000"/>
+            </a:schemeClr>
+          </a:lnRef>
+          <a:fillRef idx="1">
+            <a:schemeClr val="accent1"/>
+          </a:fillRef>
+          <a:effectRef idx="0">
+            <a:schemeClr val="accent1"/>
+          </a:effectRef>
+          <a:fontRef idx="minor">
+            <a:schemeClr val="lt1"/>
+          </a:fontRef>
+        </p:style>
+        <p:txBody>
+          <a:bodyPr rtlCol="0" anchor="ctr"/>
+          <a:lstStyle/>
+          <a:p>
+            <a:pPr algn="ctr"/>
+            <a:endParaRPr lang="en-US"/>
+          </a:p>
+        </p:txBody>
+      </p:sp>
+      <p:sp>
+        <p:nvSpPr>
+          <p:cNvPr id="206" name="Rectangle 205">
+            <a:extLst>
+              <a:ext uri="{FF2B5EF4-FFF2-40B4-BE49-F238E27FC236}">
+                <a16:creationId xmlns:a16="http://schemas.microsoft.com/office/drawing/2014/main" id="{B6B852E0-1017-433E-644B-B837B4B7DA3C}"/>
+              </a:ext>
+            </a:extLst>
+          </p:cNvPr>
+          <p:cNvSpPr/>
+          <p:nvPr/>
+        </p:nvSpPr>
+        <p:spPr>
+          <a:xfrm>
+            <a:off x="1655806" y="4918146"/>
+            <a:ext cx="250121" cy="263962"/>
+          </a:xfrm>
+          <a:prstGeom prst="rect">
+            <a:avLst/>
+          </a:prstGeom>
+          <a:solidFill>
+            <a:schemeClr val="accent6">
+              <a:lumMod val="20000"/>
+              <a:lumOff val="80000"/>
+            </a:schemeClr>
+          </a:solidFill>
+          <a:ln>
+            <a:solidFill>
+              <a:schemeClr val="tx1"/>
+            </a:solidFill>
+          </a:ln>
+        </p:spPr>
+        <p:style>
+          <a:lnRef idx="2">
+            <a:schemeClr val="accent1">
+              <a:shade val="15000"/>
+            </a:schemeClr>
+          </a:lnRef>
+          <a:fillRef idx="1">
+            <a:schemeClr val="accent1"/>
+          </a:fillRef>
+          <a:effectRef idx="0">
+            <a:schemeClr val="accent1"/>
+          </a:effectRef>
+          <a:fontRef idx="minor">
+            <a:schemeClr val="lt1"/>
+          </a:fontRef>
+        </p:style>
+        <p:txBody>
+          <a:bodyPr rtlCol="0" anchor="ctr"/>
+          <a:lstStyle/>
+          <a:p>
+            <a:pPr algn="ctr"/>
+            <a:endParaRPr lang="en-US"/>
+          </a:p>
+        </p:txBody>
+      </p:sp>
+      <p:sp>
+        <p:nvSpPr>
+          <p:cNvPr id="209" name="Rectangle 208">
+            <a:extLst>
+              <a:ext uri="{FF2B5EF4-FFF2-40B4-BE49-F238E27FC236}">
+                <a16:creationId xmlns:a16="http://schemas.microsoft.com/office/drawing/2014/main" id="{9DA259B4-0986-5B58-F235-8A49F108E680}"/>
+              </a:ext>
+            </a:extLst>
+          </p:cNvPr>
+          <p:cNvSpPr/>
+          <p:nvPr/>
+        </p:nvSpPr>
+        <p:spPr>
+          <a:xfrm>
+            <a:off x="1655806" y="6001096"/>
+            <a:ext cx="250121" cy="263962"/>
+          </a:xfrm>
+          <a:prstGeom prst="rect">
+            <a:avLst/>
+          </a:prstGeom>
+          <a:solidFill>
+            <a:schemeClr val="accent6">
+              <a:lumMod val="20000"/>
+              <a:lumOff val="80000"/>
+            </a:schemeClr>
+          </a:solidFill>
+          <a:ln>
+            <a:solidFill>
+              <a:schemeClr val="tx1"/>
+            </a:solidFill>
+          </a:ln>
+        </p:spPr>
+        <p:style>
+          <a:lnRef idx="2">
+            <a:schemeClr val="accent1">
+              <a:shade val="15000"/>
+            </a:schemeClr>
+          </a:lnRef>
+          <a:fillRef idx="1">
+            <a:schemeClr val="accent1"/>
+          </a:fillRef>
+          <a:effectRef idx="0">
+            <a:schemeClr val="accent1"/>
+          </a:effectRef>
+          <a:fontRef idx="minor">
+            <a:schemeClr val="lt1"/>
+          </a:fontRef>
+        </p:style>
+        <p:txBody>
+          <a:bodyPr rtlCol="0" anchor="ctr"/>
+          <a:lstStyle/>
+          <a:p>
+            <a:pPr algn="ctr"/>
+            <a:endParaRPr lang="en-US"/>
+          </a:p>
+        </p:txBody>
+      </p:sp>
+      <p:sp>
+        <p:nvSpPr>
+          <p:cNvPr id="195" name="TextBox 194">
+            <a:extLst>
+              <a:ext uri="{FF2B5EF4-FFF2-40B4-BE49-F238E27FC236}">
+                <a16:creationId xmlns:a16="http://schemas.microsoft.com/office/drawing/2014/main" id="{3CCE9C6A-7570-6DE8-0530-1AF3CFBEC887}"/>
+              </a:ext>
+            </a:extLst>
+          </p:cNvPr>
+          <p:cNvSpPr txBox="1"/>
+          <p:nvPr/>
+        </p:nvSpPr>
+        <p:spPr>
+          <a:xfrm>
+            <a:off x="1630023" y="1165007"/>
+            <a:ext cx="301686" cy="369332"/>
+          </a:xfrm>
+          <a:prstGeom prst="rect">
+            <a:avLst/>
+          </a:prstGeom>
+          <a:noFill/>
+          <a:ln>
+            <a:noFill/>
+          </a:ln>
+        </p:spPr>
+        <p:txBody>
+          <a:bodyPr wrap="none" rtlCol="0">
+            <a:spAutoFit/>
+          </a:bodyPr>
+          <a:lstStyle/>
+          <a:p>
+            <a:r>
+              <a:rPr lang="en-US" b="1" dirty="0"/>
+              <a:t>7</a:t>
+            </a:r>
+          </a:p>
+        </p:txBody>
+      </p:sp>
+      <p:sp>
+        <p:nvSpPr>
+          <p:cNvPr id="198" name="TextBox 197">
+            <a:extLst>
+              <a:ext uri="{FF2B5EF4-FFF2-40B4-BE49-F238E27FC236}">
+                <a16:creationId xmlns:a16="http://schemas.microsoft.com/office/drawing/2014/main" id="{BE2E07F5-14A0-3979-DABC-446AC7672F3B}"/>
+              </a:ext>
+            </a:extLst>
+          </p:cNvPr>
+          <p:cNvSpPr txBox="1"/>
+          <p:nvPr/>
+        </p:nvSpPr>
+        <p:spPr>
+          <a:xfrm>
+            <a:off x="1630023" y="1962566"/>
+            <a:ext cx="301686" cy="369332"/>
+          </a:xfrm>
+          <a:prstGeom prst="rect">
+            <a:avLst/>
+          </a:prstGeom>
+          <a:noFill/>
+          <a:ln>
+            <a:noFill/>
+          </a:ln>
+        </p:spPr>
+        <p:txBody>
+          <a:bodyPr wrap="none" rtlCol="0">
+            <a:spAutoFit/>
+          </a:bodyPr>
+          <a:lstStyle/>
+          <a:p>
+            <a:r>
+              <a:rPr lang="en-US" b="1" dirty="0"/>
+              <a:t>8</a:t>
+            </a:r>
+          </a:p>
+        </p:txBody>
+      </p:sp>
+      <p:sp>
+        <p:nvSpPr>
+          <p:cNvPr id="201" name="TextBox 200">
+            <a:extLst>
+              <a:ext uri="{FF2B5EF4-FFF2-40B4-BE49-F238E27FC236}">
+                <a16:creationId xmlns:a16="http://schemas.microsoft.com/office/drawing/2014/main" id="{42546DE7-AB00-705A-981D-A9BCEF981FF4}"/>
+              </a:ext>
+            </a:extLst>
+          </p:cNvPr>
+          <p:cNvSpPr txBox="1"/>
+          <p:nvPr/>
+        </p:nvSpPr>
+        <p:spPr>
+          <a:xfrm>
+            <a:off x="1630023" y="3049574"/>
+            <a:ext cx="301686" cy="369332"/>
+          </a:xfrm>
+          <a:prstGeom prst="rect">
+            <a:avLst/>
+          </a:prstGeom>
+          <a:noFill/>
+          <a:ln>
+            <a:noFill/>
+          </a:ln>
+        </p:spPr>
+        <p:txBody>
+          <a:bodyPr wrap="none" rtlCol="0">
+            <a:spAutoFit/>
+          </a:bodyPr>
+          <a:lstStyle/>
+          <a:p>
+            <a:r>
+              <a:rPr lang="en-US" b="1" dirty="0"/>
+              <a:t>9</a:t>
+            </a:r>
+          </a:p>
+        </p:txBody>
+      </p:sp>
+      <p:sp>
+        <p:nvSpPr>
+          <p:cNvPr id="204" name="TextBox 203">
+            <a:extLst>
+              <a:ext uri="{FF2B5EF4-FFF2-40B4-BE49-F238E27FC236}">
+                <a16:creationId xmlns:a16="http://schemas.microsoft.com/office/drawing/2014/main" id="{D6318A78-8CDF-F214-1E31-7E8A5AB80DD1}"/>
+              </a:ext>
+            </a:extLst>
+          </p:cNvPr>
+          <p:cNvSpPr txBox="1"/>
+          <p:nvPr/>
+        </p:nvSpPr>
+        <p:spPr>
+          <a:xfrm>
+            <a:off x="1571514" y="3917520"/>
+            <a:ext cx="418704" cy="369332"/>
+          </a:xfrm>
+          <a:prstGeom prst="rect">
+            <a:avLst/>
+          </a:prstGeom>
+          <a:noFill/>
+          <a:ln>
+            <a:noFill/>
+          </a:ln>
+        </p:spPr>
+        <p:txBody>
+          <a:bodyPr wrap="none" rtlCol="0">
+            <a:spAutoFit/>
+          </a:bodyPr>
+          <a:lstStyle/>
+          <a:p>
+            <a:r>
+              <a:rPr lang="en-US" b="1" dirty="0"/>
+              <a:t>10</a:t>
+            </a:r>
+          </a:p>
+        </p:txBody>
+      </p:sp>
+      <p:sp>
+        <p:nvSpPr>
+          <p:cNvPr id="207" name="TextBox 206">
+            <a:extLst>
+              <a:ext uri="{FF2B5EF4-FFF2-40B4-BE49-F238E27FC236}">
+                <a16:creationId xmlns:a16="http://schemas.microsoft.com/office/drawing/2014/main" id="{CD9327C1-FB58-7331-6299-23471A88D5E2}"/>
+              </a:ext>
+            </a:extLst>
+          </p:cNvPr>
+          <p:cNvSpPr txBox="1"/>
+          <p:nvPr/>
+        </p:nvSpPr>
+        <p:spPr>
+          <a:xfrm>
+            <a:off x="1571514" y="4859839"/>
+            <a:ext cx="418704" cy="369332"/>
+          </a:xfrm>
+          <a:prstGeom prst="rect">
+            <a:avLst/>
+          </a:prstGeom>
+          <a:noFill/>
+          <a:ln>
+            <a:noFill/>
+          </a:ln>
+        </p:spPr>
+        <p:txBody>
+          <a:bodyPr wrap="none" rtlCol="0">
+            <a:spAutoFit/>
+          </a:bodyPr>
+          <a:lstStyle/>
+          <a:p>
+            <a:r>
+              <a:rPr lang="en-US" b="1" dirty="0"/>
+              <a:t>11</a:t>
+            </a:r>
+          </a:p>
+        </p:txBody>
+      </p:sp>
+      <p:sp>
+        <p:nvSpPr>
+          <p:cNvPr id="210" name="TextBox 209">
+            <a:extLst>
+              <a:ext uri="{FF2B5EF4-FFF2-40B4-BE49-F238E27FC236}">
+                <a16:creationId xmlns:a16="http://schemas.microsoft.com/office/drawing/2014/main" id="{8F281781-6DF1-8CBA-F88A-5798EF27EFE7}"/>
+              </a:ext>
+            </a:extLst>
+          </p:cNvPr>
+          <p:cNvSpPr txBox="1"/>
+          <p:nvPr/>
+        </p:nvSpPr>
+        <p:spPr>
+          <a:xfrm>
+            <a:off x="1571514" y="5937777"/>
+            <a:ext cx="418704" cy="369332"/>
+          </a:xfrm>
+          <a:prstGeom prst="rect">
+            <a:avLst/>
+          </a:prstGeom>
+          <a:noFill/>
+          <a:ln>
+            <a:noFill/>
+          </a:ln>
+        </p:spPr>
+        <p:txBody>
+          <a:bodyPr wrap="none" rtlCol="0">
+            <a:spAutoFit/>
+          </a:bodyPr>
+          <a:lstStyle/>
+          <a:p>
+            <a:r>
+              <a:rPr lang="en-US" b="1" dirty="0"/>
+              <a:t>12</a:t>
+            </a:r>
+          </a:p>
+        </p:txBody>
+      </p:sp>
+      <p:sp>
+        <p:nvSpPr>
+          <p:cNvPr id="216" name="Rectangle 215">
+            <a:extLst>
+              <a:ext uri="{FF2B5EF4-FFF2-40B4-BE49-F238E27FC236}">
+                <a16:creationId xmlns:a16="http://schemas.microsoft.com/office/drawing/2014/main" id="{3E3F9CDF-0F34-9947-6594-D89095500F32}"/>
+              </a:ext>
+            </a:extLst>
+          </p:cNvPr>
+          <p:cNvSpPr/>
+          <p:nvPr/>
+        </p:nvSpPr>
+        <p:spPr>
+          <a:xfrm>
+            <a:off x="3793331" y="1560339"/>
+            <a:ext cx="3994309" cy="208234"/>
+          </a:xfrm>
+          <a:prstGeom prst="rect">
+            <a:avLst/>
+          </a:prstGeom>
+          <a:noFill/>
+          <a:ln>
+            <a:solidFill>
+              <a:srgbClr val="FFC000"/>
+            </a:solidFill>
+          </a:ln>
+        </p:spPr>
+        <p:style>
+          <a:lnRef idx="2">
+            <a:schemeClr val="accent1">
+              <a:shade val="15000"/>
+            </a:schemeClr>
+          </a:lnRef>
+          <a:fillRef idx="1">
+            <a:schemeClr val="accent1"/>
+          </a:fillRef>
+          <a:effectRef idx="0">
+            <a:schemeClr val="accent1"/>
+          </a:effectRef>
+          <a:fontRef idx="minor">
+            <a:schemeClr val="lt1"/>
+          </a:fontRef>
+        </p:style>
+        <p:txBody>
+          <a:bodyPr rtlCol="0" anchor="ctr"/>
+          <a:lstStyle/>
+          <a:p>
+            <a:pPr algn="ctr"/>
+            <a:endParaRPr lang="en-US"/>
+          </a:p>
+        </p:txBody>
+      </p:sp>
+      <p:sp>
+        <p:nvSpPr>
+          <p:cNvPr id="106" name="Rectangle 105">
+            <a:extLst>
+              <a:ext uri="{FF2B5EF4-FFF2-40B4-BE49-F238E27FC236}">
+                <a16:creationId xmlns:a16="http://schemas.microsoft.com/office/drawing/2014/main" id="{697DA9C3-4270-73DA-F608-F3A276CA658B}"/>
+              </a:ext>
+            </a:extLst>
+          </p:cNvPr>
+          <p:cNvSpPr/>
+          <p:nvPr/>
+        </p:nvSpPr>
+        <p:spPr>
+          <a:xfrm>
+            <a:off x="9520346" y="6228827"/>
+            <a:ext cx="2551002" cy="629173"/>
+          </a:xfrm>
+          <a:prstGeom prst="rect">
+            <a:avLst/>
+          </a:prstGeom>
+          <a:solidFill>
+            <a:schemeClr val="bg1"/>
+          </a:solidFill>
+          <a:ln>
+            <a:noFill/>
+          </a:ln>
+        </p:spPr>
+        <p:style>
+          <a:lnRef idx="2">
+            <a:schemeClr val="accent1">
+              <a:shade val="15000"/>
+            </a:schemeClr>
+          </a:lnRef>
+          <a:fillRef idx="1">
+            <a:schemeClr val="accent1"/>
+          </a:fillRef>
+          <a:effectRef idx="0">
+            <a:schemeClr val="accent1"/>
+          </a:effectRef>
+          <a:fontRef idx="minor">
+            <a:schemeClr val="lt1"/>
+          </a:fontRef>
+        </p:style>
+        <p:txBody>
+          <a:bodyPr rtlCol="0" anchor="ctr"/>
+          <a:lstStyle/>
+          <a:p>
+            <a:pPr algn="ctr"/>
+            <a:endParaRPr lang="en-US"/>
+          </a:p>
+        </p:txBody>
+      </p:sp>
+      <p:sp>
+        <p:nvSpPr>
+          <p:cNvPr id="218" name="Rectangle 217">
+            <a:extLst>
+              <a:ext uri="{FF2B5EF4-FFF2-40B4-BE49-F238E27FC236}">
+                <a16:creationId xmlns:a16="http://schemas.microsoft.com/office/drawing/2014/main" id="{D4C1C45A-F05E-E23E-4D76-E328F4A54DA6}"/>
+              </a:ext>
+            </a:extLst>
+          </p:cNvPr>
+          <p:cNvSpPr/>
+          <p:nvPr/>
+        </p:nvSpPr>
+        <p:spPr>
+          <a:xfrm>
+            <a:off x="8953498" y="3292475"/>
+            <a:ext cx="1753665" cy="190500"/>
+          </a:xfrm>
+          <a:prstGeom prst="rect">
+            <a:avLst/>
+          </a:prstGeom>
+          <a:solidFill>
+            <a:schemeClr val="bg1"/>
+          </a:solidFill>
+          <a:ln>
+            <a:solidFill>
+              <a:srgbClr val="FFC000"/>
+            </a:solidFill>
+          </a:ln>
+        </p:spPr>
+        <p:style>
+          <a:lnRef idx="2">
+            <a:schemeClr val="accent1">
+              <a:shade val="15000"/>
+            </a:schemeClr>
+          </a:lnRef>
+          <a:fillRef idx="1">
+            <a:schemeClr val="accent1"/>
+          </a:fillRef>
+          <a:effectRef idx="0">
+            <a:schemeClr val="accent1"/>
+          </a:effectRef>
+          <a:fontRef idx="minor">
+            <a:schemeClr val="lt1"/>
+          </a:fontRef>
+        </p:style>
+        <p:txBody>
+          <a:bodyPr rtlCol="0" anchor="ctr"/>
+          <a:lstStyle/>
+          <a:p>
+            <a:pPr algn="ctr"/>
+            <a:endParaRPr lang="en-US"/>
+          </a:p>
+        </p:txBody>
+      </p:sp>
+      <p:sp>
+        <p:nvSpPr>
           <p:cNvPr id="217" name="TextBox 216">
             <a:extLst>
               <a:ext uri="{FF2B5EF4-FFF2-40B4-BE49-F238E27FC236}">
@@ -17259,7 +16950,7 @@
         </p:nvSpPr>
         <p:spPr>
           <a:xfrm>
-            <a:off x="8759096" y="2959340"/>
+            <a:off x="8968646" y="3254615"/>
             <a:ext cx="1753665" cy="276999"/>
           </a:xfrm>
           <a:prstGeom prst="rect">
@@ -17294,7 +16985,7 @@
         </p:nvGrpSpPr>
         <p:grpSpPr>
           <a:xfrm>
-            <a:off x="8989354" y="3764618"/>
+            <a:off x="9627529" y="4155143"/>
             <a:ext cx="910954" cy="276999"/>
             <a:chOff x="9575800" y="2959340"/>
             <a:chExt cx="910954" cy="276999"/>
@@ -17404,7 +17095,7 @@
         </p:nvGrpSpPr>
         <p:grpSpPr>
           <a:xfrm>
-            <a:off x="9206102" y="2112932"/>
+            <a:off x="9444227" y="2312957"/>
             <a:ext cx="1274427" cy="276999"/>
             <a:chOff x="9524537" y="2946808"/>
             <a:chExt cx="956323" cy="276999"/>
@@ -17514,7 +17205,7 @@
         </p:nvSpPr>
         <p:spPr>
           <a:xfrm>
-            <a:off x="10389548" y="2959340"/>
+            <a:off x="10599097" y="3254615"/>
             <a:ext cx="421571" cy="263962"/>
           </a:xfrm>
           <a:prstGeom prst="rect">
@@ -17571,7 +17262,7 @@
         </p:nvSpPr>
         <p:spPr>
           <a:xfrm>
-            <a:off x="10334875" y="2904820"/>
+            <a:off x="10544425" y="3200095"/>
             <a:ext cx="530915" cy="369332"/>
           </a:xfrm>
           <a:prstGeom prst="rect">
@@ -17609,7 +17300,7 @@
         </p:nvSpPr>
         <p:spPr>
           <a:xfrm>
-            <a:off x="9889979" y="3767859"/>
+            <a:off x="10475272" y="4158384"/>
             <a:ext cx="250121" cy="263962"/>
           </a:xfrm>
           <a:prstGeom prst="rect">
@@ -17666,7 +17357,7 @@
         </p:nvSpPr>
         <p:spPr>
           <a:xfrm>
-            <a:off x="9864196" y="3721873"/>
+            <a:off x="10449489" y="4112398"/>
             <a:ext cx="301686" cy="369332"/>
           </a:xfrm>
           <a:prstGeom prst="rect">
@@ -17704,7 +17395,7 @@
         </p:nvSpPr>
         <p:spPr>
           <a:xfrm>
-            <a:off x="10440103" y="2110646"/>
+            <a:off x="10675297" y="2310671"/>
             <a:ext cx="250121" cy="263962"/>
           </a:xfrm>
           <a:prstGeom prst="rect">
@@ -17761,7 +17452,7 @@
         </p:nvSpPr>
         <p:spPr>
           <a:xfrm>
-            <a:off x="10414320" y="2064660"/>
+            <a:off x="10649514" y="2264685"/>
             <a:ext cx="301686" cy="369332"/>
           </a:xfrm>
           <a:prstGeom prst="rect">
@@ -17799,8 +17490,8 @@
         </p:nvSpPr>
         <p:spPr>
           <a:xfrm>
-            <a:off x="3777556" y="1884126"/>
-            <a:ext cx="4006705" cy="208234"/>
+            <a:off x="3793331" y="1769826"/>
+            <a:ext cx="3990930" cy="208234"/>
           </a:xfrm>
           <a:prstGeom prst="rect">
             <a:avLst/>
@@ -17851,7 +17542,7 @@
         </p:nvGrpSpPr>
         <p:grpSpPr>
           <a:xfrm>
-            <a:off x="7712683" y="1565984"/>
+            <a:off x="7706887" y="1451684"/>
             <a:ext cx="301686" cy="369332"/>
             <a:chOff x="7712683" y="1565984"/>
             <a:chExt cx="301686" cy="369332"/>
@@ -17967,7 +17658,7 @@
         </p:nvGrpSpPr>
         <p:grpSpPr>
           <a:xfrm>
-            <a:off x="7712683" y="1803074"/>
+            <a:off x="7706887" y="1688774"/>
             <a:ext cx="301686" cy="369332"/>
             <a:chOff x="7712683" y="1565984"/>
             <a:chExt cx="301686" cy="369332"/>
@@ -18083,8 +17774,8 @@
         </p:nvSpPr>
         <p:spPr>
           <a:xfrm>
-            <a:off x="3777556" y="2098044"/>
-            <a:ext cx="4006705" cy="208234"/>
+            <a:off x="3793331" y="1983743"/>
+            <a:ext cx="3990930" cy="242725"/>
           </a:xfrm>
           <a:prstGeom prst="rect">
             <a:avLst/>
@@ -18135,7 +17826,7 @@
         </p:nvGrpSpPr>
         <p:grpSpPr>
           <a:xfrm>
-            <a:off x="7712683" y="2032232"/>
+            <a:off x="7706887" y="1917932"/>
             <a:ext cx="301686" cy="369332"/>
             <a:chOff x="7712683" y="1565984"/>
             <a:chExt cx="301686" cy="369332"/>
@@ -18251,7 +17942,7 @@
         </p:nvSpPr>
         <p:spPr>
           <a:xfrm>
-            <a:off x="7706729" y="6111271"/>
+            <a:off x="7732670" y="5996971"/>
             <a:ext cx="250121" cy="263962"/>
           </a:xfrm>
           <a:prstGeom prst="rect">
@@ -18308,8 +17999,8 @@
         </p:nvSpPr>
         <p:spPr>
           <a:xfrm>
-            <a:off x="3641484" y="2952695"/>
-            <a:ext cx="4239771" cy="2910628"/>
+            <a:off x="3590925" y="2225675"/>
+            <a:ext cx="4324349" cy="3287713"/>
           </a:xfrm>
           <a:prstGeom prst="rect">
             <a:avLst/>
@@ -18360,7 +18051,7 @@
         </p:nvSpPr>
         <p:spPr>
           <a:xfrm>
-            <a:off x="7734266" y="2927929"/>
+            <a:off x="7732670" y="2192218"/>
             <a:ext cx="250121" cy="263962"/>
           </a:xfrm>
           <a:prstGeom prst="rect">
@@ -18417,7 +18108,7 @@
         </p:nvSpPr>
         <p:spPr>
           <a:xfrm>
-            <a:off x="7708483" y="2875002"/>
+            <a:off x="7706887" y="2139291"/>
             <a:ext cx="301686" cy="369332"/>
           </a:xfrm>
           <a:prstGeom prst="rect">
@@ -18455,8 +18146,8 @@
         </p:nvSpPr>
         <p:spPr>
           <a:xfrm>
-            <a:off x="3641484" y="5862022"/>
-            <a:ext cx="4165600" cy="247987"/>
+            <a:off x="3702050" y="4445973"/>
+            <a:ext cx="4178300" cy="195878"/>
           </a:xfrm>
           <a:prstGeom prst="rect">
             <a:avLst/>
@@ -18507,7 +18198,7 @@
         </p:nvSpPr>
         <p:spPr>
           <a:xfrm>
-            <a:off x="7688775" y="5859865"/>
+            <a:off x="7732670" y="4415237"/>
             <a:ext cx="250121" cy="263962"/>
           </a:xfrm>
           <a:prstGeom prst="rect">
@@ -18564,7 +18255,7 @@
         </p:nvSpPr>
         <p:spPr>
           <a:xfrm>
-            <a:off x="7662992" y="5806938"/>
+            <a:off x="7706887" y="4362310"/>
             <a:ext cx="301686" cy="369332"/>
           </a:xfrm>
           <a:prstGeom prst="rect">
@@ -18602,7 +18293,7 @@
         </p:nvSpPr>
         <p:spPr>
           <a:xfrm>
-            <a:off x="7680946" y="6058344"/>
+            <a:off x="7706887" y="5944044"/>
             <a:ext cx="301686" cy="369332"/>
           </a:xfrm>
           <a:prstGeom prst="rect">
@@ -18626,6 +18317,374 @@
           </a:p>
         </p:txBody>
       </p:sp>
+      <p:pic>
+        <p:nvPicPr>
+          <p:cNvPr id="30" name="Picture 29">
+            <a:extLst>
+              <a:ext uri="{FF2B5EF4-FFF2-40B4-BE49-F238E27FC236}">
+                <a16:creationId xmlns:a16="http://schemas.microsoft.com/office/drawing/2014/main" id="{8FF26B57-6D77-BAFF-A366-6C81830E7A91}"/>
+              </a:ext>
+            </a:extLst>
+          </p:cNvPr>
+          <p:cNvPicPr>
+            <a:picLocks noChangeAspect="1"/>
+          </p:cNvPicPr>
+          <p:nvPr/>
+        </p:nvPicPr>
+        <p:blipFill>
+          <a:blip r:embed="rId8">
+            <a:clrChange>
+              <a:clrFrom>
+                <a:srgbClr val="FFFFFF"/>
+              </a:clrFrom>
+              <a:clrTo>
+                <a:srgbClr val="FFFFFF">
+                  <a:alpha val="0"/>
+                </a:srgbClr>
+              </a:clrTo>
+            </a:clrChange>
+          </a:blip>
+          <a:stretch>
+            <a:fillRect/>
+          </a:stretch>
+        </p:blipFill>
+        <p:spPr>
+          <a:xfrm>
+            <a:off x="3451661" y="4828492"/>
+            <a:ext cx="4391638" cy="704948"/>
+          </a:xfrm>
+          <a:prstGeom prst="rect">
+            <a:avLst/>
+          </a:prstGeom>
+        </p:spPr>
+      </p:pic>
+      <p:sp>
+        <p:nvSpPr>
+          <p:cNvPr id="31" name="Rectangle 30">
+            <a:extLst>
+              <a:ext uri="{FF2B5EF4-FFF2-40B4-BE49-F238E27FC236}">
+                <a16:creationId xmlns:a16="http://schemas.microsoft.com/office/drawing/2014/main" id="{C8D8078F-438E-5314-939E-486BE37E4F7B}"/>
+              </a:ext>
+            </a:extLst>
+          </p:cNvPr>
+          <p:cNvSpPr/>
+          <p:nvPr/>
+        </p:nvSpPr>
+        <p:spPr>
+          <a:xfrm>
+            <a:off x="3690938" y="5298468"/>
+            <a:ext cx="4203695" cy="214919"/>
+          </a:xfrm>
+          <a:prstGeom prst="rect">
+            <a:avLst/>
+          </a:prstGeom>
+          <a:noFill/>
+          <a:ln>
+            <a:solidFill>
+              <a:srgbClr val="FFC000"/>
+            </a:solidFill>
+          </a:ln>
+        </p:spPr>
+        <p:style>
+          <a:lnRef idx="2">
+            <a:schemeClr val="accent1">
+              <a:shade val="15000"/>
+            </a:schemeClr>
+          </a:lnRef>
+          <a:fillRef idx="1">
+            <a:schemeClr val="accent1"/>
+          </a:fillRef>
+          <a:effectRef idx="0">
+            <a:schemeClr val="accent1"/>
+          </a:effectRef>
+          <a:fontRef idx="minor">
+            <a:schemeClr val="lt1"/>
+          </a:fontRef>
+        </p:style>
+        <p:txBody>
+          <a:bodyPr rtlCol="0" anchor="ctr"/>
+          <a:lstStyle/>
+          <a:p>
+            <a:pPr algn="ctr"/>
+            <a:endParaRPr lang="en-US"/>
+          </a:p>
+        </p:txBody>
+      </p:sp>
+      <p:sp>
+        <p:nvSpPr>
+          <p:cNvPr id="32" name="Rectangle 31">
+            <a:extLst>
+              <a:ext uri="{FF2B5EF4-FFF2-40B4-BE49-F238E27FC236}">
+                <a16:creationId xmlns:a16="http://schemas.microsoft.com/office/drawing/2014/main" id="{FEF562D2-0F99-0657-87FC-E3426F1A17AF}"/>
+              </a:ext>
+            </a:extLst>
+          </p:cNvPr>
+          <p:cNvSpPr/>
+          <p:nvPr/>
+        </p:nvSpPr>
+        <p:spPr>
+          <a:xfrm>
+            <a:off x="7732670" y="5267733"/>
+            <a:ext cx="250121" cy="263962"/>
+          </a:xfrm>
+          <a:prstGeom prst="rect">
+            <a:avLst/>
+          </a:prstGeom>
+          <a:solidFill>
+            <a:schemeClr val="accent6">
+              <a:lumMod val="20000"/>
+              <a:lumOff val="80000"/>
+            </a:schemeClr>
+          </a:solidFill>
+          <a:ln>
+            <a:solidFill>
+              <a:schemeClr val="tx1"/>
+            </a:solidFill>
+          </a:ln>
+        </p:spPr>
+        <p:style>
+          <a:lnRef idx="2">
+            <a:schemeClr val="accent1">
+              <a:shade val="15000"/>
+            </a:schemeClr>
+          </a:lnRef>
+          <a:fillRef idx="1">
+            <a:schemeClr val="accent1"/>
+          </a:fillRef>
+          <a:effectRef idx="0">
+            <a:schemeClr val="accent1"/>
+          </a:effectRef>
+          <a:fontRef idx="minor">
+            <a:schemeClr val="lt1"/>
+          </a:fontRef>
+        </p:style>
+        <p:txBody>
+          <a:bodyPr rtlCol="0" anchor="ctr"/>
+          <a:lstStyle/>
+          <a:p>
+            <a:pPr algn="ctr"/>
+            <a:endParaRPr lang="en-US"/>
+          </a:p>
+        </p:txBody>
+      </p:sp>
+      <p:sp>
+        <p:nvSpPr>
+          <p:cNvPr id="33" name="TextBox 32">
+            <a:extLst>
+              <a:ext uri="{FF2B5EF4-FFF2-40B4-BE49-F238E27FC236}">
+                <a16:creationId xmlns:a16="http://schemas.microsoft.com/office/drawing/2014/main" id="{D7F66394-C0AF-735A-8D94-0DD9ABDA886C}"/>
+              </a:ext>
+            </a:extLst>
+          </p:cNvPr>
+          <p:cNvSpPr txBox="1"/>
+          <p:nvPr/>
+        </p:nvSpPr>
+        <p:spPr>
+          <a:xfrm>
+            <a:off x="7706887" y="5214806"/>
+            <a:ext cx="301686" cy="369332"/>
+          </a:xfrm>
+          <a:prstGeom prst="rect">
+            <a:avLst/>
+          </a:prstGeom>
+          <a:noFill/>
+          <a:ln>
+            <a:noFill/>
+          </a:ln>
+        </p:spPr>
+        <p:txBody>
+          <a:bodyPr wrap="none" rtlCol="0">
+            <a:spAutoFit/>
+          </a:bodyPr>
+          <a:lstStyle/>
+          <a:p>
+            <a:r>
+              <a:rPr lang="en-US" b="1" dirty="0"/>
+              <a:t>7</a:t>
+            </a:r>
+          </a:p>
+        </p:txBody>
+      </p:sp>
+      <p:cxnSp>
+        <p:nvCxnSpPr>
+          <p:cNvPr id="77" name="Straight Connector 76">
+            <a:extLst>
+              <a:ext uri="{FF2B5EF4-FFF2-40B4-BE49-F238E27FC236}">
+                <a16:creationId xmlns:a16="http://schemas.microsoft.com/office/drawing/2014/main" id="{3A9B3B19-BA0B-E3BE-B99D-4D45468EAF57}"/>
+              </a:ext>
+            </a:extLst>
+          </p:cNvPr>
+          <p:cNvCxnSpPr>
+            <a:cxnSpLocks/>
+          </p:cNvCxnSpPr>
+          <p:nvPr/>
+        </p:nvCxnSpPr>
+        <p:spPr>
+          <a:xfrm flipH="1">
+            <a:off x="3690938" y="1273181"/>
+            <a:ext cx="1986" cy="5546719"/>
+          </a:xfrm>
+          <a:prstGeom prst="line">
+            <a:avLst/>
+          </a:prstGeom>
+          <a:ln>
+            <a:solidFill>
+              <a:schemeClr val="bg1">
+                <a:lumMod val="85000"/>
+              </a:schemeClr>
+            </a:solidFill>
+          </a:ln>
+        </p:spPr>
+        <p:style>
+          <a:lnRef idx="1">
+            <a:schemeClr val="accent1"/>
+          </a:lnRef>
+          <a:fillRef idx="0">
+            <a:schemeClr val="accent1"/>
+          </a:fillRef>
+          <a:effectRef idx="0">
+            <a:schemeClr val="accent1"/>
+          </a:effectRef>
+          <a:fontRef idx="minor">
+            <a:schemeClr val="tx1"/>
+          </a:fontRef>
+        </p:style>
+      </p:cxnSp>
+      <p:cxnSp>
+        <p:nvCxnSpPr>
+          <p:cNvPr id="72" name="Straight Connector 71">
+            <a:extLst>
+              <a:ext uri="{FF2B5EF4-FFF2-40B4-BE49-F238E27FC236}">
+                <a16:creationId xmlns:a16="http://schemas.microsoft.com/office/drawing/2014/main" id="{C3D000C3-A999-B2E2-2FA5-3F6DB494CC12}"/>
+              </a:ext>
+            </a:extLst>
+          </p:cNvPr>
+          <p:cNvCxnSpPr>
+            <a:cxnSpLocks/>
+          </p:cNvCxnSpPr>
+          <p:nvPr/>
+        </p:nvCxnSpPr>
+        <p:spPr>
+          <a:xfrm>
+            <a:off x="3585863" y="1056773"/>
+            <a:ext cx="0" cy="5544052"/>
+          </a:xfrm>
+          <a:prstGeom prst="line">
+            <a:avLst/>
+          </a:prstGeom>
+          <a:ln>
+            <a:solidFill>
+              <a:schemeClr val="bg1">
+                <a:lumMod val="85000"/>
+              </a:schemeClr>
+            </a:solidFill>
+          </a:ln>
+        </p:spPr>
+        <p:style>
+          <a:lnRef idx="1">
+            <a:schemeClr val="accent1"/>
+          </a:lnRef>
+          <a:fillRef idx="0">
+            <a:schemeClr val="accent1"/>
+          </a:fillRef>
+          <a:effectRef idx="0">
+            <a:schemeClr val="accent1"/>
+          </a:effectRef>
+          <a:fontRef idx="minor">
+            <a:schemeClr val="tx1"/>
+          </a:fontRef>
+        </p:style>
+      </p:cxnSp>
+      <p:cxnSp>
+        <p:nvCxnSpPr>
+          <p:cNvPr id="81" name="Straight Connector 80">
+            <a:extLst>
+              <a:ext uri="{FF2B5EF4-FFF2-40B4-BE49-F238E27FC236}">
+                <a16:creationId xmlns:a16="http://schemas.microsoft.com/office/drawing/2014/main" id="{7B38F0E2-12CF-3EA8-3158-0B063D852488}"/>
+              </a:ext>
+            </a:extLst>
+          </p:cNvPr>
+          <p:cNvCxnSpPr>
+            <a:cxnSpLocks/>
+          </p:cNvCxnSpPr>
+          <p:nvPr/>
+        </p:nvCxnSpPr>
+        <p:spPr>
+          <a:xfrm>
+            <a:off x="3793635" y="1425581"/>
+            <a:ext cx="0" cy="5394319"/>
+          </a:xfrm>
+          <a:prstGeom prst="line">
+            <a:avLst/>
+          </a:prstGeom>
+          <a:ln>
+            <a:solidFill>
+              <a:schemeClr val="bg1">
+                <a:lumMod val="85000"/>
+              </a:schemeClr>
+            </a:solidFill>
+          </a:ln>
+        </p:spPr>
+        <p:style>
+          <a:lnRef idx="1">
+            <a:schemeClr val="accent1"/>
+          </a:lnRef>
+          <a:fillRef idx="0">
+            <a:schemeClr val="accent1"/>
+          </a:fillRef>
+          <a:effectRef idx="0">
+            <a:schemeClr val="accent1"/>
+          </a:effectRef>
+          <a:fontRef idx="minor">
+            <a:schemeClr val="tx1"/>
+          </a:fontRef>
+        </p:style>
+      </p:cxnSp>
+      <p:cxnSp>
+        <p:nvCxnSpPr>
+          <p:cNvPr id="86" name="Straight Connector 85">
+            <a:extLst>
+              <a:ext uri="{FF2B5EF4-FFF2-40B4-BE49-F238E27FC236}">
+                <a16:creationId xmlns:a16="http://schemas.microsoft.com/office/drawing/2014/main" id="{3C203D66-430B-DCF0-B675-DC42EF584329}"/>
+              </a:ext>
+            </a:extLst>
+          </p:cNvPr>
+          <p:cNvCxnSpPr>
+            <a:cxnSpLocks/>
+          </p:cNvCxnSpPr>
+          <p:nvPr/>
+        </p:nvCxnSpPr>
+        <p:spPr>
+          <a:xfrm>
+            <a:off x="3886345" y="2718181"/>
+            <a:ext cx="0" cy="2555981"/>
+          </a:xfrm>
+          <a:prstGeom prst="line">
+            <a:avLst/>
+          </a:prstGeom>
+          <a:ln>
+            <a:solidFill>
+              <a:schemeClr val="bg1">
+                <a:lumMod val="85000"/>
+              </a:schemeClr>
+            </a:solidFill>
+          </a:ln>
+        </p:spPr>
+        <p:style>
+          <a:lnRef idx="1">
+            <a:schemeClr val="accent1"/>
+          </a:lnRef>
+          <a:fillRef idx="0">
+            <a:schemeClr val="accent1"/>
+          </a:fillRef>
+          <a:effectRef idx="0">
+            <a:schemeClr val="accent1"/>
+          </a:effectRef>
+          <a:fontRef idx="minor">
+            <a:schemeClr val="tx1"/>
+          </a:fontRef>
+        </p:style>
+      </p:cxnSp>
     </p:spTree>
     <p:extLst>
       <p:ext uri="{BB962C8B-B14F-4D97-AF65-F5344CB8AC3E}">

--- a/M6_Monocle_Pseudotime/M5_Monocle_Timeseries.pptx
+++ b/M6_Monocle_Pseudotime/M5_Monocle_Timeseries.pptx
@@ -212,7 +212,7 @@
           <a:p>
             <a:fld id="{FF40CFF0-3E11-4AF6-9747-7919C58FBC48}" type="datetimeFigureOut">
               <a:rPr lang="en-US" smtClean="0"/>
-              <a:t>2/27/2024</a:t>
+              <a:t>2/28/2024</a:t>
             </a:fld>
             <a:endParaRPr lang="en-US"/>
           </a:p>
@@ -1050,7 +1050,7 @@
           <a:p>
             <a:fld id="{9F69634C-F75C-45F7-A87A-C5E2AF3ECA41}" type="datetimeFigureOut">
               <a:rPr lang="en-US" smtClean="0"/>
-              <a:t>2/27/2024</a:t>
+              <a:t>2/28/2024</a:t>
             </a:fld>
             <a:endParaRPr lang="en-US"/>
           </a:p>
@@ -1215,7 +1215,7 @@
           <a:p>
             <a:fld id="{9F69634C-F75C-45F7-A87A-C5E2AF3ECA41}" type="datetimeFigureOut">
               <a:rPr lang="en-US" smtClean="0"/>
-              <a:t>2/27/2024</a:t>
+              <a:t>2/28/2024</a:t>
             </a:fld>
             <a:endParaRPr lang="en-US"/>
           </a:p>
@@ -1385,7 +1385,7 @@
           <a:p>
             <a:fld id="{9F69634C-F75C-45F7-A87A-C5E2AF3ECA41}" type="datetimeFigureOut">
               <a:rPr lang="en-US" smtClean="0"/>
-              <a:t>2/27/2024</a:t>
+              <a:t>2/28/2024</a:t>
             </a:fld>
             <a:endParaRPr lang="en-US"/>
           </a:p>
@@ -4440,7 +4440,7 @@
           <a:p>
             <a:fld id="{9F69634C-F75C-45F7-A87A-C5E2AF3ECA41}" type="datetimeFigureOut">
               <a:rPr lang="en-US" smtClean="0"/>
-              <a:t>2/27/2024</a:t>
+              <a:t>2/28/2024</a:t>
             </a:fld>
             <a:endParaRPr lang="en-US"/>
           </a:p>
@@ -4705,7 +4705,7 @@
           <a:p>
             <a:fld id="{9F69634C-F75C-45F7-A87A-C5E2AF3ECA41}" type="datetimeFigureOut">
               <a:rPr lang="en-US" smtClean="0"/>
-              <a:t>2/27/2024</a:t>
+              <a:t>2/28/2024</a:t>
             </a:fld>
             <a:endParaRPr lang="en-US"/>
           </a:p>
@@ -4818,7 +4818,7 @@
           <a:p>
             <a:fld id="{9F69634C-F75C-45F7-A87A-C5E2AF3ECA41}" type="datetimeFigureOut">
               <a:rPr lang="en-US" smtClean="0"/>
-              <a:t>2/27/2024</a:t>
+              <a:t>2/28/2024</a:t>
             </a:fld>
             <a:endParaRPr lang="en-US"/>
           </a:p>
@@ -5059,7 +5059,7 @@
           <a:p>
             <a:fld id="{9F69634C-F75C-45F7-A87A-C5E2AF3ECA41}" type="datetimeFigureOut">
               <a:rPr lang="en-US" smtClean="0"/>
-              <a:t>2/27/2024</a:t>
+              <a:t>2/28/2024</a:t>
             </a:fld>
             <a:endParaRPr lang="en-US"/>
           </a:p>
@@ -15092,18 +15092,7 @@
           <p:nvPr/>
         </p:nvPicPr>
         <p:blipFill>
-          <a:blip r:embed="rId6">
-            <a:clrChange>
-              <a:clrFrom>
-                <a:srgbClr val="FFFFFF"/>
-              </a:clrFrom>
-              <a:clrTo>
-                <a:srgbClr val="FFFFFF">
-                  <a:alpha val="0"/>
-                </a:srgbClr>
-              </a:clrTo>
-            </a:clrChange>
-          </a:blip>
+          <a:blip r:embed="rId6"/>
           <a:stretch>
             <a:fillRect/>
           </a:stretch>

--- a/M6_Monocle_Pseudotime/M5_Monocle_Timeseries.pptx
+++ b/M6_Monocle_Pseudotime/M5_Monocle_Timeseries.pptx
@@ -5,7 +5,7 @@
     <p:sldMasterId id="2147483656" r:id="rId1"/>
   </p:sldMasterIdLst>
   <p:notesMasterIdLst>
-    <p:notesMasterId r:id="rId18"/>
+    <p:notesMasterId r:id="rId19"/>
   </p:notesMasterIdLst>
   <p:sldIdLst>
     <p:sldId id="256" r:id="rId2"/>
@@ -24,6 +24,7 @@
     <p:sldId id="276" r:id="rId15"/>
     <p:sldId id="277" r:id="rId16"/>
     <p:sldId id="278" r:id="rId17"/>
+    <p:sldId id="279" r:id="rId18"/>
   </p:sldIdLst>
   <p:sldSz cx="12192000" cy="6858000"/>
   <p:notesSz cx="6858000" cy="9144000"/>
@@ -212,7 +213,7 @@
           <a:p>
             <a:fld id="{FF40CFF0-3E11-4AF6-9747-7919C58FBC48}" type="datetimeFigureOut">
               <a:rPr lang="en-US" smtClean="0"/>
-              <a:t>2/28/2024</a:t>
+              <a:t>4/1/2024</a:t>
             </a:fld>
             <a:endParaRPr lang="en-US"/>
           </a:p>
@@ -1050,7 +1051,7 @@
           <a:p>
             <a:fld id="{9F69634C-F75C-45F7-A87A-C5E2AF3ECA41}" type="datetimeFigureOut">
               <a:rPr lang="en-US" smtClean="0"/>
-              <a:t>2/28/2024</a:t>
+              <a:t>4/1/2024</a:t>
             </a:fld>
             <a:endParaRPr lang="en-US"/>
           </a:p>
@@ -1215,7 +1216,7 @@
           <a:p>
             <a:fld id="{9F69634C-F75C-45F7-A87A-C5E2AF3ECA41}" type="datetimeFigureOut">
               <a:rPr lang="en-US" smtClean="0"/>
-              <a:t>2/28/2024</a:t>
+              <a:t>4/1/2024</a:t>
             </a:fld>
             <a:endParaRPr lang="en-US"/>
           </a:p>
@@ -1385,7 +1386,7 @@
           <a:p>
             <a:fld id="{9F69634C-F75C-45F7-A87A-C5E2AF3ECA41}" type="datetimeFigureOut">
               <a:rPr lang="en-US" smtClean="0"/>
-              <a:t>2/28/2024</a:t>
+              <a:t>4/1/2024</a:t>
             </a:fld>
             <a:endParaRPr lang="en-US"/>
           </a:p>
@@ -4440,7 +4441,7 @@
           <a:p>
             <a:fld id="{9F69634C-F75C-45F7-A87A-C5E2AF3ECA41}" type="datetimeFigureOut">
               <a:rPr lang="en-US" smtClean="0"/>
-              <a:t>2/28/2024</a:t>
+              <a:t>4/1/2024</a:t>
             </a:fld>
             <a:endParaRPr lang="en-US"/>
           </a:p>
@@ -4705,7 +4706,7 @@
           <a:p>
             <a:fld id="{9F69634C-F75C-45F7-A87A-C5E2AF3ECA41}" type="datetimeFigureOut">
               <a:rPr lang="en-US" smtClean="0"/>
-              <a:t>2/28/2024</a:t>
+              <a:t>4/1/2024</a:t>
             </a:fld>
             <a:endParaRPr lang="en-US"/>
           </a:p>
@@ -4818,7 +4819,7 @@
           <a:p>
             <a:fld id="{9F69634C-F75C-45F7-A87A-C5E2AF3ECA41}" type="datetimeFigureOut">
               <a:rPr lang="en-US" smtClean="0"/>
-              <a:t>2/28/2024</a:t>
+              <a:t>4/1/2024</a:t>
             </a:fld>
             <a:endParaRPr lang="en-US"/>
           </a:p>
@@ -5059,7 +5060,7 @@
           <a:p>
             <a:fld id="{9F69634C-F75C-45F7-A87A-C5E2AF3ECA41}" type="datetimeFigureOut">
               <a:rPr lang="en-US" smtClean="0"/>
-              <a:t>2/28/2024</a:t>
+              <a:t>4/1/2024</a:t>
             </a:fld>
             <a:endParaRPr lang="en-US"/>
           </a:p>
@@ -6148,7 +6149,7 @@
         <p:spPr>
           <a:xfrm>
             <a:off x="91440" y="941832"/>
-            <a:ext cx="1599594" cy="4773168"/>
+            <a:ext cx="1599594" cy="4782312"/>
           </a:xfrm>
           <a:prstGeom prst="rect">
             <a:avLst/>
@@ -8461,6 +8462,240 @@
 </p:sld>
 </file>
 
+<file path=ppt/slides/slide17.xml><?xml version="1.0" encoding="utf-8"?>
+<p:sld xmlns:a="http://schemas.openxmlformats.org/drawingml/2006/main" xmlns:r="http://schemas.openxmlformats.org/officeDocument/2006/relationships" xmlns:p="http://schemas.openxmlformats.org/presentationml/2006/main">
+  <p:cSld>
+    <p:spTree>
+      <p:nvGrpSpPr>
+        <p:cNvPr id="1" name=""/>
+        <p:cNvGrpSpPr/>
+        <p:nvPr/>
+      </p:nvGrpSpPr>
+      <p:grpSpPr>
+        <a:xfrm>
+          <a:off x="0" y="0"/>
+          <a:ext cx="0" cy="0"/>
+          <a:chOff x="0" y="0"/>
+          <a:chExt cx="0" cy="0"/>
+        </a:xfrm>
+      </p:grpSpPr>
+      <p:sp>
+        <p:nvSpPr>
+          <p:cNvPr id="2" name="Title 1">
+            <a:extLst>
+              <a:ext uri="{FF2B5EF4-FFF2-40B4-BE49-F238E27FC236}">
+                <a16:creationId xmlns:a16="http://schemas.microsoft.com/office/drawing/2014/main" id="{AF75F2D2-8C5D-1162-038F-F3A45728EB27}"/>
+              </a:ext>
+            </a:extLst>
+          </p:cNvPr>
+          <p:cNvSpPr>
+            <a:spLocks noGrp="1"/>
+          </p:cNvSpPr>
+          <p:nvPr>
+            <p:ph type="title"/>
+          </p:nvPr>
+        </p:nvSpPr>
+        <p:spPr/>
+        <p:txBody>
+          <a:bodyPr/>
+          <a:lstStyle/>
+          <a:p>
+            <a:r>
+              <a:rPr lang="en-US" dirty="0"/>
+              <a:t>How do we know that trajectory is real?</a:t>
+            </a:r>
+          </a:p>
+        </p:txBody>
+      </p:sp>
+      <p:pic>
+        <p:nvPicPr>
+          <p:cNvPr id="4" name="Picture 3">
+            <a:extLst>
+              <a:ext uri="{FF2B5EF4-FFF2-40B4-BE49-F238E27FC236}">
+                <a16:creationId xmlns:a16="http://schemas.microsoft.com/office/drawing/2014/main" id="{85C15183-A6C1-A4B1-D09E-A9E118C57AFA}"/>
+              </a:ext>
+            </a:extLst>
+          </p:cNvPr>
+          <p:cNvPicPr>
+            <a:picLocks noChangeAspect="1"/>
+          </p:cNvPicPr>
+          <p:nvPr/>
+        </p:nvPicPr>
+        <p:blipFill rotWithShape="1">
+          <a:blip r:embed="rId2"/>
+          <a:srcRect b="41789"/>
+          <a:stretch/>
+        </p:blipFill>
+        <p:spPr>
+          <a:xfrm>
+            <a:off x="534618" y="1626056"/>
+            <a:ext cx="6105492" cy="568050"/>
+          </a:xfrm>
+          <a:prstGeom prst="rect">
+            <a:avLst/>
+          </a:prstGeom>
+        </p:spPr>
+      </p:pic>
+      <p:pic>
+        <p:nvPicPr>
+          <p:cNvPr id="6" name="Picture 5">
+            <a:extLst>
+              <a:ext uri="{FF2B5EF4-FFF2-40B4-BE49-F238E27FC236}">
+                <a16:creationId xmlns:a16="http://schemas.microsoft.com/office/drawing/2014/main" id="{3BB46C27-59FD-E177-39D0-1DE2ECBEA055}"/>
+              </a:ext>
+            </a:extLst>
+          </p:cNvPr>
+          <p:cNvPicPr>
+            <a:picLocks noChangeAspect="1"/>
+          </p:cNvPicPr>
+          <p:nvPr/>
+        </p:nvPicPr>
+        <p:blipFill>
+          <a:blip r:embed="rId3"/>
+          <a:stretch>
+            <a:fillRect/>
+          </a:stretch>
+        </p:blipFill>
+        <p:spPr>
+          <a:xfrm>
+            <a:off x="534618" y="2405357"/>
+            <a:ext cx="4309251" cy="578597"/>
+          </a:xfrm>
+          <a:prstGeom prst="rect">
+            <a:avLst/>
+          </a:prstGeom>
+        </p:spPr>
+      </p:pic>
+      <p:pic>
+        <p:nvPicPr>
+          <p:cNvPr id="1026" name="Picture 2">
+            <a:extLst>
+              <a:ext uri="{FF2B5EF4-FFF2-40B4-BE49-F238E27FC236}">
+                <a16:creationId xmlns:a16="http://schemas.microsoft.com/office/drawing/2014/main" id="{0E9EB1D6-9EF3-23ED-0B4F-D489469ABD0F}"/>
+              </a:ext>
+            </a:extLst>
+          </p:cNvPr>
+          <p:cNvPicPr>
+            <a:picLocks noChangeAspect="1" noChangeArrowheads="1"/>
+          </p:cNvPicPr>
+          <p:nvPr/>
+        </p:nvPicPr>
+        <p:blipFill>
+          <a:blip r:embed="rId4">
+            <a:extLst>
+              <a:ext uri="{28A0092B-C50C-407E-A947-70E740481C1C}">
+                <a14:useLocalDpi xmlns:a14="http://schemas.microsoft.com/office/drawing/2010/main" val="0"/>
+              </a:ext>
+            </a:extLst>
+          </a:blip>
+          <a:srcRect/>
+          <a:stretch>
+            <a:fillRect/>
+          </a:stretch>
+        </p:blipFill>
+        <p:spPr bwMode="auto">
+          <a:xfrm>
+            <a:off x="5150954" y="1910081"/>
+            <a:ext cx="6434494" cy="1599534"/>
+          </a:xfrm>
+          <a:prstGeom prst="rect">
+            <a:avLst/>
+          </a:prstGeom>
+          <a:noFill/>
+          <a:extLst>
+            <a:ext uri="{909E8E84-426E-40DD-AFC4-6F175D3DCCD1}">
+              <a14:hiddenFill xmlns:a14="http://schemas.microsoft.com/office/drawing/2010/main">
+                <a:solidFill>
+                  <a:srgbClr val="FFFFFF"/>
+                </a:solidFill>
+              </a14:hiddenFill>
+            </a:ext>
+          </a:extLst>
+        </p:spPr>
+      </p:pic>
+      <p:sp>
+        <p:nvSpPr>
+          <p:cNvPr id="7" name="TextBox 6">
+            <a:extLst>
+              <a:ext uri="{FF2B5EF4-FFF2-40B4-BE49-F238E27FC236}">
+                <a16:creationId xmlns:a16="http://schemas.microsoft.com/office/drawing/2014/main" id="{7AEE448B-EFDB-4ED0-1BA0-5A0E5BCA322F}"/>
+              </a:ext>
+            </a:extLst>
+          </p:cNvPr>
+          <p:cNvSpPr txBox="1"/>
+          <p:nvPr/>
+        </p:nvSpPr>
+        <p:spPr>
+          <a:xfrm>
+            <a:off x="256032" y="3874047"/>
+            <a:ext cx="4174541" cy="369332"/>
+          </a:xfrm>
+          <a:prstGeom prst="rect">
+            <a:avLst/>
+          </a:prstGeom>
+          <a:noFill/>
+        </p:spPr>
+        <p:txBody>
+          <a:bodyPr wrap="none" rtlCol="0">
+            <a:spAutoFit/>
+          </a:bodyPr>
+          <a:lstStyle/>
+          <a:p>
+            <a:r>
+              <a:rPr lang="en-US" b="1" dirty="0"/>
+              <a:t>2) Inspection and Experimental Validation</a:t>
+            </a:r>
+          </a:p>
+        </p:txBody>
+      </p:sp>
+      <p:sp>
+        <p:nvSpPr>
+          <p:cNvPr id="8" name="TextBox 7">
+            <a:extLst>
+              <a:ext uri="{FF2B5EF4-FFF2-40B4-BE49-F238E27FC236}">
+                <a16:creationId xmlns:a16="http://schemas.microsoft.com/office/drawing/2014/main" id="{762A79B4-ED66-C0C2-FD89-B6C3711AA7A0}"/>
+              </a:ext>
+            </a:extLst>
+          </p:cNvPr>
+          <p:cNvSpPr txBox="1"/>
+          <p:nvPr/>
+        </p:nvSpPr>
+        <p:spPr>
+          <a:xfrm>
+            <a:off x="256032" y="1039142"/>
+            <a:ext cx="5602046" cy="369332"/>
+          </a:xfrm>
+          <a:prstGeom prst="rect">
+            <a:avLst/>
+          </a:prstGeom>
+          <a:noFill/>
+        </p:spPr>
+        <p:txBody>
+          <a:bodyPr wrap="none" rtlCol="0">
+            <a:spAutoFit/>
+          </a:bodyPr>
+          <a:lstStyle/>
+          <a:p>
+            <a:r>
+              <a:rPr lang="en-US" b="1" dirty="0"/>
+              <a:t>1) Statistical Analysis (Ongoing research &amp; Development)</a:t>
+            </a:r>
+          </a:p>
+        </p:txBody>
+      </p:sp>
+    </p:spTree>
+    <p:extLst>
+      <p:ext uri="{BB962C8B-B14F-4D97-AF65-F5344CB8AC3E}">
+        <p14:creationId xmlns:p14="http://schemas.microsoft.com/office/powerpoint/2010/main" val="2068461900"/>
+      </p:ext>
+    </p:extLst>
+  </p:cSld>
+  <p:clrMapOvr>
+    <a:masterClrMapping/>
+  </p:clrMapOvr>
+</p:sld>
+</file>
+
 <file path=ppt/slides/slide2.xml><?xml version="1.0" encoding="utf-8"?>
 <p:sld xmlns:a="http://schemas.openxmlformats.org/drawingml/2006/main" xmlns:r="http://schemas.openxmlformats.org/officeDocument/2006/relationships" xmlns:p="http://schemas.openxmlformats.org/presentationml/2006/main">
   <p:cSld>
@@ -8528,7 +8763,7 @@
         </p:nvSpPr>
         <p:spPr>
           <a:xfrm>
-            <a:off x="898525" y="1166336"/>
+            <a:off x="274411" y="1198154"/>
             <a:ext cx="6191250" cy="1477328"/>
           </a:xfrm>
           <a:prstGeom prst="rect">
@@ -8587,7 +8822,7 @@
         </p:blipFill>
         <p:spPr>
           <a:xfrm>
-            <a:off x="1200150" y="2837993"/>
+            <a:off x="832617" y="3013325"/>
             <a:ext cx="8058150" cy="3729772"/>
           </a:xfrm>
           <a:prstGeom prst="rect">
@@ -8609,8 +8844,8 @@
         </p:nvSpPr>
         <p:spPr>
           <a:xfrm>
-            <a:off x="6822309" y="1720334"/>
-            <a:ext cx="7785336" cy="923330"/>
+            <a:off x="7330309" y="1059655"/>
+            <a:ext cx="4471166" cy="1754326"/>
           </a:xfrm>
           <a:prstGeom prst="rect">
             <a:avLst/>
@@ -8618,7 +8853,7 @@
           <a:noFill/>
         </p:spPr>
         <p:txBody>
-          <a:bodyPr wrap="none" rtlCol="0">
+          <a:bodyPr wrap="square" rtlCol="0">
             <a:spAutoFit/>
           </a:bodyPr>
           <a:lstStyle/>

--- a/M6_Monocle_Pseudotime/M5_Monocle_Timeseries.pptx
+++ b/M6_Monocle_Pseudotime/M5_Monocle_Timeseries.pptx
@@ -8595,7 +8595,7 @@
         </p:blipFill>
         <p:spPr bwMode="auto">
           <a:xfrm>
-            <a:off x="5150954" y="1910081"/>
+            <a:off x="5141810" y="2047027"/>
             <a:ext cx="6434494" cy="1599534"/>
           </a:xfrm>
           <a:prstGeom prst="rect">
@@ -8628,7 +8628,7 @@
         <p:spPr>
           <a:xfrm>
             <a:off x="256032" y="3874047"/>
-            <a:ext cx="4174541" cy="369332"/>
+            <a:ext cx="4630819" cy="400110"/>
           </a:xfrm>
           <a:prstGeom prst="rect">
             <a:avLst/>
@@ -8642,7 +8642,7 @@
           <a:lstStyle/>
           <a:p>
             <a:r>
-              <a:rPr lang="en-US" b="1" dirty="0"/>
+              <a:rPr lang="en-US" sz="2000" b="1" dirty="0"/>
               <a:t>2) Inspection and Experimental Validation</a:t>
             </a:r>
           </a:p>
@@ -8662,8 +8662,8 @@
         </p:nvSpPr>
         <p:spPr>
           <a:xfrm>
-            <a:off x="256032" y="1039142"/>
-            <a:ext cx="5602046" cy="369332"/>
+            <a:off x="256032" y="1064925"/>
+            <a:ext cx="6221318" cy="400110"/>
           </a:xfrm>
           <a:prstGeom prst="rect">
             <a:avLst/>
@@ -8677,7 +8677,7 @@
           <a:lstStyle/>
           <a:p>
             <a:r>
-              <a:rPr lang="en-US" b="1" dirty="0"/>
+              <a:rPr lang="en-US" sz="2000" b="1" dirty="0"/>
               <a:t>1) Statistical Analysis (Ongoing research &amp; Development)</a:t>
             </a:r>
           </a:p>

--- a/M6_Monocle_Pseudotime/M5_Monocle_Timeseries.pptx
+++ b/M6_Monocle_Pseudotime/M5_Monocle_Timeseries.pptx
@@ -213,7 +213,7 @@
           <a:p>
             <a:fld id="{FF40CFF0-3E11-4AF6-9747-7919C58FBC48}" type="datetimeFigureOut">
               <a:rPr lang="en-US" smtClean="0"/>
-              <a:t>4/1/2024</a:t>
+              <a:t>4/3/2024</a:t>
             </a:fld>
             <a:endParaRPr lang="en-US"/>
           </a:p>
@@ -1051,7 +1051,7 @@
           <a:p>
             <a:fld id="{9F69634C-F75C-45F7-A87A-C5E2AF3ECA41}" type="datetimeFigureOut">
               <a:rPr lang="en-US" smtClean="0"/>
-              <a:t>4/1/2024</a:t>
+              <a:t>4/3/2024</a:t>
             </a:fld>
             <a:endParaRPr lang="en-US"/>
           </a:p>
@@ -1216,7 +1216,7 @@
           <a:p>
             <a:fld id="{9F69634C-F75C-45F7-A87A-C5E2AF3ECA41}" type="datetimeFigureOut">
               <a:rPr lang="en-US" smtClean="0"/>
-              <a:t>4/1/2024</a:t>
+              <a:t>4/3/2024</a:t>
             </a:fld>
             <a:endParaRPr lang="en-US"/>
           </a:p>
@@ -1386,7 +1386,7 @@
           <a:p>
             <a:fld id="{9F69634C-F75C-45F7-A87A-C5E2AF3ECA41}" type="datetimeFigureOut">
               <a:rPr lang="en-US" smtClean="0"/>
-              <a:t>4/1/2024</a:t>
+              <a:t>4/3/2024</a:t>
             </a:fld>
             <a:endParaRPr lang="en-US"/>
           </a:p>
@@ -4441,7 +4441,7 @@
           <a:p>
             <a:fld id="{9F69634C-F75C-45F7-A87A-C5E2AF3ECA41}" type="datetimeFigureOut">
               <a:rPr lang="en-US" smtClean="0"/>
-              <a:t>4/1/2024</a:t>
+              <a:t>4/3/2024</a:t>
             </a:fld>
             <a:endParaRPr lang="en-US"/>
           </a:p>
@@ -4706,7 +4706,7 @@
           <a:p>
             <a:fld id="{9F69634C-F75C-45F7-A87A-C5E2AF3ECA41}" type="datetimeFigureOut">
               <a:rPr lang="en-US" smtClean="0"/>
-              <a:t>4/1/2024</a:t>
+              <a:t>4/3/2024</a:t>
             </a:fld>
             <a:endParaRPr lang="en-US"/>
           </a:p>
@@ -4819,7 +4819,7 @@
           <a:p>
             <a:fld id="{9F69634C-F75C-45F7-A87A-C5E2AF3ECA41}" type="datetimeFigureOut">
               <a:rPr lang="en-US" smtClean="0"/>
-              <a:t>4/1/2024</a:t>
+              <a:t>4/3/2024</a:t>
             </a:fld>
             <a:endParaRPr lang="en-US"/>
           </a:p>
@@ -5060,7 +5060,7 @@
           <a:p>
             <a:fld id="{9F69634C-F75C-45F7-A87A-C5E2AF3ECA41}" type="datetimeFigureOut">
               <a:rPr lang="en-US" smtClean="0"/>
-              <a:t>4/1/2024</a:t>
+              <a:t>4/3/2024</a:t>
             </a:fld>
             <a:endParaRPr lang="en-US"/>
           </a:p>
@@ -5847,15 +5847,10 @@
               <a:t>scRNA</a:t>
             </a:r>
             <a:r>
-              <a:rPr lang="en-US" dirty="0"/>
-              <a:t> Workshop, 2024</a:t>
-            </a:r>
-          </a:p>
-          <a:p>
-            <a:r>
-              <a:rPr lang="en-US" dirty="0"/>
-              <a:t>Bruce Corliss, PhD and Allison Dickey, PhD</a:t>
-            </a:r>
+              <a:rPr lang="en-US"/>
+              <a:t>-Seq Workshop, 2024</a:t>
+            </a:r>
+            <a:endParaRPr lang="en-US" dirty="0"/>
           </a:p>
         </p:txBody>
       </p:sp>
